--- a/現代 JavaScript 職人之路｜ 中階篇.pptx
+++ b/現代 JavaScript 職人之路｜ 中階篇.pptx
@@ -35,6 +35,19 @@
     <p:sldId id="284" r:id="rId29"/>
     <p:sldId id="285" r:id="rId30"/>
     <p:sldId id="283" r:id="rId31"/>
+    <p:sldId id="286" r:id="rId32"/>
+    <p:sldId id="287" r:id="rId33"/>
+    <p:sldId id="288" r:id="rId34"/>
+    <p:sldId id="298" r:id="rId35"/>
+    <p:sldId id="289" r:id="rId36"/>
+    <p:sldId id="290" r:id="rId37"/>
+    <p:sldId id="291" r:id="rId38"/>
+    <p:sldId id="292" r:id="rId39"/>
+    <p:sldId id="293" r:id="rId40"/>
+    <p:sldId id="294" r:id="rId41"/>
+    <p:sldId id="297" r:id="rId42"/>
+    <p:sldId id="295" r:id="rId43"/>
+    <p:sldId id="296" r:id="rId44"/>
   </p:sldIdLst>
   <p:sldSz cx="12192000" cy="6858000"/>
   <p:notesSz cx="6858000" cy="9144000"/>
@@ -165,9 +178,26 @@
             <p14:sldId id="280"/>
             <p14:sldId id="281"/>
             <p14:sldId id="282"/>
+          </p14:sldIdLst>
+        </p14:section>
+        <p14:section name="未命名的章節" id="{BE3F8DFF-6BBA-42B8-9164-2B09C881F0BA}">
+          <p14:sldIdLst>
             <p14:sldId id="284"/>
             <p14:sldId id="285"/>
             <p14:sldId id="283"/>
+            <p14:sldId id="286"/>
+            <p14:sldId id="287"/>
+            <p14:sldId id="288"/>
+            <p14:sldId id="298"/>
+            <p14:sldId id="289"/>
+            <p14:sldId id="290"/>
+            <p14:sldId id="291"/>
+            <p14:sldId id="292"/>
+            <p14:sldId id="293"/>
+            <p14:sldId id="294"/>
+            <p14:sldId id="297"/>
+            <p14:sldId id="295"/>
+            <p14:sldId id="296"/>
           </p14:sldIdLst>
         </p14:section>
       </p14:sectionLst>
@@ -308,7 +338,7 @@
           <a:p>
             <a:fld id="{952160C1-7EC0-47F7-AD8A-DCC1B5F0EDED}" type="datetimeFigureOut">
               <a:rPr lang="zh-TW" altLang="en-US" smtClean="0"/>
-              <a:t>2019/5/4</a:t>
+              <a:t>2019/5/6</a:t>
             </a:fld>
             <a:endParaRPr lang="zh-TW" altLang="en-US"/>
           </a:p>
@@ -476,7 +506,7 @@
           <a:p>
             <a:fld id="{952160C1-7EC0-47F7-AD8A-DCC1B5F0EDED}" type="datetimeFigureOut">
               <a:rPr lang="zh-TW" altLang="en-US" smtClean="0"/>
-              <a:t>2019/5/4</a:t>
+              <a:t>2019/5/6</a:t>
             </a:fld>
             <a:endParaRPr lang="zh-TW" altLang="en-US"/>
           </a:p>
@@ -654,7 +684,7 @@
           <a:p>
             <a:fld id="{952160C1-7EC0-47F7-AD8A-DCC1B5F0EDED}" type="datetimeFigureOut">
               <a:rPr lang="zh-TW" altLang="en-US" smtClean="0"/>
-              <a:t>2019/5/4</a:t>
+              <a:t>2019/5/6</a:t>
             </a:fld>
             <a:endParaRPr lang="zh-TW" altLang="en-US"/>
           </a:p>
@@ -822,7 +852,7 @@
           <a:p>
             <a:fld id="{952160C1-7EC0-47F7-AD8A-DCC1B5F0EDED}" type="datetimeFigureOut">
               <a:rPr lang="zh-TW" altLang="en-US" smtClean="0"/>
-              <a:t>2019/5/4</a:t>
+              <a:t>2019/5/6</a:t>
             </a:fld>
             <a:endParaRPr lang="zh-TW" altLang="en-US"/>
           </a:p>
@@ -1067,7 +1097,7 @@
           <a:p>
             <a:fld id="{952160C1-7EC0-47F7-AD8A-DCC1B5F0EDED}" type="datetimeFigureOut">
               <a:rPr lang="zh-TW" altLang="en-US" smtClean="0"/>
-              <a:t>2019/5/4</a:t>
+              <a:t>2019/5/6</a:t>
             </a:fld>
             <a:endParaRPr lang="zh-TW" altLang="en-US"/>
           </a:p>
@@ -1296,7 +1326,7 @@
           <a:p>
             <a:fld id="{952160C1-7EC0-47F7-AD8A-DCC1B5F0EDED}" type="datetimeFigureOut">
               <a:rPr lang="zh-TW" altLang="en-US" smtClean="0"/>
-              <a:t>2019/5/4</a:t>
+              <a:t>2019/5/6</a:t>
             </a:fld>
             <a:endParaRPr lang="zh-TW" altLang="en-US"/>
           </a:p>
@@ -1660,7 +1690,7 @@
           <a:p>
             <a:fld id="{952160C1-7EC0-47F7-AD8A-DCC1B5F0EDED}" type="datetimeFigureOut">
               <a:rPr lang="zh-TW" altLang="en-US" smtClean="0"/>
-              <a:t>2019/5/4</a:t>
+              <a:t>2019/5/6</a:t>
             </a:fld>
             <a:endParaRPr lang="zh-TW" altLang="en-US"/>
           </a:p>
@@ -1777,7 +1807,7 @@
           <a:p>
             <a:fld id="{952160C1-7EC0-47F7-AD8A-DCC1B5F0EDED}" type="datetimeFigureOut">
               <a:rPr lang="zh-TW" altLang="en-US" smtClean="0"/>
-              <a:t>2019/5/4</a:t>
+              <a:t>2019/5/6</a:t>
             </a:fld>
             <a:endParaRPr lang="zh-TW" altLang="en-US"/>
           </a:p>
@@ -1872,7 +1902,7 @@
           <a:p>
             <a:fld id="{952160C1-7EC0-47F7-AD8A-DCC1B5F0EDED}" type="datetimeFigureOut">
               <a:rPr lang="zh-TW" altLang="en-US" smtClean="0"/>
-              <a:t>2019/5/4</a:t>
+              <a:t>2019/5/6</a:t>
             </a:fld>
             <a:endParaRPr lang="zh-TW" altLang="en-US"/>
           </a:p>
@@ -2147,7 +2177,7 @@
           <a:p>
             <a:fld id="{952160C1-7EC0-47F7-AD8A-DCC1B5F0EDED}" type="datetimeFigureOut">
               <a:rPr lang="zh-TW" altLang="en-US" smtClean="0"/>
-              <a:t>2019/5/4</a:t>
+              <a:t>2019/5/6</a:t>
             </a:fld>
             <a:endParaRPr lang="zh-TW" altLang="en-US"/>
           </a:p>
@@ -2399,7 +2429,7 @@
           <a:p>
             <a:fld id="{952160C1-7EC0-47F7-AD8A-DCC1B5F0EDED}" type="datetimeFigureOut">
               <a:rPr lang="zh-TW" altLang="en-US" smtClean="0"/>
-              <a:t>2019/5/4</a:t>
+              <a:t>2019/5/6</a:t>
             </a:fld>
             <a:endParaRPr lang="zh-TW" altLang="en-US"/>
           </a:p>
@@ -2613,7 +2643,7 @@
           <a:p>
             <a:fld id="{952160C1-7EC0-47F7-AD8A-DCC1B5F0EDED}" type="datetimeFigureOut">
               <a:rPr lang="zh-TW" altLang="en-US" smtClean="0"/>
-              <a:t>2019/5/4</a:t>
+              <a:t>2019/5/6</a:t>
             </a:fld>
             <a:endParaRPr lang="zh-TW" altLang="en-US"/>
           </a:p>
@@ -4449,6 +4479,15 @@
             </a:r>
           </a:p>
           <a:p>
+            <a:r>
+              <a:rPr lang="en-US" altLang="zh-TW" dirty="0">
+                <a:solidFill>
+                  <a:srgbClr val="F8F8F2"/>
+                </a:solidFill>
+                <a:latin typeface="Consolas" panose="020B0609020204030204" pitchFamily="49" charset="0"/>
+              </a:rPr>
+              <a:t/>
+            </a:r>
             <a:br>
               <a:rPr lang="en-US" altLang="zh-TW" dirty="0">
                 <a:solidFill>
@@ -4486,6 +4525,15 @@
             </a:r>
           </a:p>
           <a:p>
+            <a:r>
+              <a:rPr lang="en-US" altLang="zh-TW" dirty="0">
+                <a:solidFill>
+                  <a:srgbClr val="F8F8F2"/>
+                </a:solidFill>
+                <a:latin typeface="Consolas" panose="020B0609020204030204" pitchFamily="49" charset="0"/>
+              </a:rPr>
+              <a:t/>
+            </a:r>
             <a:br>
               <a:rPr lang="en-US" altLang="zh-TW" dirty="0">
                 <a:solidFill>
@@ -4880,6 +4928,15 @@
             </a:r>
           </a:p>
           <a:p>
+            <a:r>
+              <a:rPr lang="en-US" altLang="zh-TW" sz="1400" dirty="0">
+                <a:solidFill>
+                  <a:srgbClr val="F8F8F2"/>
+                </a:solidFill>
+                <a:latin typeface="Consolas" panose="020B0609020204030204" pitchFamily="49" charset="0"/>
+              </a:rPr>
+              <a:t/>
+            </a:r>
             <a:br>
               <a:rPr lang="en-US" altLang="zh-TW" sz="1400" dirty="0">
                 <a:solidFill>
@@ -9607,7 +9664,7 @@
           <p:cNvPr id="7" name="圖片 6">
             <a:extLst>
               <a:ext uri="{FF2B5EF4-FFF2-40B4-BE49-F238E27FC236}">
-                <a16:creationId xmlns:a16="http://schemas.microsoft.com/office/drawing/2014/main" id="{FCB4471C-65FC-5F49-8514-4E5F2DA03E92}"/>
+                <a16:creationId xmlns="" xmlns:a16="http://schemas.microsoft.com/office/drawing/2014/main" id="{FCB4471C-65FC-5F49-8514-4E5F2DA03E92}"/>
               </a:ext>
             </a:extLst>
           </p:cNvPr>
@@ -9643,7 +9700,7 @@
           <p:cNvPr id="8" name="標題 1">
             <a:extLst>
               <a:ext uri="{FF2B5EF4-FFF2-40B4-BE49-F238E27FC236}">
-                <a16:creationId xmlns:a16="http://schemas.microsoft.com/office/drawing/2014/main" id="{7312BAB0-ED4E-B441-973A-7DD55EFD13E6}"/>
+                <a16:creationId xmlns="" xmlns:a16="http://schemas.microsoft.com/office/drawing/2014/main" id="{7312BAB0-ED4E-B441-973A-7DD55EFD13E6}"/>
               </a:ext>
             </a:extLst>
           </p:cNvPr>
@@ -9722,7 +9779,7 @@
           <p:cNvPr id="10" name="矩形 9">
             <a:extLst>
               <a:ext uri="{FF2B5EF4-FFF2-40B4-BE49-F238E27FC236}">
-                <a16:creationId xmlns:a16="http://schemas.microsoft.com/office/drawing/2014/main" id="{711EB9EB-24D0-9241-AD5B-CA5B1D79376A}"/>
+                <a16:creationId xmlns="" xmlns:a16="http://schemas.microsoft.com/office/drawing/2014/main" id="{711EB9EB-24D0-9241-AD5B-CA5B1D79376A}"/>
               </a:ext>
             </a:extLst>
           </p:cNvPr>
@@ -9759,7 +9816,7 @@
           <p:cNvPr id="11" name="矩形 10">
             <a:extLst>
               <a:ext uri="{FF2B5EF4-FFF2-40B4-BE49-F238E27FC236}">
-                <a16:creationId xmlns:a16="http://schemas.microsoft.com/office/drawing/2014/main" id="{F703328C-F454-3342-B266-30FBD0602B3E}"/>
+                <a16:creationId xmlns="" xmlns:a16="http://schemas.microsoft.com/office/drawing/2014/main" id="{F703328C-F454-3342-B266-30FBD0602B3E}"/>
               </a:ext>
             </a:extLst>
           </p:cNvPr>
@@ -9846,7 +9903,7 @@
           <p:cNvPr id="4" name="矩形 3">
             <a:extLst>
               <a:ext uri="{FF2B5EF4-FFF2-40B4-BE49-F238E27FC236}">
-                <a16:creationId xmlns:a16="http://schemas.microsoft.com/office/drawing/2014/main" id="{156707A3-68A3-2F4A-8CDA-2F9B2532D0B3}"/>
+                <a16:creationId xmlns="" xmlns:a16="http://schemas.microsoft.com/office/drawing/2014/main" id="{156707A3-68A3-2F4A-8CDA-2F9B2532D0B3}"/>
               </a:ext>
             </a:extLst>
           </p:cNvPr>
@@ -9914,7 +9971,7 @@
           <p:cNvPr id="6" name="矩形 5">
             <a:extLst>
               <a:ext uri="{FF2B5EF4-FFF2-40B4-BE49-F238E27FC236}">
-                <a16:creationId xmlns:a16="http://schemas.microsoft.com/office/drawing/2014/main" id="{FB465A35-CC98-3F40-8C26-B37236DA0162}"/>
+                <a16:creationId xmlns="" xmlns:a16="http://schemas.microsoft.com/office/drawing/2014/main" id="{FB465A35-CC98-3F40-8C26-B37236DA0162}"/>
               </a:ext>
             </a:extLst>
           </p:cNvPr>
@@ -9951,7 +10008,7 @@
           <p:cNvPr id="7" name="矩形 6">
             <a:extLst>
               <a:ext uri="{FF2B5EF4-FFF2-40B4-BE49-F238E27FC236}">
-                <a16:creationId xmlns:a16="http://schemas.microsoft.com/office/drawing/2014/main" id="{DD9E23DF-C692-2246-B23B-E8A7F74751A8}"/>
+                <a16:creationId xmlns="" xmlns:a16="http://schemas.microsoft.com/office/drawing/2014/main" id="{DD9E23DF-C692-2246-B23B-E8A7F74751A8}"/>
               </a:ext>
             </a:extLst>
           </p:cNvPr>
@@ -10013,7 +10070,7 @@
           <p:cNvPr id="8" name="矩形 7">
             <a:extLst>
               <a:ext uri="{FF2B5EF4-FFF2-40B4-BE49-F238E27FC236}">
-                <a16:creationId xmlns:a16="http://schemas.microsoft.com/office/drawing/2014/main" id="{46C433FA-9CCB-9C41-8561-B25FB97C3997}"/>
+                <a16:creationId xmlns="" xmlns:a16="http://schemas.microsoft.com/office/drawing/2014/main" id="{46C433FA-9CCB-9C41-8561-B25FB97C3997}"/>
               </a:ext>
             </a:extLst>
           </p:cNvPr>
@@ -10075,7 +10132,7 @@
           <p:cNvPr id="9" name="矩形 8">
             <a:extLst>
               <a:ext uri="{FF2B5EF4-FFF2-40B4-BE49-F238E27FC236}">
-                <a16:creationId xmlns:a16="http://schemas.microsoft.com/office/drawing/2014/main" id="{C34E9026-3B18-AE45-AC95-5441221D9DF1}"/>
+                <a16:creationId xmlns="" xmlns:a16="http://schemas.microsoft.com/office/drawing/2014/main" id="{C34E9026-3B18-AE45-AC95-5441221D9DF1}"/>
               </a:ext>
             </a:extLst>
           </p:cNvPr>
@@ -10137,7 +10194,7 @@
           <p:cNvPr id="10" name="矩形 9">
             <a:extLst>
               <a:ext uri="{FF2B5EF4-FFF2-40B4-BE49-F238E27FC236}">
-                <a16:creationId xmlns:a16="http://schemas.microsoft.com/office/drawing/2014/main" id="{25AFE21C-8976-EB41-9B39-4A8704E5273E}"/>
+                <a16:creationId xmlns="" xmlns:a16="http://schemas.microsoft.com/office/drawing/2014/main" id="{25AFE21C-8976-EB41-9B39-4A8704E5273E}"/>
               </a:ext>
             </a:extLst>
           </p:cNvPr>
@@ -10202,7 +10259,7 @@
           <p:cNvPr id="11" name="矩形 10">
             <a:extLst>
               <a:ext uri="{FF2B5EF4-FFF2-40B4-BE49-F238E27FC236}">
-                <a16:creationId xmlns:a16="http://schemas.microsoft.com/office/drawing/2014/main" id="{22FA0140-3918-9144-8FB9-1D42FD66FCC6}"/>
+                <a16:creationId xmlns="" xmlns:a16="http://schemas.microsoft.com/office/drawing/2014/main" id="{22FA0140-3918-9144-8FB9-1D42FD66FCC6}"/>
               </a:ext>
             </a:extLst>
           </p:cNvPr>
@@ -10331,7 +10388,7 @@
           <p:cNvPr id="12" name="矩形 11">
             <a:extLst>
               <a:ext uri="{FF2B5EF4-FFF2-40B4-BE49-F238E27FC236}">
-                <a16:creationId xmlns:a16="http://schemas.microsoft.com/office/drawing/2014/main" id="{237AA689-99FD-CB47-839A-1BF31D73EC93}"/>
+                <a16:creationId xmlns="" xmlns:a16="http://schemas.microsoft.com/office/drawing/2014/main" id="{237AA689-99FD-CB47-839A-1BF31D73EC93}"/>
               </a:ext>
             </a:extLst>
           </p:cNvPr>
@@ -10460,7 +10517,7 @@
           <p:cNvPr id="21" name="圓角矩形 20">
             <a:extLst>
               <a:ext uri="{FF2B5EF4-FFF2-40B4-BE49-F238E27FC236}">
-                <a16:creationId xmlns:a16="http://schemas.microsoft.com/office/drawing/2014/main" id="{D3E17314-681B-E744-AA6E-06B60ED1D494}"/>
+                <a16:creationId xmlns="" xmlns:a16="http://schemas.microsoft.com/office/drawing/2014/main" id="{D3E17314-681B-E744-AA6E-06B60ED1D494}"/>
               </a:ext>
             </a:extLst>
           </p:cNvPr>
@@ -10506,7 +10563,7 @@
           <p:cNvPr id="2" name="矩形 1">
             <a:extLst>
               <a:ext uri="{FF2B5EF4-FFF2-40B4-BE49-F238E27FC236}">
-                <a16:creationId xmlns:a16="http://schemas.microsoft.com/office/drawing/2014/main" id="{1F91C1BF-2B69-564F-92C4-36851A2C2662}"/>
+                <a16:creationId xmlns="" xmlns:a16="http://schemas.microsoft.com/office/drawing/2014/main" id="{1F91C1BF-2B69-564F-92C4-36851A2C2662}"/>
               </a:ext>
             </a:extLst>
           </p:cNvPr>
@@ -10556,7 +10613,7 @@
           <p:cNvPr id="3" name="矩形 2">
             <a:extLst>
               <a:ext uri="{FF2B5EF4-FFF2-40B4-BE49-F238E27FC236}">
-                <a16:creationId xmlns:a16="http://schemas.microsoft.com/office/drawing/2014/main" id="{283C0B0F-C3B5-BD4F-883C-09F49FF67D1F}"/>
+                <a16:creationId xmlns="" xmlns:a16="http://schemas.microsoft.com/office/drawing/2014/main" id="{283C0B0F-C3B5-BD4F-883C-09F49FF67D1F}"/>
               </a:ext>
             </a:extLst>
           </p:cNvPr>
@@ -10606,7 +10663,7 @@
           <p:cNvPr id="4" name="橢圓 3">
             <a:extLst>
               <a:ext uri="{FF2B5EF4-FFF2-40B4-BE49-F238E27FC236}">
-                <a16:creationId xmlns:a16="http://schemas.microsoft.com/office/drawing/2014/main" id="{472F9B87-6FC9-B44F-A02E-9296A0720770}"/>
+                <a16:creationId xmlns="" xmlns:a16="http://schemas.microsoft.com/office/drawing/2014/main" id="{472F9B87-6FC9-B44F-A02E-9296A0720770}"/>
               </a:ext>
             </a:extLst>
           </p:cNvPr>
@@ -10654,7 +10711,7 @@
           <p:cNvPr id="6" name="直線箭頭接點 5">
             <a:extLst>
               <a:ext uri="{FF2B5EF4-FFF2-40B4-BE49-F238E27FC236}">
-                <a16:creationId xmlns:a16="http://schemas.microsoft.com/office/drawing/2014/main" id="{D38E5745-832A-E345-8A9F-5FF2C3D2EE19}"/>
+                <a16:creationId xmlns="" xmlns:a16="http://schemas.microsoft.com/office/drawing/2014/main" id="{D38E5745-832A-E345-8A9F-5FF2C3D2EE19}"/>
               </a:ext>
             </a:extLst>
           </p:cNvPr>
@@ -10693,7 +10750,7 @@
           <p:cNvPr id="7" name="直線箭頭接點 6">
             <a:extLst>
               <a:ext uri="{FF2B5EF4-FFF2-40B4-BE49-F238E27FC236}">
-                <a16:creationId xmlns:a16="http://schemas.microsoft.com/office/drawing/2014/main" id="{E9C3D736-A46A-1F45-BA83-98B2129B78D8}"/>
+                <a16:creationId xmlns="" xmlns:a16="http://schemas.microsoft.com/office/drawing/2014/main" id="{E9C3D736-A46A-1F45-BA83-98B2129B78D8}"/>
               </a:ext>
             </a:extLst>
           </p:cNvPr>
@@ -10734,7 +10791,7 @@
           <p:cNvPr id="9" name="矩形 8">
             <a:extLst>
               <a:ext uri="{FF2B5EF4-FFF2-40B4-BE49-F238E27FC236}">
-                <a16:creationId xmlns:a16="http://schemas.microsoft.com/office/drawing/2014/main" id="{27524826-70DB-0441-8303-37FC66D1FC5B}"/>
+                <a16:creationId xmlns="" xmlns:a16="http://schemas.microsoft.com/office/drawing/2014/main" id="{27524826-70DB-0441-8303-37FC66D1FC5B}"/>
               </a:ext>
             </a:extLst>
           </p:cNvPr>
@@ -10780,7 +10837,7 @@
           <p:cNvPr id="10" name="矩形 9">
             <a:extLst>
               <a:ext uri="{FF2B5EF4-FFF2-40B4-BE49-F238E27FC236}">
-                <a16:creationId xmlns:a16="http://schemas.microsoft.com/office/drawing/2014/main" id="{D5A40EA3-8607-7447-B5C5-1BA336DC4B1A}"/>
+                <a16:creationId xmlns="" xmlns:a16="http://schemas.microsoft.com/office/drawing/2014/main" id="{D5A40EA3-8607-7447-B5C5-1BA336DC4B1A}"/>
               </a:ext>
             </a:extLst>
           </p:cNvPr>
@@ -10828,7 +10885,7 @@
           <p:cNvPr id="11" name="矩形 10">
             <a:extLst>
               <a:ext uri="{FF2B5EF4-FFF2-40B4-BE49-F238E27FC236}">
-                <a16:creationId xmlns:a16="http://schemas.microsoft.com/office/drawing/2014/main" id="{D158EACD-7BFE-1141-B47B-73A9D59EB9ED}"/>
+                <a16:creationId xmlns="" xmlns:a16="http://schemas.microsoft.com/office/drawing/2014/main" id="{D158EACD-7BFE-1141-B47B-73A9D59EB9ED}"/>
               </a:ext>
             </a:extLst>
           </p:cNvPr>
@@ -10876,7 +10933,7 @@
           <p:cNvPr id="12" name="矩形 11">
             <a:extLst>
               <a:ext uri="{FF2B5EF4-FFF2-40B4-BE49-F238E27FC236}">
-                <a16:creationId xmlns:a16="http://schemas.microsoft.com/office/drawing/2014/main" id="{74E49627-882D-544A-8BCB-3B4BF797F6E9}"/>
+                <a16:creationId xmlns="" xmlns:a16="http://schemas.microsoft.com/office/drawing/2014/main" id="{74E49627-882D-544A-8BCB-3B4BF797F6E9}"/>
               </a:ext>
             </a:extLst>
           </p:cNvPr>
@@ -10922,7 +10979,7 @@
           <p:cNvPr id="13" name="矩形 12">
             <a:extLst>
               <a:ext uri="{FF2B5EF4-FFF2-40B4-BE49-F238E27FC236}">
-                <a16:creationId xmlns:a16="http://schemas.microsoft.com/office/drawing/2014/main" id="{20BC78A6-DC64-3947-9BB3-F887948FCEF2}"/>
+                <a16:creationId xmlns="" xmlns:a16="http://schemas.microsoft.com/office/drawing/2014/main" id="{20BC78A6-DC64-3947-9BB3-F887948FCEF2}"/>
               </a:ext>
             </a:extLst>
           </p:cNvPr>
@@ -10970,7 +11027,7 @@
           <p:cNvPr id="14" name="矩形 13">
             <a:extLst>
               <a:ext uri="{FF2B5EF4-FFF2-40B4-BE49-F238E27FC236}">
-                <a16:creationId xmlns:a16="http://schemas.microsoft.com/office/drawing/2014/main" id="{F0EF030A-79DE-B64D-A509-6ECC7BE738DE}"/>
+                <a16:creationId xmlns="" xmlns:a16="http://schemas.microsoft.com/office/drawing/2014/main" id="{F0EF030A-79DE-B64D-A509-6ECC7BE738DE}"/>
               </a:ext>
             </a:extLst>
           </p:cNvPr>
@@ -11018,7 +11075,7 @@
           <p:cNvPr id="15" name="矩形 14">
             <a:extLst>
               <a:ext uri="{FF2B5EF4-FFF2-40B4-BE49-F238E27FC236}">
-                <a16:creationId xmlns:a16="http://schemas.microsoft.com/office/drawing/2014/main" id="{F3E5F92F-E9C2-7C45-8671-F16256EE76D3}"/>
+                <a16:creationId xmlns="" xmlns:a16="http://schemas.microsoft.com/office/drawing/2014/main" id="{F3E5F92F-E9C2-7C45-8671-F16256EE76D3}"/>
               </a:ext>
             </a:extLst>
           </p:cNvPr>
@@ -11064,7 +11121,7 @@
           <p:cNvPr id="16" name="矩形 15">
             <a:extLst>
               <a:ext uri="{FF2B5EF4-FFF2-40B4-BE49-F238E27FC236}">
-                <a16:creationId xmlns:a16="http://schemas.microsoft.com/office/drawing/2014/main" id="{741F1151-B732-A149-A3A0-9570C9EF8329}"/>
+                <a16:creationId xmlns="" xmlns:a16="http://schemas.microsoft.com/office/drawing/2014/main" id="{741F1151-B732-A149-A3A0-9570C9EF8329}"/>
               </a:ext>
             </a:extLst>
           </p:cNvPr>
@@ -11112,7 +11169,7 @@
           <p:cNvPr id="17" name="矩形 16">
             <a:extLst>
               <a:ext uri="{FF2B5EF4-FFF2-40B4-BE49-F238E27FC236}">
-                <a16:creationId xmlns:a16="http://schemas.microsoft.com/office/drawing/2014/main" id="{F7FF4DA2-F64B-A74D-BCB8-5A8395B98315}"/>
+                <a16:creationId xmlns="" xmlns:a16="http://schemas.microsoft.com/office/drawing/2014/main" id="{F7FF4DA2-F64B-A74D-BCB8-5A8395B98315}"/>
               </a:ext>
             </a:extLst>
           </p:cNvPr>
@@ -11160,7 +11217,7 @@
           <p:cNvPr id="18" name="矩形 17">
             <a:extLst>
               <a:ext uri="{FF2B5EF4-FFF2-40B4-BE49-F238E27FC236}">
-                <a16:creationId xmlns:a16="http://schemas.microsoft.com/office/drawing/2014/main" id="{09E29AD8-5509-5B44-9539-95248F49BF82}"/>
+                <a16:creationId xmlns="" xmlns:a16="http://schemas.microsoft.com/office/drawing/2014/main" id="{09E29AD8-5509-5B44-9539-95248F49BF82}"/>
               </a:ext>
             </a:extLst>
           </p:cNvPr>
@@ -11206,7 +11263,7 @@
           <p:cNvPr id="19" name="矩形 18">
             <a:extLst>
               <a:ext uri="{FF2B5EF4-FFF2-40B4-BE49-F238E27FC236}">
-                <a16:creationId xmlns:a16="http://schemas.microsoft.com/office/drawing/2014/main" id="{6523B377-33A0-0F49-A5BF-5338157BBE09}"/>
+                <a16:creationId xmlns="" xmlns:a16="http://schemas.microsoft.com/office/drawing/2014/main" id="{6523B377-33A0-0F49-A5BF-5338157BBE09}"/>
               </a:ext>
             </a:extLst>
           </p:cNvPr>
@@ -11254,7 +11311,7 @@
           <p:cNvPr id="20" name="矩形 19">
             <a:extLst>
               <a:ext uri="{FF2B5EF4-FFF2-40B4-BE49-F238E27FC236}">
-                <a16:creationId xmlns:a16="http://schemas.microsoft.com/office/drawing/2014/main" id="{A77D0982-3F32-0E41-A364-B5E24518129C}"/>
+                <a16:creationId xmlns="" xmlns:a16="http://schemas.microsoft.com/office/drawing/2014/main" id="{A77D0982-3F32-0E41-A364-B5E24518129C}"/>
               </a:ext>
             </a:extLst>
           </p:cNvPr>
@@ -11302,7 +11359,7 @@
           <p:cNvPr id="23" name="直線箭頭接點 22">
             <a:extLst>
               <a:ext uri="{FF2B5EF4-FFF2-40B4-BE49-F238E27FC236}">
-                <a16:creationId xmlns:a16="http://schemas.microsoft.com/office/drawing/2014/main" id="{4B310916-6054-5644-AEDE-5A0A5FB5884A}"/>
+                <a16:creationId xmlns="" xmlns:a16="http://schemas.microsoft.com/office/drawing/2014/main" id="{4B310916-6054-5644-AEDE-5A0A5FB5884A}"/>
               </a:ext>
             </a:extLst>
           </p:cNvPr>
@@ -11381,7 +11438,7 @@
           <p:cNvPr id="2" name="矩形 1">
             <a:extLst>
               <a:ext uri="{FF2B5EF4-FFF2-40B4-BE49-F238E27FC236}">
-                <a16:creationId xmlns:a16="http://schemas.microsoft.com/office/drawing/2014/main" id="{3333882F-B381-5A41-9CA5-D1541ADC4406}"/>
+                <a16:creationId xmlns="" xmlns:a16="http://schemas.microsoft.com/office/drawing/2014/main" id="{3333882F-B381-5A41-9CA5-D1541ADC4406}"/>
               </a:ext>
             </a:extLst>
           </p:cNvPr>
@@ -11403,6 +11460,15 @@
           </a:bodyPr>
           <a:lstStyle/>
           <a:p>
+            <a:r>
+              <a:rPr lang="en-US" altLang="zh-TW" sz="1400" dirty="0">
+                <a:solidFill>
+                  <a:srgbClr val="F8F8F2"/>
+                </a:solidFill>
+                <a:latin typeface="Menlo" panose="020B0609030804020204" pitchFamily="49" charset="0"/>
+              </a:rPr>
+              <a:t/>
+            </a:r>
             <a:br>
               <a:rPr lang="en-US" altLang="zh-TW" sz="1400" dirty="0">
                 <a:solidFill>
@@ -12130,7 +12196,7 @@
           <p:cNvPr id="3" name="標題 1">
             <a:extLst>
               <a:ext uri="{FF2B5EF4-FFF2-40B4-BE49-F238E27FC236}">
-                <a16:creationId xmlns:a16="http://schemas.microsoft.com/office/drawing/2014/main" id="{207F22D1-A870-E444-BDAC-5CF5E258B61B}"/>
+                <a16:creationId xmlns="" xmlns:a16="http://schemas.microsoft.com/office/drawing/2014/main" id="{207F22D1-A870-E444-BDAC-5CF5E258B61B}"/>
               </a:ext>
             </a:extLst>
           </p:cNvPr>
@@ -12261,7 +12327,7 @@
           <p:cNvPr id="2" name="標題 1">
             <a:extLst>
               <a:ext uri="{FF2B5EF4-FFF2-40B4-BE49-F238E27FC236}">
-                <a16:creationId xmlns:a16="http://schemas.microsoft.com/office/drawing/2014/main" id="{E79C5F1B-4111-B34F-847E-75DCA5C284FD}"/>
+                <a16:creationId xmlns="" xmlns:a16="http://schemas.microsoft.com/office/drawing/2014/main" id="{E79C5F1B-4111-B34F-847E-75DCA5C284FD}"/>
               </a:ext>
             </a:extLst>
           </p:cNvPr>
@@ -12374,7 +12440,7 @@
           <p:cNvPr id="3" name="矩形 2">
             <a:extLst>
               <a:ext uri="{FF2B5EF4-FFF2-40B4-BE49-F238E27FC236}">
-                <a16:creationId xmlns:a16="http://schemas.microsoft.com/office/drawing/2014/main" id="{C1DC05E2-98B3-1B4A-A78F-CF4B51BFDFBB}"/>
+                <a16:creationId xmlns="" xmlns:a16="http://schemas.microsoft.com/office/drawing/2014/main" id="{C1DC05E2-98B3-1B4A-A78F-CF4B51BFDFBB}"/>
               </a:ext>
             </a:extLst>
           </p:cNvPr>
@@ -12655,7 +12721,7 @@
           <p:cNvPr id="5" name="矩形 4">
             <a:extLst>
               <a:ext uri="{FF2B5EF4-FFF2-40B4-BE49-F238E27FC236}">
-                <a16:creationId xmlns:a16="http://schemas.microsoft.com/office/drawing/2014/main" id="{6635FDE9-2CF8-AE4A-A10A-2FAF84E02666}"/>
+                <a16:creationId xmlns="" xmlns:a16="http://schemas.microsoft.com/office/drawing/2014/main" id="{6635FDE9-2CF8-AE4A-A10A-2FAF84E02666}"/>
               </a:ext>
             </a:extLst>
           </p:cNvPr>
@@ -12887,6 +12953,15 @@
             </a:r>
           </a:p>
           <a:p>
+            <a:r>
+              <a:rPr lang="en-US" altLang="zh-TW" sz="1400" dirty="0">
+                <a:solidFill>
+                  <a:srgbClr val="F8F8F2"/>
+                </a:solidFill>
+                <a:latin typeface="Menlo" panose="020B0609030804020204" pitchFamily="49" charset="0"/>
+              </a:rPr>
+              <a:t/>
+            </a:r>
             <a:br>
               <a:rPr lang="en-US" altLang="zh-TW" sz="1400" dirty="0">
                 <a:solidFill>
@@ -12919,7 +12994,7 @@
           <p:cNvPr id="9" name="直線接點 8">
             <a:extLst>
               <a:ext uri="{FF2B5EF4-FFF2-40B4-BE49-F238E27FC236}">
-                <a16:creationId xmlns:a16="http://schemas.microsoft.com/office/drawing/2014/main" id="{663E15BC-D355-DD49-ACAF-CD4696C742F0}"/>
+                <a16:creationId xmlns="" xmlns:a16="http://schemas.microsoft.com/office/drawing/2014/main" id="{663E15BC-D355-DD49-ACAF-CD4696C742F0}"/>
               </a:ext>
             </a:extLst>
           </p:cNvPr>
@@ -12956,7 +13031,7 @@
           <p:cNvPr id="10" name="直線接點 9">
             <a:extLst>
               <a:ext uri="{FF2B5EF4-FFF2-40B4-BE49-F238E27FC236}">
-                <a16:creationId xmlns:a16="http://schemas.microsoft.com/office/drawing/2014/main" id="{26E1520E-4942-514E-ABF2-B5D783EA90BB}"/>
+                <a16:creationId xmlns="" xmlns:a16="http://schemas.microsoft.com/office/drawing/2014/main" id="{26E1520E-4942-514E-ABF2-B5D783EA90BB}"/>
               </a:ext>
             </a:extLst>
           </p:cNvPr>
@@ -12995,7 +13070,7 @@
           <p:cNvPr id="15" name="直線箭頭接點 14">
             <a:extLst>
               <a:ext uri="{FF2B5EF4-FFF2-40B4-BE49-F238E27FC236}">
-                <a16:creationId xmlns:a16="http://schemas.microsoft.com/office/drawing/2014/main" id="{F4F14853-2EE5-C449-8BB5-0057F3418639}"/>
+                <a16:creationId xmlns="" xmlns:a16="http://schemas.microsoft.com/office/drawing/2014/main" id="{F4F14853-2EE5-C449-8BB5-0057F3418639}"/>
               </a:ext>
             </a:extLst>
           </p:cNvPr>
@@ -13034,7 +13109,7 @@
           <p:cNvPr id="16" name="直線接點 15">
             <a:extLst>
               <a:ext uri="{FF2B5EF4-FFF2-40B4-BE49-F238E27FC236}">
-                <a16:creationId xmlns:a16="http://schemas.microsoft.com/office/drawing/2014/main" id="{84CF1E2F-9A79-314C-8B15-D40532D9DB4B}"/>
+                <a16:creationId xmlns="" xmlns:a16="http://schemas.microsoft.com/office/drawing/2014/main" id="{84CF1E2F-9A79-314C-8B15-D40532D9DB4B}"/>
               </a:ext>
             </a:extLst>
           </p:cNvPr>
@@ -13079,7 +13154,7 @@
           <p:cNvPr id="18" name="直線接點 17">
             <a:extLst>
               <a:ext uri="{FF2B5EF4-FFF2-40B4-BE49-F238E27FC236}">
-                <a16:creationId xmlns:a16="http://schemas.microsoft.com/office/drawing/2014/main" id="{A526251F-213A-7C4D-8230-FD109843D69A}"/>
+                <a16:creationId xmlns="" xmlns:a16="http://schemas.microsoft.com/office/drawing/2014/main" id="{A526251F-213A-7C4D-8230-FD109843D69A}"/>
               </a:ext>
             </a:extLst>
           </p:cNvPr>
@@ -13124,7 +13199,7 @@
           <p:cNvPr id="20" name="直線箭頭接點 19">
             <a:extLst>
               <a:ext uri="{FF2B5EF4-FFF2-40B4-BE49-F238E27FC236}">
-                <a16:creationId xmlns:a16="http://schemas.microsoft.com/office/drawing/2014/main" id="{B3AD4B63-8EC0-894D-8FF2-753983E11F3B}"/>
+                <a16:creationId xmlns="" xmlns:a16="http://schemas.microsoft.com/office/drawing/2014/main" id="{B3AD4B63-8EC0-894D-8FF2-753983E11F3B}"/>
               </a:ext>
             </a:extLst>
           </p:cNvPr>
@@ -13195,6 +13270,259 @@
           <a:chExt cx="0" cy="0"/>
         </a:xfrm>
       </p:grpSpPr>
+      <p:sp>
+        <p:nvSpPr>
+          <p:cNvPr id="2" name="標題 1"/>
+          <p:cNvSpPr>
+            <a:spLocks noGrp="1"/>
+          </p:cNvSpPr>
+          <p:nvPr>
+            <p:ph type="title"/>
+          </p:nvPr>
+        </p:nvSpPr>
+        <p:spPr>
+          <a:xfrm>
+            <a:off x="1876792" y="2877207"/>
+            <a:ext cx="8016551" cy="869433"/>
+          </a:xfrm>
+        </p:spPr>
+        <p:txBody>
+          <a:bodyPr/>
+          <a:lstStyle/>
+          <a:p>
+            <a:pPr algn="ctr"/>
+            <a:r>
+              <a:rPr lang="en-US" altLang="zh-TW" sz="3200" dirty="0">
+                <a:solidFill>
+                  <a:srgbClr val="323230"/>
+                </a:solidFill>
+                <a:latin typeface="Consolas" panose="020B0609020204030204" pitchFamily="49" charset="0"/>
+                <a:cs typeface="Consolas" panose="020B0609020204030204" pitchFamily="49" charset="0"/>
+              </a:rPr>
+              <a:t>Regular </a:t>
+            </a:r>
+            <a:r>
+              <a:rPr lang="en-US" altLang="zh-TW" sz="3200" dirty="0" smtClean="0">
+                <a:solidFill>
+                  <a:srgbClr val="323230"/>
+                </a:solidFill>
+                <a:latin typeface="Consolas" panose="020B0609020204030204" pitchFamily="49" charset="0"/>
+                <a:cs typeface="Consolas" panose="020B0609020204030204" pitchFamily="49" charset="0"/>
+              </a:rPr>
+              <a:t>Expression</a:t>
+            </a:r>
+            <a:endParaRPr lang="zh-TW" altLang="en-US" sz="3200" dirty="0">
+              <a:solidFill>
+                <a:srgbClr val="323230"/>
+              </a:solidFill>
+              <a:latin typeface="Consolas" panose="020B0609020204030204" pitchFamily="49" charset="0"/>
+              <a:cs typeface="Consolas" panose="020B0609020204030204" pitchFamily="49" charset="0"/>
+            </a:endParaRPr>
+          </a:p>
+        </p:txBody>
+      </p:sp>
+      <p:sp>
+        <p:nvSpPr>
+          <p:cNvPr id="3" name="標題 1"/>
+          <p:cNvSpPr txBox="1">
+            <a:spLocks/>
+          </p:cNvSpPr>
+          <p:nvPr/>
+        </p:nvSpPr>
+        <p:spPr>
+          <a:xfrm>
+            <a:off x="1654947" y="3746640"/>
+            <a:ext cx="8460239" cy="409027"/>
+          </a:xfrm>
+          <a:prstGeom prst="rect">
+            <a:avLst/>
+          </a:prstGeom>
+        </p:spPr>
+        <p:txBody>
+          <a:bodyPr vert="horz" lIns="91440" tIns="45720" rIns="91440" bIns="45720" rtlCol="0" anchor="ctr">
+            <a:noAutofit/>
+          </a:bodyPr>
+          <a:lstStyle>
+            <a:lvl1pPr algn="l" defTabSz="914400" rtl="0" eaLnBrk="1" latinLnBrk="0" hangingPunct="1">
+              <a:lnSpc>
+                <a:spcPct val="90000"/>
+              </a:lnSpc>
+              <a:spcBef>
+                <a:spcPct val="0"/>
+              </a:spcBef>
+              <a:buNone/>
+              <a:defRPr sz="4400" kern="1200">
+                <a:solidFill>
+                  <a:schemeClr val="tx1"/>
+                </a:solidFill>
+                <a:latin typeface="+mj-lt"/>
+                <a:ea typeface="+mj-ea"/>
+                <a:cs typeface="+mj-cs"/>
+              </a:defRPr>
+            </a:lvl1pPr>
+          </a:lstStyle>
+          <a:p>
+            <a:pPr algn="ctr">
+              <a:lnSpc>
+                <a:spcPct val="150000"/>
+              </a:lnSpc>
+            </a:pPr>
+            <a:r>
+              <a:rPr lang="zh-TW" altLang="en-US" sz="1400" b="1" dirty="0">
+                <a:solidFill>
+                  <a:srgbClr val="323230"/>
+                </a:solidFill>
+                <a:latin typeface="Adobe 繁黑體 Std B" panose="020B0700000000000000" pitchFamily="34" charset="-120"/>
+                <a:ea typeface="Adobe 繁黑體 Std B" panose="020B0700000000000000" pitchFamily="34" charset="-120"/>
+              </a:rPr>
+              <a:t>正規表示</a:t>
+            </a:r>
+            <a:r>
+              <a:rPr lang="zh-TW" altLang="en-US" sz="1400" b="1" dirty="0" smtClean="0">
+                <a:solidFill>
+                  <a:srgbClr val="323230"/>
+                </a:solidFill>
+                <a:latin typeface="Adobe 繁黑體 Std B" panose="020B0700000000000000" pitchFamily="34" charset="-120"/>
+                <a:ea typeface="Adobe 繁黑體 Std B" panose="020B0700000000000000" pitchFamily="34" charset="-120"/>
+              </a:rPr>
+              <a:t>式、正</a:t>
+            </a:r>
+            <a:r>
+              <a:rPr lang="zh-TW" altLang="en-US" sz="1400" b="1" dirty="0">
+                <a:solidFill>
+                  <a:srgbClr val="323230"/>
+                </a:solidFill>
+                <a:latin typeface="Adobe 繁黑體 Std B" panose="020B0700000000000000" pitchFamily="34" charset="-120"/>
+                <a:ea typeface="Adobe 繁黑體 Std B" panose="020B0700000000000000" pitchFamily="34" charset="-120"/>
+              </a:rPr>
+              <a:t>則表達式</a:t>
+            </a:r>
+            <a:r>
+              <a:rPr lang="zh-TW" altLang="en-US" sz="1400" dirty="0">
+                <a:solidFill>
+                  <a:srgbClr val="323230"/>
+                </a:solidFill>
+                <a:latin typeface="Adobe 繁黑體 Std B" panose="020B0700000000000000" pitchFamily="34" charset="-120"/>
+                <a:ea typeface="Adobe 繁黑體 Std B" panose="020B0700000000000000" pitchFamily="34" charset="-120"/>
+              </a:rPr>
+              <a:t>、</a:t>
+            </a:r>
+            <a:r>
+              <a:rPr lang="zh-TW" altLang="en-US" sz="1400" b="1" dirty="0">
+                <a:solidFill>
+                  <a:srgbClr val="323230"/>
+                </a:solidFill>
+                <a:latin typeface="Adobe 繁黑體 Std B" panose="020B0700000000000000" pitchFamily="34" charset="-120"/>
+                <a:ea typeface="Adobe 繁黑體 Std B" panose="020B0700000000000000" pitchFamily="34" charset="-120"/>
+              </a:rPr>
+              <a:t>正規表示法、正規運算式、規則運算式、常規表示法</a:t>
+            </a:r>
+            <a:endParaRPr lang="zh-TW" altLang="en-US" sz="1400" dirty="0">
+              <a:solidFill>
+                <a:srgbClr val="323230"/>
+              </a:solidFill>
+              <a:latin typeface="Adobe 繁黑體 Std B" panose="020B0700000000000000" pitchFamily="34" charset="-120"/>
+              <a:ea typeface="Adobe 繁黑體 Std B" panose="020B0700000000000000" pitchFamily="34" charset="-120"/>
+              <a:cs typeface="Consolas" panose="020B0609020204030204" pitchFamily="49" charset="0"/>
+            </a:endParaRPr>
+          </a:p>
+        </p:txBody>
+      </p:sp>
+      <p:sp>
+        <p:nvSpPr>
+          <p:cNvPr id="4" name="標題 1"/>
+          <p:cNvSpPr txBox="1">
+            <a:spLocks/>
+          </p:cNvSpPr>
+          <p:nvPr/>
+        </p:nvSpPr>
+        <p:spPr>
+          <a:xfrm>
+            <a:off x="2762878" y="4061074"/>
+            <a:ext cx="6444184" cy="304399"/>
+          </a:xfrm>
+          <a:prstGeom prst="rect">
+            <a:avLst/>
+          </a:prstGeom>
+        </p:spPr>
+        <p:txBody>
+          <a:bodyPr vert="horz" lIns="91440" tIns="45720" rIns="91440" bIns="45720" rtlCol="0" anchor="ctr">
+            <a:noAutofit/>
+          </a:bodyPr>
+          <a:lstStyle>
+            <a:lvl1pPr algn="l" defTabSz="914400" rtl="0" eaLnBrk="1" latinLnBrk="0" hangingPunct="1">
+              <a:lnSpc>
+                <a:spcPct val="90000"/>
+              </a:lnSpc>
+              <a:spcBef>
+                <a:spcPct val="0"/>
+              </a:spcBef>
+              <a:buNone/>
+              <a:defRPr sz="4400" kern="1200">
+                <a:solidFill>
+                  <a:schemeClr val="tx1"/>
+                </a:solidFill>
+                <a:latin typeface="+mj-lt"/>
+                <a:ea typeface="+mj-ea"/>
+                <a:cs typeface="+mj-cs"/>
+              </a:defRPr>
+            </a:lvl1pPr>
+          </a:lstStyle>
+          <a:p>
+            <a:pPr algn="ctr">
+              <a:lnSpc>
+                <a:spcPct val="150000"/>
+              </a:lnSpc>
+            </a:pPr>
+            <a:r>
+              <a:rPr lang="zh-TW" altLang="en-US" sz="1000" b="1" dirty="0" smtClean="0">
+                <a:solidFill>
+                  <a:schemeClr val="accent2">
+                    <a:lumMod val="75000"/>
+                  </a:schemeClr>
+                </a:solidFill>
+                <a:latin typeface="Adobe 繁黑體 Std B" panose="020B0700000000000000" pitchFamily="34" charset="-120"/>
+                <a:ea typeface="Adobe 繁黑體 Std B" panose="020B0700000000000000" pitchFamily="34" charset="-120"/>
+              </a:rPr>
+              <a:t>正規表示</a:t>
+            </a:r>
+            <a:r>
+              <a:rPr lang="zh-TW" altLang="en-US" sz="1000" b="1" dirty="0">
+                <a:solidFill>
+                  <a:schemeClr val="accent2">
+                    <a:lumMod val="75000"/>
+                  </a:schemeClr>
+                </a:solidFill>
+                <a:latin typeface="Adobe 繁黑體 Std B" panose="020B0700000000000000" pitchFamily="34" charset="-120"/>
+                <a:ea typeface="Adobe 繁黑體 Std B" panose="020B0700000000000000" pitchFamily="34" charset="-120"/>
+              </a:rPr>
+              <a:t>式是電腦科學的一個</a:t>
+            </a:r>
+            <a:r>
+              <a:rPr lang="zh-TW" altLang="en-US" sz="1000" b="1" dirty="0" smtClean="0">
+                <a:solidFill>
+                  <a:schemeClr val="accent2">
+                    <a:lumMod val="75000"/>
+                  </a:schemeClr>
+                </a:solidFill>
+                <a:latin typeface="Adobe 繁黑體 Std B" panose="020B0700000000000000" pitchFamily="34" charset="-120"/>
+                <a:ea typeface="Adobe 繁黑體 Std B" panose="020B0700000000000000" pitchFamily="34" charset="-120"/>
+              </a:rPr>
+              <a:t>概念，使用單個字串來描述、符合一系列符合某個句法規則的字串。</a:t>
+            </a:r>
+            <a:endParaRPr lang="zh-TW" altLang="en-US" sz="1000" dirty="0">
+              <a:solidFill>
+                <a:schemeClr val="accent2">
+                  <a:lumMod val="75000"/>
+                </a:schemeClr>
+              </a:solidFill>
+              <a:latin typeface="Adobe 繁黑體 Std B" panose="020B0700000000000000" pitchFamily="34" charset="-120"/>
+              <a:ea typeface="Adobe 繁黑體 Std B" panose="020B0700000000000000" pitchFamily="34" charset="-120"/>
+              <a:cs typeface="Consolas" panose="020B0609020204030204" pitchFamily="49" charset="0"/>
+            </a:endParaRPr>
+          </a:p>
+        </p:txBody>
+      </p:sp>
     </p:spTree>
     <p:extLst>
       <p:ext uri="{BB962C8B-B14F-4D97-AF65-F5344CB8AC3E}">
@@ -13225,6 +13553,111 @@
           <a:chExt cx="0" cy="0"/>
         </a:xfrm>
       </p:grpSpPr>
+      <p:pic>
+        <p:nvPicPr>
+          <p:cNvPr id="2" name="圖片 1"/>
+          <p:cNvPicPr>
+            <a:picLocks noChangeAspect="1"/>
+          </p:cNvPicPr>
+          <p:nvPr/>
+        </p:nvPicPr>
+        <p:blipFill>
+          <a:blip r:embed="rId2">
+            <a:extLst>
+              <a:ext uri="{28A0092B-C50C-407E-A947-70E740481C1C}">
+                <a14:useLocalDpi xmlns:a14="http://schemas.microsoft.com/office/drawing/2010/main" val="0"/>
+              </a:ext>
+            </a:extLst>
+          </a:blip>
+          <a:stretch>
+            <a:fillRect/>
+          </a:stretch>
+        </p:blipFill>
+        <p:spPr>
+          <a:xfrm>
+            <a:off x="1151943" y="1137750"/>
+            <a:ext cx="9856436" cy="4553923"/>
+          </a:xfrm>
+          <a:prstGeom prst="rect">
+            <a:avLst/>
+          </a:prstGeom>
+        </p:spPr>
+      </p:pic>
+      <p:sp>
+        <p:nvSpPr>
+          <p:cNvPr id="3" name="矩形 2"/>
+          <p:cNvSpPr/>
+          <p:nvPr/>
+        </p:nvSpPr>
+        <p:spPr>
+          <a:xfrm>
+            <a:off x="1357216" y="5057191"/>
+            <a:ext cx="4863832" cy="400110"/>
+          </a:xfrm>
+          <a:prstGeom prst="rect">
+            <a:avLst/>
+          </a:prstGeom>
+        </p:spPr>
+        <p:txBody>
+          <a:bodyPr wrap="none">
+            <a:spAutoFit/>
+          </a:bodyPr>
+          <a:lstStyle/>
+          <a:p>
+            <a:r>
+              <a:rPr lang="zh-TW" altLang="en-US" sz="2000" dirty="0" smtClean="0">
+                <a:solidFill>
+                  <a:schemeClr val="bg1"/>
+                </a:solidFill>
+                <a:latin typeface="Adobe 繁黑體 Std B" panose="020B0700000000000000" pitchFamily="34" charset="-120"/>
+                <a:ea typeface="Adobe 繁黑體 Std B" panose="020B0700000000000000" pitchFamily="34" charset="-120"/>
+                <a:cs typeface="Consolas" panose="020B0609020204030204" pitchFamily="49" charset="0"/>
+              </a:rPr>
+              <a:t>線上測試工具 </a:t>
+            </a:r>
+            <a:r>
+              <a:rPr lang="en-US" altLang="zh-TW" sz="2000" dirty="0" smtClean="0">
+                <a:solidFill>
+                  <a:schemeClr val="bg1"/>
+                </a:solidFill>
+                <a:latin typeface="Adobe 繁黑體 Std B" panose="020B0700000000000000" pitchFamily="34" charset="-120"/>
+                <a:ea typeface="Adobe 繁黑體 Std B" panose="020B0700000000000000" pitchFamily="34" charset="-120"/>
+                <a:cs typeface="Consolas" panose="020B0609020204030204" pitchFamily="49" charset="0"/>
+              </a:rPr>
+              <a:t>:</a:t>
+            </a:r>
+            <a:r>
+              <a:rPr lang="zh-TW" altLang="en-US" sz="2000" dirty="0" smtClean="0">
+                <a:solidFill>
+                  <a:schemeClr val="bg1"/>
+                </a:solidFill>
+                <a:latin typeface="Adobe 繁黑體 Std B" panose="020B0700000000000000" pitchFamily="34" charset="-120"/>
+                <a:ea typeface="Adobe 繁黑體 Std B" panose="020B0700000000000000" pitchFamily="34" charset="-120"/>
+                <a:cs typeface="Consolas" panose="020B0609020204030204" pitchFamily="49" charset="0"/>
+              </a:rPr>
+              <a:t> </a:t>
+            </a:r>
+            <a:r>
+              <a:rPr lang="zh-TW" altLang="en-US" sz="2000" dirty="0" smtClean="0">
+                <a:solidFill>
+                  <a:schemeClr val="bg1"/>
+                </a:solidFill>
+                <a:latin typeface="Consolas" panose="020B0609020204030204" pitchFamily="49" charset="0"/>
+                <a:cs typeface="Consolas" panose="020B0609020204030204" pitchFamily="49" charset="0"/>
+                <a:hlinkClick r:id="rId3"/>
+              </a:rPr>
+              <a:t>https://regexper.com/</a:t>
+            </a:r>
+            <a:endParaRPr lang="zh-TW" altLang="en-US" sz="2000" dirty="0">
+              <a:solidFill>
+                <a:schemeClr val="bg1"/>
+              </a:solidFill>
+              <a:latin typeface="Consolas" panose="020B0609020204030204" pitchFamily="49" charset="0"/>
+              <a:cs typeface="Consolas" panose="020B0609020204030204" pitchFamily="49" charset="0"/>
+            </a:endParaRPr>
+          </a:p>
+        </p:txBody>
+      </p:sp>
     </p:spTree>
     <p:extLst>
       <p:ext uri="{BB962C8B-B14F-4D97-AF65-F5344CB8AC3E}">
@@ -13826,10 +14259,4484 @@
           <a:chExt cx="0" cy="0"/>
         </a:xfrm>
       </p:grpSpPr>
+      <p:sp>
+        <p:nvSpPr>
+          <p:cNvPr id="2" name="矩形 1"/>
+          <p:cNvSpPr/>
+          <p:nvPr/>
+        </p:nvSpPr>
+        <p:spPr>
+          <a:xfrm>
+            <a:off x="3014217" y="2580435"/>
+            <a:ext cx="6403910" cy="1938992"/>
+          </a:xfrm>
+          <a:prstGeom prst="rect">
+            <a:avLst/>
+          </a:prstGeom>
+        </p:spPr>
+        <p:txBody>
+          <a:bodyPr wrap="square">
+            <a:spAutoFit/>
+          </a:bodyPr>
+          <a:lstStyle/>
+          <a:p>
+            <a:r>
+              <a:rPr lang="en-US" altLang="zh-TW" sz="2400" b="0" i="0" dirty="0" smtClean="0">
+                <a:solidFill>
+                  <a:srgbClr val="323230"/>
+                </a:solidFill>
+                <a:effectLst/>
+                <a:latin typeface="Consolas" panose="020B0609020204030204" pitchFamily="49" charset="0"/>
+                <a:cs typeface="Consolas" panose="020B0609020204030204" pitchFamily="49" charset="0"/>
+              </a:rPr>
+              <a:t>/^(([^&lt;&gt;()[</a:t>
+            </a:r>
+            <a:r>
+              <a:rPr lang="en-US" altLang="zh-TW" sz="2400" b="1" i="0" dirty="0" smtClean="0">
+                <a:solidFill>
+                  <a:srgbClr val="323230"/>
+                </a:solidFill>
+                <a:effectLst/>
+                <a:latin typeface="Consolas" panose="020B0609020204030204" pitchFamily="49" charset="0"/>
+                <a:cs typeface="Consolas" panose="020B0609020204030204" pitchFamily="49" charset="0"/>
+              </a:rPr>
+              <a:t>\]\\</a:t>
+            </a:r>
+            <a:r>
+              <a:rPr lang="en-US" altLang="zh-TW" sz="2400" b="0" i="0" dirty="0" smtClean="0">
+                <a:solidFill>
+                  <a:srgbClr val="323230"/>
+                </a:solidFill>
+                <a:effectLst/>
+                <a:latin typeface="Consolas" panose="020B0609020204030204" pitchFamily="49" charset="0"/>
+                <a:cs typeface="Consolas" panose="020B0609020204030204" pitchFamily="49" charset="0"/>
+              </a:rPr>
+              <a:t>.,;:\s@</a:t>
+            </a:r>
+            <a:r>
+              <a:rPr lang="en-US" altLang="zh-TW" sz="2400" b="1" i="0" dirty="0" smtClean="0">
+                <a:solidFill>
+                  <a:srgbClr val="323230"/>
+                </a:solidFill>
+                <a:effectLst/>
+                <a:latin typeface="Consolas" panose="020B0609020204030204" pitchFamily="49" charset="0"/>
+                <a:cs typeface="Consolas" panose="020B0609020204030204" pitchFamily="49" charset="0"/>
+              </a:rPr>
+              <a:t>\"</a:t>
+            </a:r>
+            <a:r>
+              <a:rPr lang="en-US" altLang="zh-TW" sz="2400" b="0" i="0" dirty="0" smtClean="0">
+                <a:solidFill>
+                  <a:srgbClr val="323230"/>
+                </a:solidFill>
+                <a:effectLst/>
+                <a:latin typeface="Consolas" panose="020B0609020204030204" pitchFamily="49" charset="0"/>
+                <a:cs typeface="Consolas" panose="020B0609020204030204" pitchFamily="49" charset="0"/>
+              </a:rPr>
+              <a:t>]+(</a:t>
+            </a:r>
+            <a:r>
+              <a:rPr lang="en-US" altLang="zh-TW" sz="2400" b="1" i="0" dirty="0" smtClean="0">
+                <a:solidFill>
+                  <a:srgbClr val="323230"/>
+                </a:solidFill>
+                <a:effectLst/>
+                <a:latin typeface="Consolas" panose="020B0609020204030204" pitchFamily="49" charset="0"/>
+                <a:cs typeface="Consolas" panose="020B0609020204030204" pitchFamily="49" charset="0"/>
+              </a:rPr>
+              <a:t>\.</a:t>
+            </a:r>
+            <a:r>
+              <a:rPr lang="en-US" altLang="zh-TW" sz="2400" b="0" i="0" dirty="0" smtClean="0">
+                <a:solidFill>
+                  <a:srgbClr val="323230"/>
+                </a:solidFill>
+                <a:effectLst/>
+                <a:latin typeface="Consolas" panose="020B0609020204030204" pitchFamily="49" charset="0"/>
+                <a:cs typeface="Consolas" panose="020B0609020204030204" pitchFamily="49" charset="0"/>
+              </a:rPr>
+              <a:t>[^&lt;&gt;()[</a:t>
+            </a:r>
+            <a:r>
+              <a:rPr lang="en-US" altLang="zh-TW" sz="2400" b="1" i="0" dirty="0" smtClean="0">
+                <a:solidFill>
+                  <a:srgbClr val="323230"/>
+                </a:solidFill>
+                <a:effectLst/>
+                <a:latin typeface="Consolas" panose="020B0609020204030204" pitchFamily="49" charset="0"/>
+                <a:cs typeface="Consolas" panose="020B0609020204030204" pitchFamily="49" charset="0"/>
+              </a:rPr>
+              <a:t>\]\\</a:t>
+            </a:r>
+            <a:r>
+              <a:rPr lang="en-US" altLang="zh-TW" sz="2400" b="0" i="0" dirty="0" smtClean="0">
+                <a:solidFill>
+                  <a:srgbClr val="323230"/>
+                </a:solidFill>
+                <a:effectLst/>
+                <a:latin typeface="Consolas" panose="020B0609020204030204" pitchFamily="49" charset="0"/>
+                <a:cs typeface="Consolas" panose="020B0609020204030204" pitchFamily="49" charset="0"/>
+              </a:rPr>
+              <a:t>.,;:\s@</a:t>
+            </a:r>
+            <a:r>
+              <a:rPr lang="en-US" altLang="zh-TW" sz="2400" b="1" i="0" dirty="0" smtClean="0">
+                <a:solidFill>
+                  <a:srgbClr val="323230"/>
+                </a:solidFill>
+                <a:effectLst/>
+                <a:latin typeface="Consolas" panose="020B0609020204030204" pitchFamily="49" charset="0"/>
+                <a:cs typeface="Consolas" panose="020B0609020204030204" pitchFamily="49" charset="0"/>
+              </a:rPr>
+              <a:t>\"</a:t>
+            </a:r>
+            <a:r>
+              <a:rPr lang="en-US" altLang="zh-TW" sz="2400" b="0" i="0" dirty="0" smtClean="0">
+                <a:solidFill>
+                  <a:srgbClr val="323230"/>
+                </a:solidFill>
+                <a:effectLst/>
+                <a:latin typeface="Consolas" panose="020B0609020204030204" pitchFamily="49" charset="0"/>
+                <a:cs typeface="Consolas" panose="020B0609020204030204" pitchFamily="49" charset="0"/>
+              </a:rPr>
+              <a:t>]+)*)|(</a:t>
+            </a:r>
+            <a:r>
+              <a:rPr lang="en-US" altLang="zh-TW" sz="2400" b="1" i="0" dirty="0" smtClean="0">
+                <a:solidFill>
+                  <a:srgbClr val="323230"/>
+                </a:solidFill>
+                <a:effectLst/>
+                <a:latin typeface="Consolas" panose="020B0609020204030204" pitchFamily="49" charset="0"/>
+                <a:cs typeface="Consolas" panose="020B0609020204030204" pitchFamily="49" charset="0"/>
+              </a:rPr>
+              <a:t>\"</a:t>
+            </a:r>
+            <a:r>
+              <a:rPr lang="en-US" altLang="zh-TW" sz="2400" b="0" i="0" dirty="0" smtClean="0">
+                <a:solidFill>
+                  <a:srgbClr val="323230"/>
+                </a:solidFill>
+                <a:effectLst/>
+                <a:latin typeface="Consolas" panose="020B0609020204030204" pitchFamily="49" charset="0"/>
+                <a:cs typeface="Consolas" panose="020B0609020204030204" pitchFamily="49" charset="0"/>
+              </a:rPr>
+              <a:t>.+</a:t>
+            </a:r>
+            <a:r>
+              <a:rPr lang="en-US" altLang="zh-TW" sz="2400" b="1" i="0" dirty="0" smtClean="0">
+                <a:solidFill>
+                  <a:srgbClr val="323230"/>
+                </a:solidFill>
+                <a:effectLst/>
+                <a:latin typeface="Consolas" panose="020B0609020204030204" pitchFamily="49" charset="0"/>
+                <a:cs typeface="Consolas" panose="020B0609020204030204" pitchFamily="49" charset="0"/>
+              </a:rPr>
+              <a:t>\"</a:t>
+            </a:r>
+            <a:r>
+              <a:rPr lang="en-US" altLang="zh-TW" sz="2400" b="0" i="0" dirty="0" smtClean="0">
+                <a:solidFill>
+                  <a:srgbClr val="323230"/>
+                </a:solidFill>
+                <a:effectLst/>
+                <a:latin typeface="Consolas" panose="020B0609020204030204" pitchFamily="49" charset="0"/>
+                <a:cs typeface="Consolas" panose="020B0609020204030204" pitchFamily="49" charset="0"/>
+              </a:rPr>
+              <a:t>))@((</a:t>
+            </a:r>
+            <a:r>
+              <a:rPr lang="en-US" altLang="zh-TW" sz="2400" b="1" i="0" dirty="0" smtClean="0">
+                <a:solidFill>
+                  <a:srgbClr val="323230"/>
+                </a:solidFill>
+                <a:effectLst/>
+                <a:latin typeface="Consolas" panose="020B0609020204030204" pitchFamily="49" charset="0"/>
+                <a:cs typeface="Consolas" panose="020B0609020204030204" pitchFamily="49" charset="0"/>
+              </a:rPr>
+              <a:t>\[</a:t>
+            </a:r>
+            <a:r>
+              <a:rPr lang="en-US" altLang="zh-TW" sz="2400" b="0" i="0" dirty="0" smtClean="0">
+                <a:solidFill>
+                  <a:srgbClr val="323230"/>
+                </a:solidFill>
+                <a:effectLst/>
+                <a:latin typeface="Consolas" panose="020B0609020204030204" pitchFamily="49" charset="0"/>
+                <a:cs typeface="Consolas" panose="020B0609020204030204" pitchFamily="49" charset="0"/>
+              </a:rPr>
+              <a:t>[0-9]{1,3}</a:t>
+            </a:r>
+            <a:r>
+              <a:rPr lang="en-US" altLang="zh-TW" sz="2400" b="1" i="0" dirty="0" smtClean="0">
+                <a:solidFill>
+                  <a:srgbClr val="323230"/>
+                </a:solidFill>
+                <a:effectLst/>
+                <a:latin typeface="Consolas" panose="020B0609020204030204" pitchFamily="49" charset="0"/>
+                <a:cs typeface="Consolas" panose="020B0609020204030204" pitchFamily="49" charset="0"/>
+              </a:rPr>
+              <a:t>\.</a:t>
+            </a:r>
+            <a:r>
+              <a:rPr lang="en-US" altLang="zh-TW" sz="2400" b="0" i="0" dirty="0" smtClean="0">
+                <a:solidFill>
+                  <a:srgbClr val="323230"/>
+                </a:solidFill>
+                <a:effectLst/>
+                <a:latin typeface="Consolas" panose="020B0609020204030204" pitchFamily="49" charset="0"/>
+                <a:cs typeface="Consolas" panose="020B0609020204030204" pitchFamily="49" charset="0"/>
+              </a:rPr>
+              <a:t>[0-9]{1,3}</a:t>
+            </a:r>
+            <a:r>
+              <a:rPr lang="en-US" altLang="zh-TW" sz="2400" b="1" i="0" dirty="0" smtClean="0">
+                <a:solidFill>
+                  <a:srgbClr val="323230"/>
+                </a:solidFill>
+                <a:effectLst/>
+                <a:latin typeface="Consolas" panose="020B0609020204030204" pitchFamily="49" charset="0"/>
+                <a:cs typeface="Consolas" panose="020B0609020204030204" pitchFamily="49" charset="0"/>
+              </a:rPr>
+              <a:t>\.</a:t>
+            </a:r>
+            <a:r>
+              <a:rPr lang="en-US" altLang="zh-TW" sz="2400" b="0" i="0" dirty="0" smtClean="0">
+                <a:solidFill>
+                  <a:srgbClr val="323230"/>
+                </a:solidFill>
+                <a:effectLst/>
+                <a:latin typeface="Consolas" panose="020B0609020204030204" pitchFamily="49" charset="0"/>
+                <a:cs typeface="Consolas" panose="020B0609020204030204" pitchFamily="49" charset="0"/>
+              </a:rPr>
+              <a:t>[0-9]{1,3}</a:t>
+            </a:r>
+            <a:r>
+              <a:rPr lang="en-US" altLang="zh-TW" sz="2400" b="1" i="0" dirty="0" smtClean="0">
+                <a:solidFill>
+                  <a:srgbClr val="323230"/>
+                </a:solidFill>
+                <a:effectLst/>
+                <a:latin typeface="Consolas" panose="020B0609020204030204" pitchFamily="49" charset="0"/>
+                <a:cs typeface="Consolas" panose="020B0609020204030204" pitchFamily="49" charset="0"/>
+              </a:rPr>
+              <a:t>\.</a:t>
+            </a:r>
+            <a:r>
+              <a:rPr lang="en-US" altLang="zh-TW" sz="2400" b="0" i="0" dirty="0" smtClean="0">
+                <a:solidFill>
+                  <a:srgbClr val="323230"/>
+                </a:solidFill>
+                <a:effectLst/>
+                <a:latin typeface="Consolas" panose="020B0609020204030204" pitchFamily="49" charset="0"/>
+                <a:cs typeface="Consolas" panose="020B0609020204030204" pitchFamily="49" charset="0"/>
+              </a:rPr>
+              <a:t>[0-9]{1,3}</a:t>
+            </a:r>
+            <a:r>
+              <a:rPr lang="en-US" altLang="zh-TW" sz="2400" b="1" i="0" dirty="0" smtClean="0">
+                <a:solidFill>
+                  <a:srgbClr val="323230"/>
+                </a:solidFill>
+                <a:effectLst/>
+                <a:latin typeface="Consolas" panose="020B0609020204030204" pitchFamily="49" charset="0"/>
+                <a:cs typeface="Consolas" panose="020B0609020204030204" pitchFamily="49" charset="0"/>
+              </a:rPr>
+              <a:t>\]</a:t>
+            </a:r>
+            <a:r>
+              <a:rPr lang="en-US" altLang="zh-TW" sz="2400" b="0" i="0" dirty="0" smtClean="0">
+                <a:solidFill>
+                  <a:srgbClr val="323230"/>
+                </a:solidFill>
+                <a:effectLst/>
+                <a:latin typeface="Consolas" panose="020B0609020204030204" pitchFamily="49" charset="0"/>
+                <a:cs typeface="Consolas" panose="020B0609020204030204" pitchFamily="49" charset="0"/>
+              </a:rPr>
+              <a:t>)|(([a-</a:t>
+            </a:r>
+            <a:r>
+              <a:rPr lang="en-US" altLang="zh-TW" sz="2400" b="0" i="0" dirty="0" err="1" smtClean="0">
+                <a:solidFill>
+                  <a:srgbClr val="323230"/>
+                </a:solidFill>
+                <a:effectLst/>
+                <a:latin typeface="Consolas" panose="020B0609020204030204" pitchFamily="49" charset="0"/>
+                <a:cs typeface="Consolas" panose="020B0609020204030204" pitchFamily="49" charset="0"/>
+              </a:rPr>
+              <a:t>zA</a:t>
+            </a:r>
+            <a:r>
+              <a:rPr lang="en-US" altLang="zh-TW" sz="2400" b="0" i="0" dirty="0" smtClean="0">
+                <a:solidFill>
+                  <a:srgbClr val="323230"/>
+                </a:solidFill>
+                <a:effectLst/>
+                <a:latin typeface="Consolas" panose="020B0609020204030204" pitchFamily="49" charset="0"/>
+                <a:cs typeface="Consolas" panose="020B0609020204030204" pitchFamily="49" charset="0"/>
+              </a:rPr>
+              <a:t>-Z\-0-9]+</a:t>
+            </a:r>
+            <a:r>
+              <a:rPr lang="en-US" altLang="zh-TW" sz="2400" b="1" i="0" dirty="0" smtClean="0">
+                <a:solidFill>
+                  <a:srgbClr val="323230"/>
+                </a:solidFill>
+                <a:effectLst/>
+                <a:latin typeface="Consolas" panose="020B0609020204030204" pitchFamily="49" charset="0"/>
+                <a:cs typeface="Consolas" panose="020B0609020204030204" pitchFamily="49" charset="0"/>
+              </a:rPr>
+              <a:t>\.</a:t>
+            </a:r>
+            <a:r>
+              <a:rPr lang="en-US" altLang="zh-TW" sz="2400" b="0" i="0" dirty="0" smtClean="0">
+                <a:solidFill>
+                  <a:srgbClr val="323230"/>
+                </a:solidFill>
+                <a:effectLst/>
+                <a:latin typeface="Consolas" panose="020B0609020204030204" pitchFamily="49" charset="0"/>
+                <a:cs typeface="Consolas" panose="020B0609020204030204" pitchFamily="49" charset="0"/>
+              </a:rPr>
+              <a:t>)+[a-</a:t>
+            </a:r>
+            <a:r>
+              <a:rPr lang="en-US" altLang="zh-TW" sz="2400" b="0" i="0" dirty="0" err="1" smtClean="0">
+                <a:solidFill>
+                  <a:srgbClr val="323230"/>
+                </a:solidFill>
+                <a:effectLst/>
+                <a:latin typeface="Consolas" panose="020B0609020204030204" pitchFamily="49" charset="0"/>
+                <a:cs typeface="Consolas" panose="020B0609020204030204" pitchFamily="49" charset="0"/>
+              </a:rPr>
+              <a:t>zA</a:t>
+            </a:r>
+            <a:r>
+              <a:rPr lang="en-US" altLang="zh-TW" sz="2400" b="0" i="0" dirty="0" smtClean="0">
+                <a:solidFill>
+                  <a:srgbClr val="323230"/>
+                </a:solidFill>
+                <a:effectLst/>
+                <a:latin typeface="Consolas" panose="020B0609020204030204" pitchFamily="49" charset="0"/>
+                <a:cs typeface="Consolas" panose="020B0609020204030204" pitchFamily="49" charset="0"/>
+              </a:rPr>
+              <a:t>-Z]{2,}))$/</a:t>
+            </a:r>
+            <a:endParaRPr lang="zh-TW" altLang="en-US" sz="2400" dirty="0">
+              <a:solidFill>
+                <a:srgbClr val="323230"/>
+              </a:solidFill>
+              <a:latin typeface="Consolas" panose="020B0609020204030204" pitchFamily="49" charset="0"/>
+              <a:cs typeface="Consolas" panose="020B0609020204030204" pitchFamily="49" charset="0"/>
+            </a:endParaRPr>
+          </a:p>
+        </p:txBody>
+      </p:sp>
     </p:spTree>
     <p:extLst>
       <p:ext uri="{BB962C8B-B14F-4D97-AF65-F5344CB8AC3E}">
         <p14:creationId xmlns:p14="http://schemas.microsoft.com/office/powerpoint/2010/main" val="1486363409"/>
+      </p:ext>
+    </p:extLst>
+  </p:cSld>
+  <p:clrMapOvr>
+    <a:masterClrMapping/>
+  </p:clrMapOvr>
+</p:sld>
+</file>
+
+<file path=ppt/slides/slide31.xml><?xml version="1.0" encoding="utf-8"?>
+<p:sld xmlns:a="http://schemas.openxmlformats.org/drawingml/2006/main" xmlns:r="http://schemas.openxmlformats.org/officeDocument/2006/relationships" xmlns:p="http://schemas.openxmlformats.org/presentationml/2006/main">
+  <p:cSld>
+    <p:spTree>
+      <p:nvGrpSpPr>
+        <p:cNvPr id="1" name=""/>
+        <p:cNvGrpSpPr/>
+        <p:nvPr/>
+      </p:nvGrpSpPr>
+      <p:grpSpPr>
+        <a:xfrm>
+          <a:off x="0" y="0"/>
+          <a:ext cx="0" cy="0"/>
+          <a:chOff x="0" y="0"/>
+          <a:chExt cx="0" cy="0"/>
+        </a:xfrm>
+      </p:grpSpPr>
+      <p:pic>
+        <p:nvPicPr>
+          <p:cNvPr id="4" name="圖片 3"/>
+          <p:cNvPicPr>
+            <a:picLocks noChangeAspect="1"/>
+          </p:cNvPicPr>
+          <p:nvPr/>
+        </p:nvPicPr>
+        <p:blipFill>
+          <a:blip r:embed="rId2">
+            <a:extLst>
+              <a:ext uri="{28A0092B-C50C-407E-A947-70E740481C1C}">
+                <a14:useLocalDpi xmlns:a14="http://schemas.microsoft.com/office/drawing/2010/main" val="0"/>
+              </a:ext>
+            </a:extLst>
+          </a:blip>
+          <a:stretch>
+            <a:fillRect/>
+          </a:stretch>
+        </p:blipFill>
+        <p:spPr>
+          <a:xfrm>
+            <a:off x="435523" y="907446"/>
+            <a:ext cx="11220450" cy="4959143"/>
+          </a:xfrm>
+          <a:prstGeom prst="rect">
+            <a:avLst/>
+          </a:prstGeom>
+        </p:spPr>
+      </p:pic>
+    </p:spTree>
+    <p:extLst>
+      <p:ext uri="{BB962C8B-B14F-4D97-AF65-F5344CB8AC3E}">
+        <p14:creationId xmlns:p14="http://schemas.microsoft.com/office/powerpoint/2010/main" val="2873188542"/>
+      </p:ext>
+    </p:extLst>
+  </p:cSld>
+  <p:clrMapOvr>
+    <a:masterClrMapping/>
+  </p:clrMapOvr>
+</p:sld>
+</file>
+
+<file path=ppt/slides/slide32.xml><?xml version="1.0" encoding="utf-8"?>
+<p:sld xmlns:a="http://schemas.openxmlformats.org/drawingml/2006/main" xmlns:r="http://schemas.openxmlformats.org/officeDocument/2006/relationships" xmlns:p="http://schemas.openxmlformats.org/presentationml/2006/main">
+  <p:cSld>
+    <p:bg>
+      <p:bgPr>
+        <a:solidFill>
+          <a:srgbClr val="323230"/>
+        </a:solidFill>
+        <a:effectLst/>
+      </p:bgPr>
+    </p:bg>
+    <p:spTree>
+      <p:nvGrpSpPr>
+        <p:cNvPr id="1" name=""/>
+        <p:cNvGrpSpPr/>
+        <p:nvPr/>
+      </p:nvGrpSpPr>
+      <p:grpSpPr>
+        <a:xfrm>
+          <a:off x="0" y="0"/>
+          <a:ext cx="0" cy="0"/>
+          <a:chOff x="0" y="0"/>
+          <a:chExt cx="0" cy="0"/>
+        </a:xfrm>
+      </p:grpSpPr>
+      <p:sp>
+        <p:nvSpPr>
+          <p:cNvPr id="4" name="標題 1"/>
+          <p:cNvSpPr txBox="1">
+            <a:spLocks/>
+          </p:cNvSpPr>
+          <p:nvPr/>
+        </p:nvSpPr>
+        <p:spPr>
+          <a:xfrm>
+            <a:off x="1894959" y="1087449"/>
+            <a:ext cx="8460239" cy="409027"/>
+          </a:xfrm>
+          <a:prstGeom prst="rect">
+            <a:avLst/>
+          </a:prstGeom>
+        </p:spPr>
+        <p:txBody>
+          <a:bodyPr vert="horz" lIns="91440" tIns="45720" rIns="91440" bIns="45720" rtlCol="0" anchor="ctr">
+            <a:noAutofit/>
+          </a:bodyPr>
+          <a:lstStyle>
+            <a:lvl1pPr algn="l" defTabSz="914400" rtl="0" eaLnBrk="1" latinLnBrk="0" hangingPunct="1">
+              <a:lnSpc>
+                <a:spcPct val="90000"/>
+              </a:lnSpc>
+              <a:spcBef>
+                <a:spcPct val="0"/>
+              </a:spcBef>
+              <a:buNone/>
+              <a:defRPr sz="4400" kern="1200">
+                <a:solidFill>
+                  <a:schemeClr val="tx1"/>
+                </a:solidFill>
+                <a:latin typeface="+mj-lt"/>
+                <a:ea typeface="+mj-ea"/>
+                <a:cs typeface="+mj-cs"/>
+              </a:defRPr>
+            </a:lvl1pPr>
+          </a:lstStyle>
+          <a:p>
+            <a:pPr algn="ctr">
+              <a:lnSpc>
+                <a:spcPct val="150000"/>
+              </a:lnSpc>
+            </a:pPr>
+            <a:r>
+              <a:rPr lang="zh-TW" altLang="en-US" sz="1400" b="1" dirty="0" smtClean="0">
+                <a:solidFill>
+                  <a:schemeClr val="bg1"/>
+                </a:solidFill>
+                <a:latin typeface="Adobe 繁黑體 Std B" panose="020B0700000000000000" pitchFamily="34" charset="-120"/>
+                <a:ea typeface="Adobe 繁黑體 Std B" panose="020B0700000000000000" pitchFamily="34" charset="-120"/>
+              </a:rPr>
+              <a:t>如果今天我們要找到字串裡面的某個單自然後全部取代成另外一個單字的話該如何使用正規表示法</a:t>
+            </a:r>
+            <a:endParaRPr lang="zh-TW" altLang="en-US" sz="1400" dirty="0">
+              <a:solidFill>
+                <a:schemeClr val="bg1"/>
+              </a:solidFill>
+              <a:latin typeface="Adobe 繁黑體 Std B" panose="020B0700000000000000" pitchFamily="34" charset="-120"/>
+              <a:ea typeface="Adobe 繁黑體 Std B" panose="020B0700000000000000" pitchFamily="34" charset="-120"/>
+              <a:cs typeface="Consolas" panose="020B0609020204030204" pitchFamily="49" charset="0"/>
+            </a:endParaRPr>
+          </a:p>
+        </p:txBody>
+      </p:sp>
+      <p:sp>
+        <p:nvSpPr>
+          <p:cNvPr id="5" name="矩形 4"/>
+          <p:cNvSpPr/>
+          <p:nvPr/>
+        </p:nvSpPr>
+        <p:spPr>
+          <a:xfrm>
+            <a:off x="3181581" y="2746524"/>
+            <a:ext cx="6096000" cy="3046988"/>
+          </a:xfrm>
+          <a:prstGeom prst="rect">
+            <a:avLst/>
+          </a:prstGeom>
+        </p:spPr>
+        <p:txBody>
+          <a:bodyPr>
+            <a:spAutoFit/>
+          </a:bodyPr>
+          <a:lstStyle/>
+          <a:p>
+            <a:r>
+              <a:rPr lang="en-US" altLang="zh-TW" sz="1600" i="1" dirty="0" err="1">
+                <a:solidFill>
+                  <a:srgbClr val="66D9EF"/>
+                </a:solidFill>
+                <a:latin typeface="Consolas" panose="020B0609020204030204" pitchFamily="49" charset="0"/>
+              </a:rPr>
+              <a:t>var</a:t>
+            </a:r>
+            <a:r>
+              <a:rPr lang="en-US" altLang="zh-TW" sz="1600" dirty="0">
+                <a:solidFill>
+                  <a:srgbClr val="F8F8F2"/>
+                </a:solidFill>
+                <a:latin typeface="Consolas" panose="020B0609020204030204" pitchFamily="49" charset="0"/>
+              </a:rPr>
+              <a:t> </a:t>
+            </a:r>
+            <a:r>
+              <a:rPr lang="en-US" altLang="zh-TW" sz="1600" dirty="0" err="1">
+                <a:solidFill>
+                  <a:srgbClr val="F8F8F2"/>
+                </a:solidFill>
+                <a:latin typeface="Consolas" panose="020B0609020204030204" pitchFamily="49" charset="0"/>
+              </a:rPr>
+              <a:t>str</a:t>
+            </a:r>
+            <a:r>
+              <a:rPr lang="en-US" altLang="zh-TW" sz="1600" dirty="0">
+                <a:solidFill>
+                  <a:srgbClr val="F8F8F2"/>
+                </a:solidFill>
+                <a:latin typeface="Consolas" panose="020B0609020204030204" pitchFamily="49" charset="0"/>
+              </a:rPr>
+              <a:t> </a:t>
+            </a:r>
+            <a:r>
+              <a:rPr lang="en-US" altLang="zh-TW" sz="1600" dirty="0">
+                <a:solidFill>
+                  <a:srgbClr val="F92672"/>
+                </a:solidFill>
+                <a:latin typeface="Consolas" panose="020B0609020204030204" pitchFamily="49" charset="0"/>
+              </a:rPr>
+              <a:t>=</a:t>
+            </a:r>
+            <a:r>
+              <a:rPr lang="en-US" altLang="zh-TW" sz="1600" dirty="0">
+                <a:solidFill>
+                  <a:srgbClr val="F8F8F2"/>
+                </a:solidFill>
+                <a:latin typeface="Consolas" panose="020B0609020204030204" pitchFamily="49" charset="0"/>
+              </a:rPr>
+              <a:t> </a:t>
+            </a:r>
+            <a:r>
+              <a:rPr lang="en-US" altLang="zh-TW" sz="1600" dirty="0">
+                <a:solidFill>
+                  <a:srgbClr val="FFEE99"/>
+                </a:solidFill>
+                <a:latin typeface="Consolas" panose="020B0609020204030204" pitchFamily="49" charset="0"/>
+              </a:rPr>
+              <a:t>'ECMAScript is a scripting-language specification standardized by </a:t>
+            </a:r>
+            <a:r>
+              <a:rPr lang="en-US" altLang="zh-TW" sz="1600" dirty="0" err="1">
+                <a:solidFill>
+                  <a:srgbClr val="FFEE99"/>
+                </a:solidFill>
+                <a:latin typeface="Consolas" panose="020B0609020204030204" pitchFamily="49" charset="0"/>
+              </a:rPr>
+              <a:t>Ecma</a:t>
+            </a:r>
+            <a:r>
+              <a:rPr lang="en-US" altLang="zh-TW" sz="1600" dirty="0">
+                <a:solidFill>
+                  <a:srgbClr val="FFEE99"/>
+                </a:solidFill>
+                <a:latin typeface="Consolas" panose="020B0609020204030204" pitchFamily="49" charset="0"/>
+              </a:rPr>
+              <a:t> International in ECMA-262 and ISO/IEC 16262. It was created to standardize JavaScript, so as to foster multiple independent implementations. JavaScript has remained the best-known implementation of ECMAScript since the standard was first published, with other well-known implementations including JScript and </a:t>
+            </a:r>
+            <a:r>
+              <a:rPr lang="en-US" altLang="zh-TW" sz="1600" dirty="0" err="1">
+                <a:solidFill>
+                  <a:srgbClr val="FFEE99"/>
+                </a:solidFill>
+                <a:latin typeface="Consolas" panose="020B0609020204030204" pitchFamily="49" charset="0"/>
+              </a:rPr>
+              <a:t>ActionScript.ECMAScript</a:t>
+            </a:r>
+            <a:r>
+              <a:rPr lang="en-US" altLang="zh-TW" sz="1600" dirty="0">
+                <a:solidFill>
+                  <a:srgbClr val="FFEE99"/>
+                </a:solidFill>
+                <a:latin typeface="Consolas" panose="020B0609020204030204" pitchFamily="49" charset="0"/>
+              </a:rPr>
+              <a:t> is commonly used for client-side scripting on the World Wide Web, and it is increasingly being used for writing server applications and services using Node.js.'</a:t>
+            </a:r>
+            <a:endParaRPr lang="en-US" altLang="zh-TW" sz="1600" b="0" dirty="0">
+              <a:solidFill>
+                <a:srgbClr val="F8F8F2"/>
+              </a:solidFill>
+              <a:effectLst/>
+              <a:latin typeface="Consolas" panose="020B0609020204030204" pitchFamily="49" charset="0"/>
+            </a:endParaRPr>
+          </a:p>
+        </p:txBody>
+      </p:sp>
+      <p:sp>
+        <p:nvSpPr>
+          <p:cNvPr id="6" name="矩形 5"/>
+          <p:cNvSpPr/>
+          <p:nvPr/>
+        </p:nvSpPr>
+        <p:spPr>
+          <a:xfrm>
+            <a:off x="1807873" y="1496476"/>
+            <a:ext cx="5681497" cy="400110"/>
+          </a:xfrm>
+          <a:prstGeom prst="rect">
+            <a:avLst/>
+          </a:prstGeom>
+        </p:spPr>
+        <p:txBody>
+          <a:bodyPr wrap="square">
+            <a:spAutoFit/>
+          </a:bodyPr>
+          <a:lstStyle/>
+          <a:p>
+            <a:pPr algn="ctr"/>
+            <a:r>
+              <a:rPr lang="zh-TW" altLang="en-US" sz="2000" dirty="0" smtClean="0">
+                <a:solidFill>
+                  <a:schemeClr val="bg1"/>
+                </a:solidFill>
+                <a:latin typeface="Adobe 繁黑體 Std B" panose="020B0700000000000000" pitchFamily="34" charset="-120"/>
+                <a:ea typeface="Adobe 繁黑體 Std B" panose="020B0700000000000000" pitchFamily="34" charset="-120"/>
+              </a:rPr>
+              <a:t>要把全部 </a:t>
+            </a:r>
+            <a:r>
+              <a:rPr lang="en-US" altLang="zh-TW" sz="2000" dirty="0" smtClean="0">
+                <a:solidFill>
+                  <a:schemeClr val="bg1"/>
+                </a:solidFill>
+                <a:latin typeface="Adobe 繁黑體 Std B" panose="020B0700000000000000" pitchFamily="34" charset="-120"/>
+                <a:ea typeface="Adobe 繁黑體 Std B" panose="020B0700000000000000" pitchFamily="34" charset="-120"/>
+              </a:rPr>
+              <a:t>ECMAScript</a:t>
+            </a:r>
+            <a:r>
+              <a:rPr lang="zh-TW" altLang="en-US" sz="2000" dirty="0" smtClean="0">
+                <a:solidFill>
+                  <a:schemeClr val="bg1"/>
+                </a:solidFill>
+                <a:latin typeface="Adobe 繁黑體 Std B" panose="020B0700000000000000" pitchFamily="34" charset="-120"/>
+                <a:ea typeface="Adobe 繁黑體 Std B" panose="020B0700000000000000" pitchFamily="34" charset="-120"/>
+              </a:rPr>
+              <a:t> 的單字全部替換掉</a:t>
+            </a:r>
+            <a:r>
+              <a:rPr lang="en-US" altLang="zh-TW" sz="2000" dirty="0" smtClean="0">
+                <a:solidFill>
+                  <a:schemeClr val="bg1"/>
+                </a:solidFill>
+                <a:latin typeface="Adobe 繁黑體 Std B" panose="020B0700000000000000" pitchFamily="34" charset="-120"/>
+                <a:ea typeface="Adobe 繁黑體 Std B" panose="020B0700000000000000" pitchFamily="34" charset="-120"/>
+              </a:rPr>
+              <a:t>!!!</a:t>
+            </a:r>
+            <a:endParaRPr lang="en-US" altLang="zh-TW" sz="2000" b="0" dirty="0">
+              <a:solidFill>
+                <a:schemeClr val="bg1"/>
+              </a:solidFill>
+              <a:effectLst/>
+              <a:latin typeface="Adobe 繁黑體 Std B" panose="020B0700000000000000" pitchFamily="34" charset="-120"/>
+              <a:ea typeface="Adobe 繁黑體 Std B" panose="020B0700000000000000" pitchFamily="34" charset="-120"/>
+            </a:endParaRPr>
+          </a:p>
+        </p:txBody>
+      </p:sp>
+    </p:spTree>
+    <p:extLst>
+      <p:ext uri="{BB962C8B-B14F-4D97-AF65-F5344CB8AC3E}">
+        <p14:creationId xmlns:p14="http://schemas.microsoft.com/office/powerpoint/2010/main" val="3911202157"/>
+      </p:ext>
+    </p:extLst>
+  </p:cSld>
+  <p:clrMapOvr>
+    <a:masterClrMapping/>
+  </p:clrMapOvr>
+</p:sld>
+</file>
+
+<file path=ppt/slides/slide33.xml><?xml version="1.0" encoding="utf-8"?>
+<p:sld xmlns:a="http://schemas.openxmlformats.org/drawingml/2006/main" xmlns:r="http://schemas.openxmlformats.org/officeDocument/2006/relationships" xmlns:p="http://schemas.openxmlformats.org/presentationml/2006/main">
+  <p:cSld>
+    <p:bg>
+      <p:bgPr>
+        <a:solidFill>
+          <a:srgbClr val="323230"/>
+        </a:solidFill>
+        <a:effectLst/>
+      </p:bgPr>
+    </p:bg>
+    <p:spTree>
+      <p:nvGrpSpPr>
+        <p:cNvPr id="1" name=""/>
+        <p:cNvGrpSpPr/>
+        <p:nvPr/>
+      </p:nvGrpSpPr>
+      <p:grpSpPr>
+        <a:xfrm>
+          <a:off x="0" y="0"/>
+          <a:ext cx="0" cy="0"/>
+          <a:chOff x="0" y="0"/>
+          <a:chExt cx="0" cy="0"/>
+        </a:xfrm>
+      </p:grpSpPr>
+      <p:sp>
+        <p:nvSpPr>
+          <p:cNvPr id="4" name="標題 1"/>
+          <p:cNvSpPr>
+            <a:spLocks noGrp="1"/>
+          </p:cNvSpPr>
+          <p:nvPr>
+            <p:ph type="title"/>
+          </p:nvPr>
+        </p:nvSpPr>
+        <p:spPr>
+          <a:xfrm>
+            <a:off x="1410786" y="806729"/>
+            <a:ext cx="4335035" cy="1207101"/>
+          </a:xfrm>
+        </p:spPr>
+        <p:txBody>
+          <a:bodyPr>
+            <a:normAutofit/>
+          </a:bodyPr>
+          <a:lstStyle/>
+          <a:p>
+            <a:pPr algn="ctr">
+              <a:lnSpc>
+                <a:spcPct val="150000"/>
+              </a:lnSpc>
+            </a:pPr>
+            <a:r>
+              <a:rPr lang="en-US" altLang="zh-TW" sz="1800" dirty="0" smtClean="0">
+                <a:solidFill>
+                  <a:schemeClr val="bg1"/>
+                </a:solidFill>
+                <a:latin typeface="Adobe 繁黑體 Std B" panose="020B0700000000000000" pitchFamily="34" charset="-120"/>
+                <a:ea typeface="Adobe 繁黑體 Std B" panose="020B0700000000000000" pitchFamily="34" charset="-120"/>
+              </a:rPr>
+              <a:t>String. replace(</a:t>
+            </a:r>
+            <a:r>
+              <a:rPr lang="en-US" altLang="zh-TW" sz="1800" dirty="0" err="1" smtClean="0">
+                <a:solidFill>
+                  <a:schemeClr val="bg1"/>
+                </a:solidFill>
+                <a:latin typeface="Adobe 繁黑體 Std B" panose="020B0700000000000000" pitchFamily="34" charset="-120"/>
+                <a:ea typeface="Adobe 繁黑體 Std B" panose="020B0700000000000000" pitchFamily="34" charset="-120"/>
+              </a:rPr>
+              <a:t>reg</a:t>
+            </a:r>
+            <a:r>
+              <a:rPr lang="en-US" altLang="zh-TW" sz="1800" dirty="0" smtClean="0">
+                <a:solidFill>
+                  <a:schemeClr val="bg1"/>
+                </a:solidFill>
+                <a:latin typeface="Adobe 繁黑體 Std B" panose="020B0700000000000000" pitchFamily="34" charset="-120"/>
+                <a:ea typeface="Adobe 繁黑體 Std B" panose="020B0700000000000000" pitchFamily="34" charset="-120"/>
+              </a:rPr>
+              <a:t>, </a:t>
+            </a:r>
+            <a:r>
+              <a:rPr lang="en-US" altLang="zh-TW" sz="1800" dirty="0" err="1">
+                <a:solidFill>
+                  <a:schemeClr val="bg1"/>
+                </a:solidFill>
+                <a:latin typeface="Adobe 繁黑體 Std B" panose="020B0700000000000000" pitchFamily="34" charset="-120"/>
+                <a:ea typeface="Adobe 繁黑體 Std B" panose="020B0700000000000000" pitchFamily="34" charset="-120"/>
+              </a:rPr>
+              <a:t>s</a:t>
+            </a:r>
+            <a:r>
+              <a:rPr lang="en-US" altLang="zh-TW" sz="1800" dirty="0" err="1" smtClean="0">
+                <a:solidFill>
+                  <a:schemeClr val="bg1"/>
+                </a:solidFill>
+                <a:latin typeface="Adobe 繁黑體 Std B" panose="020B0700000000000000" pitchFamily="34" charset="-120"/>
+                <a:ea typeface="Adobe 繁黑體 Std B" panose="020B0700000000000000" pitchFamily="34" charset="-120"/>
+              </a:rPr>
+              <a:t>tr</a:t>
+            </a:r>
+            <a:r>
+              <a:rPr lang="en-US" altLang="zh-TW" sz="1800" dirty="0" smtClean="0">
+                <a:solidFill>
+                  <a:schemeClr val="bg1"/>
+                </a:solidFill>
+                <a:latin typeface="Adobe 繁黑體 Std B" panose="020B0700000000000000" pitchFamily="34" charset="-120"/>
+                <a:ea typeface="Adobe 繁黑體 Std B" panose="020B0700000000000000" pitchFamily="34" charset="-120"/>
+              </a:rPr>
+              <a:t>);</a:t>
+            </a:r>
+            <a:r>
+              <a:rPr lang="en-US" altLang="zh-TW" sz="1800" dirty="0">
+                <a:solidFill>
+                  <a:schemeClr val="bg1"/>
+                </a:solidFill>
+                <a:latin typeface="Adobe 繁黑體 Std B" panose="020B0700000000000000" pitchFamily="34" charset="-120"/>
+                <a:ea typeface="Adobe 繁黑體 Std B" panose="020B0700000000000000" pitchFamily="34" charset="-120"/>
+              </a:rPr>
+              <a:t/>
+            </a:r>
+            <a:br>
+              <a:rPr lang="en-US" altLang="zh-TW" sz="1800" dirty="0">
+                <a:solidFill>
+                  <a:schemeClr val="bg1"/>
+                </a:solidFill>
+                <a:latin typeface="Adobe 繁黑體 Std B" panose="020B0700000000000000" pitchFamily="34" charset="-120"/>
+                <a:ea typeface="Adobe 繁黑體 Std B" panose="020B0700000000000000" pitchFamily="34" charset="-120"/>
+              </a:rPr>
+            </a:br>
+            <a:r>
+              <a:rPr lang="zh-TW" altLang="en-US" sz="1600" dirty="0">
+                <a:solidFill>
+                  <a:schemeClr val="bg1">
+                    <a:lumMod val="50000"/>
+                  </a:schemeClr>
+                </a:solidFill>
+                <a:latin typeface="Adobe 繁黑體 Std B" panose="020B0700000000000000" pitchFamily="34" charset="-120"/>
+                <a:ea typeface="Adobe 繁黑體 Std B" panose="020B0700000000000000" pitchFamily="34" charset="-120"/>
+              </a:rPr>
+              <a:t>替換與正則表達式匹配的子串</a:t>
+            </a:r>
+          </a:p>
+        </p:txBody>
+      </p:sp>
+      <p:sp>
+        <p:nvSpPr>
+          <p:cNvPr id="5" name="矩形 4"/>
+          <p:cNvSpPr/>
+          <p:nvPr/>
+        </p:nvSpPr>
+        <p:spPr>
+          <a:xfrm>
+            <a:off x="1161646" y="3596822"/>
+            <a:ext cx="3122971" cy="584775"/>
+          </a:xfrm>
+          <a:prstGeom prst="rect">
+            <a:avLst/>
+          </a:prstGeom>
+        </p:spPr>
+        <p:txBody>
+          <a:bodyPr wrap="none">
+            <a:spAutoFit/>
+          </a:bodyPr>
+          <a:lstStyle/>
+          <a:p>
+            <a:r>
+              <a:rPr lang="en-US" altLang="zh-TW" sz="3200" dirty="0">
+                <a:solidFill>
+                  <a:srgbClr val="FFEE99"/>
+                </a:solidFill>
+                <a:latin typeface="Consolas" panose="020B0609020204030204" pitchFamily="49" charset="0"/>
+              </a:rPr>
+              <a:t>/ECMAScript/</a:t>
+            </a:r>
+            <a:r>
+              <a:rPr lang="en-US" altLang="zh-TW" sz="3200" dirty="0">
+                <a:solidFill>
+                  <a:srgbClr val="F92672"/>
+                </a:solidFill>
+                <a:latin typeface="Consolas" panose="020B0609020204030204" pitchFamily="49" charset="0"/>
+              </a:rPr>
+              <a:t>g</a:t>
+            </a:r>
+            <a:endParaRPr lang="en-US" altLang="zh-TW" sz="3200" b="0" dirty="0">
+              <a:solidFill>
+                <a:srgbClr val="F8F8F2"/>
+              </a:solidFill>
+              <a:effectLst/>
+              <a:latin typeface="Consolas" panose="020B0609020204030204" pitchFamily="49" charset="0"/>
+            </a:endParaRPr>
+          </a:p>
+        </p:txBody>
+      </p:sp>
+      <p:sp>
+        <p:nvSpPr>
+          <p:cNvPr id="6" name="矩形 5"/>
+          <p:cNvSpPr/>
+          <p:nvPr/>
+        </p:nvSpPr>
+        <p:spPr>
+          <a:xfrm>
+            <a:off x="1334057" y="2013830"/>
+            <a:ext cx="4490332" cy="369332"/>
+          </a:xfrm>
+          <a:prstGeom prst="rect">
+            <a:avLst/>
+          </a:prstGeom>
+        </p:spPr>
+        <p:txBody>
+          <a:bodyPr wrap="none">
+            <a:spAutoFit/>
+          </a:bodyPr>
+          <a:lstStyle/>
+          <a:p>
+            <a:r>
+              <a:rPr lang="en-US" altLang="zh-TW" dirty="0" err="1">
+                <a:solidFill>
+                  <a:srgbClr val="F8F8F2"/>
+                </a:solidFill>
+                <a:latin typeface="Consolas" panose="020B0609020204030204" pitchFamily="49" charset="0"/>
+              </a:rPr>
+              <a:t>str.</a:t>
+            </a:r>
+            <a:r>
+              <a:rPr lang="en-US" altLang="zh-TW" dirty="0" err="1">
+                <a:solidFill>
+                  <a:srgbClr val="A6E22E"/>
+                </a:solidFill>
+                <a:latin typeface="Consolas" panose="020B0609020204030204" pitchFamily="49" charset="0"/>
+              </a:rPr>
+              <a:t>replace</a:t>
+            </a:r>
+            <a:r>
+              <a:rPr lang="en-US" altLang="zh-TW" dirty="0">
+                <a:solidFill>
+                  <a:srgbClr val="F8F8F2"/>
+                </a:solidFill>
+                <a:latin typeface="Consolas" panose="020B0609020204030204" pitchFamily="49" charset="0"/>
+              </a:rPr>
+              <a:t>(</a:t>
+            </a:r>
+            <a:r>
+              <a:rPr lang="en-US" altLang="zh-TW" dirty="0">
+                <a:solidFill>
+                  <a:srgbClr val="FFEE99"/>
+                </a:solidFill>
+                <a:latin typeface="Consolas" panose="020B0609020204030204" pitchFamily="49" charset="0"/>
+              </a:rPr>
+              <a:t>/ECMAScript/</a:t>
+            </a:r>
+            <a:r>
+              <a:rPr lang="en-US" altLang="zh-TW" dirty="0">
+                <a:solidFill>
+                  <a:srgbClr val="F92672"/>
+                </a:solidFill>
+                <a:latin typeface="Consolas" panose="020B0609020204030204" pitchFamily="49" charset="0"/>
+              </a:rPr>
+              <a:t>g</a:t>
+            </a:r>
+            <a:r>
+              <a:rPr lang="en-US" altLang="zh-TW" dirty="0">
+                <a:solidFill>
+                  <a:srgbClr val="F8F8F2"/>
+                </a:solidFill>
+                <a:latin typeface="Consolas" panose="020B0609020204030204" pitchFamily="49" charset="0"/>
+              </a:rPr>
+              <a:t>, </a:t>
+            </a:r>
+            <a:r>
+              <a:rPr lang="en-US" altLang="zh-TW" dirty="0">
+                <a:solidFill>
+                  <a:srgbClr val="FFEE99"/>
+                </a:solidFill>
+                <a:latin typeface="Consolas" panose="020B0609020204030204" pitchFamily="49" charset="0"/>
+              </a:rPr>
+              <a:t>'@JS@'</a:t>
+            </a:r>
+            <a:r>
+              <a:rPr lang="en-US" altLang="zh-TW" dirty="0">
+                <a:solidFill>
+                  <a:srgbClr val="F8F8F2"/>
+                </a:solidFill>
+                <a:latin typeface="Consolas" panose="020B0609020204030204" pitchFamily="49" charset="0"/>
+              </a:rPr>
+              <a:t>)</a:t>
+            </a:r>
+            <a:endParaRPr lang="en-US" altLang="zh-TW" b="0" dirty="0">
+              <a:solidFill>
+                <a:srgbClr val="F8F8F2"/>
+              </a:solidFill>
+              <a:effectLst/>
+              <a:latin typeface="Consolas" panose="020B0609020204030204" pitchFamily="49" charset="0"/>
+            </a:endParaRPr>
+          </a:p>
+        </p:txBody>
+      </p:sp>
+      <p:cxnSp>
+        <p:nvCxnSpPr>
+          <p:cNvPr id="8" name="直線單箭頭接點 7"/>
+          <p:cNvCxnSpPr/>
+          <p:nvPr/>
+        </p:nvCxnSpPr>
+        <p:spPr>
+          <a:xfrm flipV="1">
+            <a:off x="2211977" y="4181598"/>
+            <a:ext cx="148045" cy="1121921"/>
+          </a:xfrm>
+          <a:prstGeom prst="straightConnector1">
+            <a:avLst/>
+          </a:prstGeom>
+          <a:ln w="76200">
+            <a:tailEnd type="triangle"/>
+          </a:ln>
+        </p:spPr>
+        <p:style>
+          <a:lnRef idx="1">
+            <a:schemeClr val="accent1"/>
+          </a:lnRef>
+          <a:fillRef idx="0">
+            <a:schemeClr val="accent1"/>
+          </a:fillRef>
+          <a:effectRef idx="0">
+            <a:schemeClr val="accent1"/>
+          </a:effectRef>
+          <a:fontRef idx="minor">
+            <a:schemeClr val="tx1"/>
+          </a:fontRef>
+        </p:style>
+      </p:cxnSp>
+      <p:sp>
+        <p:nvSpPr>
+          <p:cNvPr id="9" name="矩形 8"/>
+          <p:cNvSpPr/>
+          <p:nvPr/>
+        </p:nvSpPr>
+        <p:spPr>
+          <a:xfrm>
+            <a:off x="1066798" y="5553797"/>
+            <a:ext cx="2786744" cy="523220"/>
+          </a:xfrm>
+          <a:prstGeom prst="rect">
+            <a:avLst/>
+          </a:prstGeom>
+        </p:spPr>
+        <p:txBody>
+          <a:bodyPr wrap="square">
+            <a:spAutoFit/>
+          </a:bodyPr>
+          <a:lstStyle/>
+          <a:p>
+            <a:r>
+              <a:rPr lang="zh-TW" altLang="en-US" sz="1400" dirty="0" smtClean="0">
+                <a:solidFill>
+                  <a:schemeClr val="bg1"/>
+                </a:solidFill>
+                <a:latin typeface="Adobe 繁黑體 Std B" panose="020B0700000000000000" pitchFamily="34" charset="-120"/>
+                <a:ea typeface="Adobe 繁黑體 Std B" panose="020B0700000000000000" pitchFamily="34" charset="-120"/>
+              </a:rPr>
+              <a:t>用兩個</a:t>
+            </a:r>
+            <a:r>
+              <a:rPr lang="en-US" altLang="zh-TW" sz="1400" dirty="0" smtClean="0">
+                <a:solidFill>
+                  <a:schemeClr val="bg1"/>
+                </a:solidFill>
+                <a:latin typeface="Adobe 繁黑體 Std B" panose="020B0700000000000000" pitchFamily="34" charset="-120"/>
+                <a:ea typeface="Adobe 繁黑體 Std B" panose="020B0700000000000000" pitchFamily="34" charset="-120"/>
+              </a:rPr>
+              <a:t>//</a:t>
+            </a:r>
+            <a:r>
+              <a:rPr lang="zh-TW" altLang="en-US" sz="1400" dirty="0">
+                <a:solidFill>
+                  <a:schemeClr val="bg1"/>
+                </a:solidFill>
+                <a:latin typeface="Adobe 繁黑體 Std B" panose="020B0700000000000000" pitchFamily="34" charset="-120"/>
+                <a:ea typeface="Adobe 繁黑體 Std B" panose="020B0700000000000000" pitchFamily="34" charset="-120"/>
+              </a:rPr>
+              <a:t>來</a:t>
+            </a:r>
+            <a:r>
+              <a:rPr lang="zh-TW" altLang="en-US" sz="1400" dirty="0" smtClean="0">
+                <a:solidFill>
+                  <a:schemeClr val="bg1"/>
+                </a:solidFill>
+                <a:latin typeface="Adobe 繁黑體 Std B" panose="020B0700000000000000" pitchFamily="34" charset="-120"/>
+                <a:ea typeface="Adobe 繁黑體 Std B" panose="020B0700000000000000" pitchFamily="34" charset="-120"/>
+              </a:rPr>
+              <a:t>比對完全符合 </a:t>
+            </a:r>
+            <a:r>
+              <a:rPr lang="en-US" altLang="zh-TW" sz="1400" dirty="0" smtClean="0">
+                <a:solidFill>
+                  <a:schemeClr val="bg1"/>
+                </a:solidFill>
+                <a:latin typeface="Adobe 繁黑體 Std B" panose="020B0700000000000000" pitchFamily="34" charset="-120"/>
+                <a:ea typeface="Adobe 繁黑體 Std B" panose="020B0700000000000000" pitchFamily="34" charset="-120"/>
+              </a:rPr>
+              <a:t>ECMAScript</a:t>
+            </a:r>
+            <a:r>
+              <a:rPr lang="zh-TW" altLang="en-US" sz="1400" dirty="0" smtClean="0">
+                <a:solidFill>
+                  <a:schemeClr val="bg1"/>
+                </a:solidFill>
+                <a:latin typeface="Adobe 繁黑體 Std B" panose="020B0700000000000000" pitchFamily="34" charset="-120"/>
+                <a:ea typeface="Adobe 繁黑體 Std B" panose="020B0700000000000000" pitchFamily="34" charset="-120"/>
+              </a:rPr>
+              <a:t> 字串</a:t>
+            </a:r>
+            <a:endParaRPr lang="zh-TW" altLang="en-US" sz="1400" dirty="0">
+              <a:solidFill>
+                <a:schemeClr val="bg1"/>
+              </a:solidFill>
+              <a:latin typeface="Adobe 繁黑體 Std B" panose="020B0700000000000000" pitchFamily="34" charset="-120"/>
+              <a:ea typeface="Adobe 繁黑體 Std B" panose="020B0700000000000000" pitchFamily="34" charset="-120"/>
+            </a:endParaRPr>
+          </a:p>
+        </p:txBody>
+      </p:sp>
+      <p:cxnSp>
+        <p:nvCxnSpPr>
+          <p:cNvPr id="11" name="直線單箭頭接點 10"/>
+          <p:cNvCxnSpPr>
+            <a:endCxn id="5" idx="3"/>
+          </p:cNvCxnSpPr>
+          <p:nvPr/>
+        </p:nvCxnSpPr>
+        <p:spPr>
+          <a:xfrm flipH="1">
+            <a:off x="4284617" y="3753576"/>
+            <a:ext cx="862148" cy="135634"/>
+          </a:xfrm>
+          <a:prstGeom prst="straightConnector1">
+            <a:avLst/>
+          </a:prstGeom>
+          <a:ln w="76200">
+            <a:tailEnd type="triangle"/>
+          </a:ln>
+        </p:spPr>
+        <p:style>
+          <a:lnRef idx="1">
+            <a:schemeClr val="accent1"/>
+          </a:lnRef>
+          <a:fillRef idx="0">
+            <a:schemeClr val="accent1"/>
+          </a:fillRef>
+          <a:effectRef idx="0">
+            <a:schemeClr val="accent1"/>
+          </a:effectRef>
+          <a:fontRef idx="minor">
+            <a:schemeClr val="tx1"/>
+          </a:fontRef>
+        </p:style>
+      </p:cxnSp>
+      <p:sp>
+        <p:nvSpPr>
+          <p:cNvPr id="14" name="矩形 13"/>
+          <p:cNvSpPr/>
+          <p:nvPr/>
+        </p:nvSpPr>
+        <p:spPr>
+          <a:xfrm>
+            <a:off x="5308822" y="3318874"/>
+            <a:ext cx="2786743" cy="738664"/>
+          </a:xfrm>
+          <a:prstGeom prst="rect">
+            <a:avLst/>
+          </a:prstGeom>
+        </p:spPr>
+        <p:txBody>
+          <a:bodyPr wrap="square">
+            <a:spAutoFit/>
+          </a:bodyPr>
+          <a:lstStyle/>
+          <a:p>
+            <a:r>
+              <a:rPr lang="zh-TW" altLang="en-US" sz="1400" dirty="0" smtClean="0">
+                <a:solidFill>
+                  <a:schemeClr val="bg1"/>
+                </a:solidFill>
+                <a:latin typeface="Adobe 繁黑體 Std B" panose="020B0700000000000000" pitchFamily="34" charset="-120"/>
+                <a:ea typeface="Adobe 繁黑體 Std B" panose="020B0700000000000000" pitchFamily="34" charset="-120"/>
+              </a:rPr>
+              <a:t>最後面不加</a:t>
+            </a:r>
+            <a:r>
+              <a:rPr lang="en-US" altLang="zh-TW" sz="1400" dirty="0" smtClean="0">
+                <a:solidFill>
+                  <a:schemeClr val="bg1"/>
+                </a:solidFill>
+                <a:latin typeface="Adobe 繁黑體 Std B" panose="020B0700000000000000" pitchFamily="34" charset="-120"/>
+                <a:ea typeface="Adobe 繁黑體 Std B" panose="020B0700000000000000" pitchFamily="34" charset="-120"/>
+              </a:rPr>
+              <a:t>g</a:t>
+            </a:r>
+            <a:r>
+              <a:rPr lang="zh-TW" altLang="en-US" sz="1400" dirty="0" smtClean="0">
+                <a:solidFill>
+                  <a:schemeClr val="bg1"/>
+                </a:solidFill>
+                <a:latin typeface="Adobe 繁黑體 Std B" panose="020B0700000000000000" pitchFamily="34" charset="-120"/>
+                <a:ea typeface="Adobe 繁黑體 Std B" panose="020B0700000000000000" pitchFamily="34" charset="-120"/>
+              </a:rPr>
+              <a:t>的話</a:t>
+            </a:r>
+            <a:r>
+              <a:rPr lang="en-US" altLang="zh-TW" sz="1400" dirty="0" smtClean="0">
+                <a:solidFill>
+                  <a:schemeClr val="bg1"/>
+                </a:solidFill>
+                <a:latin typeface="Adobe 繁黑體 Std B" panose="020B0700000000000000" pitchFamily="34" charset="-120"/>
+                <a:ea typeface="Adobe 繁黑體 Std B" panose="020B0700000000000000" pitchFamily="34" charset="-120"/>
+              </a:rPr>
+              <a:t>replace</a:t>
+            </a:r>
+            <a:r>
+              <a:rPr lang="zh-TW" altLang="en-US" sz="1400" dirty="0" smtClean="0">
+                <a:solidFill>
+                  <a:schemeClr val="bg1"/>
+                </a:solidFill>
+                <a:latin typeface="Adobe 繁黑體 Std B" panose="020B0700000000000000" pitchFamily="34" charset="-120"/>
+                <a:ea typeface="Adobe 繁黑體 Std B" panose="020B0700000000000000" pitchFamily="34" charset="-120"/>
+              </a:rPr>
+              <a:t>只會比對第一個字串一樣就停止了，</a:t>
+            </a:r>
+            <a:r>
+              <a:rPr lang="en-US" altLang="zh-TW" sz="1400" dirty="0" smtClean="0">
+                <a:solidFill>
+                  <a:schemeClr val="bg1"/>
+                </a:solidFill>
+                <a:latin typeface="Adobe 繁黑體 Std B" panose="020B0700000000000000" pitchFamily="34" charset="-120"/>
+                <a:ea typeface="Adobe 繁黑體 Std B" panose="020B0700000000000000" pitchFamily="34" charset="-120"/>
+              </a:rPr>
+              <a:t>g </a:t>
+            </a:r>
+            <a:r>
+              <a:rPr lang="zh-TW" altLang="en-US" sz="1400" dirty="0" smtClean="0">
+                <a:solidFill>
+                  <a:schemeClr val="bg1"/>
+                </a:solidFill>
+                <a:latin typeface="Adobe 繁黑體 Std B" panose="020B0700000000000000" pitchFamily="34" charset="-120"/>
+                <a:ea typeface="Adobe 繁黑體 Std B" panose="020B0700000000000000" pitchFamily="34" charset="-120"/>
+              </a:rPr>
+              <a:t>是全域的意思 </a:t>
+            </a:r>
+            <a:r>
+              <a:rPr lang="en-US" altLang="zh-TW" sz="1400" dirty="0" smtClean="0">
+                <a:solidFill>
+                  <a:schemeClr val="bg1"/>
+                </a:solidFill>
+                <a:latin typeface="Adobe 繁黑體 Std B" panose="020B0700000000000000" pitchFamily="34" charset="-120"/>
+                <a:ea typeface="Adobe 繁黑體 Std B" panose="020B0700000000000000" pitchFamily="34" charset="-120"/>
+              </a:rPr>
+              <a:t>!!!</a:t>
+            </a:r>
+          </a:p>
+        </p:txBody>
+      </p:sp>
+    </p:spTree>
+    <p:extLst>
+      <p:ext uri="{BB962C8B-B14F-4D97-AF65-F5344CB8AC3E}">
+        <p14:creationId xmlns:p14="http://schemas.microsoft.com/office/powerpoint/2010/main" val="1504262484"/>
+      </p:ext>
+    </p:extLst>
+  </p:cSld>
+  <p:clrMapOvr>
+    <a:masterClrMapping/>
+  </p:clrMapOvr>
+</p:sld>
+</file>
+
+<file path=ppt/slides/slide34.xml><?xml version="1.0" encoding="utf-8"?>
+<p:sld xmlns:a="http://schemas.openxmlformats.org/drawingml/2006/main" xmlns:r="http://schemas.openxmlformats.org/officeDocument/2006/relationships" xmlns:p="http://schemas.openxmlformats.org/presentationml/2006/main">
+  <p:cSld>
+    <p:spTree>
+      <p:nvGrpSpPr>
+        <p:cNvPr id="1" name=""/>
+        <p:cNvGrpSpPr/>
+        <p:nvPr/>
+      </p:nvGrpSpPr>
+      <p:grpSpPr>
+        <a:xfrm>
+          <a:off x="0" y="0"/>
+          <a:ext cx="0" cy="0"/>
+          <a:chOff x="0" y="0"/>
+          <a:chExt cx="0" cy="0"/>
+        </a:xfrm>
+      </p:grpSpPr>
+      <p:pic>
+        <p:nvPicPr>
+          <p:cNvPr id="2" name="圖片 1"/>
+          <p:cNvPicPr>
+            <a:picLocks noChangeAspect="1"/>
+          </p:cNvPicPr>
+          <p:nvPr/>
+        </p:nvPicPr>
+        <p:blipFill>
+          <a:blip r:embed="rId2">
+            <a:extLst>
+              <a:ext uri="{28A0092B-C50C-407E-A947-70E740481C1C}">
+                <a14:useLocalDpi xmlns:a14="http://schemas.microsoft.com/office/drawing/2010/main" val="0"/>
+              </a:ext>
+            </a:extLst>
+          </a:blip>
+          <a:stretch>
+            <a:fillRect/>
+          </a:stretch>
+        </p:blipFill>
+        <p:spPr>
+          <a:xfrm>
+            <a:off x="1333499" y="1336954"/>
+            <a:ext cx="6467475" cy="3588186"/>
+          </a:xfrm>
+          <a:prstGeom prst="rect">
+            <a:avLst/>
+          </a:prstGeom>
+        </p:spPr>
+      </p:pic>
+      <p:sp>
+        <p:nvSpPr>
+          <p:cNvPr id="3" name="矩形 2"/>
+          <p:cNvSpPr/>
+          <p:nvPr/>
+        </p:nvSpPr>
+        <p:spPr>
+          <a:xfrm>
+            <a:off x="3545833" y="5500329"/>
+            <a:ext cx="2077172" cy="338554"/>
+          </a:xfrm>
+          <a:prstGeom prst="rect">
+            <a:avLst/>
+          </a:prstGeom>
+        </p:spPr>
+        <p:txBody>
+          <a:bodyPr wrap="none">
+            <a:spAutoFit/>
+          </a:bodyPr>
+          <a:lstStyle/>
+          <a:p>
+            <a:r>
+              <a:rPr lang="en-US" altLang="zh-TW" sz="1600" dirty="0">
+                <a:hlinkClick r:id="rId3"/>
+              </a:rPr>
+              <a:t>https://regex101.com/</a:t>
+            </a:r>
+            <a:endParaRPr lang="zh-TW" altLang="en-US" sz="1600" dirty="0"/>
+          </a:p>
+        </p:txBody>
+      </p:sp>
+      <p:sp>
+        <p:nvSpPr>
+          <p:cNvPr id="6" name="矩形 5"/>
+          <p:cNvSpPr/>
+          <p:nvPr/>
+        </p:nvSpPr>
+        <p:spPr>
+          <a:xfrm>
+            <a:off x="3864857" y="5161775"/>
+            <a:ext cx="1415772" cy="338554"/>
+          </a:xfrm>
+          <a:prstGeom prst="rect">
+            <a:avLst/>
+          </a:prstGeom>
+        </p:spPr>
+        <p:txBody>
+          <a:bodyPr wrap="none">
+            <a:spAutoFit/>
+          </a:bodyPr>
+          <a:lstStyle/>
+          <a:p>
+            <a:r>
+              <a:rPr lang="zh-TW" altLang="en-US" sz="1600" dirty="0" smtClean="0">
+                <a:solidFill>
+                  <a:srgbClr val="323230"/>
+                </a:solidFill>
+                <a:latin typeface="Adobe 繁黑體 Std B" panose="020B0700000000000000" pitchFamily="34" charset="-120"/>
+                <a:ea typeface="Adobe 繁黑體 Std B" panose="020B0700000000000000" pitchFamily="34" charset="-120"/>
+              </a:rPr>
+              <a:t>線上預覽工具</a:t>
+            </a:r>
+            <a:endParaRPr lang="zh-TW" altLang="en-US" sz="1600" dirty="0">
+              <a:solidFill>
+                <a:srgbClr val="323230"/>
+              </a:solidFill>
+              <a:latin typeface="Adobe 繁黑體 Std B" panose="020B0700000000000000" pitchFamily="34" charset="-120"/>
+              <a:ea typeface="Adobe 繁黑體 Std B" panose="020B0700000000000000" pitchFamily="34" charset="-120"/>
+            </a:endParaRPr>
+          </a:p>
+        </p:txBody>
+      </p:sp>
+    </p:spTree>
+    <p:extLst>
+      <p:ext uri="{BB962C8B-B14F-4D97-AF65-F5344CB8AC3E}">
+        <p14:creationId xmlns:p14="http://schemas.microsoft.com/office/powerpoint/2010/main" val="2994247813"/>
+      </p:ext>
+    </p:extLst>
+  </p:cSld>
+  <p:clrMapOvr>
+    <a:masterClrMapping/>
+  </p:clrMapOvr>
+</p:sld>
+</file>
+
+<file path=ppt/slides/slide35.xml><?xml version="1.0" encoding="utf-8"?>
+<p:sld xmlns:a="http://schemas.openxmlformats.org/drawingml/2006/main" xmlns:r="http://schemas.openxmlformats.org/officeDocument/2006/relationships" xmlns:p="http://schemas.openxmlformats.org/presentationml/2006/main">
+  <p:cSld>
+    <p:bg>
+      <p:bgPr>
+        <a:solidFill>
+          <a:srgbClr val="323230"/>
+        </a:solidFill>
+        <a:effectLst/>
+      </p:bgPr>
+    </p:bg>
+    <p:spTree>
+      <p:nvGrpSpPr>
+        <p:cNvPr id="1" name=""/>
+        <p:cNvGrpSpPr/>
+        <p:nvPr/>
+      </p:nvGrpSpPr>
+      <p:grpSpPr>
+        <a:xfrm>
+          <a:off x="0" y="0"/>
+          <a:ext cx="0" cy="0"/>
+          <a:chOff x="0" y="0"/>
+          <a:chExt cx="0" cy="0"/>
+        </a:xfrm>
+      </p:grpSpPr>
+      <p:sp>
+        <p:nvSpPr>
+          <p:cNvPr id="4" name="標題 1"/>
+          <p:cNvSpPr txBox="1">
+            <a:spLocks/>
+          </p:cNvSpPr>
+          <p:nvPr/>
+        </p:nvSpPr>
+        <p:spPr>
+          <a:xfrm>
+            <a:off x="2590799" y="853084"/>
+            <a:ext cx="5812971" cy="800142"/>
+          </a:xfrm>
+          <a:prstGeom prst="rect">
+            <a:avLst/>
+          </a:prstGeom>
+        </p:spPr>
+        <p:txBody>
+          <a:bodyPr vert="horz" lIns="91440" tIns="45720" rIns="91440" bIns="45720" rtlCol="0" anchor="ctr">
+            <a:normAutofit fontScale="92500" lnSpcReduction="10000"/>
+          </a:bodyPr>
+          <a:lstStyle>
+            <a:lvl1pPr algn="l" defTabSz="914400" rtl="0" eaLnBrk="1" latinLnBrk="0" hangingPunct="1">
+              <a:lnSpc>
+                <a:spcPct val="90000"/>
+              </a:lnSpc>
+              <a:spcBef>
+                <a:spcPct val="0"/>
+              </a:spcBef>
+              <a:buNone/>
+              <a:defRPr sz="4400" kern="1200">
+                <a:solidFill>
+                  <a:schemeClr val="tx1"/>
+                </a:solidFill>
+                <a:latin typeface="+mj-lt"/>
+                <a:ea typeface="+mj-ea"/>
+                <a:cs typeface="+mj-cs"/>
+              </a:defRPr>
+            </a:lvl1pPr>
+          </a:lstStyle>
+          <a:p>
+            <a:pPr algn="ctr">
+              <a:lnSpc>
+                <a:spcPct val="150000"/>
+              </a:lnSpc>
+            </a:pPr>
+            <a:r>
+              <a:rPr lang="en-US" altLang="zh-TW" sz="1800" dirty="0" err="1" smtClean="0">
+                <a:solidFill>
+                  <a:schemeClr val="bg1"/>
+                </a:solidFill>
+                <a:latin typeface="Adobe 繁黑體 Std B" panose="020B0700000000000000" pitchFamily="34" charset="-120"/>
+                <a:ea typeface="Adobe 繁黑體 Std B" panose="020B0700000000000000" pitchFamily="34" charset="-120"/>
+              </a:rPr>
+              <a:t>String.match</a:t>
+            </a:r>
+            <a:r>
+              <a:rPr lang="en-US" altLang="zh-TW" sz="1800" dirty="0" smtClean="0">
+                <a:solidFill>
+                  <a:schemeClr val="bg1"/>
+                </a:solidFill>
+                <a:latin typeface="Adobe 繁黑體 Std B" panose="020B0700000000000000" pitchFamily="34" charset="-120"/>
+                <a:ea typeface="Adobe 繁黑體 Std B" panose="020B0700000000000000" pitchFamily="34" charset="-120"/>
+              </a:rPr>
+              <a:t>(</a:t>
+            </a:r>
+            <a:r>
+              <a:rPr lang="en-US" altLang="zh-TW" sz="1800" dirty="0" err="1" smtClean="0">
+                <a:solidFill>
+                  <a:schemeClr val="bg1"/>
+                </a:solidFill>
+                <a:latin typeface="Adobe 繁黑體 Std B" panose="020B0700000000000000" pitchFamily="34" charset="-120"/>
+                <a:ea typeface="Adobe 繁黑體 Std B" panose="020B0700000000000000" pitchFamily="34" charset="-120"/>
+              </a:rPr>
+              <a:t>reg</a:t>
+            </a:r>
+            <a:r>
+              <a:rPr lang="en-US" altLang="zh-TW" sz="1800" dirty="0">
+                <a:solidFill>
+                  <a:schemeClr val="bg1"/>
+                </a:solidFill>
+                <a:latin typeface="Adobe 繁黑體 Std B" panose="020B0700000000000000" pitchFamily="34" charset="-120"/>
+                <a:ea typeface="Adobe 繁黑體 Std B" panose="020B0700000000000000" pitchFamily="34" charset="-120"/>
+              </a:rPr>
+              <a:t>);</a:t>
+            </a:r>
+          </a:p>
+          <a:p>
+            <a:pPr algn="ctr">
+              <a:lnSpc>
+                <a:spcPct val="150000"/>
+              </a:lnSpc>
+            </a:pPr>
+            <a:r>
+              <a:rPr lang="zh-TW" altLang="en-US" sz="1600" dirty="0">
+                <a:solidFill>
+                  <a:schemeClr val="bg1">
+                    <a:lumMod val="50000"/>
+                  </a:schemeClr>
+                </a:solidFill>
+                <a:latin typeface="Adobe 繁黑體 Std B" panose="020B0700000000000000" pitchFamily="34" charset="-120"/>
+                <a:ea typeface="Adobe 繁黑體 Std B" panose="020B0700000000000000" pitchFamily="34" charset="-120"/>
+              </a:rPr>
+              <a:t>在字串方法內使用正則表達式來找到一個或是多個匹配的</a:t>
+            </a:r>
+            <a:r>
+              <a:rPr lang="zh-TW" altLang="en-US" sz="1600" dirty="0" smtClean="0">
+                <a:solidFill>
+                  <a:schemeClr val="bg1">
+                    <a:lumMod val="50000"/>
+                  </a:schemeClr>
+                </a:solidFill>
+                <a:latin typeface="Adobe 繁黑體 Std B" panose="020B0700000000000000" pitchFamily="34" charset="-120"/>
+                <a:ea typeface="Adobe 繁黑體 Std B" panose="020B0700000000000000" pitchFamily="34" charset="-120"/>
+              </a:rPr>
+              <a:t>結果</a:t>
+            </a:r>
+            <a:endParaRPr lang="zh-TW" altLang="en-US" sz="1600" dirty="0">
+              <a:solidFill>
+                <a:schemeClr val="bg1">
+                  <a:lumMod val="50000"/>
+                </a:schemeClr>
+              </a:solidFill>
+              <a:latin typeface="Adobe 繁黑體 Std B" panose="020B0700000000000000" pitchFamily="34" charset="-120"/>
+              <a:ea typeface="Adobe 繁黑體 Std B" panose="020B0700000000000000" pitchFamily="34" charset="-120"/>
+            </a:endParaRPr>
+          </a:p>
+        </p:txBody>
+      </p:sp>
+      <p:sp>
+        <p:nvSpPr>
+          <p:cNvPr id="5" name="矩形 4"/>
+          <p:cNvSpPr/>
+          <p:nvPr/>
+        </p:nvSpPr>
+        <p:spPr>
+          <a:xfrm>
+            <a:off x="3783545" y="2582483"/>
+            <a:ext cx="3339376" cy="523220"/>
+          </a:xfrm>
+          <a:prstGeom prst="rect">
+            <a:avLst/>
+          </a:prstGeom>
+        </p:spPr>
+        <p:txBody>
+          <a:bodyPr wrap="none">
+            <a:spAutoFit/>
+          </a:bodyPr>
+          <a:lstStyle/>
+          <a:p>
+            <a:r>
+              <a:rPr lang="en-US" altLang="zh-TW" sz="2800" dirty="0">
+                <a:solidFill>
+                  <a:srgbClr val="FFEE99"/>
+                </a:solidFill>
+                <a:latin typeface="Consolas" panose="020B0609020204030204" pitchFamily="49" charset="0"/>
+              </a:rPr>
+              <a:t>/E(</a:t>
+            </a:r>
+            <a:r>
+              <a:rPr lang="en-US" altLang="zh-TW" sz="2800" dirty="0">
+                <a:solidFill>
+                  <a:srgbClr val="FF80F4"/>
+                </a:solidFill>
+                <a:latin typeface="Consolas" panose="020B0609020204030204" pitchFamily="49" charset="0"/>
+              </a:rPr>
+              <a:t>[a-</a:t>
+            </a:r>
+            <a:r>
+              <a:rPr lang="en-US" altLang="zh-TW" sz="2800" dirty="0" err="1">
+                <a:solidFill>
+                  <a:srgbClr val="FF80F4"/>
+                </a:solidFill>
+                <a:latin typeface="Consolas" panose="020B0609020204030204" pitchFamily="49" charset="0"/>
+              </a:rPr>
+              <a:t>zA</a:t>
+            </a:r>
+            <a:r>
+              <a:rPr lang="en-US" altLang="zh-TW" sz="2800" dirty="0">
+                <a:solidFill>
+                  <a:srgbClr val="FF80F4"/>
+                </a:solidFill>
+                <a:latin typeface="Consolas" panose="020B0609020204030204" pitchFamily="49" charset="0"/>
+              </a:rPr>
+              <a:t>-Z]</a:t>
+            </a:r>
+            <a:r>
+              <a:rPr lang="en-US" altLang="zh-TW" sz="2800" dirty="0">
+                <a:solidFill>
+                  <a:srgbClr val="F92672"/>
+                </a:solidFill>
+                <a:latin typeface="Consolas" panose="020B0609020204030204" pitchFamily="49" charset="0"/>
+              </a:rPr>
+              <a:t>+</a:t>
+            </a:r>
+            <a:r>
+              <a:rPr lang="en-US" altLang="zh-TW" sz="2800" dirty="0">
+                <a:solidFill>
+                  <a:srgbClr val="FFEE99"/>
+                </a:solidFill>
+                <a:latin typeface="Consolas" panose="020B0609020204030204" pitchFamily="49" charset="0"/>
+              </a:rPr>
+              <a:t>)t/</a:t>
+            </a:r>
+            <a:r>
+              <a:rPr lang="en-US" altLang="zh-TW" sz="2800" dirty="0">
+                <a:solidFill>
+                  <a:srgbClr val="F92672"/>
+                </a:solidFill>
+                <a:latin typeface="Consolas" panose="020B0609020204030204" pitchFamily="49" charset="0"/>
+              </a:rPr>
+              <a:t>g</a:t>
+            </a:r>
+            <a:endParaRPr lang="en-US" altLang="zh-TW" sz="2800" b="0" dirty="0">
+              <a:solidFill>
+                <a:srgbClr val="F8F8F2"/>
+              </a:solidFill>
+              <a:effectLst/>
+              <a:latin typeface="Consolas" panose="020B0609020204030204" pitchFamily="49" charset="0"/>
+            </a:endParaRPr>
+          </a:p>
+        </p:txBody>
+      </p:sp>
+      <p:cxnSp>
+        <p:nvCxnSpPr>
+          <p:cNvPr id="6" name="直線單箭頭接點 5"/>
+          <p:cNvCxnSpPr/>
+          <p:nvPr/>
+        </p:nvCxnSpPr>
+        <p:spPr>
+          <a:xfrm flipH="1" flipV="1">
+            <a:off x="5198508" y="3105703"/>
+            <a:ext cx="156755" cy="1004778"/>
+          </a:xfrm>
+          <a:prstGeom prst="straightConnector1">
+            <a:avLst/>
+          </a:prstGeom>
+          <a:ln w="76200">
+            <a:tailEnd type="triangle"/>
+          </a:ln>
+        </p:spPr>
+        <p:style>
+          <a:lnRef idx="1">
+            <a:schemeClr val="accent1"/>
+          </a:lnRef>
+          <a:fillRef idx="0">
+            <a:schemeClr val="accent1"/>
+          </a:fillRef>
+          <a:effectRef idx="0">
+            <a:schemeClr val="accent1"/>
+          </a:effectRef>
+          <a:fontRef idx="minor">
+            <a:schemeClr val="tx1"/>
+          </a:fontRef>
+        </p:style>
+      </p:cxnSp>
+      <p:sp>
+        <p:nvSpPr>
+          <p:cNvPr id="8" name="矩形 7"/>
+          <p:cNvSpPr/>
+          <p:nvPr/>
+        </p:nvSpPr>
+        <p:spPr>
+          <a:xfrm>
+            <a:off x="4744617" y="4259508"/>
+            <a:ext cx="1417231" cy="523220"/>
+          </a:xfrm>
+          <a:prstGeom prst="rect">
+            <a:avLst/>
+          </a:prstGeom>
+        </p:spPr>
+        <p:txBody>
+          <a:bodyPr wrap="square">
+            <a:spAutoFit/>
+          </a:bodyPr>
+          <a:lstStyle/>
+          <a:p>
+            <a:pPr algn="ctr"/>
+            <a:r>
+              <a:rPr lang="zh-TW" altLang="en-US" sz="1400" dirty="0" smtClean="0">
+                <a:solidFill>
+                  <a:schemeClr val="bg1"/>
+                </a:solidFill>
+                <a:latin typeface="Adobe 繁黑體 Std B" panose="020B0700000000000000" pitchFamily="34" charset="-120"/>
+                <a:ea typeface="Adobe 繁黑體 Std B" panose="020B0700000000000000" pitchFamily="34" charset="-120"/>
+              </a:rPr>
+              <a:t>所有的英文字母包括大小寫</a:t>
+            </a:r>
+            <a:endParaRPr lang="zh-TW" altLang="en-US" sz="1400" dirty="0">
+              <a:solidFill>
+                <a:schemeClr val="bg1"/>
+              </a:solidFill>
+              <a:latin typeface="Adobe 繁黑體 Std B" panose="020B0700000000000000" pitchFamily="34" charset="-120"/>
+              <a:ea typeface="Adobe 繁黑體 Std B" panose="020B0700000000000000" pitchFamily="34" charset="-120"/>
+            </a:endParaRPr>
+          </a:p>
+        </p:txBody>
+      </p:sp>
+      <p:sp>
+        <p:nvSpPr>
+          <p:cNvPr id="9" name="矩形 8"/>
+          <p:cNvSpPr/>
+          <p:nvPr/>
+        </p:nvSpPr>
+        <p:spPr>
+          <a:xfrm>
+            <a:off x="1641682" y="3839056"/>
+            <a:ext cx="1457012" cy="738664"/>
+          </a:xfrm>
+          <a:prstGeom prst="rect">
+            <a:avLst/>
+          </a:prstGeom>
+        </p:spPr>
+        <p:txBody>
+          <a:bodyPr wrap="square">
+            <a:spAutoFit/>
+          </a:bodyPr>
+          <a:lstStyle/>
+          <a:p>
+            <a:r>
+              <a:rPr lang="zh-TW" altLang="en-US" sz="1400" dirty="0">
+                <a:solidFill>
+                  <a:schemeClr val="bg1"/>
+                </a:solidFill>
+                <a:latin typeface="Adobe 繁黑體 Std B" panose="020B0700000000000000" pitchFamily="34" charset="-120"/>
+                <a:ea typeface="Adobe 繁黑體 Std B" panose="020B0700000000000000" pitchFamily="34" charset="-120"/>
+              </a:rPr>
+              <a:t>括號中的表示式匹配到的內容可以被單獨得到</a:t>
+            </a:r>
+          </a:p>
+        </p:txBody>
+      </p:sp>
+      <p:cxnSp>
+        <p:nvCxnSpPr>
+          <p:cNvPr id="11" name="直線單箭頭接點 10"/>
+          <p:cNvCxnSpPr/>
+          <p:nvPr/>
+        </p:nvCxnSpPr>
+        <p:spPr>
+          <a:xfrm flipV="1">
+            <a:off x="2999000" y="3048613"/>
+            <a:ext cx="1350695" cy="660958"/>
+          </a:xfrm>
+          <a:prstGeom prst="straightConnector1">
+            <a:avLst/>
+          </a:prstGeom>
+          <a:ln w="76200">
+            <a:tailEnd type="triangle"/>
+          </a:ln>
+        </p:spPr>
+        <p:style>
+          <a:lnRef idx="1">
+            <a:schemeClr val="accent1"/>
+          </a:lnRef>
+          <a:fillRef idx="0">
+            <a:schemeClr val="accent1"/>
+          </a:fillRef>
+          <a:effectRef idx="0">
+            <a:schemeClr val="accent1"/>
+          </a:effectRef>
+          <a:fontRef idx="minor">
+            <a:schemeClr val="tx1"/>
+          </a:fontRef>
+        </p:style>
+      </p:cxnSp>
+      <p:sp>
+        <p:nvSpPr>
+          <p:cNvPr id="14" name="矩形 13"/>
+          <p:cNvSpPr/>
+          <p:nvPr/>
+        </p:nvSpPr>
+        <p:spPr>
+          <a:xfrm>
+            <a:off x="6593355" y="3781234"/>
+            <a:ext cx="1620957" cy="307777"/>
+          </a:xfrm>
+          <a:prstGeom prst="rect">
+            <a:avLst/>
+          </a:prstGeom>
+        </p:spPr>
+        <p:txBody>
+          <a:bodyPr wrap="none">
+            <a:spAutoFit/>
+          </a:bodyPr>
+          <a:lstStyle/>
+          <a:p>
+            <a:r>
+              <a:rPr lang="zh-TW" altLang="en-US" sz="1400" dirty="0">
+                <a:solidFill>
+                  <a:schemeClr val="bg1"/>
+                </a:solidFill>
+                <a:latin typeface="Adobe 繁黑體 Std B" panose="020B0700000000000000" pitchFamily="34" charset="-120"/>
+                <a:ea typeface="Adobe 繁黑體 Std B" panose="020B0700000000000000" pitchFamily="34" charset="-120"/>
+              </a:rPr>
+              <a:t>匹配前一</a:t>
+            </a:r>
+            <a:r>
+              <a:rPr lang="zh-TW" altLang="en-US" sz="1400" dirty="0" smtClean="0">
+                <a:solidFill>
+                  <a:schemeClr val="bg1"/>
+                </a:solidFill>
+                <a:latin typeface="Adobe 繁黑體 Std B" panose="020B0700000000000000" pitchFamily="34" charset="-120"/>
+                <a:ea typeface="Adobe 繁黑體 Std B" panose="020B0700000000000000" pitchFamily="34" charset="-120"/>
+              </a:rPr>
+              <a:t>字元多次</a:t>
+            </a:r>
+            <a:endParaRPr lang="zh-TW" altLang="en-US" sz="1400" dirty="0">
+              <a:solidFill>
+                <a:schemeClr val="bg1"/>
+              </a:solidFill>
+              <a:latin typeface="Adobe 繁黑體 Std B" panose="020B0700000000000000" pitchFamily="34" charset="-120"/>
+              <a:ea typeface="Adobe 繁黑體 Std B" panose="020B0700000000000000" pitchFamily="34" charset="-120"/>
+            </a:endParaRPr>
+          </a:p>
+        </p:txBody>
+      </p:sp>
+      <p:cxnSp>
+        <p:nvCxnSpPr>
+          <p:cNvPr id="15" name="直線單箭頭接點 14"/>
+          <p:cNvCxnSpPr/>
+          <p:nvPr/>
+        </p:nvCxnSpPr>
+        <p:spPr>
+          <a:xfrm flipH="1" flipV="1">
+            <a:off x="6133276" y="2995830"/>
+            <a:ext cx="920158" cy="724217"/>
+          </a:xfrm>
+          <a:prstGeom prst="straightConnector1">
+            <a:avLst/>
+          </a:prstGeom>
+          <a:ln w="76200">
+            <a:tailEnd type="triangle"/>
+          </a:ln>
+        </p:spPr>
+        <p:style>
+          <a:lnRef idx="1">
+            <a:schemeClr val="accent1"/>
+          </a:lnRef>
+          <a:fillRef idx="0">
+            <a:schemeClr val="accent1"/>
+          </a:fillRef>
+          <a:effectRef idx="0">
+            <a:schemeClr val="accent1"/>
+          </a:effectRef>
+          <a:fontRef idx="minor">
+            <a:schemeClr val="tx1"/>
+          </a:fontRef>
+        </p:style>
+      </p:cxnSp>
+      <p:sp>
+        <p:nvSpPr>
+          <p:cNvPr id="17" name="標題 1"/>
+          <p:cNvSpPr txBox="1">
+            <a:spLocks/>
+          </p:cNvSpPr>
+          <p:nvPr/>
+        </p:nvSpPr>
+        <p:spPr>
+          <a:xfrm>
+            <a:off x="3550814" y="1757091"/>
+            <a:ext cx="4015358" cy="409027"/>
+          </a:xfrm>
+          <a:prstGeom prst="rect">
+            <a:avLst/>
+          </a:prstGeom>
+        </p:spPr>
+        <p:txBody>
+          <a:bodyPr vert="horz" lIns="91440" tIns="45720" rIns="91440" bIns="45720" rtlCol="0" anchor="ctr">
+            <a:noAutofit/>
+          </a:bodyPr>
+          <a:lstStyle>
+            <a:lvl1pPr algn="l" defTabSz="914400" rtl="0" eaLnBrk="1" latinLnBrk="0" hangingPunct="1">
+              <a:lnSpc>
+                <a:spcPct val="90000"/>
+              </a:lnSpc>
+              <a:spcBef>
+                <a:spcPct val="0"/>
+              </a:spcBef>
+              <a:buNone/>
+              <a:defRPr sz="4400" kern="1200">
+                <a:solidFill>
+                  <a:schemeClr val="tx1"/>
+                </a:solidFill>
+                <a:latin typeface="+mj-lt"/>
+                <a:ea typeface="+mj-ea"/>
+                <a:cs typeface="+mj-cs"/>
+              </a:defRPr>
+            </a:lvl1pPr>
+          </a:lstStyle>
+          <a:p>
+            <a:pPr algn="ctr">
+              <a:lnSpc>
+                <a:spcPct val="150000"/>
+              </a:lnSpc>
+            </a:pPr>
+            <a:r>
+              <a:rPr lang="zh-TW" altLang="en-US" sz="1400" b="1" dirty="0" smtClean="0">
+                <a:solidFill>
+                  <a:schemeClr val="bg1"/>
+                </a:solidFill>
+                <a:latin typeface="Adobe 繁黑體 Std B" panose="020B0700000000000000" pitchFamily="34" charset="-120"/>
+                <a:ea typeface="Adobe 繁黑體 Std B" panose="020B0700000000000000" pitchFamily="34" charset="-120"/>
+              </a:rPr>
+              <a:t>如果想找頭尾一樣但是中間不一樣的內容</a:t>
+            </a:r>
+            <a:endParaRPr lang="zh-TW" altLang="en-US" sz="1400" dirty="0">
+              <a:solidFill>
+                <a:schemeClr val="bg1"/>
+              </a:solidFill>
+              <a:latin typeface="Adobe 繁黑體 Std B" panose="020B0700000000000000" pitchFamily="34" charset="-120"/>
+              <a:ea typeface="Adobe 繁黑體 Std B" panose="020B0700000000000000" pitchFamily="34" charset="-120"/>
+              <a:cs typeface="Consolas" panose="020B0609020204030204" pitchFamily="49" charset="0"/>
+            </a:endParaRPr>
+          </a:p>
+        </p:txBody>
+      </p:sp>
+      <p:sp>
+        <p:nvSpPr>
+          <p:cNvPr id="18" name="矩形 17"/>
+          <p:cNvSpPr/>
+          <p:nvPr/>
+        </p:nvSpPr>
+        <p:spPr>
+          <a:xfrm>
+            <a:off x="3202386" y="4501090"/>
+            <a:ext cx="1348642" cy="523220"/>
+          </a:xfrm>
+          <a:prstGeom prst="rect">
+            <a:avLst/>
+          </a:prstGeom>
+        </p:spPr>
+        <p:txBody>
+          <a:bodyPr wrap="square">
+            <a:spAutoFit/>
+          </a:bodyPr>
+          <a:lstStyle/>
+          <a:p>
+            <a:r>
+              <a:rPr lang="zh-TW" altLang="en-US" sz="1400" b="1" dirty="0">
+                <a:solidFill>
+                  <a:schemeClr val="bg1"/>
+                </a:solidFill>
+                <a:latin typeface="Adobe 繁黑體 Std B" panose="020B0700000000000000" pitchFamily="34" charset="-120"/>
+                <a:ea typeface="Adobe 繁黑體 Std B" panose="020B0700000000000000" pitchFamily="34" charset="-120"/>
+              </a:rPr>
+              <a:t>用於查</a:t>
+            </a:r>
+            <a:r>
+              <a:rPr lang="zh-TW" altLang="en-US" sz="1400" b="1" dirty="0" smtClean="0">
+                <a:solidFill>
+                  <a:schemeClr val="bg1"/>
+                </a:solidFill>
+                <a:latin typeface="Adobe 繁黑體 Std B" panose="020B0700000000000000" pitchFamily="34" charset="-120"/>
+                <a:ea typeface="Adobe 繁黑體 Std B" panose="020B0700000000000000" pitchFamily="34" charset="-120"/>
+              </a:rPr>
+              <a:t>找範圍</a:t>
+            </a:r>
+            <a:r>
+              <a:rPr lang="zh-TW" altLang="en-US" sz="1400" b="1" dirty="0">
+                <a:solidFill>
+                  <a:schemeClr val="bg1"/>
+                </a:solidFill>
+                <a:latin typeface="Adobe 繁黑體 Std B" panose="020B0700000000000000" pitchFamily="34" charset="-120"/>
+                <a:ea typeface="Adobe 繁黑體 Std B" panose="020B0700000000000000" pitchFamily="34" charset="-120"/>
+              </a:rPr>
+              <a:t>內的</a:t>
+            </a:r>
+            <a:r>
+              <a:rPr lang="zh-TW" altLang="en-US" sz="1400" b="1" dirty="0" smtClean="0">
+                <a:solidFill>
+                  <a:schemeClr val="bg1"/>
+                </a:solidFill>
+                <a:latin typeface="Adobe 繁黑體 Std B" panose="020B0700000000000000" pitchFamily="34" charset="-120"/>
+                <a:ea typeface="Adobe 繁黑體 Std B" panose="020B0700000000000000" pitchFamily="34" charset="-120"/>
+              </a:rPr>
+              <a:t>字串</a:t>
+            </a:r>
+            <a:endParaRPr lang="en-US" altLang="zh-TW" sz="1400" b="1" dirty="0">
+              <a:solidFill>
+                <a:schemeClr val="bg1"/>
+              </a:solidFill>
+              <a:latin typeface="Adobe 繁黑體 Std B" panose="020B0700000000000000" pitchFamily="34" charset="-120"/>
+              <a:ea typeface="Adobe 繁黑體 Std B" panose="020B0700000000000000" pitchFamily="34" charset="-120"/>
+            </a:endParaRPr>
+          </a:p>
+        </p:txBody>
+      </p:sp>
+      <p:cxnSp>
+        <p:nvCxnSpPr>
+          <p:cNvPr id="19" name="直線單箭頭接點 18"/>
+          <p:cNvCxnSpPr/>
+          <p:nvPr/>
+        </p:nvCxnSpPr>
+        <p:spPr>
+          <a:xfrm flipV="1">
+            <a:off x="3876707" y="3048613"/>
+            <a:ext cx="686076" cy="1349216"/>
+          </a:xfrm>
+          <a:prstGeom prst="straightConnector1">
+            <a:avLst/>
+          </a:prstGeom>
+          <a:ln w="76200">
+            <a:tailEnd type="triangle"/>
+          </a:ln>
+        </p:spPr>
+        <p:style>
+          <a:lnRef idx="1">
+            <a:schemeClr val="accent1"/>
+          </a:lnRef>
+          <a:fillRef idx="0">
+            <a:schemeClr val="accent1"/>
+          </a:fillRef>
+          <a:effectRef idx="0">
+            <a:schemeClr val="accent1"/>
+          </a:effectRef>
+          <a:fontRef idx="minor">
+            <a:schemeClr val="tx1"/>
+          </a:fontRef>
+        </p:style>
+      </p:cxnSp>
+      <p:cxnSp>
+        <p:nvCxnSpPr>
+          <p:cNvPr id="21" name="直線單箭頭接點 20"/>
+          <p:cNvCxnSpPr/>
+          <p:nvPr/>
+        </p:nvCxnSpPr>
+        <p:spPr>
+          <a:xfrm flipH="1" flipV="1">
+            <a:off x="6991509" y="3033563"/>
+            <a:ext cx="654729" cy="181535"/>
+          </a:xfrm>
+          <a:prstGeom prst="straightConnector1">
+            <a:avLst/>
+          </a:prstGeom>
+          <a:ln w="76200">
+            <a:tailEnd type="triangle"/>
+          </a:ln>
+        </p:spPr>
+        <p:style>
+          <a:lnRef idx="1">
+            <a:schemeClr val="accent1"/>
+          </a:lnRef>
+          <a:fillRef idx="0">
+            <a:schemeClr val="accent1"/>
+          </a:fillRef>
+          <a:effectRef idx="0">
+            <a:schemeClr val="accent1"/>
+          </a:effectRef>
+          <a:fontRef idx="minor">
+            <a:schemeClr val="tx1"/>
+          </a:fontRef>
+        </p:style>
+      </p:cxnSp>
+      <p:sp>
+        <p:nvSpPr>
+          <p:cNvPr id="23" name="矩形 22"/>
+          <p:cNvSpPr/>
+          <p:nvPr/>
+        </p:nvSpPr>
+        <p:spPr>
+          <a:xfrm>
+            <a:off x="7673109" y="3124330"/>
+            <a:ext cx="1441420" cy="307777"/>
+          </a:xfrm>
+          <a:prstGeom prst="rect">
+            <a:avLst/>
+          </a:prstGeom>
+        </p:spPr>
+        <p:txBody>
+          <a:bodyPr wrap="none">
+            <a:spAutoFit/>
+          </a:bodyPr>
+          <a:lstStyle/>
+          <a:p>
+            <a:r>
+              <a:rPr lang="zh-TW" altLang="en-US" sz="1400" dirty="0" smtClean="0">
+                <a:solidFill>
+                  <a:schemeClr val="bg1"/>
+                </a:solidFill>
+                <a:latin typeface="Adobe 繁黑體 Std B" panose="020B0700000000000000" pitchFamily="34" charset="-120"/>
+                <a:ea typeface="Adobe 繁黑體 Std B" panose="020B0700000000000000" pitchFamily="34" charset="-120"/>
+              </a:rPr>
+              <a:t>全部的內容比對</a:t>
+            </a:r>
+            <a:endParaRPr lang="zh-TW" altLang="en-US" sz="1400" dirty="0">
+              <a:solidFill>
+                <a:schemeClr val="bg1"/>
+              </a:solidFill>
+              <a:latin typeface="Adobe 繁黑體 Std B" panose="020B0700000000000000" pitchFamily="34" charset="-120"/>
+              <a:ea typeface="Adobe 繁黑體 Std B" panose="020B0700000000000000" pitchFamily="34" charset="-120"/>
+            </a:endParaRPr>
+          </a:p>
+        </p:txBody>
+      </p:sp>
+    </p:spTree>
+    <p:extLst>
+      <p:ext uri="{BB962C8B-B14F-4D97-AF65-F5344CB8AC3E}">
+        <p14:creationId xmlns:p14="http://schemas.microsoft.com/office/powerpoint/2010/main" val="1458481094"/>
+      </p:ext>
+    </p:extLst>
+  </p:cSld>
+  <p:clrMapOvr>
+    <a:masterClrMapping/>
+  </p:clrMapOvr>
+</p:sld>
+</file>
+
+<file path=ppt/slides/slide36.xml><?xml version="1.0" encoding="utf-8"?>
+<p:sld xmlns:a="http://schemas.openxmlformats.org/drawingml/2006/main" xmlns:r="http://schemas.openxmlformats.org/officeDocument/2006/relationships" xmlns:p="http://schemas.openxmlformats.org/presentationml/2006/main">
+  <p:cSld>
+    <p:bg>
+      <p:bgPr>
+        <a:solidFill>
+          <a:srgbClr val="323230"/>
+        </a:solidFill>
+        <a:effectLst/>
+      </p:bgPr>
+    </p:bg>
+    <p:spTree>
+      <p:nvGrpSpPr>
+        <p:cNvPr id="1" name=""/>
+        <p:cNvGrpSpPr/>
+        <p:nvPr/>
+      </p:nvGrpSpPr>
+      <p:grpSpPr>
+        <a:xfrm>
+          <a:off x="0" y="0"/>
+          <a:ext cx="0" cy="0"/>
+          <a:chOff x="0" y="0"/>
+          <a:chExt cx="0" cy="0"/>
+        </a:xfrm>
+      </p:grpSpPr>
+      <p:sp>
+        <p:nvSpPr>
+          <p:cNvPr id="4" name="矩形 3"/>
+          <p:cNvSpPr/>
+          <p:nvPr/>
+        </p:nvSpPr>
+        <p:spPr>
+          <a:xfrm>
+            <a:off x="1471748" y="3124928"/>
+            <a:ext cx="8447315" cy="738664"/>
+          </a:xfrm>
+          <a:prstGeom prst="rect">
+            <a:avLst/>
+          </a:prstGeom>
+        </p:spPr>
+        <p:txBody>
+          <a:bodyPr wrap="square">
+            <a:spAutoFit/>
+          </a:bodyPr>
+          <a:lstStyle/>
+          <a:p>
+            <a:r>
+              <a:rPr lang="en-US" altLang="zh-TW" sz="1400" i="1" dirty="0" err="1">
+                <a:solidFill>
+                  <a:srgbClr val="66D9EF"/>
+                </a:solidFill>
+                <a:latin typeface="Consolas" panose="020B0609020204030204" pitchFamily="49" charset="0"/>
+              </a:rPr>
+              <a:t>var</a:t>
+            </a:r>
+            <a:r>
+              <a:rPr lang="en-US" altLang="zh-TW" sz="1400" dirty="0">
+                <a:solidFill>
+                  <a:srgbClr val="F8F8F2"/>
+                </a:solidFill>
+                <a:latin typeface="Consolas" panose="020B0609020204030204" pitchFamily="49" charset="0"/>
+              </a:rPr>
+              <a:t> regex </a:t>
+            </a:r>
+            <a:r>
+              <a:rPr lang="en-US" altLang="zh-TW" sz="1400" dirty="0">
+                <a:solidFill>
+                  <a:srgbClr val="F92672"/>
+                </a:solidFill>
+                <a:latin typeface="Consolas" panose="020B0609020204030204" pitchFamily="49" charset="0"/>
+              </a:rPr>
+              <a:t>=</a:t>
+            </a:r>
+            <a:r>
+              <a:rPr lang="en-US" altLang="zh-TW" sz="1400" dirty="0">
+                <a:solidFill>
+                  <a:srgbClr val="FFEE99"/>
+                </a:solidFill>
+                <a:latin typeface="Consolas" panose="020B0609020204030204" pitchFamily="49" charset="0"/>
+              </a:rPr>
+              <a:t> /ECMAScript/</a:t>
+            </a:r>
+            <a:r>
+              <a:rPr lang="en-US" altLang="zh-TW" sz="1400" dirty="0" err="1">
+                <a:solidFill>
+                  <a:srgbClr val="F92672"/>
+                </a:solidFill>
+                <a:latin typeface="Consolas" panose="020B0609020204030204" pitchFamily="49" charset="0"/>
+              </a:rPr>
+              <a:t>gi</a:t>
+            </a:r>
+            <a:r>
+              <a:rPr lang="en-US" altLang="zh-TW" sz="1400" dirty="0">
+                <a:solidFill>
+                  <a:srgbClr val="F8F8F2"/>
+                </a:solidFill>
+                <a:latin typeface="Consolas" panose="020B0609020204030204" pitchFamily="49" charset="0"/>
+              </a:rPr>
+              <a:t>;</a:t>
+            </a:r>
+          </a:p>
+          <a:p>
+            <a:r>
+              <a:rPr lang="en-US" altLang="zh-TW" sz="1400" i="1" dirty="0" err="1">
+                <a:solidFill>
+                  <a:srgbClr val="66D9EF"/>
+                </a:solidFill>
+                <a:latin typeface="Consolas" panose="020B0609020204030204" pitchFamily="49" charset="0"/>
+              </a:rPr>
+              <a:t>var</a:t>
+            </a:r>
+            <a:r>
+              <a:rPr lang="en-US" altLang="zh-TW" sz="1400" dirty="0">
+                <a:solidFill>
+                  <a:srgbClr val="F8F8F2"/>
+                </a:solidFill>
+                <a:latin typeface="Consolas" panose="020B0609020204030204" pitchFamily="49" charset="0"/>
+              </a:rPr>
+              <a:t> </a:t>
+            </a:r>
+            <a:r>
+              <a:rPr lang="en-US" altLang="zh-TW" sz="1400" dirty="0" err="1">
+                <a:solidFill>
+                  <a:srgbClr val="F8F8F2"/>
+                </a:solidFill>
+                <a:latin typeface="Consolas" panose="020B0609020204030204" pitchFamily="49" charset="0"/>
+              </a:rPr>
+              <a:t>str</a:t>
+            </a:r>
+            <a:r>
+              <a:rPr lang="en-US" altLang="zh-TW" sz="1400" dirty="0">
+                <a:solidFill>
+                  <a:srgbClr val="F8F8F2"/>
+                </a:solidFill>
+                <a:latin typeface="Consolas" panose="020B0609020204030204" pitchFamily="49" charset="0"/>
+              </a:rPr>
+              <a:t> </a:t>
+            </a:r>
+            <a:r>
+              <a:rPr lang="en-US" altLang="zh-TW" sz="1400" dirty="0">
+                <a:solidFill>
+                  <a:srgbClr val="F92672"/>
+                </a:solidFill>
+                <a:latin typeface="Consolas" panose="020B0609020204030204" pitchFamily="49" charset="0"/>
+              </a:rPr>
+              <a:t>=</a:t>
+            </a:r>
+            <a:r>
+              <a:rPr lang="en-US" altLang="zh-TW" sz="1400" dirty="0">
+                <a:solidFill>
+                  <a:srgbClr val="F8F8F2"/>
+                </a:solidFill>
+                <a:latin typeface="Consolas" panose="020B0609020204030204" pitchFamily="49" charset="0"/>
+              </a:rPr>
+              <a:t> </a:t>
+            </a:r>
+            <a:r>
+              <a:rPr lang="en-US" altLang="zh-TW" sz="1400" dirty="0">
+                <a:solidFill>
+                  <a:srgbClr val="FFEE99"/>
+                </a:solidFill>
+                <a:latin typeface="Consolas" panose="020B0609020204030204" pitchFamily="49" charset="0"/>
+              </a:rPr>
+              <a:t>'ECMAScript </a:t>
+            </a:r>
+            <a:r>
+              <a:rPr lang="en-US" altLang="zh-TW" sz="1400" dirty="0" err="1">
+                <a:solidFill>
+                  <a:srgbClr val="FFEE99"/>
+                </a:solidFill>
+                <a:latin typeface="Consolas" panose="020B0609020204030204" pitchFamily="49" charset="0"/>
+              </a:rPr>
+              <a:t>Javscript</a:t>
+            </a:r>
+            <a:r>
+              <a:rPr lang="en-US" altLang="zh-TW" sz="1400" dirty="0">
+                <a:solidFill>
+                  <a:srgbClr val="FFEE99"/>
+                </a:solidFill>
+                <a:latin typeface="Consolas" panose="020B0609020204030204" pitchFamily="49" charset="0"/>
+              </a:rPr>
+              <a:t> </a:t>
+            </a:r>
+            <a:r>
+              <a:rPr lang="en-US" altLang="zh-TW" sz="1400" dirty="0" err="1">
+                <a:solidFill>
+                  <a:srgbClr val="FFEE99"/>
+                </a:solidFill>
+                <a:latin typeface="Consolas" panose="020B0609020204030204" pitchFamily="49" charset="0"/>
+              </a:rPr>
+              <a:t>EggCat</a:t>
+            </a:r>
+            <a:r>
+              <a:rPr lang="en-US" altLang="zh-TW" sz="1400" dirty="0">
+                <a:solidFill>
+                  <a:srgbClr val="FFEE99"/>
+                </a:solidFill>
+                <a:latin typeface="Consolas" panose="020B0609020204030204" pitchFamily="49" charset="0"/>
+              </a:rPr>
+              <a:t> E123456789t </a:t>
+            </a:r>
+            <a:r>
+              <a:rPr lang="en-US" altLang="zh-TW" sz="1400" dirty="0" err="1">
+                <a:solidFill>
+                  <a:srgbClr val="FFEE99"/>
+                </a:solidFill>
+                <a:latin typeface="Consolas" panose="020B0609020204030204" pitchFamily="49" charset="0"/>
+              </a:rPr>
+              <a:t>Eabcdefg</a:t>
+            </a:r>
+            <a:r>
+              <a:rPr lang="en-US" altLang="zh-TW" sz="1400" dirty="0">
+                <a:solidFill>
+                  <a:srgbClr val="FFEE99"/>
+                </a:solidFill>
+                <a:latin typeface="Consolas" panose="020B0609020204030204" pitchFamily="49" charset="0"/>
+              </a:rPr>
+              <a:t> </a:t>
+            </a:r>
+            <a:r>
+              <a:rPr lang="en-US" altLang="zh-TW" sz="1400" dirty="0" err="1">
+                <a:solidFill>
+                  <a:srgbClr val="FFEE99"/>
+                </a:solidFill>
+                <a:latin typeface="Consolas" panose="020B0609020204030204" pitchFamily="49" charset="0"/>
+              </a:rPr>
+              <a:t>ecmascripT</a:t>
+            </a:r>
+            <a:r>
+              <a:rPr lang="en-US" altLang="zh-TW" sz="1400" dirty="0">
+                <a:solidFill>
+                  <a:srgbClr val="FFEE99"/>
+                </a:solidFill>
+                <a:latin typeface="Consolas" panose="020B0609020204030204" pitchFamily="49" charset="0"/>
+              </a:rPr>
+              <a:t> </a:t>
+            </a:r>
+            <a:r>
+              <a:rPr lang="en-US" altLang="zh-TW" sz="1400" dirty="0" err="1">
+                <a:solidFill>
+                  <a:srgbClr val="FFEE99"/>
+                </a:solidFill>
+                <a:latin typeface="Consolas" panose="020B0609020204030204" pitchFamily="49" charset="0"/>
+              </a:rPr>
+              <a:t>Ecmascript</a:t>
+            </a:r>
+            <a:r>
+              <a:rPr lang="en-US" altLang="zh-TW" sz="1400" dirty="0">
+                <a:solidFill>
+                  <a:srgbClr val="FFEE99"/>
+                </a:solidFill>
+                <a:latin typeface="Consolas" panose="020B0609020204030204" pitchFamily="49" charset="0"/>
+              </a:rPr>
+              <a:t>'</a:t>
+            </a:r>
+            <a:endParaRPr lang="en-US" altLang="zh-TW" sz="1400" dirty="0">
+              <a:solidFill>
+                <a:srgbClr val="F8F8F2"/>
+              </a:solidFill>
+              <a:latin typeface="Consolas" panose="020B0609020204030204" pitchFamily="49" charset="0"/>
+            </a:endParaRPr>
+          </a:p>
+          <a:p>
+            <a:r>
+              <a:rPr lang="en-US" altLang="zh-TW" sz="1400" i="1" dirty="0" err="1">
+                <a:solidFill>
+                  <a:srgbClr val="66D9EF"/>
+                </a:solidFill>
+                <a:latin typeface="Consolas" panose="020B0609020204030204" pitchFamily="49" charset="0"/>
+              </a:rPr>
+              <a:t>var</a:t>
+            </a:r>
+            <a:r>
+              <a:rPr lang="en-US" altLang="zh-TW" sz="1400" dirty="0">
+                <a:solidFill>
+                  <a:srgbClr val="F8F8F2"/>
+                </a:solidFill>
+                <a:latin typeface="Consolas" panose="020B0609020204030204" pitchFamily="49" charset="0"/>
+              </a:rPr>
+              <a:t> txt </a:t>
+            </a:r>
+            <a:r>
+              <a:rPr lang="en-US" altLang="zh-TW" sz="1400" dirty="0">
+                <a:solidFill>
+                  <a:srgbClr val="F92672"/>
+                </a:solidFill>
+                <a:latin typeface="Consolas" panose="020B0609020204030204" pitchFamily="49" charset="0"/>
+              </a:rPr>
+              <a:t>=</a:t>
+            </a:r>
+            <a:r>
+              <a:rPr lang="en-US" altLang="zh-TW" sz="1400" dirty="0">
+                <a:solidFill>
+                  <a:srgbClr val="F8F8F2"/>
+                </a:solidFill>
+                <a:latin typeface="Consolas" panose="020B0609020204030204" pitchFamily="49" charset="0"/>
+              </a:rPr>
+              <a:t> </a:t>
+            </a:r>
+            <a:r>
+              <a:rPr lang="en-US" altLang="zh-TW" sz="1400" dirty="0" err="1">
+                <a:solidFill>
+                  <a:srgbClr val="F8F8F2"/>
+                </a:solidFill>
+                <a:latin typeface="Consolas" panose="020B0609020204030204" pitchFamily="49" charset="0"/>
+              </a:rPr>
+              <a:t>str.</a:t>
+            </a:r>
+            <a:r>
+              <a:rPr lang="en-US" altLang="zh-TW" sz="1400" dirty="0" err="1">
+                <a:solidFill>
+                  <a:srgbClr val="A6E22E"/>
+                </a:solidFill>
+                <a:latin typeface="Consolas" panose="020B0609020204030204" pitchFamily="49" charset="0"/>
+              </a:rPr>
+              <a:t>match</a:t>
+            </a:r>
+            <a:r>
+              <a:rPr lang="en-US" altLang="zh-TW" sz="1400" dirty="0">
+                <a:solidFill>
+                  <a:srgbClr val="F8F8F2"/>
+                </a:solidFill>
+                <a:latin typeface="Consolas" panose="020B0609020204030204" pitchFamily="49" charset="0"/>
+              </a:rPr>
+              <a:t>(regex);</a:t>
+            </a:r>
+            <a:endParaRPr lang="en-US" altLang="zh-TW" sz="1400" b="0" dirty="0">
+              <a:solidFill>
+                <a:srgbClr val="F8F8F2"/>
+              </a:solidFill>
+              <a:effectLst/>
+              <a:latin typeface="Consolas" panose="020B0609020204030204" pitchFamily="49" charset="0"/>
+            </a:endParaRPr>
+          </a:p>
+        </p:txBody>
+      </p:sp>
+      <p:sp>
+        <p:nvSpPr>
+          <p:cNvPr id="6" name="矩形 5"/>
+          <p:cNvSpPr/>
+          <p:nvPr/>
+        </p:nvSpPr>
+        <p:spPr>
+          <a:xfrm>
+            <a:off x="1123081" y="4463533"/>
+            <a:ext cx="6218573" cy="369332"/>
+          </a:xfrm>
+          <a:prstGeom prst="rect">
+            <a:avLst/>
+          </a:prstGeom>
+        </p:spPr>
+        <p:txBody>
+          <a:bodyPr wrap="square">
+            <a:spAutoFit/>
+          </a:bodyPr>
+          <a:lstStyle/>
+          <a:p>
+            <a:pPr algn="ctr"/>
+            <a:r>
+              <a:rPr lang="zh-TW" altLang="en-US" dirty="0">
+                <a:solidFill>
+                  <a:schemeClr val="bg1">
+                    <a:lumMod val="75000"/>
+                  </a:schemeClr>
+                </a:solidFill>
+                <a:latin typeface="Adobe 繁黑體 Std B" panose="020B0700000000000000" pitchFamily="34" charset="-120"/>
+                <a:ea typeface="Adobe 繁黑體 Std B" panose="020B0700000000000000" pitchFamily="34" charset="-120"/>
+              </a:rPr>
+              <a:t> </a:t>
+            </a:r>
+            <a:r>
+              <a:rPr lang="en-US" altLang="zh-TW" dirty="0" smtClean="0">
+                <a:solidFill>
+                  <a:schemeClr val="bg1">
+                    <a:lumMod val="75000"/>
+                  </a:schemeClr>
+                </a:solidFill>
+                <a:latin typeface="Adobe 繁黑體 Std B" panose="020B0700000000000000" pitchFamily="34" charset="-120"/>
+                <a:ea typeface="Adobe 繁黑體 Std B" panose="020B0700000000000000" pitchFamily="34" charset="-120"/>
+              </a:rPr>
+              <a:t>---------&gt; </a:t>
+            </a:r>
+            <a:r>
+              <a:rPr lang="en-US" altLang="zh-TW" dirty="0" smtClean="0">
+                <a:solidFill>
+                  <a:schemeClr val="bg1">
+                    <a:lumMod val="75000"/>
+                  </a:schemeClr>
+                </a:solidFill>
+                <a:latin typeface="Adobe 繁黑體 Std B" panose="020B0700000000000000" pitchFamily="34" charset="-120"/>
+                <a:ea typeface="Adobe 繁黑體 Std B" panose="020B0700000000000000" pitchFamily="34" charset="-120"/>
+                <a:sym typeface="Wingdings" panose="05000000000000000000" pitchFamily="2" charset="2"/>
+              </a:rPr>
+              <a:t> </a:t>
+            </a:r>
+            <a:r>
+              <a:rPr lang="zh-TW" altLang="en-US" dirty="0" smtClean="0">
+                <a:solidFill>
+                  <a:schemeClr val="bg1">
+                    <a:lumMod val="75000"/>
+                  </a:schemeClr>
+                </a:solidFill>
+                <a:latin typeface="Adobe 繁黑體 Std B" panose="020B0700000000000000" pitchFamily="34" charset="-120"/>
+                <a:ea typeface="Adobe 繁黑體 Std B" panose="020B0700000000000000" pitchFamily="34" charset="-120"/>
+              </a:rPr>
+              <a:t>["</a:t>
+            </a:r>
+            <a:r>
+              <a:rPr lang="zh-TW" altLang="en-US" dirty="0">
+                <a:solidFill>
+                  <a:schemeClr val="bg1">
+                    <a:lumMod val="75000"/>
+                  </a:schemeClr>
+                </a:solidFill>
+                <a:latin typeface="Adobe 繁黑體 Std B" panose="020B0700000000000000" pitchFamily="34" charset="-120"/>
+                <a:ea typeface="Adobe 繁黑體 Std B" panose="020B0700000000000000" pitchFamily="34" charset="-120"/>
+              </a:rPr>
+              <a:t>ECMAScript", "ecmascripT", "Ecmascript"]</a:t>
+            </a:r>
+          </a:p>
+        </p:txBody>
+      </p:sp>
+      <p:sp>
+        <p:nvSpPr>
+          <p:cNvPr id="7" name="矩形 6"/>
+          <p:cNvSpPr/>
+          <p:nvPr/>
+        </p:nvSpPr>
+        <p:spPr>
+          <a:xfrm>
+            <a:off x="4321471" y="1676440"/>
+            <a:ext cx="2747868" cy="338554"/>
+          </a:xfrm>
+          <a:prstGeom prst="rect">
+            <a:avLst/>
+          </a:prstGeom>
+        </p:spPr>
+        <p:txBody>
+          <a:bodyPr wrap="none">
+            <a:spAutoFit/>
+          </a:bodyPr>
+          <a:lstStyle/>
+          <a:p>
+            <a:r>
+              <a:rPr lang="en-US" altLang="zh-TW" sz="1600" dirty="0" err="1" smtClean="0">
+                <a:solidFill>
+                  <a:schemeClr val="accent2">
+                    <a:lumMod val="60000"/>
+                    <a:lumOff val="40000"/>
+                  </a:schemeClr>
+                </a:solidFill>
+                <a:latin typeface="Adobe 繁黑體 Std B" panose="020B0700000000000000" pitchFamily="34" charset="-120"/>
+                <a:ea typeface="Adobe 繁黑體 Std B" panose="020B0700000000000000" pitchFamily="34" charset="-120"/>
+              </a:rPr>
+              <a:t>i</a:t>
+            </a:r>
+            <a:r>
+              <a:rPr lang="en-US" altLang="zh-TW" sz="1600" dirty="0" smtClean="0">
+                <a:solidFill>
+                  <a:schemeClr val="accent2">
+                    <a:lumMod val="60000"/>
+                    <a:lumOff val="40000"/>
+                  </a:schemeClr>
+                </a:solidFill>
+                <a:latin typeface="Adobe 繁黑體 Std B" panose="020B0700000000000000" pitchFamily="34" charset="-120"/>
+                <a:ea typeface="Adobe 繁黑體 Std B" panose="020B0700000000000000" pitchFamily="34" charset="-120"/>
+              </a:rPr>
+              <a:t> </a:t>
+            </a:r>
+            <a:r>
+              <a:rPr lang="zh-TW" altLang="en-US" sz="1600" dirty="0" smtClean="0">
+                <a:solidFill>
+                  <a:schemeClr val="accent2">
+                    <a:lumMod val="60000"/>
+                    <a:lumOff val="40000"/>
+                  </a:schemeClr>
+                </a:solidFill>
+                <a:latin typeface="Adobe 繁黑體 Std B" panose="020B0700000000000000" pitchFamily="34" charset="-120"/>
+                <a:ea typeface="Adobe 繁黑體 Std B" panose="020B0700000000000000" pitchFamily="34" charset="-120"/>
+              </a:rPr>
+              <a:t>可以比對的時候不管大小寫</a:t>
+            </a:r>
+            <a:endParaRPr lang="zh-TW" altLang="en-US" sz="1600" dirty="0">
+              <a:solidFill>
+                <a:schemeClr val="accent2">
+                  <a:lumMod val="60000"/>
+                  <a:lumOff val="40000"/>
+                </a:schemeClr>
+              </a:solidFill>
+              <a:latin typeface="Adobe 繁黑體 Std B" panose="020B0700000000000000" pitchFamily="34" charset="-120"/>
+              <a:ea typeface="Adobe 繁黑體 Std B" panose="020B0700000000000000" pitchFamily="34" charset="-120"/>
+            </a:endParaRPr>
+          </a:p>
+        </p:txBody>
+      </p:sp>
+      <p:cxnSp>
+        <p:nvCxnSpPr>
+          <p:cNvPr id="8" name="直線單箭頭接點 7"/>
+          <p:cNvCxnSpPr/>
+          <p:nvPr/>
+        </p:nvCxnSpPr>
+        <p:spPr>
+          <a:xfrm flipH="1">
+            <a:off x="4127865" y="2081348"/>
+            <a:ext cx="1384662" cy="1097280"/>
+          </a:xfrm>
+          <a:prstGeom prst="straightConnector1">
+            <a:avLst/>
+          </a:prstGeom>
+          <a:ln w="76200">
+            <a:tailEnd type="triangle"/>
+          </a:ln>
+        </p:spPr>
+        <p:style>
+          <a:lnRef idx="1">
+            <a:schemeClr val="accent1"/>
+          </a:lnRef>
+          <a:fillRef idx="0">
+            <a:schemeClr val="accent1"/>
+          </a:fillRef>
+          <a:effectRef idx="0">
+            <a:schemeClr val="accent1"/>
+          </a:effectRef>
+          <a:fontRef idx="minor">
+            <a:schemeClr val="tx1"/>
+          </a:fontRef>
+        </p:style>
+      </p:cxnSp>
+    </p:spTree>
+    <p:extLst>
+      <p:ext uri="{BB962C8B-B14F-4D97-AF65-F5344CB8AC3E}">
+        <p14:creationId xmlns:p14="http://schemas.microsoft.com/office/powerpoint/2010/main" val="1190288423"/>
+      </p:ext>
+    </p:extLst>
+  </p:cSld>
+  <p:clrMapOvr>
+    <a:masterClrMapping/>
+  </p:clrMapOvr>
+</p:sld>
+</file>
+
+<file path=ppt/slides/slide37.xml><?xml version="1.0" encoding="utf-8"?>
+<p:sld xmlns:a="http://schemas.openxmlformats.org/drawingml/2006/main" xmlns:r="http://schemas.openxmlformats.org/officeDocument/2006/relationships" xmlns:p="http://schemas.openxmlformats.org/presentationml/2006/main">
+  <p:cSld>
+    <p:bg>
+      <p:bgPr>
+        <a:solidFill>
+          <a:srgbClr val="323230"/>
+        </a:solidFill>
+        <a:effectLst/>
+      </p:bgPr>
+    </p:bg>
+    <p:spTree>
+      <p:nvGrpSpPr>
+        <p:cNvPr id="1" name=""/>
+        <p:cNvGrpSpPr/>
+        <p:nvPr/>
+      </p:nvGrpSpPr>
+      <p:grpSpPr>
+        <a:xfrm>
+          <a:off x="0" y="0"/>
+          <a:ext cx="0" cy="0"/>
+          <a:chOff x="0" y="0"/>
+          <a:chExt cx="0" cy="0"/>
+        </a:xfrm>
+      </p:grpSpPr>
+      <p:sp>
+        <p:nvSpPr>
+          <p:cNvPr id="4" name="矩形 3"/>
+          <p:cNvSpPr/>
+          <p:nvPr/>
+        </p:nvSpPr>
+        <p:spPr>
+          <a:xfrm>
+            <a:off x="1469767" y="1119441"/>
+            <a:ext cx="944489" cy="369332"/>
+          </a:xfrm>
+          <a:prstGeom prst="rect">
+            <a:avLst/>
+          </a:prstGeom>
+        </p:spPr>
+        <p:txBody>
+          <a:bodyPr wrap="none">
+            <a:spAutoFit/>
+          </a:bodyPr>
+          <a:lstStyle/>
+          <a:p>
+            <a:r>
+              <a:rPr lang="en-US" altLang="zh-TW" dirty="0">
+                <a:solidFill>
+                  <a:srgbClr val="FFEE99"/>
+                </a:solidFill>
+                <a:latin typeface="Consolas" panose="020B0609020204030204" pitchFamily="49" charset="0"/>
+              </a:rPr>
+              <a:t>/</a:t>
+            </a:r>
+            <a:r>
+              <a:rPr lang="en-US" altLang="zh-TW" dirty="0">
+                <a:solidFill>
+                  <a:srgbClr val="F92672"/>
+                </a:solidFill>
+                <a:latin typeface="Consolas" panose="020B0609020204030204" pitchFamily="49" charset="0"/>
+              </a:rPr>
+              <a:t>^</a:t>
+            </a:r>
+            <a:r>
+              <a:rPr lang="en-US" altLang="zh-TW" dirty="0">
+                <a:solidFill>
+                  <a:srgbClr val="FFEE99"/>
+                </a:solidFill>
+                <a:latin typeface="Consolas" panose="020B0609020204030204" pitchFamily="49" charset="0"/>
+              </a:rPr>
+              <a:t>air/</a:t>
+            </a:r>
+            <a:endParaRPr lang="en-US" altLang="zh-TW" b="0" dirty="0">
+              <a:solidFill>
+                <a:srgbClr val="F8F8F2"/>
+              </a:solidFill>
+              <a:effectLst/>
+              <a:latin typeface="Consolas" panose="020B0609020204030204" pitchFamily="49" charset="0"/>
+            </a:endParaRPr>
+          </a:p>
+        </p:txBody>
+      </p:sp>
+      <p:sp>
+        <p:nvSpPr>
+          <p:cNvPr id="5" name="矩形 4"/>
+          <p:cNvSpPr/>
+          <p:nvPr/>
+        </p:nvSpPr>
+        <p:spPr>
+          <a:xfrm>
+            <a:off x="1393747" y="1576780"/>
+            <a:ext cx="817853" cy="369332"/>
+          </a:xfrm>
+          <a:prstGeom prst="rect">
+            <a:avLst/>
+          </a:prstGeom>
+        </p:spPr>
+        <p:txBody>
+          <a:bodyPr wrap="none">
+            <a:spAutoFit/>
+          </a:bodyPr>
+          <a:lstStyle/>
+          <a:p>
+            <a:r>
+              <a:rPr lang="en-US" altLang="zh-TW" dirty="0">
+                <a:solidFill>
+                  <a:srgbClr val="FFEE99"/>
+                </a:solidFill>
+                <a:latin typeface="Consolas" panose="020B0609020204030204" pitchFamily="49" charset="0"/>
+              </a:rPr>
+              <a:t>/</a:t>
+            </a:r>
+            <a:r>
+              <a:rPr lang="en-US" altLang="zh-TW" dirty="0" err="1">
+                <a:solidFill>
+                  <a:srgbClr val="FFEE99"/>
+                </a:solidFill>
+                <a:latin typeface="Consolas" panose="020B0609020204030204" pitchFamily="49" charset="0"/>
+              </a:rPr>
+              <a:t>er</a:t>
+            </a:r>
+            <a:r>
+              <a:rPr lang="en-US" altLang="zh-TW" dirty="0">
+                <a:solidFill>
+                  <a:srgbClr val="F92672"/>
+                </a:solidFill>
+                <a:latin typeface="Consolas" panose="020B0609020204030204" pitchFamily="49" charset="0"/>
+              </a:rPr>
+              <a:t>$</a:t>
+            </a:r>
+            <a:r>
+              <a:rPr lang="en-US" altLang="zh-TW" dirty="0">
+                <a:solidFill>
+                  <a:srgbClr val="FFEE99"/>
+                </a:solidFill>
+                <a:latin typeface="Consolas" panose="020B0609020204030204" pitchFamily="49" charset="0"/>
+              </a:rPr>
+              <a:t>/</a:t>
+            </a:r>
+            <a:endParaRPr lang="en-US" altLang="zh-TW" b="0" dirty="0">
+              <a:solidFill>
+                <a:srgbClr val="F8F8F2"/>
+              </a:solidFill>
+              <a:effectLst/>
+              <a:latin typeface="Consolas" panose="020B0609020204030204" pitchFamily="49" charset="0"/>
+            </a:endParaRPr>
+          </a:p>
+        </p:txBody>
+      </p:sp>
+      <p:sp>
+        <p:nvSpPr>
+          <p:cNvPr id="6" name="矩形 5"/>
+          <p:cNvSpPr/>
+          <p:nvPr/>
+        </p:nvSpPr>
+        <p:spPr>
+          <a:xfrm>
+            <a:off x="1942011" y="2881817"/>
+            <a:ext cx="2210862" cy="646331"/>
+          </a:xfrm>
+          <a:prstGeom prst="rect">
+            <a:avLst/>
+          </a:prstGeom>
+        </p:spPr>
+        <p:txBody>
+          <a:bodyPr wrap="none">
+            <a:spAutoFit/>
+          </a:bodyPr>
+          <a:lstStyle/>
+          <a:p>
+            <a:r>
+              <a:rPr lang="en-US" altLang="zh-TW" sz="3600" dirty="0">
+                <a:solidFill>
+                  <a:srgbClr val="FFEE99"/>
+                </a:solidFill>
+                <a:latin typeface="Consolas" panose="020B0609020204030204" pitchFamily="49" charset="0"/>
+              </a:rPr>
+              <a:t>/</a:t>
+            </a:r>
+            <a:r>
+              <a:rPr lang="en-US" altLang="zh-TW" sz="3600" dirty="0">
+                <a:solidFill>
+                  <a:srgbClr val="F92672"/>
+                </a:solidFill>
+                <a:latin typeface="Consolas" panose="020B0609020204030204" pitchFamily="49" charset="0"/>
+              </a:rPr>
+              <a:t>^</a:t>
+            </a:r>
+            <a:r>
+              <a:rPr lang="en-US" altLang="zh-TW" sz="3600" dirty="0">
+                <a:solidFill>
+                  <a:srgbClr val="FFEE99"/>
+                </a:solidFill>
+                <a:latin typeface="Consolas" panose="020B0609020204030204" pitchFamily="49" charset="0"/>
+              </a:rPr>
+              <a:t>a</a:t>
+            </a:r>
+            <a:r>
+              <a:rPr lang="en-US" altLang="zh-TW" sz="3600" dirty="0">
+                <a:solidFill>
+                  <a:srgbClr val="FF80F4"/>
+                </a:solidFill>
+                <a:latin typeface="Consolas" panose="020B0609020204030204" pitchFamily="49" charset="0"/>
+              </a:rPr>
+              <a:t>.</a:t>
+            </a:r>
+            <a:r>
+              <a:rPr lang="en-US" altLang="zh-TW" sz="3600" dirty="0">
+                <a:solidFill>
+                  <a:srgbClr val="F92672"/>
+                </a:solidFill>
+                <a:latin typeface="Consolas" panose="020B0609020204030204" pitchFamily="49" charset="0"/>
+              </a:rPr>
+              <a:t>*</a:t>
+            </a:r>
+            <a:r>
+              <a:rPr lang="en-US" altLang="zh-TW" sz="3600" dirty="0">
+                <a:solidFill>
+                  <a:srgbClr val="FFEE99"/>
+                </a:solidFill>
+                <a:latin typeface="Consolas" panose="020B0609020204030204" pitchFamily="49" charset="0"/>
+              </a:rPr>
+              <a:t>e</a:t>
+            </a:r>
+            <a:r>
+              <a:rPr lang="en-US" altLang="zh-TW" sz="3600" dirty="0">
+                <a:solidFill>
+                  <a:srgbClr val="F92672"/>
+                </a:solidFill>
+                <a:latin typeface="Consolas" panose="020B0609020204030204" pitchFamily="49" charset="0"/>
+              </a:rPr>
+              <a:t>$</a:t>
+            </a:r>
+            <a:r>
+              <a:rPr lang="en-US" altLang="zh-TW" sz="3600" dirty="0">
+                <a:solidFill>
+                  <a:srgbClr val="FFEE99"/>
+                </a:solidFill>
+                <a:latin typeface="Consolas" panose="020B0609020204030204" pitchFamily="49" charset="0"/>
+              </a:rPr>
+              <a:t>/</a:t>
+            </a:r>
+            <a:endParaRPr lang="en-US" altLang="zh-TW" sz="3600" b="0" dirty="0">
+              <a:solidFill>
+                <a:srgbClr val="F8F8F2"/>
+              </a:solidFill>
+              <a:effectLst/>
+              <a:latin typeface="Consolas" panose="020B0609020204030204" pitchFamily="49" charset="0"/>
+            </a:endParaRPr>
+          </a:p>
+        </p:txBody>
+      </p:sp>
+      <p:sp>
+        <p:nvSpPr>
+          <p:cNvPr id="7" name="矩形 6"/>
+          <p:cNvSpPr/>
+          <p:nvPr/>
+        </p:nvSpPr>
+        <p:spPr>
+          <a:xfrm>
+            <a:off x="2522452" y="1180996"/>
+            <a:ext cx="2409634" cy="307777"/>
+          </a:xfrm>
+          <a:prstGeom prst="rect">
+            <a:avLst/>
+          </a:prstGeom>
+        </p:spPr>
+        <p:txBody>
+          <a:bodyPr wrap="none">
+            <a:spAutoFit/>
+          </a:bodyPr>
+          <a:lstStyle/>
+          <a:p>
+            <a:r>
+              <a:rPr lang="zh-TW" altLang="en-US" sz="1400" dirty="0">
+                <a:solidFill>
+                  <a:schemeClr val="bg1"/>
+                </a:solidFill>
+                <a:latin typeface="Adobe 繁黑體 Std B" panose="020B0700000000000000" pitchFamily="34" charset="-120"/>
+                <a:ea typeface="Adobe 繁黑體 Std B" panose="020B0700000000000000" pitchFamily="34" charset="-120"/>
+              </a:rPr>
+              <a:t>匹配任何開頭</a:t>
+            </a:r>
+            <a:r>
+              <a:rPr lang="zh-TW" altLang="en-US" sz="1400" dirty="0" smtClean="0">
+                <a:solidFill>
+                  <a:schemeClr val="bg1"/>
+                </a:solidFill>
+                <a:latin typeface="Adobe 繁黑體 Std B" panose="020B0700000000000000" pitchFamily="34" charset="-120"/>
+                <a:ea typeface="Adobe 繁黑體 Std B" panose="020B0700000000000000" pitchFamily="34" charset="-120"/>
+              </a:rPr>
+              <a:t>為</a:t>
+            </a:r>
+            <a:r>
+              <a:rPr lang="en-US" altLang="zh-TW" sz="1400" dirty="0" smtClean="0">
+                <a:solidFill>
+                  <a:schemeClr val="bg1"/>
+                </a:solidFill>
+                <a:latin typeface="Adobe 繁黑體 Std B" panose="020B0700000000000000" pitchFamily="34" charset="-120"/>
+                <a:ea typeface="Adobe 繁黑體 Std B" panose="020B0700000000000000" pitchFamily="34" charset="-120"/>
+              </a:rPr>
+              <a:t>air </a:t>
+            </a:r>
+            <a:r>
+              <a:rPr lang="zh-TW" altLang="en-US" sz="1400" dirty="0">
+                <a:solidFill>
+                  <a:schemeClr val="bg1"/>
+                </a:solidFill>
+                <a:latin typeface="Adobe 繁黑體 Std B" panose="020B0700000000000000" pitchFamily="34" charset="-120"/>
+                <a:ea typeface="Adobe 繁黑體 Std B" panose="020B0700000000000000" pitchFamily="34" charset="-120"/>
+              </a:rPr>
+              <a:t>的</a:t>
+            </a:r>
+            <a:r>
+              <a:rPr lang="zh-TW" altLang="en-US" sz="1400" dirty="0" smtClean="0">
+                <a:solidFill>
+                  <a:schemeClr val="bg1"/>
+                </a:solidFill>
+                <a:latin typeface="Adobe 繁黑體 Std B" panose="020B0700000000000000" pitchFamily="34" charset="-120"/>
+                <a:ea typeface="Adobe 繁黑體 Std B" panose="020B0700000000000000" pitchFamily="34" charset="-120"/>
+              </a:rPr>
+              <a:t>字串。</a:t>
+            </a:r>
+            <a:endParaRPr lang="zh-TW" altLang="en-US" sz="1400" dirty="0">
+              <a:solidFill>
+                <a:schemeClr val="bg1"/>
+              </a:solidFill>
+              <a:latin typeface="Adobe 繁黑體 Std B" panose="020B0700000000000000" pitchFamily="34" charset="-120"/>
+              <a:ea typeface="Adobe 繁黑體 Std B" panose="020B0700000000000000" pitchFamily="34" charset="-120"/>
+            </a:endParaRPr>
+          </a:p>
+        </p:txBody>
+      </p:sp>
+      <p:sp>
+        <p:nvSpPr>
+          <p:cNvPr id="8" name="矩形 7"/>
+          <p:cNvSpPr/>
+          <p:nvPr/>
+        </p:nvSpPr>
+        <p:spPr>
+          <a:xfrm>
+            <a:off x="2522451" y="1638335"/>
+            <a:ext cx="2363147" cy="307777"/>
+          </a:xfrm>
+          <a:prstGeom prst="rect">
+            <a:avLst/>
+          </a:prstGeom>
+        </p:spPr>
+        <p:txBody>
+          <a:bodyPr wrap="none">
+            <a:spAutoFit/>
+          </a:bodyPr>
+          <a:lstStyle/>
+          <a:p>
+            <a:r>
+              <a:rPr lang="zh-TW" altLang="en-US" sz="1400" dirty="0">
+                <a:solidFill>
+                  <a:schemeClr val="bg1"/>
+                </a:solidFill>
+                <a:latin typeface="Adobe 繁黑體 Std B" panose="020B0700000000000000" pitchFamily="34" charset="-120"/>
+                <a:ea typeface="Adobe 繁黑體 Std B" panose="020B0700000000000000" pitchFamily="34" charset="-120"/>
+              </a:rPr>
+              <a:t>匹配</a:t>
+            </a:r>
+            <a:r>
+              <a:rPr lang="zh-TW" altLang="en-US" sz="1400" dirty="0" smtClean="0">
+                <a:solidFill>
+                  <a:schemeClr val="bg1"/>
+                </a:solidFill>
+                <a:latin typeface="Adobe 繁黑體 Std B" panose="020B0700000000000000" pitchFamily="34" charset="-120"/>
+                <a:ea typeface="Adobe 繁黑體 Std B" panose="020B0700000000000000" pitchFamily="34" charset="-120"/>
+              </a:rPr>
+              <a:t>任何結</a:t>
+            </a:r>
+            <a:r>
+              <a:rPr lang="zh-TW" altLang="en-US" sz="1400" dirty="0">
+                <a:solidFill>
+                  <a:schemeClr val="bg1"/>
+                </a:solidFill>
+                <a:latin typeface="Adobe 繁黑體 Std B" panose="020B0700000000000000" pitchFamily="34" charset="-120"/>
+                <a:ea typeface="Adobe 繁黑體 Std B" panose="020B0700000000000000" pitchFamily="34" charset="-120"/>
+              </a:rPr>
+              <a:t>尾</a:t>
+            </a:r>
+            <a:r>
+              <a:rPr lang="zh-TW" altLang="en-US" sz="1400" dirty="0" smtClean="0">
+                <a:solidFill>
+                  <a:schemeClr val="bg1"/>
+                </a:solidFill>
+                <a:latin typeface="Adobe 繁黑體 Std B" panose="020B0700000000000000" pitchFamily="34" charset="-120"/>
+                <a:ea typeface="Adobe 繁黑體 Std B" panose="020B0700000000000000" pitchFamily="34" charset="-120"/>
+              </a:rPr>
+              <a:t>為</a:t>
+            </a:r>
+            <a:r>
+              <a:rPr lang="en-US" altLang="zh-TW" sz="1400" dirty="0" err="1" smtClean="0">
+                <a:solidFill>
+                  <a:schemeClr val="bg1"/>
+                </a:solidFill>
+                <a:latin typeface="Adobe 繁黑體 Std B" panose="020B0700000000000000" pitchFamily="34" charset="-120"/>
+                <a:ea typeface="Adobe 繁黑體 Std B" panose="020B0700000000000000" pitchFamily="34" charset="-120"/>
+              </a:rPr>
+              <a:t>er</a:t>
+            </a:r>
+            <a:r>
+              <a:rPr lang="en-US" altLang="zh-TW" sz="1400" dirty="0" smtClean="0">
+                <a:solidFill>
+                  <a:schemeClr val="bg1"/>
+                </a:solidFill>
+                <a:latin typeface="Adobe 繁黑體 Std B" panose="020B0700000000000000" pitchFamily="34" charset="-120"/>
+                <a:ea typeface="Adobe 繁黑體 Std B" panose="020B0700000000000000" pitchFamily="34" charset="-120"/>
+              </a:rPr>
+              <a:t> </a:t>
+            </a:r>
+            <a:r>
+              <a:rPr lang="zh-TW" altLang="en-US" sz="1400" dirty="0">
+                <a:solidFill>
+                  <a:schemeClr val="bg1"/>
+                </a:solidFill>
+                <a:latin typeface="Adobe 繁黑體 Std B" panose="020B0700000000000000" pitchFamily="34" charset="-120"/>
+                <a:ea typeface="Adobe 繁黑體 Std B" panose="020B0700000000000000" pitchFamily="34" charset="-120"/>
+              </a:rPr>
+              <a:t>的</a:t>
+            </a:r>
+            <a:r>
+              <a:rPr lang="zh-TW" altLang="en-US" sz="1400" dirty="0" smtClean="0">
+                <a:solidFill>
+                  <a:schemeClr val="bg1"/>
+                </a:solidFill>
+                <a:latin typeface="Adobe 繁黑體 Std B" panose="020B0700000000000000" pitchFamily="34" charset="-120"/>
+                <a:ea typeface="Adobe 繁黑體 Std B" panose="020B0700000000000000" pitchFamily="34" charset="-120"/>
+              </a:rPr>
+              <a:t>字串。</a:t>
+            </a:r>
+            <a:endParaRPr lang="zh-TW" altLang="en-US" sz="1400" dirty="0">
+              <a:solidFill>
+                <a:schemeClr val="bg1"/>
+              </a:solidFill>
+              <a:latin typeface="Adobe 繁黑體 Std B" panose="020B0700000000000000" pitchFamily="34" charset="-120"/>
+              <a:ea typeface="Adobe 繁黑體 Std B" panose="020B0700000000000000" pitchFamily="34" charset="-120"/>
+            </a:endParaRPr>
+          </a:p>
+        </p:txBody>
+      </p:sp>
+      <p:sp>
+        <p:nvSpPr>
+          <p:cNvPr id="9" name="矩形 8"/>
+          <p:cNvSpPr/>
+          <p:nvPr/>
+        </p:nvSpPr>
+        <p:spPr>
+          <a:xfrm>
+            <a:off x="3038414" y="4363136"/>
+            <a:ext cx="1666196" cy="523220"/>
+          </a:xfrm>
+          <a:prstGeom prst="rect">
+            <a:avLst/>
+          </a:prstGeom>
+        </p:spPr>
+        <p:txBody>
+          <a:bodyPr wrap="square">
+            <a:spAutoFit/>
+          </a:bodyPr>
+          <a:lstStyle/>
+          <a:p>
+            <a:r>
+              <a:rPr lang="zh-TW" altLang="en-US" sz="1400" dirty="0">
+                <a:solidFill>
+                  <a:schemeClr val="bg1"/>
+                </a:solidFill>
+                <a:latin typeface="Adobe 繁黑體 Std B" panose="020B0700000000000000" pitchFamily="34" charset="-120"/>
+                <a:ea typeface="Adobe 繁黑體 Std B" panose="020B0700000000000000" pitchFamily="34" charset="-120"/>
+              </a:rPr>
+              <a:t>匹配任何包含零個或多個</a:t>
+            </a:r>
+            <a:r>
+              <a:rPr lang="en-US" altLang="zh-TW" sz="1400" dirty="0">
+                <a:solidFill>
+                  <a:schemeClr val="bg1"/>
+                </a:solidFill>
+                <a:latin typeface="Adobe 繁黑體 Std B" panose="020B0700000000000000" pitchFamily="34" charset="-120"/>
+                <a:ea typeface="Adobe 繁黑體 Std B" panose="020B0700000000000000" pitchFamily="34" charset="-120"/>
+              </a:rPr>
+              <a:t>n </a:t>
+            </a:r>
+            <a:r>
+              <a:rPr lang="zh-TW" altLang="en-US" sz="1400" dirty="0">
+                <a:solidFill>
+                  <a:schemeClr val="bg1"/>
+                </a:solidFill>
+                <a:latin typeface="Adobe 繁黑體 Std B" panose="020B0700000000000000" pitchFamily="34" charset="-120"/>
+                <a:ea typeface="Adobe 繁黑體 Std B" panose="020B0700000000000000" pitchFamily="34" charset="-120"/>
+              </a:rPr>
+              <a:t>的字符串。</a:t>
+            </a:r>
+            <a:endParaRPr lang="zh-TW" altLang="en-US" sz="1400" dirty="0">
+              <a:solidFill>
+                <a:schemeClr val="bg1"/>
+              </a:solidFill>
+              <a:latin typeface="Adobe 繁黑體 Std B" panose="020B0700000000000000" pitchFamily="34" charset="-120"/>
+              <a:ea typeface="Adobe 繁黑體 Std B" panose="020B0700000000000000" pitchFamily="34" charset="-120"/>
+            </a:endParaRPr>
+          </a:p>
+        </p:txBody>
+      </p:sp>
+      <p:sp>
+        <p:nvSpPr>
+          <p:cNvPr id="10" name="矩形 9"/>
+          <p:cNvSpPr/>
+          <p:nvPr/>
+        </p:nvSpPr>
+        <p:spPr>
+          <a:xfrm>
+            <a:off x="1469390" y="4470857"/>
+            <a:ext cx="1278705" cy="307777"/>
+          </a:xfrm>
+          <a:prstGeom prst="rect">
+            <a:avLst/>
+          </a:prstGeom>
+        </p:spPr>
+        <p:txBody>
+          <a:bodyPr wrap="square">
+            <a:spAutoFit/>
+          </a:bodyPr>
+          <a:lstStyle/>
+          <a:p>
+            <a:r>
+              <a:rPr lang="zh-TW" altLang="en-US" sz="1400" dirty="0">
+                <a:solidFill>
+                  <a:schemeClr val="bg1"/>
+                </a:solidFill>
+                <a:latin typeface="Adobe 繁黑體 Std B" panose="020B0700000000000000" pitchFamily="34" charset="-120"/>
+                <a:ea typeface="Adobe 繁黑體 Std B" panose="020B0700000000000000" pitchFamily="34" charset="-120"/>
+              </a:rPr>
+              <a:t>查找單個字</a:t>
+            </a:r>
+            <a:r>
+              <a:rPr lang="zh-TW" altLang="en-US" sz="1400" dirty="0" smtClean="0">
+                <a:solidFill>
+                  <a:schemeClr val="bg1"/>
+                </a:solidFill>
+                <a:latin typeface="Adobe 繁黑體 Std B" panose="020B0700000000000000" pitchFamily="34" charset="-120"/>
+                <a:ea typeface="Adobe 繁黑體 Std B" panose="020B0700000000000000" pitchFamily="34" charset="-120"/>
+              </a:rPr>
+              <a:t>符</a:t>
+            </a:r>
+            <a:endParaRPr lang="zh-TW" altLang="en-US" sz="1400" dirty="0">
+              <a:solidFill>
+                <a:schemeClr val="bg1"/>
+              </a:solidFill>
+            </a:endParaRPr>
+          </a:p>
+        </p:txBody>
+      </p:sp>
+      <p:cxnSp>
+        <p:nvCxnSpPr>
+          <p:cNvPr id="12" name="直線單箭頭接點 11"/>
+          <p:cNvCxnSpPr/>
+          <p:nvPr/>
+        </p:nvCxnSpPr>
+        <p:spPr>
+          <a:xfrm flipH="1" flipV="1">
+            <a:off x="3186962" y="3258672"/>
+            <a:ext cx="540307" cy="1104464"/>
+          </a:xfrm>
+          <a:prstGeom prst="straightConnector1">
+            <a:avLst/>
+          </a:prstGeom>
+          <a:ln w="57150">
+            <a:tailEnd type="triangle"/>
+          </a:ln>
+        </p:spPr>
+        <p:style>
+          <a:lnRef idx="1">
+            <a:schemeClr val="accent1"/>
+          </a:lnRef>
+          <a:fillRef idx="0">
+            <a:schemeClr val="accent1"/>
+          </a:fillRef>
+          <a:effectRef idx="0">
+            <a:schemeClr val="accent1"/>
+          </a:effectRef>
+          <a:fontRef idx="minor">
+            <a:schemeClr val="tx1"/>
+          </a:fontRef>
+        </p:style>
+      </p:cxnSp>
+      <p:cxnSp>
+        <p:nvCxnSpPr>
+          <p:cNvPr id="14" name="直線單箭頭接點 13"/>
+          <p:cNvCxnSpPr/>
+          <p:nvPr/>
+        </p:nvCxnSpPr>
+        <p:spPr>
+          <a:xfrm flipV="1">
+            <a:off x="2168057" y="3373992"/>
+            <a:ext cx="688354" cy="989145"/>
+          </a:xfrm>
+          <a:prstGeom prst="straightConnector1">
+            <a:avLst/>
+          </a:prstGeom>
+          <a:ln w="57150">
+            <a:tailEnd type="triangle"/>
+          </a:ln>
+        </p:spPr>
+        <p:style>
+          <a:lnRef idx="1">
+            <a:schemeClr val="accent1"/>
+          </a:lnRef>
+          <a:fillRef idx="0">
+            <a:schemeClr val="accent1"/>
+          </a:fillRef>
+          <a:effectRef idx="0">
+            <a:schemeClr val="accent1"/>
+          </a:effectRef>
+          <a:fontRef idx="minor">
+            <a:schemeClr val="tx1"/>
+          </a:fontRef>
+        </p:style>
+      </p:cxnSp>
+      <p:sp>
+        <p:nvSpPr>
+          <p:cNvPr id="20" name="矩形 19"/>
+          <p:cNvSpPr/>
+          <p:nvPr/>
+        </p:nvSpPr>
+        <p:spPr>
+          <a:xfrm>
+            <a:off x="4378919" y="2889340"/>
+            <a:ext cx="2404376" cy="738664"/>
+          </a:xfrm>
+          <a:prstGeom prst="rect">
+            <a:avLst/>
+          </a:prstGeom>
+        </p:spPr>
+        <p:txBody>
+          <a:bodyPr wrap="square">
+            <a:spAutoFit/>
+          </a:bodyPr>
+          <a:lstStyle/>
+          <a:p>
+            <a:r>
+              <a:rPr lang="zh-TW" altLang="en-US" sz="1400" dirty="0">
+                <a:solidFill>
+                  <a:schemeClr val="bg1"/>
+                </a:solidFill>
+                <a:latin typeface="Adobe 繁黑體 Std B" panose="020B0700000000000000" pitchFamily="34" charset="-120"/>
+                <a:ea typeface="Adobe 繁黑體 Std B" panose="020B0700000000000000" pitchFamily="34" charset="-120"/>
+              </a:rPr>
+              <a:t>匹配</a:t>
+            </a:r>
+            <a:r>
+              <a:rPr lang="zh-TW" altLang="en-US" sz="1400" dirty="0" smtClean="0">
+                <a:solidFill>
+                  <a:schemeClr val="bg1"/>
+                </a:solidFill>
+                <a:latin typeface="Adobe 繁黑體 Std B" panose="020B0700000000000000" pitchFamily="34" charset="-120"/>
+                <a:ea typeface="Adobe 繁黑體 Std B" panose="020B0700000000000000" pitchFamily="34" charset="-120"/>
+              </a:rPr>
+              <a:t>任何開頭是</a:t>
+            </a:r>
+            <a:r>
+              <a:rPr lang="en-US" altLang="zh-TW" sz="1400" dirty="0" smtClean="0">
+                <a:solidFill>
+                  <a:schemeClr val="bg1"/>
+                </a:solidFill>
+                <a:latin typeface="Adobe 繁黑體 Std B" panose="020B0700000000000000" pitchFamily="34" charset="-120"/>
+                <a:ea typeface="Adobe 繁黑體 Std B" panose="020B0700000000000000" pitchFamily="34" charset="-120"/>
+              </a:rPr>
+              <a:t>a</a:t>
+            </a:r>
+            <a:r>
+              <a:rPr lang="zh-TW" altLang="en-US" sz="1400" dirty="0" smtClean="0">
+                <a:solidFill>
+                  <a:schemeClr val="bg1"/>
+                </a:solidFill>
+                <a:latin typeface="Adobe 繁黑體 Std B" panose="020B0700000000000000" pitchFamily="34" charset="-120"/>
+                <a:ea typeface="Adobe 繁黑體 Std B" panose="020B0700000000000000" pitchFamily="34" charset="-120"/>
+              </a:rPr>
+              <a:t>結尾是</a:t>
+            </a:r>
+            <a:r>
+              <a:rPr lang="en-US" altLang="zh-TW" sz="1400" dirty="0" smtClean="0">
+                <a:solidFill>
+                  <a:schemeClr val="bg1"/>
+                </a:solidFill>
+                <a:latin typeface="Adobe 繁黑體 Std B" panose="020B0700000000000000" pitchFamily="34" charset="-120"/>
+                <a:ea typeface="Adobe 繁黑體 Std B" panose="020B0700000000000000" pitchFamily="34" charset="-120"/>
+              </a:rPr>
+              <a:t>e</a:t>
+            </a:r>
+            <a:r>
+              <a:rPr lang="zh-TW" altLang="en-US" sz="1400" dirty="0" smtClean="0">
+                <a:solidFill>
+                  <a:schemeClr val="bg1"/>
+                </a:solidFill>
+                <a:latin typeface="Adobe 繁黑體 Std B" panose="020B0700000000000000" pitchFamily="34" charset="-120"/>
+                <a:ea typeface="Adobe 繁黑體 Std B" panose="020B0700000000000000" pitchFamily="34" charset="-120"/>
+              </a:rPr>
+              <a:t>然後中間不管是英文或是數字的字串</a:t>
+            </a:r>
+            <a:endParaRPr lang="zh-TW" altLang="en-US" sz="1400" dirty="0">
+              <a:solidFill>
+                <a:schemeClr val="bg1"/>
+              </a:solidFill>
+              <a:latin typeface="Adobe 繁黑體 Std B" panose="020B0700000000000000" pitchFamily="34" charset="-120"/>
+              <a:ea typeface="Adobe 繁黑體 Std B" panose="020B0700000000000000" pitchFamily="34" charset="-120"/>
+            </a:endParaRPr>
+          </a:p>
+        </p:txBody>
+      </p:sp>
+    </p:spTree>
+    <p:extLst>
+      <p:ext uri="{BB962C8B-B14F-4D97-AF65-F5344CB8AC3E}">
+        <p14:creationId xmlns:p14="http://schemas.microsoft.com/office/powerpoint/2010/main" val="3956078620"/>
+      </p:ext>
+    </p:extLst>
+  </p:cSld>
+  <p:clrMapOvr>
+    <a:masterClrMapping/>
+  </p:clrMapOvr>
+</p:sld>
+</file>
+
+<file path=ppt/slides/slide38.xml><?xml version="1.0" encoding="utf-8"?>
+<p:sld xmlns:a="http://schemas.openxmlformats.org/drawingml/2006/main" xmlns:r="http://schemas.openxmlformats.org/officeDocument/2006/relationships" xmlns:p="http://schemas.openxmlformats.org/presentationml/2006/main">
+  <p:cSld>
+    <p:spTree>
+      <p:nvGrpSpPr>
+        <p:cNvPr id="1" name=""/>
+        <p:cNvGrpSpPr/>
+        <p:nvPr/>
+      </p:nvGrpSpPr>
+      <p:grpSpPr>
+        <a:xfrm>
+          <a:off x="0" y="0"/>
+          <a:ext cx="0" cy="0"/>
+          <a:chOff x="0" y="0"/>
+          <a:chExt cx="0" cy="0"/>
+        </a:xfrm>
+      </p:grpSpPr>
+      <p:graphicFrame>
+        <p:nvGraphicFramePr>
+          <p:cNvPr id="2" name="表格 1"/>
+          <p:cNvGraphicFramePr>
+            <a:graphicFrameLocks noGrp="1"/>
+          </p:cNvGraphicFramePr>
+          <p:nvPr>
+            <p:extLst>
+              <p:ext uri="{D42A27DB-BD31-4B8C-83A1-F6EECF244321}">
+                <p14:modId xmlns:p14="http://schemas.microsoft.com/office/powerpoint/2010/main" val="1941508178"/>
+              </p:ext>
+            </p:extLst>
+          </p:nvPr>
+        </p:nvGraphicFramePr>
+        <p:xfrm>
+          <a:off x="3445328" y="1656806"/>
+          <a:ext cx="5435600" cy="3339715"/>
+        </p:xfrm>
+        <a:graphic>
+          <a:graphicData uri="http://schemas.openxmlformats.org/drawingml/2006/table">
+            <a:tbl>
+              <a:tblPr firstRow="1" bandRow="1">
+                <a:tableStyleId>{5C22544A-7EE6-4342-B048-85BDC9FD1C3A}</a:tableStyleId>
+              </a:tblPr>
+              <a:tblGrid>
+                <a:gridCol w="941287"/>
+                <a:gridCol w="4494313"/>
+              </a:tblGrid>
+              <a:tr h="316219">
+                <a:tc>
+                  <a:txBody>
+                    <a:bodyPr/>
+                    <a:lstStyle/>
+                    <a:p>
+                      <a:r>
+                        <a:rPr lang="zh-TW" altLang="en-US" sz="1500" b="1" i="0" kern="1200" dirty="0" smtClean="0">
+                          <a:solidFill>
+                            <a:schemeClr val="lt1"/>
+                          </a:solidFill>
+                          <a:effectLst/>
+                          <a:latin typeface="Adobe 繁黑體 Std B" panose="020B0700000000000000" pitchFamily="34" charset="-120"/>
+                          <a:ea typeface="Adobe 繁黑體 Std B" panose="020B0700000000000000" pitchFamily="34" charset="-120"/>
+                          <a:cs typeface="+mn-cs"/>
+                        </a:rPr>
+                        <a:t>正規</a:t>
+                      </a:r>
+                      <a:endParaRPr lang="zh-TW" altLang="en-US" sz="1500" dirty="0">
+                        <a:latin typeface="Adobe 繁黑體 Std B" panose="020B0700000000000000" pitchFamily="34" charset="-120"/>
+                        <a:ea typeface="Adobe 繁黑體 Std B" panose="020B0700000000000000" pitchFamily="34" charset="-120"/>
+                      </a:endParaRPr>
+                    </a:p>
+                  </a:txBody>
+                  <a:tcPr marL="79309" marR="79309" marT="39655" marB="39655"/>
+                </a:tc>
+                <a:tc>
+                  <a:txBody>
+                    <a:bodyPr/>
+                    <a:lstStyle/>
+                    <a:p>
+                      <a:pPr marL="0" marR="0" indent="0" algn="l" defTabSz="914400" rtl="0" eaLnBrk="1" fontAlgn="auto" latinLnBrk="0" hangingPunct="1">
+                        <a:lnSpc>
+                          <a:spcPct val="100000"/>
+                        </a:lnSpc>
+                        <a:spcBef>
+                          <a:spcPts val="0"/>
+                        </a:spcBef>
+                        <a:spcAft>
+                          <a:spcPts val="0"/>
+                        </a:spcAft>
+                        <a:buClrTx/>
+                        <a:buSzTx/>
+                        <a:buFontTx/>
+                        <a:buNone/>
+                        <a:tabLst/>
+                        <a:defRPr/>
+                      </a:pPr>
+                      <a:r>
+                        <a:rPr lang="zh-TW" altLang="en-US" sz="1500" dirty="0" smtClean="0">
+                          <a:latin typeface="Adobe 繁黑體 Std B" panose="020B0700000000000000" pitchFamily="34" charset="-120"/>
+                          <a:ea typeface="Adobe 繁黑體 Std B" panose="020B0700000000000000" pitchFamily="34" charset="-120"/>
+                        </a:rPr>
+                        <a:t>描述</a:t>
+                      </a:r>
+                    </a:p>
+                  </a:txBody>
+                  <a:tcPr marL="79309" marR="79309" marT="39655" marB="39655"/>
+                </a:tc>
+              </a:tr>
+              <a:tr h="431928">
+                <a:tc>
+                  <a:txBody>
+                    <a:bodyPr/>
+                    <a:lstStyle/>
+                    <a:p>
+                      <a:pPr algn="ctr"/>
+                      <a:r>
+                        <a:rPr lang="en-US" altLang="zh-TW" sz="1600" b="0" dirty="0" smtClean="0">
+                          <a:latin typeface="Adobe 繁黑體 Std B" panose="020B0700000000000000" pitchFamily="34" charset="-120"/>
+                          <a:ea typeface="Adobe 繁黑體 Std B" panose="020B0700000000000000" pitchFamily="34" charset="-120"/>
+                        </a:rPr>
+                        <a:t>n+</a:t>
+                      </a:r>
+                      <a:endParaRPr lang="zh-TW" altLang="en-US" sz="1600" b="0" dirty="0">
+                        <a:latin typeface="Adobe 繁黑體 Std B" panose="020B0700000000000000" pitchFamily="34" charset="-120"/>
+                        <a:ea typeface="Adobe 繁黑體 Std B" panose="020B0700000000000000" pitchFamily="34" charset="-120"/>
+                      </a:endParaRPr>
+                    </a:p>
+                  </a:txBody>
+                  <a:tcPr marL="79309" marR="79309" marT="39655" marB="39655"/>
+                </a:tc>
+                <a:tc>
+                  <a:txBody>
+                    <a:bodyPr/>
+                    <a:lstStyle/>
+                    <a:p>
+                      <a:pPr algn="l"/>
+                      <a:r>
+                        <a:rPr lang="zh-TW" altLang="en-US" sz="1600" b="0" dirty="0" smtClean="0">
+                          <a:latin typeface="Adobe 繁黑體 Std B" panose="020B0700000000000000" pitchFamily="34" charset="-120"/>
+                          <a:ea typeface="Adobe 繁黑體 Std B" panose="020B0700000000000000" pitchFamily="34" charset="-120"/>
+                        </a:rPr>
+                        <a:t>匹配任何包含至少一個</a:t>
+                      </a:r>
+                      <a:r>
+                        <a:rPr lang="en-US" altLang="zh-TW" sz="1600" b="0" dirty="0" smtClean="0">
+                          <a:latin typeface="Adobe 繁黑體 Std B" panose="020B0700000000000000" pitchFamily="34" charset="-120"/>
+                          <a:ea typeface="Adobe 繁黑體 Std B" panose="020B0700000000000000" pitchFamily="34" charset="-120"/>
+                        </a:rPr>
+                        <a:t>n </a:t>
+                      </a:r>
+                      <a:r>
+                        <a:rPr lang="zh-TW" altLang="en-US" sz="1600" b="0" dirty="0" smtClean="0">
+                          <a:latin typeface="Adobe 繁黑體 Std B" panose="020B0700000000000000" pitchFamily="34" charset="-120"/>
+                          <a:ea typeface="Adobe 繁黑體 Std B" panose="020B0700000000000000" pitchFamily="34" charset="-120"/>
+                        </a:rPr>
+                        <a:t>的字符串。</a:t>
+                      </a:r>
+                      <a:endParaRPr lang="zh-TW" altLang="en-US" sz="1600" b="0" dirty="0">
+                        <a:latin typeface="Adobe 繁黑體 Std B" panose="020B0700000000000000" pitchFamily="34" charset="-120"/>
+                        <a:ea typeface="Adobe 繁黑體 Std B" panose="020B0700000000000000" pitchFamily="34" charset="-120"/>
+                      </a:endParaRPr>
+                    </a:p>
+                  </a:txBody>
+                  <a:tcPr marL="79309" marR="79309" marT="39655" marB="39655"/>
+                </a:tc>
+              </a:tr>
+              <a:tr h="431928">
+                <a:tc>
+                  <a:txBody>
+                    <a:bodyPr/>
+                    <a:lstStyle/>
+                    <a:p>
+                      <a:pPr algn="ctr"/>
+                      <a:r>
+                        <a:rPr lang="en-US" altLang="zh-TW" sz="1600" b="0" dirty="0" smtClean="0">
+                          <a:latin typeface="Adobe 繁黑體 Std B" panose="020B0700000000000000" pitchFamily="34" charset="-120"/>
+                          <a:ea typeface="Adobe 繁黑體 Std B" panose="020B0700000000000000" pitchFamily="34" charset="-120"/>
+                        </a:rPr>
+                        <a:t>n*</a:t>
+                      </a:r>
+                      <a:endParaRPr lang="zh-TW" altLang="en-US" sz="1600" b="0" dirty="0">
+                        <a:latin typeface="Adobe 繁黑體 Std B" panose="020B0700000000000000" pitchFamily="34" charset="-120"/>
+                        <a:ea typeface="Adobe 繁黑體 Std B" panose="020B0700000000000000" pitchFamily="34" charset="-120"/>
+                      </a:endParaRPr>
+                    </a:p>
+                  </a:txBody>
+                  <a:tcPr marL="79309" marR="79309" marT="39655" marB="39655"/>
+                </a:tc>
+                <a:tc>
+                  <a:txBody>
+                    <a:bodyPr/>
+                    <a:lstStyle/>
+                    <a:p>
+                      <a:pPr algn="l"/>
+                      <a:r>
+                        <a:rPr lang="zh-TW" altLang="en-US" sz="1600" b="0" dirty="0" smtClean="0">
+                          <a:latin typeface="Adobe 繁黑體 Std B" panose="020B0700000000000000" pitchFamily="34" charset="-120"/>
+                          <a:ea typeface="Adobe 繁黑體 Std B" panose="020B0700000000000000" pitchFamily="34" charset="-120"/>
+                        </a:rPr>
+                        <a:t>匹配任何包含零個或多個</a:t>
+                      </a:r>
+                      <a:r>
+                        <a:rPr lang="en-US" altLang="zh-TW" sz="1600" b="0" dirty="0" smtClean="0">
+                          <a:latin typeface="Adobe 繁黑體 Std B" panose="020B0700000000000000" pitchFamily="34" charset="-120"/>
+                          <a:ea typeface="Adobe 繁黑體 Std B" panose="020B0700000000000000" pitchFamily="34" charset="-120"/>
+                        </a:rPr>
+                        <a:t>n </a:t>
+                      </a:r>
+                      <a:r>
+                        <a:rPr lang="zh-TW" altLang="en-US" sz="1600" b="0" dirty="0" smtClean="0">
+                          <a:latin typeface="Adobe 繁黑體 Std B" panose="020B0700000000000000" pitchFamily="34" charset="-120"/>
+                          <a:ea typeface="Adobe 繁黑體 Std B" panose="020B0700000000000000" pitchFamily="34" charset="-120"/>
+                        </a:rPr>
+                        <a:t>的字符串。</a:t>
+                      </a:r>
+                      <a:endParaRPr lang="zh-TW" altLang="en-US" sz="1600" b="0" dirty="0">
+                        <a:latin typeface="Adobe 繁黑體 Std B" panose="020B0700000000000000" pitchFamily="34" charset="-120"/>
+                        <a:ea typeface="Adobe 繁黑體 Std B" panose="020B0700000000000000" pitchFamily="34" charset="-120"/>
+                      </a:endParaRPr>
+                    </a:p>
+                  </a:txBody>
+                  <a:tcPr marL="79309" marR="79309" marT="39655" marB="39655"/>
+                </a:tc>
+              </a:tr>
+              <a:tr h="431928">
+                <a:tc>
+                  <a:txBody>
+                    <a:bodyPr/>
+                    <a:lstStyle/>
+                    <a:p>
+                      <a:pPr algn="ctr"/>
+                      <a:r>
+                        <a:rPr lang="en-US" altLang="zh-TW" sz="1600" b="0" dirty="0" smtClean="0">
+                          <a:latin typeface="Adobe 繁黑體 Std B" panose="020B0700000000000000" pitchFamily="34" charset="-120"/>
+                          <a:ea typeface="Adobe 繁黑體 Std B" panose="020B0700000000000000" pitchFamily="34" charset="-120"/>
+                        </a:rPr>
+                        <a:t>n?</a:t>
+                      </a:r>
+                      <a:endParaRPr lang="zh-TW" altLang="en-US" sz="1600" b="0" dirty="0">
+                        <a:latin typeface="Adobe 繁黑體 Std B" panose="020B0700000000000000" pitchFamily="34" charset="-120"/>
+                        <a:ea typeface="Adobe 繁黑體 Std B" panose="020B0700000000000000" pitchFamily="34" charset="-120"/>
+                      </a:endParaRPr>
+                    </a:p>
+                  </a:txBody>
+                  <a:tcPr marL="79309" marR="79309" marT="39655" marB="39655"/>
+                </a:tc>
+                <a:tc>
+                  <a:txBody>
+                    <a:bodyPr/>
+                    <a:lstStyle/>
+                    <a:p>
+                      <a:pPr algn="l"/>
+                      <a:r>
+                        <a:rPr lang="zh-TW" altLang="en-US" sz="1600" b="0" dirty="0" smtClean="0">
+                          <a:latin typeface="Adobe 繁黑體 Std B" panose="020B0700000000000000" pitchFamily="34" charset="-120"/>
+                          <a:ea typeface="Adobe 繁黑體 Std B" panose="020B0700000000000000" pitchFamily="34" charset="-120"/>
+                        </a:rPr>
+                        <a:t>匹配任何包含零個或一個</a:t>
+                      </a:r>
+                      <a:r>
+                        <a:rPr lang="en-US" altLang="zh-TW" sz="1600" b="0" dirty="0" smtClean="0">
+                          <a:latin typeface="Adobe 繁黑體 Std B" panose="020B0700000000000000" pitchFamily="34" charset="-120"/>
+                          <a:ea typeface="Adobe 繁黑體 Std B" panose="020B0700000000000000" pitchFamily="34" charset="-120"/>
+                        </a:rPr>
+                        <a:t>n </a:t>
+                      </a:r>
+                      <a:r>
+                        <a:rPr lang="zh-TW" altLang="en-US" sz="1600" b="0" dirty="0" smtClean="0">
+                          <a:latin typeface="Adobe 繁黑體 Std B" panose="020B0700000000000000" pitchFamily="34" charset="-120"/>
+                          <a:ea typeface="Adobe 繁黑體 Std B" panose="020B0700000000000000" pitchFamily="34" charset="-120"/>
+                        </a:rPr>
+                        <a:t>的字符串。</a:t>
+                      </a:r>
+                      <a:endParaRPr lang="zh-TW" altLang="en-US" sz="1600" b="0" dirty="0">
+                        <a:latin typeface="Adobe 繁黑體 Std B" panose="020B0700000000000000" pitchFamily="34" charset="-120"/>
+                        <a:ea typeface="Adobe 繁黑體 Std B" panose="020B0700000000000000" pitchFamily="34" charset="-120"/>
+                      </a:endParaRPr>
+                    </a:p>
+                  </a:txBody>
+                  <a:tcPr marL="79309" marR="79309" marT="39655" marB="39655"/>
+                </a:tc>
+              </a:tr>
+              <a:tr h="431928">
+                <a:tc>
+                  <a:txBody>
+                    <a:bodyPr/>
+                    <a:lstStyle/>
+                    <a:p>
+                      <a:pPr algn="ctr"/>
+                      <a:r>
+                        <a:rPr lang="en-US" altLang="zh-TW" sz="1600" b="0" dirty="0" smtClean="0">
+                          <a:latin typeface="Adobe 繁黑體 Std B" panose="020B0700000000000000" pitchFamily="34" charset="-120"/>
+                          <a:ea typeface="Adobe 繁黑體 Std B" panose="020B0700000000000000" pitchFamily="34" charset="-120"/>
+                        </a:rPr>
+                        <a:t>n{X}</a:t>
+                      </a:r>
+                      <a:endParaRPr lang="zh-TW" altLang="en-US" sz="1600" b="0" dirty="0">
+                        <a:latin typeface="Adobe 繁黑體 Std B" panose="020B0700000000000000" pitchFamily="34" charset="-120"/>
+                        <a:ea typeface="Adobe 繁黑體 Std B" panose="020B0700000000000000" pitchFamily="34" charset="-120"/>
+                      </a:endParaRPr>
+                    </a:p>
+                  </a:txBody>
+                  <a:tcPr marL="79309" marR="79309" marT="39655" marB="39655"/>
+                </a:tc>
+                <a:tc>
+                  <a:txBody>
+                    <a:bodyPr/>
+                    <a:lstStyle/>
+                    <a:p>
+                      <a:pPr algn="l"/>
+                      <a:r>
+                        <a:rPr lang="zh-TW" altLang="en-US" sz="1600" b="0" dirty="0" smtClean="0">
+                          <a:latin typeface="Adobe 繁黑體 Std B" panose="020B0700000000000000" pitchFamily="34" charset="-120"/>
+                          <a:ea typeface="Adobe 繁黑體 Std B" panose="020B0700000000000000" pitchFamily="34" charset="-120"/>
+                        </a:rPr>
+                        <a:t>匹配包含 </a:t>
+                      </a:r>
+                      <a:r>
+                        <a:rPr lang="en-US" altLang="zh-TW" sz="1600" b="0" dirty="0" smtClean="0">
+                          <a:latin typeface="Adobe 繁黑體 Std B" panose="020B0700000000000000" pitchFamily="34" charset="-120"/>
+                          <a:ea typeface="Adobe 繁黑體 Std B" panose="020B0700000000000000" pitchFamily="34" charset="-120"/>
+                        </a:rPr>
+                        <a:t>X</a:t>
+                      </a:r>
+                      <a:r>
+                        <a:rPr lang="zh-TW" altLang="en-US" sz="1600" b="0" dirty="0" smtClean="0">
+                          <a:latin typeface="Adobe 繁黑體 Std B" panose="020B0700000000000000" pitchFamily="34" charset="-120"/>
+                          <a:ea typeface="Adobe 繁黑體 Std B" panose="020B0700000000000000" pitchFamily="34" charset="-120"/>
+                        </a:rPr>
+                        <a:t>個</a:t>
+                      </a:r>
+                      <a:r>
+                        <a:rPr lang="en-US" altLang="zh-TW" sz="1600" b="0" dirty="0" smtClean="0">
+                          <a:latin typeface="Adobe 繁黑體 Std B" panose="020B0700000000000000" pitchFamily="34" charset="-120"/>
+                          <a:ea typeface="Adobe 繁黑體 Std B" panose="020B0700000000000000" pitchFamily="34" charset="-120"/>
+                        </a:rPr>
+                        <a:t>n </a:t>
+                      </a:r>
+                      <a:r>
+                        <a:rPr lang="zh-TW" altLang="en-US" sz="1600" b="0" dirty="0" smtClean="0">
+                          <a:latin typeface="Adobe 繁黑體 Std B" panose="020B0700000000000000" pitchFamily="34" charset="-120"/>
+                          <a:ea typeface="Adobe 繁黑體 Std B" panose="020B0700000000000000" pitchFamily="34" charset="-120"/>
+                        </a:rPr>
+                        <a:t>的序列的字符串。</a:t>
+                      </a:r>
+                      <a:endParaRPr lang="zh-TW" altLang="en-US" sz="1600" b="0" dirty="0">
+                        <a:latin typeface="Adobe 繁黑體 Std B" panose="020B0700000000000000" pitchFamily="34" charset="-120"/>
+                        <a:ea typeface="Adobe 繁黑體 Std B" panose="020B0700000000000000" pitchFamily="34" charset="-120"/>
+                      </a:endParaRPr>
+                    </a:p>
+                  </a:txBody>
+                  <a:tcPr marL="79309" marR="79309" marT="39655" marB="39655"/>
+                </a:tc>
+              </a:tr>
+              <a:tr h="431928">
+                <a:tc>
+                  <a:txBody>
+                    <a:bodyPr/>
+                    <a:lstStyle/>
+                    <a:p>
+                      <a:pPr algn="ctr"/>
+                      <a:r>
+                        <a:rPr lang="en-US" altLang="zh-TW" sz="1600" b="0" dirty="0" smtClean="0">
+                          <a:latin typeface="Adobe 繁黑體 Std B" panose="020B0700000000000000" pitchFamily="34" charset="-120"/>
+                          <a:ea typeface="Adobe 繁黑體 Std B" panose="020B0700000000000000" pitchFamily="34" charset="-120"/>
+                        </a:rPr>
+                        <a:t>.</a:t>
+                      </a:r>
+                      <a:endParaRPr lang="zh-TW" altLang="en-US" sz="1600" b="0" dirty="0">
+                        <a:latin typeface="Adobe 繁黑體 Std B" panose="020B0700000000000000" pitchFamily="34" charset="-120"/>
+                        <a:ea typeface="Adobe 繁黑體 Std B" panose="020B0700000000000000" pitchFamily="34" charset="-120"/>
+                      </a:endParaRPr>
+                    </a:p>
+                  </a:txBody>
+                  <a:tcPr marL="79309" marR="79309" marT="39655" marB="39655"/>
+                </a:tc>
+                <a:tc>
+                  <a:txBody>
+                    <a:bodyPr/>
+                    <a:lstStyle/>
+                    <a:p>
+                      <a:r>
+                        <a:rPr lang="zh-TW" altLang="en-US" sz="1600" dirty="0" smtClean="0">
+                          <a:latin typeface="Adobe 繁黑體 Std B" panose="020B0700000000000000" pitchFamily="34" charset="-120"/>
+                          <a:ea typeface="Adobe 繁黑體 Std B" panose="020B0700000000000000" pitchFamily="34" charset="-120"/>
+                        </a:rPr>
+                        <a:t>查找單個字符，除了換行和行結束符。</a:t>
+                      </a:r>
+                      <a:endParaRPr lang="zh-TW" altLang="en-US" sz="1600" dirty="0">
+                        <a:latin typeface="Adobe 繁黑體 Std B" panose="020B0700000000000000" pitchFamily="34" charset="-120"/>
+                        <a:ea typeface="Adobe 繁黑體 Std B" panose="020B0700000000000000" pitchFamily="34" charset="-120"/>
+                      </a:endParaRPr>
+                    </a:p>
+                  </a:txBody>
+                  <a:tcPr marL="79309" marR="79309" marT="39655" marB="39655"/>
+                </a:tc>
+              </a:tr>
+              <a:tr h="431928">
+                <a:tc>
+                  <a:txBody>
+                    <a:bodyPr/>
+                    <a:lstStyle/>
+                    <a:p>
+                      <a:pPr algn="ctr"/>
+                      <a:r>
+                        <a:rPr lang="en-US" altLang="zh-TW" sz="1600" b="0" dirty="0" smtClean="0">
+                          <a:latin typeface="Adobe 繁黑體 Std B" panose="020B0700000000000000" pitchFamily="34" charset="-120"/>
+                          <a:ea typeface="Adobe 繁黑體 Std B" panose="020B0700000000000000" pitchFamily="34" charset="-120"/>
+                        </a:rPr>
+                        <a:t>n$</a:t>
+                      </a:r>
+                      <a:endParaRPr lang="zh-TW" altLang="en-US" sz="1600" b="0" dirty="0">
+                        <a:latin typeface="Adobe 繁黑體 Std B" panose="020B0700000000000000" pitchFamily="34" charset="-120"/>
+                        <a:ea typeface="Adobe 繁黑體 Std B" panose="020B0700000000000000" pitchFamily="34" charset="-120"/>
+                      </a:endParaRPr>
+                    </a:p>
+                  </a:txBody>
+                  <a:tcPr marL="79309" marR="79309" marT="39655" marB="39655"/>
+                </a:tc>
+                <a:tc>
+                  <a:txBody>
+                    <a:bodyPr/>
+                    <a:lstStyle/>
+                    <a:p>
+                      <a:pPr algn="l"/>
+                      <a:r>
+                        <a:rPr lang="zh-TW" altLang="en-US" sz="1600" b="0" dirty="0" smtClean="0">
+                          <a:latin typeface="Adobe 繁黑體 Std B" panose="020B0700000000000000" pitchFamily="34" charset="-120"/>
+                          <a:ea typeface="Adobe 繁黑體 Std B" panose="020B0700000000000000" pitchFamily="34" charset="-120"/>
+                        </a:rPr>
+                        <a:t>匹配任何結尾為 </a:t>
+                      </a:r>
+                      <a:r>
+                        <a:rPr lang="en-US" altLang="zh-TW" sz="1600" b="0" dirty="0" smtClean="0">
+                          <a:latin typeface="Adobe 繁黑體 Std B" panose="020B0700000000000000" pitchFamily="34" charset="-120"/>
+                          <a:ea typeface="Adobe 繁黑體 Std B" panose="020B0700000000000000" pitchFamily="34" charset="-120"/>
+                        </a:rPr>
+                        <a:t>n </a:t>
+                      </a:r>
+                      <a:r>
+                        <a:rPr lang="zh-TW" altLang="en-US" sz="1600" b="0" dirty="0" smtClean="0">
+                          <a:latin typeface="Adobe 繁黑體 Std B" panose="020B0700000000000000" pitchFamily="34" charset="-120"/>
+                          <a:ea typeface="Adobe 繁黑體 Std B" panose="020B0700000000000000" pitchFamily="34" charset="-120"/>
+                        </a:rPr>
+                        <a:t>的字符串。</a:t>
+                      </a:r>
+                      <a:endParaRPr lang="zh-TW" altLang="en-US" sz="1600" b="0" dirty="0">
+                        <a:latin typeface="Adobe 繁黑體 Std B" panose="020B0700000000000000" pitchFamily="34" charset="-120"/>
+                        <a:ea typeface="Adobe 繁黑體 Std B" panose="020B0700000000000000" pitchFamily="34" charset="-120"/>
+                      </a:endParaRPr>
+                    </a:p>
+                  </a:txBody>
+                  <a:tcPr marL="79309" marR="79309" marT="39655" marB="39655"/>
+                </a:tc>
+              </a:tr>
+              <a:tr h="431928">
+                <a:tc>
+                  <a:txBody>
+                    <a:bodyPr/>
+                    <a:lstStyle/>
+                    <a:p>
+                      <a:pPr algn="ctr"/>
+                      <a:r>
+                        <a:rPr lang="en-US" altLang="zh-TW" sz="1600" b="0" dirty="0" smtClean="0">
+                          <a:latin typeface="Adobe 繁黑體 Std B" panose="020B0700000000000000" pitchFamily="34" charset="-120"/>
+                          <a:ea typeface="Adobe 繁黑體 Std B" panose="020B0700000000000000" pitchFamily="34" charset="-120"/>
+                        </a:rPr>
+                        <a:t>^n</a:t>
+                      </a:r>
+                      <a:endParaRPr lang="zh-TW" altLang="en-US" sz="1600" b="0" dirty="0">
+                        <a:latin typeface="Adobe 繁黑體 Std B" panose="020B0700000000000000" pitchFamily="34" charset="-120"/>
+                        <a:ea typeface="Adobe 繁黑體 Std B" panose="020B0700000000000000" pitchFamily="34" charset="-120"/>
+                      </a:endParaRPr>
+                    </a:p>
+                  </a:txBody>
+                  <a:tcPr marL="79309" marR="79309" marT="39655" marB="39655"/>
+                </a:tc>
+                <a:tc>
+                  <a:txBody>
+                    <a:bodyPr/>
+                    <a:lstStyle/>
+                    <a:p>
+                      <a:pPr algn="l"/>
+                      <a:r>
+                        <a:rPr lang="zh-TW" altLang="en-US" sz="1600" b="0" dirty="0" smtClean="0">
+                          <a:latin typeface="Adobe 繁黑體 Std B" panose="020B0700000000000000" pitchFamily="34" charset="-120"/>
+                          <a:ea typeface="Adobe 繁黑體 Std B" panose="020B0700000000000000" pitchFamily="34" charset="-120"/>
+                        </a:rPr>
+                        <a:t>匹配任何開頭為</a:t>
+                      </a:r>
+                      <a:r>
+                        <a:rPr lang="en-US" altLang="zh-TW" sz="1600" b="0" dirty="0" smtClean="0">
+                          <a:latin typeface="Adobe 繁黑體 Std B" panose="020B0700000000000000" pitchFamily="34" charset="-120"/>
+                          <a:ea typeface="Adobe 繁黑體 Std B" panose="020B0700000000000000" pitchFamily="34" charset="-120"/>
+                        </a:rPr>
+                        <a:t>n </a:t>
+                      </a:r>
+                      <a:r>
+                        <a:rPr lang="zh-TW" altLang="en-US" sz="1600" b="0" dirty="0" smtClean="0">
+                          <a:latin typeface="Adobe 繁黑體 Std B" panose="020B0700000000000000" pitchFamily="34" charset="-120"/>
+                          <a:ea typeface="Adobe 繁黑體 Std B" panose="020B0700000000000000" pitchFamily="34" charset="-120"/>
+                        </a:rPr>
+                        <a:t>的字符串。</a:t>
+                      </a:r>
+                      <a:endParaRPr lang="zh-TW" altLang="en-US" sz="1600" b="0" dirty="0">
+                        <a:latin typeface="Adobe 繁黑體 Std B" panose="020B0700000000000000" pitchFamily="34" charset="-120"/>
+                        <a:ea typeface="Adobe 繁黑體 Std B" panose="020B0700000000000000" pitchFamily="34" charset="-120"/>
+                      </a:endParaRPr>
+                    </a:p>
+                  </a:txBody>
+                  <a:tcPr marL="79309" marR="79309" marT="39655" marB="39655"/>
+                </a:tc>
+              </a:tr>
+            </a:tbl>
+          </a:graphicData>
+        </a:graphic>
+      </p:graphicFrame>
+    </p:spTree>
+    <p:extLst>
+      <p:ext uri="{BB962C8B-B14F-4D97-AF65-F5344CB8AC3E}">
+        <p14:creationId xmlns:p14="http://schemas.microsoft.com/office/powerpoint/2010/main" val="2209416544"/>
+      </p:ext>
+    </p:extLst>
+  </p:cSld>
+  <p:clrMapOvr>
+    <a:masterClrMapping/>
+  </p:clrMapOvr>
+</p:sld>
+</file>
+
+<file path=ppt/slides/slide39.xml><?xml version="1.0" encoding="utf-8"?>
+<p:sld xmlns:a="http://schemas.openxmlformats.org/drawingml/2006/main" xmlns:r="http://schemas.openxmlformats.org/officeDocument/2006/relationships" xmlns:p="http://schemas.openxmlformats.org/presentationml/2006/main">
+  <p:cSld>
+    <p:bg>
+      <p:bgPr>
+        <a:solidFill>
+          <a:srgbClr val="323230"/>
+        </a:solidFill>
+        <a:effectLst/>
+      </p:bgPr>
+    </p:bg>
+    <p:spTree>
+      <p:nvGrpSpPr>
+        <p:cNvPr id="1" name=""/>
+        <p:cNvGrpSpPr/>
+        <p:nvPr/>
+      </p:nvGrpSpPr>
+      <p:grpSpPr>
+        <a:xfrm>
+          <a:off x="0" y="0"/>
+          <a:ext cx="0" cy="0"/>
+          <a:chOff x="0" y="0"/>
+          <a:chExt cx="0" cy="0"/>
+        </a:xfrm>
+      </p:grpSpPr>
+      <p:sp>
+        <p:nvSpPr>
+          <p:cNvPr id="2" name="矩形 1"/>
+          <p:cNvSpPr/>
+          <p:nvPr/>
+        </p:nvSpPr>
+        <p:spPr>
+          <a:xfrm>
+            <a:off x="966651" y="2003658"/>
+            <a:ext cx="3892732" cy="2031325"/>
+          </a:xfrm>
+          <a:prstGeom prst="rect">
+            <a:avLst/>
+          </a:prstGeom>
+        </p:spPr>
+        <p:txBody>
+          <a:bodyPr wrap="square">
+            <a:spAutoFit/>
+          </a:bodyPr>
+          <a:lstStyle/>
+          <a:p>
+            <a:r>
+              <a:rPr lang="en-US" altLang="zh-TW" dirty="0">
+                <a:solidFill>
+                  <a:srgbClr val="FFEE99"/>
+                </a:solidFill>
+                <a:latin typeface="Consolas" panose="020B0609020204030204" pitchFamily="49" charset="0"/>
+              </a:rPr>
+              <a:t>'a123@gmail.com'</a:t>
+            </a:r>
+            <a:r>
+              <a:rPr lang="en-US" altLang="zh-TW" dirty="0">
+                <a:solidFill>
+                  <a:srgbClr val="F8F8F2"/>
+                </a:solidFill>
+                <a:latin typeface="Consolas" panose="020B0609020204030204" pitchFamily="49" charset="0"/>
+              </a:rPr>
+              <a:t>,</a:t>
+            </a:r>
+          </a:p>
+          <a:p>
+            <a:r>
+              <a:rPr lang="en-US" altLang="zh-TW" dirty="0">
+                <a:solidFill>
+                  <a:srgbClr val="FFEE99"/>
+                </a:solidFill>
+                <a:latin typeface="Consolas" panose="020B0609020204030204" pitchFamily="49" charset="0"/>
+              </a:rPr>
+              <a:t>'tesst@hotmail.com'</a:t>
+            </a:r>
+            <a:r>
+              <a:rPr lang="en-US" altLang="zh-TW" dirty="0">
+                <a:solidFill>
+                  <a:srgbClr val="F8F8F2"/>
+                </a:solidFill>
+                <a:latin typeface="Consolas" panose="020B0609020204030204" pitchFamily="49" charset="0"/>
+              </a:rPr>
+              <a:t>,</a:t>
+            </a:r>
+          </a:p>
+          <a:p>
+            <a:r>
+              <a:rPr lang="en-US" altLang="zh-TW" dirty="0">
+                <a:solidFill>
+                  <a:srgbClr val="FFEE99"/>
+                </a:solidFill>
+                <a:latin typeface="Consolas" panose="020B0609020204030204" pitchFamily="49" charset="0"/>
+              </a:rPr>
+              <a:t>'n789@gmail.com'</a:t>
+            </a:r>
+            <a:r>
+              <a:rPr lang="en-US" altLang="zh-TW" dirty="0">
+                <a:solidFill>
+                  <a:srgbClr val="F8F8F2"/>
+                </a:solidFill>
+                <a:latin typeface="Consolas" panose="020B0609020204030204" pitchFamily="49" charset="0"/>
+              </a:rPr>
+              <a:t>,</a:t>
+            </a:r>
+          </a:p>
+          <a:p>
+            <a:r>
+              <a:rPr lang="en-US" altLang="zh-TW" dirty="0">
+                <a:solidFill>
+                  <a:srgbClr val="FFEE99"/>
+                </a:solidFill>
+                <a:latin typeface="Consolas" panose="020B0609020204030204" pitchFamily="49" charset="0"/>
+              </a:rPr>
+              <a:t>'abcdef@yahoo.com'</a:t>
+            </a:r>
+            <a:r>
+              <a:rPr lang="en-US" altLang="zh-TW" dirty="0">
+                <a:solidFill>
+                  <a:srgbClr val="F8F8F2"/>
+                </a:solidFill>
+                <a:latin typeface="Consolas" panose="020B0609020204030204" pitchFamily="49" charset="0"/>
+              </a:rPr>
+              <a:t>,</a:t>
+            </a:r>
+          </a:p>
+          <a:p>
+            <a:r>
+              <a:rPr lang="en-US" altLang="zh-TW" dirty="0">
+                <a:solidFill>
+                  <a:srgbClr val="FFEE99"/>
+                </a:solidFill>
+                <a:latin typeface="Consolas" panose="020B0609020204030204" pitchFamily="49" charset="0"/>
+              </a:rPr>
+              <a:t>'55555@gmail.com'</a:t>
+            </a:r>
+            <a:r>
+              <a:rPr lang="en-US" altLang="zh-TW" dirty="0">
+                <a:solidFill>
+                  <a:srgbClr val="F8F8F2"/>
+                </a:solidFill>
+                <a:latin typeface="Consolas" panose="020B0609020204030204" pitchFamily="49" charset="0"/>
+              </a:rPr>
+              <a:t>,</a:t>
+            </a:r>
+          </a:p>
+          <a:p>
+            <a:r>
+              <a:rPr lang="en-US" altLang="zh-TW" dirty="0">
+                <a:solidFill>
+                  <a:srgbClr val="FFEE99"/>
+                </a:solidFill>
+                <a:latin typeface="Consolas" panose="020B0609020204030204" pitchFamily="49" charset="0"/>
+              </a:rPr>
+              <a:t>'1245@hotmail.com'</a:t>
+            </a:r>
+            <a:r>
+              <a:rPr lang="en-US" altLang="zh-TW" dirty="0">
+                <a:solidFill>
+                  <a:srgbClr val="F8F8F2"/>
+                </a:solidFill>
+                <a:latin typeface="Consolas" panose="020B0609020204030204" pitchFamily="49" charset="0"/>
+              </a:rPr>
+              <a:t>,</a:t>
+            </a:r>
+          </a:p>
+          <a:p>
+            <a:r>
+              <a:rPr lang="en-US" altLang="zh-TW" dirty="0">
+                <a:solidFill>
+                  <a:srgbClr val="FFEE99"/>
+                </a:solidFill>
+                <a:latin typeface="Consolas" panose="020B0609020204030204" pitchFamily="49" charset="0"/>
+              </a:rPr>
+              <a:t>'abc123@hotmail.com'</a:t>
+            </a:r>
+            <a:r>
+              <a:rPr lang="en-US" altLang="zh-TW" dirty="0">
+                <a:solidFill>
+                  <a:srgbClr val="F8F8F2"/>
+                </a:solidFill>
+                <a:latin typeface="Consolas" panose="020B0609020204030204" pitchFamily="49" charset="0"/>
+              </a:rPr>
+              <a:t>,</a:t>
+            </a:r>
+            <a:endParaRPr lang="en-US" altLang="zh-TW" b="0" dirty="0">
+              <a:solidFill>
+                <a:srgbClr val="F8F8F2"/>
+              </a:solidFill>
+              <a:effectLst/>
+              <a:latin typeface="Consolas" panose="020B0609020204030204" pitchFamily="49" charset="0"/>
+            </a:endParaRPr>
+          </a:p>
+        </p:txBody>
+      </p:sp>
+      <p:sp>
+        <p:nvSpPr>
+          <p:cNvPr id="3" name="矩形 2"/>
+          <p:cNvSpPr/>
+          <p:nvPr/>
+        </p:nvSpPr>
+        <p:spPr>
+          <a:xfrm>
+            <a:off x="5972280" y="1929340"/>
+            <a:ext cx="3536546" cy="523220"/>
+          </a:xfrm>
+          <a:prstGeom prst="rect">
+            <a:avLst/>
+          </a:prstGeom>
+        </p:spPr>
+        <p:txBody>
+          <a:bodyPr wrap="none">
+            <a:spAutoFit/>
+          </a:bodyPr>
+          <a:lstStyle/>
+          <a:p>
+            <a:r>
+              <a:rPr lang="en-US" altLang="zh-TW" sz="2800" dirty="0">
+                <a:solidFill>
+                  <a:srgbClr val="FFEE99"/>
+                </a:solidFill>
+                <a:latin typeface="Consolas" panose="020B0609020204030204" pitchFamily="49" charset="0"/>
+              </a:rPr>
+              <a:t>/</a:t>
+            </a:r>
+            <a:r>
+              <a:rPr lang="en-US" altLang="zh-TW" sz="2800" dirty="0">
+                <a:solidFill>
+                  <a:srgbClr val="F92672"/>
+                </a:solidFill>
+                <a:latin typeface="Consolas" panose="020B0609020204030204" pitchFamily="49" charset="0"/>
+              </a:rPr>
+              <a:t>^</a:t>
+            </a:r>
+            <a:r>
+              <a:rPr lang="en-US" altLang="zh-TW" sz="2800" dirty="0">
+                <a:solidFill>
+                  <a:srgbClr val="FF80F4"/>
+                </a:solidFill>
+                <a:latin typeface="Consolas" panose="020B0609020204030204" pitchFamily="49" charset="0"/>
+              </a:rPr>
+              <a:t>.</a:t>
+            </a:r>
+            <a:r>
+              <a:rPr lang="en-US" altLang="zh-TW" sz="2800" dirty="0">
+                <a:solidFill>
+                  <a:srgbClr val="F92672"/>
+                </a:solidFill>
+                <a:latin typeface="Consolas" panose="020B0609020204030204" pitchFamily="49" charset="0"/>
+              </a:rPr>
+              <a:t>*</a:t>
+            </a:r>
+            <a:r>
+              <a:rPr lang="en-US" altLang="zh-TW" sz="2800" dirty="0">
+                <a:solidFill>
+                  <a:srgbClr val="FFEE99"/>
+                </a:solidFill>
+                <a:latin typeface="Consolas" panose="020B0609020204030204" pitchFamily="49" charset="0"/>
+              </a:rPr>
+              <a:t>@</a:t>
+            </a:r>
+            <a:r>
+              <a:rPr lang="en-US" altLang="zh-TW" sz="2800" dirty="0" err="1">
+                <a:solidFill>
+                  <a:srgbClr val="FFEE99"/>
+                </a:solidFill>
+                <a:latin typeface="Consolas" panose="020B0609020204030204" pitchFamily="49" charset="0"/>
+              </a:rPr>
+              <a:t>gmail</a:t>
+            </a:r>
+            <a:r>
+              <a:rPr lang="en-US" altLang="zh-TW" sz="2800" dirty="0">
+                <a:solidFill>
+                  <a:srgbClr val="FF80F4"/>
+                </a:solidFill>
+                <a:latin typeface="Consolas" panose="020B0609020204030204" pitchFamily="49" charset="0"/>
+              </a:rPr>
+              <a:t>\.</a:t>
+            </a:r>
+            <a:r>
+              <a:rPr lang="en-US" altLang="zh-TW" sz="2800" dirty="0">
+                <a:solidFill>
+                  <a:srgbClr val="FFEE99"/>
+                </a:solidFill>
+                <a:latin typeface="Consolas" panose="020B0609020204030204" pitchFamily="49" charset="0"/>
+              </a:rPr>
+              <a:t>com</a:t>
+            </a:r>
+            <a:r>
+              <a:rPr lang="en-US" altLang="zh-TW" sz="2800" dirty="0">
+                <a:solidFill>
+                  <a:srgbClr val="F92672"/>
+                </a:solidFill>
+                <a:latin typeface="Consolas" panose="020B0609020204030204" pitchFamily="49" charset="0"/>
+              </a:rPr>
+              <a:t>$</a:t>
+            </a:r>
+            <a:r>
+              <a:rPr lang="en-US" altLang="zh-TW" sz="2800" dirty="0">
+                <a:solidFill>
+                  <a:srgbClr val="FFEE99"/>
+                </a:solidFill>
+                <a:latin typeface="Consolas" panose="020B0609020204030204" pitchFamily="49" charset="0"/>
+              </a:rPr>
+              <a:t>/</a:t>
+            </a:r>
+            <a:endParaRPr lang="en-US" altLang="zh-TW" sz="2800" b="0" dirty="0">
+              <a:solidFill>
+                <a:srgbClr val="F8F8F2"/>
+              </a:solidFill>
+              <a:effectLst/>
+              <a:latin typeface="Consolas" panose="020B0609020204030204" pitchFamily="49" charset="0"/>
+            </a:endParaRPr>
+          </a:p>
+        </p:txBody>
+      </p:sp>
+      <p:sp>
+        <p:nvSpPr>
+          <p:cNvPr id="4" name="矩形 3"/>
+          <p:cNvSpPr/>
+          <p:nvPr/>
+        </p:nvSpPr>
+        <p:spPr>
+          <a:xfrm>
+            <a:off x="5650370" y="2637225"/>
+            <a:ext cx="4320944" cy="307777"/>
+          </a:xfrm>
+          <a:prstGeom prst="rect">
+            <a:avLst/>
+          </a:prstGeom>
+        </p:spPr>
+        <p:txBody>
+          <a:bodyPr wrap="square">
+            <a:spAutoFit/>
+          </a:bodyPr>
+          <a:lstStyle/>
+          <a:p>
+            <a:pPr algn="ctr"/>
+            <a:r>
+              <a:rPr lang="zh-TW" altLang="en-US" sz="1400" dirty="0" smtClean="0">
+                <a:solidFill>
+                  <a:schemeClr val="bg1"/>
+                </a:solidFill>
+                <a:latin typeface="Adobe 繁黑體 Std B" panose="020B0700000000000000" pitchFamily="34" charset="-120"/>
+                <a:ea typeface="Adobe 繁黑體 Std B" panose="020B0700000000000000" pitchFamily="34" charset="-120"/>
+              </a:rPr>
+              <a:t>我可以透過這個正規把所有的</a:t>
+            </a:r>
+            <a:r>
+              <a:rPr lang="en-US" altLang="zh-TW" sz="1400" dirty="0" err="1" smtClean="0">
+                <a:solidFill>
+                  <a:schemeClr val="bg1"/>
+                </a:solidFill>
+                <a:latin typeface="Adobe 繁黑體 Std B" panose="020B0700000000000000" pitchFamily="34" charset="-120"/>
+                <a:ea typeface="Adobe 繁黑體 Std B" panose="020B0700000000000000" pitchFamily="34" charset="-120"/>
+              </a:rPr>
+              <a:t>gmail</a:t>
+            </a:r>
+            <a:r>
+              <a:rPr lang="zh-TW" altLang="en-US" sz="1400" dirty="0" smtClean="0">
+                <a:solidFill>
+                  <a:schemeClr val="bg1"/>
+                </a:solidFill>
+                <a:latin typeface="Adobe 繁黑體 Std B" panose="020B0700000000000000" pitchFamily="34" charset="-120"/>
+                <a:ea typeface="Adobe 繁黑體 Std B" panose="020B0700000000000000" pitchFamily="34" charset="-120"/>
+              </a:rPr>
+              <a:t>的信箱給撈出來</a:t>
+            </a:r>
+            <a:endParaRPr lang="zh-TW" altLang="en-US" sz="1400" dirty="0">
+              <a:solidFill>
+                <a:schemeClr val="bg1"/>
+              </a:solidFill>
+              <a:latin typeface="Adobe 繁黑體 Std B" panose="020B0700000000000000" pitchFamily="34" charset="-120"/>
+              <a:ea typeface="Adobe 繁黑體 Std B" panose="020B0700000000000000" pitchFamily="34" charset="-120"/>
+            </a:endParaRPr>
+          </a:p>
+        </p:txBody>
+      </p:sp>
+      <p:sp>
+        <p:nvSpPr>
+          <p:cNvPr id="5" name="矩形 4"/>
+          <p:cNvSpPr/>
+          <p:nvPr/>
+        </p:nvSpPr>
+        <p:spPr>
+          <a:xfrm>
+            <a:off x="5650370" y="3019321"/>
+            <a:ext cx="4320944" cy="523220"/>
+          </a:xfrm>
+          <a:prstGeom prst="rect">
+            <a:avLst/>
+          </a:prstGeom>
+        </p:spPr>
+        <p:txBody>
+          <a:bodyPr wrap="square">
+            <a:spAutoFit/>
+          </a:bodyPr>
+          <a:lstStyle/>
+          <a:p>
+            <a:pPr algn="ctr"/>
+            <a:r>
+              <a:rPr lang="zh-TW" altLang="en-US" sz="1400" dirty="0" smtClean="0">
+                <a:solidFill>
+                  <a:schemeClr val="accent2">
+                    <a:lumMod val="60000"/>
+                    <a:lumOff val="40000"/>
+                  </a:schemeClr>
+                </a:solidFill>
+                <a:latin typeface="Adobe 繁黑體 Std B" panose="020B0700000000000000" pitchFamily="34" charset="-120"/>
+                <a:ea typeface="Adobe 繁黑體 Std B" panose="020B0700000000000000" pitchFamily="34" charset="-120"/>
+              </a:rPr>
+              <a:t>因為 </a:t>
+            </a:r>
+            <a:r>
+              <a:rPr lang="en-US" altLang="zh-TW" sz="1400" dirty="0" smtClean="0">
+                <a:solidFill>
+                  <a:schemeClr val="accent2">
+                    <a:lumMod val="60000"/>
+                    <a:lumOff val="40000"/>
+                  </a:schemeClr>
+                </a:solidFill>
+                <a:latin typeface="Adobe 繁黑體 Std B" panose="020B0700000000000000" pitchFamily="34" charset="-120"/>
+                <a:ea typeface="Adobe 繁黑體 Std B" panose="020B0700000000000000" pitchFamily="34" charset="-120"/>
+              </a:rPr>
+              <a:t>.</a:t>
+            </a:r>
+            <a:r>
+              <a:rPr lang="zh-TW" altLang="en-US" sz="1400" dirty="0" smtClean="0">
+                <a:solidFill>
+                  <a:schemeClr val="accent2">
+                    <a:lumMod val="60000"/>
+                    <a:lumOff val="40000"/>
+                  </a:schemeClr>
+                </a:solidFill>
+                <a:latin typeface="Adobe 繁黑體 Std B" panose="020B0700000000000000" pitchFamily="34" charset="-120"/>
+                <a:ea typeface="Adobe 繁黑體 Std B" panose="020B0700000000000000" pitchFamily="34" charset="-120"/>
+              </a:rPr>
+              <a:t> 再正規表示法有其他意思，所以如果要把 </a:t>
+            </a:r>
+            <a:r>
+              <a:rPr lang="en-US" altLang="zh-TW" sz="1400" dirty="0" smtClean="0">
+                <a:solidFill>
+                  <a:schemeClr val="accent2">
+                    <a:lumMod val="60000"/>
+                    <a:lumOff val="40000"/>
+                  </a:schemeClr>
+                </a:solidFill>
+                <a:latin typeface="Adobe 繁黑體 Std B" panose="020B0700000000000000" pitchFamily="34" charset="-120"/>
+                <a:ea typeface="Adobe 繁黑體 Std B" panose="020B0700000000000000" pitchFamily="34" charset="-120"/>
+              </a:rPr>
+              <a:t>.</a:t>
+            </a:r>
+            <a:r>
+              <a:rPr lang="zh-TW" altLang="en-US" sz="1400" dirty="0" smtClean="0">
+                <a:solidFill>
+                  <a:schemeClr val="accent2">
+                    <a:lumMod val="60000"/>
+                    <a:lumOff val="40000"/>
+                  </a:schemeClr>
+                </a:solidFill>
+                <a:latin typeface="Adobe 繁黑體 Std B" panose="020B0700000000000000" pitchFamily="34" charset="-120"/>
+                <a:ea typeface="Adobe 繁黑體 Std B" panose="020B0700000000000000" pitchFamily="34" charset="-120"/>
+              </a:rPr>
+              <a:t> 或是其他符號當成字串來比對的話，需要前面加個 </a:t>
+            </a:r>
+            <a:r>
+              <a:rPr lang="en-US" altLang="zh-TW" sz="1400" dirty="0" smtClean="0">
+                <a:solidFill>
+                  <a:schemeClr val="accent2">
+                    <a:lumMod val="60000"/>
+                    <a:lumOff val="40000"/>
+                  </a:schemeClr>
+                </a:solidFill>
+                <a:latin typeface="Adobe 繁黑體 Std B" panose="020B0700000000000000" pitchFamily="34" charset="-120"/>
+                <a:ea typeface="Adobe 繁黑體 Std B" panose="020B0700000000000000" pitchFamily="34" charset="-120"/>
+              </a:rPr>
+              <a:t>\</a:t>
+            </a:r>
+            <a:endParaRPr lang="zh-TW" altLang="en-US" sz="1400" dirty="0">
+              <a:solidFill>
+                <a:schemeClr val="accent2">
+                  <a:lumMod val="60000"/>
+                  <a:lumOff val="40000"/>
+                </a:schemeClr>
+              </a:solidFill>
+              <a:latin typeface="Adobe 繁黑體 Std B" panose="020B0700000000000000" pitchFamily="34" charset="-120"/>
+              <a:ea typeface="Adobe 繁黑體 Std B" panose="020B0700000000000000" pitchFamily="34" charset="-120"/>
+            </a:endParaRPr>
+          </a:p>
+        </p:txBody>
+      </p:sp>
+    </p:spTree>
+    <p:extLst>
+      <p:ext uri="{BB962C8B-B14F-4D97-AF65-F5344CB8AC3E}">
+        <p14:creationId xmlns:p14="http://schemas.microsoft.com/office/powerpoint/2010/main" val="2698057393"/>
       </p:ext>
     </p:extLst>
   </p:cSld>
@@ -14017,6 +18924,1773 @@
     <p:extLst>
       <p:ext uri="{BB962C8B-B14F-4D97-AF65-F5344CB8AC3E}">
         <p14:creationId xmlns:p14="http://schemas.microsoft.com/office/powerpoint/2010/main" val="2748138493"/>
+      </p:ext>
+    </p:extLst>
+  </p:cSld>
+  <p:clrMapOvr>
+    <a:masterClrMapping/>
+  </p:clrMapOvr>
+</p:sld>
+</file>
+
+<file path=ppt/slides/slide40.xml><?xml version="1.0" encoding="utf-8"?>
+<p:sld xmlns:a="http://schemas.openxmlformats.org/drawingml/2006/main" xmlns:r="http://schemas.openxmlformats.org/officeDocument/2006/relationships" xmlns:p="http://schemas.openxmlformats.org/presentationml/2006/main">
+  <p:cSld>
+    <p:bg>
+      <p:bgPr>
+        <a:solidFill>
+          <a:srgbClr val="323230"/>
+        </a:solidFill>
+        <a:effectLst/>
+      </p:bgPr>
+    </p:bg>
+    <p:spTree>
+      <p:nvGrpSpPr>
+        <p:cNvPr id="1" name=""/>
+        <p:cNvGrpSpPr/>
+        <p:nvPr/>
+      </p:nvGrpSpPr>
+      <p:grpSpPr>
+        <a:xfrm>
+          <a:off x="0" y="0"/>
+          <a:ext cx="0" cy="0"/>
+          <a:chOff x="0" y="0"/>
+          <a:chExt cx="0" cy="0"/>
+        </a:xfrm>
+      </p:grpSpPr>
+      <p:sp>
+        <p:nvSpPr>
+          <p:cNvPr id="2" name="矩形 1"/>
+          <p:cNvSpPr/>
+          <p:nvPr/>
+        </p:nvSpPr>
+        <p:spPr>
+          <a:xfrm>
+            <a:off x="1288869" y="1690527"/>
+            <a:ext cx="2865120" cy="2031325"/>
+          </a:xfrm>
+          <a:prstGeom prst="rect">
+            <a:avLst/>
+          </a:prstGeom>
+        </p:spPr>
+        <p:txBody>
+          <a:bodyPr wrap="square">
+            <a:spAutoFit/>
+          </a:bodyPr>
+          <a:lstStyle/>
+          <a:p>
+            <a:r>
+              <a:rPr lang="en-US" altLang="zh-TW" dirty="0">
+                <a:solidFill>
+                  <a:srgbClr val="FFEE99"/>
+                </a:solidFill>
+                <a:latin typeface="Consolas" panose="020B0609020204030204" pitchFamily="49" charset="0"/>
+              </a:rPr>
+              <a:t>"2006/02/03"</a:t>
+            </a:r>
+            <a:r>
+              <a:rPr lang="en-US" altLang="zh-TW" dirty="0">
+                <a:solidFill>
+                  <a:srgbClr val="F8F8F2"/>
+                </a:solidFill>
+                <a:latin typeface="Consolas" panose="020B0609020204030204" pitchFamily="49" charset="0"/>
+              </a:rPr>
+              <a:t>,</a:t>
+            </a:r>
+          </a:p>
+          <a:p>
+            <a:r>
+              <a:rPr lang="en-US" altLang="zh-TW" dirty="0">
+                <a:solidFill>
+                  <a:srgbClr val="FFEE99"/>
+                </a:solidFill>
+                <a:latin typeface="Consolas" panose="020B0609020204030204" pitchFamily="49" charset="0"/>
+              </a:rPr>
+              <a:t>"test/07/</a:t>
+            </a:r>
+            <a:r>
+              <a:rPr lang="en-US" altLang="zh-TW" dirty="0" err="1">
+                <a:solidFill>
+                  <a:srgbClr val="FFEE99"/>
+                </a:solidFill>
+                <a:latin typeface="Consolas" panose="020B0609020204030204" pitchFamily="49" charset="0"/>
+              </a:rPr>
+              <a:t>sd</a:t>
+            </a:r>
+            <a:r>
+              <a:rPr lang="en-US" altLang="zh-TW" dirty="0">
+                <a:solidFill>
+                  <a:srgbClr val="FFEE99"/>
+                </a:solidFill>
+                <a:latin typeface="Consolas" panose="020B0609020204030204" pitchFamily="49" charset="0"/>
+              </a:rPr>
+              <a:t>"</a:t>
+            </a:r>
+            <a:r>
+              <a:rPr lang="en-US" altLang="zh-TW" dirty="0">
+                <a:solidFill>
+                  <a:srgbClr val="F8F8F2"/>
+                </a:solidFill>
+                <a:latin typeface="Consolas" panose="020B0609020204030204" pitchFamily="49" charset="0"/>
+              </a:rPr>
+              <a:t>,</a:t>
+            </a:r>
+          </a:p>
+          <a:p>
+            <a:r>
+              <a:rPr lang="en-US" altLang="zh-TW" dirty="0">
+                <a:solidFill>
+                  <a:srgbClr val="FFEE99"/>
+                </a:solidFill>
+                <a:latin typeface="Consolas" panose="020B0609020204030204" pitchFamily="49" charset="0"/>
+              </a:rPr>
+              <a:t>"2016/05/10"</a:t>
+            </a:r>
+            <a:r>
+              <a:rPr lang="en-US" altLang="zh-TW" dirty="0">
+                <a:solidFill>
+                  <a:srgbClr val="F8F8F2"/>
+                </a:solidFill>
+                <a:latin typeface="Consolas" panose="020B0609020204030204" pitchFamily="49" charset="0"/>
+              </a:rPr>
+              <a:t>,</a:t>
+            </a:r>
+          </a:p>
+          <a:p>
+            <a:r>
+              <a:rPr lang="en-US" altLang="zh-TW" dirty="0">
+                <a:solidFill>
+                  <a:srgbClr val="FFEE99"/>
+                </a:solidFill>
+                <a:latin typeface="Consolas" panose="020B0609020204030204" pitchFamily="49" charset="0"/>
+              </a:rPr>
+              <a:t>"1998/03/07"</a:t>
+            </a:r>
+            <a:r>
+              <a:rPr lang="en-US" altLang="zh-TW" dirty="0">
+                <a:solidFill>
+                  <a:srgbClr val="F8F8F2"/>
+                </a:solidFill>
+                <a:latin typeface="Consolas" panose="020B0609020204030204" pitchFamily="49" charset="0"/>
+              </a:rPr>
+              <a:t>,</a:t>
+            </a:r>
+          </a:p>
+          <a:p>
+            <a:r>
+              <a:rPr lang="en-US" altLang="zh-TW" dirty="0">
+                <a:solidFill>
+                  <a:srgbClr val="FFEE99"/>
+                </a:solidFill>
+                <a:latin typeface="Consolas" panose="020B0609020204030204" pitchFamily="49" charset="0"/>
+              </a:rPr>
+              <a:t>"12345/23/45678"</a:t>
+            </a:r>
+            <a:r>
+              <a:rPr lang="en-US" altLang="zh-TW" dirty="0">
+                <a:solidFill>
+                  <a:srgbClr val="F8F8F2"/>
+                </a:solidFill>
+                <a:latin typeface="Consolas" panose="020B0609020204030204" pitchFamily="49" charset="0"/>
+              </a:rPr>
+              <a:t>,</a:t>
+            </a:r>
+          </a:p>
+          <a:p>
+            <a:r>
+              <a:rPr lang="en-US" altLang="zh-TW" dirty="0">
+                <a:solidFill>
+                  <a:srgbClr val="FFEE99"/>
+                </a:solidFill>
+                <a:latin typeface="Consolas" panose="020B0609020204030204" pitchFamily="49" charset="0"/>
+              </a:rPr>
+              <a:t>"1234/23/45678"</a:t>
+            </a:r>
+            <a:r>
+              <a:rPr lang="en-US" altLang="zh-TW" dirty="0">
+                <a:solidFill>
+                  <a:srgbClr val="F8F8F2"/>
+                </a:solidFill>
+                <a:latin typeface="Consolas" panose="020B0609020204030204" pitchFamily="49" charset="0"/>
+              </a:rPr>
+              <a:t>,</a:t>
+            </a:r>
+          </a:p>
+          <a:p>
+            <a:r>
+              <a:rPr lang="en-US" altLang="zh-TW" dirty="0">
+                <a:solidFill>
+                  <a:srgbClr val="FFEE99"/>
+                </a:solidFill>
+                <a:latin typeface="Consolas" panose="020B0609020204030204" pitchFamily="49" charset="0"/>
+              </a:rPr>
+              <a:t>"12345/23/45"</a:t>
+            </a:r>
+            <a:r>
+              <a:rPr lang="en-US" altLang="zh-TW" dirty="0">
+                <a:solidFill>
+                  <a:srgbClr val="F8F8F2"/>
+                </a:solidFill>
+                <a:latin typeface="Consolas" panose="020B0609020204030204" pitchFamily="49" charset="0"/>
+              </a:rPr>
+              <a:t>,</a:t>
+            </a:r>
+            <a:endParaRPr lang="en-US" altLang="zh-TW" b="0" dirty="0">
+              <a:solidFill>
+                <a:srgbClr val="F8F8F2"/>
+              </a:solidFill>
+              <a:effectLst/>
+              <a:latin typeface="Consolas" panose="020B0609020204030204" pitchFamily="49" charset="0"/>
+            </a:endParaRPr>
+          </a:p>
+        </p:txBody>
+      </p:sp>
+      <p:sp>
+        <p:nvSpPr>
+          <p:cNvPr id="3" name="矩形 2"/>
+          <p:cNvSpPr/>
+          <p:nvPr/>
+        </p:nvSpPr>
+        <p:spPr>
+          <a:xfrm>
+            <a:off x="4642588" y="1690527"/>
+            <a:ext cx="5545108" cy="400110"/>
+          </a:xfrm>
+          <a:prstGeom prst="rect">
+            <a:avLst/>
+          </a:prstGeom>
+        </p:spPr>
+        <p:txBody>
+          <a:bodyPr wrap="none">
+            <a:spAutoFit/>
+          </a:bodyPr>
+          <a:lstStyle/>
+          <a:p>
+            <a:r>
+              <a:rPr lang="en-US" altLang="zh-TW" sz="2000" dirty="0">
+                <a:solidFill>
+                  <a:srgbClr val="FFEE99"/>
+                </a:solidFill>
+                <a:latin typeface="Consolas" panose="020B0609020204030204" pitchFamily="49" charset="0"/>
+              </a:rPr>
+              <a:t>/</a:t>
+            </a:r>
+            <a:r>
+              <a:rPr lang="en-US" altLang="zh-TW" sz="2000" dirty="0">
+                <a:solidFill>
+                  <a:srgbClr val="F92672"/>
+                </a:solidFill>
+                <a:latin typeface="Consolas" panose="020B0609020204030204" pitchFamily="49" charset="0"/>
+              </a:rPr>
+              <a:t>^</a:t>
+            </a:r>
+            <a:r>
+              <a:rPr lang="en-US" altLang="zh-TW" sz="2000" dirty="0">
+                <a:solidFill>
+                  <a:srgbClr val="FFEE99"/>
+                </a:solidFill>
+                <a:latin typeface="Consolas" panose="020B0609020204030204" pitchFamily="49" charset="0"/>
+              </a:rPr>
+              <a:t>(</a:t>
+            </a:r>
+            <a:r>
+              <a:rPr lang="en-US" altLang="zh-TW" sz="2000" dirty="0">
+                <a:solidFill>
+                  <a:srgbClr val="FF80F4"/>
+                </a:solidFill>
+                <a:latin typeface="Consolas" panose="020B0609020204030204" pitchFamily="49" charset="0"/>
+              </a:rPr>
+              <a:t>[0-9]</a:t>
+            </a:r>
+            <a:r>
+              <a:rPr lang="en-US" altLang="zh-TW" sz="2000" dirty="0">
+                <a:solidFill>
+                  <a:srgbClr val="F92672"/>
+                </a:solidFill>
+                <a:latin typeface="Consolas" panose="020B0609020204030204" pitchFamily="49" charset="0"/>
+              </a:rPr>
+              <a:t>{4}</a:t>
+            </a:r>
+            <a:r>
+              <a:rPr lang="en-US" altLang="zh-TW" sz="2000" dirty="0">
+                <a:solidFill>
+                  <a:srgbClr val="FFEE99"/>
+                </a:solidFill>
+                <a:latin typeface="Consolas" panose="020B0609020204030204" pitchFamily="49" charset="0"/>
+              </a:rPr>
+              <a:t>)</a:t>
+            </a:r>
+            <a:r>
+              <a:rPr lang="en-US" altLang="zh-TW" sz="2000" dirty="0">
+                <a:solidFill>
+                  <a:srgbClr val="FF80F4"/>
+                </a:solidFill>
+                <a:latin typeface="Consolas" panose="020B0609020204030204" pitchFamily="49" charset="0"/>
+              </a:rPr>
+              <a:t>\/</a:t>
+            </a:r>
+            <a:r>
+              <a:rPr lang="en-US" altLang="zh-TW" sz="2000" dirty="0">
+                <a:solidFill>
+                  <a:srgbClr val="FFEE99"/>
+                </a:solidFill>
+                <a:latin typeface="Consolas" panose="020B0609020204030204" pitchFamily="49" charset="0"/>
+              </a:rPr>
+              <a:t>(</a:t>
+            </a:r>
+            <a:r>
+              <a:rPr lang="en-US" altLang="zh-TW" sz="2000" dirty="0">
+                <a:solidFill>
+                  <a:srgbClr val="FF80F4"/>
+                </a:solidFill>
+                <a:latin typeface="Consolas" panose="020B0609020204030204" pitchFamily="49" charset="0"/>
+              </a:rPr>
+              <a:t>[0-9]</a:t>
+            </a:r>
+            <a:r>
+              <a:rPr lang="en-US" altLang="zh-TW" sz="2000" dirty="0">
+                <a:solidFill>
+                  <a:srgbClr val="F92672"/>
+                </a:solidFill>
+                <a:latin typeface="Consolas" panose="020B0609020204030204" pitchFamily="49" charset="0"/>
+              </a:rPr>
+              <a:t>{2}</a:t>
+            </a:r>
+            <a:r>
+              <a:rPr lang="en-US" altLang="zh-TW" sz="2000" dirty="0">
+                <a:solidFill>
+                  <a:srgbClr val="FFEE99"/>
+                </a:solidFill>
+                <a:latin typeface="Consolas" panose="020B0609020204030204" pitchFamily="49" charset="0"/>
+              </a:rPr>
+              <a:t>)</a:t>
+            </a:r>
+            <a:r>
+              <a:rPr lang="en-US" altLang="zh-TW" sz="2000" dirty="0">
+                <a:solidFill>
+                  <a:srgbClr val="FF80F4"/>
+                </a:solidFill>
+                <a:latin typeface="Consolas" panose="020B0609020204030204" pitchFamily="49" charset="0"/>
+              </a:rPr>
+              <a:t>\/</a:t>
+            </a:r>
+            <a:r>
+              <a:rPr lang="en-US" altLang="zh-TW" sz="2000" dirty="0">
+                <a:solidFill>
+                  <a:srgbClr val="FFEE99"/>
+                </a:solidFill>
+                <a:latin typeface="Consolas" panose="020B0609020204030204" pitchFamily="49" charset="0"/>
+              </a:rPr>
+              <a:t>(</a:t>
+            </a:r>
+            <a:r>
+              <a:rPr lang="en-US" altLang="zh-TW" sz="2000" dirty="0">
+                <a:solidFill>
+                  <a:srgbClr val="FF80F4"/>
+                </a:solidFill>
+                <a:latin typeface="Consolas" panose="020B0609020204030204" pitchFamily="49" charset="0"/>
+              </a:rPr>
+              <a:t>[0-9]</a:t>
+            </a:r>
+            <a:r>
+              <a:rPr lang="en-US" altLang="zh-TW" sz="2000" dirty="0">
+                <a:solidFill>
+                  <a:srgbClr val="F92672"/>
+                </a:solidFill>
+                <a:latin typeface="Consolas" panose="020B0609020204030204" pitchFamily="49" charset="0"/>
+              </a:rPr>
+              <a:t>{2}</a:t>
+            </a:r>
+            <a:r>
+              <a:rPr lang="en-US" altLang="zh-TW" sz="2000" dirty="0">
+                <a:solidFill>
+                  <a:srgbClr val="FFEE99"/>
+                </a:solidFill>
+                <a:latin typeface="Consolas" panose="020B0609020204030204" pitchFamily="49" charset="0"/>
+              </a:rPr>
+              <a:t>)</a:t>
+            </a:r>
+            <a:r>
+              <a:rPr lang="en-US" altLang="zh-TW" sz="2000" dirty="0">
+                <a:solidFill>
+                  <a:srgbClr val="F92672"/>
+                </a:solidFill>
+                <a:latin typeface="Consolas" panose="020B0609020204030204" pitchFamily="49" charset="0"/>
+              </a:rPr>
+              <a:t>$</a:t>
+            </a:r>
+            <a:r>
+              <a:rPr lang="en-US" altLang="zh-TW" sz="2000" dirty="0">
+                <a:solidFill>
+                  <a:srgbClr val="FFEE99"/>
+                </a:solidFill>
+                <a:latin typeface="Consolas" panose="020B0609020204030204" pitchFamily="49" charset="0"/>
+              </a:rPr>
+              <a:t>/</a:t>
+            </a:r>
+            <a:endParaRPr lang="zh-TW" altLang="en-US" sz="2000" b="0" dirty="0">
+              <a:solidFill>
+                <a:srgbClr val="F8F8F2"/>
+              </a:solidFill>
+              <a:effectLst/>
+              <a:latin typeface="Consolas" panose="020B0609020204030204" pitchFamily="49" charset="0"/>
+            </a:endParaRPr>
+          </a:p>
+        </p:txBody>
+      </p:sp>
+      <p:sp>
+        <p:nvSpPr>
+          <p:cNvPr id="4" name="矩形 3"/>
+          <p:cNvSpPr/>
+          <p:nvPr/>
+        </p:nvSpPr>
+        <p:spPr>
+          <a:xfrm>
+            <a:off x="4718551" y="1196629"/>
+            <a:ext cx="5183093" cy="307777"/>
+          </a:xfrm>
+          <a:prstGeom prst="rect">
+            <a:avLst/>
+          </a:prstGeom>
+        </p:spPr>
+        <p:txBody>
+          <a:bodyPr wrap="square">
+            <a:spAutoFit/>
+          </a:bodyPr>
+          <a:lstStyle/>
+          <a:p>
+            <a:pPr algn="ctr"/>
+            <a:r>
+              <a:rPr lang="zh-TW" altLang="en-US" sz="1400" dirty="0" smtClean="0">
+                <a:solidFill>
+                  <a:schemeClr val="bg1"/>
+                </a:solidFill>
+                <a:latin typeface="Adobe 繁黑體 Std B" panose="020B0700000000000000" pitchFamily="34" charset="-120"/>
+                <a:ea typeface="Adobe 繁黑體 Std B" panose="020B0700000000000000" pitchFamily="34" charset="-120"/>
+              </a:rPr>
+              <a:t>可以透過這個正規把所有正確的日期格式給篩選出來</a:t>
+            </a:r>
+            <a:endParaRPr lang="zh-TW" altLang="en-US" sz="1400" dirty="0">
+              <a:solidFill>
+                <a:schemeClr val="bg1"/>
+              </a:solidFill>
+              <a:latin typeface="Adobe 繁黑體 Std B" panose="020B0700000000000000" pitchFamily="34" charset="-120"/>
+              <a:ea typeface="Adobe 繁黑體 Std B" panose="020B0700000000000000" pitchFamily="34" charset="-120"/>
+            </a:endParaRPr>
+          </a:p>
+        </p:txBody>
+      </p:sp>
+      <p:sp>
+        <p:nvSpPr>
+          <p:cNvPr id="5" name="矩形 4"/>
+          <p:cNvSpPr/>
+          <p:nvPr/>
+        </p:nvSpPr>
+        <p:spPr>
+          <a:xfrm>
+            <a:off x="4478861" y="3301352"/>
+            <a:ext cx="1990334" cy="276999"/>
+          </a:xfrm>
+          <a:prstGeom prst="rect">
+            <a:avLst/>
+          </a:prstGeom>
+        </p:spPr>
+        <p:txBody>
+          <a:bodyPr wrap="square">
+            <a:spAutoFit/>
+          </a:bodyPr>
+          <a:lstStyle/>
+          <a:p>
+            <a:pPr algn="ctr"/>
+            <a:r>
+              <a:rPr lang="zh-TW" altLang="en-US" sz="1200" dirty="0" smtClean="0">
+                <a:solidFill>
+                  <a:schemeClr val="bg1"/>
+                </a:solidFill>
+                <a:latin typeface="Adobe 繁黑體 Std B" panose="020B0700000000000000" pitchFamily="34" charset="-120"/>
+                <a:ea typeface="Adobe 繁黑體 Std B" panose="020B0700000000000000" pitchFamily="34" charset="-120"/>
+              </a:rPr>
+              <a:t>要找匹配 </a:t>
+            </a:r>
+            <a:r>
+              <a:rPr lang="en-US" altLang="zh-TW" sz="1200" dirty="0" smtClean="0">
+                <a:solidFill>
+                  <a:schemeClr val="bg1"/>
+                </a:solidFill>
+                <a:latin typeface="Adobe 繁黑體 Std B" panose="020B0700000000000000" pitchFamily="34" charset="-120"/>
+                <a:ea typeface="Adobe 繁黑體 Std B" panose="020B0700000000000000" pitchFamily="34" charset="-120"/>
+              </a:rPr>
+              <a:t>4</a:t>
+            </a:r>
+            <a:r>
+              <a:rPr lang="zh-TW" altLang="en-US" sz="1200" dirty="0" smtClean="0">
+                <a:solidFill>
+                  <a:schemeClr val="bg1"/>
+                </a:solidFill>
+                <a:latin typeface="Adobe 繁黑體 Std B" panose="020B0700000000000000" pitchFamily="34" charset="-120"/>
+                <a:ea typeface="Adobe 繁黑體 Std B" panose="020B0700000000000000" pitchFamily="34" charset="-120"/>
+              </a:rPr>
+              <a:t> 個數字是 </a:t>
+            </a:r>
+            <a:r>
+              <a:rPr lang="en-US" altLang="zh-TW" sz="1200" dirty="0" smtClean="0">
+                <a:solidFill>
+                  <a:schemeClr val="bg1"/>
+                </a:solidFill>
+                <a:latin typeface="Adobe 繁黑體 Std B" panose="020B0700000000000000" pitchFamily="34" charset="-120"/>
+                <a:ea typeface="Adobe 繁黑體 Std B" panose="020B0700000000000000" pitchFamily="34" charset="-120"/>
+              </a:rPr>
+              <a:t>0-9</a:t>
+            </a:r>
+            <a:endParaRPr lang="zh-TW" altLang="en-US" sz="1200" dirty="0">
+              <a:solidFill>
+                <a:schemeClr val="bg1"/>
+              </a:solidFill>
+              <a:latin typeface="Adobe 繁黑體 Std B" panose="020B0700000000000000" pitchFamily="34" charset="-120"/>
+              <a:ea typeface="Adobe 繁黑體 Std B" panose="020B0700000000000000" pitchFamily="34" charset="-120"/>
+            </a:endParaRPr>
+          </a:p>
+        </p:txBody>
+      </p:sp>
+      <p:cxnSp>
+        <p:nvCxnSpPr>
+          <p:cNvPr id="6" name="直線單箭頭接點 5"/>
+          <p:cNvCxnSpPr/>
+          <p:nvPr/>
+        </p:nvCxnSpPr>
+        <p:spPr>
+          <a:xfrm flipV="1">
+            <a:off x="5625737" y="2090638"/>
+            <a:ext cx="436150" cy="1018322"/>
+          </a:xfrm>
+          <a:prstGeom prst="straightConnector1">
+            <a:avLst/>
+          </a:prstGeom>
+          <a:ln w="76200">
+            <a:tailEnd type="triangle"/>
+          </a:ln>
+        </p:spPr>
+        <p:style>
+          <a:lnRef idx="1">
+            <a:schemeClr val="accent1"/>
+          </a:lnRef>
+          <a:fillRef idx="0">
+            <a:schemeClr val="accent1"/>
+          </a:fillRef>
+          <a:effectRef idx="0">
+            <a:schemeClr val="accent1"/>
+          </a:effectRef>
+          <a:fontRef idx="minor">
+            <a:schemeClr val="tx1"/>
+          </a:fontRef>
+        </p:style>
+      </p:cxnSp>
+      <p:cxnSp>
+        <p:nvCxnSpPr>
+          <p:cNvPr id="7" name="直線單箭頭接點 6"/>
+          <p:cNvCxnSpPr/>
+          <p:nvPr/>
+        </p:nvCxnSpPr>
+        <p:spPr>
+          <a:xfrm flipH="1" flipV="1">
+            <a:off x="7758180" y="2031581"/>
+            <a:ext cx="23573" cy="1551771"/>
+          </a:xfrm>
+          <a:prstGeom prst="straightConnector1">
+            <a:avLst/>
+          </a:prstGeom>
+          <a:ln w="76200">
+            <a:tailEnd type="triangle"/>
+          </a:ln>
+        </p:spPr>
+        <p:style>
+          <a:lnRef idx="1">
+            <a:schemeClr val="accent1"/>
+          </a:lnRef>
+          <a:fillRef idx="0">
+            <a:schemeClr val="accent1"/>
+          </a:fillRef>
+          <a:effectRef idx="0">
+            <a:schemeClr val="accent1"/>
+          </a:effectRef>
+          <a:fontRef idx="minor">
+            <a:schemeClr val="tx1"/>
+          </a:fontRef>
+        </p:style>
+      </p:cxnSp>
+      <p:sp>
+        <p:nvSpPr>
+          <p:cNvPr id="9" name="矩形 8"/>
+          <p:cNvSpPr/>
+          <p:nvPr/>
+        </p:nvSpPr>
+        <p:spPr>
+          <a:xfrm>
+            <a:off x="6794068" y="3684924"/>
+            <a:ext cx="2136080" cy="276999"/>
+          </a:xfrm>
+          <a:prstGeom prst="rect">
+            <a:avLst/>
+          </a:prstGeom>
+        </p:spPr>
+        <p:txBody>
+          <a:bodyPr wrap="square">
+            <a:spAutoFit/>
+          </a:bodyPr>
+          <a:lstStyle/>
+          <a:p>
+            <a:pPr algn="ctr"/>
+            <a:r>
+              <a:rPr lang="zh-TW" altLang="en-US" sz="1200" dirty="0">
+                <a:solidFill>
+                  <a:schemeClr val="bg1"/>
+                </a:solidFill>
+                <a:latin typeface="Adobe 繁黑體 Std B" panose="020B0700000000000000" pitchFamily="34" charset="-120"/>
+                <a:ea typeface="Adobe 繁黑體 Std B" panose="020B0700000000000000" pitchFamily="34" charset="-120"/>
+              </a:rPr>
+              <a:t>要找</a:t>
+            </a:r>
+            <a:r>
+              <a:rPr lang="zh-TW" altLang="en-US" sz="1200" dirty="0" smtClean="0">
+                <a:solidFill>
+                  <a:schemeClr val="bg1"/>
+                </a:solidFill>
+                <a:latin typeface="Adobe 繁黑體 Std B" panose="020B0700000000000000" pitchFamily="34" charset="-120"/>
+                <a:ea typeface="Adobe 繁黑體 Std B" panose="020B0700000000000000" pitchFamily="34" charset="-120"/>
+              </a:rPr>
+              <a:t>匹配 </a:t>
+            </a:r>
+            <a:r>
+              <a:rPr lang="en-US" altLang="zh-TW" sz="1200" dirty="0" smtClean="0">
+                <a:solidFill>
+                  <a:schemeClr val="bg1"/>
+                </a:solidFill>
+                <a:latin typeface="Adobe 繁黑體 Std B" panose="020B0700000000000000" pitchFamily="34" charset="-120"/>
+                <a:ea typeface="Adobe 繁黑體 Std B" panose="020B0700000000000000" pitchFamily="34" charset="-120"/>
+              </a:rPr>
+              <a:t>2</a:t>
+            </a:r>
+            <a:r>
+              <a:rPr lang="zh-TW" altLang="en-US" sz="1200" dirty="0" smtClean="0">
+                <a:solidFill>
+                  <a:schemeClr val="bg1"/>
+                </a:solidFill>
+                <a:latin typeface="Adobe 繁黑體 Std B" panose="020B0700000000000000" pitchFamily="34" charset="-120"/>
+                <a:ea typeface="Adobe 繁黑體 Std B" panose="020B0700000000000000" pitchFamily="34" charset="-120"/>
+              </a:rPr>
+              <a:t> 個數字是 </a:t>
+            </a:r>
+            <a:r>
+              <a:rPr lang="en-US" altLang="zh-TW" sz="1200" dirty="0" smtClean="0">
+                <a:solidFill>
+                  <a:schemeClr val="bg1"/>
+                </a:solidFill>
+                <a:latin typeface="Adobe 繁黑體 Std B" panose="020B0700000000000000" pitchFamily="34" charset="-120"/>
+                <a:ea typeface="Adobe 繁黑體 Std B" panose="020B0700000000000000" pitchFamily="34" charset="-120"/>
+              </a:rPr>
+              <a:t>0-9</a:t>
+            </a:r>
+            <a:endParaRPr lang="zh-TW" altLang="en-US" sz="1200" dirty="0">
+              <a:solidFill>
+                <a:schemeClr val="bg1"/>
+              </a:solidFill>
+              <a:latin typeface="Adobe 繁黑體 Std B" panose="020B0700000000000000" pitchFamily="34" charset="-120"/>
+              <a:ea typeface="Adobe 繁黑體 Std B" panose="020B0700000000000000" pitchFamily="34" charset="-120"/>
+            </a:endParaRPr>
+          </a:p>
+        </p:txBody>
+      </p:sp>
+      <p:sp>
+        <p:nvSpPr>
+          <p:cNvPr id="10" name="矩形 9"/>
+          <p:cNvSpPr/>
+          <p:nvPr/>
+        </p:nvSpPr>
+        <p:spPr>
+          <a:xfrm>
+            <a:off x="9315200" y="3301353"/>
+            <a:ext cx="2136080" cy="276999"/>
+          </a:xfrm>
+          <a:prstGeom prst="rect">
+            <a:avLst/>
+          </a:prstGeom>
+        </p:spPr>
+        <p:txBody>
+          <a:bodyPr wrap="square">
+            <a:spAutoFit/>
+          </a:bodyPr>
+          <a:lstStyle/>
+          <a:p>
+            <a:pPr algn="ctr"/>
+            <a:r>
+              <a:rPr lang="zh-TW" altLang="en-US" sz="1200" dirty="0">
+                <a:solidFill>
+                  <a:schemeClr val="bg1"/>
+                </a:solidFill>
+                <a:latin typeface="Adobe 繁黑體 Std B" panose="020B0700000000000000" pitchFamily="34" charset="-120"/>
+                <a:ea typeface="Adobe 繁黑體 Std B" panose="020B0700000000000000" pitchFamily="34" charset="-120"/>
+              </a:rPr>
+              <a:t>要找匹配</a:t>
+            </a:r>
+            <a:r>
+              <a:rPr lang="en-US" altLang="zh-TW" sz="1200" dirty="0" smtClean="0">
+                <a:solidFill>
+                  <a:schemeClr val="bg1"/>
+                </a:solidFill>
+                <a:latin typeface="Adobe 繁黑體 Std B" panose="020B0700000000000000" pitchFamily="34" charset="-120"/>
+                <a:ea typeface="Adobe 繁黑體 Std B" panose="020B0700000000000000" pitchFamily="34" charset="-120"/>
+              </a:rPr>
+              <a:t>2</a:t>
+            </a:r>
+            <a:r>
+              <a:rPr lang="zh-TW" altLang="en-US" sz="1200" dirty="0" smtClean="0">
+                <a:solidFill>
+                  <a:schemeClr val="bg1"/>
+                </a:solidFill>
+                <a:latin typeface="Adobe 繁黑體 Std B" panose="020B0700000000000000" pitchFamily="34" charset="-120"/>
+                <a:ea typeface="Adobe 繁黑體 Std B" panose="020B0700000000000000" pitchFamily="34" charset="-120"/>
+              </a:rPr>
+              <a:t> 個數字是 </a:t>
+            </a:r>
+            <a:r>
+              <a:rPr lang="en-US" altLang="zh-TW" sz="1200" dirty="0" smtClean="0">
+                <a:solidFill>
+                  <a:schemeClr val="bg1"/>
+                </a:solidFill>
+                <a:latin typeface="Adobe 繁黑體 Std B" panose="020B0700000000000000" pitchFamily="34" charset="-120"/>
+                <a:ea typeface="Adobe 繁黑體 Std B" panose="020B0700000000000000" pitchFamily="34" charset="-120"/>
+              </a:rPr>
+              <a:t>0-9</a:t>
+            </a:r>
+            <a:endParaRPr lang="zh-TW" altLang="en-US" sz="1200" dirty="0">
+              <a:solidFill>
+                <a:schemeClr val="bg1"/>
+              </a:solidFill>
+              <a:latin typeface="Adobe 繁黑體 Std B" panose="020B0700000000000000" pitchFamily="34" charset="-120"/>
+              <a:ea typeface="Adobe 繁黑體 Std B" panose="020B0700000000000000" pitchFamily="34" charset="-120"/>
+            </a:endParaRPr>
+          </a:p>
+        </p:txBody>
+      </p:sp>
+      <p:cxnSp>
+        <p:nvCxnSpPr>
+          <p:cNvPr id="11" name="直線單箭頭接點 10"/>
+          <p:cNvCxnSpPr/>
+          <p:nvPr/>
+        </p:nvCxnSpPr>
+        <p:spPr>
+          <a:xfrm flipH="1" flipV="1">
+            <a:off x="9454474" y="2054245"/>
+            <a:ext cx="733222" cy="1150509"/>
+          </a:xfrm>
+          <a:prstGeom prst="straightConnector1">
+            <a:avLst/>
+          </a:prstGeom>
+          <a:ln w="76200">
+            <a:tailEnd type="triangle"/>
+          </a:ln>
+        </p:spPr>
+        <p:style>
+          <a:lnRef idx="1">
+            <a:schemeClr val="accent1"/>
+          </a:lnRef>
+          <a:fillRef idx="0">
+            <a:schemeClr val="accent1"/>
+          </a:fillRef>
+          <a:effectRef idx="0">
+            <a:schemeClr val="accent1"/>
+          </a:effectRef>
+          <a:fontRef idx="minor">
+            <a:schemeClr val="tx1"/>
+          </a:fontRef>
+        </p:style>
+      </p:cxnSp>
+    </p:spTree>
+    <p:extLst>
+      <p:ext uri="{BB962C8B-B14F-4D97-AF65-F5344CB8AC3E}">
+        <p14:creationId xmlns:p14="http://schemas.microsoft.com/office/powerpoint/2010/main" val="239430563"/>
+      </p:ext>
+    </p:extLst>
+  </p:cSld>
+  <p:clrMapOvr>
+    <a:masterClrMapping/>
+  </p:clrMapOvr>
+</p:sld>
+</file>
+
+<file path=ppt/slides/slide41.xml><?xml version="1.0" encoding="utf-8"?>
+<p:sld xmlns:a="http://schemas.openxmlformats.org/drawingml/2006/main" xmlns:r="http://schemas.openxmlformats.org/officeDocument/2006/relationships" xmlns:p="http://schemas.openxmlformats.org/presentationml/2006/main">
+  <p:cSld>
+    <p:bg>
+      <p:bgPr>
+        <a:solidFill>
+          <a:srgbClr val="323230"/>
+        </a:solidFill>
+        <a:effectLst/>
+      </p:bgPr>
+    </p:bg>
+    <p:spTree>
+      <p:nvGrpSpPr>
+        <p:cNvPr id="1" name=""/>
+        <p:cNvGrpSpPr/>
+        <p:nvPr/>
+      </p:nvGrpSpPr>
+      <p:grpSpPr>
+        <a:xfrm>
+          <a:off x="0" y="0"/>
+          <a:ext cx="0" cy="0"/>
+          <a:chOff x="0" y="0"/>
+          <a:chExt cx="0" cy="0"/>
+        </a:xfrm>
+      </p:grpSpPr>
+      <p:sp>
+        <p:nvSpPr>
+          <p:cNvPr id="4" name="標題 1"/>
+          <p:cNvSpPr txBox="1">
+            <a:spLocks/>
+          </p:cNvSpPr>
+          <p:nvPr/>
+        </p:nvSpPr>
+        <p:spPr>
+          <a:xfrm>
+            <a:off x="2481238" y="2160527"/>
+            <a:ext cx="6800682" cy="1375645"/>
+          </a:xfrm>
+          <a:prstGeom prst="rect">
+            <a:avLst/>
+          </a:prstGeom>
+        </p:spPr>
+        <p:txBody>
+          <a:bodyPr vert="horz" lIns="91440" tIns="45720" rIns="91440" bIns="45720" rtlCol="0" anchor="ctr">
+            <a:normAutofit/>
+          </a:bodyPr>
+          <a:lstStyle>
+            <a:lvl1pPr algn="l" defTabSz="914400" rtl="0" eaLnBrk="1" latinLnBrk="0" hangingPunct="1">
+              <a:lnSpc>
+                <a:spcPct val="90000"/>
+              </a:lnSpc>
+              <a:spcBef>
+                <a:spcPct val="0"/>
+              </a:spcBef>
+              <a:buNone/>
+              <a:defRPr sz="4400" kern="1200">
+                <a:solidFill>
+                  <a:schemeClr val="tx1"/>
+                </a:solidFill>
+                <a:latin typeface="+mj-lt"/>
+                <a:ea typeface="+mj-ea"/>
+                <a:cs typeface="+mj-cs"/>
+              </a:defRPr>
+            </a:lvl1pPr>
+          </a:lstStyle>
+          <a:p>
+            <a:pPr algn="ctr">
+              <a:lnSpc>
+                <a:spcPct val="150000"/>
+              </a:lnSpc>
+            </a:pPr>
+            <a:r>
+              <a:rPr lang="en-US" altLang="zh-TW" sz="1800" dirty="0" err="1" smtClean="0">
+                <a:solidFill>
+                  <a:schemeClr val="bg1"/>
+                </a:solidFill>
+                <a:latin typeface="Adobe 繁黑體 Std B" panose="020B0700000000000000" pitchFamily="34" charset="-120"/>
+                <a:ea typeface="Adobe 繁黑體 Std B" panose="020B0700000000000000" pitchFamily="34" charset="-120"/>
+              </a:rPr>
+              <a:t>RegExp.test</a:t>
+            </a:r>
+            <a:r>
+              <a:rPr lang="en-US" altLang="zh-TW" sz="1800" dirty="0" smtClean="0">
+                <a:solidFill>
+                  <a:schemeClr val="bg1"/>
+                </a:solidFill>
+                <a:latin typeface="Adobe 繁黑體 Std B" panose="020B0700000000000000" pitchFamily="34" charset="-120"/>
+                <a:ea typeface="Adobe 繁黑體 Std B" panose="020B0700000000000000" pitchFamily="34" charset="-120"/>
+              </a:rPr>
+              <a:t>(</a:t>
+            </a:r>
+            <a:r>
+              <a:rPr lang="en-US" altLang="zh-TW" sz="1800" dirty="0" err="1" smtClean="0">
+                <a:solidFill>
+                  <a:schemeClr val="bg1"/>
+                </a:solidFill>
+                <a:latin typeface="Adobe 繁黑體 Std B" panose="020B0700000000000000" pitchFamily="34" charset="-120"/>
+                <a:ea typeface="Adobe 繁黑體 Std B" panose="020B0700000000000000" pitchFamily="34" charset="-120"/>
+              </a:rPr>
+              <a:t>str</a:t>
+            </a:r>
+            <a:r>
+              <a:rPr lang="en-US" altLang="zh-TW" sz="1800" dirty="0" smtClean="0">
+                <a:solidFill>
+                  <a:schemeClr val="bg1"/>
+                </a:solidFill>
+                <a:latin typeface="Adobe 繁黑體 Std B" panose="020B0700000000000000" pitchFamily="34" charset="-120"/>
+                <a:ea typeface="Adobe 繁黑體 Std B" panose="020B0700000000000000" pitchFamily="34" charset="-120"/>
+              </a:rPr>
+              <a:t>);</a:t>
+            </a:r>
+            <a:br>
+              <a:rPr lang="en-US" altLang="zh-TW" sz="1800" dirty="0" smtClean="0">
+                <a:solidFill>
+                  <a:schemeClr val="bg1"/>
+                </a:solidFill>
+                <a:latin typeface="Adobe 繁黑體 Std B" panose="020B0700000000000000" pitchFamily="34" charset="-120"/>
+                <a:ea typeface="Adobe 繁黑體 Std B" panose="020B0700000000000000" pitchFamily="34" charset="-120"/>
+              </a:rPr>
+            </a:br>
+            <a:r>
+              <a:rPr lang="zh-TW" altLang="en-US" sz="1600" dirty="0" smtClean="0">
+                <a:solidFill>
+                  <a:schemeClr val="bg1">
+                    <a:lumMod val="50000"/>
+                  </a:schemeClr>
+                </a:solidFill>
+                <a:latin typeface="Adobe 繁黑體 Std B" panose="020B0700000000000000" pitchFamily="34" charset="-120"/>
+                <a:ea typeface="Adobe 繁黑體 Std B" panose="020B0700000000000000" pitchFamily="34" charset="-120"/>
+              </a:rPr>
+              <a:t>字串是否符合正則表達式規則，如果符合回傳</a:t>
+            </a:r>
+            <a:r>
+              <a:rPr lang="en-US" altLang="zh-TW" sz="1600" dirty="0" smtClean="0">
+                <a:solidFill>
+                  <a:schemeClr val="bg1">
+                    <a:lumMod val="50000"/>
+                  </a:schemeClr>
+                </a:solidFill>
+                <a:latin typeface="Adobe 繁黑體 Std B" panose="020B0700000000000000" pitchFamily="34" charset="-120"/>
+                <a:ea typeface="Adobe 繁黑體 Std B" panose="020B0700000000000000" pitchFamily="34" charset="-120"/>
+              </a:rPr>
+              <a:t>true </a:t>
+            </a:r>
+            <a:r>
+              <a:rPr lang="zh-TW" altLang="en-US" sz="1600" dirty="0" smtClean="0">
+                <a:solidFill>
+                  <a:schemeClr val="bg1">
+                    <a:lumMod val="50000"/>
+                  </a:schemeClr>
+                </a:solidFill>
+                <a:latin typeface="Adobe 繁黑體 Std B" panose="020B0700000000000000" pitchFamily="34" charset="-120"/>
+                <a:ea typeface="Adobe 繁黑體 Std B" panose="020B0700000000000000" pitchFamily="34" charset="-120"/>
+              </a:rPr>
+              <a:t>沒符合</a:t>
+            </a:r>
+            <a:r>
+              <a:rPr lang="en-US" altLang="zh-TW" sz="1600" dirty="0" smtClean="0">
+                <a:solidFill>
+                  <a:schemeClr val="bg1">
+                    <a:lumMod val="50000"/>
+                  </a:schemeClr>
+                </a:solidFill>
+                <a:latin typeface="Adobe 繁黑體 Std B" panose="020B0700000000000000" pitchFamily="34" charset="-120"/>
+                <a:ea typeface="Adobe 繁黑體 Std B" panose="020B0700000000000000" pitchFamily="34" charset="-120"/>
+              </a:rPr>
+              <a:t>false</a:t>
+            </a:r>
+            <a:endParaRPr lang="zh-TW" altLang="en-US" sz="1600" dirty="0">
+              <a:solidFill>
+                <a:schemeClr val="bg1">
+                  <a:lumMod val="50000"/>
+                </a:schemeClr>
+              </a:solidFill>
+              <a:latin typeface="Adobe 繁黑體 Std B" panose="020B0700000000000000" pitchFamily="34" charset="-120"/>
+              <a:ea typeface="Adobe 繁黑體 Std B" panose="020B0700000000000000" pitchFamily="34" charset="-120"/>
+            </a:endParaRPr>
+          </a:p>
+        </p:txBody>
+      </p:sp>
+      <p:sp>
+        <p:nvSpPr>
+          <p:cNvPr id="5" name="標題 1"/>
+          <p:cNvSpPr txBox="1">
+            <a:spLocks/>
+          </p:cNvSpPr>
+          <p:nvPr/>
+        </p:nvSpPr>
+        <p:spPr>
+          <a:xfrm>
+            <a:off x="1857476" y="3375708"/>
+            <a:ext cx="8048206" cy="1375645"/>
+          </a:xfrm>
+          <a:prstGeom prst="rect">
+            <a:avLst/>
+          </a:prstGeom>
+        </p:spPr>
+        <p:txBody>
+          <a:bodyPr vert="horz" lIns="91440" tIns="45720" rIns="91440" bIns="45720" rtlCol="0" anchor="ctr">
+            <a:normAutofit/>
+          </a:bodyPr>
+          <a:lstStyle>
+            <a:lvl1pPr algn="l" defTabSz="914400" rtl="0" eaLnBrk="1" latinLnBrk="0" hangingPunct="1">
+              <a:lnSpc>
+                <a:spcPct val="90000"/>
+              </a:lnSpc>
+              <a:spcBef>
+                <a:spcPct val="0"/>
+              </a:spcBef>
+              <a:buNone/>
+              <a:defRPr sz="4400" kern="1200">
+                <a:solidFill>
+                  <a:schemeClr val="tx1"/>
+                </a:solidFill>
+                <a:latin typeface="+mj-lt"/>
+                <a:ea typeface="+mj-ea"/>
+                <a:cs typeface="+mj-cs"/>
+              </a:defRPr>
+            </a:lvl1pPr>
+          </a:lstStyle>
+          <a:p>
+            <a:pPr algn="ctr">
+              <a:lnSpc>
+                <a:spcPct val="150000"/>
+              </a:lnSpc>
+            </a:pPr>
+            <a:r>
+              <a:rPr lang="en-US" altLang="zh-TW" sz="1800" dirty="0" err="1" smtClean="0">
+                <a:solidFill>
+                  <a:schemeClr val="bg1"/>
+                </a:solidFill>
+                <a:latin typeface="Adobe 繁黑體 Std B" panose="020B0700000000000000" pitchFamily="34" charset="-120"/>
+                <a:ea typeface="Adobe 繁黑體 Std B" panose="020B0700000000000000" pitchFamily="34" charset="-120"/>
+              </a:rPr>
+              <a:t>RegExp.exec</a:t>
+            </a:r>
+            <a:r>
+              <a:rPr lang="en-US" altLang="zh-TW" sz="1800" dirty="0" smtClean="0">
+                <a:solidFill>
+                  <a:schemeClr val="bg1"/>
+                </a:solidFill>
+                <a:latin typeface="Adobe 繁黑體 Std B" panose="020B0700000000000000" pitchFamily="34" charset="-120"/>
+                <a:ea typeface="Adobe 繁黑體 Std B" panose="020B0700000000000000" pitchFamily="34" charset="-120"/>
+              </a:rPr>
+              <a:t>(</a:t>
+            </a:r>
+            <a:r>
+              <a:rPr lang="en-US" altLang="zh-TW" sz="1800" dirty="0" err="1" smtClean="0">
+                <a:solidFill>
+                  <a:schemeClr val="bg1"/>
+                </a:solidFill>
+                <a:latin typeface="Adobe 繁黑體 Std B" panose="020B0700000000000000" pitchFamily="34" charset="-120"/>
+                <a:ea typeface="Adobe 繁黑體 Std B" panose="020B0700000000000000" pitchFamily="34" charset="-120"/>
+              </a:rPr>
+              <a:t>str</a:t>
+            </a:r>
+            <a:r>
+              <a:rPr lang="en-US" altLang="zh-TW" sz="1800" dirty="0">
+                <a:solidFill>
+                  <a:schemeClr val="bg1"/>
+                </a:solidFill>
+                <a:latin typeface="Adobe 繁黑體 Std B" panose="020B0700000000000000" pitchFamily="34" charset="-120"/>
+                <a:ea typeface="Adobe 繁黑體 Std B" panose="020B0700000000000000" pitchFamily="34" charset="-120"/>
+              </a:rPr>
+              <a:t>);</a:t>
+            </a:r>
+            <a:endParaRPr lang="zh-TW" altLang="en-US" sz="1800" dirty="0">
+              <a:solidFill>
+                <a:schemeClr val="bg1"/>
+              </a:solidFill>
+              <a:latin typeface="Adobe 繁黑體 Std B" panose="020B0700000000000000" pitchFamily="34" charset="-120"/>
+              <a:ea typeface="Adobe 繁黑體 Std B" panose="020B0700000000000000" pitchFamily="34" charset="-120"/>
+            </a:endParaRPr>
+          </a:p>
+          <a:p>
+            <a:pPr algn="ctr">
+              <a:lnSpc>
+                <a:spcPct val="150000"/>
+              </a:lnSpc>
+            </a:pPr>
+            <a:r>
+              <a:rPr lang="zh-TW" altLang="en-US" sz="1600" dirty="0">
+                <a:solidFill>
+                  <a:schemeClr val="bg1">
+                    <a:lumMod val="50000"/>
+                  </a:schemeClr>
+                </a:solidFill>
+                <a:latin typeface="Adobe 繁黑體 Std B" panose="020B0700000000000000" pitchFamily="34" charset="-120"/>
+                <a:ea typeface="Adobe 繁黑體 Std B" panose="020B0700000000000000" pitchFamily="34" charset="-120"/>
+              </a:rPr>
+              <a:t>字串是否符合正則表達式規則，如果符合回傳匹配結果，沒符合回傳</a:t>
+            </a:r>
+            <a:r>
+              <a:rPr lang="en-US" altLang="zh-TW" sz="1600" dirty="0">
+                <a:solidFill>
+                  <a:schemeClr val="bg1">
+                    <a:lumMod val="50000"/>
+                  </a:schemeClr>
+                </a:solidFill>
+                <a:latin typeface="Adobe 繁黑體 Std B" panose="020B0700000000000000" pitchFamily="34" charset="-120"/>
+                <a:ea typeface="Adobe 繁黑體 Std B" panose="020B0700000000000000" pitchFamily="34" charset="-120"/>
+              </a:rPr>
+              <a:t>null</a:t>
+            </a:r>
+            <a:endParaRPr lang="zh-TW" altLang="en-US" sz="1600" dirty="0">
+              <a:solidFill>
+                <a:schemeClr val="bg1">
+                  <a:lumMod val="50000"/>
+                </a:schemeClr>
+              </a:solidFill>
+              <a:latin typeface="Adobe 繁黑體 Std B" panose="020B0700000000000000" pitchFamily="34" charset="-120"/>
+              <a:ea typeface="Adobe 繁黑體 Std B" panose="020B0700000000000000" pitchFamily="34" charset="-120"/>
+            </a:endParaRPr>
+          </a:p>
+        </p:txBody>
+      </p:sp>
+    </p:spTree>
+    <p:extLst>
+      <p:ext uri="{BB962C8B-B14F-4D97-AF65-F5344CB8AC3E}">
+        <p14:creationId xmlns:p14="http://schemas.microsoft.com/office/powerpoint/2010/main" val="858406320"/>
+      </p:ext>
+    </p:extLst>
+  </p:cSld>
+  <p:clrMapOvr>
+    <a:masterClrMapping/>
+  </p:clrMapOvr>
+</p:sld>
+</file>
+
+<file path=ppt/slides/slide42.xml><?xml version="1.0" encoding="utf-8"?>
+<p:sld xmlns:a="http://schemas.openxmlformats.org/drawingml/2006/main" xmlns:r="http://schemas.openxmlformats.org/officeDocument/2006/relationships" xmlns:p="http://schemas.openxmlformats.org/presentationml/2006/main">
+  <p:cSld>
+    <p:bg>
+      <p:bgPr>
+        <a:solidFill>
+          <a:srgbClr val="323230"/>
+        </a:solidFill>
+        <a:effectLst/>
+      </p:bgPr>
+    </p:bg>
+    <p:spTree>
+      <p:nvGrpSpPr>
+        <p:cNvPr id="1" name=""/>
+        <p:cNvGrpSpPr/>
+        <p:nvPr/>
+      </p:nvGrpSpPr>
+      <p:grpSpPr>
+        <a:xfrm>
+          <a:off x="0" y="0"/>
+          <a:ext cx="0" cy="0"/>
+          <a:chOff x="0" y="0"/>
+          <a:chExt cx="0" cy="0"/>
+        </a:xfrm>
+      </p:grpSpPr>
+      <p:sp>
+        <p:nvSpPr>
+          <p:cNvPr id="2" name="標題 1"/>
+          <p:cNvSpPr>
+            <a:spLocks noGrp="1"/>
+          </p:cNvSpPr>
+          <p:nvPr>
+            <p:ph type="title"/>
+          </p:nvPr>
+        </p:nvSpPr>
+        <p:spPr>
+          <a:xfrm>
+            <a:off x="1082953" y="1098974"/>
+            <a:ext cx="4335035" cy="1207101"/>
+          </a:xfrm>
+        </p:spPr>
+        <p:txBody>
+          <a:bodyPr>
+            <a:normAutofit/>
+          </a:bodyPr>
+          <a:lstStyle/>
+          <a:p>
+            <a:pPr algn="ctr">
+              <a:lnSpc>
+                <a:spcPct val="150000"/>
+              </a:lnSpc>
+            </a:pPr>
+            <a:r>
+              <a:rPr lang="en-US" altLang="zh-TW" sz="1800" dirty="0" smtClean="0">
+                <a:solidFill>
+                  <a:schemeClr val="bg1"/>
+                </a:solidFill>
+                <a:latin typeface="Adobe 繁黑體 Std B" panose="020B0700000000000000" pitchFamily="34" charset="-120"/>
+                <a:ea typeface="Adobe 繁黑體 Std B" panose="020B0700000000000000" pitchFamily="34" charset="-120"/>
+              </a:rPr>
+              <a:t>String. replace(</a:t>
+            </a:r>
+            <a:r>
+              <a:rPr lang="en-US" altLang="zh-TW" sz="1800" dirty="0" err="1" smtClean="0">
+                <a:solidFill>
+                  <a:schemeClr val="bg1"/>
+                </a:solidFill>
+                <a:latin typeface="Adobe 繁黑體 Std B" panose="020B0700000000000000" pitchFamily="34" charset="-120"/>
+                <a:ea typeface="Adobe 繁黑體 Std B" panose="020B0700000000000000" pitchFamily="34" charset="-120"/>
+              </a:rPr>
+              <a:t>reg</a:t>
+            </a:r>
+            <a:r>
+              <a:rPr lang="en-US" altLang="zh-TW" sz="1800" dirty="0" smtClean="0">
+                <a:solidFill>
+                  <a:schemeClr val="bg1"/>
+                </a:solidFill>
+                <a:latin typeface="Adobe 繁黑體 Std B" panose="020B0700000000000000" pitchFamily="34" charset="-120"/>
+                <a:ea typeface="Adobe 繁黑體 Std B" panose="020B0700000000000000" pitchFamily="34" charset="-120"/>
+              </a:rPr>
+              <a:t>, </a:t>
+            </a:r>
+            <a:r>
+              <a:rPr lang="en-US" altLang="zh-TW" sz="1800" dirty="0" err="1">
+                <a:solidFill>
+                  <a:schemeClr val="bg1"/>
+                </a:solidFill>
+                <a:latin typeface="Adobe 繁黑體 Std B" panose="020B0700000000000000" pitchFamily="34" charset="-120"/>
+                <a:ea typeface="Adobe 繁黑體 Std B" panose="020B0700000000000000" pitchFamily="34" charset="-120"/>
+              </a:rPr>
+              <a:t>s</a:t>
+            </a:r>
+            <a:r>
+              <a:rPr lang="en-US" altLang="zh-TW" sz="1800" dirty="0" err="1" smtClean="0">
+                <a:solidFill>
+                  <a:schemeClr val="bg1"/>
+                </a:solidFill>
+                <a:latin typeface="Adobe 繁黑體 Std B" panose="020B0700000000000000" pitchFamily="34" charset="-120"/>
+                <a:ea typeface="Adobe 繁黑體 Std B" panose="020B0700000000000000" pitchFamily="34" charset="-120"/>
+              </a:rPr>
+              <a:t>tr</a:t>
+            </a:r>
+            <a:r>
+              <a:rPr lang="en-US" altLang="zh-TW" sz="1800" dirty="0" smtClean="0">
+                <a:solidFill>
+                  <a:schemeClr val="bg1"/>
+                </a:solidFill>
+                <a:latin typeface="Adobe 繁黑體 Std B" panose="020B0700000000000000" pitchFamily="34" charset="-120"/>
+                <a:ea typeface="Adobe 繁黑體 Std B" panose="020B0700000000000000" pitchFamily="34" charset="-120"/>
+              </a:rPr>
+              <a:t>);</a:t>
+            </a:r>
+            <a:r>
+              <a:rPr lang="en-US" altLang="zh-TW" sz="1800" dirty="0">
+                <a:solidFill>
+                  <a:schemeClr val="bg1"/>
+                </a:solidFill>
+                <a:latin typeface="Adobe 繁黑體 Std B" panose="020B0700000000000000" pitchFamily="34" charset="-120"/>
+                <a:ea typeface="Adobe 繁黑體 Std B" panose="020B0700000000000000" pitchFamily="34" charset="-120"/>
+              </a:rPr>
+              <a:t/>
+            </a:r>
+            <a:br>
+              <a:rPr lang="en-US" altLang="zh-TW" sz="1800" dirty="0">
+                <a:solidFill>
+                  <a:schemeClr val="bg1"/>
+                </a:solidFill>
+                <a:latin typeface="Adobe 繁黑體 Std B" panose="020B0700000000000000" pitchFamily="34" charset="-120"/>
+                <a:ea typeface="Adobe 繁黑體 Std B" panose="020B0700000000000000" pitchFamily="34" charset="-120"/>
+              </a:rPr>
+            </a:br>
+            <a:r>
+              <a:rPr lang="zh-TW" altLang="en-US" sz="1600" dirty="0">
+                <a:solidFill>
+                  <a:schemeClr val="bg1">
+                    <a:lumMod val="50000"/>
+                  </a:schemeClr>
+                </a:solidFill>
+                <a:latin typeface="Adobe 繁黑體 Std B" panose="020B0700000000000000" pitchFamily="34" charset="-120"/>
+                <a:ea typeface="Adobe 繁黑體 Std B" panose="020B0700000000000000" pitchFamily="34" charset="-120"/>
+              </a:rPr>
+              <a:t>替換與正則表達式匹配的子串</a:t>
+            </a:r>
+          </a:p>
+        </p:txBody>
+      </p:sp>
+      <p:sp>
+        <p:nvSpPr>
+          <p:cNvPr id="3" name="標題 1"/>
+          <p:cNvSpPr txBox="1">
+            <a:spLocks/>
+          </p:cNvSpPr>
+          <p:nvPr/>
+        </p:nvSpPr>
+        <p:spPr>
+          <a:xfrm>
+            <a:off x="343986" y="2889248"/>
+            <a:ext cx="5812971" cy="800142"/>
+          </a:xfrm>
+          <a:prstGeom prst="rect">
+            <a:avLst/>
+          </a:prstGeom>
+        </p:spPr>
+        <p:txBody>
+          <a:bodyPr vert="horz" lIns="91440" tIns="45720" rIns="91440" bIns="45720" rtlCol="0" anchor="ctr">
+            <a:normAutofit fontScale="92500" lnSpcReduction="10000"/>
+          </a:bodyPr>
+          <a:lstStyle>
+            <a:lvl1pPr algn="l" defTabSz="914400" rtl="0" eaLnBrk="1" latinLnBrk="0" hangingPunct="1">
+              <a:lnSpc>
+                <a:spcPct val="90000"/>
+              </a:lnSpc>
+              <a:spcBef>
+                <a:spcPct val="0"/>
+              </a:spcBef>
+              <a:buNone/>
+              <a:defRPr sz="4400" kern="1200">
+                <a:solidFill>
+                  <a:schemeClr val="tx1"/>
+                </a:solidFill>
+                <a:latin typeface="+mj-lt"/>
+                <a:ea typeface="+mj-ea"/>
+                <a:cs typeface="+mj-cs"/>
+              </a:defRPr>
+            </a:lvl1pPr>
+          </a:lstStyle>
+          <a:p>
+            <a:pPr algn="ctr">
+              <a:lnSpc>
+                <a:spcPct val="150000"/>
+              </a:lnSpc>
+            </a:pPr>
+            <a:r>
+              <a:rPr lang="en-US" altLang="zh-TW" sz="1800" dirty="0" err="1" smtClean="0">
+                <a:solidFill>
+                  <a:schemeClr val="bg1"/>
+                </a:solidFill>
+                <a:latin typeface="Adobe 繁黑體 Std B" panose="020B0700000000000000" pitchFamily="34" charset="-120"/>
+                <a:ea typeface="Adobe 繁黑體 Std B" panose="020B0700000000000000" pitchFamily="34" charset="-120"/>
+              </a:rPr>
+              <a:t>String.match</a:t>
+            </a:r>
+            <a:r>
+              <a:rPr lang="en-US" altLang="zh-TW" sz="1800" dirty="0" smtClean="0">
+                <a:solidFill>
+                  <a:schemeClr val="bg1"/>
+                </a:solidFill>
+                <a:latin typeface="Adobe 繁黑體 Std B" panose="020B0700000000000000" pitchFamily="34" charset="-120"/>
+                <a:ea typeface="Adobe 繁黑體 Std B" panose="020B0700000000000000" pitchFamily="34" charset="-120"/>
+              </a:rPr>
+              <a:t>(</a:t>
+            </a:r>
+            <a:r>
+              <a:rPr lang="en-US" altLang="zh-TW" sz="1800" dirty="0" err="1" smtClean="0">
+                <a:solidFill>
+                  <a:schemeClr val="bg1"/>
+                </a:solidFill>
+                <a:latin typeface="Adobe 繁黑體 Std B" panose="020B0700000000000000" pitchFamily="34" charset="-120"/>
+                <a:ea typeface="Adobe 繁黑體 Std B" panose="020B0700000000000000" pitchFamily="34" charset="-120"/>
+              </a:rPr>
+              <a:t>reg</a:t>
+            </a:r>
+            <a:r>
+              <a:rPr lang="en-US" altLang="zh-TW" sz="1800" dirty="0">
+                <a:solidFill>
+                  <a:schemeClr val="bg1"/>
+                </a:solidFill>
+                <a:latin typeface="Adobe 繁黑體 Std B" panose="020B0700000000000000" pitchFamily="34" charset="-120"/>
+                <a:ea typeface="Adobe 繁黑體 Std B" panose="020B0700000000000000" pitchFamily="34" charset="-120"/>
+              </a:rPr>
+              <a:t>);</a:t>
+            </a:r>
+          </a:p>
+          <a:p>
+            <a:pPr algn="ctr">
+              <a:lnSpc>
+                <a:spcPct val="150000"/>
+              </a:lnSpc>
+            </a:pPr>
+            <a:r>
+              <a:rPr lang="zh-TW" altLang="en-US" sz="1600" dirty="0">
+                <a:solidFill>
+                  <a:schemeClr val="bg1">
+                    <a:lumMod val="50000"/>
+                  </a:schemeClr>
+                </a:solidFill>
+                <a:latin typeface="Adobe 繁黑體 Std B" panose="020B0700000000000000" pitchFamily="34" charset="-120"/>
+                <a:ea typeface="Adobe 繁黑體 Std B" panose="020B0700000000000000" pitchFamily="34" charset="-120"/>
+              </a:rPr>
+              <a:t>在字串方法內使用正則表達式來找到一個或是多個匹配的</a:t>
+            </a:r>
+            <a:r>
+              <a:rPr lang="zh-TW" altLang="en-US" sz="1600" dirty="0" smtClean="0">
+                <a:solidFill>
+                  <a:schemeClr val="bg1">
+                    <a:lumMod val="50000"/>
+                  </a:schemeClr>
+                </a:solidFill>
+                <a:latin typeface="Adobe 繁黑體 Std B" panose="020B0700000000000000" pitchFamily="34" charset="-120"/>
+                <a:ea typeface="Adobe 繁黑體 Std B" panose="020B0700000000000000" pitchFamily="34" charset="-120"/>
+              </a:rPr>
+              <a:t>結果</a:t>
+            </a:r>
+            <a:endParaRPr lang="zh-TW" altLang="en-US" sz="1600" dirty="0">
+              <a:solidFill>
+                <a:schemeClr val="bg1">
+                  <a:lumMod val="50000"/>
+                </a:schemeClr>
+              </a:solidFill>
+              <a:latin typeface="Adobe 繁黑體 Std B" panose="020B0700000000000000" pitchFamily="34" charset="-120"/>
+              <a:ea typeface="Adobe 繁黑體 Std B" panose="020B0700000000000000" pitchFamily="34" charset="-120"/>
+            </a:endParaRPr>
+          </a:p>
+        </p:txBody>
+      </p:sp>
+      <p:sp>
+        <p:nvSpPr>
+          <p:cNvPr id="7" name="標題 1"/>
+          <p:cNvSpPr txBox="1">
+            <a:spLocks/>
+          </p:cNvSpPr>
+          <p:nvPr/>
+        </p:nvSpPr>
+        <p:spPr>
+          <a:xfrm>
+            <a:off x="687257" y="4272563"/>
+            <a:ext cx="4845587" cy="1375645"/>
+          </a:xfrm>
+          <a:prstGeom prst="rect">
+            <a:avLst/>
+          </a:prstGeom>
+        </p:spPr>
+        <p:txBody>
+          <a:bodyPr vert="horz" lIns="91440" tIns="45720" rIns="91440" bIns="45720" rtlCol="0" anchor="ctr">
+            <a:normAutofit/>
+          </a:bodyPr>
+          <a:lstStyle>
+            <a:lvl1pPr algn="l" defTabSz="914400" rtl="0" eaLnBrk="1" latinLnBrk="0" hangingPunct="1">
+              <a:lnSpc>
+                <a:spcPct val="90000"/>
+              </a:lnSpc>
+              <a:spcBef>
+                <a:spcPct val="0"/>
+              </a:spcBef>
+              <a:buNone/>
+              <a:defRPr sz="4400" kern="1200">
+                <a:solidFill>
+                  <a:schemeClr val="tx1"/>
+                </a:solidFill>
+                <a:latin typeface="+mj-lt"/>
+                <a:ea typeface="+mj-ea"/>
+                <a:cs typeface="+mj-cs"/>
+              </a:defRPr>
+            </a:lvl1pPr>
+          </a:lstStyle>
+          <a:p>
+            <a:pPr algn="ctr">
+              <a:lnSpc>
+                <a:spcPct val="150000"/>
+              </a:lnSpc>
+            </a:pPr>
+            <a:r>
+              <a:rPr lang="en-US" altLang="zh-TW" sz="1800" dirty="0" err="1" smtClean="0">
+                <a:solidFill>
+                  <a:schemeClr val="bg1"/>
+                </a:solidFill>
+                <a:latin typeface="Adobe 繁黑體 Std B" panose="020B0700000000000000" pitchFamily="34" charset="-120"/>
+                <a:ea typeface="Adobe 繁黑體 Std B" panose="020B0700000000000000" pitchFamily="34" charset="-120"/>
+              </a:rPr>
+              <a:t>String.split</a:t>
+            </a:r>
+            <a:r>
+              <a:rPr lang="en-US" altLang="zh-TW" sz="1800" dirty="0" smtClean="0">
+                <a:solidFill>
+                  <a:schemeClr val="bg1"/>
+                </a:solidFill>
+                <a:latin typeface="Adobe 繁黑體 Std B" panose="020B0700000000000000" pitchFamily="34" charset="-120"/>
+                <a:ea typeface="Adobe 繁黑體 Std B" panose="020B0700000000000000" pitchFamily="34" charset="-120"/>
+              </a:rPr>
+              <a:t>(</a:t>
+            </a:r>
+            <a:r>
+              <a:rPr lang="en-US" altLang="zh-TW" sz="1800" dirty="0" err="1" smtClean="0">
+                <a:solidFill>
+                  <a:schemeClr val="bg1"/>
+                </a:solidFill>
+                <a:latin typeface="Adobe 繁黑體 Std B" panose="020B0700000000000000" pitchFamily="34" charset="-120"/>
+                <a:ea typeface="Adobe 繁黑體 Std B" panose="020B0700000000000000" pitchFamily="34" charset="-120"/>
+              </a:rPr>
+              <a:t>reg</a:t>
+            </a:r>
+            <a:r>
+              <a:rPr lang="en-US" altLang="zh-TW" sz="1800" dirty="0">
+                <a:solidFill>
+                  <a:schemeClr val="bg1"/>
+                </a:solidFill>
+                <a:latin typeface="Adobe 繁黑體 Std B" panose="020B0700000000000000" pitchFamily="34" charset="-120"/>
+                <a:ea typeface="Adobe 繁黑體 Std B" panose="020B0700000000000000" pitchFamily="34" charset="-120"/>
+              </a:rPr>
+              <a:t>);</a:t>
+            </a:r>
+          </a:p>
+          <a:p>
+            <a:pPr algn="ctr">
+              <a:lnSpc>
+                <a:spcPct val="150000"/>
+              </a:lnSpc>
+            </a:pPr>
+            <a:r>
+              <a:rPr lang="zh-TW" altLang="en-US" sz="1600" dirty="0">
+                <a:solidFill>
+                  <a:schemeClr val="bg1">
+                    <a:lumMod val="50000"/>
+                  </a:schemeClr>
+                </a:solidFill>
+                <a:latin typeface="Adobe 繁黑體 Std B" panose="020B0700000000000000" pitchFamily="34" charset="-120"/>
+                <a:ea typeface="Adobe 繁黑體 Std B" panose="020B0700000000000000" pitchFamily="34" charset="-120"/>
+              </a:rPr>
+              <a:t>我們經常使用</a:t>
+            </a:r>
+            <a:r>
+              <a:rPr lang="en-US" altLang="zh-TW" sz="1600" dirty="0">
+                <a:solidFill>
+                  <a:schemeClr val="bg1">
+                    <a:lumMod val="50000"/>
+                  </a:schemeClr>
+                </a:solidFill>
+                <a:latin typeface="Adobe 繁黑體 Std B" panose="020B0700000000000000" pitchFamily="34" charset="-120"/>
+                <a:ea typeface="Adobe 繁黑體 Std B" panose="020B0700000000000000" pitchFamily="34" charset="-120"/>
+              </a:rPr>
+              <a:t>split</a:t>
+            </a:r>
+            <a:r>
+              <a:rPr lang="en-US" altLang="zh-TW" sz="1600" dirty="0" smtClean="0">
+                <a:solidFill>
+                  <a:schemeClr val="bg1">
+                    <a:lumMod val="50000"/>
+                  </a:schemeClr>
+                </a:solidFill>
+                <a:latin typeface="Adobe 繁黑體 Std B" panose="020B0700000000000000" pitchFamily="34" charset="-120"/>
+                <a:ea typeface="Adobe 繁黑體 Std B" panose="020B0700000000000000" pitchFamily="34" charset="-120"/>
+              </a:rPr>
+              <a:t>(“”)</a:t>
+            </a:r>
+            <a:r>
+              <a:rPr lang="zh-TW" altLang="en-US" sz="1600" dirty="0">
+                <a:solidFill>
+                  <a:schemeClr val="bg1">
+                    <a:lumMod val="50000"/>
+                  </a:schemeClr>
+                </a:solidFill>
+                <a:latin typeface="Adobe 繁黑體 Std B" panose="020B0700000000000000" pitchFamily="34" charset="-120"/>
+                <a:ea typeface="Adobe 繁黑體 Std B" panose="020B0700000000000000" pitchFamily="34" charset="-120"/>
+              </a:rPr>
+              <a:t>把字串分割成</a:t>
+            </a:r>
+            <a:r>
+              <a:rPr lang="zh-TW" altLang="en-US" sz="1600" dirty="0" smtClean="0">
+                <a:solidFill>
+                  <a:schemeClr val="bg1">
+                    <a:lumMod val="50000"/>
+                  </a:schemeClr>
+                </a:solidFill>
+                <a:latin typeface="Adobe 繁黑體 Std B" panose="020B0700000000000000" pitchFamily="34" charset="-120"/>
+                <a:ea typeface="Adobe 繁黑體 Std B" panose="020B0700000000000000" pitchFamily="34" charset="-120"/>
+              </a:rPr>
+              <a:t>陣列，複雜</a:t>
+            </a:r>
+            <a:r>
+              <a:rPr lang="zh-TW" altLang="en-US" sz="1600" dirty="0">
+                <a:solidFill>
+                  <a:schemeClr val="bg1">
+                    <a:lumMod val="50000"/>
+                  </a:schemeClr>
+                </a:solidFill>
+                <a:latin typeface="Adobe 繁黑體 Std B" panose="020B0700000000000000" pitchFamily="34" charset="-120"/>
+                <a:ea typeface="Adobe 繁黑體 Std B" panose="020B0700000000000000" pitchFamily="34" charset="-120"/>
+              </a:rPr>
+              <a:t>的分割也可以使用正則表達式來解決</a:t>
+            </a:r>
+          </a:p>
+        </p:txBody>
+      </p:sp>
+      <p:sp>
+        <p:nvSpPr>
+          <p:cNvPr id="8" name="標題 1"/>
+          <p:cNvSpPr txBox="1">
+            <a:spLocks/>
+          </p:cNvSpPr>
+          <p:nvPr/>
+        </p:nvSpPr>
+        <p:spPr>
+          <a:xfrm>
+            <a:off x="5705751" y="1045228"/>
+            <a:ext cx="5519053" cy="1552433"/>
+          </a:xfrm>
+          <a:prstGeom prst="rect">
+            <a:avLst/>
+          </a:prstGeom>
+        </p:spPr>
+        <p:txBody>
+          <a:bodyPr vert="horz" lIns="91440" tIns="45720" rIns="91440" bIns="45720" rtlCol="0" anchor="ctr">
+            <a:normAutofit/>
+          </a:bodyPr>
+          <a:lstStyle>
+            <a:lvl1pPr algn="l" defTabSz="914400" rtl="0" eaLnBrk="1" latinLnBrk="0" hangingPunct="1">
+              <a:lnSpc>
+                <a:spcPct val="90000"/>
+              </a:lnSpc>
+              <a:spcBef>
+                <a:spcPct val="0"/>
+              </a:spcBef>
+              <a:buNone/>
+              <a:defRPr sz="4400" kern="1200">
+                <a:solidFill>
+                  <a:schemeClr val="tx1"/>
+                </a:solidFill>
+                <a:latin typeface="+mj-lt"/>
+                <a:ea typeface="+mj-ea"/>
+                <a:cs typeface="+mj-cs"/>
+              </a:defRPr>
+            </a:lvl1pPr>
+          </a:lstStyle>
+          <a:p>
+            <a:pPr algn="ctr">
+              <a:lnSpc>
+                <a:spcPct val="150000"/>
+              </a:lnSpc>
+            </a:pPr>
+            <a:r>
+              <a:rPr lang="en-US" altLang="zh-TW" sz="1800" dirty="0" err="1" smtClean="0">
+                <a:solidFill>
+                  <a:schemeClr val="bg1"/>
+                </a:solidFill>
+                <a:latin typeface="Adobe 繁黑體 Std B" panose="020B0700000000000000" pitchFamily="34" charset="-120"/>
+                <a:ea typeface="Adobe 繁黑體 Std B" panose="020B0700000000000000" pitchFamily="34" charset="-120"/>
+              </a:rPr>
+              <a:t>String.search</a:t>
+            </a:r>
+            <a:r>
+              <a:rPr lang="en-US" altLang="zh-TW" sz="1800" dirty="0" smtClean="0">
+                <a:solidFill>
+                  <a:schemeClr val="bg1"/>
+                </a:solidFill>
+                <a:latin typeface="Adobe 繁黑體 Std B" panose="020B0700000000000000" pitchFamily="34" charset="-120"/>
+                <a:ea typeface="Adobe 繁黑體 Std B" panose="020B0700000000000000" pitchFamily="34" charset="-120"/>
+              </a:rPr>
+              <a:t>(</a:t>
+            </a:r>
+            <a:r>
+              <a:rPr lang="en-US" altLang="zh-TW" sz="1800" dirty="0" err="1" smtClean="0">
+                <a:solidFill>
+                  <a:schemeClr val="bg1"/>
+                </a:solidFill>
+                <a:latin typeface="Adobe 繁黑體 Std B" panose="020B0700000000000000" pitchFamily="34" charset="-120"/>
+                <a:ea typeface="Adobe 繁黑體 Std B" panose="020B0700000000000000" pitchFamily="34" charset="-120"/>
+              </a:rPr>
+              <a:t>reg</a:t>
+            </a:r>
+            <a:r>
+              <a:rPr lang="en-US" altLang="zh-TW" sz="1800" dirty="0" smtClean="0">
+                <a:solidFill>
+                  <a:schemeClr val="bg1"/>
+                </a:solidFill>
+                <a:latin typeface="Adobe 繁黑體 Std B" panose="020B0700000000000000" pitchFamily="34" charset="-120"/>
+                <a:ea typeface="Adobe 繁黑體 Std B" panose="020B0700000000000000" pitchFamily="34" charset="-120"/>
+              </a:rPr>
+              <a:t>);</a:t>
+            </a:r>
+            <a:br>
+              <a:rPr lang="en-US" altLang="zh-TW" sz="1800" dirty="0" smtClean="0">
+                <a:solidFill>
+                  <a:schemeClr val="bg1"/>
+                </a:solidFill>
+                <a:latin typeface="Adobe 繁黑體 Std B" panose="020B0700000000000000" pitchFamily="34" charset="-120"/>
+                <a:ea typeface="Adobe 繁黑體 Std B" panose="020B0700000000000000" pitchFamily="34" charset="-120"/>
+              </a:rPr>
+            </a:br>
+            <a:r>
+              <a:rPr lang="zh-TW" altLang="en-US" sz="1600" dirty="0" smtClean="0">
+                <a:solidFill>
+                  <a:schemeClr val="bg1">
+                    <a:lumMod val="50000"/>
+                  </a:schemeClr>
+                </a:solidFill>
+                <a:latin typeface="Adobe 繁黑體 Std B" panose="020B0700000000000000" pitchFamily="34" charset="-120"/>
+                <a:ea typeface="Adobe 繁黑體 Std B" panose="020B0700000000000000" pitchFamily="34" charset="-120"/>
+              </a:rPr>
+              <a:t>在字串方法內使用正則表達式來匹配字串，不符合回傳</a:t>
+            </a:r>
+            <a:r>
+              <a:rPr lang="en-US" altLang="zh-TW" sz="1600" dirty="0" smtClean="0">
+                <a:solidFill>
+                  <a:schemeClr val="bg1">
+                    <a:lumMod val="50000"/>
+                  </a:schemeClr>
+                </a:solidFill>
+                <a:latin typeface="Adobe 繁黑體 Std B" panose="020B0700000000000000" pitchFamily="34" charset="-120"/>
+                <a:ea typeface="Adobe 繁黑體 Std B" panose="020B0700000000000000" pitchFamily="34" charset="-120"/>
+              </a:rPr>
+              <a:t>-1</a:t>
+            </a:r>
+            <a:r>
+              <a:rPr lang="zh-TW" altLang="en-US" sz="1600" dirty="0" smtClean="0">
+                <a:solidFill>
+                  <a:schemeClr val="bg1">
+                    <a:lumMod val="50000"/>
+                  </a:schemeClr>
+                </a:solidFill>
+                <a:latin typeface="Adobe 繁黑體 Std B" panose="020B0700000000000000" pitchFamily="34" charset="-120"/>
+                <a:ea typeface="Adobe 繁黑體 Std B" panose="020B0700000000000000" pitchFamily="34" charset="-120"/>
+              </a:rPr>
+              <a:t>，符合回傳第一個索引，不支援</a:t>
+            </a:r>
+            <a:r>
+              <a:rPr lang="en-US" altLang="zh-TW" sz="1600" dirty="0" smtClean="0">
+                <a:solidFill>
+                  <a:schemeClr val="bg1">
+                    <a:lumMod val="50000"/>
+                  </a:schemeClr>
+                </a:solidFill>
+                <a:latin typeface="Adobe 繁黑體 Std B" panose="020B0700000000000000" pitchFamily="34" charset="-120"/>
+                <a:ea typeface="Adobe 繁黑體 Std B" panose="020B0700000000000000" pitchFamily="34" charset="-120"/>
+              </a:rPr>
+              <a:t>g</a:t>
+            </a:r>
+            <a:r>
+              <a:rPr lang="zh-TW" altLang="en-US" sz="1600" dirty="0" smtClean="0">
+                <a:solidFill>
+                  <a:schemeClr val="bg1">
+                    <a:lumMod val="50000"/>
+                  </a:schemeClr>
+                </a:solidFill>
+                <a:latin typeface="Adobe 繁黑體 Std B" panose="020B0700000000000000" pitchFamily="34" charset="-120"/>
+                <a:ea typeface="Adobe 繁黑體 Std B" panose="020B0700000000000000" pitchFamily="34" charset="-120"/>
+              </a:rPr>
+              <a:t>，不支援全局使用</a:t>
+            </a:r>
+            <a:endParaRPr lang="zh-TW" altLang="en-US" sz="1600" dirty="0">
+              <a:solidFill>
+                <a:schemeClr val="bg1">
+                  <a:lumMod val="50000"/>
+                </a:schemeClr>
+              </a:solidFill>
+              <a:latin typeface="Adobe 繁黑體 Std B" panose="020B0700000000000000" pitchFamily="34" charset="-120"/>
+              <a:ea typeface="Adobe 繁黑體 Std B" panose="020B0700000000000000" pitchFamily="34" charset="-120"/>
+            </a:endParaRPr>
+          </a:p>
+        </p:txBody>
+      </p:sp>
+    </p:spTree>
+    <p:extLst>
+      <p:ext uri="{BB962C8B-B14F-4D97-AF65-F5344CB8AC3E}">
+        <p14:creationId xmlns:p14="http://schemas.microsoft.com/office/powerpoint/2010/main" val="3281054123"/>
+      </p:ext>
+    </p:extLst>
+  </p:cSld>
+  <p:clrMapOvr>
+    <a:masterClrMapping/>
+  </p:clrMapOvr>
+</p:sld>
+</file>
+
+<file path=ppt/slides/slide43.xml><?xml version="1.0" encoding="utf-8"?>
+<p:sld xmlns:a="http://schemas.openxmlformats.org/drawingml/2006/main" xmlns:r="http://schemas.openxmlformats.org/officeDocument/2006/relationships" xmlns:p="http://schemas.openxmlformats.org/presentationml/2006/main">
+  <p:cSld>
+    <p:spTree>
+      <p:nvGrpSpPr>
+        <p:cNvPr id="1" name=""/>
+        <p:cNvGrpSpPr/>
+        <p:nvPr/>
+      </p:nvGrpSpPr>
+      <p:grpSpPr>
+        <a:xfrm>
+          <a:off x="0" y="0"/>
+          <a:ext cx="0" cy="0"/>
+          <a:chOff x="0" y="0"/>
+          <a:chExt cx="0" cy="0"/>
+        </a:xfrm>
+      </p:grpSpPr>
+    </p:spTree>
+    <p:extLst>
+      <p:ext uri="{BB962C8B-B14F-4D97-AF65-F5344CB8AC3E}">
+        <p14:creationId xmlns:p14="http://schemas.microsoft.com/office/powerpoint/2010/main" val="1680533645"/>
       </p:ext>
     </p:extLst>
   </p:cSld>

--- a/現代 JavaScript 職人之路｜ 中階篇.pptx
+++ b/現代 JavaScript 職人之路｜ 中階篇.pptx
@@ -47,7 +47,13 @@
     <p:sldId id="294" r:id="rId41"/>
     <p:sldId id="297" r:id="rId42"/>
     <p:sldId id="295" r:id="rId43"/>
-    <p:sldId id="296" r:id="rId44"/>
+    <p:sldId id="299" r:id="rId44"/>
+    <p:sldId id="300" r:id="rId45"/>
+    <p:sldId id="301" r:id="rId46"/>
+    <p:sldId id="302" r:id="rId47"/>
+    <p:sldId id="303" r:id="rId48"/>
+    <p:sldId id="304" r:id="rId49"/>
+    <p:sldId id="296" r:id="rId50"/>
   </p:sldIdLst>
   <p:sldSz cx="12192000" cy="6858000"/>
   <p:notesSz cx="6858000" cy="9144000"/>
@@ -197,6 +203,12 @@
             <p14:sldId id="294"/>
             <p14:sldId id="297"/>
             <p14:sldId id="295"/>
+            <p14:sldId id="299"/>
+            <p14:sldId id="300"/>
+            <p14:sldId id="301"/>
+            <p14:sldId id="302"/>
+            <p14:sldId id="303"/>
+            <p14:sldId id="304"/>
             <p14:sldId id="296"/>
           </p14:sldIdLst>
         </p14:section>
@@ -338,7 +350,7 @@
           <a:p>
             <a:fld id="{952160C1-7EC0-47F7-AD8A-DCC1B5F0EDED}" type="datetimeFigureOut">
               <a:rPr lang="zh-TW" altLang="en-US" smtClean="0"/>
-              <a:t>2019/5/6</a:t>
+              <a:t>2019/5/7</a:t>
             </a:fld>
             <a:endParaRPr lang="zh-TW" altLang="en-US"/>
           </a:p>
@@ -506,7 +518,7 @@
           <a:p>
             <a:fld id="{952160C1-7EC0-47F7-AD8A-DCC1B5F0EDED}" type="datetimeFigureOut">
               <a:rPr lang="zh-TW" altLang="en-US" smtClean="0"/>
-              <a:t>2019/5/6</a:t>
+              <a:t>2019/5/7</a:t>
             </a:fld>
             <a:endParaRPr lang="zh-TW" altLang="en-US"/>
           </a:p>
@@ -684,7 +696,7 @@
           <a:p>
             <a:fld id="{952160C1-7EC0-47F7-AD8A-DCC1B5F0EDED}" type="datetimeFigureOut">
               <a:rPr lang="zh-TW" altLang="en-US" smtClean="0"/>
-              <a:t>2019/5/6</a:t>
+              <a:t>2019/5/7</a:t>
             </a:fld>
             <a:endParaRPr lang="zh-TW" altLang="en-US"/>
           </a:p>
@@ -852,7 +864,7 @@
           <a:p>
             <a:fld id="{952160C1-7EC0-47F7-AD8A-DCC1B5F0EDED}" type="datetimeFigureOut">
               <a:rPr lang="zh-TW" altLang="en-US" smtClean="0"/>
-              <a:t>2019/5/6</a:t>
+              <a:t>2019/5/7</a:t>
             </a:fld>
             <a:endParaRPr lang="zh-TW" altLang="en-US"/>
           </a:p>
@@ -1097,7 +1109,7 @@
           <a:p>
             <a:fld id="{952160C1-7EC0-47F7-AD8A-DCC1B5F0EDED}" type="datetimeFigureOut">
               <a:rPr lang="zh-TW" altLang="en-US" smtClean="0"/>
-              <a:t>2019/5/6</a:t>
+              <a:t>2019/5/7</a:t>
             </a:fld>
             <a:endParaRPr lang="zh-TW" altLang="en-US"/>
           </a:p>
@@ -1326,7 +1338,7 @@
           <a:p>
             <a:fld id="{952160C1-7EC0-47F7-AD8A-DCC1B5F0EDED}" type="datetimeFigureOut">
               <a:rPr lang="zh-TW" altLang="en-US" smtClean="0"/>
-              <a:t>2019/5/6</a:t>
+              <a:t>2019/5/7</a:t>
             </a:fld>
             <a:endParaRPr lang="zh-TW" altLang="en-US"/>
           </a:p>
@@ -1690,7 +1702,7 @@
           <a:p>
             <a:fld id="{952160C1-7EC0-47F7-AD8A-DCC1B5F0EDED}" type="datetimeFigureOut">
               <a:rPr lang="zh-TW" altLang="en-US" smtClean="0"/>
-              <a:t>2019/5/6</a:t>
+              <a:t>2019/5/7</a:t>
             </a:fld>
             <a:endParaRPr lang="zh-TW" altLang="en-US"/>
           </a:p>
@@ -1807,7 +1819,7 @@
           <a:p>
             <a:fld id="{952160C1-7EC0-47F7-AD8A-DCC1B5F0EDED}" type="datetimeFigureOut">
               <a:rPr lang="zh-TW" altLang="en-US" smtClean="0"/>
-              <a:t>2019/5/6</a:t>
+              <a:t>2019/5/7</a:t>
             </a:fld>
             <a:endParaRPr lang="zh-TW" altLang="en-US"/>
           </a:p>
@@ -1902,7 +1914,7 @@
           <a:p>
             <a:fld id="{952160C1-7EC0-47F7-AD8A-DCC1B5F0EDED}" type="datetimeFigureOut">
               <a:rPr lang="zh-TW" altLang="en-US" smtClean="0"/>
-              <a:t>2019/5/6</a:t>
+              <a:t>2019/5/7</a:t>
             </a:fld>
             <a:endParaRPr lang="zh-TW" altLang="en-US"/>
           </a:p>
@@ -2177,7 +2189,7 @@
           <a:p>
             <a:fld id="{952160C1-7EC0-47F7-AD8A-DCC1B5F0EDED}" type="datetimeFigureOut">
               <a:rPr lang="zh-TW" altLang="en-US" smtClean="0"/>
-              <a:t>2019/5/6</a:t>
+              <a:t>2019/5/7</a:t>
             </a:fld>
             <a:endParaRPr lang="zh-TW" altLang="en-US"/>
           </a:p>
@@ -2429,7 +2441,7 @@
           <a:p>
             <a:fld id="{952160C1-7EC0-47F7-AD8A-DCC1B5F0EDED}" type="datetimeFigureOut">
               <a:rPr lang="zh-TW" altLang="en-US" smtClean="0"/>
-              <a:t>2019/5/6</a:t>
+              <a:t>2019/5/7</a:t>
             </a:fld>
             <a:endParaRPr lang="zh-TW" altLang="en-US"/>
           </a:p>
@@ -2643,7 +2655,7 @@
           <a:p>
             <a:fld id="{952160C1-7EC0-47F7-AD8A-DCC1B5F0EDED}" type="datetimeFigureOut">
               <a:rPr lang="zh-TW" altLang="en-US" smtClean="0"/>
-              <a:t>2019/5/6</a:t>
+              <a:t>2019/5/7</a:t>
             </a:fld>
             <a:endParaRPr lang="zh-TW" altLang="en-US"/>
           </a:p>
@@ -9664,7 +9676,7 @@
           <p:cNvPr id="7" name="圖片 6">
             <a:extLst>
               <a:ext uri="{FF2B5EF4-FFF2-40B4-BE49-F238E27FC236}">
-                <a16:creationId xmlns="" xmlns:a16="http://schemas.microsoft.com/office/drawing/2014/main" id="{FCB4471C-65FC-5F49-8514-4E5F2DA03E92}"/>
+                <a16:creationId xmlns:a16="http://schemas.microsoft.com/office/drawing/2014/main" xmlns="" id="{FCB4471C-65FC-5F49-8514-4E5F2DA03E92}"/>
               </a:ext>
             </a:extLst>
           </p:cNvPr>
@@ -9700,7 +9712,7 @@
           <p:cNvPr id="8" name="標題 1">
             <a:extLst>
               <a:ext uri="{FF2B5EF4-FFF2-40B4-BE49-F238E27FC236}">
-                <a16:creationId xmlns="" xmlns:a16="http://schemas.microsoft.com/office/drawing/2014/main" id="{7312BAB0-ED4E-B441-973A-7DD55EFD13E6}"/>
+                <a16:creationId xmlns:a16="http://schemas.microsoft.com/office/drawing/2014/main" xmlns="" id="{7312BAB0-ED4E-B441-973A-7DD55EFD13E6}"/>
               </a:ext>
             </a:extLst>
           </p:cNvPr>
@@ -9779,7 +9791,7 @@
           <p:cNvPr id="10" name="矩形 9">
             <a:extLst>
               <a:ext uri="{FF2B5EF4-FFF2-40B4-BE49-F238E27FC236}">
-                <a16:creationId xmlns="" xmlns:a16="http://schemas.microsoft.com/office/drawing/2014/main" id="{711EB9EB-24D0-9241-AD5B-CA5B1D79376A}"/>
+                <a16:creationId xmlns:a16="http://schemas.microsoft.com/office/drawing/2014/main" xmlns="" id="{711EB9EB-24D0-9241-AD5B-CA5B1D79376A}"/>
               </a:ext>
             </a:extLst>
           </p:cNvPr>
@@ -9816,7 +9828,7 @@
           <p:cNvPr id="11" name="矩形 10">
             <a:extLst>
               <a:ext uri="{FF2B5EF4-FFF2-40B4-BE49-F238E27FC236}">
-                <a16:creationId xmlns="" xmlns:a16="http://schemas.microsoft.com/office/drawing/2014/main" id="{F703328C-F454-3342-B266-30FBD0602B3E}"/>
+                <a16:creationId xmlns:a16="http://schemas.microsoft.com/office/drawing/2014/main" xmlns="" id="{F703328C-F454-3342-B266-30FBD0602B3E}"/>
               </a:ext>
             </a:extLst>
           </p:cNvPr>
@@ -9903,7 +9915,7 @@
           <p:cNvPr id="4" name="矩形 3">
             <a:extLst>
               <a:ext uri="{FF2B5EF4-FFF2-40B4-BE49-F238E27FC236}">
-                <a16:creationId xmlns="" xmlns:a16="http://schemas.microsoft.com/office/drawing/2014/main" id="{156707A3-68A3-2F4A-8CDA-2F9B2532D0B3}"/>
+                <a16:creationId xmlns:a16="http://schemas.microsoft.com/office/drawing/2014/main" xmlns="" id="{156707A3-68A3-2F4A-8CDA-2F9B2532D0B3}"/>
               </a:ext>
             </a:extLst>
           </p:cNvPr>
@@ -9971,7 +9983,7 @@
           <p:cNvPr id="6" name="矩形 5">
             <a:extLst>
               <a:ext uri="{FF2B5EF4-FFF2-40B4-BE49-F238E27FC236}">
-                <a16:creationId xmlns="" xmlns:a16="http://schemas.microsoft.com/office/drawing/2014/main" id="{FB465A35-CC98-3F40-8C26-B37236DA0162}"/>
+                <a16:creationId xmlns:a16="http://schemas.microsoft.com/office/drawing/2014/main" xmlns="" id="{FB465A35-CC98-3F40-8C26-B37236DA0162}"/>
               </a:ext>
             </a:extLst>
           </p:cNvPr>
@@ -10008,7 +10020,7 @@
           <p:cNvPr id="7" name="矩形 6">
             <a:extLst>
               <a:ext uri="{FF2B5EF4-FFF2-40B4-BE49-F238E27FC236}">
-                <a16:creationId xmlns="" xmlns:a16="http://schemas.microsoft.com/office/drawing/2014/main" id="{DD9E23DF-C692-2246-B23B-E8A7F74751A8}"/>
+                <a16:creationId xmlns:a16="http://schemas.microsoft.com/office/drawing/2014/main" xmlns="" id="{DD9E23DF-C692-2246-B23B-E8A7F74751A8}"/>
               </a:ext>
             </a:extLst>
           </p:cNvPr>
@@ -10070,7 +10082,7 @@
           <p:cNvPr id="8" name="矩形 7">
             <a:extLst>
               <a:ext uri="{FF2B5EF4-FFF2-40B4-BE49-F238E27FC236}">
-                <a16:creationId xmlns="" xmlns:a16="http://schemas.microsoft.com/office/drawing/2014/main" id="{46C433FA-9CCB-9C41-8561-B25FB97C3997}"/>
+                <a16:creationId xmlns:a16="http://schemas.microsoft.com/office/drawing/2014/main" xmlns="" id="{46C433FA-9CCB-9C41-8561-B25FB97C3997}"/>
               </a:ext>
             </a:extLst>
           </p:cNvPr>
@@ -10132,7 +10144,7 @@
           <p:cNvPr id="9" name="矩形 8">
             <a:extLst>
               <a:ext uri="{FF2B5EF4-FFF2-40B4-BE49-F238E27FC236}">
-                <a16:creationId xmlns="" xmlns:a16="http://schemas.microsoft.com/office/drawing/2014/main" id="{C34E9026-3B18-AE45-AC95-5441221D9DF1}"/>
+                <a16:creationId xmlns:a16="http://schemas.microsoft.com/office/drawing/2014/main" xmlns="" id="{C34E9026-3B18-AE45-AC95-5441221D9DF1}"/>
               </a:ext>
             </a:extLst>
           </p:cNvPr>
@@ -10194,7 +10206,7 @@
           <p:cNvPr id="10" name="矩形 9">
             <a:extLst>
               <a:ext uri="{FF2B5EF4-FFF2-40B4-BE49-F238E27FC236}">
-                <a16:creationId xmlns="" xmlns:a16="http://schemas.microsoft.com/office/drawing/2014/main" id="{25AFE21C-8976-EB41-9B39-4A8704E5273E}"/>
+                <a16:creationId xmlns:a16="http://schemas.microsoft.com/office/drawing/2014/main" xmlns="" id="{25AFE21C-8976-EB41-9B39-4A8704E5273E}"/>
               </a:ext>
             </a:extLst>
           </p:cNvPr>
@@ -10259,7 +10271,7 @@
           <p:cNvPr id="11" name="矩形 10">
             <a:extLst>
               <a:ext uri="{FF2B5EF4-FFF2-40B4-BE49-F238E27FC236}">
-                <a16:creationId xmlns="" xmlns:a16="http://schemas.microsoft.com/office/drawing/2014/main" id="{22FA0140-3918-9144-8FB9-1D42FD66FCC6}"/>
+                <a16:creationId xmlns:a16="http://schemas.microsoft.com/office/drawing/2014/main" xmlns="" id="{22FA0140-3918-9144-8FB9-1D42FD66FCC6}"/>
               </a:ext>
             </a:extLst>
           </p:cNvPr>
@@ -10388,7 +10400,7 @@
           <p:cNvPr id="12" name="矩形 11">
             <a:extLst>
               <a:ext uri="{FF2B5EF4-FFF2-40B4-BE49-F238E27FC236}">
-                <a16:creationId xmlns="" xmlns:a16="http://schemas.microsoft.com/office/drawing/2014/main" id="{237AA689-99FD-CB47-839A-1BF31D73EC93}"/>
+                <a16:creationId xmlns:a16="http://schemas.microsoft.com/office/drawing/2014/main" xmlns="" id="{237AA689-99FD-CB47-839A-1BF31D73EC93}"/>
               </a:ext>
             </a:extLst>
           </p:cNvPr>
@@ -10517,7 +10529,7 @@
           <p:cNvPr id="21" name="圓角矩形 20">
             <a:extLst>
               <a:ext uri="{FF2B5EF4-FFF2-40B4-BE49-F238E27FC236}">
-                <a16:creationId xmlns="" xmlns:a16="http://schemas.microsoft.com/office/drawing/2014/main" id="{D3E17314-681B-E744-AA6E-06B60ED1D494}"/>
+                <a16:creationId xmlns:a16="http://schemas.microsoft.com/office/drawing/2014/main" xmlns="" id="{D3E17314-681B-E744-AA6E-06B60ED1D494}"/>
               </a:ext>
             </a:extLst>
           </p:cNvPr>
@@ -10563,7 +10575,7 @@
           <p:cNvPr id="2" name="矩形 1">
             <a:extLst>
               <a:ext uri="{FF2B5EF4-FFF2-40B4-BE49-F238E27FC236}">
-                <a16:creationId xmlns="" xmlns:a16="http://schemas.microsoft.com/office/drawing/2014/main" id="{1F91C1BF-2B69-564F-92C4-36851A2C2662}"/>
+                <a16:creationId xmlns:a16="http://schemas.microsoft.com/office/drawing/2014/main" xmlns="" id="{1F91C1BF-2B69-564F-92C4-36851A2C2662}"/>
               </a:ext>
             </a:extLst>
           </p:cNvPr>
@@ -10613,7 +10625,7 @@
           <p:cNvPr id="3" name="矩形 2">
             <a:extLst>
               <a:ext uri="{FF2B5EF4-FFF2-40B4-BE49-F238E27FC236}">
-                <a16:creationId xmlns="" xmlns:a16="http://schemas.microsoft.com/office/drawing/2014/main" id="{283C0B0F-C3B5-BD4F-883C-09F49FF67D1F}"/>
+                <a16:creationId xmlns:a16="http://schemas.microsoft.com/office/drawing/2014/main" xmlns="" id="{283C0B0F-C3B5-BD4F-883C-09F49FF67D1F}"/>
               </a:ext>
             </a:extLst>
           </p:cNvPr>
@@ -10663,7 +10675,7 @@
           <p:cNvPr id="4" name="橢圓 3">
             <a:extLst>
               <a:ext uri="{FF2B5EF4-FFF2-40B4-BE49-F238E27FC236}">
-                <a16:creationId xmlns="" xmlns:a16="http://schemas.microsoft.com/office/drawing/2014/main" id="{472F9B87-6FC9-B44F-A02E-9296A0720770}"/>
+                <a16:creationId xmlns:a16="http://schemas.microsoft.com/office/drawing/2014/main" xmlns="" id="{472F9B87-6FC9-B44F-A02E-9296A0720770}"/>
               </a:ext>
             </a:extLst>
           </p:cNvPr>
@@ -10711,7 +10723,7 @@
           <p:cNvPr id="6" name="直線箭頭接點 5">
             <a:extLst>
               <a:ext uri="{FF2B5EF4-FFF2-40B4-BE49-F238E27FC236}">
-                <a16:creationId xmlns="" xmlns:a16="http://schemas.microsoft.com/office/drawing/2014/main" id="{D38E5745-832A-E345-8A9F-5FF2C3D2EE19}"/>
+                <a16:creationId xmlns:a16="http://schemas.microsoft.com/office/drawing/2014/main" xmlns="" id="{D38E5745-832A-E345-8A9F-5FF2C3D2EE19}"/>
               </a:ext>
             </a:extLst>
           </p:cNvPr>
@@ -10750,7 +10762,7 @@
           <p:cNvPr id="7" name="直線箭頭接點 6">
             <a:extLst>
               <a:ext uri="{FF2B5EF4-FFF2-40B4-BE49-F238E27FC236}">
-                <a16:creationId xmlns="" xmlns:a16="http://schemas.microsoft.com/office/drawing/2014/main" id="{E9C3D736-A46A-1F45-BA83-98B2129B78D8}"/>
+                <a16:creationId xmlns:a16="http://schemas.microsoft.com/office/drawing/2014/main" xmlns="" id="{E9C3D736-A46A-1F45-BA83-98B2129B78D8}"/>
               </a:ext>
             </a:extLst>
           </p:cNvPr>
@@ -10791,7 +10803,7 @@
           <p:cNvPr id="9" name="矩形 8">
             <a:extLst>
               <a:ext uri="{FF2B5EF4-FFF2-40B4-BE49-F238E27FC236}">
-                <a16:creationId xmlns="" xmlns:a16="http://schemas.microsoft.com/office/drawing/2014/main" id="{27524826-70DB-0441-8303-37FC66D1FC5B}"/>
+                <a16:creationId xmlns:a16="http://schemas.microsoft.com/office/drawing/2014/main" xmlns="" id="{27524826-70DB-0441-8303-37FC66D1FC5B}"/>
               </a:ext>
             </a:extLst>
           </p:cNvPr>
@@ -10837,7 +10849,7 @@
           <p:cNvPr id="10" name="矩形 9">
             <a:extLst>
               <a:ext uri="{FF2B5EF4-FFF2-40B4-BE49-F238E27FC236}">
-                <a16:creationId xmlns="" xmlns:a16="http://schemas.microsoft.com/office/drawing/2014/main" id="{D5A40EA3-8607-7447-B5C5-1BA336DC4B1A}"/>
+                <a16:creationId xmlns:a16="http://schemas.microsoft.com/office/drawing/2014/main" xmlns="" id="{D5A40EA3-8607-7447-B5C5-1BA336DC4B1A}"/>
               </a:ext>
             </a:extLst>
           </p:cNvPr>
@@ -10885,7 +10897,7 @@
           <p:cNvPr id="11" name="矩形 10">
             <a:extLst>
               <a:ext uri="{FF2B5EF4-FFF2-40B4-BE49-F238E27FC236}">
-                <a16:creationId xmlns="" xmlns:a16="http://schemas.microsoft.com/office/drawing/2014/main" id="{D158EACD-7BFE-1141-B47B-73A9D59EB9ED}"/>
+                <a16:creationId xmlns:a16="http://schemas.microsoft.com/office/drawing/2014/main" xmlns="" id="{D158EACD-7BFE-1141-B47B-73A9D59EB9ED}"/>
               </a:ext>
             </a:extLst>
           </p:cNvPr>
@@ -10933,7 +10945,7 @@
           <p:cNvPr id="12" name="矩形 11">
             <a:extLst>
               <a:ext uri="{FF2B5EF4-FFF2-40B4-BE49-F238E27FC236}">
-                <a16:creationId xmlns="" xmlns:a16="http://schemas.microsoft.com/office/drawing/2014/main" id="{74E49627-882D-544A-8BCB-3B4BF797F6E9}"/>
+                <a16:creationId xmlns:a16="http://schemas.microsoft.com/office/drawing/2014/main" xmlns="" id="{74E49627-882D-544A-8BCB-3B4BF797F6E9}"/>
               </a:ext>
             </a:extLst>
           </p:cNvPr>
@@ -10979,7 +10991,7 @@
           <p:cNvPr id="13" name="矩形 12">
             <a:extLst>
               <a:ext uri="{FF2B5EF4-FFF2-40B4-BE49-F238E27FC236}">
-                <a16:creationId xmlns="" xmlns:a16="http://schemas.microsoft.com/office/drawing/2014/main" id="{20BC78A6-DC64-3947-9BB3-F887948FCEF2}"/>
+                <a16:creationId xmlns:a16="http://schemas.microsoft.com/office/drawing/2014/main" xmlns="" id="{20BC78A6-DC64-3947-9BB3-F887948FCEF2}"/>
               </a:ext>
             </a:extLst>
           </p:cNvPr>
@@ -11027,7 +11039,7 @@
           <p:cNvPr id="14" name="矩形 13">
             <a:extLst>
               <a:ext uri="{FF2B5EF4-FFF2-40B4-BE49-F238E27FC236}">
-                <a16:creationId xmlns="" xmlns:a16="http://schemas.microsoft.com/office/drawing/2014/main" id="{F0EF030A-79DE-B64D-A509-6ECC7BE738DE}"/>
+                <a16:creationId xmlns:a16="http://schemas.microsoft.com/office/drawing/2014/main" xmlns="" id="{F0EF030A-79DE-B64D-A509-6ECC7BE738DE}"/>
               </a:ext>
             </a:extLst>
           </p:cNvPr>
@@ -11075,7 +11087,7 @@
           <p:cNvPr id="15" name="矩形 14">
             <a:extLst>
               <a:ext uri="{FF2B5EF4-FFF2-40B4-BE49-F238E27FC236}">
-                <a16:creationId xmlns="" xmlns:a16="http://schemas.microsoft.com/office/drawing/2014/main" id="{F3E5F92F-E9C2-7C45-8671-F16256EE76D3}"/>
+                <a16:creationId xmlns:a16="http://schemas.microsoft.com/office/drawing/2014/main" xmlns="" id="{F3E5F92F-E9C2-7C45-8671-F16256EE76D3}"/>
               </a:ext>
             </a:extLst>
           </p:cNvPr>
@@ -11121,7 +11133,7 @@
           <p:cNvPr id="16" name="矩形 15">
             <a:extLst>
               <a:ext uri="{FF2B5EF4-FFF2-40B4-BE49-F238E27FC236}">
-                <a16:creationId xmlns="" xmlns:a16="http://schemas.microsoft.com/office/drawing/2014/main" id="{741F1151-B732-A149-A3A0-9570C9EF8329}"/>
+                <a16:creationId xmlns:a16="http://schemas.microsoft.com/office/drawing/2014/main" xmlns="" id="{741F1151-B732-A149-A3A0-9570C9EF8329}"/>
               </a:ext>
             </a:extLst>
           </p:cNvPr>
@@ -11169,7 +11181,7 @@
           <p:cNvPr id="17" name="矩形 16">
             <a:extLst>
               <a:ext uri="{FF2B5EF4-FFF2-40B4-BE49-F238E27FC236}">
-                <a16:creationId xmlns="" xmlns:a16="http://schemas.microsoft.com/office/drawing/2014/main" id="{F7FF4DA2-F64B-A74D-BCB8-5A8395B98315}"/>
+                <a16:creationId xmlns:a16="http://schemas.microsoft.com/office/drawing/2014/main" xmlns="" id="{F7FF4DA2-F64B-A74D-BCB8-5A8395B98315}"/>
               </a:ext>
             </a:extLst>
           </p:cNvPr>
@@ -11217,7 +11229,7 @@
           <p:cNvPr id="18" name="矩形 17">
             <a:extLst>
               <a:ext uri="{FF2B5EF4-FFF2-40B4-BE49-F238E27FC236}">
-                <a16:creationId xmlns="" xmlns:a16="http://schemas.microsoft.com/office/drawing/2014/main" id="{09E29AD8-5509-5B44-9539-95248F49BF82}"/>
+                <a16:creationId xmlns:a16="http://schemas.microsoft.com/office/drawing/2014/main" xmlns="" id="{09E29AD8-5509-5B44-9539-95248F49BF82}"/>
               </a:ext>
             </a:extLst>
           </p:cNvPr>
@@ -11263,7 +11275,7 @@
           <p:cNvPr id="19" name="矩形 18">
             <a:extLst>
               <a:ext uri="{FF2B5EF4-FFF2-40B4-BE49-F238E27FC236}">
-                <a16:creationId xmlns="" xmlns:a16="http://schemas.microsoft.com/office/drawing/2014/main" id="{6523B377-33A0-0F49-A5BF-5338157BBE09}"/>
+                <a16:creationId xmlns:a16="http://schemas.microsoft.com/office/drawing/2014/main" xmlns="" id="{6523B377-33A0-0F49-A5BF-5338157BBE09}"/>
               </a:ext>
             </a:extLst>
           </p:cNvPr>
@@ -11311,7 +11323,7 @@
           <p:cNvPr id="20" name="矩形 19">
             <a:extLst>
               <a:ext uri="{FF2B5EF4-FFF2-40B4-BE49-F238E27FC236}">
-                <a16:creationId xmlns="" xmlns:a16="http://schemas.microsoft.com/office/drawing/2014/main" id="{A77D0982-3F32-0E41-A364-B5E24518129C}"/>
+                <a16:creationId xmlns:a16="http://schemas.microsoft.com/office/drawing/2014/main" xmlns="" id="{A77D0982-3F32-0E41-A364-B5E24518129C}"/>
               </a:ext>
             </a:extLst>
           </p:cNvPr>
@@ -11359,7 +11371,7 @@
           <p:cNvPr id="23" name="直線箭頭接點 22">
             <a:extLst>
               <a:ext uri="{FF2B5EF4-FFF2-40B4-BE49-F238E27FC236}">
-                <a16:creationId xmlns="" xmlns:a16="http://schemas.microsoft.com/office/drawing/2014/main" id="{4B310916-6054-5644-AEDE-5A0A5FB5884A}"/>
+                <a16:creationId xmlns:a16="http://schemas.microsoft.com/office/drawing/2014/main" xmlns="" id="{4B310916-6054-5644-AEDE-5A0A5FB5884A}"/>
               </a:ext>
             </a:extLst>
           </p:cNvPr>
@@ -11438,7 +11450,7 @@
           <p:cNvPr id="2" name="矩形 1">
             <a:extLst>
               <a:ext uri="{FF2B5EF4-FFF2-40B4-BE49-F238E27FC236}">
-                <a16:creationId xmlns="" xmlns:a16="http://schemas.microsoft.com/office/drawing/2014/main" id="{3333882F-B381-5A41-9CA5-D1541ADC4406}"/>
+                <a16:creationId xmlns:a16="http://schemas.microsoft.com/office/drawing/2014/main" xmlns="" id="{3333882F-B381-5A41-9CA5-D1541ADC4406}"/>
               </a:ext>
             </a:extLst>
           </p:cNvPr>
@@ -12196,7 +12208,7 @@
           <p:cNvPr id="3" name="標題 1">
             <a:extLst>
               <a:ext uri="{FF2B5EF4-FFF2-40B4-BE49-F238E27FC236}">
-                <a16:creationId xmlns="" xmlns:a16="http://schemas.microsoft.com/office/drawing/2014/main" id="{207F22D1-A870-E444-BDAC-5CF5E258B61B}"/>
+                <a16:creationId xmlns:a16="http://schemas.microsoft.com/office/drawing/2014/main" xmlns="" id="{207F22D1-A870-E444-BDAC-5CF5E258B61B}"/>
               </a:ext>
             </a:extLst>
           </p:cNvPr>
@@ -12327,7 +12339,7 @@
           <p:cNvPr id="2" name="標題 1">
             <a:extLst>
               <a:ext uri="{FF2B5EF4-FFF2-40B4-BE49-F238E27FC236}">
-                <a16:creationId xmlns="" xmlns:a16="http://schemas.microsoft.com/office/drawing/2014/main" id="{E79C5F1B-4111-B34F-847E-75DCA5C284FD}"/>
+                <a16:creationId xmlns:a16="http://schemas.microsoft.com/office/drawing/2014/main" xmlns="" id="{E79C5F1B-4111-B34F-847E-75DCA5C284FD}"/>
               </a:ext>
             </a:extLst>
           </p:cNvPr>
@@ -12440,7 +12452,7 @@
           <p:cNvPr id="3" name="矩形 2">
             <a:extLst>
               <a:ext uri="{FF2B5EF4-FFF2-40B4-BE49-F238E27FC236}">
-                <a16:creationId xmlns="" xmlns:a16="http://schemas.microsoft.com/office/drawing/2014/main" id="{C1DC05E2-98B3-1B4A-A78F-CF4B51BFDFBB}"/>
+                <a16:creationId xmlns:a16="http://schemas.microsoft.com/office/drawing/2014/main" xmlns="" id="{C1DC05E2-98B3-1B4A-A78F-CF4B51BFDFBB}"/>
               </a:ext>
             </a:extLst>
           </p:cNvPr>
@@ -12721,7 +12733,7 @@
           <p:cNvPr id="5" name="矩形 4">
             <a:extLst>
               <a:ext uri="{FF2B5EF4-FFF2-40B4-BE49-F238E27FC236}">
-                <a16:creationId xmlns="" xmlns:a16="http://schemas.microsoft.com/office/drawing/2014/main" id="{6635FDE9-2CF8-AE4A-A10A-2FAF84E02666}"/>
+                <a16:creationId xmlns:a16="http://schemas.microsoft.com/office/drawing/2014/main" xmlns="" id="{6635FDE9-2CF8-AE4A-A10A-2FAF84E02666}"/>
               </a:ext>
             </a:extLst>
           </p:cNvPr>
@@ -12994,7 +13006,7 @@
           <p:cNvPr id="9" name="直線接點 8">
             <a:extLst>
               <a:ext uri="{FF2B5EF4-FFF2-40B4-BE49-F238E27FC236}">
-                <a16:creationId xmlns="" xmlns:a16="http://schemas.microsoft.com/office/drawing/2014/main" id="{663E15BC-D355-DD49-ACAF-CD4696C742F0}"/>
+                <a16:creationId xmlns:a16="http://schemas.microsoft.com/office/drawing/2014/main" xmlns="" id="{663E15BC-D355-DD49-ACAF-CD4696C742F0}"/>
               </a:ext>
             </a:extLst>
           </p:cNvPr>
@@ -13031,7 +13043,7 @@
           <p:cNvPr id="10" name="直線接點 9">
             <a:extLst>
               <a:ext uri="{FF2B5EF4-FFF2-40B4-BE49-F238E27FC236}">
-                <a16:creationId xmlns="" xmlns:a16="http://schemas.microsoft.com/office/drawing/2014/main" id="{26E1520E-4942-514E-ABF2-B5D783EA90BB}"/>
+                <a16:creationId xmlns:a16="http://schemas.microsoft.com/office/drawing/2014/main" xmlns="" id="{26E1520E-4942-514E-ABF2-B5D783EA90BB}"/>
               </a:ext>
             </a:extLst>
           </p:cNvPr>
@@ -13070,7 +13082,7 @@
           <p:cNvPr id="15" name="直線箭頭接點 14">
             <a:extLst>
               <a:ext uri="{FF2B5EF4-FFF2-40B4-BE49-F238E27FC236}">
-                <a16:creationId xmlns="" xmlns:a16="http://schemas.microsoft.com/office/drawing/2014/main" id="{F4F14853-2EE5-C449-8BB5-0057F3418639}"/>
+                <a16:creationId xmlns:a16="http://schemas.microsoft.com/office/drawing/2014/main" xmlns="" id="{F4F14853-2EE5-C449-8BB5-0057F3418639}"/>
               </a:ext>
             </a:extLst>
           </p:cNvPr>
@@ -13109,7 +13121,7 @@
           <p:cNvPr id="16" name="直線接點 15">
             <a:extLst>
               <a:ext uri="{FF2B5EF4-FFF2-40B4-BE49-F238E27FC236}">
-                <a16:creationId xmlns="" xmlns:a16="http://schemas.microsoft.com/office/drawing/2014/main" id="{84CF1E2F-9A79-314C-8B15-D40532D9DB4B}"/>
+                <a16:creationId xmlns:a16="http://schemas.microsoft.com/office/drawing/2014/main" xmlns="" id="{84CF1E2F-9A79-314C-8B15-D40532D9DB4B}"/>
               </a:ext>
             </a:extLst>
           </p:cNvPr>
@@ -13154,7 +13166,7 @@
           <p:cNvPr id="18" name="直線接點 17">
             <a:extLst>
               <a:ext uri="{FF2B5EF4-FFF2-40B4-BE49-F238E27FC236}">
-                <a16:creationId xmlns="" xmlns:a16="http://schemas.microsoft.com/office/drawing/2014/main" id="{A526251F-213A-7C4D-8230-FD109843D69A}"/>
+                <a16:creationId xmlns:a16="http://schemas.microsoft.com/office/drawing/2014/main" xmlns="" id="{A526251F-213A-7C4D-8230-FD109843D69A}"/>
               </a:ext>
             </a:extLst>
           </p:cNvPr>
@@ -13199,7 +13211,7 @@
           <p:cNvPr id="20" name="直線箭頭接點 19">
             <a:extLst>
               <a:ext uri="{FF2B5EF4-FFF2-40B4-BE49-F238E27FC236}">
-                <a16:creationId xmlns="" xmlns:a16="http://schemas.microsoft.com/office/drawing/2014/main" id="{B3AD4B63-8EC0-894D-8FF2-753983E11F3B}"/>
+                <a16:creationId xmlns:a16="http://schemas.microsoft.com/office/drawing/2014/main" xmlns="" id="{B3AD4B63-8EC0-894D-8FF2-753983E11F3B}"/>
               </a:ext>
             </a:extLst>
           </p:cNvPr>
@@ -17487,13 +17499,6 @@
               </a:rPr>
               <a:t>的字符串。</a:t>
             </a:r>
-            <a:endParaRPr lang="zh-TW" altLang="en-US" sz="1400" dirty="0">
-              <a:solidFill>
-                <a:schemeClr val="bg1"/>
-              </a:solidFill>
-              <a:latin typeface="Adobe 繁黑體 Std B" panose="020B0700000000000000" pitchFamily="34" charset="-120"/>
-              <a:ea typeface="Adobe 繁黑體 Std B" panose="020B0700000000000000" pitchFamily="34" charset="-120"/>
-            </a:endParaRPr>
           </a:p>
         </p:txBody>
       </p:sp>
@@ -20687,6 +20692,2224 @@
           <a:chExt cx="0" cy="0"/>
         </a:xfrm>
       </p:grpSpPr>
+      <p:sp>
+        <p:nvSpPr>
+          <p:cNvPr id="4" name="矩形 3"/>
+          <p:cNvSpPr/>
+          <p:nvPr/>
+        </p:nvSpPr>
+        <p:spPr>
+          <a:xfrm>
+            <a:off x="4369954" y="2209570"/>
+            <a:ext cx="2651688" cy="646331"/>
+          </a:xfrm>
+          <a:prstGeom prst="rect">
+            <a:avLst/>
+          </a:prstGeom>
+        </p:spPr>
+        <p:txBody>
+          <a:bodyPr wrap="none">
+            <a:spAutoFit/>
+          </a:bodyPr>
+          <a:lstStyle/>
+          <a:p>
+            <a:r>
+              <a:rPr lang="en-US" altLang="zh-TW" sz="3600" dirty="0" smtClean="0">
+                <a:solidFill>
+                  <a:srgbClr val="323230"/>
+                </a:solidFill>
+                <a:latin typeface="Adobe 繁黑體 Std B" panose="020B0700000000000000" pitchFamily="34" charset="-120"/>
+                <a:ea typeface="Adobe 繁黑體 Std B" panose="020B0700000000000000" pitchFamily="34" charset="-120"/>
+              </a:rPr>
+              <a:t>Let</a:t>
+            </a:r>
+            <a:r>
+              <a:rPr lang="zh-TW" altLang="en-US" sz="3600" dirty="0" smtClean="0">
+                <a:solidFill>
+                  <a:srgbClr val="323230"/>
+                </a:solidFill>
+                <a:latin typeface="Adobe 繁黑體 Std B" panose="020B0700000000000000" pitchFamily="34" charset="-120"/>
+                <a:ea typeface="Adobe 繁黑體 Std B" panose="020B0700000000000000" pitchFamily="34" charset="-120"/>
+              </a:rPr>
+              <a:t> 與 </a:t>
+            </a:r>
+            <a:r>
+              <a:rPr lang="en-US" altLang="zh-TW" sz="3600" dirty="0" err="1" smtClean="0">
+                <a:solidFill>
+                  <a:srgbClr val="323230"/>
+                </a:solidFill>
+                <a:latin typeface="Adobe 繁黑體 Std B" panose="020B0700000000000000" pitchFamily="34" charset="-120"/>
+                <a:ea typeface="Adobe 繁黑體 Std B" panose="020B0700000000000000" pitchFamily="34" charset="-120"/>
+              </a:rPr>
+              <a:t>const</a:t>
+            </a:r>
+            <a:endParaRPr lang="zh-TW" altLang="en-US" sz="3600" dirty="0">
+              <a:solidFill>
+                <a:srgbClr val="323230"/>
+              </a:solidFill>
+              <a:latin typeface="Adobe 繁黑體 Std B" panose="020B0700000000000000" pitchFamily="34" charset="-120"/>
+              <a:ea typeface="Adobe 繁黑體 Std B" panose="020B0700000000000000" pitchFamily="34" charset="-120"/>
+            </a:endParaRPr>
+          </a:p>
+        </p:txBody>
+      </p:sp>
+      <p:sp>
+        <p:nvSpPr>
+          <p:cNvPr id="5" name="矩形 4"/>
+          <p:cNvSpPr/>
+          <p:nvPr/>
+        </p:nvSpPr>
+        <p:spPr>
+          <a:xfrm>
+            <a:off x="3901045" y="3733570"/>
+            <a:ext cx="3206327" cy="338554"/>
+          </a:xfrm>
+          <a:prstGeom prst="rect">
+            <a:avLst/>
+          </a:prstGeom>
+        </p:spPr>
+        <p:txBody>
+          <a:bodyPr wrap="none">
+            <a:spAutoFit/>
+          </a:bodyPr>
+          <a:lstStyle/>
+          <a:p>
+            <a:r>
+              <a:rPr lang="en-US" altLang="zh-TW" sz="1600" dirty="0" smtClean="0">
+                <a:solidFill>
+                  <a:srgbClr val="323230"/>
+                </a:solidFill>
+                <a:latin typeface="Adobe 繁黑體 Std B" panose="020B0700000000000000" pitchFamily="34" charset="-120"/>
+                <a:ea typeface="Adobe 繁黑體 Std B" panose="020B0700000000000000" pitchFamily="34" charset="-120"/>
+              </a:rPr>
+              <a:t>let  </a:t>
+            </a:r>
+            <a:r>
+              <a:rPr lang="zh-TW" altLang="en-US" sz="1600" dirty="0" smtClean="0">
+                <a:solidFill>
+                  <a:srgbClr val="323230"/>
+                </a:solidFill>
+                <a:latin typeface="Adobe 繁黑體 Std B" panose="020B0700000000000000" pitchFamily="34" charset="-120"/>
+                <a:ea typeface="Adobe 繁黑體 Std B" panose="020B0700000000000000" pitchFamily="34" charset="-120"/>
+              </a:rPr>
+              <a:t>的作用域範圍是再大括號內 </a:t>
+            </a:r>
+            <a:r>
+              <a:rPr lang="en-US" altLang="zh-TW" sz="1600" dirty="0" smtClean="0">
+                <a:solidFill>
+                  <a:srgbClr val="323230"/>
+                </a:solidFill>
+                <a:latin typeface="Adobe 繁黑體 Std B" panose="020B0700000000000000" pitchFamily="34" charset="-120"/>
+                <a:ea typeface="Adobe 繁黑體 Std B" panose="020B0700000000000000" pitchFamily="34" charset="-120"/>
+              </a:rPr>
+              <a:t>{</a:t>
+            </a:r>
+            <a:r>
+              <a:rPr lang="zh-TW" altLang="en-US" sz="1600" dirty="0" smtClean="0">
+                <a:solidFill>
+                  <a:srgbClr val="323230"/>
+                </a:solidFill>
+                <a:latin typeface="Adobe 繁黑體 Std B" panose="020B0700000000000000" pitchFamily="34" charset="-120"/>
+                <a:ea typeface="Adobe 繁黑體 Std B" panose="020B0700000000000000" pitchFamily="34" charset="-120"/>
+              </a:rPr>
+              <a:t> </a:t>
+            </a:r>
+            <a:r>
+              <a:rPr lang="en-US" altLang="zh-TW" sz="1600" dirty="0" smtClean="0">
+                <a:solidFill>
+                  <a:srgbClr val="323230"/>
+                </a:solidFill>
+                <a:latin typeface="Adobe 繁黑體 Std B" panose="020B0700000000000000" pitchFamily="34" charset="-120"/>
+                <a:ea typeface="Adobe 繁黑體 Std B" panose="020B0700000000000000" pitchFamily="34" charset="-120"/>
+              </a:rPr>
+              <a:t>}</a:t>
+            </a:r>
+            <a:endParaRPr lang="zh-TW" altLang="en-US" sz="1600" dirty="0">
+              <a:solidFill>
+                <a:srgbClr val="323230"/>
+              </a:solidFill>
+              <a:latin typeface="Adobe 繁黑體 Std B" panose="020B0700000000000000" pitchFamily="34" charset="-120"/>
+              <a:ea typeface="Adobe 繁黑體 Std B" panose="020B0700000000000000" pitchFamily="34" charset="-120"/>
+            </a:endParaRPr>
+          </a:p>
+        </p:txBody>
+      </p:sp>
+      <p:sp>
+        <p:nvSpPr>
+          <p:cNvPr id="6" name="矩形 5"/>
+          <p:cNvSpPr/>
+          <p:nvPr/>
+        </p:nvSpPr>
+        <p:spPr>
+          <a:xfrm>
+            <a:off x="3901045" y="4182061"/>
+            <a:ext cx="4020652" cy="338554"/>
+          </a:xfrm>
+          <a:prstGeom prst="rect">
+            <a:avLst/>
+          </a:prstGeom>
+        </p:spPr>
+        <p:txBody>
+          <a:bodyPr wrap="none">
+            <a:spAutoFit/>
+          </a:bodyPr>
+          <a:lstStyle/>
+          <a:p>
+            <a:r>
+              <a:rPr lang="en-US" altLang="zh-TW" sz="1600" dirty="0" err="1" smtClean="0">
+                <a:solidFill>
+                  <a:srgbClr val="323230"/>
+                </a:solidFill>
+                <a:latin typeface="Adobe 繁黑體 Std B" panose="020B0700000000000000" pitchFamily="34" charset="-120"/>
+                <a:ea typeface="Adobe 繁黑體 Std B" panose="020B0700000000000000" pitchFamily="34" charset="-120"/>
+              </a:rPr>
+              <a:t>const</a:t>
+            </a:r>
+            <a:r>
+              <a:rPr lang="en-US" altLang="zh-TW" sz="1600" dirty="0" smtClean="0">
+                <a:solidFill>
+                  <a:srgbClr val="323230"/>
+                </a:solidFill>
+                <a:latin typeface="Adobe 繁黑體 Std B" panose="020B0700000000000000" pitchFamily="34" charset="-120"/>
+                <a:ea typeface="Adobe 繁黑體 Std B" panose="020B0700000000000000" pitchFamily="34" charset="-120"/>
+              </a:rPr>
+              <a:t> </a:t>
+            </a:r>
+            <a:r>
+              <a:rPr lang="zh-TW" altLang="en-US" sz="1600" dirty="0" smtClean="0">
+                <a:solidFill>
+                  <a:srgbClr val="323230"/>
+                </a:solidFill>
+                <a:latin typeface="Adobe 繁黑體 Std B" panose="020B0700000000000000" pitchFamily="34" charset="-120"/>
+                <a:ea typeface="Adobe 繁黑體 Std B" panose="020B0700000000000000" pitchFamily="34" charset="-120"/>
+              </a:rPr>
+              <a:t>則是常數，是不可以再被修改的變數</a:t>
+            </a:r>
+            <a:endParaRPr lang="zh-TW" altLang="en-US" sz="1600" dirty="0">
+              <a:solidFill>
+                <a:srgbClr val="323230"/>
+              </a:solidFill>
+              <a:latin typeface="Adobe 繁黑體 Std B" panose="020B0700000000000000" pitchFamily="34" charset="-120"/>
+              <a:ea typeface="Adobe 繁黑體 Std B" panose="020B0700000000000000" pitchFamily="34" charset="-120"/>
+            </a:endParaRPr>
+          </a:p>
+        </p:txBody>
+      </p:sp>
+    </p:spTree>
+    <p:extLst>
+      <p:ext uri="{BB962C8B-B14F-4D97-AF65-F5344CB8AC3E}">
+        <p14:creationId xmlns:p14="http://schemas.microsoft.com/office/powerpoint/2010/main" val="47550318"/>
+      </p:ext>
+    </p:extLst>
+  </p:cSld>
+  <p:clrMapOvr>
+    <a:masterClrMapping/>
+  </p:clrMapOvr>
+</p:sld>
+</file>
+
+<file path=ppt/slides/slide44.xml><?xml version="1.0" encoding="utf-8"?>
+<p:sld xmlns:a="http://schemas.openxmlformats.org/drawingml/2006/main" xmlns:r="http://schemas.openxmlformats.org/officeDocument/2006/relationships" xmlns:p="http://schemas.openxmlformats.org/presentationml/2006/main">
+  <p:cSld>
+    <p:spTree>
+      <p:nvGrpSpPr>
+        <p:cNvPr id="1" name=""/>
+        <p:cNvGrpSpPr/>
+        <p:nvPr/>
+      </p:nvGrpSpPr>
+      <p:grpSpPr>
+        <a:xfrm>
+          <a:off x="0" y="0"/>
+          <a:ext cx="0" cy="0"/>
+          <a:chOff x="0" y="0"/>
+          <a:chExt cx="0" cy="0"/>
+        </a:xfrm>
+      </p:grpSpPr>
+      <p:pic>
+        <p:nvPicPr>
+          <p:cNvPr id="6" name="圖片 5"/>
+          <p:cNvPicPr>
+            <a:picLocks noChangeAspect="1"/>
+          </p:cNvPicPr>
+          <p:nvPr/>
+        </p:nvPicPr>
+        <p:blipFill>
+          <a:blip r:embed="rId2">
+            <a:extLst>
+              <a:ext uri="{28A0092B-C50C-407E-A947-70E740481C1C}">
+                <a14:useLocalDpi xmlns:a14="http://schemas.microsoft.com/office/drawing/2010/main" val="0"/>
+              </a:ext>
+            </a:extLst>
+          </a:blip>
+          <a:stretch>
+            <a:fillRect/>
+          </a:stretch>
+        </p:blipFill>
+        <p:spPr>
+          <a:xfrm>
+            <a:off x="0" y="9144"/>
+            <a:ext cx="12192000" cy="6839712"/>
+          </a:xfrm>
+          <a:prstGeom prst="rect">
+            <a:avLst/>
+          </a:prstGeom>
+        </p:spPr>
+      </p:pic>
+    </p:spTree>
+    <p:extLst>
+      <p:ext uri="{BB962C8B-B14F-4D97-AF65-F5344CB8AC3E}">
+        <p14:creationId xmlns:p14="http://schemas.microsoft.com/office/powerpoint/2010/main" val="3729123251"/>
+      </p:ext>
+    </p:extLst>
+  </p:cSld>
+  <p:clrMapOvr>
+    <a:masterClrMapping/>
+  </p:clrMapOvr>
+</p:sld>
+</file>
+
+<file path=ppt/slides/slide45.xml><?xml version="1.0" encoding="utf-8"?>
+<p:sld xmlns:a="http://schemas.openxmlformats.org/drawingml/2006/main" xmlns:r="http://schemas.openxmlformats.org/officeDocument/2006/relationships" xmlns:p="http://schemas.openxmlformats.org/presentationml/2006/main">
+  <p:cSld>
+    <p:spTree>
+      <p:nvGrpSpPr>
+        <p:cNvPr id="1" name=""/>
+        <p:cNvGrpSpPr/>
+        <p:nvPr/>
+      </p:nvGrpSpPr>
+      <p:grpSpPr>
+        <a:xfrm>
+          <a:off x="0" y="0"/>
+          <a:ext cx="0" cy="0"/>
+          <a:chOff x="0" y="0"/>
+          <a:chExt cx="0" cy="0"/>
+        </a:xfrm>
+      </p:grpSpPr>
+      <p:sp>
+        <p:nvSpPr>
+          <p:cNvPr id="4" name="副標題 2"/>
+          <p:cNvSpPr txBox="1">
+            <a:spLocks/>
+          </p:cNvSpPr>
+          <p:nvPr/>
+        </p:nvSpPr>
+        <p:spPr>
+          <a:xfrm>
+            <a:off x="4487118" y="3247846"/>
+            <a:ext cx="3227367" cy="381439"/>
+          </a:xfrm>
+          <a:prstGeom prst="rect">
+            <a:avLst/>
+          </a:prstGeom>
+        </p:spPr>
+        <p:txBody>
+          <a:bodyPr vert="horz" lIns="91440" tIns="45720" rIns="91440" bIns="45720" rtlCol="0">
+            <a:noAutofit/>
+          </a:bodyPr>
+          <a:lstStyle>
+            <a:lvl1pPr marL="0" indent="0" algn="ctr" defTabSz="914400" rtl="0" eaLnBrk="1" latinLnBrk="0" hangingPunct="1">
+              <a:lnSpc>
+                <a:spcPct val="90000"/>
+              </a:lnSpc>
+              <a:spcBef>
+                <a:spcPts val="1000"/>
+              </a:spcBef>
+              <a:buFont typeface="Arial" panose="020B0604020202020204" pitchFamily="34" charset="0"/>
+              <a:buNone/>
+              <a:defRPr sz="2400" kern="1200">
+                <a:solidFill>
+                  <a:schemeClr val="tx1"/>
+                </a:solidFill>
+                <a:latin typeface="+mn-lt"/>
+                <a:ea typeface="+mn-ea"/>
+                <a:cs typeface="+mn-cs"/>
+              </a:defRPr>
+            </a:lvl1pPr>
+            <a:lvl2pPr marL="457200" indent="0" algn="ctr" defTabSz="914400" rtl="0" eaLnBrk="1" latinLnBrk="0" hangingPunct="1">
+              <a:lnSpc>
+                <a:spcPct val="90000"/>
+              </a:lnSpc>
+              <a:spcBef>
+                <a:spcPts val="500"/>
+              </a:spcBef>
+              <a:buFont typeface="Arial" panose="020B0604020202020204" pitchFamily="34" charset="0"/>
+              <a:buNone/>
+              <a:defRPr sz="2000" kern="1200">
+                <a:solidFill>
+                  <a:schemeClr val="tx1"/>
+                </a:solidFill>
+                <a:latin typeface="+mn-lt"/>
+                <a:ea typeface="+mn-ea"/>
+                <a:cs typeface="+mn-cs"/>
+              </a:defRPr>
+            </a:lvl2pPr>
+            <a:lvl3pPr marL="914400" indent="0" algn="ctr" defTabSz="914400" rtl="0" eaLnBrk="1" latinLnBrk="0" hangingPunct="1">
+              <a:lnSpc>
+                <a:spcPct val="90000"/>
+              </a:lnSpc>
+              <a:spcBef>
+                <a:spcPts val="500"/>
+              </a:spcBef>
+              <a:buFont typeface="Arial" panose="020B0604020202020204" pitchFamily="34" charset="0"/>
+              <a:buNone/>
+              <a:defRPr sz="1800" kern="1200">
+                <a:solidFill>
+                  <a:schemeClr val="tx1"/>
+                </a:solidFill>
+                <a:latin typeface="+mn-lt"/>
+                <a:ea typeface="+mn-ea"/>
+                <a:cs typeface="+mn-cs"/>
+              </a:defRPr>
+            </a:lvl3pPr>
+            <a:lvl4pPr marL="1371600" indent="0" algn="ctr" defTabSz="914400" rtl="0" eaLnBrk="1" latinLnBrk="0" hangingPunct="1">
+              <a:lnSpc>
+                <a:spcPct val="90000"/>
+              </a:lnSpc>
+              <a:spcBef>
+                <a:spcPts val="500"/>
+              </a:spcBef>
+              <a:buFont typeface="Arial" panose="020B0604020202020204" pitchFamily="34" charset="0"/>
+              <a:buNone/>
+              <a:defRPr sz="1600" kern="1200">
+                <a:solidFill>
+                  <a:schemeClr val="tx1"/>
+                </a:solidFill>
+                <a:latin typeface="+mn-lt"/>
+                <a:ea typeface="+mn-ea"/>
+                <a:cs typeface="+mn-cs"/>
+              </a:defRPr>
+            </a:lvl4pPr>
+            <a:lvl5pPr marL="1828800" indent="0" algn="ctr" defTabSz="914400" rtl="0" eaLnBrk="1" latinLnBrk="0" hangingPunct="1">
+              <a:lnSpc>
+                <a:spcPct val="90000"/>
+              </a:lnSpc>
+              <a:spcBef>
+                <a:spcPts val="500"/>
+              </a:spcBef>
+              <a:buFont typeface="Arial" panose="020B0604020202020204" pitchFamily="34" charset="0"/>
+              <a:buNone/>
+              <a:defRPr sz="1600" kern="1200">
+                <a:solidFill>
+                  <a:schemeClr val="tx1"/>
+                </a:solidFill>
+                <a:latin typeface="+mn-lt"/>
+                <a:ea typeface="+mn-ea"/>
+                <a:cs typeface="+mn-cs"/>
+              </a:defRPr>
+            </a:lvl5pPr>
+            <a:lvl6pPr marL="2286000" indent="0" algn="ctr" defTabSz="914400" rtl="0" eaLnBrk="1" latinLnBrk="0" hangingPunct="1">
+              <a:lnSpc>
+                <a:spcPct val="90000"/>
+              </a:lnSpc>
+              <a:spcBef>
+                <a:spcPts val="500"/>
+              </a:spcBef>
+              <a:buFont typeface="Arial" panose="020B0604020202020204" pitchFamily="34" charset="0"/>
+              <a:buNone/>
+              <a:defRPr sz="1600" kern="1200">
+                <a:solidFill>
+                  <a:schemeClr val="tx1"/>
+                </a:solidFill>
+                <a:latin typeface="+mn-lt"/>
+                <a:ea typeface="+mn-ea"/>
+                <a:cs typeface="+mn-cs"/>
+              </a:defRPr>
+            </a:lvl6pPr>
+            <a:lvl7pPr marL="2743200" indent="0" algn="ctr" defTabSz="914400" rtl="0" eaLnBrk="1" latinLnBrk="0" hangingPunct="1">
+              <a:lnSpc>
+                <a:spcPct val="90000"/>
+              </a:lnSpc>
+              <a:spcBef>
+                <a:spcPts val="500"/>
+              </a:spcBef>
+              <a:buFont typeface="Arial" panose="020B0604020202020204" pitchFamily="34" charset="0"/>
+              <a:buNone/>
+              <a:defRPr sz="1600" kern="1200">
+                <a:solidFill>
+                  <a:schemeClr val="tx1"/>
+                </a:solidFill>
+                <a:latin typeface="+mn-lt"/>
+                <a:ea typeface="+mn-ea"/>
+                <a:cs typeface="+mn-cs"/>
+              </a:defRPr>
+            </a:lvl7pPr>
+            <a:lvl8pPr marL="3200400" indent="0" algn="ctr" defTabSz="914400" rtl="0" eaLnBrk="1" latinLnBrk="0" hangingPunct="1">
+              <a:lnSpc>
+                <a:spcPct val="90000"/>
+              </a:lnSpc>
+              <a:spcBef>
+                <a:spcPts val="500"/>
+              </a:spcBef>
+              <a:buFont typeface="Arial" panose="020B0604020202020204" pitchFamily="34" charset="0"/>
+              <a:buNone/>
+              <a:defRPr sz="1600" kern="1200">
+                <a:solidFill>
+                  <a:schemeClr val="tx1"/>
+                </a:solidFill>
+                <a:latin typeface="+mn-lt"/>
+                <a:ea typeface="+mn-ea"/>
+                <a:cs typeface="+mn-cs"/>
+              </a:defRPr>
+            </a:lvl8pPr>
+            <a:lvl9pPr marL="3657600" indent="0" algn="ctr" defTabSz="914400" rtl="0" eaLnBrk="1" latinLnBrk="0" hangingPunct="1">
+              <a:lnSpc>
+                <a:spcPct val="90000"/>
+              </a:lnSpc>
+              <a:spcBef>
+                <a:spcPts val="500"/>
+              </a:spcBef>
+              <a:buFont typeface="Arial" panose="020B0604020202020204" pitchFamily="34" charset="0"/>
+              <a:buNone/>
+              <a:defRPr sz="1600" kern="1200">
+                <a:solidFill>
+                  <a:schemeClr val="tx1"/>
+                </a:solidFill>
+                <a:latin typeface="+mn-lt"/>
+                <a:ea typeface="+mn-ea"/>
+                <a:cs typeface="+mn-cs"/>
+              </a:defRPr>
+            </a:lvl9pPr>
+          </a:lstStyle>
+          <a:p>
+            <a:r>
+              <a:rPr lang="zh-TW" altLang="en-US" b="1" dirty="0" smtClean="0">
+                <a:solidFill>
+                  <a:srgbClr val="323230"/>
+                </a:solidFill>
+                <a:latin typeface="微軟正黑體" panose="020B0604030504040204" pitchFamily="34" charset="-120"/>
+                <a:ea typeface="微軟正黑體" panose="020B0604030504040204" pitchFamily="34" charset="-120"/>
+              </a:rPr>
+              <a:t>先來安裝個</a:t>
+            </a:r>
+            <a:r>
+              <a:rPr lang="en-US" altLang="zh-TW" b="1" dirty="0" err="1" smtClean="0">
+                <a:solidFill>
+                  <a:srgbClr val="323230"/>
+                </a:solidFill>
+                <a:latin typeface="微軟正黑體" panose="020B0604030504040204" pitchFamily="34" charset="-120"/>
+                <a:ea typeface="微軟正黑體" panose="020B0604030504040204" pitchFamily="34" charset="-120"/>
+              </a:rPr>
+              <a:t>nvm</a:t>
+            </a:r>
+            <a:r>
+              <a:rPr lang="zh-TW" altLang="en-US" b="1" dirty="0" smtClean="0">
+                <a:solidFill>
+                  <a:srgbClr val="323230"/>
+                </a:solidFill>
+                <a:latin typeface="微軟正黑體" panose="020B0604030504040204" pitchFamily="34" charset="-120"/>
+                <a:ea typeface="微軟正黑體" panose="020B0604030504040204" pitchFamily="34" charset="-120"/>
+              </a:rPr>
+              <a:t>吧</a:t>
+            </a:r>
+            <a:r>
+              <a:rPr lang="en-US" altLang="zh-TW" b="1" dirty="0" smtClean="0">
+                <a:solidFill>
+                  <a:srgbClr val="323230"/>
+                </a:solidFill>
+                <a:latin typeface="微軟正黑體" panose="020B0604030504040204" pitchFamily="34" charset="-120"/>
+                <a:ea typeface="微軟正黑體" panose="020B0604030504040204" pitchFamily="34" charset="-120"/>
+              </a:rPr>
+              <a:t>!</a:t>
+            </a:r>
+            <a:endParaRPr lang="en-US" altLang="zh-TW" b="1" dirty="0">
+              <a:solidFill>
+                <a:srgbClr val="323230"/>
+              </a:solidFill>
+              <a:latin typeface="微軟正黑體" panose="020B0604030504040204" pitchFamily="34" charset="-120"/>
+              <a:ea typeface="微軟正黑體" panose="020B0604030504040204" pitchFamily="34" charset="-120"/>
+            </a:endParaRPr>
+          </a:p>
+        </p:txBody>
+      </p:sp>
+      <p:sp>
+        <p:nvSpPr>
+          <p:cNvPr id="5" name="矩形 4"/>
+          <p:cNvSpPr/>
+          <p:nvPr/>
+        </p:nvSpPr>
+        <p:spPr>
+          <a:xfrm>
+            <a:off x="3297499" y="3733889"/>
+            <a:ext cx="5810536" cy="369332"/>
+          </a:xfrm>
+          <a:prstGeom prst="rect">
+            <a:avLst/>
+          </a:prstGeom>
+        </p:spPr>
+        <p:txBody>
+          <a:bodyPr wrap="square">
+            <a:spAutoFit/>
+          </a:bodyPr>
+          <a:lstStyle/>
+          <a:p>
+            <a:pPr algn="ctr"/>
+            <a:r>
+              <a:rPr lang="en-US" altLang="zh-TW" u="sng" dirty="0">
+                <a:solidFill>
+                  <a:srgbClr val="323230"/>
+                </a:solidFill>
+                <a:latin typeface="Arial" panose="020B0604020202020204" pitchFamily="34" charset="0"/>
+                <a:cs typeface="Arial" panose="020B0604020202020204" pitchFamily="34" charset="0"/>
+              </a:rPr>
+              <a:t>https://github.com/coreybutler/nvm-windows/releases</a:t>
+            </a:r>
+            <a:endParaRPr lang="zh-TW" altLang="en-US" dirty="0">
+              <a:solidFill>
+                <a:srgbClr val="323230"/>
+              </a:solidFill>
+              <a:latin typeface="Arial" panose="020B0604020202020204" pitchFamily="34" charset="0"/>
+              <a:cs typeface="Arial" panose="020B0604020202020204" pitchFamily="34" charset="0"/>
+            </a:endParaRPr>
+          </a:p>
+        </p:txBody>
+      </p:sp>
+    </p:spTree>
+    <p:extLst>
+      <p:ext uri="{BB962C8B-B14F-4D97-AF65-F5344CB8AC3E}">
+        <p14:creationId xmlns:p14="http://schemas.microsoft.com/office/powerpoint/2010/main" val="4091814253"/>
+      </p:ext>
+    </p:extLst>
+  </p:cSld>
+  <p:clrMapOvr>
+    <a:masterClrMapping/>
+  </p:clrMapOvr>
+</p:sld>
+</file>
+
+<file path=ppt/slides/slide46.xml><?xml version="1.0" encoding="utf-8"?>
+<p:sld xmlns:a="http://schemas.openxmlformats.org/drawingml/2006/main" xmlns:r="http://schemas.openxmlformats.org/officeDocument/2006/relationships" xmlns:p="http://schemas.openxmlformats.org/presentationml/2006/main">
+  <p:cSld>
+    <p:spTree>
+      <p:nvGrpSpPr>
+        <p:cNvPr id="1" name=""/>
+        <p:cNvGrpSpPr/>
+        <p:nvPr/>
+      </p:nvGrpSpPr>
+      <p:grpSpPr>
+        <a:xfrm>
+          <a:off x="0" y="0"/>
+          <a:ext cx="0" cy="0"/>
+          <a:chOff x="0" y="0"/>
+          <a:chExt cx="0" cy="0"/>
+        </a:xfrm>
+      </p:grpSpPr>
+      <p:sp>
+        <p:nvSpPr>
+          <p:cNvPr id="6" name="標題 1"/>
+          <p:cNvSpPr>
+            <a:spLocks noGrp="1"/>
+          </p:cNvSpPr>
+          <p:nvPr>
+            <p:ph type="title"/>
+          </p:nvPr>
+        </p:nvSpPr>
+        <p:spPr>
+          <a:xfrm>
+            <a:off x="3333750" y="1933575"/>
+            <a:ext cx="5838825" cy="3667125"/>
+          </a:xfrm>
+        </p:spPr>
+        <p:txBody>
+          <a:bodyPr>
+            <a:noAutofit/>
+          </a:bodyPr>
+          <a:lstStyle/>
+          <a:p>
+            <a:pPr>
+              <a:lnSpc>
+                <a:spcPct val="200000"/>
+              </a:lnSpc>
+            </a:pPr>
+            <a:r>
+              <a:rPr lang="en-US" altLang="zh-TW" sz="1800" b="1" dirty="0">
+                <a:solidFill>
+                  <a:srgbClr val="323230"/>
+                </a:solidFill>
+                <a:latin typeface="微軟正黑體" panose="020B0604030504040204" pitchFamily="34" charset="-120"/>
+                <a:ea typeface="微軟正黑體" panose="020B0604030504040204" pitchFamily="34" charset="-120"/>
+              </a:rPr>
+              <a:t>NVM</a:t>
+            </a:r>
+            <a:r>
+              <a:rPr lang="zh-TW" altLang="en-US" sz="1800" b="1" dirty="0">
+                <a:solidFill>
+                  <a:srgbClr val="323230"/>
+                </a:solidFill>
+                <a:latin typeface="微軟正黑體" panose="020B0604030504040204" pitchFamily="34" charset="-120"/>
+                <a:ea typeface="微軟正黑體" panose="020B0604030504040204" pitchFamily="34" charset="-120"/>
+              </a:rPr>
+              <a:t>指令</a:t>
+            </a:r>
+            <a:br>
+              <a:rPr lang="zh-TW" altLang="en-US" sz="1800" b="1" dirty="0">
+                <a:solidFill>
+                  <a:srgbClr val="323230"/>
+                </a:solidFill>
+                <a:latin typeface="微軟正黑體" panose="020B0604030504040204" pitchFamily="34" charset="-120"/>
+                <a:ea typeface="微軟正黑體" panose="020B0604030504040204" pitchFamily="34" charset="-120"/>
+              </a:rPr>
+            </a:br>
+            <a:r>
+              <a:rPr lang="en-US" altLang="zh-TW" sz="1800" b="1" dirty="0" err="1">
+                <a:solidFill>
+                  <a:srgbClr val="323230"/>
+                </a:solidFill>
+                <a:latin typeface="微軟正黑體" panose="020B0604030504040204" pitchFamily="34" charset="-120"/>
+                <a:ea typeface="微軟正黑體" panose="020B0604030504040204" pitchFamily="34" charset="-120"/>
+              </a:rPr>
+              <a:t>nvm</a:t>
+            </a:r>
+            <a:r>
+              <a:rPr lang="en-US" altLang="zh-TW" sz="1800" b="1" dirty="0">
+                <a:solidFill>
+                  <a:srgbClr val="323230"/>
+                </a:solidFill>
+                <a:latin typeface="微軟正黑體" panose="020B0604030504040204" pitchFamily="34" charset="-120"/>
+                <a:ea typeface="微軟正黑體" panose="020B0604030504040204" pitchFamily="34" charset="-120"/>
+              </a:rPr>
+              <a:t> list</a:t>
+            </a:r>
+            <a:r>
+              <a:rPr lang="zh-TW" altLang="en-US" sz="1800" b="1" dirty="0">
+                <a:solidFill>
+                  <a:srgbClr val="323230"/>
+                </a:solidFill>
+                <a:latin typeface="微軟正黑體" panose="020B0604030504040204" pitchFamily="34" charset="-120"/>
+                <a:ea typeface="微軟正黑體" panose="020B0604030504040204" pitchFamily="34" charset="-120"/>
+              </a:rPr>
+              <a:t>：查看已安裝的版本</a:t>
+            </a:r>
+            <a:br>
+              <a:rPr lang="zh-TW" altLang="en-US" sz="1800" b="1" dirty="0">
+                <a:solidFill>
+                  <a:srgbClr val="323230"/>
+                </a:solidFill>
+                <a:latin typeface="微軟正黑體" panose="020B0604030504040204" pitchFamily="34" charset="-120"/>
+                <a:ea typeface="微軟正黑體" panose="020B0604030504040204" pitchFamily="34" charset="-120"/>
+              </a:rPr>
+            </a:br>
+            <a:r>
+              <a:rPr lang="en-US" altLang="zh-TW" sz="1800" b="1" dirty="0" err="1">
+                <a:solidFill>
+                  <a:srgbClr val="323230"/>
+                </a:solidFill>
+                <a:latin typeface="微軟正黑體" panose="020B0604030504040204" pitchFamily="34" charset="-120"/>
+                <a:ea typeface="微軟正黑體" panose="020B0604030504040204" pitchFamily="34" charset="-120"/>
+              </a:rPr>
+              <a:t>nvm</a:t>
+            </a:r>
+            <a:r>
+              <a:rPr lang="en-US" altLang="zh-TW" sz="1800" b="1" dirty="0">
+                <a:solidFill>
+                  <a:srgbClr val="323230"/>
+                </a:solidFill>
+                <a:latin typeface="微軟正黑體" panose="020B0604030504040204" pitchFamily="34" charset="-120"/>
+                <a:ea typeface="微軟正黑體" panose="020B0604030504040204" pitchFamily="34" charset="-120"/>
+              </a:rPr>
+              <a:t> list available</a:t>
+            </a:r>
+            <a:r>
+              <a:rPr lang="zh-TW" altLang="en-US" sz="1800" b="1" dirty="0">
+                <a:solidFill>
+                  <a:srgbClr val="323230"/>
+                </a:solidFill>
+                <a:latin typeface="微軟正黑體" panose="020B0604030504040204" pitchFamily="34" charset="-120"/>
+                <a:ea typeface="微軟正黑體" panose="020B0604030504040204" pitchFamily="34" charset="-120"/>
+              </a:rPr>
+              <a:t>：查看有哪些 </a:t>
+            </a:r>
+            <a:r>
+              <a:rPr lang="en-US" altLang="zh-TW" sz="1800" b="1" dirty="0">
+                <a:solidFill>
+                  <a:srgbClr val="323230"/>
+                </a:solidFill>
+                <a:latin typeface="微軟正黑體" panose="020B0604030504040204" pitchFamily="34" charset="-120"/>
+                <a:ea typeface="微軟正黑體" panose="020B0604030504040204" pitchFamily="34" charset="-120"/>
+              </a:rPr>
+              <a:t>Node </a:t>
+            </a:r>
+            <a:r>
+              <a:rPr lang="zh-TW" altLang="en-US" sz="1800" b="1" dirty="0">
+                <a:solidFill>
+                  <a:srgbClr val="323230"/>
+                </a:solidFill>
+                <a:latin typeface="微軟正黑體" panose="020B0604030504040204" pitchFamily="34" charset="-120"/>
+                <a:ea typeface="微軟正黑體" panose="020B0604030504040204" pitchFamily="34" charset="-120"/>
+              </a:rPr>
+              <a:t>版本可以裝</a:t>
+            </a:r>
+            <a:br>
+              <a:rPr lang="zh-TW" altLang="en-US" sz="1800" b="1" dirty="0">
+                <a:solidFill>
+                  <a:srgbClr val="323230"/>
+                </a:solidFill>
+                <a:latin typeface="微軟正黑體" panose="020B0604030504040204" pitchFamily="34" charset="-120"/>
+                <a:ea typeface="微軟正黑體" panose="020B0604030504040204" pitchFamily="34" charset="-120"/>
+              </a:rPr>
+            </a:br>
+            <a:r>
+              <a:rPr lang="en-US" altLang="zh-TW" sz="1800" b="1" dirty="0" err="1">
+                <a:solidFill>
+                  <a:srgbClr val="323230"/>
+                </a:solidFill>
+                <a:latin typeface="微軟正黑體" panose="020B0604030504040204" pitchFamily="34" charset="-120"/>
+                <a:ea typeface="微軟正黑體" panose="020B0604030504040204" pitchFamily="34" charset="-120"/>
+              </a:rPr>
+              <a:t>nvm</a:t>
+            </a:r>
+            <a:r>
+              <a:rPr lang="en-US" altLang="zh-TW" sz="1800" b="1" dirty="0">
+                <a:solidFill>
+                  <a:srgbClr val="323230"/>
+                </a:solidFill>
+                <a:latin typeface="微軟正黑體" panose="020B0604030504040204" pitchFamily="34" charset="-120"/>
+                <a:ea typeface="微軟正黑體" panose="020B0604030504040204" pitchFamily="34" charset="-120"/>
+              </a:rPr>
+              <a:t> install </a:t>
+            </a:r>
+            <a:r>
+              <a:rPr lang="en-US" altLang="zh-TW" sz="1800" b="1" dirty="0" smtClean="0">
+                <a:solidFill>
+                  <a:srgbClr val="323230"/>
+                </a:solidFill>
+                <a:latin typeface="微軟正黑體" panose="020B0604030504040204" pitchFamily="34" charset="-120"/>
+                <a:ea typeface="微軟正黑體" panose="020B0604030504040204" pitchFamily="34" charset="-120"/>
+              </a:rPr>
+              <a:t>v10.13.0</a:t>
+            </a:r>
+            <a:r>
+              <a:rPr lang="zh-TW" altLang="en-US" sz="1800" b="1" dirty="0" smtClean="0">
+                <a:solidFill>
+                  <a:srgbClr val="323230"/>
+                </a:solidFill>
+                <a:latin typeface="微軟正黑體" panose="020B0604030504040204" pitchFamily="34" charset="-120"/>
+                <a:ea typeface="微軟正黑體" panose="020B0604030504040204" pitchFamily="34" charset="-120"/>
+              </a:rPr>
+              <a:t>：</a:t>
+            </a:r>
+            <a:r>
+              <a:rPr lang="zh-TW" altLang="en-US" sz="1800" b="1" dirty="0">
+                <a:solidFill>
+                  <a:srgbClr val="323230"/>
+                </a:solidFill>
+                <a:latin typeface="微軟正黑體" panose="020B0604030504040204" pitchFamily="34" charset="-120"/>
+                <a:ea typeface="微軟正黑體" panose="020B0604030504040204" pitchFamily="34" charset="-120"/>
+              </a:rPr>
+              <a:t>安裝指定的 </a:t>
+            </a:r>
+            <a:r>
+              <a:rPr lang="en-US" altLang="zh-TW" sz="1800" b="1" dirty="0">
+                <a:solidFill>
+                  <a:srgbClr val="323230"/>
+                </a:solidFill>
+                <a:latin typeface="微軟正黑體" panose="020B0604030504040204" pitchFamily="34" charset="-120"/>
+                <a:ea typeface="微軟正黑體" panose="020B0604030504040204" pitchFamily="34" charset="-120"/>
+              </a:rPr>
+              <a:t>Node </a:t>
+            </a:r>
+            <a:r>
+              <a:rPr lang="zh-TW" altLang="en-US" sz="1800" b="1" dirty="0">
+                <a:solidFill>
+                  <a:srgbClr val="323230"/>
+                </a:solidFill>
+                <a:latin typeface="微軟正黑體" panose="020B0604030504040204" pitchFamily="34" charset="-120"/>
+                <a:ea typeface="微軟正黑體" panose="020B0604030504040204" pitchFamily="34" charset="-120"/>
+              </a:rPr>
+              <a:t>版本</a:t>
+            </a:r>
+            <a:br>
+              <a:rPr lang="zh-TW" altLang="en-US" sz="1800" b="1" dirty="0">
+                <a:solidFill>
+                  <a:srgbClr val="323230"/>
+                </a:solidFill>
+                <a:latin typeface="微軟正黑體" panose="020B0604030504040204" pitchFamily="34" charset="-120"/>
+                <a:ea typeface="微軟正黑體" panose="020B0604030504040204" pitchFamily="34" charset="-120"/>
+              </a:rPr>
+            </a:br>
+            <a:r>
+              <a:rPr lang="en-US" altLang="zh-TW" sz="1800" b="1" dirty="0" err="1">
+                <a:solidFill>
+                  <a:srgbClr val="323230"/>
+                </a:solidFill>
+                <a:latin typeface="微軟正黑體" panose="020B0604030504040204" pitchFamily="34" charset="-120"/>
+                <a:ea typeface="微軟正黑體" panose="020B0604030504040204" pitchFamily="34" charset="-120"/>
+              </a:rPr>
+              <a:t>nvm</a:t>
+            </a:r>
+            <a:r>
+              <a:rPr lang="en-US" altLang="zh-TW" sz="1800" b="1" dirty="0">
+                <a:solidFill>
+                  <a:srgbClr val="323230"/>
+                </a:solidFill>
+                <a:latin typeface="微軟正黑體" panose="020B0604030504040204" pitchFamily="34" charset="-120"/>
+                <a:ea typeface="微軟正黑體" panose="020B0604030504040204" pitchFamily="34" charset="-120"/>
+              </a:rPr>
+              <a:t> use </a:t>
+            </a:r>
+            <a:r>
+              <a:rPr lang="en-US" altLang="zh-TW" sz="1800" b="1" dirty="0" smtClean="0">
+                <a:solidFill>
+                  <a:srgbClr val="323230"/>
+                </a:solidFill>
+                <a:latin typeface="微軟正黑體" panose="020B0604030504040204" pitchFamily="34" charset="-120"/>
+                <a:ea typeface="微軟正黑體" panose="020B0604030504040204" pitchFamily="34" charset="-120"/>
+              </a:rPr>
+              <a:t>v10.13.0</a:t>
+            </a:r>
+            <a:r>
+              <a:rPr lang="zh-TW" altLang="en-US" sz="1800" b="1" dirty="0" smtClean="0">
+                <a:solidFill>
+                  <a:srgbClr val="323230"/>
+                </a:solidFill>
+                <a:latin typeface="微軟正黑體" panose="020B0604030504040204" pitchFamily="34" charset="-120"/>
+                <a:ea typeface="微軟正黑體" panose="020B0604030504040204" pitchFamily="34" charset="-120"/>
+              </a:rPr>
+              <a:t>：</a:t>
+            </a:r>
+            <a:r>
+              <a:rPr lang="zh-TW" altLang="en-US" sz="1800" b="1" dirty="0">
+                <a:solidFill>
+                  <a:srgbClr val="323230"/>
+                </a:solidFill>
+                <a:latin typeface="微軟正黑體" panose="020B0604030504040204" pitchFamily="34" charset="-120"/>
+                <a:ea typeface="微軟正黑體" panose="020B0604030504040204" pitchFamily="34" charset="-120"/>
+              </a:rPr>
+              <a:t>指定 </a:t>
+            </a:r>
+            <a:r>
+              <a:rPr lang="en-US" altLang="zh-TW" sz="1800" b="1" dirty="0">
+                <a:solidFill>
+                  <a:srgbClr val="323230"/>
+                </a:solidFill>
+                <a:latin typeface="微軟正黑體" panose="020B0604030504040204" pitchFamily="34" charset="-120"/>
+                <a:ea typeface="微軟正黑體" panose="020B0604030504040204" pitchFamily="34" charset="-120"/>
+              </a:rPr>
+              <a:t>Node </a:t>
+            </a:r>
+            <a:r>
+              <a:rPr lang="zh-TW" altLang="en-US" sz="1800" b="1" dirty="0">
+                <a:solidFill>
+                  <a:srgbClr val="323230"/>
+                </a:solidFill>
+                <a:latin typeface="微軟正黑體" panose="020B0604030504040204" pitchFamily="34" charset="-120"/>
+                <a:ea typeface="微軟正黑體" panose="020B0604030504040204" pitchFamily="34" charset="-120"/>
+              </a:rPr>
+              <a:t>版本</a:t>
+            </a:r>
+            <a:br>
+              <a:rPr lang="zh-TW" altLang="en-US" sz="1800" b="1" dirty="0">
+                <a:solidFill>
+                  <a:srgbClr val="323230"/>
+                </a:solidFill>
+                <a:latin typeface="微軟正黑體" panose="020B0604030504040204" pitchFamily="34" charset="-120"/>
+                <a:ea typeface="微軟正黑體" panose="020B0604030504040204" pitchFamily="34" charset="-120"/>
+              </a:rPr>
+            </a:br>
+            <a:endParaRPr lang="zh-TW" altLang="en-US" sz="1800" b="1" dirty="0">
+              <a:solidFill>
+                <a:srgbClr val="323230"/>
+              </a:solidFill>
+              <a:latin typeface="微軟正黑體" panose="020B0604030504040204" pitchFamily="34" charset="-120"/>
+              <a:ea typeface="微軟正黑體" panose="020B0604030504040204" pitchFamily="34" charset="-120"/>
+            </a:endParaRPr>
+          </a:p>
+        </p:txBody>
+      </p:sp>
+    </p:spTree>
+    <p:extLst>
+      <p:ext uri="{BB962C8B-B14F-4D97-AF65-F5344CB8AC3E}">
+        <p14:creationId xmlns:p14="http://schemas.microsoft.com/office/powerpoint/2010/main" val="261491581"/>
+      </p:ext>
+    </p:extLst>
+  </p:cSld>
+  <p:clrMapOvr>
+    <a:masterClrMapping/>
+  </p:clrMapOvr>
+</p:sld>
+</file>
+
+<file path=ppt/slides/slide47.xml><?xml version="1.0" encoding="utf-8"?>
+<p:sld xmlns:a="http://schemas.openxmlformats.org/drawingml/2006/main" xmlns:r="http://schemas.openxmlformats.org/officeDocument/2006/relationships" xmlns:p="http://schemas.openxmlformats.org/presentationml/2006/main">
+  <p:cSld>
+    <p:spTree>
+      <p:nvGrpSpPr>
+        <p:cNvPr id="1" name=""/>
+        <p:cNvGrpSpPr/>
+        <p:nvPr/>
+      </p:nvGrpSpPr>
+      <p:grpSpPr>
+        <a:xfrm>
+          <a:off x="0" y="0"/>
+          <a:ext cx="0" cy="0"/>
+          <a:chOff x="0" y="0"/>
+          <a:chExt cx="0" cy="0"/>
+        </a:xfrm>
+      </p:grpSpPr>
+      <p:sp>
+        <p:nvSpPr>
+          <p:cNvPr id="4" name="矩形 3"/>
+          <p:cNvSpPr/>
+          <p:nvPr/>
+        </p:nvSpPr>
+        <p:spPr>
+          <a:xfrm>
+            <a:off x="4038033" y="2505694"/>
+            <a:ext cx="3974998" cy="523220"/>
+          </a:xfrm>
+          <a:prstGeom prst="rect">
+            <a:avLst/>
+          </a:prstGeom>
+        </p:spPr>
+        <p:txBody>
+          <a:bodyPr wrap="square">
+            <a:spAutoFit/>
+          </a:bodyPr>
+          <a:lstStyle/>
+          <a:p>
+            <a:r>
+              <a:rPr lang="en-US" altLang="zh-TW" sz="2800" dirty="0" smtClean="0">
+                <a:solidFill>
+                  <a:srgbClr val="323230"/>
+                </a:solidFill>
+                <a:latin typeface="Adobe 繁黑體 Std B" panose="020B0700000000000000" pitchFamily="34" charset="-120"/>
+                <a:ea typeface="Adobe 繁黑體 Std B" panose="020B0700000000000000" pitchFamily="34" charset="-120"/>
+              </a:rPr>
+              <a:t>#</a:t>
+            </a:r>
+            <a:r>
+              <a:rPr lang="zh-TW" altLang="en-US" sz="2800" dirty="0" smtClean="0">
+                <a:solidFill>
+                  <a:srgbClr val="323230"/>
+                </a:solidFill>
+                <a:latin typeface="Adobe 繁黑體 Std B" panose="020B0700000000000000" pitchFamily="34" charset="-120"/>
+                <a:ea typeface="Adobe 繁黑體 Std B" panose="020B0700000000000000" pitchFamily="34" charset="-120"/>
+              </a:rPr>
+              <a:t> </a:t>
+            </a:r>
+            <a:r>
+              <a:rPr lang="en-US" altLang="zh-TW" sz="2800" dirty="0" smtClean="0">
+                <a:solidFill>
+                  <a:srgbClr val="323230"/>
+                </a:solidFill>
+                <a:latin typeface="Adobe 繁黑體 Std B" panose="020B0700000000000000" pitchFamily="34" charset="-120"/>
+                <a:ea typeface="Adobe 繁黑體 Std B" panose="020B0700000000000000" pitchFamily="34" charset="-120"/>
+              </a:rPr>
+              <a:t>Import</a:t>
+            </a:r>
+            <a:r>
+              <a:rPr lang="zh-TW" altLang="en-US" sz="2800" dirty="0" smtClean="0">
+                <a:solidFill>
+                  <a:srgbClr val="323230"/>
+                </a:solidFill>
+                <a:latin typeface="Adobe 繁黑體 Std B" panose="020B0700000000000000" pitchFamily="34" charset="-120"/>
+                <a:ea typeface="Adobe 繁黑體 Std B" panose="020B0700000000000000" pitchFamily="34" charset="-120"/>
+              </a:rPr>
+              <a:t> </a:t>
+            </a:r>
+            <a:r>
+              <a:rPr lang="en-US" altLang="zh-TW" sz="2800" dirty="0" smtClean="0">
+                <a:solidFill>
+                  <a:srgbClr val="323230"/>
+                </a:solidFill>
+                <a:latin typeface="Adobe 繁黑體 Std B" panose="020B0700000000000000" pitchFamily="34" charset="-120"/>
+                <a:ea typeface="Adobe 繁黑體 Std B" panose="020B0700000000000000" pitchFamily="34" charset="-120"/>
+              </a:rPr>
+              <a:t>and Require</a:t>
+            </a:r>
+          </a:p>
+        </p:txBody>
+      </p:sp>
+      <p:sp>
+        <p:nvSpPr>
+          <p:cNvPr id="5" name="矩形 4"/>
+          <p:cNvSpPr/>
+          <p:nvPr/>
+        </p:nvSpPr>
+        <p:spPr>
+          <a:xfrm>
+            <a:off x="2516286" y="3274495"/>
+            <a:ext cx="7018492" cy="1292662"/>
+          </a:xfrm>
+          <a:prstGeom prst="rect">
+            <a:avLst/>
+          </a:prstGeom>
+        </p:spPr>
+        <p:txBody>
+          <a:bodyPr wrap="square">
+            <a:spAutoFit/>
+          </a:bodyPr>
+          <a:lstStyle/>
+          <a:p>
+            <a:pPr>
+              <a:lnSpc>
+                <a:spcPct val="150000"/>
+              </a:lnSpc>
+              <a:spcAft>
+                <a:spcPts val="0"/>
+              </a:spcAft>
+            </a:pPr>
+            <a:r>
+              <a:rPr lang="en-US" altLang="zh-TW" sz="2400" kern="100" dirty="0">
+                <a:solidFill>
+                  <a:srgbClr val="323230"/>
+                </a:solidFill>
+                <a:latin typeface="Adobe 繁黑體 Std B" panose="020B0700000000000000" pitchFamily="34" charset="-120"/>
+                <a:ea typeface="Adobe 繁黑體 Std B" panose="020B0700000000000000" pitchFamily="34" charset="-120"/>
+                <a:cs typeface="Times New Roman" panose="02020603050405020304" pitchFamily="18" charset="0"/>
+              </a:rPr>
+              <a:t>Node</a:t>
+            </a:r>
+            <a:r>
+              <a:rPr lang="zh-TW" altLang="zh-TW" sz="2400" kern="100" dirty="0">
+                <a:solidFill>
+                  <a:srgbClr val="323230"/>
+                </a:solidFill>
+                <a:latin typeface="Adobe 繁黑體 Std B" panose="020B0700000000000000" pitchFamily="34" charset="-120"/>
+                <a:ea typeface="Adobe 繁黑體 Std B" panose="020B0700000000000000" pitchFamily="34" charset="-120"/>
+                <a:cs typeface="Arial" panose="020B0604020202020204" pitchFamily="34" charset="0"/>
+              </a:rPr>
+              <a:t>應用由模塊組成，採用</a:t>
+            </a:r>
+            <a:r>
+              <a:rPr lang="en-US" altLang="zh-TW" sz="2400" kern="100" dirty="0">
+                <a:solidFill>
+                  <a:srgbClr val="323230"/>
+                </a:solidFill>
+                <a:latin typeface="Adobe 繁黑體 Std B" panose="020B0700000000000000" pitchFamily="34" charset="-120"/>
+                <a:ea typeface="Adobe 繁黑體 Std B" panose="020B0700000000000000" pitchFamily="34" charset="-120"/>
+                <a:cs typeface="Times New Roman" panose="02020603050405020304" pitchFamily="18" charset="0"/>
+              </a:rPr>
+              <a:t> </a:t>
+            </a:r>
+            <a:r>
+              <a:rPr lang="en-US" altLang="zh-TW" sz="2400" kern="100" dirty="0" err="1">
+                <a:solidFill>
+                  <a:srgbClr val="323230"/>
+                </a:solidFill>
+                <a:latin typeface="Adobe 繁黑體 Std B" panose="020B0700000000000000" pitchFamily="34" charset="-120"/>
+                <a:ea typeface="Adobe 繁黑體 Std B" panose="020B0700000000000000" pitchFamily="34" charset="-120"/>
+                <a:cs typeface="Times New Roman" panose="02020603050405020304" pitchFamily="18" charset="0"/>
+              </a:rPr>
+              <a:t>CommonJS</a:t>
+            </a:r>
+            <a:r>
+              <a:rPr lang="en-US" altLang="zh-TW" sz="2400" kern="100" dirty="0">
+                <a:solidFill>
+                  <a:srgbClr val="323230"/>
+                </a:solidFill>
+                <a:latin typeface="Adobe 繁黑體 Std B" panose="020B0700000000000000" pitchFamily="34" charset="-120"/>
+                <a:ea typeface="Adobe 繁黑體 Std B" panose="020B0700000000000000" pitchFamily="34" charset="-120"/>
+                <a:cs typeface="Times New Roman" panose="02020603050405020304" pitchFamily="18" charset="0"/>
+              </a:rPr>
+              <a:t> </a:t>
+            </a:r>
+            <a:r>
+              <a:rPr lang="zh-TW" altLang="zh-TW" sz="2400" kern="100" dirty="0">
+                <a:solidFill>
+                  <a:srgbClr val="323230"/>
+                </a:solidFill>
+                <a:latin typeface="Adobe 繁黑體 Std B" panose="020B0700000000000000" pitchFamily="34" charset="-120"/>
+                <a:ea typeface="Adobe 繁黑體 Std B" panose="020B0700000000000000" pitchFamily="34" charset="-120"/>
+                <a:cs typeface="Arial" panose="020B0604020202020204" pitchFamily="34" charset="0"/>
+              </a:rPr>
+              <a:t>模塊規範</a:t>
+            </a:r>
+            <a:endParaRPr lang="zh-TW" altLang="zh-TW" sz="2400" kern="100" dirty="0">
+              <a:solidFill>
+                <a:srgbClr val="323230"/>
+              </a:solidFill>
+              <a:latin typeface="Adobe 繁黑體 Std B" panose="020B0700000000000000" pitchFamily="34" charset="-120"/>
+              <a:ea typeface="Adobe 繁黑體 Std B" panose="020B0700000000000000" pitchFamily="34" charset="-120"/>
+              <a:cs typeface="Times New Roman" panose="02020603050405020304" pitchFamily="18" charset="0"/>
+            </a:endParaRPr>
+          </a:p>
+          <a:p>
+            <a:pPr>
+              <a:lnSpc>
+                <a:spcPct val="150000"/>
+              </a:lnSpc>
+            </a:pPr>
+            <a:r>
+              <a:rPr lang="zh-TW" altLang="zh-TW" sz="1400" dirty="0">
+                <a:solidFill>
+                  <a:srgbClr val="323230"/>
+                </a:solidFill>
+                <a:latin typeface="Adobe 繁黑體 Std B" panose="020B0700000000000000" pitchFamily="34" charset="-120"/>
+                <a:ea typeface="Adobe 繁黑體 Std B" panose="020B0700000000000000" pitchFamily="34" charset="-120"/>
+                <a:cs typeface="Arial" panose="020B0604020202020204" pitchFamily="34" charset="0"/>
+              </a:rPr>
+              <a:t>每個文件就是一個模塊，有自己的作用域。在一個文件裡面定義的變數、</a:t>
+            </a:r>
+            <a:r>
+              <a:rPr lang="en-US" altLang="zh-TW" sz="1400" dirty="0">
+                <a:solidFill>
+                  <a:srgbClr val="323230"/>
+                </a:solidFill>
+                <a:latin typeface="Adobe 繁黑體 Std B" panose="020B0700000000000000" pitchFamily="34" charset="-120"/>
+                <a:ea typeface="Adobe 繁黑體 Std B" panose="020B0700000000000000" pitchFamily="34" charset="-120"/>
+              </a:rPr>
+              <a:t>function</a:t>
+            </a:r>
+            <a:r>
+              <a:rPr lang="zh-TW" altLang="zh-TW" sz="1400" dirty="0">
+                <a:solidFill>
+                  <a:srgbClr val="323230"/>
+                </a:solidFill>
+                <a:latin typeface="Adobe 繁黑體 Std B" panose="020B0700000000000000" pitchFamily="34" charset="-120"/>
+                <a:ea typeface="Adobe 繁黑體 Std B" panose="020B0700000000000000" pitchFamily="34" charset="-120"/>
+                <a:cs typeface="Arial" panose="020B0604020202020204" pitchFamily="34" charset="0"/>
+              </a:rPr>
+              <a:t>、類別，都是私有的。</a:t>
+            </a:r>
+            <a:endParaRPr lang="zh-TW" altLang="en-US" sz="1400" dirty="0">
+              <a:solidFill>
+                <a:srgbClr val="323230"/>
+              </a:solidFill>
+              <a:latin typeface="Adobe 繁黑體 Std B" panose="020B0700000000000000" pitchFamily="34" charset="-120"/>
+              <a:ea typeface="Adobe 繁黑體 Std B" panose="020B0700000000000000" pitchFamily="34" charset="-120"/>
+            </a:endParaRPr>
+          </a:p>
+        </p:txBody>
+      </p:sp>
+    </p:spTree>
+    <p:extLst>
+      <p:ext uri="{BB962C8B-B14F-4D97-AF65-F5344CB8AC3E}">
+        <p14:creationId xmlns:p14="http://schemas.microsoft.com/office/powerpoint/2010/main" val="3140785138"/>
+      </p:ext>
+    </p:extLst>
+  </p:cSld>
+  <p:clrMapOvr>
+    <a:masterClrMapping/>
+  </p:clrMapOvr>
+</p:sld>
+</file>
+
+<file path=ppt/slides/slide48.xml><?xml version="1.0" encoding="utf-8"?>
+<p:sld xmlns:a="http://schemas.openxmlformats.org/drawingml/2006/main" xmlns:r="http://schemas.openxmlformats.org/officeDocument/2006/relationships" xmlns:p="http://schemas.openxmlformats.org/presentationml/2006/main">
+  <p:cSld>
+    <p:spTree>
+      <p:nvGrpSpPr>
+        <p:cNvPr id="1" name=""/>
+        <p:cNvGrpSpPr/>
+        <p:nvPr/>
+      </p:nvGrpSpPr>
+      <p:grpSpPr>
+        <a:xfrm>
+          <a:off x="0" y="0"/>
+          <a:ext cx="0" cy="0"/>
+          <a:chOff x="0" y="0"/>
+          <a:chExt cx="0" cy="0"/>
+        </a:xfrm>
+      </p:grpSpPr>
+      <p:graphicFrame>
+        <p:nvGraphicFramePr>
+          <p:cNvPr id="6" name="表格 5"/>
+          <p:cNvGraphicFramePr>
+            <a:graphicFrameLocks noGrp="1"/>
+          </p:cNvGraphicFramePr>
+          <p:nvPr>
+            <p:extLst>
+              <p:ext uri="{D42A27DB-BD31-4B8C-83A1-F6EECF244321}">
+                <p14:modId xmlns:p14="http://schemas.microsoft.com/office/powerpoint/2010/main" val="769156377"/>
+              </p:ext>
+            </p:extLst>
+          </p:nvPr>
+        </p:nvGraphicFramePr>
+        <p:xfrm>
+          <a:off x="2889755" y="2397977"/>
+          <a:ext cx="6529374" cy="1112520"/>
+        </p:xfrm>
+        <a:graphic>
+          <a:graphicData uri="http://schemas.openxmlformats.org/drawingml/2006/table">
+            <a:tbl>
+              <a:tblPr firstRow="1" bandRow="1">
+                <a:tableStyleId>{5C22544A-7EE6-4342-B048-85BDC9FD1C3A}</a:tableStyleId>
+              </a:tblPr>
+              <a:tblGrid>
+                <a:gridCol w="2928418"/>
+                <a:gridCol w="3600956"/>
+              </a:tblGrid>
+              <a:tr h="370840">
+                <a:tc>
+                  <a:txBody>
+                    <a:bodyPr/>
+                    <a:lstStyle/>
+                    <a:p>
+                      <a:r>
+                        <a:rPr lang="zh-TW" altLang="en-US" dirty="0" smtClean="0">
+                          <a:solidFill>
+                            <a:schemeClr val="tx1"/>
+                          </a:solidFill>
+                          <a:latin typeface="Adobe 繁黑體 Std B" panose="020B0700000000000000" pitchFamily="34" charset="-120"/>
+                          <a:ea typeface="Adobe 繁黑體 Std B" panose="020B0700000000000000" pitchFamily="34" charset="-120"/>
+                        </a:rPr>
+                        <a:t>輸出</a:t>
+                      </a:r>
+                      <a:endParaRPr lang="zh-TW" altLang="en-US" dirty="0">
+                        <a:solidFill>
+                          <a:schemeClr val="tx1"/>
+                        </a:solidFill>
+                        <a:latin typeface="Adobe 繁黑體 Std B" panose="020B0700000000000000" pitchFamily="34" charset="-120"/>
+                        <a:ea typeface="Adobe 繁黑體 Std B" panose="020B0700000000000000" pitchFamily="34" charset="-120"/>
+                      </a:endParaRPr>
+                    </a:p>
+                  </a:txBody>
+                  <a:tcPr/>
+                </a:tc>
+                <a:tc>
+                  <a:txBody>
+                    <a:bodyPr/>
+                    <a:lstStyle/>
+                    <a:p>
+                      <a:r>
+                        <a:rPr lang="zh-TW" altLang="en-US" dirty="0" smtClean="0">
+                          <a:solidFill>
+                            <a:schemeClr val="tx1"/>
+                          </a:solidFill>
+                          <a:latin typeface="Adobe 繁黑體 Std B" panose="020B0700000000000000" pitchFamily="34" charset="-120"/>
+                          <a:ea typeface="Adobe 繁黑體 Std B" panose="020B0700000000000000" pitchFamily="34" charset="-120"/>
+                        </a:rPr>
+                        <a:t>引入</a:t>
+                      </a:r>
+                      <a:endParaRPr lang="zh-TW" altLang="en-US" dirty="0">
+                        <a:solidFill>
+                          <a:schemeClr val="tx1"/>
+                        </a:solidFill>
+                        <a:latin typeface="Adobe 繁黑體 Std B" panose="020B0700000000000000" pitchFamily="34" charset="-120"/>
+                        <a:ea typeface="Adobe 繁黑體 Std B" panose="020B0700000000000000" pitchFamily="34" charset="-120"/>
+                      </a:endParaRPr>
+                    </a:p>
+                  </a:txBody>
+                  <a:tcPr/>
+                </a:tc>
+              </a:tr>
+              <a:tr h="370840">
+                <a:tc>
+                  <a:txBody>
+                    <a:bodyPr/>
+                    <a:lstStyle/>
+                    <a:p>
+                      <a:r>
+                        <a:rPr lang="en-US" altLang="zh-TW" sz="1800" kern="1200" dirty="0" err="1" smtClean="0">
+                          <a:solidFill>
+                            <a:schemeClr val="tx1"/>
+                          </a:solidFill>
+                          <a:effectLst/>
+                          <a:latin typeface="Adobe 繁黑體 Std B" panose="020B0700000000000000" pitchFamily="34" charset="-120"/>
+                          <a:ea typeface="Adobe 繁黑體 Std B" panose="020B0700000000000000" pitchFamily="34" charset="-120"/>
+                          <a:cs typeface="+mn-cs"/>
+                        </a:rPr>
+                        <a:t>module.exports</a:t>
+                      </a:r>
+                      <a:r>
+                        <a:rPr lang="en-US" altLang="zh-TW" sz="1800" kern="1200" dirty="0" smtClean="0">
+                          <a:solidFill>
+                            <a:schemeClr val="tx1"/>
+                          </a:solidFill>
+                          <a:effectLst/>
+                          <a:latin typeface="Adobe 繁黑體 Std B" panose="020B0700000000000000" pitchFamily="34" charset="-120"/>
+                          <a:ea typeface="Adobe 繁黑體 Std B" panose="020B0700000000000000" pitchFamily="34" charset="-120"/>
+                          <a:cs typeface="+mn-cs"/>
+                        </a:rPr>
+                        <a:t> = </a:t>
+                      </a:r>
+                      <a:r>
+                        <a:rPr lang="zh-TW" altLang="zh-TW" sz="1800" kern="1200" dirty="0" smtClean="0">
+                          <a:solidFill>
+                            <a:schemeClr val="tx1"/>
+                          </a:solidFill>
+                          <a:effectLst/>
+                          <a:latin typeface="Adobe 繁黑體 Std B" panose="020B0700000000000000" pitchFamily="34" charset="-120"/>
+                          <a:ea typeface="Adobe 繁黑體 Std B" panose="020B0700000000000000" pitchFamily="34" charset="-120"/>
+                          <a:cs typeface="+mn-cs"/>
+                        </a:rPr>
+                        <a:t>模塊</a:t>
+                      </a:r>
+                      <a:endParaRPr lang="zh-TW" altLang="en-US" dirty="0">
+                        <a:solidFill>
+                          <a:schemeClr val="tx1"/>
+                        </a:solidFill>
+                        <a:latin typeface="Adobe 繁黑體 Std B" panose="020B0700000000000000" pitchFamily="34" charset="-120"/>
+                        <a:ea typeface="Adobe 繁黑體 Std B" panose="020B0700000000000000" pitchFamily="34" charset="-120"/>
+                      </a:endParaRPr>
+                    </a:p>
+                  </a:txBody>
+                  <a:tcPr/>
+                </a:tc>
+                <a:tc>
+                  <a:txBody>
+                    <a:bodyPr/>
+                    <a:lstStyle/>
+                    <a:p>
+                      <a:r>
+                        <a:rPr lang="en-US" altLang="zh-TW" sz="1800" kern="1200" dirty="0" err="1" smtClean="0">
+                          <a:solidFill>
+                            <a:schemeClr val="tx1"/>
+                          </a:solidFill>
+                          <a:effectLst/>
+                          <a:latin typeface="Adobe 繁黑體 Std B" panose="020B0700000000000000" pitchFamily="34" charset="-120"/>
+                          <a:ea typeface="Adobe 繁黑體 Std B" panose="020B0700000000000000" pitchFamily="34" charset="-120"/>
+                          <a:cs typeface="+mn-cs"/>
+                        </a:rPr>
+                        <a:t>var</a:t>
+                      </a:r>
+                      <a:r>
+                        <a:rPr lang="zh-TW" altLang="en-US" sz="1800" kern="1200" dirty="0" smtClean="0">
+                          <a:solidFill>
+                            <a:schemeClr val="tx1"/>
+                          </a:solidFill>
+                          <a:effectLst/>
+                          <a:latin typeface="Adobe 繁黑體 Std B" panose="020B0700000000000000" pitchFamily="34" charset="-120"/>
+                          <a:ea typeface="Adobe 繁黑體 Std B" panose="020B0700000000000000" pitchFamily="34" charset="-120"/>
+                          <a:cs typeface="+mn-cs"/>
+                        </a:rPr>
+                        <a:t> </a:t>
+                      </a:r>
+                      <a:r>
+                        <a:rPr lang="zh-TW" altLang="zh-TW" sz="1800" kern="1200" dirty="0" smtClean="0">
+                          <a:solidFill>
+                            <a:schemeClr val="tx1"/>
+                          </a:solidFill>
+                          <a:effectLst/>
+                          <a:latin typeface="Adobe 繁黑體 Std B" panose="020B0700000000000000" pitchFamily="34" charset="-120"/>
+                          <a:ea typeface="Adobe 繁黑體 Std B" panose="020B0700000000000000" pitchFamily="34" charset="-120"/>
+                          <a:cs typeface="+mn-cs"/>
+                        </a:rPr>
+                        <a:t>名稱</a:t>
+                      </a:r>
+                      <a:r>
+                        <a:rPr lang="en-US" altLang="zh-TW" sz="1800" kern="1200" dirty="0" smtClean="0">
+                          <a:solidFill>
+                            <a:schemeClr val="tx1"/>
+                          </a:solidFill>
+                          <a:effectLst/>
+                          <a:latin typeface="Adobe 繁黑體 Std B" panose="020B0700000000000000" pitchFamily="34" charset="-120"/>
+                          <a:ea typeface="Adobe 繁黑體 Std B" panose="020B0700000000000000" pitchFamily="34" charset="-120"/>
+                          <a:cs typeface="+mn-cs"/>
+                        </a:rPr>
+                        <a:t> = require(“</a:t>
+                      </a:r>
+                      <a:r>
+                        <a:rPr lang="zh-TW" altLang="zh-TW" sz="1800" kern="1200" dirty="0" smtClean="0">
+                          <a:solidFill>
+                            <a:schemeClr val="tx1"/>
+                          </a:solidFill>
+                          <a:effectLst/>
+                          <a:latin typeface="Adobe 繁黑體 Std B" panose="020B0700000000000000" pitchFamily="34" charset="-120"/>
+                          <a:ea typeface="Adobe 繁黑體 Std B" panose="020B0700000000000000" pitchFamily="34" charset="-120"/>
+                          <a:cs typeface="+mn-cs"/>
+                        </a:rPr>
+                        <a:t>模塊擋名</a:t>
+                      </a:r>
+                      <a:r>
+                        <a:rPr lang="en-US" altLang="zh-TW" sz="1800" kern="1200" dirty="0" smtClean="0">
+                          <a:solidFill>
+                            <a:schemeClr val="tx1"/>
+                          </a:solidFill>
+                          <a:effectLst/>
+                          <a:latin typeface="Adobe 繁黑體 Std B" panose="020B0700000000000000" pitchFamily="34" charset="-120"/>
+                          <a:ea typeface="Adobe 繁黑體 Std B" panose="020B0700000000000000" pitchFamily="34" charset="-120"/>
+                          <a:cs typeface="+mn-cs"/>
+                        </a:rPr>
+                        <a:t>”)</a:t>
+                      </a:r>
+                      <a:endParaRPr lang="zh-TW" altLang="en-US" dirty="0">
+                        <a:solidFill>
+                          <a:schemeClr val="tx1"/>
+                        </a:solidFill>
+                        <a:latin typeface="Adobe 繁黑體 Std B" panose="020B0700000000000000" pitchFamily="34" charset="-120"/>
+                        <a:ea typeface="Adobe 繁黑體 Std B" panose="020B0700000000000000" pitchFamily="34" charset="-120"/>
+                      </a:endParaRPr>
+                    </a:p>
+                  </a:txBody>
+                  <a:tcPr/>
+                </a:tc>
+              </a:tr>
+              <a:tr h="370840">
+                <a:tc>
+                  <a:txBody>
+                    <a:bodyPr/>
+                    <a:lstStyle/>
+                    <a:p>
+                      <a:r>
+                        <a:rPr lang="en-US" altLang="zh-TW" sz="1800" kern="1200" dirty="0" smtClean="0">
+                          <a:solidFill>
+                            <a:schemeClr val="tx1"/>
+                          </a:solidFill>
+                          <a:effectLst/>
+                          <a:latin typeface="Adobe 繁黑體 Std B" panose="020B0700000000000000" pitchFamily="34" charset="-120"/>
+                          <a:ea typeface="Adobe 繁黑體 Std B" panose="020B0700000000000000" pitchFamily="34" charset="-120"/>
+                          <a:cs typeface="+mn-cs"/>
+                        </a:rPr>
+                        <a:t>export  default</a:t>
+                      </a:r>
+                      <a:r>
+                        <a:rPr lang="zh-TW" altLang="en-US" sz="1800" kern="1200" dirty="0" smtClean="0">
+                          <a:solidFill>
+                            <a:schemeClr val="tx1"/>
+                          </a:solidFill>
+                          <a:effectLst/>
+                          <a:latin typeface="Adobe 繁黑體 Std B" panose="020B0700000000000000" pitchFamily="34" charset="-120"/>
+                          <a:ea typeface="Adobe 繁黑體 Std B" panose="020B0700000000000000" pitchFamily="34" charset="-120"/>
+                          <a:cs typeface="+mn-cs"/>
+                        </a:rPr>
+                        <a:t>  </a:t>
+                      </a:r>
+                      <a:r>
+                        <a:rPr lang="zh-TW" altLang="zh-TW" sz="1800" kern="1200" dirty="0" smtClean="0">
+                          <a:solidFill>
+                            <a:schemeClr val="tx1"/>
+                          </a:solidFill>
+                          <a:effectLst/>
+                          <a:latin typeface="Adobe 繁黑體 Std B" panose="020B0700000000000000" pitchFamily="34" charset="-120"/>
+                          <a:ea typeface="Adobe 繁黑體 Std B" panose="020B0700000000000000" pitchFamily="34" charset="-120"/>
+                          <a:cs typeface="+mn-cs"/>
+                        </a:rPr>
+                        <a:t>模塊</a:t>
+                      </a:r>
+                      <a:r>
+                        <a:rPr lang="en-US" altLang="zh-TW" sz="1800" kern="1200" dirty="0" smtClean="0">
+                          <a:solidFill>
+                            <a:schemeClr val="tx1"/>
+                          </a:solidFill>
+                          <a:effectLst/>
+                          <a:latin typeface="Adobe 繁黑體 Std B" panose="020B0700000000000000" pitchFamily="34" charset="-120"/>
+                          <a:ea typeface="Adobe 繁黑體 Std B" panose="020B0700000000000000" pitchFamily="34" charset="-120"/>
+                          <a:cs typeface="+mn-cs"/>
+                        </a:rPr>
+                        <a:t>;</a:t>
+                      </a:r>
+                      <a:endParaRPr lang="zh-TW" altLang="en-US" dirty="0">
+                        <a:solidFill>
+                          <a:schemeClr val="tx1"/>
+                        </a:solidFill>
+                        <a:latin typeface="Adobe 繁黑體 Std B" panose="020B0700000000000000" pitchFamily="34" charset="-120"/>
+                        <a:ea typeface="Adobe 繁黑體 Std B" panose="020B0700000000000000" pitchFamily="34" charset="-120"/>
+                      </a:endParaRPr>
+                    </a:p>
+                  </a:txBody>
+                  <a:tcPr/>
+                </a:tc>
+                <a:tc>
+                  <a:txBody>
+                    <a:bodyPr/>
+                    <a:lstStyle/>
+                    <a:p>
+                      <a:r>
+                        <a:rPr lang="en-US" altLang="zh-TW" sz="1800" kern="1200" dirty="0" smtClean="0">
+                          <a:solidFill>
+                            <a:schemeClr val="tx1"/>
+                          </a:solidFill>
+                          <a:effectLst/>
+                          <a:latin typeface="Adobe 繁黑體 Std B" panose="020B0700000000000000" pitchFamily="34" charset="-120"/>
+                          <a:ea typeface="Adobe 繁黑體 Std B" panose="020B0700000000000000" pitchFamily="34" charset="-120"/>
+                          <a:cs typeface="+mn-cs"/>
+                        </a:rPr>
+                        <a:t>Import  </a:t>
+                      </a:r>
+                      <a:r>
+                        <a:rPr lang="zh-TW" altLang="zh-TW" sz="1800" kern="1200" dirty="0" smtClean="0">
+                          <a:solidFill>
+                            <a:schemeClr val="tx1"/>
+                          </a:solidFill>
+                          <a:effectLst/>
+                          <a:latin typeface="Adobe 繁黑體 Std B" panose="020B0700000000000000" pitchFamily="34" charset="-120"/>
+                          <a:ea typeface="Adobe 繁黑體 Std B" panose="020B0700000000000000" pitchFamily="34" charset="-120"/>
+                          <a:cs typeface="+mn-cs"/>
+                        </a:rPr>
+                        <a:t>名稱</a:t>
+                      </a:r>
+                      <a:r>
+                        <a:rPr lang="en-US" altLang="zh-TW" sz="1800" kern="1200" dirty="0" smtClean="0">
+                          <a:solidFill>
+                            <a:schemeClr val="tx1"/>
+                          </a:solidFill>
+                          <a:effectLst/>
+                          <a:latin typeface="Adobe 繁黑體 Std B" panose="020B0700000000000000" pitchFamily="34" charset="-120"/>
+                          <a:ea typeface="Adobe 繁黑體 Std B" panose="020B0700000000000000" pitchFamily="34" charset="-120"/>
+                          <a:cs typeface="+mn-cs"/>
+                        </a:rPr>
+                        <a:t> </a:t>
+                      </a:r>
+                      <a:r>
+                        <a:rPr lang="zh-TW" altLang="zh-TW" sz="1800" kern="1200" dirty="0" smtClean="0">
+                          <a:solidFill>
+                            <a:schemeClr val="tx1"/>
+                          </a:solidFill>
+                          <a:effectLst/>
+                          <a:latin typeface="Adobe 繁黑體 Std B" panose="020B0700000000000000" pitchFamily="34" charset="-120"/>
+                          <a:ea typeface="Adobe 繁黑體 Std B" panose="020B0700000000000000" pitchFamily="34" charset="-120"/>
+                          <a:cs typeface="+mn-cs"/>
+                        </a:rPr>
+                        <a:t> </a:t>
+                      </a:r>
+                      <a:r>
+                        <a:rPr lang="en-US" altLang="zh-TW" sz="1800" kern="1200" dirty="0" smtClean="0">
+                          <a:solidFill>
+                            <a:schemeClr val="tx1"/>
+                          </a:solidFill>
+                          <a:effectLst/>
+                          <a:latin typeface="Adobe 繁黑體 Std B" panose="020B0700000000000000" pitchFamily="34" charset="-120"/>
+                          <a:ea typeface="Adobe 繁黑體 Std B" panose="020B0700000000000000" pitchFamily="34" charset="-120"/>
+                          <a:cs typeface="+mn-cs"/>
+                        </a:rPr>
+                        <a:t>from“</a:t>
+                      </a:r>
+                      <a:r>
+                        <a:rPr lang="zh-TW" altLang="zh-TW" sz="1800" kern="1200" dirty="0" smtClean="0">
+                          <a:solidFill>
+                            <a:schemeClr val="tx1"/>
+                          </a:solidFill>
+                          <a:effectLst/>
+                          <a:latin typeface="Adobe 繁黑體 Std B" panose="020B0700000000000000" pitchFamily="34" charset="-120"/>
+                          <a:ea typeface="Adobe 繁黑體 Std B" panose="020B0700000000000000" pitchFamily="34" charset="-120"/>
+                          <a:cs typeface="+mn-cs"/>
+                        </a:rPr>
+                        <a:t>模塊擋名</a:t>
+                      </a:r>
+                      <a:r>
+                        <a:rPr lang="en-US" altLang="zh-TW" sz="1800" kern="1200" dirty="0" smtClean="0">
+                          <a:solidFill>
+                            <a:schemeClr val="tx1"/>
+                          </a:solidFill>
+                          <a:effectLst/>
+                          <a:latin typeface="Adobe 繁黑體 Std B" panose="020B0700000000000000" pitchFamily="34" charset="-120"/>
+                          <a:ea typeface="Adobe 繁黑體 Std B" panose="020B0700000000000000" pitchFamily="34" charset="-120"/>
+                          <a:cs typeface="+mn-cs"/>
+                        </a:rPr>
+                        <a:t>”</a:t>
+                      </a:r>
+                      <a:endParaRPr lang="zh-TW" altLang="en-US" dirty="0">
+                        <a:solidFill>
+                          <a:schemeClr val="tx1"/>
+                        </a:solidFill>
+                        <a:latin typeface="Adobe 繁黑體 Std B" panose="020B0700000000000000" pitchFamily="34" charset="-120"/>
+                        <a:ea typeface="Adobe 繁黑體 Std B" panose="020B0700000000000000" pitchFamily="34" charset="-120"/>
+                      </a:endParaRPr>
+                    </a:p>
+                  </a:txBody>
+                  <a:tcPr/>
+                </a:tc>
+              </a:tr>
+            </a:tbl>
+          </a:graphicData>
+        </a:graphic>
+      </p:graphicFrame>
+      <p:sp>
+        <p:nvSpPr>
+          <p:cNvPr id="7" name="矩形 6"/>
+          <p:cNvSpPr/>
+          <p:nvPr/>
+        </p:nvSpPr>
+        <p:spPr>
+          <a:xfrm>
+            <a:off x="2889755" y="3750015"/>
+            <a:ext cx="6096000" cy="1477328"/>
+          </a:xfrm>
+          <a:prstGeom prst="rect">
+            <a:avLst/>
+          </a:prstGeom>
+        </p:spPr>
+        <p:txBody>
+          <a:bodyPr>
+            <a:spAutoFit/>
+          </a:bodyPr>
+          <a:lstStyle/>
+          <a:p>
+            <a:pPr>
+              <a:lnSpc>
+                <a:spcPct val="150000"/>
+              </a:lnSpc>
+              <a:spcAft>
+                <a:spcPts val="0"/>
+              </a:spcAft>
+            </a:pPr>
+            <a:r>
+              <a:rPr lang="en-US" altLang="zh-TW" sz="2400" b="1" kern="100" dirty="0">
+                <a:solidFill>
+                  <a:srgbClr val="323230"/>
+                </a:solidFill>
+                <a:latin typeface="Adobe 繁黑體 Std B" panose="020B0700000000000000" pitchFamily="34" charset="-120"/>
+                <a:ea typeface="Adobe 繁黑體 Std B" panose="020B0700000000000000" pitchFamily="34" charset="-120"/>
+                <a:cs typeface="Times New Roman" panose="02020603050405020304" pitchFamily="18" charset="0"/>
+              </a:rPr>
+              <a:t>require </a:t>
+            </a:r>
+            <a:r>
+              <a:rPr lang="zh-TW" altLang="zh-TW" sz="2400" b="1" kern="100" dirty="0">
+                <a:solidFill>
+                  <a:srgbClr val="323230"/>
+                </a:solidFill>
+                <a:latin typeface="Adobe 繁黑體 Std B" panose="020B0700000000000000" pitchFamily="34" charset="-120"/>
+                <a:ea typeface="Adobe 繁黑體 Std B" panose="020B0700000000000000" pitchFamily="34" charset="-120"/>
+                <a:cs typeface="Times New Roman" panose="02020603050405020304" pitchFamily="18" charset="0"/>
+              </a:rPr>
+              <a:t>與</a:t>
+            </a:r>
+            <a:r>
+              <a:rPr lang="en-US" altLang="zh-TW" sz="2400" b="1" kern="100" dirty="0">
+                <a:solidFill>
+                  <a:srgbClr val="323230"/>
+                </a:solidFill>
+                <a:latin typeface="Adobe 繁黑體 Std B" panose="020B0700000000000000" pitchFamily="34" charset="-120"/>
+                <a:ea typeface="Adobe 繁黑體 Std B" panose="020B0700000000000000" pitchFamily="34" charset="-120"/>
+                <a:cs typeface="Times New Roman" panose="02020603050405020304" pitchFamily="18" charset="0"/>
+              </a:rPr>
+              <a:t> import</a:t>
+            </a:r>
+            <a:endParaRPr lang="zh-TW" altLang="zh-TW" sz="2400" kern="100" dirty="0">
+              <a:solidFill>
+                <a:srgbClr val="323230"/>
+              </a:solidFill>
+              <a:latin typeface="Adobe 繁黑體 Std B" panose="020B0700000000000000" pitchFamily="34" charset="-120"/>
+              <a:ea typeface="Adobe 繁黑體 Std B" panose="020B0700000000000000" pitchFamily="34" charset="-120"/>
+              <a:cs typeface="Times New Roman" panose="02020603050405020304" pitchFamily="18" charset="0"/>
+            </a:endParaRPr>
+          </a:p>
+          <a:p>
+            <a:pPr>
+              <a:lnSpc>
+                <a:spcPct val="150000"/>
+              </a:lnSpc>
+              <a:spcAft>
+                <a:spcPts val="0"/>
+              </a:spcAft>
+            </a:pPr>
+            <a:r>
+              <a:rPr lang="en-US" altLang="zh-TW" kern="100" dirty="0">
+                <a:solidFill>
+                  <a:srgbClr val="323230"/>
+                </a:solidFill>
+                <a:latin typeface="Adobe 繁黑體 Std B" panose="020B0700000000000000" pitchFamily="34" charset="-120"/>
+                <a:ea typeface="Adobe 繁黑體 Std B" panose="020B0700000000000000" pitchFamily="34" charset="-120"/>
+                <a:cs typeface="Times New Roman" panose="02020603050405020304" pitchFamily="18" charset="0"/>
+              </a:rPr>
+              <a:t>require </a:t>
+            </a:r>
+            <a:r>
+              <a:rPr lang="en-US" altLang="zh-TW" kern="100" dirty="0" smtClean="0">
+                <a:solidFill>
+                  <a:srgbClr val="323230"/>
+                </a:solidFill>
+                <a:latin typeface="Adobe 繁黑體 Std B" panose="020B0700000000000000" pitchFamily="34" charset="-120"/>
+                <a:ea typeface="Adobe 繁黑體 Std B" panose="020B0700000000000000" pitchFamily="34" charset="-120"/>
+                <a:cs typeface="Times New Roman" panose="02020603050405020304" pitchFamily="18" charset="0"/>
+              </a:rPr>
+              <a:t> =&gt; </a:t>
+            </a:r>
+            <a:r>
+              <a:rPr lang="zh-TW" altLang="zh-TW" kern="100" dirty="0" smtClean="0">
+                <a:solidFill>
+                  <a:srgbClr val="323230"/>
+                </a:solidFill>
+                <a:latin typeface="Adobe 繁黑體 Std B" panose="020B0700000000000000" pitchFamily="34" charset="-120"/>
+                <a:ea typeface="Adobe 繁黑體 Std B" panose="020B0700000000000000" pitchFamily="34" charset="-120"/>
+                <a:cs typeface="Consolas" panose="020B0609020204030204" pitchFamily="49" charset="0"/>
+              </a:rPr>
+              <a:t>是</a:t>
+            </a:r>
+            <a:r>
+              <a:rPr lang="zh-TW" altLang="zh-TW" kern="100" dirty="0">
+                <a:solidFill>
+                  <a:srgbClr val="323230"/>
+                </a:solidFill>
+                <a:latin typeface="Adobe 繁黑體 Std B" panose="020B0700000000000000" pitchFamily="34" charset="-120"/>
+                <a:ea typeface="Adobe 繁黑體 Std B" panose="020B0700000000000000" pitchFamily="34" charset="-120"/>
+                <a:cs typeface="Consolas" panose="020B0609020204030204" pitchFamily="49" charset="0"/>
+              </a:rPr>
+              <a:t>在</a:t>
+            </a:r>
+            <a:r>
+              <a:rPr lang="en-US" altLang="zh-TW" kern="100" dirty="0">
+                <a:solidFill>
+                  <a:srgbClr val="323230"/>
+                </a:solidFill>
+                <a:latin typeface="Adobe 繁黑體 Std B" panose="020B0700000000000000" pitchFamily="34" charset="-120"/>
+                <a:ea typeface="Adobe 繁黑體 Std B" panose="020B0700000000000000" pitchFamily="34" charset="-120"/>
+                <a:cs typeface="Times New Roman" panose="02020603050405020304" pitchFamily="18" charset="0"/>
+              </a:rPr>
+              <a:t>es6</a:t>
+            </a:r>
+            <a:r>
+              <a:rPr lang="zh-TW" altLang="zh-TW" kern="100" dirty="0">
+                <a:solidFill>
+                  <a:srgbClr val="323230"/>
+                </a:solidFill>
+                <a:latin typeface="Adobe 繁黑體 Std B" panose="020B0700000000000000" pitchFamily="34" charset="-120"/>
+                <a:ea typeface="Adobe 繁黑體 Std B" panose="020B0700000000000000" pitchFamily="34" charset="-120"/>
+                <a:cs typeface="Consolas" panose="020B0609020204030204" pitchFamily="49" charset="0"/>
+              </a:rPr>
+              <a:t>出現前的</a:t>
+            </a:r>
+            <a:r>
+              <a:rPr lang="zh-TW" altLang="zh-TW" kern="100" dirty="0" smtClean="0">
+                <a:solidFill>
+                  <a:srgbClr val="323230"/>
+                </a:solidFill>
+                <a:latin typeface="Adobe 繁黑體 Std B" panose="020B0700000000000000" pitchFamily="34" charset="-120"/>
+                <a:ea typeface="Adobe 繁黑體 Std B" panose="020B0700000000000000" pitchFamily="34" charset="-120"/>
+                <a:cs typeface="Consolas" panose="020B0609020204030204" pitchFamily="49" charset="0"/>
+              </a:rPr>
+              <a:t>模</a:t>
+            </a:r>
+            <a:r>
+              <a:rPr lang="zh-TW" altLang="en-US" kern="100" dirty="0" smtClean="0">
+                <a:solidFill>
+                  <a:srgbClr val="323230"/>
+                </a:solidFill>
+                <a:latin typeface="Adobe 繁黑體 Std B" panose="020B0700000000000000" pitchFamily="34" charset="-120"/>
+                <a:ea typeface="Adobe 繁黑體 Std B" panose="020B0700000000000000" pitchFamily="34" charset="-120"/>
+                <a:cs typeface="Consolas" panose="020B0609020204030204" pitchFamily="49" charset="0"/>
+              </a:rPr>
+              <a:t>組</a:t>
+            </a:r>
+            <a:r>
+              <a:rPr lang="zh-TW" altLang="zh-TW" kern="100" dirty="0" smtClean="0">
+                <a:solidFill>
+                  <a:srgbClr val="323230"/>
+                </a:solidFill>
+                <a:latin typeface="Adobe 繁黑體 Std B" panose="020B0700000000000000" pitchFamily="34" charset="-120"/>
+                <a:ea typeface="Adobe 繁黑體 Std B" panose="020B0700000000000000" pitchFamily="34" charset="-120"/>
+                <a:cs typeface="Consolas" panose="020B0609020204030204" pitchFamily="49" charset="0"/>
+              </a:rPr>
+              <a:t>化</a:t>
+            </a:r>
+            <a:r>
+              <a:rPr lang="zh-TW" altLang="zh-TW" kern="100" dirty="0">
+                <a:solidFill>
+                  <a:srgbClr val="323230"/>
+                </a:solidFill>
+                <a:latin typeface="Adobe 繁黑體 Std B" panose="020B0700000000000000" pitchFamily="34" charset="-120"/>
+                <a:ea typeface="Adobe 繁黑體 Std B" panose="020B0700000000000000" pitchFamily="34" charset="-120"/>
+                <a:cs typeface="Consolas" panose="020B0609020204030204" pitchFamily="49" charset="0"/>
+              </a:rPr>
+              <a:t>開發方式</a:t>
+            </a:r>
+            <a:endParaRPr lang="zh-TW" altLang="zh-TW" kern="100" dirty="0">
+              <a:solidFill>
+                <a:srgbClr val="323230"/>
+              </a:solidFill>
+              <a:latin typeface="Adobe 繁黑體 Std B" panose="020B0700000000000000" pitchFamily="34" charset="-120"/>
+              <a:ea typeface="Adobe 繁黑體 Std B" panose="020B0700000000000000" pitchFamily="34" charset="-120"/>
+              <a:cs typeface="Times New Roman" panose="02020603050405020304" pitchFamily="18" charset="0"/>
+            </a:endParaRPr>
+          </a:p>
+          <a:p>
+            <a:pPr>
+              <a:lnSpc>
+                <a:spcPct val="150000"/>
+              </a:lnSpc>
+              <a:spcAft>
+                <a:spcPts val="0"/>
+              </a:spcAft>
+            </a:pPr>
+            <a:r>
+              <a:rPr lang="en-US" altLang="zh-TW" kern="100" dirty="0">
+                <a:solidFill>
+                  <a:srgbClr val="323230"/>
+                </a:solidFill>
+                <a:latin typeface="Adobe 繁黑體 Std B" panose="020B0700000000000000" pitchFamily="34" charset="-120"/>
+                <a:ea typeface="Adobe 繁黑體 Std B" panose="020B0700000000000000" pitchFamily="34" charset="-120"/>
+                <a:cs typeface="Times New Roman" panose="02020603050405020304" pitchFamily="18" charset="0"/>
+              </a:rPr>
+              <a:t>import </a:t>
+            </a:r>
+            <a:r>
+              <a:rPr lang="en-US" altLang="zh-TW" kern="100" dirty="0" smtClean="0">
+                <a:solidFill>
+                  <a:srgbClr val="323230"/>
+                </a:solidFill>
+                <a:latin typeface="Adobe 繁黑體 Std B" panose="020B0700000000000000" pitchFamily="34" charset="-120"/>
+                <a:ea typeface="Adobe 繁黑體 Std B" panose="020B0700000000000000" pitchFamily="34" charset="-120"/>
+                <a:cs typeface="Times New Roman" panose="02020603050405020304" pitchFamily="18" charset="0"/>
+              </a:rPr>
+              <a:t> </a:t>
+            </a:r>
+            <a:r>
+              <a:rPr lang="en-US" altLang="zh-TW" kern="100" dirty="0">
+                <a:solidFill>
+                  <a:srgbClr val="323230"/>
+                </a:solidFill>
+                <a:latin typeface="Adobe 繁黑體 Std B" panose="020B0700000000000000" pitchFamily="34" charset="-120"/>
+                <a:ea typeface="Adobe 繁黑體 Std B" panose="020B0700000000000000" pitchFamily="34" charset="-120"/>
+                <a:cs typeface="Times New Roman" panose="02020603050405020304" pitchFamily="18" charset="0"/>
+              </a:rPr>
+              <a:t> </a:t>
+            </a:r>
+            <a:r>
+              <a:rPr lang="en-US" altLang="zh-TW" kern="100" dirty="0" smtClean="0">
+                <a:solidFill>
+                  <a:srgbClr val="323230"/>
+                </a:solidFill>
+                <a:latin typeface="Adobe 繁黑體 Std B" panose="020B0700000000000000" pitchFamily="34" charset="-120"/>
+                <a:ea typeface="Adobe 繁黑體 Std B" panose="020B0700000000000000" pitchFamily="34" charset="-120"/>
+                <a:cs typeface="Times New Roman" panose="02020603050405020304" pitchFamily="18" charset="0"/>
+              </a:rPr>
+              <a:t>=&gt; </a:t>
+            </a:r>
+            <a:r>
+              <a:rPr lang="zh-TW" altLang="zh-TW" kern="100" dirty="0" smtClean="0">
+                <a:solidFill>
+                  <a:srgbClr val="323230"/>
+                </a:solidFill>
+                <a:latin typeface="Adobe 繁黑體 Std B" panose="020B0700000000000000" pitchFamily="34" charset="-120"/>
+                <a:ea typeface="Adobe 繁黑體 Std B" panose="020B0700000000000000" pitchFamily="34" charset="-120"/>
+                <a:cs typeface="Consolas" panose="020B0609020204030204" pitchFamily="49" charset="0"/>
+              </a:rPr>
+              <a:t>是</a:t>
+            </a:r>
+            <a:r>
+              <a:rPr lang="en-US" altLang="zh-TW" kern="100" dirty="0">
+                <a:solidFill>
+                  <a:srgbClr val="323230"/>
+                </a:solidFill>
+                <a:latin typeface="Adobe 繁黑體 Std B" panose="020B0700000000000000" pitchFamily="34" charset="-120"/>
+                <a:ea typeface="Adobe 繁黑體 Std B" panose="020B0700000000000000" pitchFamily="34" charset="-120"/>
+                <a:cs typeface="Times New Roman" panose="02020603050405020304" pitchFamily="18" charset="0"/>
+              </a:rPr>
+              <a:t>es6</a:t>
+            </a:r>
+            <a:r>
+              <a:rPr lang="zh-TW" altLang="zh-TW" kern="100" dirty="0">
+                <a:solidFill>
+                  <a:srgbClr val="323230"/>
+                </a:solidFill>
+                <a:latin typeface="Adobe 繁黑體 Std B" panose="020B0700000000000000" pitchFamily="34" charset="-120"/>
+                <a:ea typeface="Adobe 繁黑體 Std B" panose="020B0700000000000000" pitchFamily="34" charset="-120"/>
+                <a:cs typeface="Consolas" panose="020B0609020204030204" pitchFamily="49" charset="0"/>
+              </a:rPr>
+              <a:t>出現後的</a:t>
+            </a:r>
+            <a:r>
+              <a:rPr lang="zh-TW" altLang="zh-TW" kern="100" dirty="0" smtClean="0">
+                <a:solidFill>
+                  <a:srgbClr val="323230"/>
+                </a:solidFill>
+                <a:latin typeface="Adobe 繁黑體 Std B" panose="020B0700000000000000" pitchFamily="34" charset="-120"/>
+                <a:ea typeface="Adobe 繁黑體 Std B" panose="020B0700000000000000" pitchFamily="34" charset="-120"/>
+                <a:cs typeface="Consolas" panose="020B0609020204030204" pitchFamily="49" charset="0"/>
+              </a:rPr>
+              <a:t>模</a:t>
+            </a:r>
+            <a:r>
+              <a:rPr lang="zh-TW" altLang="en-US" kern="100" dirty="0">
+                <a:solidFill>
+                  <a:srgbClr val="323230"/>
+                </a:solidFill>
+                <a:latin typeface="Adobe 繁黑體 Std B" panose="020B0700000000000000" pitchFamily="34" charset="-120"/>
+                <a:ea typeface="Adobe 繁黑體 Std B" panose="020B0700000000000000" pitchFamily="34" charset="-120"/>
+                <a:cs typeface="Consolas" panose="020B0609020204030204" pitchFamily="49" charset="0"/>
+              </a:rPr>
+              <a:t>組</a:t>
+            </a:r>
+            <a:r>
+              <a:rPr lang="zh-TW" altLang="zh-TW" kern="100" dirty="0" smtClean="0">
+                <a:solidFill>
+                  <a:srgbClr val="323230"/>
+                </a:solidFill>
+                <a:latin typeface="Adobe 繁黑體 Std B" panose="020B0700000000000000" pitchFamily="34" charset="-120"/>
+                <a:ea typeface="Adobe 繁黑體 Std B" panose="020B0700000000000000" pitchFamily="34" charset="-120"/>
+                <a:cs typeface="Consolas" panose="020B0609020204030204" pitchFamily="49" charset="0"/>
+              </a:rPr>
+              <a:t>化</a:t>
+            </a:r>
+            <a:r>
+              <a:rPr lang="zh-TW" altLang="zh-TW" kern="100" dirty="0">
+                <a:solidFill>
+                  <a:srgbClr val="323230"/>
+                </a:solidFill>
+                <a:latin typeface="Adobe 繁黑體 Std B" panose="020B0700000000000000" pitchFamily="34" charset="-120"/>
+                <a:ea typeface="Adobe 繁黑體 Std B" panose="020B0700000000000000" pitchFamily="34" charset="-120"/>
+                <a:cs typeface="Consolas" panose="020B0609020204030204" pitchFamily="49" charset="0"/>
+              </a:rPr>
+              <a:t>開發方式</a:t>
+            </a:r>
+            <a:endParaRPr lang="zh-TW" altLang="zh-TW" kern="100" dirty="0">
+              <a:solidFill>
+                <a:srgbClr val="323230"/>
+              </a:solidFill>
+              <a:latin typeface="Adobe 繁黑體 Std B" panose="020B0700000000000000" pitchFamily="34" charset="-120"/>
+              <a:ea typeface="Adobe 繁黑體 Std B" panose="020B0700000000000000" pitchFamily="34" charset="-120"/>
+              <a:cs typeface="Times New Roman" panose="02020603050405020304" pitchFamily="18" charset="0"/>
+            </a:endParaRPr>
+          </a:p>
+        </p:txBody>
+      </p:sp>
+    </p:spTree>
+    <p:extLst>
+      <p:ext uri="{BB962C8B-B14F-4D97-AF65-F5344CB8AC3E}">
+        <p14:creationId xmlns:p14="http://schemas.microsoft.com/office/powerpoint/2010/main" val="3340566150"/>
+      </p:ext>
+    </p:extLst>
+  </p:cSld>
+  <p:clrMapOvr>
+    <a:masterClrMapping/>
+  </p:clrMapOvr>
+</p:sld>
+</file>
+
+<file path=ppt/slides/slide49.xml><?xml version="1.0" encoding="utf-8"?>
+<p:sld xmlns:a="http://schemas.openxmlformats.org/drawingml/2006/main" xmlns:r="http://schemas.openxmlformats.org/officeDocument/2006/relationships" xmlns:p="http://schemas.openxmlformats.org/presentationml/2006/main">
+  <p:cSld>
+    <p:bg>
+      <p:bgPr>
+        <a:solidFill>
+          <a:srgbClr val="323230"/>
+        </a:solidFill>
+        <a:effectLst/>
+      </p:bgPr>
+    </p:bg>
+    <p:spTree>
+      <p:nvGrpSpPr>
+        <p:cNvPr id="1" name=""/>
+        <p:cNvGrpSpPr/>
+        <p:nvPr/>
+      </p:nvGrpSpPr>
+      <p:grpSpPr>
+        <a:xfrm>
+          <a:off x="0" y="0"/>
+          <a:ext cx="0" cy="0"/>
+          <a:chOff x="0" y="0"/>
+          <a:chExt cx="0" cy="0"/>
+        </a:xfrm>
+      </p:grpSpPr>
+      <p:sp>
+        <p:nvSpPr>
+          <p:cNvPr id="2" name="矩形 1"/>
+          <p:cNvSpPr/>
+          <p:nvPr/>
+        </p:nvSpPr>
+        <p:spPr>
+          <a:xfrm>
+            <a:off x="2768338" y="4604504"/>
+            <a:ext cx="6096000" cy="646331"/>
+          </a:xfrm>
+          <a:prstGeom prst="rect">
+            <a:avLst/>
+          </a:prstGeom>
+        </p:spPr>
+        <p:txBody>
+          <a:bodyPr>
+            <a:spAutoFit/>
+          </a:bodyPr>
+          <a:lstStyle/>
+          <a:p>
+            <a:r>
+              <a:rPr lang="zh-TW" altLang="en-US" dirty="0">
+                <a:solidFill>
+                  <a:srgbClr val="F0DA50"/>
+                </a:solidFill>
+              </a:rPr>
+              <a:t>https://www.youtube.com/channel/UC7ArpUezGLX-dZ0FTS_jVMQ?view_as=subscriber</a:t>
+            </a:r>
+          </a:p>
+        </p:txBody>
+      </p:sp>
+      <p:pic>
+        <p:nvPicPr>
+          <p:cNvPr id="3" name="圖片 2"/>
+          <p:cNvPicPr>
+            <a:picLocks noChangeAspect="1"/>
+          </p:cNvPicPr>
+          <p:nvPr/>
+        </p:nvPicPr>
+        <p:blipFill>
+          <a:blip r:embed="rId2" cstate="print">
+            <a:extLst>
+              <a:ext uri="{28A0092B-C50C-407E-A947-70E740481C1C}">
+                <a14:useLocalDpi xmlns:a14="http://schemas.microsoft.com/office/drawing/2010/main" val="0"/>
+              </a:ext>
+            </a:extLst>
+          </a:blip>
+          <a:stretch>
+            <a:fillRect/>
+          </a:stretch>
+        </p:blipFill>
+        <p:spPr>
+          <a:xfrm>
+            <a:off x="783055" y="4499279"/>
+            <a:ext cx="1618687" cy="847282"/>
+          </a:xfrm>
+          <a:prstGeom prst="rect">
+            <a:avLst/>
+          </a:prstGeom>
+        </p:spPr>
+      </p:pic>
+      <p:pic>
+        <p:nvPicPr>
+          <p:cNvPr id="4" name="圖片 3"/>
+          <p:cNvPicPr>
+            <a:picLocks noChangeAspect="1"/>
+          </p:cNvPicPr>
+          <p:nvPr/>
+        </p:nvPicPr>
+        <p:blipFill>
+          <a:blip r:embed="rId3" cstate="print">
+            <a:extLst>
+              <a:ext uri="{28A0092B-C50C-407E-A947-70E740481C1C}">
+                <a14:useLocalDpi xmlns:a14="http://schemas.microsoft.com/office/drawing/2010/main" val="0"/>
+              </a:ext>
+            </a:extLst>
+          </a:blip>
+          <a:stretch>
+            <a:fillRect/>
+          </a:stretch>
+        </p:blipFill>
+        <p:spPr>
+          <a:xfrm>
+            <a:off x="783056" y="3592018"/>
+            <a:ext cx="1636907" cy="624071"/>
+          </a:xfrm>
+          <a:prstGeom prst="rect">
+            <a:avLst/>
+          </a:prstGeom>
+        </p:spPr>
+      </p:pic>
+      <p:sp>
+        <p:nvSpPr>
+          <p:cNvPr id="5" name="矩形 4"/>
+          <p:cNvSpPr/>
+          <p:nvPr/>
+        </p:nvSpPr>
+        <p:spPr>
+          <a:xfrm>
+            <a:off x="2768338" y="3640726"/>
+            <a:ext cx="2076209" cy="369332"/>
+          </a:xfrm>
+          <a:prstGeom prst="rect">
+            <a:avLst/>
+          </a:prstGeom>
+        </p:spPr>
+        <p:txBody>
+          <a:bodyPr wrap="none">
+            <a:spAutoFit/>
+          </a:bodyPr>
+          <a:lstStyle/>
+          <a:p>
+            <a:r>
+              <a:rPr lang="en-US" altLang="zh-TW" dirty="0" smtClean="0">
+                <a:solidFill>
+                  <a:srgbClr val="F0DA50"/>
+                </a:solidFill>
+                <a:latin typeface="Adobe 繁黑體 Std B" panose="020B0700000000000000" pitchFamily="34" charset="-120"/>
+                <a:ea typeface="Adobe 繁黑體 Std B" panose="020B0700000000000000" pitchFamily="34" charset="-120"/>
+              </a:rPr>
+              <a:t>Mike</a:t>
+            </a:r>
+            <a:r>
+              <a:rPr lang="zh-TW" altLang="en-US" dirty="0" smtClean="0">
+                <a:solidFill>
+                  <a:srgbClr val="F0DA50"/>
+                </a:solidFill>
+                <a:latin typeface="Adobe 繁黑體 Std B" panose="020B0700000000000000" pitchFamily="34" charset="-120"/>
+                <a:ea typeface="Adobe 繁黑體 Std B" panose="020B0700000000000000" pitchFamily="34" charset="-120"/>
+              </a:rPr>
+              <a:t>的前端實驗室</a:t>
+            </a:r>
+            <a:endParaRPr lang="zh-TW" altLang="en-US" dirty="0">
+              <a:solidFill>
+                <a:srgbClr val="F0DA50"/>
+              </a:solidFill>
+              <a:latin typeface="Adobe 繁黑體 Std B" panose="020B0700000000000000" pitchFamily="34" charset="-120"/>
+              <a:ea typeface="Adobe 繁黑體 Std B" panose="020B0700000000000000" pitchFamily="34" charset="-120"/>
+            </a:endParaRPr>
+          </a:p>
+        </p:txBody>
+      </p:sp>
+      <p:sp>
+        <p:nvSpPr>
+          <p:cNvPr id="6" name="矩形 5"/>
+          <p:cNvSpPr/>
+          <p:nvPr/>
+        </p:nvSpPr>
+        <p:spPr>
+          <a:xfrm>
+            <a:off x="2768338" y="3886756"/>
+            <a:ext cx="4350743" cy="307777"/>
+          </a:xfrm>
+          <a:prstGeom prst="rect">
+            <a:avLst/>
+          </a:prstGeom>
+        </p:spPr>
+        <p:txBody>
+          <a:bodyPr wrap="none">
+            <a:spAutoFit/>
+          </a:bodyPr>
+          <a:lstStyle/>
+          <a:p>
+            <a:r>
+              <a:rPr lang="zh-TW" altLang="en-US" sz="1400" dirty="0">
+                <a:solidFill>
+                  <a:srgbClr val="F0DA50"/>
+                </a:solidFill>
+              </a:rPr>
+              <a:t>https://www.facebook.com/groups/2189823101261689/</a:t>
+            </a:r>
+          </a:p>
+        </p:txBody>
+      </p:sp>
+      <p:pic>
+        <p:nvPicPr>
+          <p:cNvPr id="7" name="圖片 6"/>
+          <p:cNvPicPr>
+            <a:picLocks noChangeAspect="1"/>
+          </p:cNvPicPr>
+          <p:nvPr/>
+        </p:nvPicPr>
+        <p:blipFill>
+          <a:blip r:embed="rId4" cstate="print">
+            <a:extLst>
+              <a:ext uri="{28A0092B-C50C-407E-A947-70E740481C1C}">
+                <a14:useLocalDpi xmlns:a14="http://schemas.microsoft.com/office/drawing/2010/main" val="0"/>
+              </a:ext>
+            </a:extLst>
+          </a:blip>
+          <a:stretch>
+            <a:fillRect/>
+          </a:stretch>
+        </p:blipFill>
+        <p:spPr>
+          <a:xfrm>
+            <a:off x="783055" y="5629751"/>
+            <a:ext cx="1618687" cy="599161"/>
+          </a:xfrm>
+          <a:prstGeom prst="rect">
+            <a:avLst/>
+          </a:prstGeom>
+        </p:spPr>
+      </p:pic>
+      <p:sp>
+        <p:nvSpPr>
+          <p:cNvPr id="8" name="矩形 7"/>
+          <p:cNvSpPr/>
+          <p:nvPr/>
+        </p:nvSpPr>
+        <p:spPr>
+          <a:xfrm>
+            <a:off x="2768338" y="5768314"/>
+            <a:ext cx="4081695" cy="369332"/>
+          </a:xfrm>
+          <a:prstGeom prst="rect">
+            <a:avLst/>
+          </a:prstGeom>
+        </p:spPr>
+        <p:txBody>
+          <a:bodyPr wrap="none">
+            <a:spAutoFit/>
+          </a:bodyPr>
+          <a:lstStyle/>
+          <a:p>
+            <a:r>
+              <a:rPr lang="zh-TW" altLang="en-US" dirty="0">
+                <a:solidFill>
+                  <a:srgbClr val="F0DA50"/>
+                </a:solidFill>
+              </a:rPr>
+              <a:t>https://medium.com/@Mike_Cheng1208</a:t>
+            </a:r>
+          </a:p>
+        </p:txBody>
+      </p:sp>
     </p:spTree>
     <p:extLst>
       <p:ext uri="{BB962C8B-B14F-4D97-AF65-F5344CB8AC3E}">

--- a/現代 JavaScript 職人之路｜ 中階篇.pptx
+++ b/現代 JavaScript 職人之路｜ 中階篇.pptx
@@ -49,11 +49,12 @@
     <p:sldId id="295" r:id="rId43"/>
     <p:sldId id="299" r:id="rId44"/>
     <p:sldId id="300" r:id="rId45"/>
-    <p:sldId id="301" r:id="rId46"/>
-    <p:sldId id="302" r:id="rId47"/>
-    <p:sldId id="303" r:id="rId48"/>
-    <p:sldId id="304" r:id="rId49"/>
-    <p:sldId id="296" r:id="rId50"/>
+    <p:sldId id="305" r:id="rId46"/>
+    <p:sldId id="301" r:id="rId47"/>
+    <p:sldId id="302" r:id="rId48"/>
+    <p:sldId id="303" r:id="rId49"/>
+    <p:sldId id="304" r:id="rId50"/>
+    <p:sldId id="296" r:id="rId51"/>
   </p:sldIdLst>
   <p:sldSz cx="12192000" cy="6858000"/>
   <p:notesSz cx="6858000" cy="9144000"/>
@@ -205,6 +206,7 @@
             <p14:sldId id="295"/>
             <p14:sldId id="299"/>
             <p14:sldId id="300"/>
+            <p14:sldId id="305"/>
             <p14:sldId id="301"/>
             <p14:sldId id="302"/>
             <p14:sldId id="303"/>
@@ -9676,7 +9678,7 @@
           <p:cNvPr id="7" name="圖片 6">
             <a:extLst>
               <a:ext uri="{FF2B5EF4-FFF2-40B4-BE49-F238E27FC236}">
-                <a16:creationId xmlns:a16="http://schemas.microsoft.com/office/drawing/2014/main" xmlns="" id="{FCB4471C-65FC-5F49-8514-4E5F2DA03E92}"/>
+                <a16:creationId xmlns="" xmlns:a16="http://schemas.microsoft.com/office/drawing/2014/main" id="{FCB4471C-65FC-5F49-8514-4E5F2DA03E92}"/>
               </a:ext>
             </a:extLst>
           </p:cNvPr>
@@ -9712,7 +9714,7 @@
           <p:cNvPr id="8" name="標題 1">
             <a:extLst>
               <a:ext uri="{FF2B5EF4-FFF2-40B4-BE49-F238E27FC236}">
-                <a16:creationId xmlns:a16="http://schemas.microsoft.com/office/drawing/2014/main" xmlns="" id="{7312BAB0-ED4E-B441-973A-7DD55EFD13E6}"/>
+                <a16:creationId xmlns="" xmlns:a16="http://schemas.microsoft.com/office/drawing/2014/main" id="{7312BAB0-ED4E-B441-973A-7DD55EFD13E6}"/>
               </a:ext>
             </a:extLst>
           </p:cNvPr>
@@ -9791,7 +9793,7 @@
           <p:cNvPr id="10" name="矩形 9">
             <a:extLst>
               <a:ext uri="{FF2B5EF4-FFF2-40B4-BE49-F238E27FC236}">
-                <a16:creationId xmlns:a16="http://schemas.microsoft.com/office/drawing/2014/main" xmlns="" id="{711EB9EB-24D0-9241-AD5B-CA5B1D79376A}"/>
+                <a16:creationId xmlns="" xmlns:a16="http://schemas.microsoft.com/office/drawing/2014/main" id="{711EB9EB-24D0-9241-AD5B-CA5B1D79376A}"/>
               </a:ext>
             </a:extLst>
           </p:cNvPr>
@@ -9828,7 +9830,7 @@
           <p:cNvPr id="11" name="矩形 10">
             <a:extLst>
               <a:ext uri="{FF2B5EF4-FFF2-40B4-BE49-F238E27FC236}">
-                <a16:creationId xmlns:a16="http://schemas.microsoft.com/office/drawing/2014/main" xmlns="" id="{F703328C-F454-3342-B266-30FBD0602B3E}"/>
+                <a16:creationId xmlns="" xmlns:a16="http://schemas.microsoft.com/office/drawing/2014/main" id="{F703328C-F454-3342-B266-30FBD0602B3E}"/>
               </a:ext>
             </a:extLst>
           </p:cNvPr>
@@ -9915,7 +9917,7 @@
           <p:cNvPr id="4" name="矩形 3">
             <a:extLst>
               <a:ext uri="{FF2B5EF4-FFF2-40B4-BE49-F238E27FC236}">
-                <a16:creationId xmlns:a16="http://schemas.microsoft.com/office/drawing/2014/main" xmlns="" id="{156707A3-68A3-2F4A-8CDA-2F9B2532D0B3}"/>
+                <a16:creationId xmlns="" xmlns:a16="http://schemas.microsoft.com/office/drawing/2014/main" id="{156707A3-68A3-2F4A-8CDA-2F9B2532D0B3}"/>
               </a:ext>
             </a:extLst>
           </p:cNvPr>
@@ -9983,7 +9985,7 @@
           <p:cNvPr id="6" name="矩形 5">
             <a:extLst>
               <a:ext uri="{FF2B5EF4-FFF2-40B4-BE49-F238E27FC236}">
-                <a16:creationId xmlns:a16="http://schemas.microsoft.com/office/drawing/2014/main" xmlns="" id="{FB465A35-CC98-3F40-8C26-B37236DA0162}"/>
+                <a16:creationId xmlns="" xmlns:a16="http://schemas.microsoft.com/office/drawing/2014/main" id="{FB465A35-CC98-3F40-8C26-B37236DA0162}"/>
               </a:ext>
             </a:extLst>
           </p:cNvPr>
@@ -10020,7 +10022,7 @@
           <p:cNvPr id="7" name="矩形 6">
             <a:extLst>
               <a:ext uri="{FF2B5EF4-FFF2-40B4-BE49-F238E27FC236}">
-                <a16:creationId xmlns:a16="http://schemas.microsoft.com/office/drawing/2014/main" xmlns="" id="{DD9E23DF-C692-2246-B23B-E8A7F74751A8}"/>
+                <a16:creationId xmlns="" xmlns:a16="http://schemas.microsoft.com/office/drawing/2014/main" id="{DD9E23DF-C692-2246-B23B-E8A7F74751A8}"/>
               </a:ext>
             </a:extLst>
           </p:cNvPr>
@@ -10082,7 +10084,7 @@
           <p:cNvPr id="8" name="矩形 7">
             <a:extLst>
               <a:ext uri="{FF2B5EF4-FFF2-40B4-BE49-F238E27FC236}">
-                <a16:creationId xmlns:a16="http://schemas.microsoft.com/office/drawing/2014/main" xmlns="" id="{46C433FA-9CCB-9C41-8561-B25FB97C3997}"/>
+                <a16:creationId xmlns="" xmlns:a16="http://schemas.microsoft.com/office/drawing/2014/main" id="{46C433FA-9CCB-9C41-8561-B25FB97C3997}"/>
               </a:ext>
             </a:extLst>
           </p:cNvPr>
@@ -10144,7 +10146,7 @@
           <p:cNvPr id="9" name="矩形 8">
             <a:extLst>
               <a:ext uri="{FF2B5EF4-FFF2-40B4-BE49-F238E27FC236}">
-                <a16:creationId xmlns:a16="http://schemas.microsoft.com/office/drawing/2014/main" xmlns="" id="{C34E9026-3B18-AE45-AC95-5441221D9DF1}"/>
+                <a16:creationId xmlns="" xmlns:a16="http://schemas.microsoft.com/office/drawing/2014/main" id="{C34E9026-3B18-AE45-AC95-5441221D9DF1}"/>
               </a:ext>
             </a:extLst>
           </p:cNvPr>
@@ -10206,7 +10208,7 @@
           <p:cNvPr id="10" name="矩形 9">
             <a:extLst>
               <a:ext uri="{FF2B5EF4-FFF2-40B4-BE49-F238E27FC236}">
-                <a16:creationId xmlns:a16="http://schemas.microsoft.com/office/drawing/2014/main" xmlns="" id="{25AFE21C-8976-EB41-9B39-4A8704E5273E}"/>
+                <a16:creationId xmlns="" xmlns:a16="http://schemas.microsoft.com/office/drawing/2014/main" id="{25AFE21C-8976-EB41-9B39-4A8704E5273E}"/>
               </a:ext>
             </a:extLst>
           </p:cNvPr>
@@ -10271,7 +10273,7 @@
           <p:cNvPr id="11" name="矩形 10">
             <a:extLst>
               <a:ext uri="{FF2B5EF4-FFF2-40B4-BE49-F238E27FC236}">
-                <a16:creationId xmlns:a16="http://schemas.microsoft.com/office/drawing/2014/main" xmlns="" id="{22FA0140-3918-9144-8FB9-1D42FD66FCC6}"/>
+                <a16:creationId xmlns="" xmlns:a16="http://schemas.microsoft.com/office/drawing/2014/main" id="{22FA0140-3918-9144-8FB9-1D42FD66FCC6}"/>
               </a:ext>
             </a:extLst>
           </p:cNvPr>
@@ -10400,7 +10402,7 @@
           <p:cNvPr id="12" name="矩形 11">
             <a:extLst>
               <a:ext uri="{FF2B5EF4-FFF2-40B4-BE49-F238E27FC236}">
-                <a16:creationId xmlns:a16="http://schemas.microsoft.com/office/drawing/2014/main" xmlns="" id="{237AA689-99FD-CB47-839A-1BF31D73EC93}"/>
+                <a16:creationId xmlns="" xmlns:a16="http://schemas.microsoft.com/office/drawing/2014/main" id="{237AA689-99FD-CB47-839A-1BF31D73EC93}"/>
               </a:ext>
             </a:extLst>
           </p:cNvPr>
@@ -10529,7 +10531,7 @@
           <p:cNvPr id="21" name="圓角矩形 20">
             <a:extLst>
               <a:ext uri="{FF2B5EF4-FFF2-40B4-BE49-F238E27FC236}">
-                <a16:creationId xmlns:a16="http://schemas.microsoft.com/office/drawing/2014/main" xmlns="" id="{D3E17314-681B-E744-AA6E-06B60ED1D494}"/>
+                <a16:creationId xmlns="" xmlns:a16="http://schemas.microsoft.com/office/drawing/2014/main" id="{D3E17314-681B-E744-AA6E-06B60ED1D494}"/>
               </a:ext>
             </a:extLst>
           </p:cNvPr>
@@ -10575,7 +10577,7 @@
           <p:cNvPr id="2" name="矩形 1">
             <a:extLst>
               <a:ext uri="{FF2B5EF4-FFF2-40B4-BE49-F238E27FC236}">
-                <a16:creationId xmlns:a16="http://schemas.microsoft.com/office/drawing/2014/main" xmlns="" id="{1F91C1BF-2B69-564F-92C4-36851A2C2662}"/>
+                <a16:creationId xmlns="" xmlns:a16="http://schemas.microsoft.com/office/drawing/2014/main" id="{1F91C1BF-2B69-564F-92C4-36851A2C2662}"/>
               </a:ext>
             </a:extLst>
           </p:cNvPr>
@@ -10625,7 +10627,7 @@
           <p:cNvPr id="3" name="矩形 2">
             <a:extLst>
               <a:ext uri="{FF2B5EF4-FFF2-40B4-BE49-F238E27FC236}">
-                <a16:creationId xmlns:a16="http://schemas.microsoft.com/office/drawing/2014/main" xmlns="" id="{283C0B0F-C3B5-BD4F-883C-09F49FF67D1F}"/>
+                <a16:creationId xmlns="" xmlns:a16="http://schemas.microsoft.com/office/drawing/2014/main" id="{283C0B0F-C3B5-BD4F-883C-09F49FF67D1F}"/>
               </a:ext>
             </a:extLst>
           </p:cNvPr>
@@ -10675,7 +10677,7 @@
           <p:cNvPr id="4" name="橢圓 3">
             <a:extLst>
               <a:ext uri="{FF2B5EF4-FFF2-40B4-BE49-F238E27FC236}">
-                <a16:creationId xmlns:a16="http://schemas.microsoft.com/office/drawing/2014/main" xmlns="" id="{472F9B87-6FC9-B44F-A02E-9296A0720770}"/>
+                <a16:creationId xmlns="" xmlns:a16="http://schemas.microsoft.com/office/drawing/2014/main" id="{472F9B87-6FC9-B44F-A02E-9296A0720770}"/>
               </a:ext>
             </a:extLst>
           </p:cNvPr>
@@ -10723,7 +10725,7 @@
           <p:cNvPr id="6" name="直線箭頭接點 5">
             <a:extLst>
               <a:ext uri="{FF2B5EF4-FFF2-40B4-BE49-F238E27FC236}">
-                <a16:creationId xmlns:a16="http://schemas.microsoft.com/office/drawing/2014/main" xmlns="" id="{D38E5745-832A-E345-8A9F-5FF2C3D2EE19}"/>
+                <a16:creationId xmlns="" xmlns:a16="http://schemas.microsoft.com/office/drawing/2014/main" id="{D38E5745-832A-E345-8A9F-5FF2C3D2EE19}"/>
               </a:ext>
             </a:extLst>
           </p:cNvPr>
@@ -10762,7 +10764,7 @@
           <p:cNvPr id="7" name="直線箭頭接點 6">
             <a:extLst>
               <a:ext uri="{FF2B5EF4-FFF2-40B4-BE49-F238E27FC236}">
-                <a16:creationId xmlns:a16="http://schemas.microsoft.com/office/drawing/2014/main" xmlns="" id="{E9C3D736-A46A-1F45-BA83-98B2129B78D8}"/>
+                <a16:creationId xmlns="" xmlns:a16="http://schemas.microsoft.com/office/drawing/2014/main" id="{E9C3D736-A46A-1F45-BA83-98B2129B78D8}"/>
               </a:ext>
             </a:extLst>
           </p:cNvPr>
@@ -10803,7 +10805,7 @@
           <p:cNvPr id="9" name="矩形 8">
             <a:extLst>
               <a:ext uri="{FF2B5EF4-FFF2-40B4-BE49-F238E27FC236}">
-                <a16:creationId xmlns:a16="http://schemas.microsoft.com/office/drawing/2014/main" xmlns="" id="{27524826-70DB-0441-8303-37FC66D1FC5B}"/>
+                <a16:creationId xmlns="" xmlns:a16="http://schemas.microsoft.com/office/drawing/2014/main" id="{27524826-70DB-0441-8303-37FC66D1FC5B}"/>
               </a:ext>
             </a:extLst>
           </p:cNvPr>
@@ -10849,7 +10851,7 @@
           <p:cNvPr id="10" name="矩形 9">
             <a:extLst>
               <a:ext uri="{FF2B5EF4-FFF2-40B4-BE49-F238E27FC236}">
-                <a16:creationId xmlns:a16="http://schemas.microsoft.com/office/drawing/2014/main" xmlns="" id="{D5A40EA3-8607-7447-B5C5-1BA336DC4B1A}"/>
+                <a16:creationId xmlns="" xmlns:a16="http://schemas.microsoft.com/office/drawing/2014/main" id="{D5A40EA3-8607-7447-B5C5-1BA336DC4B1A}"/>
               </a:ext>
             </a:extLst>
           </p:cNvPr>
@@ -10897,7 +10899,7 @@
           <p:cNvPr id="11" name="矩形 10">
             <a:extLst>
               <a:ext uri="{FF2B5EF4-FFF2-40B4-BE49-F238E27FC236}">
-                <a16:creationId xmlns:a16="http://schemas.microsoft.com/office/drawing/2014/main" xmlns="" id="{D158EACD-7BFE-1141-B47B-73A9D59EB9ED}"/>
+                <a16:creationId xmlns="" xmlns:a16="http://schemas.microsoft.com/office/drawing/2014/main" id="{D158EACD-7BFE-1141-B47B-73A9D59EB9ED}"/>
               </a:ext>
             </a:extLst>
           </p:cNvPr>
@@ -10945,7 +10947,7 @@
           <p:cNvPr id="12" name="矩形 11">
             <a:extLst>
               <a:ext uri="{FF2B5EF4-FFF2-40B4-BE49-F238E27FC236}">
-                <a16:creationId xmlns:a16="http://schemas.microsoft.com/office/drawing/2014/main" xmlns="" id="{74E49627-882D-544A-8BCB-3B4BF797F6E9}"/>
+                <a16:creationId xmlns="" xmlns:a16="http://schemas.microsoft.com/office/drawing/2014/main" id="{74E49627-882D-544A-8BCB-3B4BF797F6E9}"/>
               </a:ext>
             </a:extLst>
           </p:cNvPr>
@@ -10991,7 +10993,7 @@
           <p:cNvPr id="13" name="矩形 12">
             <a:extLst>
               <a:ext uri="{FF2B5EF4-FFF2-40B4-BE49-F238E27FC236}">
-                <a16:creationId xmlns:a16="http://schemas.microsoft.com/office/drawing/2014/main" xmlns="" id="{20BC78A6-DC64-3947-9BB3-F887948FCEF2}"/>
+                <a16:creationId xmlns="" xmlns:a16="http://schemas.microsoft.com/office/drawing/2014/main" id="{20BC78A6-DC64-3947-9BB3-F887948FCEF2}"/>
               </a:ext>
             </a:extLst>
           </p:cNvPr>
@@ -11039,7 +11041,7 @@
           <p:cNvPr id="14" name="矩形 13">
             <a:extLst>
               <a:ext uri="{FF2B5EF4-FFF2-40B4-BE49-F238E27FC236}">
-                <a16:creationId xmlns:a16="http://schemas.microsoft.com/office/drawing/2014/main" xmlns="" id="{F0EF030A-79DE-B64D-A509-6ECC7BE738DE}"/>
+                <a16:creationId xmlns="" xmlns:a16="http://schemas.microsoft.com/office/drawing/2014/main" id="{F0EF030A-79DE-B64D-A509-6ECC7BE738DE}"/>
               </a:ext>
             </a:extLst>
           </p:cNvPr>
@@ -11087,7 +11089,7 @@
           <p:cNvPr id="15" name="矩形 14">
             <a:extLst>
               <a:ext uri="{FF2B5EF4-FFF2-40B4-BE49-F238E27FC236}">
-                <a16:creationId xmlns:a16="http://schemas.microsoft.com/office/drawing/2014/main" xmlns="" id="{F3E5F92F-E9C2-7C45-8671-F16256EE76D3}"/>
+                <a16:creationId xmlns="" xmlns:a16="http://schemas.microsoft.com/office/drawing/2014/main" id="{F3E5F92F-E9C2-7C45-8671-F16256EE76D3}"/>
               </a:ext>
             </a:extLst>
           </p:cNvPr>
@@ -11133,7 +11135,7 @@
           <p:cNvPr id="16" name="矩形 15">
             <a:extLst>
               <a:ext uri="{FF2B5EF4-FFF2-40B4-BE49-F238E27FC236}">
-                <a16:creationId xmlns:a16="http://schemas.microsoft.com/office/drawing/2014/main" xmlns="" id="{741F1151-B732-A149-A3A0-9570C9EF8329}"/>
+                <a16:creationId xmlns="" xmlns:a16="http://schemas.microsoft.com/office/drawing/2014/main" id="{741F1151-B732-A149-A3A0-9570C9EF8329}"/>
               </a:ext>
             </a:extLst>
           </p:cNvPr>
@@ -11181,7 +11183,7 @@
           <p:cNvPr id="17" name="矩形 16">
             <a:extLst>
               <a:ext uri="{FF2B5EF4-FFF2-40B4-BE49-F238E27FC236}">
-                <a16:creationId xmlns:a16="http://schemas.microsoft.com/office/drawing/2014/main" xmlns="" id="{F7FF4DA2-F64B-A74D-BCB8-5A8395B98315}"/>
+                <a16:creationId xmlns="" xmlns:a16="http://schemas.microsoft.com/office/drawing/2014/main" id="{F7FF4DA2-F64B-A74D-BCB8-5A8395B98315}"/>
               </a:ext>
             </a:extLst>
           </p:cNvPr>
@@ -11229,7 +11231,7 @@
           <p:cNvPr id="18" name="矩形 17">
             <a:extLst>
               <a:ext uri="{FF2B5EF4-FFF2-40B4-BE49-F238E27FC236}">
-                <a16:creationId xmlns:a16="http://schemas.microsoft.com/office/drawing/2014/main" xmlns="" id="{09E29AD8-5509-5B44-9539-95248F49BF82}"/>
+                <a16:creationId xmlns="" xmlns:a16="http://schemas.microsoft.com/office/drawing/2014/main" id="{09E29AD8-5509-5B44-9539-95248F49BF82}"/>
               </a:ext>
             </a:extLst>
           </p:cNvPr>
@@ -11275,7 +11277,7 @@
           <p:cNvPr id="19" name="矩形 18">
             <a:extLst>
               <a:ext uri="{FF2B5EF4-FFF2-40B4-BE49-F238E27FC236}">
-                <a16:creationId xmlns:a16="http://schemas.microsoft.com/office/drawing/2014/main" xmlns="" id="{6523B377-33A0-0F49-A5BF-5338157BBE09}"/>
+                <a16:creationId xmlns="" xmlns:a16="http://schemas.microsoft.com/office/drawing/2014/main" id="{6523B377-33A0-0F49-A5BF-5338157BBE09}"/>
               </a:ext>
             </a:extLst>
           </p:cNvPr>
@@ -11323,7 +11325,7 @@
           <p:cNvPr id="20" name="矩形 19">
             <a:extLst>
               <a:ext uri="{FF2B5EF4-FFF2-40B4-BE49-F238E27FC236}">
-                <a16:creationId xmlns:a16="http://schemas.microsoft.com/office/drawing/2014/main" xmlns="" id="{A77D0982-3F32-0E41-A364-B5E24518129C}"/>
+                <a16:creationId xmlns="" xmlns:a16="http://schemas.microsoft.com/office/drawing/2014/main" id="{A77D0982-3F32-0E41-A364-B5E24518129C}"/>
               </a:ext>
             </a:extLst>
           </p:cNvPr>
@@ -11371,7 +11373,7 @@
           <p:cNvPr id="23" name="直線箭頭接點 22">
             <a:extLst>
               <a:ext uri="{FF2B5EF4-FFF2-40B4-BE49-F238E27FC236}">
-                <a16:creationId xmlns:a16="http://schemas.microsoft.com/office/drawing/2014/main" xmlns="" id="{4B310916-6054-5644-AEDE-5A0A5FB5884A}"/>
+                <a16:creationId xmlns="" xmlns:a16="http://schemas.microsoft.com/office/drawing/2014/main" id="{4B310916-6054-5644-AEDE-5A0A5FB5884A}"/>
               </a:ext>
             </a:extLst>
           </p:cNvPr>
@@ -11450,7 +11452,7 @@
           <p:cNvPr id="2" name="矩形 1">
             <a:extLst>
               <a:ext uri="{FF2B5EF4-FFF2-40B4-BE49-F238E27FC236}">
-                <a16:creationId xmlns:a16="http://schemas.microsoft.com/office/drawing/2014/main" xmlns="" id="{3333882F-B381-5A41-9CA5-D1541ADC4406}"/>
+                <a16:creationId xmlns="" xmlns:a16="http://schemas.microsoft.com/office/drawing/2014/main" id="{3333882F-B381-5A41-9CA5-D1541ADC4406}"/>
               </a:ext>
             </a:extLst>
           </p:cNvPr>
@@ -12208,7 +12210,7 @@
           <p:cNvPr id="3" name="標題 1">
             <a:extLst>
               <a:ext uri="{FF2B5EF4-FFF2-40B4-BE49-F238E27FC236}">
-                <a16:creationId xmlns:a16="http://schemas.microsoft.com/office/drawing/2014/main" xmlns="" id="{207F22D1-A870-E444-BDAC-5CF5E258B61B}"/>
+                <a16:creationId xmlns="" xmlns:a16="http://schemas.microsoft.com/office/drawing/2014/main" id="{207F22D1-A870-E444-BDAC-5CF5E258B61B}"/>
               </a:ext>
             </a:extLst>
           </p:cNvPr>
@@ -12339,7 +12341,7 @@
           <p:cNvPr id="2" name="標題 1">
             <a:extLst>
               <a:ext uri="{FF2B5EF4-FFF2-40B4-BE49-F238E27FC236}">
-                <a16:creationId xmlns:a16="http://schemas.microsoft.com/office/drawing/2014/main" xmlns="" id="{E79C5F1B-4111-B34F-847E-75DCA5C284FD}"/>
+                <a16:creationId xmlns="" xmlns:a16="http://schemas.microsoft.com/office/drawing/2014/main" id="{E79C5F1B-4111-B34F-847E-75DCA5C284FD}"/>
               </a:ext>
             </a:extLst>
           </p:cNvPr>
@@ -12452,7 +12454,7 @@
           <p:cNvPr id="3" name="矩形 2">
             <a:extLst>
               <a:ext uri="{FF2B5EF4-FFF2-40B4-BE49-F238E27FC236}">
-                <a16:creationId xmlns:a16="http://schemas.microsoft.com/office/drawing/2014/main" xmlns="" id="{C1DC05E2-98B3-1B4A-A78F-CF4B51BFDFBB}"/>
+                <a16:creationId xmlns="" xmlns:a16="http://schemas.microsoft.com/office/drawing/2014/main" id="{C1DC05E2-98B3-1B4A-A78F-CF4B51BFDFBB}"/>
               </a:ext>
             </a:extLst>
           </p:cNvPr>
@@ -12733,7 +12735,7 @@
           <p:cNvPr id="5" name="矩形 4">
             <a:extLst>
               <a:ext uri="{FF2B5EF4-FFF2-40B4-BE49-F238E27FC236}">
-                <a16:creationId xmlns:a16="http://schemas.microsoft.com/office/drawing/2014/main" xmlns="" id="{6635FDE9-2CF8-AE4A-A10A-2FAF84E02666}"/>
+                <a16:creationId xmlns="" xmlns:a16="http://schemas.microsoft.com/office/drawing/2014/main" id="{6635FDE9-2CF8-AE4A-A10A-2FAF84E02666}"/>
               </a:ext>
             </a:extLst>
           </p:cNvPr>
@@ -13006,7 +13008,7 @@
           <p:cNvPr id="9" name="直線接點 8">
             <a:extLst>
               <a:ext uri="{FF2B5EF4-FFF2-40B4-BE49-F238E27FC236}">
-                <a16:creationId xmlns:a16="http://schemas.microsoft.com/office/drawing/2014/main" xmlns="" id="{663E15BC-D355-DD49-ACAF-CD4696C742F0}"/>
+                <a16:creationId xmlns="" xmlns:a16="http://schemas.microsoft.com/office/drawing/2014/main" id="{663E15BC-D355-DD49-ACAF-CD4696C742F0}"/>
               </a:ext>
             </a:extLst>
           </p:cNvPr>
@@ -13043,7 +13045,7 @@
           <p:cNvPr id="10" name="直線接點 9">
             <a:extLst>
               <a:ext uri="{FF2B5EF4-FFF2-40B4-BE49-F238E27FC236}">
-                <a16:creationId xmlns:a16="http://schemas.microsoft.com/office/drawing/2014/main" xmlns="" id="{26E1520E-4942-514E-ABF2-B5D783EA90BB}"/>
+                <a16:creationId xmlns="" xmlns:a16="http://schemas.microsoft.com/office/drawing/2014/main" id="{26E1520E-4942-514E-ABF2-B5D783EA90BB}"/>
               </a:ext>
             </a:extLst>
           </p:cNvPr>
@@ -13082,7 +13084,7 @@
           <p:cNvPr id="15" name="直線箭頭接點 14">
             <a:extLst>
               <a:ext uri="{FF2B5EF4-FFF2-40B4-BE49-F238E27FC236}">
-                <a16:creationId xmlns:a16="http://schemas.microsoft.com/office/drawing/2014/main" xmlns="" id="{F4F14853-2EE5-C449-8BB5-0057F3418639}"/>
+                <a16:creationId xmlns="" xmlns:a16="http://schemas.microsoft.com/office/drawing/2014/main" id="{F4F14853-2EE5-C449-8BB5-0057F3418639}"/>
               </a:ext>
             </a:extLst>
           </p:cNvPr>
@@ -13121,7 +13123,7 @@
           <p:cNvPr id="16" name="直線接點 15">
             <a:extLst>
               <a:ext uri="{FF2B5EF4-FFF2-40B4-BE49-F238E27FC236}">
-                <a16:creationId xmlns:a16="http://schemas.microsoft.com/office/drawing/2014/main" xmlns="" id="{84CF1E2F-9A79-314C-8B15-D40532D9DB4B}"/>
+                <a16:creationId xmlns="" xmlns:a16="http://schemas.microsoft.com/office/drawing/2014/main" id="{84CF1E2F-9A79-314C-8B15-D40532D9DB4B}"/>
               </a:ext>
             </a:extLst>
           </p:cNvPr>
@@ -13166,7 +13168,7 @@
           <p:cNvPr id="18" name="直線接點 17">
             <a:extLst>
               <a:ext uri="{FF2B5EF4-FFF2-40B4-BE49-F238E27FC236}">
-                <a16:creationId xmlns:a16="http://schemas.microsoft.com/office/drawing/2014/main" xmlns="" id="{A526251F-213A-7C4D-8230-FD109843D69A}"/>
+                <a16:creationId xmlns="" xmlns:a16="http://schemas.microsoft.com/office/drawing/2014/main" id="{A526251F-213A-7C4D-8230-FD109843D69A}"/>
               </a:ext>
             </a:extLst>
           </p:cNvPr>
@@ -13211,7 +13213,7 @@
           <p:cNvPr id="20" name="直線箭頭接點 19">
             <a:extLst>
               <a:ext uri="{FF2B5EF4-FFF2-40B4-BE49-F238E27FC236}">
-                <a16:creationId xmlns:a16="http://schemas.microsoft.com/office/drawing/2014/main" xmlns="" id="{B3AD4B63-8EC0-894D-8FF2-753983E11F3B}"/>
+                <a16:creationId xmlns="" xmlns:a16="http://schemas.microsoft.com/office/drawing/2014/main" id="{B3AD4B63-8EC0-894D-8FF2-753983E11F3B}"/>
               </a:ext>
             </a:extLst>
           </p:cNvPr>
@@ -20925,6 +20927,272 @@
           <a:chExt cx="0" cy="0"/>
         </a:xfrm>
       </p:grpSpPr>
+      <p:sp>
+        <p:nvSpPr>
+          <p:cNvPr id="3" name="副標題 2"/>
+          <p:cNvSpPr txBox="1">
+            <a:spLocks/>
+          </p:cNvSpPr>
+          <p:nvPr/>
+        </p:nvSpPr>
+        <p:spPr>
+          <a:xfrm>
+            <a:off x="3446595" y="3137489"/>
+            <a:ext cx="4601702" cy="748712"/>
+          </a:xfrm>
+          <a:prstGeom prst="rect">
+            <a:avLst/>
+          </a:prstGeom>
+        </p:spPr>
+        <p:txBody>
+          <a:bodyPr vert="horz" lIns="91440" tIns="45720" rIns="91440" bIns="45720" rtlCol="0">
+            <a:noAutofit/>
+          </a:bodyPr>
+          <a:lstStyle>
+            <a:lvl1pPr marL="0" indent="0" algn="ctr" defTabSz="914400" rtl="0" eaLnBrk="1" latinLnBrk="0" hangingPunct="1">
+              <a:lnSpc>
+                <a:spcPct val="90000"/>
+              </a:lnSpc>
+              <a:spcBef>
+                <a:spcPts val="1000"/>
+              </a:spcBef>
+              <a:buFont typeface="Arial" panose="020B0604020202020204" pitchFamily="34" charset="0"/>
+              <a:buNone/>
+              <a:defRPr sz="2400" kern="1200">
+                <a:solidFill>
+                  <a:schemeClr val="tx1"/>
+                </a:solidFill>
+                <a:latin typeface="+mn-lt"/>
+                <a:ea typeface="+mn-ea"/>
+                <a:cs typeface="+mn-cs"/>
+              </a:defRPr>
+            </a:lvl1pPr>
+            <a:lvl2pPr marL="457200" indent="0" algn="ctr" defTabSz="914400" rtl="0" eaLnBrk="1" latinLnBrk="0" hangingPunct="1">
+              <a:lnSpc>
+                <a:spcPct val="90000"/>
+              </a:lnSpc>
+              <a:spcBef>
+                <a:spcPts val="500"/>
+              </a:spcBef>
+              <a:buFont typeface="Arial" panose="020B0604020202020204" pitchFamily="34" charset="0"/>
+              <a:buNone/>
+              <a:defRPr sz="2000" kern="1200">
+                <a:solidFill>
+                  <a:schemeClr val="tx1"/>
+                </a:solidFill>
+                <a:latin typeface="+mn-lt"/>
+                <a:ea typeface="+mn-ea"/>
+                <a:cs typeface="+mn-cs"/>
+              </a:defRPr>
+            </a:lvl2pPr>
+            <a:lvl3pPr marL="914400" indent="0" algn="ctr" defTabSz="914400" rtl="0" eaLnBrk="1" latinLnBrk="0" hangingPunct="1">
+              <a:lnSpc>
+                <a:spcPct val="90000"/>
+              </a:lnSpc>
+              <a:spcBef>
+                <a:spcPts val="500"/>
+              </a:spcBef>
+              <a:buFont typeface="Arial" panose="020B0604020202020204" pitchFamily="34" charset="0"/>
+              <a:buNone/>
+              <a:defRPr sz="1800" kern="1200">
+                <a:solidFill>
+                  <a:schemeClr val="tx1"/>
+                </a:solidFill>
+                <a:latin typeface="+mn-lt"/>
+                <a:ea typeface="+mn-ea"/>
+                <a:cs typeface="+mn-cs"/>
+              </a:defRPr>
+            </a:lvl3pPr>
+            <a:lvl4pPr marL="1371600" indent="0" algn="ctr" defTabSz="914400" rtl="0" eaLnBrk="1" latinLnBrk="0" hangingPunct="1">
+              <a:lnSpc>
+                <a:spcPct val="90000"/>
+              </a:lnSpc>
+              <a:spcBef>
+                <a:spcPts val="500"/>
+              </a:spcBef>
+              <a:buFont typeface="Arial" panose="020B0604020202020204" pitchFamily="34" charset="0"/>
+              <a:buNone/>
+              <a:defRPr sz="1600" kern="1200">
+                <a:solidFill>
+                  <a:schemeClr val="tx1"/>
+                </a:solidFill>
+                <a:latin typeface="+mn-lt"/>
+                <a:ea typeface="+mn-ea"/>
+                <a:cs typeface="+mn-cs"/>
+              </a:defRPr>
+            </a:lvl4pPr>
+            <a:lvl5pPr marL="1828800" indent="0" algn="ctr" defTabSz="914400" rtl="0" eaLnBrk="1" latinLnBrk="0" hangingPunct="1">
+              <a:lnSpc>
+                <a:spcPct val="90000"/>
+              </a:lnSpc>
+              <a:spcBef>
+                <a:spcPts val="500"/>
+              </a:spcBef>
+              <a:buFont typeface="Arial" panose="020B0604020202020204" pitchFamily="34" charset="0"/>
+              <a:buNone/>
+              <a:defRPr sz="1600" kern="1200">
+                <a:solidFill>
+                  <a:schemeClr val="tx1"/>
+                </a:solidFill>
+                <a:latin typeface="+mn-lt"/>
+                <a:ea typeface="+mn-ea"/>
+                <a:cs typeface="+mn-cs"/>
+              </a:defRPr>
+            </a:lvl5pPr>
+            <a:lvl6pPr marL="2286000" indent="0" algn="ctr" defTabSz="914400" rtl="0" eaLnBrk="1" latinLnBrk="0" hangingPunct="1">
+              <a:lnSpc>
+                <a:spcPct val="90000"/>
+              </a:lnSpc>
+              <a:spcBef>
+                <a:spcPts val="500"/>
+              </a:spcBef>
+              <a:buFont typeface="Arial" panose="020B0604020202020204" pitchFamily="34" charset="0"/>
+              <a:buNone/>
+              <a:defRPr sz="1600" kern="1200">
+                <a:solidFill>
+                  <a:schemeClr val="tx1"/>
+                </a:solidFill>
+                <a:latin typeface="+mn-lt"/>
+                <a:ea typeface="+mn-ea"/>
+                <a:cs typeface="+mn-cs"/>
+              </a:defRPr>
+            </a:lvl6pPr>
+            <a:lvl7pPr marL="2743200" indent="0" algn="ctr" defTabSz="914400" rtl="0" eaLnBrk="1" latinLnBrk="0" hangingPunct="1">
+              <a:lnSpc>
+                <a:spcPct val="90000"/>
+              </a:lnSpc>
+              <a:spcBef>
+                <a:spcPts val="500"/>
+              </a:spcBef>
+              <a:buFont typeface="Arial" panose="020B0604020202020204" pitchFamily="34" charset="0"/>
+              <a:buNone/>
+              <a:defRPr sz="1600" kern="1200">
+                <a:solidFill>
+                  <a:schemeClr val="tx1"/>
+                </a:solidFill>
+                <a:latin typeface="+mn-lt"/>
+                <a:ea typeface="+mn-ea"/>
+                <a:cs typeface="+mn-cs"/>
+              </a:defRPr>
+            </a:lvl7pPr>
+            <a:lvl8pPr marL="3200400" indent="0" algn="ctr" defTabSz="914400" rtl="0" eaLnBrk="1" latinLnBrk="0" hangingPunct="1">
+              <a:lnSpc>
+                <a:spcPct val="90000"/>
+              </a:lnSpc>
+              <a:spcBef>
+                <a:spcPts val="500"/>
+              </a:spcBef>
+              <a:buFont typeface="Arial" panose="020B0604020202020204" pitchFamily="34" charset="0"/>
+              <a:buNone/>
+              <a:defRPr sz="1600" kern="1200">
+                <a:solidFill>
+                  <a:schemeClr val="tx1"/>
+                </a:solidFill>
+                <a:latin typeface="+mn-lt"/>
+                <a:ea typeface="+mn-ea"/>
+                <a:cs typeface="+mn-cs"/>
+              </a:defRPr>
+            </a:lvl8pPr>
+            <a:lvl9pPr marL="3657600" indent="0" algn="ctr" defTabSz="914400" rtl="0" eaLnBrk="1" latinLnBrk="0" hangingPunct="1">
+              <a:lnSpc>
+                <a:spcPct val="90000"/>
+              </a:lnSpc>
+              <a:spcBef>
+                <a:spcPts val="500"/>
+              </a:spcBef>
+              <a:buFont typeface="Arial" panose="020B0604020202020204" pitchFamily="34" charset="0"/>
+              <a:buNone/>
+              <a:defRPr sz="1600" kern="1200">
+                <a:solidFill>
+                  <a:schemeClr val="tx1"/>
+                </a:solidFill>
+                <a:latin typeface="+mn-lt"/>
+                <a:ea typeface="+mn-ea"/>
+                <a:cs typeface="+mn-cs"/>
+              </a:defRPr>
+            </a:lvl9pPr>
+          </a:lstStyle>
+          <a:p>
+            <a:r>
+              <a:rPr lang="en-US" altLang="zh-TW" sz="3600" b="1" u="sng" dirty="0" smtClean="0">
+                <a:solidFill>
+                  <a:srgbClr val="323230"/>
+                </a:solidFill>
+                <a:latin typeface="微軟正黑體" panose="020B0604030504040204" pitchFamily="34" charset="-120"/>
+                <a:ea typeface="微軟正黑體" panose="020B0604030504040204" pitchFamily="34" charset="-120"/>
+              </a:rPr>
+              <a:t>#</a:t>
+            </a:r>
+            <a:r>
+              <a:rPr lang="zh-TW" altLang="en-US" sz="3600" b="1" u="sng" dirty="0" smtClean="0">
+                <a:solidFill>
+                  <a:srgbClr val="323230"/>
+                </a:solidFill>
+                <a:latin typeface="微軟正黑體" panose="020B0604030504040204" pitchFamily="34" charset="-120"/>
+                <a:ea typeface="微軟正黑體" panose="020B0604030504040204" pitchFamily="34" charset="-120"/>
+              </a:rPr>
+              <a:t> 高版本 </a:t>
+            </a:r>
+            <a:r>
+              <a:rPr lang="en-US" altLang="zh-TW" sz="3600" b="1" u="sng" dirty="0" err="1" smtClean="0">
+                <a:solidFill>
+                  <a:srgbClr val="323230"/>
+                </a:solidFill>
+                <a:latin typeface="微軟正黑體" panose="020B0604030504040204" pitchFamily="34" charset="-120"/>
+                <a:ea typeface="微軟正黑體" panose="020B0604030504040204" pitchFamily="34" charset="-120"/>
+              </a:rPr>
+              <a:t>js</a:t>
+            </a:r>
+            <a:r>
+              <a:rPr lang="zh-TW" altLang="en-US" sz="3600" b="1" u="sng" dirty="0" smtClean="0">
+                <a:solidFill>
+                  <a:srgbClr val="323230"/>
+                </a:solidFill>
+                <a:latin typeface="微軟正黑體" panose="020B0604030504040204" pitchFamily="34" charset="-120"/>
+                <a:ea typeface="微軟正黑體" panose="020B0604030504040204" pitchFamily="34" charset="-120"/>
+              </a:rPr>
+              <a:t> 轉換</a:t>
+            </a:r>
+            <a:endParaRPr lang="en-US" altLang="zh-TW" sz="3600" b="1" u="sng" dirty="0">
+              <a:solidFill>
+                <a:srgbClr val="323230"/>
+              </a:solidFill>
+              <a:latin typeface="微軟正黑體" panose="020B0604030504040204" pitchFamily="34" charset="-120"/>
+              <a:ea typeface="微軟正黑體" panose="020B0604030504040204" pitchFamily="34" charset="-120"/>
+            </a:endParaRPr>
+          </a:p>
+        </p:txBody>
+      </p:sp>
+    </p:spTree>
+    <p:extLst>
+      <p:ext uri="{BB962C8B-B14F-4D97-AF65-F5344CB8AC3E}">
+        <p14:creationId xmlns:p14="http://schemas.microsoft.com/office/powerpoint/2010/main" val="3729123251"/>
+      </p:ext>
+    </p:extLst>
+  </p:cSld>
+  <p:clrMapOvr>
+    <a:masterClrMapping/>
+  </p:clrMapOvr>
+</p:sld>
+</file>
+
+<file path=ppt/slides/slide45.xml><?xml version="1.0" encoding="utf-8"?>
+<p:sld xmlns:a="http://schemas.openxmlformats.org/drawingml/2006/main" xmlns:r="http://schemas.openxmlformats.org/officeDocument/2006/relationships" xmlns:p="http://schemas.openxmlformats.org/presentationml/2006/main">
+  <p:cSld>
+    <p:spTree>
+      <p:nvGrpSpPr>
+        <p:cNvPr id="1" name=""/>
+        <p:cNvGrpSpPr/>
+        <p:nvPr/>
+      </p:nvGrpSpPr>
+      <p:grpSpPr>
+        <a:xfrm>
+          <a:off x="0" y="0"/>
+          <a:ext cx="0" cy="0"/>
+          <a:chOff x="0" y="0"/>
+          <a:chExt cx="0" cy="0"/>
+        </a:xfrm>
+      </p:grpSpPr>
       <p:pic>
         <p:nvPicPr>
           <p:cNvPr id="6" name="圖片 5"/>
@@ -20958,7 +21226,7 @@
     </p:spTree>
     <p:extLst>
       <p:ext uri="{BB962C8B-B14F-4D97-AF65-F5344CB8AC3E}">
-        <p14:creationId xmlns:p14="http://schemas.microsoft.com/office/powerpoint/2010/main" val="3729123251"/>
+        <p14:creationId xmlns:p14="http://schemas.microsoft.com/office/powerpoint/2010/main" val="1341643140"/>
       </p:ext>
     </p:extLst>
   </p:cSld>
@@ -20968,7 +21236,7 @@
 </p:sld>
 </file>
 
-<file path=ppt/slides/slide45.xml><?xml version="1.0" encoding="utf-8"?>
+<file path=ppt/slides/slide46.xml><?xml version="1.0" encoding="utf-8"?>
 <p:sld xmlns:a="http://schemas.openxmlformats.org/drawingml/2006/main" xmlns:r="http://schemas.openxmlformats.org/officeDocument/2006/relationships" xmlns:p="http://schemas.openxmlformats.org/presentationml/2006/main">
   <p:cSld>
     <p:spTree>
@@ -21276,7 +21544,7 @@
 </p:sld>
 </file>
 
-<file path=ppt/slides/slide46.xml><?xml version="1.0" encoding="utf-8"?>
+<file path=ppt/slides/slide47.xml><?xml version="1.0" encoding="utf-8"?>
 <p:sld xmlns:a="http://schemas.openxmlformats.org/drawingml/2006/main" xmlns:r="http://schemas.openxmlformats.org/officeDocument/2006/relationships" xmlns:p="http://schemas.openxmlformats.org/presentationml/2006/main">
   <p:cSld>
     <p:spTree>
@@ -21628,7 +21896,7 @@
 </p:sld>
 </file>
 
-<file path=ppt/slides/slide47.xml><?xml version="1.0" encoding="utf-8"?>
+<file path=ppt/slides/slide48.xml><?xml version="1.0" encoding="utf-8"?>
 <p:sld xmlns:a="http://schemas.openxmlformats.org/drawingml/2006/main" xmlns:r="http://schemas.openxmlformats.org/officeDocument/2006/relationships" xmlns:p="http://schemas.openxmlformats.org/presentationml/2006/main">
   <p:cSld>
     <p:spTree>
@@ -21884,7 +22152,7 @@
 </p:sld>
 </file>
 
-<file path=ppt/slides/slide48.xml><?xml version="1.0" encoding="utf-8"?>
+<file path=ppt/slides/slide49.xml><?xml version="1.0" encoding="utf-8"?>
 <p:sld xmlns:a="http://schemas.openxmlformats.org/drawingml/2006/main" xmlns:r="http://schemas.openxmlformats.org/officeDocument/2006/relationships" xmlns:p="http://schemas.openxmlformats.org/presentationml/2006/main">
   <p:cSld>
     <p:spTree>
@@ -22648,281 +22916,6 @@
 </p:sld>
 </file>
 
-<file path=ppt/slides/slide49.xml><?xml version="1.0" encoding="utf-8"?>
-<p:sld xmlns:a="http://schemas.openxmlformats.org/drawingml/2006/main" xmlns:r="http://schemas.openxmlformats.org/officeDocument/2006/relationships" xmlns:p="http://schemas.openxmlformats.org/presentationml/2006/main">
-  <p:cSld>
-    <p:bg>
-      <p:bgPr>
-        <a:solidFill>
-          <a:srgbClr val="323230"/>
-        </a:solidFill>
-        <a:effectLst/>
-      </p:bgPr>
-    </p:bg>
-    <p:spTree>
-      <p:nvGrpSpPr>
-        <p:cNvPr id="1" name=""/>
-        <p:cNvGrpSpPr/>
-        <p:nvPr/>
-      </p:nvGrpSpPr>
-      <p:grpSpPr>
-        <a:xfrm>
-          <a:off x="0" y="0"/>
-          <a:ext cx="0" cy="0"/>
-          <a:chOff x="0" y="0"/>
-          <a:chExt cx="0" cy="0"/>
-        </a:xfrm>
-      </p:grpSpPr>
-      <p:sp>
-        <p:nvSpPr>
-          <p:cNvPr id="2" name="矩形 1"/>
-          <p:cNvSpPr/>
-          <p:nvPr/>
-        </p:nvSpPr>
-        <p:spPr>
-          <a:xfrm>
-            <a:off x="2768338" y="4604504"/>
-            <a:ext cx="6096000" cy="646331"/>
-          </a:xfrm>
-          <a:prstGeom prst="rect">
-            <a:avLst/>
-          </a:prstGeom>
-        </p:spPr>
-        <p:txBody>
-          <a:bodyPr>
-            <a:spAutoFit/>
-          </a:bodyPr>
-          <a:lstStyle/>
-          <a:p>
-            <a:r>
-              <a:rPr lang="zh-TW" altLang="en-US" dirty="0">
-                <a:solidFill>
-                  <a:srgbClr val="F0DA50"/>
-                </a:solidFill>
-              </a:rPr>
-              <a:t>https://www.youtube.com/channel/UC7ArpUezGLX-dZ0FTS_jVMQ?view_as=subscriber</a:t>
-            </a:r>
-          </a:p>
-        </p:txBody>
-      </p:sp>
-      <p:pic>
-        <p:nvPicPr>
-          <p:cNvPr id="3" name="圖片 2"/>
-          <p:cNvPicPr>
-            <a:picLocks noChangeAspect="1"/>
-          </p:cNvPicPr>
-          <p:nvPr/>
-        </p:nvPicPr>
-        <p:blipFill>
-          <a:blip r:embed="rId2" cstate="print">
-            <a:extLst>
-              <a:ext uri="{28A0092B-C50C-407E-A947-70E740481C1C}">
-                <a14:useLocalDpi xmlns:a14="http://schemas.microsoft.com/office/drawing/2010/main" val="0"/>
-              </a:ext>
-            </a:extLst>
-          </a:blip>
-          <a:stretch>
-            <a:fillRect/>
-          </a:stretch>
-        </p:blipFill>
-        <p:spPr>
-          <a:xfrm>
-            <a:off x="783055" y="4499279"/>
-            <a:ext cx="1618687" cy="847282"/>
-          </a:xfrm>
-          <a:prstGeom prst="rect">
-            <a:avLst/>
-          </a:prstGeom>
-        </p:spPr>
-      </p:pic>
-      <p:pic>
-        <p:nvPicPr>
-          <p:cNvPr id="4" name="圖片 3"/>
-          <p:cNvPicPr>
-            <a:picLocks noChangeAspect="1"/>
-          </p:cNvPicPr>
-          <p:nvPr/>
-        </p:nvPicPr>
-        <p:blipFill>
-          <a:blip r:embed="rId3" cstate="print">
-            <a:extLst>
-              <a:ext uri="{28A0092B-C50C-407E-A947-70E740481C1C}">
-                <a14:useLocalDpi xmlns:a14="http://schemas.microsoft.com/office/drawing/2010/main" val="0"/>
-              </a:ext>
-            </a:extLst>
-          </a:blip>
-          <a:stretch>
-            <a:fillRect/>
-          </a:stretch>
-        </p:blipFill>
-        <p:spPr>
-          <a:xfrm>
-            <a:off x="783056" y="3592018"/>
-            <a:ext cx="1636907" cy="624071"/>
-          </a:xfrm>
-          <a:prstGeom prst="rect">
-            <a:avLst/>
-          </a:prstGeom>
-        </p:spPr>
-      </p:pic>
-      <p:sp>
-        <p:nvSpPr>
-          <p:cNvPr id="5" name="矩形 4"/>
-          <p:cNvSpPr/>
-          <p:nvPr/>
-        </p:nvSpPr>
-        <p:spPr>
-          <a:xfrm>
-            <a:off x="2768338" y="3640726"/>
-            <a:ext cx="2076209" cy="369332"/>
-          </a:xfrm>
-          <a:prstGeom prst="rect">
-            <a:avLst/>
-          </a:prstGeom>
-        </p:spPr>
-        <p:txBody>
-          <a:bodyPr wrap="none">
-            <a:spAutoFit/>
-          </a:bodyPr>
-          <a:lstStyle/>
-          <a:p>
-            <a:r>
-              <a:rPr lang="en-US" altLang="zh-TW" dirty="0" smtClean="0">
-                <a:solidFill>
-                  <a:srgbClr val="F0DA50"/>
-                </a:solidFill>
-                <a:latin typeface="Adobe 繁黑體 Std B" panose="020B0700000000000000" pitchFamily="34" charset="-120"/>
-                <a:ea typeface="Adobe 繁黑體 Std B" panose="020B0700000000000000" pitchFamily="34" charset="-120"/>
-              </a:rPr>
-              <a:t>Mike</a:t>
-            </a:r>
-            <a:r>
-              <a:rPr lang="zh-TW" altLang="en-US" dirty="0" smtClean="0">
-                <a:solidFill>
-                  <a:srgbClr val="F0DA50"/>
-                </a:solidFill>
-                <a:latin typeface="Adobe 繁黑體 Std B" panose="020B0700000000000000" pitchFamily="34" charset="-120"/>
-                <a:ea typeface="Adobe 繁黑體 Std B" panose="020B0700000000000000" pitchFamily="34" charset="-120"/>
-              </a:rPr>
-              <a:t>的前端實驗室</a:t>
-            </a:r>
-            <a:endParaRPr lang="zh-TW" altLang="en-US" dirty="0">
-              <a:solidFill>
-                <a:srgbClr val="F0DA50"/>
-              </a:solidFill>
-              <a:latin typeface="Adobe 繁黑體 Std B" panose="020B0700000000000000" pitchFamily="34" charset="-120"/>
-              <a:ea typeface="Adobe 繁黑體 Std B" panose="020B0700000000000000" pitchFamily="34" charset="-120"/>
-            </a:endParaRPr>
-          </a:p>
-        </p:txBody>
-      </p:sp>
-      <p:sp>
-        <p:nvSpPr>
-          <p:cNvPr id="6" name="矩形 5"/>
-          <p:cNvSpPr/>
-          <p:nvPr/>
-        </p:nvSpPr>
-        <p:spPr>
-          <a:xfrm>
-            <a:off x="2768338" y="3886756"/>
-            <a:ext cx="4350743" cy="307777"/>
-          </a:xfrm>
-          <a:prstGeom prst="rect">
-            <a:avLst/>
-          </a:prstGeom>
-        </p:spPr>
-        <p:txBody>
-          <a:bodyPr wrap="none">
-            <a:spAutoFit/>
-          </a:bodyPr>
-          <a:lstStyle/>
-          <a:p>
-            <a:r>
-              <a:rPr lang="zh-TW" altLang="en-US" sz="1400" dirty="0">
-                <a:solidFill>
-                  <a:srgbClr val="F0DA50"/>
-                </a:solidFill>
-              </a:rPr>
-              <a:t>https://www.facebook.com/groups/2189823101261689/</a:t>
-            </a:r>
-          </a:p>
-        </p:txBody>
-      </p:sp>
-      <p:pic>
-        <p:nvPicPr>
-          <p:cNvPr id="7" name="圖片 6"/>
-          <p:cNvPicPr>
-            <a:picLocks noChangeAspect="1"/>
-          </p:cNvPicPr>
-          <p:nvPr/>
-        </p:nvPicPr>
-        <p:blipFill>
-          <a:blip r:embed="rId4" cstate="print">
-            <a:extLst>
-              <a:ext uri="{28A0092B-C50C-407E-A947-70E740481C1C}">
-                <a14:useLocalDpi xmlns:a14="http://schemas.microsoft.com/office/drawing/2010/main" val="0"/>
-              </a:ext>
-            </a:extLst>
-          </a:blip>
-          <a:stretch>
-            <a:fillRect/>
-          </a:stretch>
-        </p:blipFill>
-        <p:spPr>
-          <a:xfrm>
-            <a:off x="783055" y="5629751"/>
-            <a:ext cx="1618687" cy="599161"/>
-          </a:xfrm>
-          <a:prstGeom prst="rect">
-            <a:avLst/>
-          </a:prstGeom>
-        </p:spPr>
-      </p:pic>
-      <p:sp>
-        <p:nvSpPr>
-          <p:cNvPr id="8" name="矩形 7"/>
-          <p:cNvSpPr/>
-          <p:nvPr/>
-        </p:nvSpPr>
-        <p:spPr>
-          <a:xfrm>
-            <a:off x="2768338" y="5768314"/>
-            <a:ext cx="4081695" cy="369332"/>
-          </a:xfrm>
-          <a:prstGeom prst="rect">
-            <a:avLst/>
-          </a:prstGeom>
-        </p:spPr>
-        <p:txBody>
-          <a:bodyPr wrap="none">
-            <a:spAutoFit/>
-          </a:bodyPr>
-          <a:lstStyle/>
-          <a:p>
-            <a:r>
-              <a:rPr lang="zh-TW" altLang="en-US" dirty="0">
-                <a:solidFill>
-                  <a:srgbClr val="F0DA50"/>
-                </a:solidFill>
-              </a:rPr>
-              <a:t>https://medium.com/@Mike_Cheng1208</a:t>
-            </a:r>
-          </a:p>
-        </p:txBody>
-      </p:sp>
-    </p:spTree>
-    <p:extLst>
-      <p:ext uri="{BB962C8B-B14F-4D97-AF65-F5344CB8AC3E}">
-        <p14:creationId xmlns:p14="http://schemas.microsoft.com/office/powerpoint/2010/main" val="1680533645"/>
-      </p:ext>
-    </p:extLst>
-  </p:cSld>
-  <p:clrMapOvr>
-    <a:masterClrMapping/>
-  </p:clrMapOvr>
-</p:sld>
-</file>
-
 <file path=ppt/slides/slide5.xml><?xml version="1.0" encoding="utf-8"?>
 <p:sld xmlns:a="http://schemas.openxmlformats.org/drawingml/2006/main" xmlns:r="http://schemas.openxmlformats.org/officeDocument/2006/relationships" xmlns:p="http://schemas.openxmlformats.org/presentationml/2006/main">
   <p:cSld>
@@ -23762,6 +23755,281 @@
     <p:extLst>
       <p:ext uri="{BB962C8B-B14F-4D97-AF65-F5344CB8AC3E}">
         <p14:creationId xmlns:p14="http://schemas.microsoft.com/office/powerpoint/2010/main" val="1365078092"/>
+      </p:ext>
+    </p:extLst>
+  </p:cSld>
+  <p:clrMapOvr>
+    <a:masterClrMapping/>
+  </p:clrMapOvr>
+</p:sld>
+</file>
+
+<file path=ppt/slides/slide50.xml><?xml version="1.0" encoding="utf-8"?>
+<p:sld xmlns:a="http://schemas.openxmlformats.org/drawingml/2006/main" xmlns:r="http://schemas.openxmlformats.org/officeDocument/2006/relationships" xmlns:p="http://schemas.openxmlformats.org/presentationml/2006/main">
+  <p:cSld>
+    <p:bg>
+      <p:bgPr>
+        <a:solidFill>
+          <a:srgbClr val="323230"/>
+        </a:solidFill>
+        <a:effectLst/>
+      </p:bgPr>
+    </p:bg>
+    <p:spTree>
+      <p:nvGrpSpPr>
+        <p:cNvPr id="1" name=""/>
+        <p:cNvGrpSpPr/>
+        <p:nvPr/>
+      </p:nvGrpSpPr>
+      <p:grpSpPr>
+        <a:xfrm>
+          <a:off x="0" y="0"/>
+          <a:ext cx="0" cy="0"/>
+          <a:chOff x="0" y="0"/>
+          <a:chExt cx="0" cy="0"/>
+        </a:xfrm>
+      </p:grpSpPr>
+      <p:sp>
+        <p:nvSpPr>
+          <p:cNvPr id="2" name="矩形 1"/>
+          <p:cNvSpPr/>
+          <p:nvPr/>
+        </p:nvSpPr>
+        <p:spPr>
+          <a:xfrm>
+            <a:off x="2768338" y="4604504"/>
+            <a:ext cx="6096000" cy="646331"/>
+          </a:xfrm>
+          <a:prstGeom prst="rect">
+            <a:avLst/>
+          </a:prstGeom>
+        </p:spPr>
+        <p:txBody>
+          <a:bodyPr>
+            <a:spAutoFit/>
+          </a:bodyPr>
+          <a:lstStyle/>
+          <a:p>
+            <a:r>
+              <a:rPr lang="zh-TW" altLang="en-US" dirty="0">
+                <a:solidFill>
+                  <a:srgbClr val="F0DA50"/>
+                </a:solidFill>
+              </a:rPr>
+              <a:t>https://www.youtube.com/channel/UC7ArpUezGLX-dZ0FTS_jVMQ?view_as=subscriber</a:t>
+            </a:r>
+          </a:p>
+        </p:txBody>
+      </p:sp>
+      <p:pic>
+        <p:nvPicPr>
+          <p:cNvPr id="3" name="圖片 2"/>
+          <p:cNvPicPr>
+            <a:picLocks noChangeAspect="1"/>
+          </p:cNvPicPr>
+          <p:nvPr/>
+        </p:nvPicPr>
+        <p:blipFill>
+          <a:blip r:embed="rId2" cstate="print">
+            <a:extLst>
+              <a:ext uri="{28A0092B-C50C-407E-A947-70E740481C1C}">
+                <a14:useLocalDpi xmlns:a14="http://schemas.microsoft.com/office/drawing/2010/main" val="0"/>
+              </a:ext>
+            </a:extLst>
+          </a:blip>
+          <a:stretch>
+            <a:fillRect/>
+          </a:stretch>
+        </p:blipFill>
+        <p:spPr>
+          <a:xfrm>
+            <a:off x="783055" y="4499279"/>
+            <a:ext cx="1618687" cy="847282"/>
+          </a:xfrm>
+          <a:prstGeom prst="rect">
+            <a:avLst/>
+          </a:prstGeom>
+        </p:spPr>
+      </p:pic>
+      <p:pic>
+        <p:nvPicPr>
+          <p:cNvPr id="4" name="圖片 3"/>
+          <p:cNvPicPr>
+            <a:picLocks noChangeAspect="1"/>
+          </p:cNvPicPr>
+          <p:nvPr/>
+        </p:nvPicPr>
+        <p:blipFill>
+          <a:blip r:embed="rId3" cstate="print">
+            <a:extLst>
+              <a:ext uri="{28A0092B-C50C-407E-A947-70E740481C1C}">
+                <a14:useLocalDpi xmlns:a14="http://schemas.microsoft.com/office/drawing/2010/main" val="0"/>
+              </a:ext>
+            </a:extLst>
+          </a:blip>
+          <a:stretch>
+            <a:fillRect/>
+          </a:stretch>
+        </p:blipFill>
+        <p:spPr>
+          <a:xfrm>
+            <a:off x="783056" y="3592018"/>
+            <a:ext cx="1636907" cy="624071"/>
+          </a:xfrm>
+          <a:prstGeom prst="rect">
+            <a:avLst/>
+          </a:prstGeom>
+        </p:spPr>
+      </p:pic>
+      <p:sp>
+        <p:nvSpPr>
+          <p:cNvPr id="5" name="矩形 4"/>
+          <p:cNvSpPr/>
+          <p:nvPr/>
+        </p:nvSpPr>
+        <p:spPr>
+          <a:xfrm>
+            <a:off x="2768338" y="3640726"/>
+            <a:ext cx="2076209" cy="369332"/>
+          </a:xfrm>
+          <a:prstGeom prst="rect">
+            <a:avLst/>
+          </a:prstGeom>
+        </p:spPr>
+        <p:txBody>
+          <a:bodyPr wrap="none">
+            <a:spAutoFit/>
+          </a:bodyPr>
+          <a:lstStyle/>
+          <a:p>
+            <a:r>
+              <a:rPr lang="en-US" altLang="zh-TW" dirty="0" smtClean="0">
+                <a:solidFill>
+                  <a:srgbClr val="F0DA50"/>
+                </a:solidFill>
+                <a:latin typeface="Adobe 繁黑體 Std B" panose="020B0700000000000000" pitchFamily="34" charset="-120"/>
+                <a:ea typeface="Adobe 繁黑體 Std B" panose="020B0700000000000000" pitchFamily="34" charset="-120"/>
+              </a:rPr>
+              <a:t>Mike</a:t>
+            </a:r>
+            <a:r>
+              <a:rPr lang="zh-TW" altLang="en-US" dirty="0" smtClean="0">
+                <a:solidFill>
+                  <a:srgbClr val="F0DA50"/>
+                </a:solidFill>
+                <a:latin typeface="Adobe 繁黑體 Std B" panose="020B0700000000000000" pitchFamily="34" charset="-120"/>
+                <a:ea typeface="Adobe 繁黑體 Std B" panose="020B0700000000000000" pitchFamily="34" charset="-120"/>
+              </a:rPr>
+              <a:t>的前端實驗室</a:t>
+            </a:r>
+            <a:endParaRPr lang="zh-TW" altLang="en-US" dirty="0">
+              <a:solidFill>
+                <a:srgbClr val="F0DA50"/>
+              </a:solidFill>
+              <a:latin typeface="Adobe 繁黑體 Std B" panose="020B0700000000000000" pitchFamily="34" charset="-120"/>
+              <a:ea typeface="Adobe 繁黑體 Std B" panose="020B0700000000000000" pitchFamily="34" charset="-120"/>
+            </a:endParaRPr>
+          </a:p>
+        </p:txBody>
+      </p:sp>
+      <p:sp>
+        <p:nvSpPr>
+          <p:cNvPr id="6" name="矩形 5"/>
+          <p:cNvSpPr/>
+          <p:nvPr/>
+        </p:nvSpPr>
+        <p:spPr>
+          <a:xfrm>
+            <a:off x="2768338" y="3886756"/>
+            <a:ext cx="4350743" cy="307777"/>
+          </a:xfrm>
+          <a:prstGeom prst="rect">
+            <a:avLst/>
+          </a:prstGeom>
+        </p:spPr>
+        <p:txBody>
+          <a:bodyPr wrap="none">
+            <a:spAutoFit/>
+          </a:bodyPr>
+          <a:lstStyle/>
+          <a:p>
+            <a:r>
+              <a:rPr lang="zh-TW" altLang="en-US" sz="1400" dirty="0">
+                <a:solidFill>
+                  <a:srgbClr val="F0DA50"/>
+                </a:solidFill>
+              </a:rPr>
+              <a:t>https://www.facebook.com/groups/2189823101261689/</a:t>
+            </a:r>
+          </a:p>
+        </p:txBody>
+      </p:sp>
+      <p:pic>
+        <p:nvPicPr>
+          <p:cNvPr id="7" name="圖片 6"/>
+          <p:cNvPicPr>
+            <a:picLocks noChangeAspect="1"/>
+          </p:cNvPicPr>
+          <p:nvPr/>
+        </p:nvPicPr>
+        <p:blipFill>
+          <a:blip r:embed="rId4" cstate="print">
+            <a:extLst>
+              <a:ext uri="{28A0092B-C50C-407E-A947-70E740481C1C}">
+                <a14:useLocalDpi xmlns:a14="http://schemas.microsoft.com/office/drawing/2010/main" val="0"/>
+              </a:ext>
+            </a:extLst>
+          </a:blip>
+          <a:stretch>
+            <a:fillRect/>
+          </a:stretch>
+        </p:blipFill>
+        <p:spPr>
+          <a:xfrm>
+            <a:off x="783055" y="5629751"/>
+            <a:ext cx="1618687" cy="599161"/>
+          </a:xfrm>
+          <a:prstGeom prst="rect">
+            <a:avLst/>
+          </a:prstGeom>
+        </p:spPr>
+      </p:pic>
+      <p:sp>
+        <p:nvSpPr>
+          <p:cNvPr id="8" name="矩形 7"/>
+          <p:cNvSpPr/>
+          <p:nvPr/>
+        </p:nvSpPr>
+        <p:spPr>
+          <a:xfrm>
+            <a:off x="2768338" y="5768314"/>
+            <a:ext cx="4081695" cy="369332"/>
+          </a:xfrm>
+          <a:prstGeom prst="rect">
+            <a:avLst/>
+          </a:prstGeom>
+        </p:spPr>
+        <p:txBody>
+          <a:bodyPr wrap="none">
+            <a:spAutoFit/>
+          </a:bodyPr>
+          <a:lstStyle/>
+          <a:p>
+            <a:r>
+              <a:rPr lang="zh-TW" altLang="en-US" dirty="0">
+                <a:solidFill>
+                  <a:srgbClr val="F0DA50"/>
+                </a:solidFill>
+              </a:rPr>
+              <a:t>https://medium.com/@Mike_Cheng1208</a:t>
+            </a:r>
+          </a:p>
+        </p:txBody>
+      </p:sp>
+    </p:spTree>
+    <p:extLst>
+      <p:ext uri="{BB962C8B-B14F-4D97-AF65-F5344CB8AC3E}">
+        <p14:creationId xmlns:p14="http://schemas.microsoft.com/office/powerpoint/2010/main" val="1680533645"/>
       </p:ext>
     </p:extLst>
   </p:cSld>

--- a/現代 JavaScript 職人之路｜ 中階篇.pptx
+++ b/現代 JavaScript 職人之路｜ 中階篇.pptx
@@ -54,7 +54,8 @@
     <p:sldId id="302" r:id="rId48"/>
     <p:sldId id="303" r:id="rId49"/>
     <p:sldId id="304" r:id="rId50"/>
-    <p:sldId id="296" r:id="rId51"/>
+    <p:sldId id="306" r:id="rId51"/>
+    <p:sldId id="296" r:id="rId52"/>
   </p:sldIdLst>
   <p:sldSz cx="12192000" cy="6858000"/>
   <p:notesSz cx="6858000" cy="9144000"/>
@@ -211,6 +212,7 @@
             <p14:sldId id="302"/>
             <p14:sldId id="303"/>
             <p14:sldId id="304"/>
+            <p14:sldId id="306"/>
             <p14:sldId id="296"/>
           </p14:sldIdLst>
         </p14:section>
@@ -9678,7 +9680,7 @@
           <p:cNvPr id="7" name="圖片 6">
             <a:extLst>
               <a:ext uri="{FF2B5EF4-FFF2-40B4-BE49-F238E27FC236}">
-                <a16:creationId xmlns="" xmlns:a16="http://schemas.microsoft.com/office/drawing/2014/main" id="{FCB4471C-65FC-5F49-8514-4E5F2DA03E92}"/>
+                <a16:creationId xmlns:a16="http://schemas.microsoft.com/office/drawing/2014/main" xmlns="" id="{FCB4471C-65FC-5F49-8514-4E5F2DA03E92}"/>
               </a:ext>
             </a:extLst>
           </p:cNvPr>
@@ -9714,7 +9716,7 @@
           <p:cNvPr id="8" name="標題 1">
             <a:extLst>
               <a:ext uri="{FF2B5EF4-FFF2-40B4-BE49-F238E27FC236}">
-                <a16:creationId xmlns="" xmlns:a16="http://schemas.microsoft.com/office/drawing/2014/main" id="{7312BAB0-ED4E-B441-973A-7DD55EFD13E6}"/>
+                <a16:creationId xmlns:a16="http://schemas.microsoft.com/office/drawing/2014/main" xmlns="" id="{7312BAB0-ED4E-B441-973A-7DD55EFD13E6}"/>
               </a:ext>
             </a:extLst>
           </p:cNvPr>
@@ -9793,7 +9795,7 @@
           <p:cNvPr id="10" name="矩形 9">
             <a:extLst>
               <a:ext uri="{FF2B5EF4-FFF2-40B4-BE49-F238E27FC236}">
-                <a16:creationId xmlns="" xmlns:a16="http://schemas.microsoft.com/office/drawing/2014/main" id="{711EB9EB-24D0-9241-AD5B-CA5B1D79376A}"/>
+                <a16:creationId xmlns:a16="http://schemas.microsoft.com/office/drawing/2014/main" xmlns="" id="{711EB9EB-24D0-9241-AD5B-CA5B1D79376A}"/>
               </a:ext>
             </a:extLst>
           </p:cNvPr>
@@ -9830,7 +9832,7 @@
           <p:cNvPr id="11" name="矩形 10">
             <a:extLst>
               <a:ext uri="{FF2B5EF4-FFF2-40B4-BE49-F238E27FC236}">
-                <a16:creationId xmlns="" xmlns:a16="http://schemas.microsoft.com/office/drawing/2014/main" id="{F703328C-F454-3342-B266-30FBD0602B3E}"/>
+                <a16:creationId xmlns:a16="http://schemas.microsoft.com/office/drawing/2014/main" xmlns="" id="{F703328C-F454-3342-B266-30FBD0602B3E}"/>
               </a:ext>
             </a:extLst>
           </p:cNvPr>
@@ -9917,7 +9919,7 @@
           <p:cNvPr id="4" name="矩形 3">
             <a:extLst>
               <a:ext uri="{FF2B5EF4-FFF2-40B4-BE49-F238E27FC236}">
-                <a16:creationId xmlns="" xmlns:a16="http://schemas.microsoft.com/office/drawing/2014/main" id="{156707A3-68A3-2F4A-8CDA-2F9B2532D0B3}"/>
+                <a16:creationId xmlns:a16="http://schemas.microsoft.com/office/drawing/2014/main" xmlns="" id="{156707A3-68A3-2F4A-8CDA-2F9B2532D0B3}"/>
               </a:ext>
             </a:extLst>
           </p:cNvPr>
@@ -9985,7 +9987,7 @@
           <p:cNvPr id="6" name="矩形 5">
             <a:extLst>
               <a:ext uri="{FF2B5EF4-FFF2-40B4-BE49-F238E27FC236}">
-                <a16:creationId xmlns="" xmlns:a16="http://schemas.microsoft.com/office/drawing/2014/main" id="{FB465A35-CC98-3F40-8C26-B37236DA0162}"/>
+                <a16:creationId xmlns:a16="http://schemas.microsoft.com/office/drawing/2014/main" xmlns="" id="{FB465A35-CC98-3F40-8C26-B37236DA0162}"/>
               </a:ext>
             </a:extLst>
           </p:cNvPr>
@@ -10022,7 +10024,7 @@
           <p:cNvPr id="7" name="矩形 6">
             <a:extLst>
               <a:ext uri="{FF2B5EF4-FFF2-40B4-BE49-F238E27FC236}">
-                <a16:creationId xmlns="" xmlns:a16="http://schemas.microsoft.com/office/drawing/2014/main" id="{DD9E23DF-C692-2246-B23B-E8A7F74751A8}"/>
+                <a16:creationId xmlns:a16="http://schemas.microsoft.com/office/drawing/2014/main" xmlns="" id="{DD9E23DF-C692-2246-B23B-E8A7F74751A8}"/>
               </a:ext>
             </a:extLst>
           </p:cNvPr>
@@ -10084,7 +10086,7 @@
           <p:cNvPr id="8" name="矩形 7">
             <a:extLst>
               <a:ext uri="{FF2B5EF4-FFF2-40B4-BE49-F238E27FC236}">
-                <a16:creationId xmlns="" xmlns:a16="http://schemas.microsoft.com/office/drawing/2014/main" id="{46C433FA-9CCB-9C41-8561-B25FB97C3997}"/>
+                <a16:creationId xmlns:a16="http://schemas.microsoft.com/office/drawing/2014/main" xmlns="" id="{46C433FA-9CCB-9C41-8561-B25FB97C3997}"/>
               </a:ext>
             </a:extLst>
           </p:cNvPr>
@@ -10146,7 +10148,7 @@
           <p:cNvPr id="9" name="矩形 8">
             <a:extLst>
               <a:ext uri="{FF2B5EF4-FFF2-40B4-BE49-F238E27FC236}">
-                <a16:creationId xmlns="" xmlns:a16="http://schemas.microsoft.com/office/drawing/2014/main" id="{C34E9026-3B18-AE45-AC95-5441221D9DF1}"/>
+                <a16:creationId xmlns:a16="http://schemas.microsoft.com/office/drawing/2014/main" xmlns="" id="{C34E9026-3B18-AE45-AC95-5441221D9DF1}"/>
               </a:ext>
             </a:extLst>
           </p:cNvPr>
@@ -10208,7 +10210,7 @@
           <p:cNvPr id="10" name="矩形 9">
             <a:extLst>
               <a:ext uri="{FF2B5EF4-FFF2-40B4-BE49-F238E27FC236}">
-                <a16:creationId xmlns="" xmlns:a16="http://schemas.microsoft.com/office/drawing/2014/main" id="{25AFE21C-8976-EB41-9B39-4A8704E5273E}"/>
+                <a16:creationId xmlns:a16="http://schemas.microsoft.com/office/drawing/2014/main" xmlns="" id="{25AFE21C-8976-EB41-9B39-4A8704E5273E}"/>
               </a:ext>
             </a:extLst>
           </p:cNvPr>
@@ -10273,7 +10275,7 @@
           <p:cNvPr id="11" name="矩形 10">
             <a:extLst>
               <a:ext uri="{FF2B5EF4-FFF2-40B4-BE49-F238E27FC236}">
-                <a16:creationId xmlns="" xmlns:a16="http://schemas.microsoft.com/office/drawing/2014/main" id="{22FA0140-3918-9144-8FB9-1D42FD66FCC6}"/>
+                <a16:creationId xmlns:a16="http://schemas.microsoft.com/office/drawing/2014/main" xmlns="" id="{22FA0140-3918-9144-8FB9-1D42FD66FCC6}"/>
               </a:ext>
             </a:extLst>
           </p:cNvPr>
@@ -10402,7 +10404,7 @@
           <p:cNvPr id="12" name="矩形 11">
             <a:extLst>
               <a:ext uri="{FF2B5EF4-FFF2-40B4-BE49-F238E27FC236}">
-                <a16:creationId xmlns="" xmlns:a16="http://schemas.microsoft.com/office/drawing/2014/main" id="{237AA689-99FD-CB47-839A-1BF31D73EC93}"/>
+                <a16:creationId xmlns:a16="http://schemas.microsoft.com/office/drawing/2014/main" xmlns="" id="{237AA689-99FD-CB47-839A-1BF31D73EC93}"/>
               </a:ext>
             </a:extLst>
           </p:cNvPr>
@@ -10531,7 +10533,7 @@
           <p:cNvPr id="21" name="圓角矩形 20">
             <a:extLst>
               <a:ext uri="{FF2B5EF4-FFF2-40B4-BE49-F238E27FC236}">
-                <a16:creationId xmlns="" xmlns:a16="http://schemas.microsoft.com/office/drawing/2014/main" id="{D3E17314-681B-E744-AA6E-06B60ED1D494}"/>
+                <a16:creationId xmlns:a16="http://schemas.microsoft.com/office/drawing/2014/main" xmlns="" id="{D3E17314-681B-E744-AA6E-06B60ED1D494}"/>
               </a:ext>
             </a:extLst>
           </p:cNvPr>
@@ -10577,7 +10579,7 @@
           <p:cNvPr id="2" name="矩形 1">
             <a:extLst>
               <a:ext uri="{FF2B5EF4-FFF2-40B4-BE49-F238E27FC236}">
-                <a16:creationId xmlns="" xmlns:a16="http://schemas.microsoft.com/office/drawing/2014/main" id="{1F91C1BF-2B69-564F-92C4-36851A2C2662}"/>
+                <a16:creationId xmlns:a16="http://schemas.microsoft.com/office/drawing/2014/main" xmlns="" id="{1F91C1BF-2B69-564F-92C4-36851A2C2662}"/>
               </a:ext>
             </a:extLst>
           </p:cNvPr>
@@ -10627,7 +10629,7 @@
           <p:cNvPr id="3" name="矩形 2">
             <a:extLst>
               <a:ext uri="{FF2B5EF4-FFF2-40B4-BE49-F238E27FC236}">
-                <a16:creationId xmlns="" xmlns:a16="http://schemas.microsoft.com/office/drawing/2014/main" id="{283C0B0F-C3B5-BD4F-883C-09F49FF67D1F}"/>
+                <a16:creationId xmlns:a16="http://schemas.microsoft.com/office/drawing/2014/main" xmlns="" id="{283C0B0F-C3B5-BD4F-883C-09F49FF67D1F}"/>
               </a:ext>
             </a:extLst>
           </p:cNvPr>
@@ -10677,7 +10679,7 @@
           <p:cNvPr id="4" name="橢圓 3">
             <a:extLst>
               <a:ext uri="{FF2B5EF4-FFF2-40B4-BE49-F238E27FC236}">
-                <a16:creationId xmlns="" xmlns:a16="http://schemas.microsoft.com/office/drawing/2014/main" id="{472F9B87-6FC9-B44F-A02E-9296A0720770}"/>
+                <a16:creationId xmlns:a16="http://schemas.microsoft.com/office/drawing/2014/main" xmlns="" id="{472F9B87-6FC9-B44F-A02E-9296A0720770}"/>
               </a:ext>
             </a:extLst>
           </p:cNvPr>
@@ -10725,7 +10727,7 @@
           <p:cNvPr id="6" name="直線箭頭接點 5">
             <a:extLst>
               <a:ext uri="{FF2B5EF4-FFF2-40B4-BE49-F238E27FC236}">
-                <a16:creationId xmlns="" xmlns:a16="http://schemas.microsoft.com/office/drawing/2014/main" id="{D38E5745-832A-E345-8A9F-5FF2C3D2EE19}"/>
+                <a16:creationId xmlns:a16="http://schemas.microsoft.com/office/drawing/2014/main" xmlns="" id="{D38E5745-832A-E345-8A9F-5FF2C3D2EE19}"/>
               </a:ext>
             </a:extLst>
           </p:cNvPr>
@@ -10764,7 +10766,7 @@
           <p:cNvPr id="7" name="直線箭頭接點 6">
             <a:extLst>
               <a:ext uri="{FF2B5EF4-FFF2-40B4-BE49-F238E27FC236}">
-                <a16:creationId xmlns="" xmlns:a16="http://schemas.microsoft.com/office/drawing/2014/main" id="{E9C3D736-A46A-1F45-BA83-98B2129B78D8}"/>
+                <a16:creationId xmlns:a16="http://schemas.microsoft.com/office/drawing/2014/main" xmlns="" id="{E9C3D736-A46A-1F45-BA83-98B2129B78D8}"/>
               </a:ext>
             </a:extLst>
           </p:cNvPr>
@@ -10805,7 +10807,7 @@
           <p:cNvPr id="9" name="矩形 8">
             <a:extLst>
               <a:ext uri="{FF2B5EF4-FFF2-40B4-BE49-F238E27FC236}">
-                <a16:creationId xmlns="" xmlns:a16="http://schemas.microsoft.com/office/drawing/2014/main" id="{27524826-70DB-0441-8303-37FC66D1FC5B}"/>
+                <a16:creationId xmlns:a16="http://schemas.microsoft.com/office/drawing/2014/main" xmlns="" id="{27524826-70DB-0441-8303-37FC66D1FC5B}"/>
               </a:ext>
             </a:extLst>
           </p:cNvPr>
@@ -10851,7 +10853,7 @@
           <p:cNvPr id="10" name="矩形 9">
             <a:extLst>
               <a:ext uri="{FF2B5EF4-FFF2-40B4-BE49-F238E27FC236}">
-                <a16:creationId xmlns="" xmlns:a16="http://schemas.microsoft.com/office/drawing/2014/main" id="{D5A40EA3-8607-7447-B5C5-1BA336DC4B1A}"/>
+                <a16:creationId xmlns:a16="http://schemas.microsoft.com/office/drawing/2014/main" xmlns="" id="{D5A40EA3-8607-7447-B5C5-1BA336DC4B1A}"/>
               </a:ext>
             </a:extLst>
           </p:cNvPr>
@@ -10899,7 +10901,7 @@
           <p:cNvPr id="11" name="矩形 10">
             <a:extLst>
               <a:ext uri="{FF2B5EF4-FFF2-40B4-BE49-F238E27FC236}">
-                <a16:creationId xmlns="" xmlns:a16="http://schemas.microsoft.com/office/drawing/2014/main" id="{D158EACD-7BFE-1141-B47B-73A9D59EB9ED}"/>
+                <a16:creationId xmlns:a16="http://schemas.microsoft.com/office/drawing/2014/main" xmlns="" id="{D158EACD-7BFE-1141-B47B-73A9D59EB9ED}"/>
               </a:ext>
             </a:extLst>
           </p:cNvPr>
@@ -10947,7 +10949,7 @@
           <p:cNvPr id="12" name="矩形 11">
             <a:extLst>
               <a:ext uri="{FF2B5EF4-FFF2-40B4-BE49-F238E27FC236}">
-                <a16:creationId xmlns="" xmlns:a16="http://schemas.microsoft.com/office/drawing/2014/main" id="{74E49627-882D-544A-8BCB-3B4BF797F6E9}"/>
+                <a16:creationId xmlns:a16="http://schemas.microsoft.com/office/drawing/2014/main" xmlns="" id="{74E49627-882D-544A-8BCB-3B4BF797F6E9}"/>
               </a:ext>
             </a:extLst>
           </p:cNvPr>
@@ -10993,7 +10995,7 @@
           <p:cNvPr id="13" name="矩形 12">
             <a:extLst>
               <a:ext uri="{FF2B5EF4-FFF2-40B4-BE49-F238E27FC236}">
-                <a16:creationId xmlns="" xmlns:a16="http://schemas.microsoft.com/office/drawing/2014/main" id="{20BC78A6-DC64-3947-9BB3-F887948FCEF2}"/>
+                <a16:creationId xmlns:a16="http://schemas.microsoft.com/office/drawing/2014/main" xmlns="" id="{20BC78A6-DC64-3947-9BB3-F887948FCEF2}"/>
               </a:ext>
             </a:extLst>
           </p:cNvPr>
@@ -11041,7 +11043,7 @@
           <p:cNvPr id="14" name="矩形 13">
             <a:extLst>
               <a:ext uri="{FF2B5EF4-FFF2-40B4-BE49-F238E27FC236}">
-                <a16:creationId xmlns="" xmlns:a16="http://schemas.microsoft.com/office/drawing/2014/main" id="{F0EF030A-79DE-B64D-A509-6ECC7BE738DE}"/>
+                <a16:creationId xmlns:a16="http://schemas.microsoft.com/office/drawing/2014/main" xmlns="" id="{F0EF030A-79DE-B64D-A509-6ECC7BE738DE}"/>
               </a:ext>
             </a:extLst>
           </p:cNvPr>
@@ -11089,7 +11091,7 @@
           <p:cNvPr id="15" name="矩形 14">
             <a:extLst>
               <a:ext uri="{FF2B5EF4-FFF2-40B4-BE49-F238E27FC236}">
-                <a16:creationId xmlns="" xmlns:a16="http://schemas.microsoft.com/office/drawing/2014/main" id="{F3E5F92F-E9C2-7C45-8671-F16256EE76D3}"/>
+                <a16:creationId xmlns:a16="http://schemas.microsoft.com/office/drawing/2014/main" xmlns="" id="{F3E5F92F-E9C2-7C45-8671-F16256EE76D3}"/>
               </a:ext>
             </a:extLst>
           </p:cNvPr>
@@ -11135,7 +11137,7 @@
           <p:cNvPr id="16" name="矩形 15">
             <a:extLst>
               <a:ext uri="{FF2B5EF4-FFF2-40B4-BE49-F238E27FC236}">
-                <a16:creationId xmlns="" xmlns:a16="http://schemas.microsoft.com/office/drawing/2014/main" id="{741F1151-B732-A149-A3A0-9570C9EF8329}"/>
+                <a16:creationId xmlns:a16="http://schemas.microsoft.com/office/drawing/2014/main" xmlns="" id="{741F1151-B732-A149-A3A0-9570C9EF8329}"/>
               </a:ext>
             </a:extLst>
           </p:cNvPr>
@@ -11183,7 +11185,7 @@
           <p:cNvPr id="17" name="矩形 16">
             <a:extLst>
               <a:ext uri="{FF2B5EF4-FFF2-40B4-BE49-F238E27FC236}">
-                <a16:creationId xmlns="" xmlns:a16="http://schemas.microsoft.com/office/drawing/2014/main" id="{F7FF4DA2-F64B-A74D-BCB8-5A8395B98315}"/>
+                <a16:creationId xmlns:a16="http://schemas.microsoft.com/office/drawing/2014/main" xmlns="" id="{F7FF4DA2-F64B-A74D-BCB8-5A8395B98315}"/>
               </a:ext>
             </a:extLst>
           </p:cNvPr>
@@ -11231,7 +11233,7 @@
           <p:cNvPr id="18" name="矩形 17">
             <a:extLst>
               <a:ext uri="{FF2B5EF4-FFF2-40B4-BE49-F238E27FC236}">
-                <a16:creationId xmlns="" xmlns:a16="http://schemas.microsoft.com/office/drawing/2014/main" id="{09E29AD8-5509-5B44-9539-95248F49BF82}"/>
+                <a16:creationId xmlns:a16="http://schemas.microsoft.com/office/drawing/2014/main" xmlns="" id="{09E29AD8-5509-5B44-9539-95248F49BF82}"/>
               </a:ext>
             </a:extLst>
           </p:cNvPr>
@@ -11277,7 +11279,7 @@
           <p:cNvPr id="19" name="矩形 18">
             <a:extLst>
               <a:ext uri="{FF2B5EF4-FFF2-40B4-BE49-F238E27FC236}">
-                <a16:creationId xmlns="" xmlns:a16="http://schemas.microsoft.com/office/drawing/2014/main" id="{6523B377-33A0-0F49-A5BF-5338157BBE09}"/>
+                <a16:creationId xmlns:a16="http://schemas.microsoft.com/office/drawing/2014/main" xmlns="" id="{6523B377-33A0-0F49-A5BF-5338157BBE09}"/>
               </a:ext>
             </a:extLst>
           </p:cNvPr>
@@ -11325,7 +11327,7 @@
           <p:cNvPr id="20" name="矩形 19">
             <a:extLst>
               <a:ext uri="{FF2B5EF4-FFF2-40B4-BE49-F238E27FC236}">
-                <a16:creationId xmlns="" xmlns:a16="http://schemas.microsoft.com/office/drawing/2014/main" id="{A77D0982-3F32-0E41-A364-B5E24518129C}"/>
+                <a16:creationId xmlns:a16="http://schemas.microsoft.com/office/drawing/2014/main" xmlns="" id="{A77D0982-3F32-0E41-A364-B5E24518129C}"/>
               </a:ext>
             </a:extLst>
           </p:cNvPr>
@@ -11373,7 +11375,7 @@
           <p:cNvPr id="23" name="直線箭頭接點 22">
             <a:extLst>
               <a:ext uri="{FF2B5EF4-FFF2-40B4-BE49-F238E27FC236}">
-                <a16:creationId xmlns="" xmlns:a16="http://schemas.microsoft.com/office/drawing/2014/main" id="{4B310916-6054-5644-AEDE-5A0A5FB5884A}"/>
+                <a16:creationId xmlns:a16="http://schemas.microsoft.com/office/drawing/2014/main" xmlns="" id="{4B310916-6054-5644-AEDE-5A0A5FB5884A}"/>
               </a:ext>
             </a:extLst>
           </p:cNvPr>
@@ -11452,7 +11454,7 @@
           <p:cNvPr id="2" name="矩形 1">
             <a:extLst>
               <a:ext uri="{FF2B5EF4-FFF2-40B4-BE49-F238E27FC236}">
-                <a16:creationId xmlns="" xmlns:a16="http://schemas.microsoft.com/office/drawing/2014/main" id="{3333882F-B381-5A41-9CA5-D1541ADC4406}"/>
+                <a16:creationId xmlns:a16="http://schemas.microsoft.com/office/drawing/2014/main" xmlns="" id="{3333882F-B381-5A41-9CA5-D1541ADC4406}"/>
               </a:ext>
             </a:extLst>
           </p:cNvPr>
@@ -12210,7 +12212,7 @@
           <p:cNvPr id="3" name="標題 1">
             <a:extLst>
               <a:ext uri="{FF2B5EF4-FFF2-40B4-BE49-F238E27FC236}">
-                <a16:creationId xmlns="" xmlns:a16="http://schemas.microsoft.com/office/drawing/2014/main" id="{207F22D1-A870-E444-BDAC-5CF5E258B61B}"/>
+                <a16:creationId xmlns:a16="http://schemas.microsoft.com/office/drawing/2014/main" xmlns="" id="{207F22D1-A870-E444-BDAC-5CF5E258B61B}"/>
               </a:ext>
             </a:extLst>
           </p:cNvPr>
@@ -12341,7 +12343,7 @@
           <p:cNvPr id="2" name="標題 1">
             <a:extLst>
               <a:ext uri="{FF2B5EF4-FFF2-40B4-BE49-F238E27FC236}">
-                <a16:creationId xmlns="" xmlns:a16="http://schemas.microsoft.com/office/drawing/2014/main" id="{E79C5F1B-4111-B34F-847E-75DCA5C284FD}"/>
+                <a16:creationId xmlns:a16="http://schemas.microsoft.com/office/drawing/2014/main" xmlns="" id="{E79C5F1B-4111-B34F-847E-75DCA5C284FD}"/>
               </a:ext>
             </a:extLst>
           </p:cNvPr>
@@ -12454,7 +12456,7 @@
           <p:cNvPr id="3" name="矩形 2">
             <a:extLst>
               <a:ext uri="{FF2B5EF4-FFF2-40B4-BE49-F238E27FC236}">
-                <a16:creationId xmlns="" xmlns:a16="http://schemas.microsoft.com/office/drawing/2014/main" id="{C1DC05E2-98B3-1B4A-A78F-CF4B51BFDFBB}"/>
+                <a16:creationId xmlns:a16="http://schemas.microsoft.com/office/drawing/2014/main" xmlns="" id="{C1DC05E2-98B3-1B4A-A78F-CF4B51BFDFBB}"/>
               </a:ext>
             </a:extLst>
           </p:cNvPr>
@@ -12735,7 +12737,7 @@
           <p:cNvPr id="5" name="矩形 4">
             <a:extLst>
               <a:ext uri="{FF2B5EF4-FFF2-40B4-BE49-F238E27FC236}">
-                <a16:creationId xmlns="" xmlns:a16="http://schemas.microsoft.com/office/drawing/2014/main" id="{6635FDE9-2CF8-AE4A-A10A-2FAF84E02666}"/>
+                <a16:creationId xmlns:a16="http://schemas.microsoft.com/office/drawing/2014/main" xmlns="" id="{6635FDE9-2CF8-AE4A-A10A-2FAF84E02666}"/>
               </a:ext>
             </a:extLst>
           </p:cNvPr>
@@ -13008,7 +13010,7 @@
           <p:cNvPr id="9" name="直線接點 8">
             <a:extLst>
               <a:ext uri="{FF2B5EF4-FFF2-40B4-BE49-F238E27FC236}">
-                <a16:creationId xmlns="" xmlns:a16="http://schemas.microsoft.com/office/drawing/2014/main" id="{663E15BC-D355-DD49-ACAF-CD4696C742F0}"/>
+                <a16:creationId xmlns:a16="http://schemas.microsoft.com/office/drawing/2014/main" xmlns="" id="{663E15BC-D355-DD49-ACAF-CD4696C742F0}"/>
               </a:ext>
             </a:extLst>
           </p:cNvPr>
@@ -13045,7 +13047,7 @@
           <p:cNvPr id="10" name="直線接點 9">
             <a:extLst>
               <a:ext uri="{FF2B5EF4-FFF2-40B4-BE49-F238E27FC236}">
-                <a16:creationId xmlns="" xmlns:a16="http://schemas.microsoft.com/office/drawing/2014/main" id="{26E1520E-4942-514E-ABF2-B5D783EA90BB}"/>
+                <a16:creationId xmlns:a16="http://schemas.microsoft.com/office/drawing/2014/main" xmlns="" id="{26E1520E-4942-514E-ABF2-B5D783EA90BB}"/>
               </a:ext>
             </a:extLst>
           </p:cNvPr>
@@ -13084,7 +13086,7 @@
           <p:cNvPr id="15" name="直線箭頭接點 14">
             <a:extLst>
               <a:ext uri="{FF2B5EF4-FFF2-40B4-BE49-F238E27FC236}">
-                <a16:creationId xmlns="" xmlns:a16="http://schemas.microsoft.com/office/drawing/2014/main" id="{F4F14853-2EE5-C449-8BB5-0057F3418639}"/>
+                <a16:creationId xmlns:a16="http://schemas.microsoft.com/office/drawing/2014/main" xmlns="" id="{F4F14853-2EE5-C449-8BB5-0057F3418639}"/>
               </a:ext>
             </a:extLst>
           </p:cNvPr>
@@ -13123,7 +13125,7 @@
           <p:cNvPr id="16" name="直線接點 15">
             <a:extLst>
               <a:ext uri="{FF2B5EF4-FFF2-40B4-BE49-F238E27FC236}">
-                <a16:creationId xmlns="" xmlns:a16="http://schemas.microsoft.com/office/drawing/2014/main" id="{84CF1E2F-9A79-314C-8B15-D40532D9DB4B}"/>
+                <a16:creationId xmlns:a16="http://schemas.microsoft.com/office/drawing/2014/main" xmlns="" id="{84CF1E2F-9A79-314C-8B15-D40532D9DB4B}"/>
               </a:ext>
             </a:extLst>
           </p:cNvPr>
@@ -13168,7 +13170,7 @@
           <p:cNvPr id="18" name="直線接點 17">
             <a:extLst>
               <a:ext uri="{FF2B5EF4-FFF2-40B4-BE49-F238E27FC236}">
-                <a16:creationId xmlns="" xmlns:a16="http://schemas.microsoft.com/office/drawing/2014/main" id="{A526251F-213A-7C4D-8230-FD109843D69A}"/>
+                <a16:creationId xmlns:a16="http://schemas.microsoft.com/office/drawing/2014/main" xmlns="" id="{A526251F-213A-7C4D-8230-FD109843D69A}"/>
               </a:ext>
             </a:extLst>
           </p:cNvPr>
@@ -13213,7 +13215,7 @@
           <p:cNvPr id="20" name="直線箭頭接點 19">
             <a:extLst>
               <a:ext uri="{FF2B5EF4-FFF2-40B4-BE49-F238E27FC236}">
-                <a16:creationId xmlns="" xmlns:a16="http://schemas.microsoft.com/office/drawing/2014/main" id="{B3AD4B63-8EC0-894D-8FF2-753983E11F3B}"/>
+                <a16:creationId xmlns:a16="http://schemas.microsoft.com/office/drawing/2014/main" xmlns="" id="{B3AD4B63-8EC0-894D-8FF2-753983E11F3B}"/>
               </a:ext>
             </a:extLst>
           </p:cNvPr>
@@ -23767,6 +23769,319 @@
 <file path=ppt/slides/slide50.xml><?xml version="1.0" encoding="utf-8"?>
 <p:sld xmlns:a="http://schemas.openxmlformats.org/drawingml/2006/main" xmlns:r="http://schemas.openxmlformats.org/officeDocument/2006/relationships" xmlns:p="http://schemas.openxmlformats.org/presentationml/2006/main">
   <p:cSld>
+    <p:spTree>
+      <p:nvGrpSpPr>
+        <p:cNvPr id="1" name=""/>
+        <p:cNvGrpSpPr/>
+        <p:nvPr/>
+      </p:nvGrpSpPr>
+      <p:grpSpPr>
+        <a:xfrm>
+          <a:off x="0" y="0"/>
+          <a:ext cx="0" cy="0"/>
+          <a:chOff x="0" y="0"/>
+          <a:chExt cx="0" cy="0"/>
+        </a:xfrm>
+      </p:grpSpPr>
+      <p:sp>
+        <p:nvSpPr>
+          <p:cNvPr id="2" name="矩形 1"/>
+          <p:cNvSpPr/>
+          <p:nvPr/>
+        </p:nvSpPr>
+        <p:spPr>
+          <a:xfrm>
+            <a:off x="2433786" y="1680279"/>
+            <a:ext cx="4870244" cy="584775"/>
+          </a:xfrm>
+          <a:prstGeom prst="rect">
+            <a:avLst/>
+          </a:prstGeom>
+        </p:spPr>
+        <p:txBody>
+          <a:bodyPr wrap="none">
+            <a:spAutoFit/>
+          </a:bodyPr>
+          <a:lstStyle/>
+          <a:p>
+            <a:r>
+              <a:rPr lang="en-US" altLang="zh-TW" sz="3200" b="1" dirty="0" smtClean="0">
+                <a:solidFill>
+                  <a:srgbClr val="24292E"/>
+                </a:solidFill>
+                <a:latin typeface="-apple-system"/>
+              </a:rPr>
+              <a:t># JavaScript </a:t>
+            </a:r>
+            <a:r>
+              <a:rPr lang="en-US" altLang="zh-TW" sz="3200" b="1" dirty="0">
+                <a:solidFill>
+                  <a:srgbClr val="24292E"/>
+                </a:solidFill>
+                <a:latin typeface="-apple-system"/>
+              </a:rPr>
+              <a:t>Style Guide()</a:t>
+            </a:r>
+            <a:endParaRPr lang="en-US" altLang="zh-TW" sz="3200" b="1" i="0" dirty="0">
+              <a:solidFill>
+                <a:srgbClr val="24292E"/>
+              </a:solidFill>
+              <a:effectLst/>
+              <a:latin typeface="-apple-system"/>
+            </a:endParaRPr>
+          </a:p>
+        </p:txBody>
+      </p:sp>
+      <p:sp>
+        <p:nvSpPr>
+          <p:cNvPr id="3" name="矩形 2"/>
+          <p:cNvSpPr/>
+          <p:nvPr/>
+        </p:nvSpPr>
+        <p:spPr>
+          <a:xfrm>
+            <a:off x="3584664" y="2288679"/>
+            <a:ext cx="2491388" cy="307777"/>
+          </a:xfrm>
+          <a:prstGeom prst="rect">
+            <a:avLst/>
+          </a:prstGeom>
+        </p:spPr>
+        <p:txBody>
+          <a:bodyPr wrap="none">
+            <a:spAutoFit/>
+          </a:bodyPr>
+          <a:lstStyle/>
+          <a:p>
+            <a:r>
+              <a:rPr lang="zh-TW" altLang="en-US" sz="1400" dirty="0">
+                <a:solidFill>
+                  <a:schemeClr val="tx1">
+                    <a:lumMod val="85000"/>
+                    <a:lumOff val="15000"/>
+                  </a:schemeClr>
+                </a:solidFill>
+                <a:latin typeface="Adobe 黑体 Std R" panose="020B0400000000000000" pitchFamily="34" charset="-128"/>
+                <a:ea typeface="Adobe 黑体 Std R" panose="020B0400000000000000" pitchFamily="34" charset="-128"/>
+              </a:rPr>
+              <a:t>用更合理的方式寫 </a:t>
+            </a:r>
+            <a:r>
+              <a:rPr lang="en-US" altLang="zh-TW" sz="1400" dirty="0">
+                <a:solidFill>
+                  <a:schemeClr val="tx1">
+                    <a:lumMod val="85000"/>
+                    <a:lumOff val="15000"/>
+                  </a:schemeClr>
+                </a:solidFill>
+                <a:latin typeface="Adobe 黑体 Std R" panose="020B0400000000000000" pitchFamily="34" charset="-128"/>
+                <a:ea typeface="Adobe 黑体 Std R" panose="020B0400000000000000" pitchFamily="34" charset="-128"/>
+              </a:rPr>
+              <a:t>JavaScript</a:t>
+            </a:r>
+            <a:endParaRPr lang="zh-TW" altLang="en-US" sz="1400" dirty="0">
+              <a:solidFill>
+                <a:schemeClr val="tx1">
+                  <a:lumMod val="85000"/>
+                  <a:lumOff val="15000"/>
+                </a:schemeClr>
+              </a:solidFill>
+              <a:latin typeface="Adobe 黑体 Std R" panose="020B0400000000000000" pitchFamily="34" charset="-128"/>
+              <a:ea typeface="Adobe 黑体 Std R" panose="020B0400000000000000" pitchFamily="34" charset="-128"/>
+            </a:endParaRPr>
+          </a:p>
+        </p:txBody>
+      </p:sp>
+      <p:sp>
+        <p:nvSpPr>
+          <p:cNvPr id="4" name="矩形 3"/>
+          <p:cNvSpPr/>
+          <p:nvPr/>
+        </p:nvSpPr>
+        <p:spPr>
+          <a:xfrm>
+            <a:off x="3008802" y="3622706"/>
+            <a:ext cx="3643113" cy="369332"/>
+          </a:xfrm>
+          <a:prstGeom prst="rect">
+            <a:avLst/>
+          </a:prstGeom>
+        </p:spPr>
+        <p:txBody>
+          <a:bodyPr wrap="none">
+            <a:spAutoFit/>
+          </a:bodyPr>
+          <a:lstStyle/>
+          <a:p>
+            <a:r>
+              <a:rPr lang="en-US" altLang="zh-TW" smtClean="0">
+                <a:hlinkClick r:id="rId2"/>
+              </a:rPr>
+              <a:t>https://github.com/airbnb/javascript</a:t>
+            </a:r>
+            <a:endParaRPr lang="zh-TW" altLang="en-US" dirty="0"/>
+          </a:p>
+        </p:txBody>
+      </p:sp>
+      <p:sp>
+        <p:nvSpPr>
+          <p:cNvPr id="5" name="矩形 4"/>
+          <p:cNvSpPr/>
+          <p:nvPr/>
+        </p:nvSpPr>
+        <p:spPr>
+          <a:xfrm>
+            <a:off x="1140244" y="4940258"/>
+            <a:ext cx="7995874" cy="369332"/>
+          </a:xfrm>
+          <a:prstGeom prst="rect">
+            <a:avLst/>
+          </a:prstGeom>
+        </p:spPr>
+        <p:txBody>
+          <a:bodyPr wrap="square">
+            <a:spAutoFit/>
+          </a:bodyPr>
+          <a:lstStyle/>
+          <a:p>
+            <a:pPr algn="ctr"/>
+            <a:r>
+              <a:rPr lang="en-US" altLang="zh-TW" dirty="0">
+                <a:hlinkClick r:id="rId3"/>
+              </a:rPr>
+              <a:t>https://github.com/sivan/javascript-style-guide/blob/master/es5/README.md</a:t>
+            </a:r>
+            <a:endParaRPr lang="zh-TW" altLang="en-US" dirty="0"/>
+          </a:p>
+        </p:txBody>
+      </p:sp>
+      <p:sp>
+        <p:nvSpPr>
+          <p:cNvPr id="8" name="矩形 7"/>
+          <p:cNvSpPr/>
+          <p:nvPr/>
+        </p:nvSpPr>
+        <p:spPr>
+          <a:xfrm>
+            <a:off x="4079992" y="4616008"/>
+            <a:ext cx="1500732" cy="338554"/>
+          </a:xfrm>
+          <a:prstGeom prst="rect">
+            <a:avLst/>
+          </a:prstGeom>
+        </p:spPr>
+        <p:txBody>
+          <a:bodyPr wrap="none">
+            <a:spAutoFit/>
+          </a:bodyPr>
+          <a:lstStyle/>
+          <a:p>
+            <a:r>
+              <a:rPr lang="en-US" altLang="zh-TW" sz="1600" b="1" dirty="0">
+                <a:solidFill>
+                  <a:srgbClr val="24292E"/>
+                </a:solidFill>
+                <a:latin typeface="-apple-system"/>
+              </a:rPr>
+              <a:t>Airbnb </a:t>
+            </a:r>
+            <a:r>
+              <a:rPr lang="zh-TW" altLang="en-US" sz="1600" b="1" dirty="0" smtClean="0">
+                <a:solidFill>
+                  <a:srgbClr val="24292E"/>
+                </a:solidFill>
+                <a:latin typeface="Adobe 黑体 Std R" panose="020B0400000000000000" pitchFamily="34" charset="-128"/>
+                <a:ea typeface="Adobe 黑体 Std R" panose="020B0400000000000000" pitchFamily="34" charset="-128"/>
+              </a:rPr>
+              <a:t>中文版</a:t>
+            </a:r>
+            <a:endParaRPr lang="en-US" altLang="zh-TW" sz="1600" b="1" i="0" dirty="0">
+              <a:solidFill>
+                <a:srgbClr val="24292E"/>
+              </a:solidFill>
+              <a:effectLst/>
+              <a:latin typeface="Adobe 黑体 Std R" panose="020B0400000000000000" pitchFamily="34" charset="-128"/>
+              <a:ea typeface="Adobe 黑体 Std R" panose="020B0400000000000000" pitchFamily="34" charset="-128"/>
+            </a:endParaRPr>
+          </a:p>
+        </p:txBody>
+      </p:sp>
+      <p:sp>
+        <p:nvSpPr>
+          <p:cNvPr id="9" name="矩形 8"/>
+          <p:cNvSpPr/>
+          <p:nvPr/>
+        </p:nvSpPr>
+        <p:spPr>
+          <a:xfrm>
+            <a:off x="4095489" y="3360011"/>
+            <a:ext cx="1649490" cy="338554"/>
+          </a:xfrm>
+          <a:prstGeom prst="rect">
+            <a:avLst/>
+          </a:prstGeom>
+        </p:spPr>
+        <p:txBody>
+          <a:bodyPr wrap="square">
+            <a:spAutoFit/>
+          </a:bodyPr>
+          <a:lstStyle/>
+          <a:p>
+            <a:r>
+              <a:rPr lang="en-US" altLang="zh-TW" sz="1600" b="1" dirty="0">
+                <a:solidFill>
+                  <a:srgbClr val="24292E"/>
+                </a:solidFill>
+                <a:latin typeface="-apple-system"/>
+              </a:rPr>
+              <a:t>Airbnb </a:t>
+            </a:r>
+            <a:r>
+              <a:rPr lang="zh-TW" altLang="en-US" sz="1600" b="1" dirty="0" smtClean="0">
+                <a:solidFill>
+                  <a:srgbClr val="24292E"/>
+                </a:solidFill>
+                <a:latin typeface="-apple-system"/>
+              </a:rPr>
+              <a:t> </a:t>
+            </a:r>
+            <a:r>
+              <a:rPr lang="zh-TW" altLang="en-US" sz="1600" b="1" dirty="0" smtClean="0">
+                <a:solidFill>
+                  <a:srgbClr val="24292E"/>
+                </a:solidFill>
+                <a:latin typeface="Adobe 黑体 Std R" panose="020B0400000000000000" pitchFamily="34" charset="-128"/>
+                <a:ea typeface="Adobe 黑体 Std R" panose="020B0400000000000000" pitchFamily="34" charset="-128"/>
+              </a:rPr>
+              <a:t>英文版</a:t>
+            </a:r>
+            <a:endParaRPr lang="en-US" altLang="zh-TW" sz="1600" b="1" i="0" dirty="0">
+              <a:solidFill>
+                <a:srgbClr val="24292E"/>
+              </a:solidFill>
+              <a:effectLst/>
+              <a:latin typeface="Adobe 黑体 Std R" panose="020B0400000000000000" pitchFamily="34" charset="-128"/>
+              <a:ea typeface="Adobe 黑体 Std R" panose="020B0400000000000000" pitchFamily="34" charset="-128"/>
+            </a:endParaRPr>
+          </a:p>
+        </p:txBody>
+      </p:sp>
+    </p:spTree>
+    <p:extLst>
+      <p:ext uri="{BB962C8B-B14F-4D97-AF65-F5344CB8AC3E}">
+        <p14:creationId xmlns:p14="http://schemas.microsoft.com/office/powerpoint/2010/main" val="2480434505"/>
+      </p:ext>
+    </p:extLst>
+  </p:cSld>
+  <p:clrMapOvr>
+    <a:masterClrMapping/>
+  </p:clrMapOvr>
+</p:sld>
+</file>
+
+<file path=ppt/slides/slide51.xml><?xml version="1.0" encoding="utf-8"?>
+<p:sld xmlns:a="http://schemas.openxmlformats.org/drawingml/2006/main" xmlns:r="http://schemas.openxmlformats.org/officeDocument/2006/relationships" xmlns:p="http://schemas.openxmlformats.org/presentationml/2006/main">
+  <p:cSld>
     <p:bg>
       <p:bgPr>
         <a:solidFill>

--- a/現代 JavaScript 職人之路｜ 中階篇.pptx
+++ b/現代 JavaScript 職人之路｜ 中階篇.pptx
@@ -354,7 +354,7 @@
           <a:p>
             <a:fld id="{952160C1-7EC0-47F7-AD8A-DCC1B5F0EDED}" type="datetimeFigureOut">
               <a:rPr lang="zh-TW" altLang="en-US" smtClean="0"/>
-              <a:t>2019/5/7</a:t>
+              <a:t>2019/5/11</a:t>
             </a:fld>
             <a:endParaRPr lang="zh-TW" altLang="en-US"/>
           </a:p>
@@ -522,7 +522,7 @@
           <a:p>
             <a:fld id="{952160C1-7EC0-47F7-AD8A-DCC1B5F0EDED}" type="datetimeFigureOut">
               <a:rPr lang="zh-TW" altLang="en-US" smtClean="0"/>
-              <a:t>2019/5/7</a:t>
+              <a:t>2019/5/11</a:t>
             </a:fld>
             <a:endParaRPr lang="zh-TW" altLang="en-US"/>
           </a:p>
@@ -700,7 +700,7 @@
           <a:p>
             <a:fld id="{952160C1-7EC0-47F7-AD8A-DCC1B5F0EDED}" type="datetimeFigureOut">
               <a:rPr lang="zh-TW" altLang="en-US" smtClean="0"/>
-              <a:t>2019/5/7</a:t>
+              <a:t>2019/5/11</a:t>
             </a:fld>
             <a:endParaRPr lang="zh-TW" altLang="en-US"/>
           </a:p>
@@ -868,7 +868,7 @@
           <a:p>
             <a:fld id="{952160C1-7EC0-47F7-AD8A-DCC1B5F0EDED}" type="datetimeFigureOut">
               <a:rPr lang="zh-TW" altLang="en-US" smtClean="0"/>
-              <a:t>2019/5/7</a:t>
+              <a:t>2019/5/11</a:t>
             </a:fld>
             <a:endParaRPr lang="zh-TW" altLang="en-US"/>
           </a:p>
@@ -1113,7 +1113,7 @@
           <a:p>
             <a:fld id="{952160C1-7EC0-47F7-AD8A-DCC1B5F0EDED}" type="datetimeFigureOut">
               <a:rPr lang="zh-TW" altLang="en-US" smtClean="0"/>
-              <a:t>2019/5/7</a:t>
+              <a:t>2019/5/11</a:t>
             </a:fld>
             <a:endParaRPr lang="zh-TW" altLang="en-US"/>
           </a:p>
@@ -1342,7 +1342,7 @@
           <a:p>
             <a:fld id="{952160C1-7EC0-47F7-AD8A-DCC1B5F0EDED}" type="datetimeFigureOut">
               <a:rPr lang="zh-TW" altLang="en-US" smtClean="0"/>
-              <a:t>2019/5/7</a:t>
+              <a:t>2019/5/11</a:t>
             </a:fld>
             <a:endParaRPr lang="zh-TW" altLang="en-US"/>
           </a:p>
@@ -1706,7 +1706,7 @@
           <a:p>
             <a:fld id="{952160C1-7EC0-47F7-AD8A-DCC1B5F0EDED}" type="datetimeFigureOut">
               <a:rPr lang="zh-TW" altLang="en-US" smtClean="0"/>
-              <a:t>2019/5/7</a:t>
+              <a:t>2019/5/11</a:t>
             </a:fld>
             <a:endParaRPr lang="zh-TW" altLang="en-US"/>
           </a:p>
@@ -1823,7 +1823,7 @@
           <a:p>
             <a:fld id="{952160C1-7EC0-47F7-AD8A-DCC1B5F0EDED}" type="datetimeFigureOut">
               <a:rPr lang="zh-TW" altLang="en-US" smtClean="0"/>
-              <a:t>2019/5/7</a:t>
+              <a:t>2019/5/11</a:t>
             </a:fld>
             <a:endParaRPr lang="zh-TW" altLang="en-US"/>
           </a:p>
@@ -1918,7 +1918,7 @@
           <a:p>
             <a:fld id="{952160C1-7EC0-47F7-AD8A-DCC1B5F0EDED}" type="datetimeFigureOut">
               <a:rPr lang="zh-TW" altLang="en-US" smtClean="0"/>
-              <a:t>2019/5/7</a:t>
+              <a:t>2019/5/11</a:t>
             </a:fld>
             <a:endParaRPr lang="zh-TW" altLang="en-US"/>
           </a:p>
@@ -2193,7 +2193,7 @@
           <a:p>
             <a:fld id="{952160C1-7EC0-47F7-AD8A-DCC1B5F0EDED}" type="datetimeFigureOut">
               <a:rPr lang="zh-TW" altLang="en-US" smtClean="0"/>
-              <a:t>2019/5/7</a:t>
+              <a:t>2019/5/11</a:t>
             </a:fld>
             <a:endParaRPr lang="zh-TW" altLang="en-US"/>
           </a:p>
@@ -2445,7 +2445,7 @@
           <a:p>
             <a:fld id="{952160C1-7EC0-47F7-AD8A-DCC1B5F0EDED}" type="datetimeFigureOut">
               <a:rPr lang="zh-TW" altLang="en-US" smtClean="0"/>
-              <a:t>2019/5/7</a:t>
+              <a:t>2019/5/11</a:t>
             </a:fld>
             <a:endParaRPr lang="zh-TW" altLang="en-US"/>
           </a:p>
@@ -2659,7 +2659,7 @@
           <a:p>
             <a:fld id="{952160C1-7EC0-47F7-AD8A-DCC1B5F0EDED}" type="datetimeFigureOut">
               <a:rPr lang="zh-TW" altLang="en-US" smtClean="0"/>
-              <a:t>2019/5/7</a:t>
+              <a:t>2019/5/11</a:t>
             </a:fld>
             <a:endParaRPr lang="zh-TW" altLang="en-US"/>
           </a:p>
@@ -3073,7 +3073,7 @@
           <p:nvPr/>
         </p:nvPicPr>
         <p:blipFill>
-          <a:blip r:embed="rId2">
+          <a:blip r:embed="rId2" cstate="print">
             <a:extLst>
               <a:ext uri="{28A0092B-C50C-407E-A947-70E740481C1C}">
                 <a14:useLocalDpi xmlns:a14="http://schemas.microsoft.com/office/drawing/2010/main" val="0"/>
@@ -3086,8 +3086,8 @@
         </p:blipFill>
         <p:spPr>
           <a:xfrm>
-            <a:off x="2047875" y="2311400"/>
-            <a:ext cx="960891" cy="2663858"/>
+            <a:off x="1551263" y="2303517"/>
+            <a:ext cx="767092" cy="2126593"/>
           </a:xfrm>
           <a:prstGeom prst="rect">
             <a:avLst/>
@@ -3116,8 +3116,8 @@
         </p:blipFill>
         <p:spPr>
           <a:xfrm>
-            <a:off x="5994400" y="1554162"/>
-            <a:ext cx="5334000" cy="4562475"/>
+            <a:off x="3960648" y="1656639"/>
+            <a:ext cx="4402958" cy="3766102"/>
           </a:xfrm>
           <a:prstGeom prst="rect">
             <a:avLst/>
@@ -3374,7 +3374,7 @@
         </p:nvGrpSpPr>
         <p:grpSpPr>
           <a:xfrm>
-            <a:off x="5661508" y="1642708"/>
+            <a:off x="4571453" y="1658853"/>
             <a:ext cx="3730144" cy="3982517"/>
             <a:chOff x="5666469" y="750609"/>
             <a:chExt cx="3730144" cy="3982517"/>
@@ -3816,7 +3816,7 @@
         </p:nvGrpSpPr>
         <p:grpSpPr>
           <a:xfrm>
-            <a:off x="947303" y="1642708"/>
+            <a:off x="498537" y="1658853"/>
             <a:ext cx="3449063" cy="3527111"/>
             <a:chOff x="716715" y="1523439"/>
             <a:chExt cx="3449063" cy="3527111"/>
@@ -8979,8 +8979,8 @@
         </p:nvSpPr>
         <p:spPr>
           <a:xfrm>
-            <a:off x="831849" y="3766235"/>
-            <a:ext cx="10753726" cy="523220"/>
+            <a:off x="808201" y="3506104"/>
+            <a:ext cx="10753726" cy="400110"/>
           </a:xfrm>
           <a:prstGeom prst="rect">
             <a:avLst/>
@@ -8994,12 +8994,12 @@
           <a:p>
             <a:pPr algn="ctr"/>
             <a:r>
-              <a:rPr lang="en-US" altLang="zh-TW" sz="2800" dirty="0">
+              <a:rPr lang="en-US" altLang="zh-TW" sz="2000" dirty="0">
                 <a:hlinkClick r:id="rId2"/>
               </a:rPr>
               <a:t>https://github.com/MikeCheng1208/JS_course_Intermediate_example</a:t>
             </a:r>
-            <a:endParaRPr lang="zh-TW" altLang="en-US" sz="2800" dirty="0"/>
+            <a:endParaRPr lang="zh-TW" altLang="en-US" sz="2000" dirty="0"/>
           </a:p>
         </p:txBody>
       </p:sp>
@@ -9015,7 +9015,7 @@
         </p:nvSpPr>
         <p:spPr>
           <a:xfrm>
-            <a:off x="1895584" y="2621647"/>
+            <a:off x="1871936" y="2361516"/>
             <a:ext cx="8215367" cy="1017588"/>
           </a:xfrm>
         </p:spPr>
@@ -9680,7 +9680,7 @@
           <p:cNvPr id="7" name="圖片 6">
             <a:extLst>
               <a:ext uri="{FF2B5EF4-FFF2-40B4-BE49-F238E27FC236}">
-                <a16:creationId xmlns:a16="http://schemas.microsoft.com/office/drawing/2014/main" xmlns="" id="{FCB4471C-65FC-5F49-8514-4E5F2DA03E92}"/>
+                <a16:creationId xmlns="" xmlns:a16="http://schemas.microsoft.com/office/drawing/2014/main" id="{FCB4471C-65FC-5F49-8514-4E5F2DA03E92}"/>
               </a:ext>
             </a:extLst>
           </p:cNvPr>
@@ -9716,7 +9716,7 @@
           <p:cNvPr id="8" name="標題 1">
             <a:extLst>
               <a:ext uri="{FF2B5EF4-FFF2-40B4-BE49-F238E27FC236}">
-                <a16:creationId xmlns:a16="http://schemas.microsoft.com/office/drawing/2014/main" xmlns="" id="{7312BAB0-ED4E-B441-973A-7DD55EFD13E6}"/>
+                <a16:creationId xmlns="" xmlns:a16="http://schemas.microsoft.com/office/drawing/2014/main" id="{7312BAB0-ED4E-B441-973A-7DD55EFD13E6}"/>
               </a:ext>
             </a:extLst>
           </p:cNvPr>
@@ -9795,7 +9795,7 @@
           <p:cNvPr id="10" name="矩形 9">
             <a:extLst>
               <a:ext uri="{FF2B5EF4-FFF2-40B4-BE49-F238E27FC236}">
-                <a16:creationId xmlns:a16="http://schemas.microsoft.com/office/drawing/2014/main" xmlns="" id="{711EB9EB-24D0-9241-AD5B-CA5B1D79376A}"/>
+                <a16:creationId xmlns="" xmlns:a16="http://schemas.microsoft.com/office/drawing/2014/main" id="{711EB9EB-24D0-9241-AD5B-CA5B1D79376A}"/>
               </a:ext>
             </a:extLst>
           </p:cNvPr>
@@ -9832,7 +9832,7 @@
           <p:cNvPr id="11" name="矩形 10">
             <a:extLst>
               <a:ext uri="{FF2B5EF4-FFF2-40B4-BE49-F238E27FC236}">
-                <a16:creationId xmlns:a16="http://schemas.microsoft.com/office/drawing/2014/main" xmlns="" id="{F703328C-F454-3342-B266-30FBD0602B3E}"/>
+                <a16:creationId xmlns="" xmlns:a16="http://schemas.microsoft.com/office/drawing/2014/main" id="{F703328C-F454-3342-B266-30FBD0602B3E}"/>
               </a:ext>
             </a:extLst>
           </p:cNvPr>
@@ -9919,7 +9919,7 @@
           <p:cNvPr id="4" name="矩形 3">
             <a:extLst>
               <a:ext uri="{FF2B5EF4-FFF2-40B4-BE49-F238E27FC236}">
-                <a16:creationId xmlns:a16="http://schemas.microsoft.com/office/drawing/2014/main" xmlns="" id="{156707A3-68A3-2F4A-8CDA-2F9B2532D0B3}"/>
+                <a16:creationId xmlns="" xmlns:a16="http://schemas.microsoft.com/office/drawing/2014/main" id="{156707A3-68A3-2F4A-8CDA-2F9B2532D0B3}"/>
               </a:ext>
             </a:extLst>
           </p:cNvPr>
@@ -9987,7 +9987,7 @@
           <p:cNvPr id="6" name="矩形 5">
             <a:extLst>
               <a:ext uri="{FF2B5EF4-FFF2-40B4-BE49-F238E27FC236}">
-                <a16:creationId xmlns:a16="http://schemas.microsoft.com/office/drawing/2014/main" xmlns="" id="{FB465A35-CC98-3F40-8C26-B37236DA0162}"/>
+                <a16:creationId xmlns="" xmlns:a16="http://schemas.microsoft.com/office/drawing/2014/main" id="{FB465A35-CC98-3F40-8C26-B37236DA0162}"/>
               </a:ext>
             </a:extLst>
           </p:cNvPr>
@@ -10024,7 +10024,7 @@
           <p:cNvPr id="7" name="矩形 6">
             <a:extLst>
               <a:ext uri="{FF2B5EF4-FFF2-40B4-BE49-F238E27FC236}">
-                <a16:creationId xmlns:a16="http://schemas.microsoft.com/office/drawing/2014/main" xmlns="" id="{DD9E23DF-C692-2246-B23B-E8A7F74751A8}"/>
+                <a16:creationId xmlns="" xmlns:a16="http://schemas.microsoft.com/office/drawing/2014/main" id="{DD9E23DF-C692-2246-B23B-E8A7F74751A8}"/>
               </a:ext>
             </a:extLst>
           </p:cNvPr>
@@ -10086,7 +10086,7 @@
           <p:cNvPr id="8" name="矩形 7">
             <a:extLst>
               <a:ext uri="{FF2B5EF4-FFF2-40B4-BE49-F238E27FC236}">
-                <a16:creationId xmlns:a16="http://schemas.microsoft.com/office/drawing/2014/main" xmlns="" id="{46C433FA-9CCB-9C41-8561-B25FB97C3997}"/>
+                <a16:creationId xmlns="" xmlns:a16="http://schemas.microsoft.com/office/drawing/2014/main" id="{46C433FA-9CCB-9C41-8561-B25FB97C3997}"/>
               </a:ext>
             </a:extLst>
           </p:cNvPr>
@@ -10148,7 +10148,7 @@
           <p:cNvPr id="9" name="矩形 8">
             <a:extLst>
               <a:ext uri="{FF2B5EF4-FFF2-40B4-BE49-F238E27FC236}">
-                <a16:creationId xmlns:a16="http://schemas.microsoft.com/office/drawing/2014/main" xmlns="" id="{C34E9026-3B18-AE45-AC95-5441221D9DF1}"/>
+                <a16:creationId xmlns="" xmlns:a16="http://schemas.microsoft.com/office/drawing/2014/main" id="{C34E9026-3B18-AE45-AC95-5441221D9DF1}"/>
               </a:ext>
             </a:extLst>
           </p:cNvPr>
@@ -10210,7 +10210,7 @@
           <p:cNvPr id="10" name="矩形 9">
             <a:extLst>
               <a:ext uri="{FF2B5EF4-FFF2-40B4-BE49-F238E27FC236}">
-                <a16:creationId xmlns:a16="http://schemas.microsoft.com/office/drawing/2014/main" xmlns="" id="{25AFE21C-8976-EB41-9B39-4A8704E5273E}"/>
+                <a16:creationId xmlns="" xmlns:a16="http://schemas.microsoft.com/office/drawing/2014/main" id="{25AFE21C-8976-EB41-9B39-4A8704E5273E}"/>
               </a:ext>
             </a:extLst>
           </p:cNvPr>
@@ -10275,7 +10275,7 @@
           <p:cNvPr id="11" name="矩形 10">
             <a:extLst>
               <a:ext uri="{FF2B5EF4-FFF2-40B4-BE49-F238E27FC236}">
-                <a16:creationId xmlns:a16="http://schemas.microsoft.com/office/drawing/2014/main" xmlns="" id="{22FA0140-3918-9144-8FB9-1D42FD66FCC6}"/>
+                <a16:creationId xmlns="" xmlns:a16="http://schemas.microsoft.com/office/drawing/2014/main" id="{22FA0140-3918-9144-8FB9-1D42FD66FCC6}"/>
               </a:ext>
             </a:extLst>
           </p:cNvPr>
@@ -10404,7 +10404,7 @@
           <p:cNvPr id="12" name="矩形 11">
             <a:extLst>
               <a:ext uri="{FF2B5EF4-FFF2-40B4-BE49-F238E27FC236}">
-                <a16:creationId xmlns:a16="http://schemas.microsoft.com/office/drawing/2014/main" xmlns="" id="{237AA689-99FD-CB47-839A-1BF31D73EC93}"/>
+                <a16:creationId xmlns="" xmlns:a16="http://schemas.microsoft.com/office/drawing/2014/main" id="{237AA689-99FD-CB47-839A-1BF31D73EC93}"/>
               </a:ext>
             </a:extLst>
           </p:cNvPr>
@@ -10533,7 +10533,7 @@
           <p:cNvPr id="21" name="圓角矩形 20">
             <a:extLst>
               <a:ext uri="{FF2B5EF4-FFF2-40B4-BE49-F238E27FC236}">
-                <a16:creationId xmlns:a16="http://schemas.microsoft.com/office/drawing/2014/main" xmlns="" id="{D3E17314-681B-E744-AA6E-06B60ED1D494}"/>
+                <a16:creationId xmlns="" xmlns:a16="http://schemas.microsoft.com/office/drawing/2014/main" id="{D3E17314-681B-E744-AA6E-06B60ED1D494}"/>
               </a:ext>
             </a:extLst>
           </p:cNvPr>
@@ -10579,7 +10579,7 @@
           <p:cNvPr id="2" name="矩形 1">
             <a:extLst>
               <a:ext uri="{FF2B5EF4-FFF2-40B4-BE49-F238E27FC236}">
-                <a16:creationId xmlns:a16="http://schemas.microsoft.com/office/drawing/2014/main" xmlns="" id="{1F91C1BF-2B69-564F-92C4-36851A2C2662}"/>
+                <a16:creationId xmlns="" xmlns:a16="http://schemas.microsoft.com/office/drawing/2014/main" id="{1F91C1BF-2B69-564F-92C4-36851A2C2662}"/>
               </a:ext>
             </a:extLst>
           </p:cNvPr>
@@ -10629,7 +10629,7 @@
           <p:cNvPr id="3" name="矩形 2">
             <a:extLst>
               <a:ext uri="{FF2B5EF4-FFF2-40B4-BE49-F238E27FC236}">
-                <a16:creationId xmlns:a16="http://schemas.microsoft.com/office/drawing/2014/main" xmlns="" id="{283C0B0F-C3B5-BD4F-883C-09F49FF67D1F}"/>
+                <a16:creationId xmlns="" xmlns:a16="http://schemas.microsoft.com/office/drawing/2014/main" id="{283C0B0F-C3B5-BD4F-883C-09F49FF67D1F}"/>
               </a:ext>
             </a:extLst>
           </p:cNvPr>
@@ -10679,7 +10679,7 @@
           <p:cNvPr id="4" name="橢圓 3">
             <a:extLst>
               <a:ext uri="{FF2B5EF4-FFF2-40B4-BE49-F238E27FC236}">
-                <a16:creationId xmlns:a16="http://schemas.microsoft.com/office/drawing/2014/main" xmlns="" id="{472F9B87-6FC9-B44F-A02E-9296A0720770}"/>
+                <a16:creationId xmlns="" xmlns:a16="http://schemas.microsoft.com/office/drawing/2014/main" id="{472F9B87-6FC9-B44F-A02E-9296A0720770}"/>
               </a:ext>
             </a:extLst>
           </p:cNvPr>
@@ -10727,7 +10727,7 @@
           <p:cNvPr id="6" name="直線箭頭接點 5">
             <a:extLst>
               <a:ext uri="{FF2B5EF4-FFF2-40B4-BE49-F238E27FC236}">
-                <a16:creationId xmlns:a16="http://schemas.microsoft.com/office/drawing/2014/main" xmlns="" id="{D38E5745-832A-E345-8A9F-5FF2C3D2EE19}"/>
+                <a16:creationId xmlns="" xmlns:a16="http://schemas.microsoft.com/office/drawing/2014/main" id="{D38E5745-832A-E345-8A9F-5FF2C3D2EE19}"/>
               </a:ext>
             </a:extLst>
           </p:cNvPr>
@@ -10766,7 +10766,7 @@
           <p:cNvPr id="7" name="直線箭頭接點 6">
             <a:extLst>
               <a:ext uri="{FF2B5EF4-FFF2-40B4-BE49-F238E27FC236}">
-                <a16:creationId xmlns:a16="http://schemas.microsoft.com/office/drawing/2014/main" xmlns="" id="{E9C3D736-A46A-1F45-BA83-98B2129B78D8}"/>
+                <a16:creationId xmlns="" xmlns:a16="http://schemas.microsoft.com/office/drawing/2014/main" id="{E9C3D736-A46A-1F45-BA83-98B2129B78D8}"/>
               </a:ext>
             </a:extLst>
           </p:cNvPr>
@@ -10807,7 +10807,7 @@
           <p:cNvPr id="9" name="矩形 8">
             <a:extLst>
               <a:ext uri="{FF2B5EF4-FFF2-40B4-BE49-F238E27FC236}">
-                <a16:creationId xmlns:a16="http://schemas.microsoft.com/office/drawing/2014/main" xmlns="" id="{27524826-70DB-0441-8303-37FC66D1FC5B}"/>
+                <a16:creationId xmlns="" xmlns:a16="http://schemas.microsoft.com/office/drawing/2014/main" id="{27524826-70DB-0441-8303-37FC66D1FC5B}"/>
               </a:ext>
             </a:extLst>
           </p:cNvPr>
@@ -10853,7 +10853,7 @@
           <p:cNvPr id="10" name="矩形 9">
             <a:extLst>
               <a:ext uri="{FF2B5EF4-FFF2-40B4-BE49-F238E27FC236}">
-                <a16:creationId xmlns:a16="http://schemas.microsoft.com/office/drawing/2014/main" xmlns="" id="{D5A40EA3-8607-7447-B5C5-1BA336DC4B1A}"/>
+                <a16:creationId xmlns="" xmlns:a16="http://schemas.microsoft.com/office/drawing/2014/main" id="{D5A40EA3-8607-7447-B5C5-1BA336DC4B1A}"/>
               </a:ext>
             </a:extLst>
           </p:cNvPr>
@@ -10901,7 +10901,7 @@
           <p:cNvPr id="11" name="矩形 10">
             <a:extLst>
               <a:ext uri="{FF2B5EF4-FFF2-40B4-BE49-F238E27FC236}">
-                <a16:creationId xmlns:a16="http://schemas.microsoft.com/office/drawing/2014/main" xmlns="" id="{D158EACD-7BFE-1141-B47B-73A9D59EB9ED}"/>
+                <a16:creationId xmlns="" xmlns:a16="http://schemas.microsoft.com/office/drawing/2014/main" id="{D158EACD-7BFE-1141-B47B-73A9D59EB9ED}"/>
               </a:ext>
             </a:extLst>
           </p:cNvPr>
@@ -10949,7 +10949,7 @@
           <p:cNvPr id="12" name="矩形 11">
             <a:extLst>
               <a:ext uri="{FF2B5EF4-FFF2-40B4-BE49-F238E27FC236}">
-                <a16:creationId xmlns:a16="http://schemas.microsoft.com/office/drawing/2014/main" xmlns="" id="{74E49627-882D-544A-8BCB-3B4BF797F6E9}"/>
+                <a16:creationId xmlns="" xmlns:a16="http://schemas.microsoft.com/office/drawing/2014/main" id="{74E49627-882D-544A-8BCB-3B4BF797F6E9}"/>
               </a:ext>
             </a:extLst>
           </p:cNvPr>
@@ -10995,7 +10995,7 @@
           <p:cNvPr id="13" name="矩形 12">
             <a:extLst>
               <a:ext uri="{FF2B5EF4-FFF2-40B4-BE49-F238E27FC236}">
-                <a16:creationId xmlns:a16="http://schemas.microsoft.com/office/drawing/2014/main" xmlns="" id="{20BC78A6-DC64-3947-9BB3-F887948FCEF2}"/>
+                <a16:creationId xmlns="" xmlns:a16="http://schemas.microsoft.com/office/drawing/2014/main" id="{20BC78A6-DC64-3947-9BB3-F887948FCEF2}"/>
               </a:ext>
             </a:extLst>
           </p:cNvPr>
@@ -11043,7 +11043,7 @@
           <p:cNvPr id="14" name="矩形 13">
             <a:extLst>
               <a:ext uri="{FF2B5EF4-FFF2-40B4-BE49-F238E27FC236}">
-                <a16:creationId xmlns:a16="http://schemas.microsoft.com/office/drawing/2014/main" xmlns="" id="{F0EF030A-79DE-B64D-A509-6ECC7BE738DE}"/>
+                <a16:creationId xmlns="" xmlns:a16="http://schemas.microsoft.com/office/drawing/2014/main" id="{F0EF030A-79DE-B64D-A509-6ECC7BE738DE}"/>
               </a:ext>
             </a:extLst>
           </p:cNvPr>
@@ -11091,7 +11091,7 @@
           <p:cNvPr id="15" name="矩形 14">
             <a:extLst>
               <a:ext uri="{FF2B5EF4-FFF2-40B4-BE49-F238E27FC236}">
-                <a16:creationId xmlns:a16="http://schemas.microsoft.com/office/drawing/2014/main" xmlns="" id="{F3E5F92F-E9C2-7C45-8671-F16256EE76D3}"/>
+                <a16:creationId xmlns="" xmlns:a16="http://schemas.microsoft.com/office/drawing/2014/main" id="{F3E5F92F-E9C2-7C45-8671-F16256EE76D3}"/>
               </a:ext>
             </a:extLst>
           </p:cNvPr>
@@ -11137,7 +11137,7 @@
           <p:cNvPr id="16" name="矩形 15">
             <a:extLst>
               <a:ext uri="{FF2B5EF4-FFF2-40B4-BE49-F238E27FC236}">
-                <a16:creationId xmlns:a16="http://schemas.microsoft.com/office/drawing/2014/main" xmlns="" id="{741F1151-B732-A149-A3A0-9570C9EF8329}"/>
+                <a16:creationId xmlns="" xmlns:a16="http://schemas.microsoft.com/office/drawing/2014/main" id="{741F1151-B732-A149-A3A0-9570C9EF8329}"/>
               </a:ext>
             </a:extLst>
           </p:cNvPr>
@@ -11185,7 +11185,7 @@
           <p:cNvPr id="17" name="矩形 16">
             <a:extLst>
               <a:ext uri="{FF2B5EF4-FFF2-40B4-BE49-F238E27FC236}">
-                <a16:creationId xmlns:a16="http://schemas.microsoft.com/office/drawing/2014/main" xmlns="" id="{F7FF4DA2-F64B-A74D-BCB8-5A8395B98315}"/>
+                <a16:creationId xmlns="" xmlns:a16="http://schemas.microsoft.com/office/drawing/2014/main" id="{F7FF4DA2-F64B-A74D-BCB8-5A8395B98315}"/>
               </a:ext>
             </a:extLst>
           </p:cNvPr>
@@ -11233,7 +11233,7 @@
           <p:cNvPr id="18" name="矩形 17">
             <a:extLst>
               <a:ext uri="{FF2B5EF4-FFF2-40B4-BE49-F238E27FC236}">
-                <a16:creationId xmlns:a16="http://schemas.microsoft.com/office/drawing/2014/main" xmlns="" id="{09E29AD8-5509-5B44-9539-95248F49BF82}"/>
+                <a16:creationId xmlns="" xmlns:a16="http://schemas.microsoft.com/office/drawing/2014/main" id="{09E29AD8-5509-5B44-9539-95248F49BF82}"/>
               </a:ext>
             </a:extLst>
           </p:cNvPr>
@@ -11279,7 +11279,7 @@
           <p:cNvPr id="19" name="矩形 18">
             <a:extLst>
               <a:ext uri="{FF2B5EF4-FFF2-40B4-BE49-F238E27FC236}">
-                <a16:creationId xmlns:a16="http://schemas.microsoft.com/office/drawing/2014/main" xmlns="" id="{6523B377-33A0-0F49-A5BF-5338157BBE09}"/>
+                <a16:creationId xmlns="" xmlns:a16="http://schemas.microsoft.com/office/drawing/2014/main" id="{6523B377-33A0-0F49-A5BF-5338157BBE09}"/>
               </a:ext>
             </a:extLst>
           </p:cNvPr>
@@ -11327,7 +11327,7 @@
           <p:cNvPr id="20" name="矩形 19">
             <a:extLst>
               <a:ext uri="{FF2B5EF4-FFF2-40B4-BE49-F238E27FC236}">
-                <a16:creationId xmlns:a16="http://schemas.microsoft.com/office/drawing/2014/main" xmlns="" id="{A77D0982-3F32-0E41-A364-B5E24518129C}"/>
+                <a16:creationId xmlns="" xmlns:a16="http://schemas.microsoft.com/office/drawing/2014/main" id="{A77D0982-3F32-0E41-A364-B5E24518129C}"/>
               </a:ext>
             </a:extLst>
           </p:cNvPr>
@@ -11375,7 +11375,7 @@
           <p:cNvPr id="23" name="直線箭頭接點 22">
             <a:extLst>
               <a:ext uri="{FF2B5EF4-FFF2-40B4-BE49-F238E27FC236}">
-                <a16:creationId xmlns:a16="http://schemas.microsoft.com/office/drawing/2014/main" xmlns="" id="{4B310916-6054-5644-AEDE-5A0A5FB5884A}"/>
+                <a16:creationId xmlns="" xmlns:a16="http://schemas.microsoft.com/office/drawing/2014/main" id="{4B310916-6054-5644-AEDE-5A0A5FB5884A}"/>
               </a:ext>
             </a:extLst>
           </p:cNvPr>
@@ -11454,7 +11454,7 @@
           <p:cNvPr id="2" name="矩形 1">
             <a:extLst>
               <a:ext uri="{FF2B5EF4-FFF2-40B4-BE49-F238E27FC236}">
-                <a16:creationId xmlns:a16="http://schemas.microsoft.com/office/drawing/2014/main" xmlns="" id="{3333882F-B381-5A41-9CA5-D1541ADC4406}"/>
+                <a16:creationId xmlns="" xmlns:a16="http://schemas.microsoft.com/office/drawing/2014/main" id="{3333882F-B381-5A41-9CA5-D1541ADC4406}"/>
               </a:ext>
             </a:extLst>
           </p:cNvPr>
@@ -12212,7 +12212,7 @@
           <p:cNvPr id="3" name="標題 1">
             <a:extLst>
               <a:ext uri="{FF2B5EF4-FFF2-40B4-BE49-F238E27FC236}">
-                <a16:creationId xmlns:a16="http://schemas.microsoft.com/office/drawing/2014/main" xmlns="" id="{207F22D1-A870-E444-BDAC-5CF5E258B61B}"/>
+                <a16:creationId xmlns="" xmlns:a16="http://schemas.microsoft.com/office/drawing/2014/main" id="{207F22D1-A870-E444-BDAC-5CF5E258B61B}"/>
               </a:ext>
             </a:extLst>
           </p:cNvPr>
@@ -12343,7 +12343,7 @@
           <p:cNvPr id="2" name="標題 1">
             <a:extLst>
               <a:ext uri="{FF2B5EF4-FFF2-40B4-BE49-F238E27FC236}">
-                <a16:creationId xmlns:a16="http://schemas.microsoft.com/office/drawing/2014/main" xmlns="" id="{E79C5F1B-4111-B34F-847E-75DCA5C284FD}"/>
+                <a16:creationId xmlns="" xmlns:a16="http://schemas.microsoft.com/office/drawing/2014/main" id="{E79C5F1B-4111-B34F-847E-75DCA5C284FD}"/>
               </a:ext>
             </a:extLst>
           </p:cNvPr>
@@ -12456,7 +12456,7 @@
           <p:cNvPr id="3" name="矩形 2">
             <a:extLst>
               <a:ext uri="{FF2B5EF4-FFF2-40B4-BE49-F238E27FC236}">
-                <a16:creationId xmlns:a16="http://schemas.microsoft.com/office/drawing/2014/main" xmlns="" id="{C1DC05E2-98B3-1B4A-A78F-CF4B51BFDFBB}"/>
+                <a16:creationId xmlns="" xmlns:a16="http://schemas.microsoft.com/office/drawing/2014/main" id="{C1DC05E2-98B3-1B4A-A78F-CF4B51BFDFBB}"/>
               </a:ext>
             </a:extLst>
           </p:cNvPr>
@@ -12737,7 +12737,7 @@
           <p:cNvPr id="5" name="矩形 4">
             <a:extLst>
               <a:ext uri="{FF2B5EF4-FFF2-40B4-BE49-F238E27FC236}">
-                <a16:creationId xmlns:a16="http://schemas.microsoft.com/office/drawing/2014/main" xmlns="" id="{6635FDE9-2CF8-AE4A-A10A-2FAF84E02666}"/>
+                <a16:creationId xmlns="" xmlns:a16="http://schemas.microsoft.com/office/drawing/2014/main" id="{6635FDE9-2CF8-AE4A-A10A-2FAF84E02666}"/>
               </a:ext>
             </a:extLst>
           </p:cNvPr>
@@ -13010,7 +13010,7 @@
           <p:cNvPr id="9" name="直線接點 8">
             <a:extLst>
               <a:ext uri="{FF2B5EF4-FFF2-40B4-BE49-F238E27FC236}">
-                <a16:creationId xmlns:a16="http://schemas.microsoft.com/office/drawing/2014/main" xmlns="" id="{663E15BC-D355-DD49-ACAF-CD4696C742F0}"/>
+                <a16:creationId xmlns="" xmlns:a16="http://schemas.microsoft.com/office/drawing/2014/main" id="{663E15BC-D355-DD49-ACAF-CD4696C742F0}"/>
               </a:ext>
             </a:extLst>
           </p:cNvPr>
@@ -13047,7 +13047,7 @@
           <p:cNvPr id="10" name="直線接點 9">
             <a:extLst>
               <a:ext uri="{FF2B5EF4-FFF2-40B4-BE49-F238E27FC236}">
-                <a16:creationId xmlns:a16="http://schemas.microsoft.com/office/drawing/2014/main" xmlns="" id="{26E1520E-4942-514E-ABF2-B5D783EA90BB}"/>
+                <a16:creationId xmlns="" xmlns:a16="http://schemas.microsoft.com/office/drawing/2014/main" id="{26E1520E-4942-514E-ABF2-B5D783EA90BB}"/>
               </a:ext>
             </a:extLst>
           </p:cNvPr>
@@ -13086,7 +13086,7 @@
           <p:cNvPr id="15" name="直線箭頭接點 14">
             <a:extLst>
               <a:ext uri="{FF2B5EF4-FFF2-40B4-BE49-F238E27FC236}">
-                <a16:creationId xmlns:a16="http://schemas.microsoft.com/office/drawing/2014/main" xmlns="" id="{F4F14853-2EE5-C449-8BB5-0057F3418639}"/>
+                <a16:creationId xmlns="" xmlns:a16="http://schemas.microsoft.com/office/drawing/2014/main" id="{F4F14853-2EE5-C449-8BB5-0057F3418639}"/>
               </a:ext>
             </a:extLst>
           </p:cNvPr>
@@ -13125,7 +13125,7 @@
           <p:cNvPr id="16" name="直線接點 15">
             <a:extLst>
               <a:ext uri="{FF2B5EF4-FFF2-40B4-BE49-F238E27FC236}">
-                <a16:creationId xmlns:a16="http://schemas.microsoft.com/office/drawing/2014/main" xmlns="" id="{84CF1E2F-9A79-314C-8B15-D40532D9DB4B}"/>
+                <a16:creationId xmlns="" xmlns:a16="http://schemas.microsoft.com/office/drawing/2014/main" id="{84CF1E2F-9A79-314C-8B15-D40532D9DB4B}"/>
               </a:ext>
             </a:extLst>
           </p:cNvPr>
@@ -13170,7 +13170,7 @@
           <p:cNvPr id="18" name="直線接點 17">
             <a:extLst>
               <a:ext uri="{FF2B5EF4-FFF2-40B4-BE49-F238E27FC236}">
-                <a16:creationId xmlns:a16="http://schemas.microsoft.com/office/drawing/2014/main" xmlns="" id="{A526251F-213A-7C4D-8230-FD109843D69A}"/>
+                <a16:creationId xmlns="" xmlns:a16="http://schemas.microsoft.com/office/drawing/2014/main" id="{A526251F-213A-7C4D-8230-FD109843D69A}"/>
               </a:ext>
             </a:extLst>
           </p:cNvPr>
@@ -13215,7 +13215,7 @@
           <p:cNvPr id="20" name="直線箭頭接點 19">
             <a:extLst>
               <a:ext uri="{FF2B5EF4-FFF2-40B4-BE49-F238E27FC236}">
-                <a16:creationId xmlns:a16="http://schemas.microsoft.com/office/drawing/2014/main" xmlns="" id="{B3AD4B63-8EC0-894D-8FF2-753983E11F3B}"/>
+                <a16:creationId xmlns="" xmlns:a16="http://schemas.microsoft.com/office/drawing/2014/main" id="{B3AD4B63-8EC0-894D-8FF2-753983E11F3B}"/>
               </a:ext>
             </a:extLst>
           </p:cNvPr>
@@ -18285,7 +18285,7 @@
         </p:nvSpPr>
         <p:spPr>
           <a:xfrm>
-            <a:off x="966651" y="2003658"/>
+            <a:off x="1069127" y="2508155"/>
             <a:ext cx="3892732" cy="2031325"/>
           </a:xfrm>
           <a:prstGeom prst="rect">
@@ -18454,7 +18454,7 @@
         </p:nvSpPr>
         <p:spPr>
           <a:xfrm>
-            <a:off x="5972280" y="1929340"/>
+            <a:off x="6074756" y="2433837"/>
             <a:ext cx="3536546" cy="523220"/>
           </a:xfrm>
           <a:prstGeom prst="rect">
@@ -18575,7 +18575,7 @@
         </p:nvSpPr>
         <p:spPr>
           <a:xfrm>
-            <a:off x="5650370" y="2637225"/>
+            <a:off x="5752846" y="3141722"/>
             <a:ext cx="4320944" cy="307777"/>
           </a:xfrm>
           <a:prstGeom prst="rect">
@@ -18637,7 +18637,7 @@
         </p:nvSpPr>
         <p:spPr>
           <a:xfrm>
-            <a:off x="5650370" y="3019321"/>
+            <a:off x="5752846" y="3523818"/>
             <a:ext cx="4320944" cy="523220"/>
           </a:xfrm>
           <a:prstGeom prst="rect">
@@ -18782,7 +18782,7 @@
         </p:nvSpPr>
         <p:spPr>
           <a:xfrm>
-            <a:off x="777984" y="2754312"/>
+            <a:off x="777984" y="3143112"/>
             <a:ext cx="8215367" cy="1017588"/>
           </a:xfrm>
           <a:prstGeom prst="rect">
@@ -18864,8 +18864,8 @@
         </p:nvSpPr>
         <p:spPr>
           <a:xfrm>
-            <a:off x="917684" y="3771900"/>
-            <a:ext cx="8215367" cy="749299"/>
+            <a:off x="917684" y="4031101"/>
+            <a:ext cx="8215367" cy="432900"/>
           </a:xfrm>
           <a:prstGeom prst="rect">
             <a:avLst/>
@@ -24770,7 +24770,7 @@
         </p:nvSpPr>
         <p:spPr>
           <a:xfrm>
-            <a:off x="901700" y="795503"/>
+            <a:off x="901700" y="905861"/>
             <a:ext cx="4483100" cy="4524315"/>
           </a:xfrm>
           <a:prstGeom prst="rect">
@@ -25239,7 +25239,7 @@
         </p:nvSpPr>
         <p:spPr>
           <a:xfrm>
-            <a:off x="6242051" y="541503"/>
+            <a:off x="6242051" y="651861"/>
             <a:ext cx="4108449" cy="957097"/>
           </a:xfrm>
           <a:prstGeom prst="rect">
@@ -25304,7 +25304,7 @@
         </p:nvSpPr>
         <p:spPr>
           <a:xfrm>
-            <a:off x="6242051" y="1371600"/>
+            <a:off x="6242051" y="1481958"/>
             <a:ext cx="4286249" cy="2324100"/>
           </a:xfrm>
           <a:prstGeom prst="rect">
@@ -25843,7 +25843,7 @@
         </p:nvSpPr>
         <p:spPr>
           <a:xfrm>
-            <a:off x="2922299" y="2376730"/>
+            <a:off x="2922299" y="2671930"/>
             <a:ext cx="2214068" cy="830997"/>
           </a:xfrm>
           <a:prstGeom prst="rect">
@@ -25886,7 +25886,7 @@
         </p:nvSpPr>
         <p:spPr>
           <a:xfrm>
-            <a:off x="1978283" y="3449027"/>
+            <a:off x="1978283" y="3744227"/>
             <a:ext cx="4102100" cy="1411069"/>
           </a:xfrm>
           <a:prstGeom prst="rect">

--- a/現代 JavaScript 職人之路｜ 中階篇.pptx
+++ b/現代 JavaScript 職人之路｜ 中階篇.pptx
@@ -9680,7 +9680,7 @@
           <p:cNvPr id="7" name="圖片 6">
             <a:extLst>
               <a:ext uri="{FF2B5EF4-FFF2-40B4-BE49-F238E27FC236}">
-                <a16:creationId xmlns="" xmlns:a16="http://schemas.microsoft.com/office/drawing/2014/main" id="{FCB4471C-65FC-5F49-8514-4E5F2DA03E92}"/>
+                <a16:creationId xmlns:a16="http://schemas.microsoft.com/office/drawing/2014/main" xmlns="" id="{FCB4471C-65FC-5F49-8514-4E5F2DA03E92}"/>
               </a:ext>
             </a:extLst>
           </p:cNvPr>
@@ -9716,7 +9716,7 @@
           <p:cNvPr id="8" name="標題 1">
             <a:extLst>
               <a:ext uri="{FF2B5EF4-FFF2-40B4-BE49-F238E27FC236}">
-                <a16:creationId xmlns="" xmlns:a16="http://schemas.microsoft.com/office/drawing/2014/main" id="{7312BAB0-ED4E-B441-973A-7DD55EFD13E6}"/>
+                <a16:creationId xmlns:a16="http://schemas.microsoft.com/office/drawing/2014/main" xmlns="" id="{7312BAB0-ED4E-B441-973A-7DD55EFD13E6}"/>
               </a:ext>
             </a:extLst>
           </p:cNvPr>
@@ -9795,7 +9795,7 @@
           <p:cNvPr id="10" name="矩形 9">
             <a:extLst>
               <a:ext uri="{FF2B5EF4-FFF2-40B4-BE49-F238E27FC236}">
-                <a16:creationId xmlns="" xmlns:a16="http://schemas.microsoft.com/office/drawing/2014/main" id="{711EB9EB-24D0-9241-AD5B-CA5B1D79376A}"/>
+                <a16:creationId xmlns:a16="http://schemas.microsoft.com/office/drawing/2014/main" xmlns="" id="{711EB9EB-24D0-9241-AD5B-CA5B1D79376A}"/>
               </a:ext>
             </a:extLst>
           </p:cNvPr>
@@ -9832,7 +9832,7 @@
           <p:cNvPr id="11" name="矩形 10">
             <a:extLst>
               <a:ext uri="{FF2B5EF4-FFF2-40B4-BE49-F238E27FC236}">
-                <a16:creationId xmlns="" xmlns:a16="http://schemas.microsoft.com/office/drawing/2014/main" id="{F703328C-F454-3342-B266-30FBD0602B3E}"/>
+                <a16:creationId xmlns:a16="http://schemas.microsoft.com/office/drawing/2014/main" xmlns="" id="{F703328C-F454-3342-B266-30FBD0602B3E}"/>
               </a:ext>
             </a:extLst>
           </p:cNvPr>
@@ -9919,7 +9919,7 @@
           <p:cNvPr id="4" name="矩形 3">
             <a:extLst>
               <a:ext uri="{FF2B5EF4-FFF2-40B4-BE49-F238E27FC236}">
-                <a16:creationId xmlns="" xmlns:a16="http://schemas.microsoft.com/office/drawing/2014/main" id="{156707A3-68A3-2F4A-8CDA-2F9B2532D0B3}"/>
+                <a16:creationId xmlns:a16="http://schemas.microsoft.com/office/drawing/2014/main" xmlns="" id="{156707A3-68A3-2F4A-8CDA-2F9B2532D0B3}"/>
               </a:ext>
             </a:extLst>
           </p:cNvPr>
@@ -9987,7 +9987,7 @@
           <p:cNvPr id="6" name="矩形 5">
             <a:extLst>
               <a:ext uri="{FF2B5EF4-FFF2-40B4-BE49-F238E27FC236}">
-                <a16:creationId xmlns="" xmlns:a16="http://schemas.microsoft.com/office/drawing/2014/main" id="{FB465A35-CC98-3F40-8C26-B37236DA0162}"/>
+                <a16:creationId xmlns:a16="http://schemas.microsoft.com/office/drawing/2014/main" xmlns="" id="{FB465A35-CC98-3F40-8C26-B37236DA0162}"/>
               </a:ext>
             </a:extLst>
           </p:cNvPr>
@@ -10024,7 +10024,7 @@
           <p:cNvPr id="7" name="矩形 6">
             <a:extLst>
               <a:ext uri="{FF2B5EF4-FFF2-40B4-BE49-F238E27FC236}">
-                <a16:creationId xmlns="" xmlns:a16="http://schemas.microsoft.com/office/drawing/2014/main" id="{DD9E23DF-C692-2246-B23B-E8A7F74751A8}"/>
+                <a16:creationId xmlns:a16="http://schemas.microsoft.com/office/drawing/2014/main" xmlns="" id="{DD9E23DF-C692-2246-B23B-E8A7F74751A8}"/>
               </a:ext>
             </a:extLst>
           </p:cNvPr>
@@ -10086,7 +10086,7 @@
           <p:cNvPr id="8" name="矩形 7">
             <a:extLst>
               <a:ext uri="{FF2B5EF4-FFF2-40B4-BE49-F238E27FC236}">
-                <a16:creationId xmlns="" xmlns:a16="http://schemas.microsoft.com/office/drawing/2014/main" id="{46C433FA-9CCB-9C41-8561-B25FB97C3997}"/>
+                <a16:creationId xmlns:a16="http://schemas.microsoft.com/office/drawing/2014/main" xmlns="" id="{46C433FA-9CCB-9C41-8561-B25FB97C3997}"/>
               </a:ext>
             </a:extLst>
           </p:cNvPr>
@@ -10148,7 +10148,7 @@
           <p:cNvPr id="9" name="矩形 8">
             <a:extLst>
               <a:ext uri="{FF2B5EF4-FFF2-40B4-BE49-F238E27FC236}">
-                <a16:creationId xmlns="" xmlns:a16="http://schemas.microsoft.com/office/drawing/2014/main" id="{C34E9026-3B18-AE45-AC95-5441221D9DF1}"/>
+                <a16:creationId xmlns:a16="http://schemas.microsoft.com/office/drawing/2014/main" xmlns="" id="{C34E9026-3B18-AE45-AC95-5441221D9DF1}"/>
               </a:ext>
             </a:extLst>
           </p:cNvPr>
@@ -10210,7 +10210,7 @@
           <p:cNvPr id="10" name="矩形 9">
             <a:extLst>
               <a:ext uri="{FF2B5EF4-FFF2-40B4-BE49-F238E27FC236}">
-                <a16:creationId xmlns="" xmlns:a16="http://schemas.microsoft.com/office/drawing/2014/main" id="{25AFE21C-8976-EB41-9B39-4A8704E5273E}"/>
+                <a16:creationId xmlns:a16="http://schemas.microsoft.com/office/drawing/2014/main" xmlns="" id="{25AFE21C-8976-EB41-9B39-4A8704E5273E}"/>
               </a:ext>
             </a:extLst>
           </p:cNvPr>
@@ -10275,7 +10275,7 @@
           <p:cNvPr id="11" name="矩形 10">
             <a:extLst>
               <a:ext uri="{FF2B5EF4-FFF2-40B4-BE49-F238E27FC236}">
-                <a16:creationId xmlns="" xmlns:a16="http://schemas.microsoft.com/office/drawing/2014/main" id="{22FA0140-3918-9144-8FB9-1D42FD66FCC6}"/>
+                <a16:creationId xmlns:a16="http://schemas.microsoft.com/office/drawing/2014/main" xmlns="" id="{22FA0140-3918-9144-8FB9-1D42FD66FCC6}"/>
               </a:ext>
             </a:extLst>
           </p:cNvPr>
@@ -10404,7 +10404,7 @@
           <p:cNvPr id="12" name="矩形 11">
             <a:extLst>
               <a:ext uri="{FF2B5EF4-FFF2-40B4-BE49-F238E27FC236}">
-                <a16:creationId xmlns="" xmlns:a16="http://schemas.microsoft.com/office/drawing/2014/main" id="{237AA689-99FD-CB47-839A-1BF31D73EC93}"/>
+                <a16:creationId xmlns:a16="http://schemas.microsoft.com/office/drawing/2014/main" xmlns="" id="{237AA689-99FD-CB47-839A-1BF31D73EC93}"/>
               </a:ext>
             </a:extLst>
           </p:cNvPr>
@@ -10533,7 +10533,7 @@
           <p:cNvPr id="21" name="圓角矩形 20">
             <a:extLst>
               <a:ext uri="{FF2B5EF4-FFF2-40B4-BE49-F238E27FC236}">
-                <a16:creationId xmlns="" xmlns:a16="http://schemas.microsoft.com/office/drawing/2014/main" id="{D3E17314-681B-E744-AA6E-06B60ED1D494}"/>
+                <a16:creationId xmlns:a16="http://schemas.microsoft.com/office/drawing/2014/main" xmlns="" id="{D3E17314-681B-E744-AA6E-06B60ED1D494}"/>
               </a:ext>
             </a:extLst>
           </p:cNvPr>
@@ -10579,7 +10579,7 @@
           <p:cNvPr id="2" name="矩形 1">
             <a:extLst>
               <a:ext uri="{FF2B5EF4-FFF2-40B4-BE49-F238E27FC236}">
-                <a16:creationId xmlns="" xmlns:a16="http://schemas.microsoft.com/office/drawing/2014/main" id="{1F91C1BF-2B69-564F-92C4-36851A2C2662}"/>
+                <a16:creationId xmlns:a16="http://schemas.microsoft.com/office/drawing/2014/main" xmlns="" id="{1F91C1BF-2B69-564F-92C4-36851A2C2662}"/>
               </a:ext>
             </a:extLst>
           </p:cNvPr>
@@ -10629,7 +10629,7 @@
           <p:cNvPr id="3" name="矩形 2">
             <a:extLst>
               <a:ext uri="{FF2B5EF4-FFF2-40B4-BE49-F238E27FC236}">
-                <a16:creationId xmlns="" xmlns:a16="http://schemas.microsoft.com/office/drawing/2014/main" id="{283C0B0F-C3B5-BD4F-883C-09F49FF67D1F}"/>
+                <a16:creationId xmlns:a16="http://schemas.microsoft.com/office/drawing/2014/main" xmlns="" id="{283C0B0F-C3B5-BD4F-883C-09F49FF67D1F}"/>
               </a:ext>
             </a:extLst>
           </p:cNvPr>
@@ -10679,7 +10679,7 @@
           <p:cNvPr id="4" name="橢圓 3">
             <a:extLst>
               <a:ext uri="{FF2B5EF4-FFF2-40B4-BE49-F238E27FC236}">
-                <a16:creationId xmlns="" xmlns:a16="http://schemas.microsoft.com/office/drawing/2014/main" id="{472F9B87-6FC9-B44F-A02E-9296A0720770}"/>
+                <a16:creationId xmlns:a16="http://schemas.microsoft.com/office/drawing/2014/main" xmlns="" id="{472F9B87-6FC9-B44F-A02E-9296A0720770}"/>
               </a:ext>
             </a:extLst>
           </p:cNvPr>
@@ -10727,7 +10727,7 @@
           <p:cNvPr id="6" name="直線箭頭接點 5">
             <a:extLst>
               <a:ext uri="{FF2B5EF4-FFF2-40B4-BE49-F238E27FC236}">
-                <a16:creationId xmlns="" xmlns:a16="http://schemas.microsoft.com/office/drawing/2014/main" id="{D38E5745-832A-E345-8A9F-5FF2C3D2EE19}"/>
+                <a16:creationId xmlns:a16="http://schemas.microsoft.com/office/drawing/2014/main" xmlns="" id="{D38E5745-832A-E345-8A9F-5FF2C3D2EE19}"/>
               </a:ext>
             </a:extLst>
           </p:cNvPr>
@@ -10766,7 +10766,7 @@
           <p:cNvPr id="7" name="直線箭頭接點 6">
             <a:extLst>
               <a:ext uri="{FF2B5EF4-FFF2-40B4-BE49-F238E27FC236}">
-                <a16:creationId xmlns="" xmlns:a16="http://schemas.microsoft.com/office/drawing/2014/main" id="{E9C3D736-A46A-1F45-BA83-98B2129B78D8}"/>
+                <a16:creationId xmlns:a16="http://schemas.microsoft.com/office/drawing/2014/main" xmlns="" id="{E9C3D736-A46A-1F45-BA83-98B2129B78D8}"/>
               </a:ext>
             </a:extLst>
           </p:cNvPr>
@@ -10807,7 +10807,7 @@
           <p:cNvPr id="9" name="矩形 8">
             <a:extLst>
               <a:ext uri="{FF2B5EF4-FFF2-40B4-BE49-F238E27FC236}">
-                <a16:creationId xmlns="" xmlns:a16="http://schemas.microsoft.com/office/drawing/2014/main" id="{27524826-70DB-0441-8303-37FC66D1FC5B}"/>
+                <a16:creationId xmlns:a16="http://schemas.microsoft.com/office/drawing/2014/main" xmlns="" id="{27524826-70DB-0441-8303-37FC66D1FC5B}"/>
               </a:ext>
             </a:extLst>
           </p:cNvPr>
@@ -10853,7 +10853,7 @@
           <p:cNvPr id="10" name="矩形 9">
             <a:extLst>
               <a:ext uri="{FF2B5EF4-FFF2-40B4-BE49-F238E27FC236}">
-                <a16:creationId xmlns="" xmlns:a16="http://schemas.microsoft.com/office/drawing/2014/main" id="{D5A40EA3-8607-7447-B5C5-1BA336DC4B1A}"/>
+                <a16:creationId xmlns:a16="http://schemas.microsoft.com/office/drawing/2014/main" xmlns="" id="{D5A40EA3-8607-7447-B5C5-1BA336DC4B1A}"/>
               </a:ext>
             </a:extLst>
           </p:cNvPr>
@@ -10901,7 +10901,7 @@
           <p:cNvPr id="11" name="矩形 10">
             <a:extLst>
               <a:ext uri="{FF2B5EF4-FFF2-40B4-BE49-F238E27FC236}">
-                <a16:creationId xmlns="" xmlns:a16="http://schemas.microsoft.com/office/drawing/2014/main" id="{D158EACD-7BFE-1141-B47B-73A9D59EB9ED}"/>
+                <a16:creationId xmlns:a16="http://schemas.microsoft.com/office/drawing/2014/main" xmlns="" id="{D158EACD-7BFE-1141-B47B-73A9D59EB9ED}"/>
               </a:ext>
             </a:extLst>
           </p:cNvPr>
@@ -10949,7 +10949,7 @@
           <p:cNvPr id="12" name="矩形 11">
             <a:extLst>
               <a:ext uri="{FF2B5EF4-FFF2-40B4-BE49-F238E27FC236}">
-                <a16:creationId xmlns="" xmlns:a16="http://schemas.microsoft.com/office/drawing/2014/main" id="{74E49627-882D-544A-8BCB-3B4BF797F6E9}"/>
+                <a16:creationId xmlns:a16="http://schemas.microsoft.com/office/drawing/2014/main" xmlns="" id="{74E49627-882D-544A-8BCB-3B4BF797F6E9}"/>
               </a:ext>
             </a:extLst>
           </p:cNvPr>
@@ -10995,7 +10995,7 @@
           <p:cNvPr id="13" name="矩形 12">
             <a:extLst>
               <a:ext uri="{FF2B5EF4-FFF2-40B4-BE49-F238E27FC236}">
-                <a16:creationId xmlns="" xmlns:a16="http://schemas.microsoft.com/office/drawing/2014/main" id="{20BC78A6-DC64-3947-9BB3-F887948FCEF2}"/>
+                <a16:creationId xmlns:a16="http://schemas.microsoft.com/office/drawing/2014/main" xmlns="" id="{20BC78A6-DC64-3947-9BB3-F887948FCEF2}"/>
               </a:ext>
             </a:extLst>
           </p:cNvPr>
@@ -11043,7 +11043,7 @@
           <p:cNvPr id="14" name="矩形 13">
             <a:extLst>
               <a:ext uri="{FF2B5EF4-FFF2-40B4-BE49-F238E27FC236}">
-                <a16:creationId xmlns="" xmlns:a16="http://schemas.microsoft.com/office/drawing/2014/main" id="{F0EF030A-79DE-B64D-A509-6ECC7BE738DE}"/>
+                <a16:creationId xmlns:a16="http://schemas.microsoft.com/office/drawing/2014/main" xmlns="" id="{F0EF030A-79DE-B64D-A509-6ECC7BE738DE}"/>
               </a:ext>
             </a:extLst>
           </p:cNvPr>
@@ -11091,7 +11091,7 @@
           <p:cNvPr id="15" name="矩形 14">
             <a:extLst>
               <a:ext uri="{FF2B5EF4-FFF2-40B4-BE49-F238E27FC236}">
-                <a16:creationId xmlns="" xmlns:a16="http://schemas.microsoft.com/office/drawing/2014/main" id="{F3E5F92F-E9C2-7C45-8671-F16256EE76D3}"/>
+                <a16:creationId xmlns:a16="http://schemas.microsoft.com/office/drawing/2014/main" xmlns="" id="{F3E5F92F-E9C2-7C45-8671-F16256EE76D3}"/>
               </a:ext>
             </a:extLst>
           </p:cNvPr>
@@ -11137,7 +11137,7 @@
           <p:cNvPr id="16" name="矩形 15">
             <a:extLst>
               <a:ext uri="{FF2B5EF4-FFF2-40B4-BE49-F238E27FC236}">
-                <a16:creationId xmlns="" xmlns:a16="http://schemas.microsoft.com/office/drawing/2014/main" id="{741F1151-B732-A149-A3A0-9570C9EF8329}"/>
+                <a16:creationId xmlns:a16="http://schemas.microsoft.com/office/drawing/2014/main" xmlns="" id="{741F1151-B732-A149-A3A0-9570C9EF8329}"/>
               </a:ext>
             </a:extLst>
           </p:cNvPr>
@@ -11185,7 +11185,7 @@
           <p:cNvPr id="17" name="矩形 16">
             <a:extLst>
               <a:ext uri="{FF2B5EF4-FFF2-40B4-BE49-F238E27FC236}">
-                <a16:creationId xmlns="" xmlns:a16="http://schemas.microsoft.com/office/drawing/2014/main" id="{F7FF4DA2-F64B-A74D-BCB8-5A8395B98315}"/>
+                <a16:creationId xmlns:a16="http://schemas.microsoft.com/office/drawing/2014/main" xmlns="" id="{F7FF4DA2-F64B-A74D-BCB8-5A8395B98315}"/>
               </a:ext>
             </a:extLst>
           </p:cNvPr>
@@ -11233,7 +11233,7 @@
           <p:cNvPr id="18" name="矩形 17">
             <a:extLst>
               <a:ext uri="{FF2B5EF4-FFF2-40B4-BE49-F238E27FC236}">
-                <a16:creationId xmlns="" xmlns:a16="http://schemas.microsoft.com/office/drawing/2014/main" id="{09E29AD8-5509-5B44-9539-95248F49BF82}"/>
+                <a16:creationId xmlns:a16="http://schemas.microsoft.com/office/drawing/2014/main" xmlns="" id="{09E29AD8-5509-5B44-9539-95248F49BF82}"/>
               </a:ext>
             </a:extLst>
           </p:cNvPr>
@@ -11279,7 +11279,7 @@
           <p:cNvPr id="19" name="矩形 18">
             <a:extLst>
               <a:ext uri="{FF2B5EF4-FFF2-40B4-BE49-F238E27FC236}">
-                <a16:creationId xmlns="" xmlns:a16="http://schemas.microsoft.com/office/drawing/2014/main" id="{6523B377-33A0-0F49-A5BF-5338157BBE09}"/>
+                <a16:creationId xmlns:a16="http://schemas.microsoft.com/office/drawing/2014/main" xmlns="" id="{6523B377-33A0-0F49-A5BF-5338157BBE09}"/>
               </a:ext>
             </a:extLst>
           </p:cNvPr>
@@ -11327,7 +11327,7 @@
           <p:cNvPr id="20" name="矩形 19">
             <a:extLst>
               <a:ext uri="{FF2B5EF4-FFF2-40B4-BE49-F238E27FC236}">
-                <a16:creationId xmlns="" xmlns:a16="http://schemas.microsoft.com/office/drawing/2014/main" id="{A77D0982-3F32-0E41-A364-B5E24518129C}"/>
+                <a16:creationId xmlns:a16="http://schemas.microsoft.com/office/drawing/2014/main" xmlns="" id="{A77D0982-3F32-0E41-A364-B5E24518129C}"/>
               </a:ext>
             </a:extLst>
           </p:cNvPr>
@@ -11375,7 +11375,7 @@
           <p:cNvPr id="23" name="直線箭頭接點 22">
             <a:extLst>
               <a:ext uri="{FF2B5EF4-FFF2-40B4-BE49-F238E27FC236}">
-                <a16:creationId xmlns="" xmlns:a16="http://schemas.microsoft.com/office/drawing/2014/main" id="{4B310916-6054-5644-AEDE-5A0A5FB5884A}"/>
+                <a16:creationId xmlns:a16="http://schemas.microsoft.com/office/drawing/2014/main" xmlns="" id="{4B310916-6054-5644-AEDE-5A0A5FB5884A}"/>
               </a:ext>
             </a:extLst>
           </p:cNvPr>
@@ -11454,7 +11454,7 @@
           <p:cNvPr id="2" name="矩形 1">
             <a:extLst>
               <a:ext uri="{FF2B5EF4-FFF2-40B4-BE49-F238E27FC236}">
-                <a16:creationId xmlns="" xmlns:a16="http://schemas.microsoft.com/office/drawing/2014/main" id="{3333882F-B381-5A41-9CA5-D1541ADC4406}"/>
+                <a16:creationId xmlns:a16="http://schemas.microsoft.com/office/drawing/2014/main" xmlns="" id="{3333882F-B381-5A41-9CA5-D1541ADC4406}"/>
               </a:ext>
             </a:extLst>
           </p:cNvPr>
@@ -12212,7 +12212,7 @@
           <p:cNvPr id="3" name="標題 1">
             <a:extLst>
               <a:ext uri="{FF2B5EF4-FFF2-40B4-BE49-F238E27FC236}">
-                <a16:creationId xmlns="" xmlns:a16="http://schemas.microsoft.com/office/drawing/2014/main" id="{207F22D1-A870-E444-BDAC-5CF5E258B61B}"/>
+                <a16:creationId xmlns:a16="http://schemas.microsoft.com/office/drawing/2014/main" xmlns="" id="{207F22D1-A870-E444-BDAC-5CF5E258B61B}"/>
               </a:ext>
             </a:extLst>
           </p:cNvPr>
@@ -12343,7 +12343,7 @@
           <p:cNvPr id="2" name="標題 1">
             <a:extLst>
               <a:ext uri="{FF2B5EF4-FFF2-40B4-BE49-F238E27FC236}">
-                <a16:creationId xmlns="" xmlns:a16="http://schemas.microsoft.com/office/drawing/2014/main" id="{E79C5F1B-4111-B34F-847E-75DCA5C284FD}"/>
+                <a16:creationId xmlns:a16="http://schemas.microsoft.com/office/drawing/2014/main" xmlns="" id="{E79C5F1B-4111-B34F-847E-75DCA5C284FD}"/>
               </a:ext>
             </a:extLst>
           </p:cNvPr>
@@ -12456,7 +12456,7 @@
           <p:cNvPr id="3" name="矩形 2">
             <a:extLst>
               <a:ext uri="{FF2B5EF4-FFF2-40B4-BE49-F238E27FC236}">
-                <a16:creationId xmlns="" xmlns:a16="http://schemas.microsoft.com/office/drawing/2014/main" id="{C1DC05E2-98B3-1B4A-A78F-CF4B51BFDFBB}"/>
+                <a16:creationId xmlns:a16="http://schemas.microsoft.com/office/drawing/2014/main" xmlns="" id="{C1DC05E2-98B3-1B4A-A78F-CF4B51BFDFBB}"/>
               </a:ext>
             </a:extLst>
           </p:cNvPr>
@@ -12737,7 +12737,7 @@
           <p:cNvPr id="5" name="矩形 4">
             <a:extLst>
               <a:ext uri="{FF2B5EF4-FFF2-40B4-BE49-F238E27FC236}">
-                <a16:creationId xmlns="" xmlns:a16="http://schemas.microsoft.com/office/drawing/2014/main" id="{6635FDE9-2CF8-AE4A-A10A-2FAF84E02666}"/>
+                <a16:creationId xmlns:a16="http://schemas.microsoft.com/office/drawing/2014/main" xmlns="" id="{6635FDE9-2CF8-AE4A-A10A-2FAF84E02666}"/>
               </a:ext>
             </a:extLst>
           </p:cNvPr>
@@ -13010,7 +13010,7 @@
           <p:cNvPr id="9" name="直線接點 8">
             <a:extLst>
               <a:ext uri="{FF2B5EF4-FFF2-40B4-BE49-F238E27FC236}">
-                <a16:creationId xmlns="" xmlns:a16="http://schemas.microsoft.com/office/drawing/2014/main" id="{663E15BC-D355-DD49-ACAF-CD4696C742F0}"/>
+                <a16:creationId xmlns:a16="http://schemas.microsoft.com/office/drawing/2014/main" xmlns="" id="{663E15BC-D355-DD49-ACAF-CD4696C742F0}"/>
               </a:ext>
             </a:extLst>
           </p:cNvPr>
@@ -13047,7 +13047,7 @@
           <p:cNvPr id="10" name="直線接點 9">
             <a:extLst>
               <a:ext uri="{FF2B5EF4-FFF2-40B4-BE49-F238E27FC236}">
-                <a16:creationId xmlns="" xmlns:a16="http://schemas.microsoft.com/office/drawing/2014/main" id="{26E1520E-4942-514E-ABF2-B5D783EA90BB}"/>
+                <a16:creationId xmlns:a16="http://schemas.microsoft.com/office/drawing/2014/main" xmlns="" id="{26E1520E-4942-514E-ABF2-B5D783EA90BB}"/>
               </a:ext>
             </a:extLst>
           </p:cNvPr>
@@ -13086,7 +13086,7 @@
           <p:cNvPr id="15" name="直線箭頭接點 14">
             <a:extLst>
               <a:ext uri="{FF2B5EF4-FFF2-40B4-BE49-F238E27FC236}">
-                <a16:creationId xmlns="" xmlns:a16="http://schemas.microsoft.com/office/drawing/2014/main" id="{F4F14853-2EE5-C449-8BB5-0057F3418639}"/>
+                <a16:creationId xmlns:a16="http://schemas.microsoft.com/office/drawing/2014/main" xmlns="" id="{F4F14853-2EE5-C449-8BB5-0057F3418639}"/>
               </a:ext>
             </a:extLst>
           </p:cNvPr>
@@ -13125,7 +13125,7 @@
           <p:cNvPr id="16" name="直線接點 15">
             <a:extLst>
               <a:ext uri="{FF2B5EF4-FFF2-40B4-BE49-F238E27FC236}">
-                <a16:creationId xmlns="" xmlns:a16="http://schemas.microsoft.com/office/drawing/2014/main" id="{84CF1E2F-9A79-314C-8B15-D40532D9DB4B}"/>
+                <a16:creationId xmlns:a16="http://schemas.microsoft.com/office/drawing/2014/main" xmlns="" id="{84CF1E2F-9A79-314C-8B15-D40532D9DB4B}"/>
               </a:ext>
             </a:extLst>
           </p:cNvPr>
@@ -13170,7 +13170,7 @@
           <p:cNvPr id="18" name="直線接點 17">
             <a:extLst>
               <a:ext uri="{FF2B5EF4-FFF2-40B4-BE49-F238E27FC236}">
-                <a16:creationId xmlns="" xmlns:a16="http://schemas.microsoft.com/office/drawing/2014/main" id="{A526251F-213A-7C4D-8230-FD109843D69A}"/>
+                <a16:creationId xmlns:a16="http://schemas.microsoft.com/office/drawing/2014/main" xmlns="" id="{A526251F-213A-7C4D-8230-FD109843D69A}"/>
               </a:ext>
             </a:extLst>
           </p:cNvPr>
@@ -13215,7 +13215,7 @@
           <p:cNvPr id="20" name="直線箭頭接點 19">
             <a:extLst>
               <a:ext uri="{FF2B5EF4-FFF2-40B4-BE49-F238E27FC236}">
-                <a16:creationId xmlns="" xmlns:a16="http://schemas.microsoft.com/office/drawing/2014/main" id="{B3AD4B63-8EC0-894D-8FF2-753983E11F3B}"/>
+                <a16:creationId xmlns:a16="http://schemas.microsoft.com/office/drawing/2014/main" xmlns="" id="{B3AD4B63-8EC0-894D-8FF2-753983E11F3B}"/>
               </a:ext>
             </a:extLst>
           </p:cNvPr>

--- a/現代 JavaScript 職人之路｜ 中階篇.pptx
+++ b/現代 JavaScript 職人之路｜ 中階篇.pptx
@@ -354,7 +354,7 @@
           <a:p>
             <a:fld id="{952160C1-7EC0-47F7-AD8A-DCC1B5F0EDED}" type="datetimeFigureOut">
               <a:rPr lang="zh-TW" altLang="en-US" smtClean="0"/>
-              <a:t>2019/5/11</a:t>
+              <a:t>2019/5/12</a:t>
             </a:fld>
             <a:endParaRPr lang="zh-TW" altLang="en-US"/>
           </a:p>
@@ -522,7 +522,7 @@
           <a:p>
             <a:fld id="{952160C1-7EC0-47F7-AD8A-DCC1B5F0EDED}" type="datetimeFigureOut">
               <a:rPr lang="zh-TW" altLang="en-US" smtClean="0"/>
-              <a:t>2019/5/11</a:t>
+              <a:t>2019/5/12</a:t>
             </a:fld>
             <a:endParaRPr lang="zh-TW" altLang="en-US"/>
           </a:p>
@@ -700,7 +700,7 @@
           <a:p>
             <a:fld id="{952160C1-7EC0-47F7-AD8A-DCC1B5F0EDED}" type="datetimeFigureOut">
               <a:rPr lang="zh-TW" altLang="en-US" smtClean="0"/>
-              <a:t>2019/5/11</a:t>
+              <a:t>2019/5/12</a:t>
             </a:fld>
             <a:endParaRPr lang="zh-TW" altLang="en-US"/>
           </a:p>
@@ -868,7 +868,7 @@
           <a:p>
             <a:fld id="{952160C1-7EC0-47F7-AD8A-DCC1B5F0EDED}" type="datetimeFigureOut">
               <a:rPr lang="zh-TW" altLang="en-US" smtClean="0"/>
-              <a:t>2019/5/11</a:t>
+              <a:t>2019/5/12</a:t>
             </a:fld>
             <a:endParaRPr lang="zh-TW" altLang="en-US"/>
           </a:p>
@@ -1113,7 +1113,7 @@
           <a:p>
             <a:fld id="{952160C1-7EC0-47F7-AD8A-DCC1B5F0EDED}" type="datetimeFigureOut">
               <a:rPr lang="zh-TW" altLang="en-US" smtClean="0"/>
-              <a:t>2019/5/11</a:t>
+              <a:t>2019/5/12</a:t>
             </a:fld>
             <a:endParaRPr lang="zh-TW" altLang="en-US"/>
           </a:p>
@@ -1342,7 +1342,7 @@
           <a:p>
             <a:fld id="{952160C1-7EC0-47F7-AD8A-DCC1B5F0EDED}" type="datetimeFigureOut">
               <a:rPr lang="zh-TW" altLang="en-US" smtClean="0"/>
-              <a:t>2019/5/11</a:t>
+              <a:t>2019/5/12</a:t>
             </a:fld>
             <a:endParaRPr lang="zh-TW" altLang="en-US"/>
           </a:p>
@@ -1706,7 +1706,7 @@
           <a:p>
             <a:fld id="{952160C1-7EC0-47F7-AD8A-DCC1B5F0EDED}" type="datetimeFigureOut">
               <a:rPr lang="zh-TW" altLang="en-US" smtClean="0"/>
-              <a:t>2019/5/11</a:t>
+              <a:t>2019/5/12</a:t>
             </a:fld>
             <a:endParaRPr lang="zh-TW" altLang="en-US"/>
           </a:p>
@@ -1823,7 +1823,7 @@
           <a:p>
             <a:fld id="{952160C1-7EC0-47F7-AD8A-DCC1B5F0EDED}" type="datetimeFigureOut">
               <a:rPr lang="zh-TW" altLang="en-US" smtClean="0"/>
-              <a:t>2019/5/11</a:t>
+              <a:t>2019/5/12</a:t>
             </a:fld>
             <a:endParaRPr lang="zh-TW" altLang="en-US"/>
           </a:p>
@@ -1918,7 +1918,7 @@
           <a:p>
             <a:fld id="{952160C1-7EC0-47F7-AD8A-DCC1B5F0EDED}" type="datetimeFigureOut">
               <a:rPr lang="zh-TW" altLang="en-US" smtClean="0"/>
-              <a:t>2019/5/11</a:t>
+              <a:t>2019/5/12</a:t>
             </a:fld>
             <a:endParaRPr lang="zh-TW" altLang="en-US"/>
           </a:p>
@@ -2193,7 +2193,7 @@
           <a:p>
             <a:fld id="{952160C1-7EC0-47F7-AD8A-DCC1B5F0EDED}" type="datetimeFigureOut">
               <a:rPr lang="zh-TW" altLang="en-US" smtClean="0"/>
-              <a:t>2019/5/11</a:t>
+              <a:t>2019/5/12</a:t>
             </a:fld>
             <a:endParaRPr lang="zh-TW" altLang="en-US"/>
           </a:p>
@@ -2445,7 +2445,7 @@
           <a:p>
             <a:fld id="{952160C1-7EC0-47F7-AD8A-DCC1B5F0EDED}" type="datetimeFigureOut">
               <a:rPr lang="zh-TW" altLang="en-US" smtClean="0"/>
-              <a:t>2019/5/11</a:t>
+              <a:t>2019/5/12</a:t>
             </a:fld>
             <a:endParaRPr lang="zh-TW" altLang="en-US"/>
           </a:p>
@@ -2659,7 +2659,7 @@
           <a:p>
             <a:fld id="{952160C1-7EC0-47F7-AD8A-DCC1B5F0EDED}" type="datetimeFigureOut">
               <a:rPr lang="zh-TW" altLang="en-US" smtClean="0"/>
-              <a:t>2019/5/11</a:t>
+              <a:t>2019/5/12</a:t>
             </a:fld>
             <a:endParaRPr lang="zh-TW" altLang="en-US"/>
           </a:p>
@@ -7815,7 +7815,7 @@
         <p:spPr>
           <a:xfrm>
             <a:off x="891890" y="4221393"/>
-            <a:ext cx="5791970" cy="461665"/>
+            <a:ext cx="6131807" cy="461665"/>
           </a:xfrm>
           <a:prstGeom prst="rect">
             <a:avLst/>
@@ -7828,7 +7828,7 @@
           <a:lstStyle/>
           <a:p>
             <a:r>
-              <a:rPr lang="en-US" altLang="zh-TW" sz="2400" dirty="0" err="1">
+              <a:rPr lang="en-US" altLang="zh-TW" sz="2400" dirty="0" err="1" smtClean="0">
                 <a:solidFill>
                   <a:srgbClr val="F8F8F2"/>
                 </a:solidFill>
@@ -7837,7 +7837,7 @@
               <a:t>email.</a:t>
             </a:r>
             <a:r>
-              <a:rPr lang="en-US" altLang="zh-TW" sz="2400" dirty="0" err="1">
+              <a:rPr lang="en-US" altLang="zh-TW" sz="2400" dirty="0" err="1" smtClean="0">
                 <a:solidFill>
                   <a:srgbClr val="A6E22E"/>
                 </a:solidFill>
@@ -7846,76 +7846,76 @@
               <a:t>slice</a:t>
             </a:r>
             <a:r>
+              <a:rPr lang="en-US" altLang="zh-TW" sz="2400" dirty="0" smtClean="0">
+                <a:solidFill>
+                  <a:srgbClr val="F8F8F2"/>
+                </a:solidFill>
+                <a:latin typeface="Consolas" panose="020B0609020204030204" pitchFamily="49" charset="0"/>
+              </a:rPr>
+              <a:t>(</a:t>
+            </a:r>
+            <a:r>
+              <a:rPr lang="en-US" altLang="zh-TW" sz="2400" dirty="0" smtClean="0">
+                <a:solidFill>
+                  <a:srgbClr val="FF80F4"/>
+                </a:solidFill>
+                <a:latin typeface="Consolas" panose="020B0609020204030204" pitchFamily="49" charset="0"/>
+              </a:rPr>
+              <a:t>0</a:t>
+            </a:r>
+            <a:r>
+              <a:rPr lang="en-US" altLang="zh-TW" sz="2400" dirty="0" smtClean="0">
+                <a:solidFill>
+                  <a:srgbClr val="F8F8F2"/>
+                </a:solidFill>
+                <a:latin typeface="Consolas" panose="020B0609020204030204" pitchFamily="49" charset="0"/>
+              </a:rPr>
+              <a:t>, </a:t>
+            </a:r>
+            <a:r>
+              <a:rPr lang="en-US" altLang="zh-TW" sz="2400" dirty="0" err="1" smtClean="0">
+                <a:solidFill>
+                  <a:srgbClr val="F8F8F2"/>
+                </a:solidFill>
+                <a:latin typeface="Consolas" panose="020B0609020204030204" pitchFamily="49" charset="0"/>
+              </a:rPr>
+              <a:t>email.</a:t>
+            </a:r>
+            <a:r>
+              <a:rPr lang="en-US" altLang="zh-TW" sz="2400" dirty="0" err="1" smtClean="0">
+                <a:solidFill>
+                  <a:srgbClr val="A6E22E"/>
+                </a:solidFill>
+                <a:latin typeface="Consolas" panose="020B0609020204030204" pitchFamily="49" charset="0"/>
+              </a:rPr>
+              <a:t>indexOf</a:t>
+            </a:r>
+            <a:r>
+              <a:rPr lang="en-US" altLang="zh-TW" sz="2400" dirty="0" smtClean="0">
+                <a:solidFill>
+                  <a:srgbClr val="F8F8F2"/>
+                </a:solidFill>
+                <a:latin typeface="Consolas" panose="020B0609020204030204" pitchFamily="49" charset="0"/>
+              </a:rPr>
+              <a:t>(</a:t>
+            </a:r>
+            <a:r>
+              <a:rPr lang="en-US" altLang="zh-TW" sz="2400" dirty="0" smtClean="0">
+                <a:solidFill>
+                  <a:srgbClr val="FFEE99"/>
+                </a:solidFill>
+                <a:latin typeface="Consolas" panose="020B0609020204030204" pitchFamily="49" charset="0"/>
+              </a:rPr>
+              <a:t>"@"</a:t>
+            </a:r>
+            <a:r>
               <a:rPr lang="en-US" altLang="zh-TW" sz="2400" dirty="0">
                 <a:solidFill>
                   <a:srgbClr val="F8F8F2"/>
                 </a:solidFill>
                 <a:latin typeface="Consolas" panose="020B0609020204030204" pitchFamily="49" charset="0"/>
               </a:rPr>
-              <a:t>(</a:t>
-            </a:r>
-            <a:r>
-              <a:rPr lang="en-US" altLang="zh-TW" sz="2400" dirty="0">
-                <a:solidFill>
-                  <a:srgbClr val="FF80F4"/>
-                </a:solidFill>
-                <a:latin typeface="Consolas" panose="020B0609020204030204" pitchFamily="49" charset="0"/>
-              </a:rPr>
-              <a:t>0</a:t>
-            </a:r>
-            <a:r>
-              <a:rPr lang="en-US" altLang="zh-TW" sz="2400" dirty="0">
-                <a:solidFill>
-                  <a:srgbClr val="F8F8F2"/>
-                </a:solidFill>
-                <a:latin typeface="Consolas" panose="020B0609020204030204" pitchFamily="49" charset="0"/>
-              </a:rPr>
-              <a:t>, </a:t>
-            </a:r>
-            <a:r>
-              <a:rPr lang="en-US" altLang="zh-TW" sz="2400" dirty="0" err="1">
-                <a:solidFill>
-                  <a:srgbClr val="F8F8F2"/>
-                </a:solidFill>
-                <a:latin typeface="Consolas" panose="020B0609020204030204" pitchFamily="49" charset="0"/>
-              </a:rPr>
-              <a:t>email.</a:t>
-            </a:r>
-            <a:r>
-              <a:rPr lang="en-US" altLang="zh-TW" sz="2400" dirty="0" err="1">
-                <a:solidFill>
-                  <a:srgbClr val="A6E22E"/>
-                </a:solidFill>
-                <a:latin typeface="Consolas" panose="020B0609020204030204" pitchFamily="49" charset="0"/>
-              </a:rPr>
-              <a:t>indexOf</a:t>
-            </a:r>
-            <a:r>
-              <a:rPr lang="en-US" altLang="zh-TW" sz="2400" dirty="0">
-                <a:solidFill>
-                  <a:srgbClr val="F8F8F2"/>
-                </a:solidFill>
-                <a:latin typeface="Consolas" panose="020B0609020204030204" pitchFamily="49" charset="0"/>
-              </a:rPr>
-              <a:t>(</a:t>
-            </a:r>
-            <a:r>
-              <a:rPr lang="en-US" altLang="zh-TW" sz="2400" dirty="0">
-                <a:solidFill>
-                  <a:srgbClr val="FFEE99"/>
-                </a:solidFill>
-                <a:latin typeface="Consolas" panose="020B0609020204030204" pitchFamily="49" charset="0"/>
-              </a:rPr>
-              <a:t>"@"</a:t>
-            </a:r>
-            <a:r>
-              <a:rPr lang="en-US" altLang="zh-TW" sz="2400" dirty="0">
-                <a:solidFill>
-                  <a:srgbClr val="F8F8F2"/>
-                </a:solidFill>
-                <a:latin typeface="Consolas" panose="020B0609020204030204" pitchFamily="49" charset="0"/>
-              </a:rPr>
-              <a:t>)</a:t>
+              <a:t>) )</a:t>
             </a:r>
             <a:endParaRPr lang="en-US" altLang="zh-TW" sz="2400" b="0" dirty="0">
               <a:solidFill>
@@ -9680,7 +9680,7 @@
           <p:cNvPr id="7" name="圖片 6">
             <a:extLst>
               <a:ext uri="{FF2B5EF4-FFF2-40B4-BE49-F238E27FC236}">
-                <a16:creationId xmlns:a16="http://schemas.microsoft.com/office/drawing/2014/main" xmlns="" id="{FCB4471C-65FC-5F49-8514-4E5F2DA03E92}"/>
+                <a16:creationId xmlns="" xmlns:a16="http://schemas.microsoft.com/office/drawing/2014/main" id="{FCB4471C-65FC-5F49-8514-4E5F2DA03E92}"/>
               </a:ext>
             </a:extLst>
           </p:cNvPr>
@@ -9716,7 +9716,7 @@
           <p:cNvPr id="8" name="標題 1">
             <a:extLst>
               <a:ext uri="{FF2B5EF4-FFF2-40B4-BE49-F238E27FC236}">
-                <a16:creationId xmlns:a16="http://schemas.microsoft.com/office/drawing/2014/main" xmlns="" id="{7312BAB0-ED4E-B441-973A-7DD55EFD13E6}"/>
+                <a16:creationId xmlns="" xmlns:a16="http://schemas.microsoft.com/office/drawing/2014/main" id="{7312BAB0-ED4E-B441-973A-7DD55EFD13E6}"/>
               </a:ext>
             </a:extLst>
           </p:cNvPr>
@@ -9795,7 +9795,7 @@
           <p:cNvPr id="10" name="矩形 9">
             <a:extLst>
               <a:ext uri="{FF2B5EF4-FFF2-40B4-BE49-F238E27FC236}">
-                <a16:creationId xmlns:a16="http://schemas.microsoft.com/office/drawing/2014/main" xmlns="" id="{711EB9EB-24D0-9241-AD5B-CA5B1D79376A}"/>
+                <a16:creationId xmlns="" xmlns:a16="http://schemas.microsoft.com/office/drawing/2014/main" id="{711EB9EB-24D0-9241-AD5B-CA5B1D79376A}"/>
               </a:ext>
             </a:extLst>
           </p:cNvPr>
@@ -9832,7 +9832,7 @@
           <p:cNvPr id="11" name="矩形 10">
             <a:extLst>
               <a:ext uri="{FF2B5EF4-FFF2-40B4-BE49-F238E27FC236}">
-                <a16:creationId xmlns:a16="http://schemas.microsoft.com/office/drawing/2014/main" xmlns="" id="{F703328C-F454-3342-B266-30FBD0602B3E}"/>
+                <a16:creationId xmlns="" xmlns:a16="http://schemas.microsoft.com/office/drawing/2014/main" id="{F703328C-F454-3342-B266-30FBD0602B3E}"/>
               </a:ext>
             </a:extLst>
           </p:cNvPr>
@@ -9919,7 +9919,7 @@
           <p:cNvPr id="4" name="矩形 3">
             <a:extLst>
               <a:ext uri="{FF2B5EF4-FFF2-40B4-BE49-F238E27FC236}">
-                <a16:creationId xmlns:a16="http://schemas.microsoft.com/office/drawing/2014/main" xmlns="" id="{156707A3-68A3-2F4A-8CDA-2F9B2532D0B3}"/>
+                <a16:creationId xmlns="" xmlns:a16="http://schemas.microsoft.com/office/drawing/2014/main" id="{156707A3-68A3-2F4A-8CDA-2F9B2532D0B3}"/>
               </a:ext>
             </a:extLst>
           </p:cNvPr>
@@ -9987,7 +9987,7 @@
           <p:cNvPr id="6" name="矩形 5">
             <a:extLst>
               <a:ext uri="{FF2B5EF4-FFF2-40B4-BE49-F238E27FC236}">
-                <a16:creationId xmlns:a16="http://schemas.microsoft.com/office/drawing/2014/main" xmlns="" id="{FB465A35-CC98-3F40-8C26-B37236DA0162}"/>
+                <a16:creationId xmlns="" xmlns:a16="http://schemas.microsoft.com/office/drawing/2014/main" id="{FB465A35-CC98-3F40-8C26-B37236DA0162}"/>
               </a:ext>
             </a:extLst>
           </p:cNvPr>
@@ -10024,7 +10024,7 @@
           <p:cNvPr id="7" name="矩形 6">
             <a:extLst>
               <a:ext uri="{FF2B5EF4-FFF2-40B4-BE49-F238E27FC236}">
-                <a16:creationId xmlns:a16="http://schemas.microsoft.com/office/drawing/2014/main" xmlns="" id="{DD9E23DF-C692-2246-B23B-E8A7F74751A8}"/>
+                <a16:creationId xmlns="" xmlns:a16="http://schemas.microsoft.com/office/drawing/2014/main" id="{DD9E23DF-C692-2246-B23B-E8A7F74751A8}"/>
               </a:ext>
             </a:extLst>
           </p:cNvPr>
@@ -10086,7 +10086,7 @@
           <p:cNvPr id="8" name="矩形 7">
             <a:extLst>
               <a:ext uri="{FF2B5EF4-FFF2-40B4-BE49-F238E27FC236}">
-                <a16:creationId xmlns:a16="http://schemas.microsoft.com/office/drawing/2014/main" xmlns="" id="{46C433FA-9CCB-9C41-8561-B25FB97C3997}"/>
+                <a16:creationId xmlns="" xmlns:a16="http://schemas.microsoft.com/office/drawing/2014/main" id="{46C433FA-9CCB-9C41-8561-B25FB97C3997}"/>
               </a:ext>
             </a:extLst>
           </p:cNvPr>
@@ -10148,7 +10148,7 @@
           <p:cNvPr id="9" name="矩形 8">
             <a:extLst>
               <a:ext uri="{FF2B5EF4-FFF2-40B4-BE49-F238E27FC236}">
-                <a16:creationId xmlns:a16="http://schemas.microsoft.com/office/drawing/2014/main" xmlns="" id="{C34E9026-3B18-AE45-AC95-5441221D9DF1}"/>
+                <a16:creationId xmlns="" xmlns:a16="http://schemas.microsoft.com/office/drawing/2014/main" id="{C34E9026-3B18-AE45-AC95-5441221D9DF1}"/>
               </a:ext>
             </a:extLst>
           </p:cNvPr>
@@ -10210,7 +10210,7 @@
           <p:cNvPr id="10" name="矩形 9">
             <a:extLst>
               <a:ext uri="{FF2B5EF4-FFF2-40B4-BE49-F238E27FC236}">
-                <a16:creationId xmlns:a16="http://schemas.microsoft.com/office/drawing/2014/main" xmlns="" id="{25AFE21C-8976-EB41-9B39-4A8704E5273E}"/>
+                <a16:creationId xmlns="" xmlns:a16="http://schemas.microsoft.com/office/drawing/2014/main" id="{25AFE21C-8976-EB41-9B39-4A8704E5273E}"/>
               </a:ext>
             </a:extLst>
           </p:cNvPr>
@@ -10275,7 +10275,7 @@
           <p:cNvPr id="11" name="矩形 10">
             <a:extLst>
               <a:ext uri="{FF2B5EF4-FFF2-40B4-BE49-F238E27FC236}">
-                <a16:creationId xmlns:a16="http://schemas.microsoft.com/office/drawing/2014/main" xmlns="" id="{22FA0140-3918-9144-8FB9-1D42FD66FCC6}"/>
+                <a16:creationId xmlns="" xmlns:a16="http://schemas.microsoft.com/office/drawing/2014/main" id="{22FA0140-3918-9144-8FB9-1D42FD66FCC6}"/>
               </a:ext>
             </a:extLst>
           </p:cNvPr>
@@ -10404,7 +10404,7 @@
           <p:cNvPr id="12" name="矩形 11">
             <a:extLst>
               <a:ext uri="{FF2B5EF4-FFF2-40B4-BE49-F238E27FC236}">
-                <a16:creationId xmlns:a16="http://schemas.microsoft.com/office/drawing/2014/main" xmlns="" id="{237AA689-99FD-CB47-839A-1BF31D73EC93}"/>
+                <a16:creationId xmlns="" xmlns:a16="http://schemas.microsoft.com/office/drawing/2014/main" id="{237AA689-99FD-CB47-839A-1BF31D73EC93}"/>
               </a:ext>
             </a:extLst>
           </p:cNvPr>
@@ -10533,7 +10533,7 @@
           <p:cNvPr id="21" name="圓角矩形 20">
             <a:extLst>
               <a:ext uri="{FF2B5EF4-FFF2-40B4-BE49-F238E27FC236}">
-                <a16:creationId xmlns:a16="http://schemas.microsoft.com/office/drawing/2014/main" xmlns="" id="{D3E17314-681B-E744-AA6E-06B60ED1D494}"/>
+                <a16:creationId xmlns="" xmlns:a16="http://schemas.microsoft.com/office/drawing/2014/main" id="{D3E17314-681B-E744-AA6E-06B60ED1D494}"/>
               </a:ext>
             </a:extLst>
           </p:cNvPr>
@@ -10579,7 +10579,7 @@
           <p:cNvPr id="2" name="矩形 1">
             <a:extLst>
               <a:ext uri="{FF2B5EF4-FFF2-40B4-BE49-F238E27FC236}">
-                <a16:creationId xmlns:a16="http://schemas.microsoft.com/office/drawing/2014/main" xmlns="" id="{1F91C1BF-2B69-564F-92C4-36851A2C2662}"/>
+                <a16:creationId xmlns="" xmlns:a16="http://schemas.microsoft.com/office/drawing/2014/main" id="{1F91C1BF-2B69-564F-92C4-36851A2C2662}"/>
               </a:ext>
             </a:extLst>
           </p:cNvPr>
@@ -10629,7 +10629,7 @@
           <p:cNvPr id="3" name="矩形 2">
             <a:extLst>
               <a:ext uri="{FF2B5EF4-FFF2-40B4-BE49-F238E27FC236}">
-                <a16:creationId xmlns:a16="http://schemas.microsoft.com/office/drawing/2014/main" xmlns="" id="{283C0B0F-C3B5-BD4F-883C-09F49FF67D1F}"/>
+                <a16:creationId xmlns="" xmlns:a16="http://schemas.microsoft.com/office/drawing/2014/main" id="{283C0B0F-C3B5-BD4F-883C-09F49FF67D1F}"/>
               </a:ext>
             </a:extLst>
           </p:cNvPr>
@@ -10679,7 +10679,7 @@
           <p:cNvPr id="4" name="橢圓 3">
             <a:extLst>
               <a:ext uri="{FF2B5EF4-FFF2-40B4-BE49-F238E27FC236}">
-                <a16:creationId xmlns:a16="http://schemas.microsoft.com/office/drawing/2014/main" xmlns="" id="{472F9B87-6FC9-B44F-A02E-9296A0720770}"/>
+                <a16:creationId xmlns="" xmlns:a16="http://schemas.microsoft.com/office/drawing/2014/main" id="{472F9B87-6FC9-B44F-A02E-9296A0720770}"/>
               </a:ext>
             </a:extLst>
           </p:cNvPr>
@@ -10727,7 +10727,7 @@
           <p:cNvPr id="6" name="直線箭頭接點 5">
             <a:extLst>
               <a:ext uri="{FF2B5EF4-FFF2-40B4-BE49-F238E27FC236}">
-                <a16:creationId xmlns:a16="http://schemas.microsoft.com/office/drawing/2014/main" xmlns="" id="{D38E5745-832A-E345-8A9F-5FF2C3D2EE19}"/>
+                <a16:creationId xmlns="" xmlns:a16="http://schemas.microsoft.com/office/drawing/2014/main" id="{D38E5745-832A-E345-8A9F-5FF2C3D2EE19}"/>
               </a:ext>
             </a:extLst>
           </p:cNvPr>
@@ -10766,7 +10766,7 @@
           <p:cNvPr id="7" name="直線箭頭接點 6">
             <a:extLst>
               <a:ext uri="{FF2B5EF4-FFF2-40B4-BE49-F238E27FC236}">
-                <a16:creationId xmlns:a16="http://schemas.microsoft.com/office/drawing/2014/main" xmlns="" id="{E9C3D736-A46A-1F45-BA83-98B2129B78D8}"/>
+                <a16:creationId xmlns="" xmlns:a16="http://schemas.microsoft.com/office/drawing/2014/main" id="{E9C3D736-A46A-1F45-BA83-98B2129B78D8}"/>
               </a:ext>
             </a:extLst>
           </p:cNvPr>
@@ -10807,7 +10807,7 @@
           <p:cNvPr id="9" name="矩形 8">
             <a:extLst>
               <a:ext uri="{FF2B5EF4-FFF2-40B4-BE49-F238E27FC236}">
-                <a16:creationId xmlns:a16="http://schemas.microsoft.com/office/drawing/2014/main" xmlns="" id="{27524826-70DB-0441-8303-37FC66D1FC5B}"/>
+                <a16:creationId xmlns="" xmlns:a16="http://schemas.microsoft.com/office/drawing/2014/main" id="{27524826-70DB-0441-8303-37FC66D1FC5B}"/>
               </a:ext>
             </a:extLst>
           </p:cNvPr>
@@ -10853,7 +10853,7 @@
           <p:cNvPr id="10" name="矩形 9">
             <a:extLst>
               <a:ext uri="{FF2B5EF4-FFF2-40B4-BE49-F238E27FC236}">
-                <a16:creationId xmlns:a16="http://schemas.microsoft.com/office/drawing/2014/main" xmlns="" id="{D5A40EA3-8607-7447-B5C5-1BA336DC4B1A}"/>
+                <a16:creationId xmlns="" xmlns:a16="http://schemas.microsoft.com/office/drawing/2014/main" id="{D5A40EA3-8607-7447-B5C5-1BA336DC4B1A}"/>
               </a:ext>
             </a:extLst>
           </p:cNvPr>
@@ -10901,7 +10901,7 @@
           <p:cNvPr id="11" name="矩形 10">
             <a:extLst>
               <a:ext uri="{FF2B5EF4-FFF2-40B4-BE49-F238E27FC236}">
-                <a16:creationId xmlns:a16="http://schemas.microsoft.com/office/drawing/2014/main" xmlns="" id="{D158EACD-7BFE-1141-B47B-73A9D59EB9ED}"/>
+                <a16:creationId xmlns="" xmlns:a16="http://schemas.microsoft.com/office/drawing/2014/main" id="{D158EACD-7BFE-1141-B47B-73A9D59EB9ED}"/>
               </a:ext>
             </a:extLst>
           </p:cNvPr>
@@ -10949,7 +10949,7 @@
           <p:cNvPr id="12" name="矩形 11">
             <a:extLst>
               <a:ext uri="{FF2B5EF4-FFF2-40B4-BE49-F238E27FC236}">
-                <a16:creationId xmlns:a16="http://schemas.microsoft.com/office/drawing/2014/main" xmlns="" id="{74E49627-882D-544A-8BCB-3B4BF797F6E9}"/>
+                <a16:creationId xmlns="" xmlns:a16="http://schemas.microsoft.com/office/drawing/2014/main" id="{74E49627-882D-544A-8BCB-3B4BF797F6E9}"/>
               </a:ext>
             </a:extLst>
           </p:cNvPr>
@@ -10995,7 +10995,7 @@
           <p:cNvPr id="13" name="矩形 12">
             <a:extLst>
               <a:ext uri="{FF2B5EF4-FFF2-40B4-BE49-F238E27FC236}">
-                <a16:creationId xmlns:a16="http://schemas.microsoft.com/office/drawing/2014/main" xmlns="" id="{20BC78A6-DC64-3947-9BB3-F887948FCEF2}"/>
+                <a16:creationId xmlns="" xmlns:a16="http://schemas.microsoft.com/office/drawing/2014/main" id="{20BC78A6-DC64-3947-9BB3-F887948FCEF2}"/>
               </a:ext>
             </a:extLst>
           </p:cNvPr>
@@ -11043,7 +11043,7 @@
           <p:cNvPr id="14" name="矩形 13">
             <a:extLst>
               <a:ext uri="{FF2B5EF4-FFF2-40B4-BE49-F238E27FC236}">
-                <a16:creationId xmlns:a16="http://schemas.microsoft.com/office/drawing/2014/main" xmlns="" id="{F0EF030A-79DE-B64D-A509-6ECC7BE738DE}"/>
+                <a16:creationId xmlns="" xmlns:a16="http://schemas.microsoft.com/office/drawing/2014/main" id="{F0EF030A-79DE-B64D-A509-6ECC7BE738DE}"/>
               </a:ext>
             </a:extLst>
           </p:cNvPr>
@@ -11091,7 +11091,7 @@
           <p:cNvPr id="15" name="矩形 14">
             <a:extLst>
               <a:ext uri="{FF2B5EF4-FFF2-40B4-BE49-F238E27FC236}">
-                <a16:creationId xmlns:a16="http://schemas.microsoft.com/office/drawing/2014/main" xmlns="" id="{F3E5F92F-E9C2-7C45-8671-F16256EE76D3}"/>
+                <a16:creationId xmlns="" xmlns:a16="http://schemas.microsoft.com/office/drawing/2014/main" id="{F3E5F92F-E9C2-7C45-8671-F16256EE76D3}"/>
               </a:ext>
             </a:extLst>
           </p:cNvPr>
@@ -11137,7 +11137,7 @@
           <p:cNvPr id="16" name="矩形 15">
             <a:extLst>
               <a:ext uri="{FF2B5EF4-FFF2-40B4-BE49-F238E27FC236}">
-                <a16:creationId xmlns:a16="http://schemas.microsoft.com/office/drawing/2014/main" xmlns="" id="{741F1151-B732-A149-A3A0-9570C9EF8329}"/>
+                <a16:creationId xmlns="" xmlns:a16="http://schemas.microsoft.com/office/drawing/2014/main" id="{741F1151-B732-A149-A3A0-9570C9EF8329}"/>
               </a:ext>
             </a:extLst>
           </p:cNvPr>
@@ -11185,7 +11185,7 @@
           <p:cNvPr id="17" name="矩形 16">
             <a:extLst>
               <a:ext uri="{FF2B5EF4-FFF2-40B4-BE49-F238E27FC236}">
-                <a16:creationId xmlns:a16="http://schemas.microsoft.com/office/drawing/2014/main" xmlns="" id="{F7FF4DA2-F64B-A74D-BCB8-5A8395B98315}"/>
+                <a16:creationId xmlns="" xmlns:a16="http://schemas.microsoft.com/office/drawing/2014/main" id="{F7FF4DA2-F64B-A74D-BCB8-5A8395B98315}"/>
               </a:ext>
             </a:extLst>
           </p:cNvPr>
@@ -11233,7 +11233,7 @@
           <p:cNvPr id="18" name="矩形 17">
             <a:extLst>
               <a:ext uri="{FF2B5EF4-FFF2-40B4-BE49-F238E27FC236}">
-                <a16:creationId xmlns:a16="http://schemas.microsoft.com/office/drawing/2014/main" xmlns="" id="{09E29AD8-5509-5B44-9539-95248F49BF82}"/>
+                <a16:creationId xmlns="" xmlns:a16="http://schemas.microsoft.com/office/drawing/2014/main" id="{09E29AD8-5509-5B44-9539-95248F49BF82}"/>
               </a:ext>
             </a:extLst>
           </p:cNvPr>
@@ -11279,7 +11279,7 @@
           <p:cNvPr id="19" name="矩形 18">
             <a:extLst>
               <a:ext uri="{FF2B5EF4-FFF2-40B4-BE49-F238E27FC236}">
-                <a16:creationId xmlns:a16="http://schemas.microsoft.com/office/drawing/2014/main" xmlns="" id="{6523B377-33A0-0F49-A5BF-5338157BBE09}"/>
+                <a16:creationId xmlns="" xmlns:a16="http://schemas.microsoft.com/office/drawing/2014/main" id="{6523B377-33A0-0F49-A5BF-5338157BBE09}"/>
               </a:ext>
             </a:extLst>
           </p:cNvPr>
@@ -11327,7 +11327,7 @@
           <p:cNvPr id="20" name="矩形 19">
             <a:extLst>
               <a:ext uri="{FF2B5EF4-FFF2-40B4-BE49-F238E27FC236}">
-                <a16:creationId xmlns:a16="http://schemas.microsoft.com/office/drawing/2014/main" xmlns="" id="{A77D0982-3F32-0E41-A364-B5E24518129C}"/>
+                <a16:creationId xmlns="" xmlns:a16="http://schemas.microsoft.com/office/drawing/2014/main" id="{A77D0982-3F32-0E41-A364-B5E24518129C}"/>
               </a:ext>
             </a:extLst>
           </p:cNvPr>
@@ -11375,7 +11375,7 @@
           <p:cNvPr id="23" name="直線箭頭接點 22">
             <a:extLst>
               <a:ext uri="{FF2B5EF4-FFF2-40B4-BE49-F238E27FC236}">
-                <a16:creationId xmlns:a16="http://schemas.microsoft.com/office/drawing/2014/main" xmlns="" id="{4B310916-6054-5644-AEDE-5A0A5FB5884A}"/>
+                <a16:creationId xmlns="" xmlns:a16="http://schemas.microsoft.com/office/drawing/2014/main" id="{4B310916-6054-5644-AEDE-5A0A5FB5884A}"/>
               </a:ext>
             </a:extLst>
           </p:cNvPr>
@@ -11454,7 +11454,7 @@
           <p:cNvPr id="2" name="矩形 1">
             <a:extLst>
               <a:ext uri="{FF2B5EF4-FFF2-40B4-BE49-F238E27FC236}">
-                <a16:creationId xmlns:a16="http://schemas.microsoft.com/office/drawing/2014/main" xmlns="" id="{3333882F-B381-5A41-9CA5-D1541ADC4406}"/>
+                <a16:creationId xmlns="" xmlns:a16="http://schemas.microsoft.com/office/drawing/2014/main" id="{3333882F-B381-5A41-9CA5-D1541ADC4406}"/>
               </a:ext>
             </a:extLst>
           </p:cNvPr>
@@ -12212,7 +12212,7 @@
           <p:cNvPr id="3" name="標題 1">
             <a:extLst>
               <a:ext uri="{FF2B5EF4-FFF2-40B4-BE49-F238E27FC236}">
-                <a16:creationId xmlns:a16="http://schemas.microsoft.com/office/drawing/2014/main" xmlns="" id="{207F22D1-A870-E444-BDAC-5CF5E258B61B}"/>
+                <a16:creationId xmlns="" xmlns:a16="http://schemas.microsoft.com/office/drawing/2014/main" id="{207F22D1-A870-E444-BDAC-5CF5E258B61B}"/>
               </a:ext>
             </a:extLst>
           </p:cNvPr>
@@ -12343,7 +12343,7 @@
           <p:cNvPr id="2" name="標題 1">
             <a:extLst>
               <a:ext uri="{FF2B5EF4-FFF2-40B4-BE49-F238E27FC236}">
-                <a16:creationId xmlns:a16="http://schemas.microsoft.com/office/drawing/2014/main" xmlns="" id="{E79C5F1B-4111-B34F-847E-75DCA5C284FD}"/>
+                <a16:creationId xmlns="" xmlns:a16="http://schemas.microsoft.com/office/drawing/2014/main" id="{E79C5F1B-4111-B34F-847E-75DCA5C284FD}"/>
               </a:ext>
             </a:extLst>
           </p:cNvPr>
@@ -12456,7 +12456,7 @@
           <p:cNvPr id="3" name="矩形 2">
             <a:extLst>
               <a:ext uri="{FF2B5EF4-FFF2-40B4-BE49-F238E27FC236}">
-                <a16:creationId xmlns:a16="http://schemas.microsoft.com/office/drawing/2014/main" xmlns="" id="{C1DC05E2-98B3-1B4A-A78F-CF4B51BFDFBB}"/>
+                <a16:creationId xmlns="" xmlns:a16="http://schemas.microsoft.com/office/drawing/2014/main" id="{C1DC05E2-98B3-1B4A-A78F-CF4B51BFDFBB}"/>
               </a:ext>
             </a:extLst>
           </p:cNvPr>
@@ -12737,7 +12737,7 @@
           <p:cNvPr id="5" name="矩形 4">
             <a:extLst>
               <a:ext uri="{FF2B5EF4-FFF2-40B4-BE49-F238E27FC236}">
-                <a16:creationId xmlns:a16="http://schemas.microsoft.com/office/drawing/2014/main" xmlns="" id="{6635FDE9-2CF8-AE4A-A10A-2FAF84E02666}"/>
+                <a16:creationId xmlns="" xmlns:a16="http://schemas.microsoft.com/office/drawing/2014/main" id="{6635FDE9-2CF8-AE4A-A10A-2FAF84E02666}"/>
               </a:ext>
             </a:extLst>
           </p:cNvPr>
@@ -13010,7 +13010,7 @@
           <p:cNvPr id="9" name="直線接點 8">
             <a:extLst>
               <a:ext uri="{FF2B5EF4-FFF2-40B4-BE49-F238E27FC236}">
-                <a16:creationId xmlns:a16="http://schemas.microsoft.com/office/drawing/2014/main" xmlns="" id="{663E15BC-D355-DD49-ACAF-CD4696C742F0}"/>
+                <a16:creationId xmlns="" xmlns:a16="http://schemas.microsoft.com/office/drawing/2014/main" id="{663E15BC-D355-DD49-ACAF-CD4696C742F0}"/>
               </a:ext>
             </a:extLst>
           </p:cNvPr>
@@ -13047,7 +13047,7 @@
           <p:cNvPr id="10" name="直線接點 9">
             <a:extLst>
               <a:ext uri="{FF2B5EF4-FFF2-40B4-BE49-F238E27FC236}">
-                <a16:creationId xmlns:a16="http://schemas.microsoft.com/office/drawing/2014/main" xmlns="" id="{26E1520E-4942-514E-ABF2-B5D783EA90BB}"/>
+                <a16:creationId xmlns="" xmlns:a16="http://schemas.microsoft.com/office/drawing/2014/main" id="{26E1520E-4942-514E-ABF2-B5D783EA90BB}"/>
               </a:ext>
             </a:extLst>
           </p:cNvPr>
@@ -13086,7 +13086,7 @@
           <p:cNvPr id="15" name="直線箭頭接點 14">
             <a:extLst>
               <a:ext uri="{FF2B5EF4-FFF2-40B4-BE49-F238E27FC236}">
-                <a16:creationId xmlns:a16="http://schemas.microsoft.com/office/drawing/2014/main" xmlns="" id="{F4F14853-2EE5-C449-8BB5-0057F3418639}"/>
+                <a16:creationId xmlns="" xmlns:a16="http://schemas.microsoft.com/office/drawing/2014/main" id="{F4F14853-2EE5-C449-8BB5-0057F3418639}"/>
               </a:ext>
             </a:extLst>
           </p:cNvPr>
@@ -13125,7 +13125,7 @@
           <p:cNvPr id="16" name="直線接點 15">
             <a:extLst>
               <a:ext uri="{FF2B5EF4-FFF2-40B4-BE49-F238E27FC236}">
-                <a16:creationId xmlns:a16="http://schemas.microsoft.com/office/drawing/2014/main" xmlns="" id="{84CF1E2F-9A79-314C-8B15-D40532D9DB4B}"/>
+                <a16:creationId xmlns="" xmlns:a16="http://schemas.microsoft.com/office/drawing/2014/main" id="{84CF1E2F-9A79-314C-8B15-D40532D9DB4B}"/>
               </a:ext>
             </a:extLst>
           </p:cNvPr>
@@ -13170,7 +13170,7 @@
           <p:cNvPr id="18" name="直線接點 17">
             <a:extLst>
               <a:ext uri="{FF2B5EF4-FFF2-40B4-BE49-F238E27FC236}">
-                <a16:creationId xmlns:a16="http://schemas.microsoft.com/office/drawing/2014/main" xmlns="" id="{A526251F-213A-7C4D-8230-FD109843D69A}"/>
+                <a16:creationId xmlns="" xmlns:a16="http://schemas.microsoft.com/office/drawing/2014/main" id="{A526251F-213A-7C4D-8230-FD109843D69A}"/>
               </a:ext>
             </a:extLst>
           </p:cNvPr>
@@ -13215,7 +13215,7 @@
           <p:cNvPr id="20" name="直線箭頭接點 19">
             <a:extLst>
               <a:ext uri="{FF2B5EF4-FFF2-40B4-BE49-F238E27FC236}">
-                <a16:creationId xmlns:a16="http://schemas.microsoft.com/office/drawing/2014/main" xmlns="" id="{B3AD4B63-8EC0-894D-8FF2-753983E11F3B}"/>
+                <a16:creationId xmlns="" xmlns:a16="http://schemas.microsoft.com/office/drawing/2014/main" id="{B3AD4B63-8EC0-894D-8FF2-753983E11F3B}"/>
               </a:ext>
             </a:extLst>
           </p:cNvPr>

--- a/現代 JavaScript 職人之路｜ 中階篇.pptx
+++ b/現代 JavaScript 職人之路｜ 中階篇.pptx
@@ -24,38 +24,43 @@
     <p:sldId id="272" r:id="rId18"/>
     <p:sldId id="273" r:id="rId19"/>
     <p:sldId id="274" r:id="rId20"/>
-    <p:sldId id="275" r:id="rId21"/>
-    <p:sldId id="276" r:id="rId22"/>
-    <p:sldId id="277" r:id="rId23"/>
-    <p:sldId id="278" r:id="rId24"/>
+    <p:sldId id="277" r:id="rId21"/>
+    <p:sldId id="278" r:id="rId22"/>
+    <p:sldId id="275" r:id="rId23"/>
+    <p:sldId id="276" r:id="rId24"/>
     <p:sldId id="279" r:id="rId25"/>
-    <p:sldId id="280" r:id="rId26"/>
-    <p:sldId id="281" r:id="rId27"/>
-    <p:sldId id="282" r:id="rId28"/>
-    <p:sldId id="284" r:id="rId29"/>
-    <p:sldId id="285" r:id="rId30"/>
-    <p:sldId id="283" r:id="rId31"/>
-    <p:sldId id="286" r:id="rId32"/>
-    <p:sldId id="287" r:id="rId33"/>
-    <p:sldId id="288" r:id="rId34"/>
-    <p:sldId id="298" r:id="rId35"/>
-    <p:sldId id="289" r:id="rId36"/>
-    <p:sldId id="290" r:id="rId37"/>
-    <p:sldId id="291" r:id="rId38"/>
-    <p:sldId id="292" r:id="rId39"/>
-    <p:sldId id="293" r:id="rId40"/>
-    <p:sldId id="294" r:id="rId41"/>
-    <p:sldId id="297" r:id="rId42"/>
-    <p:sldId id="295" r:id="rId43"/>
-    <p:sldId id="299" r:id="rId44"/>
-    <p:sldId id="300" r:id="rId45"/>
-    <p:sldId id="305" r:id="rId46"/>
-    <p:sldId id="301" r:id="rId47"/>
-    <p:sldId id="302" r:id="rId48"/>
-    <p:sldId id="303" r:id="rId49"/>
-    <p:sldId id="304" r:id="rId50"/>
-    <p:sldId id="306" r:id="rId51"/>
-    <p:sldId id="296" r:id="rId52"/>
+    <p:sldId id="307" r:id="rId26"/>
+    <p:sldId id="280" r:id="rId27"/>
+    <p:sldId id="281" r:id="rId28"/>
+    <p:sldId id="282" r:id="rId29"/>
+    <p:sldId id="284" r:id="rId30"/>
+    <p:sldId id="285" r:id="rId31"/>
+    <p:sldId id="283" r:id="rId32"/>
+    <p:sldId id="286" r:id="rId33"/>
+    <p:sldId id="287" r:id="rId34"/>
+    <p:sldId id="288" r:id="rId35"/>
+    <p:sldId id="298" r:id="rId36"/>
+    <p:sldId id="289" r:id="rId37"/>
+    <p:sldId id="290" r:id="rId38"/>
+    <p:sldId id="291" r:id="rId39"/>
+    <p:sldId id="292" r:id="rId40"/>
+    <p:sldId id="293" r:id="rId41"/>
+    <p:sldId id="294" r:id="rId42"/>
+    <p:sldId id="297" r:id="rId43"/>
+    <p:sldId id="295" r:id="rId44"/>
+    <p:sldId id="299" r:id="rId45"/>
+    <p:sldId id="308" r:id="rId46"/>
+    <p:sldId id="305" r:id="rId47"/>
+    <p:sldId id="301" r:id="rId48"/>
+    <p:sldId id="302" r:id="rId49"/>
+    <p:sldId id="300" r:id="rId50"/>
+    <p:sldId id="303" r:id="rId51"/>
+    <p:sldId id="304" r:id="rId52"/>
+    <p:sldId id="306" r:id="rId53"/>
+    <p:sldId id="309" r:id="rId54"/>
+    <p:sldId id="310" r:id="rId55"/>
+    <p:sldId id="311" r:id="rId56"/>
+    <p:sldId id="296" r:id="rId57"/>
   </p:sldIdLst>
   <p:sldSz cx="12192000" cy="6858000"/>
   <p:notesSz cx="6858000" cy="9144000"/>
@@ -155,69 +160,6 @@
     </a:lvl9pPr>
   </p:defaultTextStyle>
   <p:extLst>
-    <p:ext uri="{521415D9-36F7-43E2-AB2F-B90AF26B5E84}">
-      <p14:sectionLst xmlns:p14="http://schemas.microsoft.com/office/powerpoint/2010/main">
-        <p14:section name="預設章節" id="{8091AD03-37B9-4CE6-B8D8-1C6D73128A62}">
-          <p14:sldIdLst>
-            <p14:sldId id="256"/>
-            <p14:sldId id="257"/>
-            <p14:sldId id="258"/>
-            <p14:sldId id="259"/>
-            <p14:sldId id="260"/>
-            <p14:sldId id="261"/>
-            <p14:sldId id="262"/>
-            <p14:sldId id="263"/>
-            <p14:sldId id="264"/>
-            <p14:sldId id="265"/>
-            <p14:sldId id="266"/>
-            <p14:sldId id="267"/>
-            <p14:sldId id="269"/>
-            <p14:sldId id="268"/>
-            <p14:sldId id="270"/>
-            <p14:sldId id="271"/>
-            <p14:sldId id="272"/>
-            <p14:sldId id="273"/>
-            <p14:sldId id="274"/>
-            <p14:sldId id="275"/>
-            <p14:sldId id="276"/>
-            <p14:sldId id="277"/>
-            <p14:sldId id="278"/>
-            <p14:sldId id="279"/>
-            <p14:sldId id="280"/>
-            <p14:sldId id="281"/>
-            <p14:sldId id="282"/>
-          </p14:sldIdLst>
-        </p14:section>
-        <p14:section name="未命名的章節" id="{BE3F8DFF-6BBA-42B8-9164-2B09C881F0BA}">
-          <p14:sldIdLst>
-            <p14:sldId id="284"/>
-            <p14:sldId id="285"/>
-            <p14:sldId id="283"/>
-            <p14:sldId id="286"/>
-            <p14:sldId id="287"/>
-            <p14:sldId id="288"/>
-            <p14:sldId id="298"/>
-            <p14:sldId id="289"/>
-            <p14:sldId id="290"/>
-            <p14:sldId id="291"/>
-            <p14:sldId id="292"/>
-            <p14:sldId id="293"/>
-            <p14:sldId id="294"/>
-            <p14:sldId id="297"/>
-            <p14:sldId id="295"/>
-            <p14:sldId id="299"/>
-            <p14:sldId id="300"/>
-            <p14:sldId id="305"/>
-            <p14:sldId id="301"/>
-            <p14:sldId id="302"/>
-            <p14:sldId id="303"/>
-            <p14:sldId id="304"/>
-            <p14:sldId id="306"/>
-            <p14:sldId id="296"/>
-          </p14:sldIdLst>
-        </p14:section>
-      </p14:sectionLst>
-    </p:ext>
     <p:ext uri="{EFAFB233-063F-42B5-8137-9DF3F51BA10A}">
       <p15:sldGuideLst xmlns:p15="http://schemas.microsoft.com/office/powerpoint/2012/main"/>
     </p:ext>
@@ -354,7 +296,7 @@
           <a:p>
             <a:fld id="{952160C1-7EC0-47F7-AD8A-DCC1B5F0EDED}" type="datetimeFigureOut">
               <a:rPr lang="zh-TW" altLang="en-US" smtClean="0"/>
-              <a:t>2019/5/12</a:t>
+              <a:t>2019/6/15</a:t>
             </a:fld>
             <a:endParaRPr lang="zh-TW" altLang="en-US"/>
           </a:p>
@@ -522,7 +464,7 @@
           <a:p>
             <a:fld id="{952160C1-7EC0-47F7-AD8A-DCC1B5F0EDED}" type="datetimeFigureOut">
               <a:rPr lang="zh-TW" altLang="en-US" smtClean="0"/>
-              <a:t>2019/5/12</a:t>
+              <a:t>2019/6/15</a:t>
             </a:fld>
             <a:endParaRPr lang="zh-TW" altLang="en-US"/>
           </a:p>
@@ -700,7 +642,7 @@
           <a:p>
             <a:fld id="{952160C1-7EC0-47F7-AD8A-DCC1B5F0EDED}" type="datetimeFigureOut">
               <a:rPr lang="zh-TW" altLang="en-US" smtClean="0"/>
-              <a:t>2019/5/12</a:t>
+              <a:t>2019/6/15</a:t>
             </a:fld>
             <a:endParaRPr lang="zh-TW" altLang="en-US"/>
           </a:p>
@@ -868,7 +810,7 @@
           <a:p>
             <a:fld id="{952160C1-7EC0-47F7-AD8A-DCC1B5F0EDED}" type="datetimeFigureOut">
               <a:rPr lang="zh-TW" altLang="en-US" smtClean="0"/>
-              <a:t>2019/5/12</a:t>
+              <a:t>2019/6/15</a:t>
             </a:fld>
             <a:endParaRPr lang="zh-TW" altLang="en-US"/>
           </a:p>
@@ -1113,7 +1055,7 @@
           <a:p>
             <a:fld id="{952160C1-7EC0-47F7-AD8A-DCC1B5F0EDED}" type="datetimeFigureOut">
               <a:rPr lang="zh-TW" altLang="en-US" smtClean="0"/>
-              <a:t>2019/5/12</a:t>
+              <a:t>2019/6/15</a:t>
             </a:fld>
             <a:endParaRPr lang="zh-TW" altLang="en-US"/>
           </a:p>
@@ -1342,7 +1284,7 @@
           <a:p>
             <a:fld id="{952160C1-7EC0-47F7-AD8A-DCC1B5F0EDED}" type="datetimeFigureOut">
               <a:rPr lang="zh-TW" altLang="en-US" smtClean="0"/>
-              <a:t>2019/5/12</a:t>
+              <a:t>2019/6/15</a:t>
             </a:fld>
             <a:endParaRPr lang="zh-TW" altLang="en-US"/>
           </a:p>
@@ -1706,7 +1648,7 @@
           <a:p>
             <a:fld id="{952160C1-7EC0-47F7-AD8A-DCC1B5F0EDED}" type="datetimeFigureOut">
               <a:rPr lang="zh-TW" altLang="en-US" smtClean="0"/>
-              <a:t>2019/5/12</a:t>
+              <a:t>2019/6/15</a:t>
             </a:fld>
             <a:endParaRPr lang="zh-TW" altLang="en-US"/>
           </a:p>
@@ -1823,7 +1765,7 @@
           <a:p>
             <a:fld id="{952160C1-7EC0-47F7-AD8A-DCC1B5F0EDED}" type="datetimeFigureOut">
               <a:rPr lang="zh-TW" altLang="en-US" smtClean="0"/>
-              <a:t>2019/5/12</a:t>
+              <a:t>2019/6/15</a:t>
             </a:fld>
             <a:endParaRPr lang="zh-TW" altLang="en-US"/>
           </a:p>
@@ -1918,7 +1860,7 @@
           <a:p>
             <a:fld id="{952160C1-7EC0-47F7-AD8A-DCC1B5F0EDED}" type="datetimeFigureOut">
               <a:rPr lang="zh-TW" altLang="en-US" smtClean="0"/>
-              <a:t>2019/5/12</a:t>
+              <a:t>2019/6/15</a:t>
             </a:fld>
             <a:endParaRPr lang="zh-TW" altLang="en-US"/>
           </a:p>
@@ -2193,7 +2135,7 @@
           <a:p>
             <a:fld id="{952160C1-7EC0-47F7-AD8A-DCC1B5F0EDED}" type="datetimeFigureOut">
               <a:rPr lang="zh-TW" altLang="en-US" smtClean="0"/>
-              <a:t>2019/5/12</a:t>
+              <a:t>2019/6/15</a:t>
             </a:fld>
             <a:endParaRPr lang="zh-TW" altLang="en-US"/>
           </a:p>
@@ -2445,7 +2387,7 @@
           <a:p>
             <a:fld id="{952160C1-7EC0-47F7-AD8A-DCC1B5F0EDED}" type="datetimeFigureOut">
               <a:rPr lang="zh-TW" altLang="en-US" smtClean="0"/>
-              <a:t>2019/5/12</a:t>
+              <a:t>2019/6/15</a:t>
             </a:fld>
             <a:endParaRPr lang="zh-TW" altLang="en-US"/>
           </a:p>
@@ -2659,7 +2601,7 @@
           <a:p>
             <a:fld id="{952160C1-7EC0-47F7-AD8A-DCC1B5F0EDED}" type="datetimeFigureOut">
               <a:rPr lang="zh-TW" altLang="en-US" smtClean="0"/>
-              <a:t>2019/5/12</a:t>
+              <a:t>2019/6/15</a:t>
             </a:fld>
             <a:endParaRPr lang="zh-TW" altLang="en-US"/>
           </a:p>
@@ -9091,6 +9033,384 @@
         </p:nvSpPr>
         <p:spPr>
           <a:xfrm>
+            <a:off x="1705083" y="2865548"/>
+            <a:ext cx="8215367" cy="1017588"/>
+          </a:xfrm>
+        </p:spPr>
+        <p:txBody>
+          <a:bodyPr>
+            <a:noAutofit/>
+          </a:bodyPr>
+          <a:lstStyle/>
+          <a:p>
+            <a:pPr algn="ctr"/>
+            <a:r>
+              <a:rPr lang="en-US" altLang="zh-TW" b="1" u="sng" dirty="0">
+                <a:solidFill>
+                  <a:srgbClr val="323230"/>
+                </a:solidFill>
+                <a:latin typeface="Microsoft YaHei UI" panose="020B0503020204020204" pitchFamily="34" charset="-122"/>
+                <a:ea typeface="Microsoft YaHei UI" panose="020B0503020204020204" pitchFamily="34" charset="-122"/>
+              </a:rPr>
+              <a:t># </a:t>
+            </a:r>
+            <a:r>
+              <a:rPr lang="zh-TW" altLang="en-US" b="1" u="sng" dirty="0">
+                <a:solidFill>
+                  <a:srgbClr val="323230"/>
+                </a:solidFill>
+                <a:latin typeface="Microsoft YaHei UI" panose="020B0503020204020204" pitchFamily="34" charset="-122"/>
+                <a:ea typeface="Microsoft YaHei UI" panose="020B0503020204020204" pitchFamily="34" charset="-122"/>
+              </a:rPr>
+              <a:t>前後端分離</a:t>
+            </a:r>
+          </a:p>
+        </p:txBody>
+      </p:sp>
+      <p:sp>
+        <p:nvSpPr>
+          <p:cNvPr id="5" name="標題 1"/>
+          <p:cNvSpPr txBox="1">
+            <a:spLocks/>
+          </p:cNvSpPr>
+          <p:nvPr/>
+        </p:nvSpPr>
+        <p:spPr>
+          <a:xfrm>
+            <a:off x="1828908" y="3883136"/>
+            <a:ext cx="8215367" cy="363427"/>
+          </a:xfrm>
+          <a:prstGeom prst="rect">
+            <a:avLst/>
+          </a:prstGeom>
+        </p:spPr>
+        <p:txBody>
+          <a:bodyPr vert="horz" lIns="91440" tIns="45720" rIns="91440" bIns="45720" rtlCol="0" anchor="ctr">
+            <a:noAutofit/>
+          </a:bodyPr>
+          <a:lstStyle>
+            <a:lvl1pPr algn="l" defTabSz="914400" rtl="0" eaLnBrk="1" latinLnBrk="0" hangingPunct="1">
+              <a:lnSpc>
+                <a:spcPct val="90000"/>
+              </a:lnSpc>
+              <a:spcBef>
+                <a:spcPct val="0"/>
+              </a:spcBef>
+              <a:buNone/>
+              <a:defRPr sz="4400" kern="1200">
+                <a:solidFill>
+                  <a:schemeClr val="tx1"/>
+                </a:solidFill>
+                <a:latin typeface="+mj-lt"/>
+                <a:ea typeface="+mj-ea"/>
+                <a:cs typeface="+mj-cs"/>
+              </a:defRPr>
+            </a:lvl1pPr>
+          </a:lstStyle>
+          <a:p>
+            <a:pPr algn="ctr"/>
+            <a:r>
+              <a:rPr lang="en-US" altLang="zh-TW" sz="1400" b="1" u="sng" dirty="0">
+                <a:solidFill>
+                  <a:srgbClr val="323230"/>
+                </a:solidFill>
+                <a:latin typeface="Microsoft YaHei UI" panose="020B0503020204020204" pitchFamily="34" charset="-122"/>
+                <a:ea typeface="Microsoft YaHei UI" panose="020B0503020204020204" pitchFamily="34" charset="-122"/>
+                <a:hlinkClick r:id="rId2"/>
+              </a:rPr>
+              <a:t>https://speakerdeck.com/mike1208/xian-dai-qian-duan-kai-fa-qian-hou-duan-fen-li</a:t>
+            </a:r>
+            <a:endParaRPr lang="zh-TW" altLang="en-US" sz="1400" b="1" u="sng" dirty="0">
+              <a:solidFill>
+                <a:srgbClr val="323230"/>
+              </a:solidFill>
+              <a:latin typeface="Microsoft YaHei UI" panose="020B0503020204020204" pitchFamily="34" charset="-122"/>
+              <a:ea typeface="Microsoft YaHei UI" panose="020B0503020204020204" pitchFamily="34" charset="-122"/>
+            </a:endParaRPr>
+          </a:p>
+        </p:txBody>
+      </p:sp>
+    </p:spTree>
+    <p:extLst>
+      <p:ext uri="{BB962C8B-B14F-4D97-AF65-F5344CB8AC3E}">
+        <p14:creationId xmlns:p14="http://schemas.microsoft.com/office/powerpoint/2010/main" val="4290314496"/>
+      </p:ext>
+    </p:extLst>
+  </p:cSld>
+  <p:clrMapOvr>
+    <a:masterClrMapping/>
+  </p:clrMapOvr>
+</p:sld>
+</file>
+
+<file path=ppt/slides/slide21.xml><?xml version="1.0" encoding="utf-8"?>
+<p:sld xmlns:a="http://schemas.openxmlformats.org/drawingml/2006/main" xmlns:r="http://schemas.openxmlformats.org/officeDocument/2006/relationships" xmlns:p="http://schemas.openxmlformats.org/presentationml/2006/main">
+  <p:cSld>
+    <p:spTree>
+      <p:nvGrpSpPr>
+        <p:cNvPr id="1" name=""/>
+        <p:cNvGrpSpPr/>
+        <p:nvPr/>
+      </p:nvGrpSpPr>
+      <p:grpSpPr>
+        <a:xfrm>
+          <a:off x="0" y="0"/>
+          <a:ext cx="0" cy="0"/>
+          <a:chOff x="0" y="0"/>
+          <a:chExt cx="0" cy="0"/>
+        </a:xfrm>
+      </p:grpSpPr>
+      <p:pic>
+        <p:nvPicPr>
+          <p:cNvPr id="7" name="圖片 6">
+            <a:extLst>
+              <a:ext uri="{FF2B5EF4-FFF2-40B4-BE49-F238E27FC236}">
+                <a16:creationId xmlns:a16="http://schemas.microsoft.com/office/drawing/2014/main" xmlns="" id="{FCB4471C-65FC-5F49-8514-4E5F2DA03E92}"/>
+              </a:ext>
+            </a:extLst>
+          </p:cNvPr>
+          <p:cNvPicPr>
+            <a:picLocks noChangeAspect="1"/>
+          </p:cNvPicPr>
+          <p:nvPr/>
+        </p:nvPicPr>
+        <p:blipFill>
+          <a:blip r:embed="rId2">
+            <a:extLst>
+              <a:ext uri="{28A0092B-C50C-407E-A947-70E740481C1C}">
+                <a14:useLocalDpi xmlns:a14="http://schemas.microsoft.com/office/drawing/2010/main" val="0"/>
+              </a:ext>
+            </a:extLst>
+          </a:blip>
+          <a:stretch>
+            <a:fillRect/>
+          </a:stretch>
+        </p:blipFill>
+        <p:spPr>
+          <a:xfrm>
+            <a:off x="1530993" y="1186720"/>
+            <a:ext cx="6392471" cy="3582049"/>
+          </a:xfrm>
+          <a:prstGeom prst="rect">
+            <a:avLst/>
+          </a:prstGeom>
+        </p:spPr>
+      </p:pic>
+      <p:sp>
+        <p:nvSpPr>
+          <p:cNvPr id="8" name="標題 1">
+            <a:extLst>
+              <a:ext uri="{FF2B5EF4-FFF2-40B4-BE49-F238E27FC236}">
+                <a16:creationId xmlns:a16="http://schemas.microsoft.com/office/drawing/2014/main" xmlns="" id="{7312BAB0-ED4E-B441-973A-7DD55EFD13E6}"/>
+              </a:ext>
+            </a:extLst>
+          </p:cNvPr>
+          <p:cNvSpPr>
+            <a:spLocks noGrp="1"/>
+          </p:cNvSpPr>
+          <p:nvPr>
+            <p:ph type="title"/>
+          </p:nvPr>
+        </p:nvSpPr>
+        <p:spPr>
+          <a:xfrm>
+            <a:off x="2837598" y="5104435"/>
+            <a:ext cx="3646025" cy="682906"/>
+          </a:xfrm>
+        </p:spPr>
+        <p:txBody>
+          <a:bodyPr>
+            <a:noAutofit/>
+          </a:bodyPr>
+          <a:lstStyle/>
+          <a:p>
+            <a:pPr algn="ctr"/>
+            <a:r>
+              <a:rPr lang="en-US" altLang="zh-TW" sz="3200" b="1" u="sng" dirty="0">
+                <a:solidFill>
+                  <a:srgbClr val="323230"/>
+                </a:solidFill>
+                <a:latin typeface="Microsoft YaHei UI" panose="020B0503020204020204" pitchFamily="34" charset="-122"/>
+                <a:ea typeface="Microsoft YaHei UI" panose="020B0503020204020204" pitchFamily="34" charset="-122"/>
+              </a:rPr>
+              <a:t># </a:t>
+            </a:r>
+            <a:r>
+              <a:rPr lang="zh-Hant" altLang="en-US" sz="3200" b="1" u="sng" dirty="0">
+                <a:solidFill>
+                  <a:srgbClr val="323230"/>
+                </a:solidFill>
+                <a:latin typeface="Microsoft YaHei UI" panose="020B0503020204020204" pitchFamily="34" charset="-122"/>
+                <a:ea typeface="Microsoft YaHei UI" panose="020B0503020204020204" pitchFamily="34" charset="-122"/>
+              </a:rPr>
+              <a:t>什麼是</a:t>
+            </a:r>
+            <a:r>
+              <a:rPr lang="en-US" altLang="zh-Hant" sz="3200" b="1" u="sng" dirty="0" err="1">
+                <a:solidFill>
+                  <a:srgbClr val="323230"/>
+                </a:solidFill>
+                <a:latin typeface="Microsoft YaHei UI" panose="020B0503020204020204" pitchFamily="34" charset="-122"/>
+                <a:ea typeface="Microsoft YaHei UI" panose="020B0503020204020204" pitchFamily="34" charset="-122"/>
+              </a:rPr>
+              <a:t>api</a:t>
+            </a:r>
+            <a:r>
+              <a:rPr lang="en-US" altLang="zh-Hant" sz="3200" b="1" u="sng" dirty="0">
+                <a:solidFill>
+                  <a:srgbClr val="323230"/>
+                </a:solidFill>
+                <a:latin typeface="Microsoft YaHei UI" panose="020B0503020204020204" pitchFamily="34" charset="-122"/>
+                <a:ea typeface="Microsoft YaHei UI" panose="020B0503020204020204" pitchFamily="34" charset="-122"/>
+              </a:rPr>
+              <a:t> ?</a:t>
+            </a:r>
+            <a:endParaRPr lang="zh-TW" altLang="en-US" sz="3200" b="1" u="sng" dirty="0">
+              <a:solidFill>
+                <a:srgbClr val="323230"/>
+              </a:solidFill>
+              <a:latin typeface="Microsoft YaHei UI" panose="020B0503020204020204" pitchFamily="34" charset="-122"/>
+              <a:ea typeface="Microsoft YaHei UI" panose="020B0503020204020204" pitchFamily="34" charset="-122"/>
+            </a:endParaRPr>
+          </a:p>
+        </p:txBody>
+      </p:sp>
+      <p:sp>
+        <p:nvSpPr>
+          <p:cNvPr id="10" name="矩形 9">
+            <a:extLst>
+              <a:ext uri="{FF2B5EF4-FFF2-40B4-BE49-F238E27FC236}">
+                <a16:creationId xmlns:a16="http://schemas.microsoft.com/office/drawing/2014/main" xmlns="" id="{711EB9EB-24D0-9241-AD5B-CA5B1D79376A}"/>
+              </a:ext>
+            </a:extLst>
+          </p:cNvPr>
+          <p:cNvSpPr/>
+          <p:nvPr/>
+        </p:nvSpPr>
+        <p:spPr>
+          <a:xfrm>
+            <a:off x="3179629" y="5770341"/>
+            <a:ext cx="2961965" cy="369332"/>
+          </a:xfrm>
+          <a:prstGeom prst="rect">
+            <a:avLst/>
+          </a:prstGeom>
+        </p:spPr>
+        <p:txBody>
+          <a:bodyPr wrap="none">
+            <a:spAutoFit/>
+          </a:bodyPr>
+          <a:lstStyle/>
+          <a:p>
+            <a:r>
+              <a:rPr lang="zh-TW" altLang="en-US" dirty="0">
+                <a:hlinkClick r:id="rId3"/>
+              </a:rPr>
+              <a:t>https://youtu.be/zvKadd9Cflc</a:t>
+            </a:r>
+            <a:endParaRPr lang="zh-TW" altLang="en-US" dirty="0"/>
+          </a:p>
+        </p:txBody>
+      </p:sp>
+      <p:sp>
+        <p:nvSpPr>
+          <p:cNvPr id="11" name="矩形 10">
+            <a:extLst>
+              <a:ext uri="{FF2B5EF4-FFF2-40B4-BE49-F238E27FC236}">
+                <a16:creationId xmlns:a16="http://schemas.microsoft.com/office/drawing/2014/main" xmlns="" id="{F703328C-F454-3342-B266-30FBD0602B3E}"/>
+              </a:ext>
+            </a:extLst>
+          </p:cNvPr>
+          <p:cNvSpPr/>
+          <p:nvPr/>
+        </p:nvSpPr>
+        <p:spPr>
+          <a:xfrm>
+            <a:off x="2002482" y="1340960"/>
+            <a:ext cx="5588389" cy="369332"/>
+          </a:xfrm>
+          <a:prstGeom prst="rect">
+            <a:avLst/>
+          </a:prstGeom>
+        </p:spPr>
+        <p:txBody>
+          <a:bodyPr wrap="none">
+            <a:spAutoFit/>
+          </a:bodyPr>
+          <a:lstStyle/>
+          <a:p>
+            <a:r>
+              <a:rPr lang="zh-TW" altLang="en-US" b="1" dirty="0">
+                <a:solidFill>
+                  <a:schemeClr val="bg1"/>
+                </a:solidFill>
+                <a:latin typeface="Microsoft JhengHei" panose="020B0604030504040204" pitchFamily="34" charset="-120"/>
+                <a:ea typeface="Microsoft JhengHei" panose="020B0604030504040204" pitchFamily="34" charset="-120"/>
+              </a:rPr>
+              <a:t>應用程式介面</a:t>
+            </a:r>
+            <a:r>
+              <a:rPr lang="en-US" altLang="zh-TW" b="1" dirty="0">
+                <a:solidFill>
+                  <a:schemeClr val="bg1"/>
+                </a:solidFill>
+                <a:latin typeface="Microsoft JhengHei" panose="020B0604030504040204" pitchFamily="34" charset="-120"/>
+                <a:ea typeface="Microsoft JhengHei" panose="020B0604030504040204" pitchFamily="34" charset="-120"/>
+              </a:rPr>
+              <a:t>  application programming interface</a:t>
+            </a:r>
+            <a:endParaRPr lang="zh-TW" altLang="en-US" b="1" dirty="0">
+              <a:solidFill>
+                <a:schemeClr val="bg1"/>
+              </a:solidFill>
+              <a:latin typeface="Microsoft JhengHei" panose="020B0604030504040204" pitchFamily="34" charset="-120"/>
+              <a:ea typeface="Microsoft JhengHei" panose="020B0604030504040204" pitchFamily="34" charset="-120"/>
+            </a:endParaRPr>
+          </a:p>
+        </p:txBody>
+      </p:sp>
+    </p:spTree>
+    <p:extLst>
+      <p:ext uri="{BB962C8B-B14F-4D97-AF65-F5344CB8AC3E}">
+        <p14:creationId xmlns:p14="http://schemas.microsoft.com/office/powerpoint/2010/main" val="989270293"/>
+      </p:ext>
+    </p:extLst>
+  </p:cSld>
+  <p:clrMapOvr>
+    <a:masterClrMapping/>
+  </p:clrMapOvr>
+</p:sld>
+</file>
+
+<file path=ppt/slides/slide22.xml><?xml version="1.0" encoding="utf-8"?>
+<p:sld xmlns:a="http://schemas.openxmlformats.org/drawingml/2006/main" xmlns:r="http://schemas.openxmlformats.org/officeDocument/2006/relationships" xmlns:p="http://schemas.openxmlformats.org/presentationml/2006/main">
+  <p:cSld>
+    <p:spTree>
+      <p:nvGrpSpPr>
+        <p:cNvPr id="1" name=""/>
+        <p:cNvGrpSpPr/>
+        <p:nvPr/>
+      </p:nvGrpSpPr>
+      <p:grpSpPr>
+        <a:xfrm>
+          <a:off x="0" y="0"/>
+          <a:ext cx="0" cy="0"/>
+          <a:chOff x="0" y="0"/>
+          <a:chExt cx="0" cy="0"/>
+        </a:xfrm>
+      </p:grpSpPr>
+      <p:sp>
+        <p:nvSpPr>
+          <p:cNvPr id="4" name="標題 1"/>
+          <p:cNvSpPr>
+            <a:spLocks noGrp="1"/>
+          </p:cNvSpPr>
+          <p:nvPr>
+            <p:ph type="title"/>
+          </p:nvPr>
+        </p:nvSpPr>
+        <p:spPr>
+          <a:xfrm>
             <a:off x="1116025" y="910973"/>
             <a:ext cx="4111733" cy="633083"/>
           </a:xfrm>
@@ -9346,7 +9666,7 @@
 </p:sld>
 </file>
 
-<file path=ppt/slides/slide21.xml><?xml version="1.0" encoding="utf-8"?>
+<file path=ppt/slides/slide23.xml><?xml version="1.0" encoding="utf-8"?>
 <p:sld xmlns:a="http://schemas.openxmlformats.org/drawingml/2006/main" xmlns:r="http://schemas.openxmlformats.org/officeDocument/2006/relationships" xmlns:p="http://schemas.openxmlformats.org/presentationml/2006/main">
   <p:cSld>
     <p:spTree>
@@ -9519,384 +9839,6 @@
 </p:sld>
 </file>
 
-<file path=ppt/slides/slide22.xml><?xml version="1.0" encoding="utf-8"?>
-<p:sld xmlns:a="http://schemas.openxmlformats.org/drawingml/2006/main" xmlns:r="http://schemas.openxmlformats.org/officeDocument/2006/relationships" xmlns:p="http://schemas.openxmlformats.org/presentationml/2006/main">
-  <p:cSld>
-    <p:spTree>
-      <p:nvGrpSpPr>
-        <p:cNvPr id="1" name=""/>
-        <p:cNvGrpSpPr/>
-        <p:nvPr/>
-      </p:nvGrpSpPr>
-      <p:grpSpPr>
-        <a:xfrm>
-          <a:off x="0" y="0"/>
-          <a:ext cx="0" cy="0"/>
-          <a:chOff x="0" y="0"/>
-          <a:chExt cx="0" cy="0"/>
-        </a:xfrm>
-      </p:grpSpPr>
-      <p:sp>
-        <p:nvSpPr>
-          <p:cNvPr id="4" name="標題 1"/>
-          <p:cNvSpPr>
-            <a:spLocks noGrp="1"/>
-          </p:cNvSpPr>
-          <p:nvPr>
-            <p:ph type="title"/>
-          </p:nvPr>
-        </p:nvSpPr>
-        <p:spPr>
-          <a:xfrm>
-            <a:off x="1705083" y="2865548"/>
-            <a:ext cx="8215367" cy="1017588"/>
-          </a:xfrm>
-        </p:spPr>
-        <p:txBody>
-          <a:bodyPr>
-            <a:noAutofit/>
-          </a:bodyPr>
-          <a:lstStyle/>
-          <a:p>
-            <a:pPr algn="ctr"/>
-            <a:r>
-              <a:rPr lang="en-US" altLang="zh-TW" b="1" u="sng" dirty="0">
-                <a:solidFill>
-                  <a:srgbClr val="323230"/>
-                </a:solidFill>
-                <a:latin typeface="Microsoft YaHei UI" panose="020B0503020204020204" pitchFamily="34" charset="-122"/>
-                <a:ea typeface="Microsoft YaHei UI" panose="020B0503020204020204" pitchFamily="34" charset="-122"/>
-              </a:rPr>
-              <a:t># </a:t>
-            </a:r>
-            <a:r>
-              <a:rPr lang="zh-TW" altLang="en-US" b="1" u="sng" dirty="0">
-                <a:solidFill>
-                  <a:srgbClr val="323230"/>
-                </a:solidFill>
-                <a:latin typeface="Microsoft YaHei UI" panose="020B0503020204020204" pitchFamily="34" charset="-122"/>
-                <a:ea typeface="Microsoft YaHei UI" panose="020B0503020204020204" pitchFamily="34" charset="-122"/>
-              </a:rPr>
-              <a:t>前後端分離</a:t>
-            </a:r>
-          </a:p>
-        </p:txBody>
-      </p:sp>
-      <p:sp>
-        <p:nvSpPr>
-          <p:cNvPr id="5" name="標題 1"/>
-          <p:cNvSpPr txBox="1">
-            <a:spLocks/>
-          </p:cNvSpPr>
-          <p:nvPr/>
-        </p:nvSpPr>
-        <p:spPr>
-          <a:xfrm>
-            <a:off x="1828908" y="3883136"/>
-            <a:ext cx="8215367" cy="363427"/>
-          </a:xfrm>
-          <a:prstGeom prst="rect">
-            <a:avLst/>
-          </a:prstGeom>
-        </p:spPr>
-        <p:txBody>
-          <a:bodyPr vert="horz" lIns="91440" tIns="45720" rIns="91440" bIns="45720" rtlCol="0" anchor="ctr">
-            <a:noAutofit/>
-          </a:bodyPr>
-          <a:lstStyle>
-            <a:lvl1pPr algn="l" defTabSz="914400" rtl="0" eaLnBrk="1" latinLnBrk="0" hangingPunct="1">
-              <a:lnSpc>
-                <a:spcPct val="90000"/>
-              </a:lnSpc>
-              <a:spcBef>
-                <a:spcPct val="0"/>
-              </a:spcBef>
-              <a:buNone/>
-              <a:defRPr sz="4400" kern="1200">
-                <a:solidFill>
-                  <a:schemeClr val="tx1"/>
-                </a:solidFill>
-                <a:latin typeface="+mj-lt"/>
-                <a:ea typeface="+mj-ea"/>
-                <a:cs typeface="+mj-cs"/>
-              </a:defRPr>
-            </a:lvl1pPr>
-          </a:lstStyle>
-          <a:p>
-            <a:pPr algn="ctr"/>
-            <a:r>
-              <a:rPr lang="en-US" altLang="zh-TW" sz="1400" b="1" u="sng" dirty="0">
-                <a:solidFill>
-                  <a:srgbClr val="323230"/>
-                </a:solidFill>
-                <a:latin typeface="Microsoft YaHei UI" panose="020B0503020204020204" pitchFamily="34" charset="-122"/>
-                <a:ea typeface="Microsoft YaHei UI" panose="020B0503020204020204" pitchFamily="34" charset="-122"/>
-                <a:hlinkClick r:id="rId2"/>
-              </a:rPr>
-              <a:t>https://speakerdeck.com/mike1208/xian-dai-qian-duan-kai-fa-qian-hou-duan-fen-li</a:t>
-            </a:r>
-            <a:endParaRPr lang="zh-TW" altLang="en-US" sz="1400" b="1" u="sng" dirty="0">
-              <a:solidFill>
-                <a:srgbClr val="323230"/>
-              </a:solidFill>
-              <a:latin typeface="Microsoft YaHei UI" panose="020B0503020204020204" pitchFamily="34" charset="-122"/>
-              <a:ea typeface="Microsoft YaHei UI" panose="020B0503020204020204" pitchFamily="34" charset="-122"/>
-            </a:endParaRPr>
-          </a:p>
-        </p:txBody>
-      </p:sp>
-    </p:spTree>
-    <p:extLst>
-      <p:ext uri="{BB962C8B-B14F-4D97-AF65-F5344CB8AC3E}">
-        <p14:creationId xmlns:p14="http://schemas.microsoft.com/office/powerpoint/2010/main" val="4290314496"/>
-      </p:ext>
-    </p:extLst>
-  </p:cSld>
-  <p:clrMapOvr>
-    <a:masterClrMapping/>
-  </p:clrMapOvr>
-</p:sld>
-</file>
-
-<file path=ppt/slides/slide23.xml><?xml version="1.0" encoding="utf-8"?>
-<p:sld xmlns:a="http://schemas.openxmlformats.org/drawingml/2006/main" xmlns:r="http://schemas.openxmlformats.org/officeDocument/2006/relationships" xmlns:p="http://schemas.openxmlformats.org/presentationml/2006/main">
-  <p:cSld>
-    <p:spTree>
-      <p:nvGrpSpPr>
-        <p:cNvPr id="1" name=""/>
-        <p:cNvGrpSpPr/>
-        <p:nvPr/>
-      </p:nvGrpSpPr>
-      <p:grpSpPr>
-        <a:xfrm>
-          <a:off x="0" y="0"/>
-          <a:ext cx="0" cy="0"/>
-          <a:chOff x="0" y="0"/>
-          <a:chExt cx="0" cy="0"/>
-        </a:xfrm>
-      </p:grpSpPr>
-      <p:pic>
-        <p:nvPicPr>
-          <p:cNvPr id="7" name="圖片 6">
-            <a:extLst>
-              <a:ext uri="{FF2B5EF4-FFF2-40B4-BE49-F238E27FC236}">
-                <a16:creationId xmlns="" xmlns:a16="http://schemas.microsoft.com/office/drawing/2014/main" id="{FCB4471C-65FC-5F49-8514-4E5F2DA03E92}"/>
-              </a:ext>
-            </a:extLst>
-          </p:cNvPr>
-          <p:cNvPicPr>
-            <a:picLocks noChangeAspect="1"/>
-          </p:cNvPicPr>
-          <p:nvPr/>
-        </p:nvPicPr>
-        <p:blipFill>
-          <a:blip r:embed="rId2">
-            <a:extLst>
-              <a:ext uri="{28A0092B-C50C-407E-A947-70E740481C1C}">
-                <a14:useLocalDpi xmlns:a14="http://schemas.microsoft.com/office/drawing/2010/main" val="0"/>
-              </a:ext>
-            </a:extLst>
-          </a:blip>
-          <a:stretch>
-            <a:fillRect/>
-          </a:stretch>
-        </p:blipFill>
-        <p:spPr>
-          <a:xfrm>
-            <a:off x="1530993" y="1186720"/>
-            <a:ext cx="6392471" cy="3582049"/>
-          </a:xfrm>
-          <a:prstGeom prst="rect">
-            <a:avLst/>
-          </a:prstGeom>
-        </p:spPr>
-      </p:pic>
-      <p:sp>
-        <p:nvSpPr>
-          <p:cNvPr id="8" name="標題 1">
-            <a:extLst>
-              <a:ext uri="{FF2B5EF4-FFF2-40B4-BE49-F238E27FC236}">
-                <a16:creationId xmlns="" xmlns:a16="http://schemas.microsoft.com/office/drawing/2014/main" id="{7312BAB0-ED4E-B441-973A-7DD55EFD13E6}"/>
-              </a:ext>
-            </a:extLst>
-          </p:cNvPr>
-          <p:cNvSpPr>
-            <a:spLocks noGrp="1"/>
-          </p:cNvSpPr>
-          <p:nvPr>
-            <p:ph type="title"/>
-          </p:nvPr>
-        </p:nvSpPr>
-        <p:spPr>
-          <a:xfrm>
-            <a:off x="2837598" y="5104435"/>
-            <a:ext cx="3646025" cy="682906"/>
-          </a:xfrm>
-        </p:spPr>
-        <p:txBody>
-          <a:bodyPr>
-            <a:noAutofit/>
-          </a:bodyPr>
-          <a:lstStyle/>
-          <a:p>
-            <a:pPr algn="ctr"/>
-            <a:r>
-              <a:rPr lang="en-US" altLang="zh-TW" sz="3200" b="1" u="sng" dirty="0">
-                <a:solidFill>
-                  <a:srgbClr val="323230"/>
-                </a:solidFill>
-                <a:latin typeface="Microsoft YaHei UI" panose="020B0503020204020204" pitchFamily="34" charset="-122"/>
-                <a:ea typeface="Microsoft YaHei UI" panose="020B0503020204020204" pitchFamily="34" charset="-122"/>
-              </a:rPr>
-              <a:t># </a:t>
-            </a:r>
-            <a:r>
-              <a:rPr lang="zh-Hant" altLang="en-US" sz="3200" b="1" u="sng" dirty="0">
-                <a:solidFill>
-                  <a:srgbClr val="323230"/>
-                </a:solidFill>
-                <a:latin typeface="Microsoft YaHei UI" panose="020B0503020204020204" pitchFamily="34" charset="-122"/>
-                <a:ea typeface="Microsoft YaHei UI" panose="020B0503020204020204" pitchFamily="34" charset="-122"/>
-              </a:rPr>
-              <a:t>什麼是</a:t>
-            </a:r>
-            <a:r>
-              <a:rPr lang="en-US" altLang="zh-Hant" sz="3200" b="1" u="sng" dirty="0" err="1">
-                <a:solidFill>
-                  <a:srgbClr val="323230"/>
-                </a:solidFill>
-                <a:latin typeface="Microsoft YaHei UI" panose="020B0503020204020204" pitchFamily="34" charset="-122"/>
-                <a:ea typeface="Microsoft YaHei UI" panose="020B0503020204020204" pitchFamily="34" charset="-122"/>
-              </a:rPr>
-              <a:t>api</a:t>
-            </a:r>
-            <a:r>
-              <a:rPr lang="en-US" altLang="zh-Hant" sz="3200" b="1" u="sng" dirty="0">
-                <a:solidFill>
-                  <a:srgbClr val="323230"/>
-                </a:solidFill>
-                <a:latin typeface="Microsoft YaHei UI" panose="020B0503020204020204" pitchFamily="34" charset="-122"/>
-                <a:ea typeface="Microsoft YaHei UI" panose="020B0503020204020204" pitchFamily="34" charset="-122"/>
-              </a:rPr>
-              <a:t> ?</a:t>
-            </a:r>
-            <a:endParaRPr lang="zh-TW" altLang="en-US" sz="3200" b="1" u="sng" dirty="0">
-              <a:solidFill>
-                <a:srgbClr val="323230"/>
-              </a:solidFill>
-              <a:latin typeface="Microsoft YaHei UI" panose="020B0503020204020204" pitchFamily="34" charset="-122"/>
-              <a:ea typeface="Microsoft YaHei UI" panose="020B0503020204020204" pitchFamily="34" charset="-122"/>
-            </a:endParaRPr>
-          </a:p>
-        </p:txBody>
-      </p:sp>
-      <p:sp>
-        <p:nvSpPr>
-          <p:cNvPr id="10" name="矩形 9">
-            <a:extLst>
-              <a:ext uri="{FF2B5EF4-FFF2-40B4-BE49-F238E27FC236}">
-                <a16:creationId xmlns="" xmlns:a16="http://schemas.microsoft.com/office/drawing/2014/main" id="{711EB9EB-24D0-9241-AD5B-CA5B1D79376A}"/>
-              </a:ext>
-            </a:extLst>
-          </p:cNvPr>
-          <p:cNvSpPr/>
-          <p:nvPr/>
-        </p:nvSpPr>
-        <p:spPr>
-          <a:xfrm>
-            <a:off x="3179629" y="5770341"/>
-            <a:ext cx="2961965" cy="369332"/>
-          </a:xfrm>
-          <a:prstGeom prst="rect">
-            <a:avLst/>
-          </a:prstGeom>
-        </p:spPr>
-        <p:txBody>
-          <a:bodyPr wrap="none">
-            <a:spAutoFit/>
-          </a:bodyPr>
-          <a:lstStyle/>
-          <a:p>
-            <a:r>
-              <a:rPr lang="zh-TW" altLang="en-US" dirty="0">
-                <a:hlinkClick r:id="rId3"/>
-              </a:rPr>
-              <a:t>https://youtu.be/zvKadd9Cflc</a:t>
-            </a:r>
-            <a:endParaRPr lang="zh-TW" altLang="en-US" dirty="0"/>
-          </a:p>
-        </p:txBody>
-      </p:sp>
-      <p:sp>
-        <p:nvSpPr>
-          <p:cNvPr id="11" name="矩形 10">
-            <a:extLst>
-              <a:ext uri="{FF2B5EF4-FFF2-40B4-BE49-F238E27FC236}">
-                <a16:creationId xmlns="" xmlns:a16="http://schemas.microsoft.com/office/drawing/2014/main" id="{F703328C-F454-3342-B266-30FBD0602B3E}"/>
-              </a:ext>
-            </a:extLst>
-          </p:cNvPr>
-          <p:cNvSpPr/>
-          <p:nvPr/>
-        </p:nvSpPr>
-        <p:spPr>
-          <a:xfrm>
-            <a:off x="2002482" y="1340960"/>
-            <a:ext cx="5588389" cy="369332"/>
-          </a:xfrm>
-          <a:prstGeom prst="rect">
-            <a:avLst/>
-          </a:prstGeom>
-        </p:spPr>
-        <p:txBody>
-          <a:bodyPr wrap="none">
-            <a:spAutoFit/>
-          </a:bodyPr>
-          <a:lstStyle/>
-          <a:p>
-            <a:r>
-              <a:rPr lang="zh-TW" altLang="en-US" b="1" dirty="0">
-                <a:solidFill>
-                  <a:schemeClr val="bg1"/>
-                </a:solidFill>
-                <a:latin typeface="Microsoft JhengHei" panose="020B0604030504040204" pitchFamily="34" charset="-120"/>
-                <a:ea typeface="Microsoft JhengHei" panose="020B0604030504040204" pitchFamily="34" charset="-120"/>
-              </a:rPr>
-              <a:t>應用程式介面</a:t>
-            </a:r>
-            <a:r>
-              <a:rPr lang="en-US" altLang="zh-TW" b="1" dirty="0">
-                <a:solidFill>
-                  <a:schemeClr val="bg1"/>
-                </a:solidFill>
-                <a:latin typeface="Microsoft JhengHei" panose="020B0604030504040204" pitchFamily="34" charset="-120"/>
-                <a:ea typeface="Microsoft JhengHei" panose="020B0604030504040204" pitchFamily="34" charset="-120"/>
-              </a:rPr>
-              <a:t>  application programming interface</a:t>
-            </a:r>
-            <a:endParaRPr lang="zh-TW" altLang="en-US" b="1" dirty="0">
-              <a:solidFill>
-                <a:schemeClr val="bg1"/>
-              </a:solidFill>
-              <a:latin typeface="Microsoft JhengHei" panose="020B0604030504040204" pitchFamily="34" charset="-120"/>
-              <a:ea typeface="Microsoft JhengHei" panose="020B0604030504040204" pitchFamily="34" charset="-120"/>
-            </a:endParaRPr>
-          </a:p>
-        </p:txBody>
-      </p:sp>
-    </p:spTree>
-    <p:extLst>
-      <p:ext uri="{BB962C8B-B14F-4D97-AF65-F5344CB8AC3E}">
-        <p14:creationId xmlns:p14="http://schemas.microsoft.com/office/powerpoint/2010/main" val="989270293"/>
-      </p:ext>
-    </p:extLst>
-  </p:cSld>
-  <p:clrMapOvr>
-    <a:masterClrMapping/>
-  </p:clrMapOvr>
-</p:sld>
-</file>
-
 <file path=ppt/slides/slide24.xml><?xml version="1.0" encoding="utf-8"?>
 <p:sld xmlns:a="http://schemas.openxmlformats.org/drawingml/2006/main" xmlns:r="http://schemas.openxmlformats.org/officeDocument/2006/relationships" xmlns:p="http://schemas.openxmlformats.org/presentationml/2006/main">
   <p:cSld>
@@ -9919,7 +9861,7 @@
           <p:cNvPr id="4" name="矩形 3">
             <a:extLst>
               <a:ext uri="{FF2B5EF4-FFF2-40B4-BE49-F238E27FC236}">
-                <a16:creationId xmlns="" xmlns:a16="http://schemas.microsoft.com/office/drawing/2014/main" id="{156707A3-68A3-2F4A-8CDA-2F9B2532D0B3}"/>
+                <a16:creationId xmlns:a16="http://schemas.microsoft.com/office/drawing/2014/main" xmlns="" id="{156707A3-68A3-2F4A-8CDA-2F9B2532D0B3}"/>
               </a:ext>
             </a:extLst>
           </p:cNvPr>
@@ -9987,7 +9929,7 @@
           <p:cNvPr id="6" name="矩形 5">
             <a:extLst>
               <a:ext uri="{FF2B5EF4-FFF2-40B4-BE49-F238E27FC236}">
-                <a16:creationId xmlns="" xmlns:a16="http://schemas.microsoft.com/office/drawing/2014/main" id="{FB465A35-CC98-3F40-8C26-B37236DA0162}"/>
+                <a16:creationId xmlns:a16="http://schemas.microsoft.com/office/drawing/2014/main" xmlns="" id="{FB465A35-CC98-3F40-8C26-B37236DA0162}"/>
               </a:ext>
             </a:extLst>
           </p:cNvPr>
@@ -10024,7 +9966,7 @@
           <p:cNvPr id="7" name="矩形 6">
             <a:extLst>
               <a:ext uri="{FF2B5EF4-FFF2-40B4-BE49-F238E27FC236}">
-                <a16:creationId xmlns="" xmlns:a16="http://schemas.microsoft.com/office/drawing/2014/main" id="{DD9E23DF-C692-2246-B23B-E8A7F74751A8}"/>
+                <a16:creationId xmlns:a16="http://schemas.microsoft.com/office/drawing/2014/main" xmlns="" id="{DD9E23DF-C692-2246-B23B-E8A7F74751A8}"/>
               </a:ext>
             </a:extLst>
           </p:cNvPr>
@@ -10086,7 +10028,7 @@
           <p:cNvPr id="8" name="矩形 7">
             <a:extLst>
               <a:ext uri="{FF2B5EF4-FFF2-40B4-BE49-F238E27FC236}">
-                <a16:creationId xmlns="" xmlns:a16="http://schemas.microsoft.com/office/drawing/2014/main" id="{46C433FA-9CCB-9C41-8561-B25FB97C3997}"/>
+                <a16:creationId xmlns:a16="http://schemas.microsoft.com/office/drawing/2014/main" xmlns="" id="{46C433FA-9CCB-9C41-8561-B25FB97C3997}"/>
               </a:ext>
             </a:extLst>
           </p:cNvPr>
@@ -10148,7 +10090,7 @@
           <p:cNvPr id="9" name="矩形 8">
             <a:extLst>
               <a:ext uri="{FF2B5EF4-FFF2-40B4-BE49-F238E27FC236}">
-                <a16:creationId xmlns="" xmlns:a16="http://schemas.microsoft.com/office/drawing/2014/main" id="{C34E9026-3B18-AE45-AC95-5441221D9DF1}"/>
+                <a16:creationId xmlns:a16="http://schemas.microsoft.com/office/drawing/2014/main" xmlns="" id="{C34E9026-3B18-AE45-AC95-5441221D9DF1}"/>
               </a:ext>
             </a:extLst>
           </p:cNvPr>
@@ -10210,7 +10152,7 @@
           <p:cNvPr id="10" name="矩形 9">
             <a:extLst>
               <a:ext uri="{FF2B5EF4-FFF2-40B4-BE49-F238E27FC236}">
-                <a16:creationId xmlns="" xmlns:a16="http://schemas.microsoft.com/office/drawing/2014/main" id="{25AFE21C-8976-EB41-9B39-4A8704E5273E}"/>
+                <a16:creationId xmlns:a16="http://schemas.microsoft.com/office/drawing/2014/main" xmlns="" id="{25AFE21C-8976-EB41-9B39-4A8704E5273E}"/>
               </a:ext>
             </a:extLst>
           </p:cNvPr>
@@ -10275,7 +10217,7 @@
           <p:cNvPr id="11" name="矩形 10">
             <a:extLst>
               <a:ext uri="{FF2B5EF4-FFF2-40B4-BE49-F238E27FC236}">
-                <a16:creationId xmlns="" xmlns:a16="http://schemas.microsoft.com/office/drawing/2014/main" id="{22FA0140-3918-9144-8FB9-1D42FD66FCC6}"/>
+                <a16:creationId xmlns:a16="http://schemas.microsoft.com/office/drawing/2014/main" xmlns="" id="{22FA0140-3918-9144-8FB9-1D42FD66FCC6}"/>
               </a:ext>
             </a:extLst>
           </p:cNvPr>
@@ -10404,7 +10346,7 @@
           <p:cNvPr id="12" name="矩形 11">
             <a:extLst>
               <a:ext uri="{FF2B5EF4-FFF2-40B4-BE49-F238E27FC236}">
-                <a16:creationId xmlns="" xmlns:a16="http://schemas.microsoft.com/office/drawing/2014/main" id="{237AA689-99FD-CB47-839A-1BF31D73EC93}"/>
+                <a16:creationId xmlns:a16="http://schemas.microsoft.com/office/drawing/2014/main" xmlns="" id="{237AA689-99FD-CB47-839A-1BF31D73EC93}"/>
               </a:ext>
             </a:extLst>
           </p:cNvPr>
@@ -10530,10 +10472,770 @@
       </p:grpSpPr>
       <p:sp>
         <p:nvSpPr>
+          <p:cNvPr id="4" name="矩形 3">
+            <a:extLst>
+              <a:ext uri="{FF2B5EF4-FFF2-40B4-BE49-F238E27FC236}">
+                <a16:creationId xmlns:a16="http://schemas.microsoft.com/office/drawing/2014/main" xmlns="" id="{156707A3-68A3-2F4A-8CDA-2F9B2532D0B3}"/>
+              </a:ext>
+            </a:extLst>
+          </p:cNvPr>
+          <p:cNvSpPr/>
+          <p:nvPr/>
+        </p:nvSpPr>
+        <p:spPr>
+          <a:xfrm>
+            <a:off x="828616" y="628458"/>
+            <a:ext cx="4426340" cy="584775"/>
+          </a:xfrm>
+          <a:prstGeom prst="rect">
+            <a:avLst/>
+          </a:prstGeom>
+        </p:spPr>
+        <p:txBody>
+          <a:bodyPr wrap="none">
+            <a:spAutoFit/>
+          </a:bodyPr>
+          <a:lstStyle/>
+          <a:p>
+            <a:r>
+              <a:rPr lang="en-US" altLang="zh-TW" sz="3200" b="1" u="sng" dirty="0">
+                <a:solidFill>
+                  <a:srgbClr val="000000"/>
+                </a:solidFill>
+                <a:latin typeface="Microsoft JhengHei" panose="020B0604030504040204" pitchFamily="34" charset="-120"/>
+                <a:ea typeface="Microsoft JhengHei" panose="020B0604030504040204" pitchFamily="34" charset="-120"/>
+              </a:rPr>
+              <a:t># </a:t>
+            </a:r>
+            <a:r>
+              <a:rPr lang="en-US" altLang="zh-TW" sz="3200" b="1" u="sng" dirty="0" err="1"/>
+              <a:t>instagram</a:t>
+            </a:r>
+            <a:r>
+              <a:rPr lang="en-US" altLang="zh-TW" sz="3200" b="1" u="sng" dirty="0"/>
+              <a:t> </a:t>
+            </a:r>
+            <a:r>
+              <a:rPr lang="en-US" altLang="zh-TW" sz="3200" b="1" u="sng" dirty="0" smtClean="0"/>
+              <a:t>hashtag API </a:t>
+            </a:r>
+            <a:endParaRPr lang="en-US" altLang="zh-TW" sz="3200" b="1" u="sng" dirty="0"/>
+          </a:p>
+        </p:txBody>
+      </p:sp>
+      <p:sp>
+        <p:nvSpPr>
+          <p:cNvPr id="5" name="矩形 4"/>
+          <p:cNvSpPr/>
+          <p:nvPr/>
+        </p:nvSpPr>
+        <p:spPr>
+          <a:xfrm>
+            <a:off x="2750125" y="1776343"/>
+            <a:ext cx="6481261" cy="400110"/>
+          </a:xfrm>
+          <a:prstGeom prst="rect">
+            <a:avLst/>
+          </a:prstGeom>
+        </p:spPr>
+        <p:txBody>
+          <a:bodyPr wrap="none">
+            <a:spAutoFit/>
+          </a:bodyPr>
+          <a:lstStyle/>
+          <a:p>
+            <a:r>
+              <a:rPr lang="en-US" altLang="zh-TW" sz="2000" b="1" dirty="0">
+                <a:solidFill>
+                  <a:schemeClr val="tx1">
+                    <a:lumMod val="95000"/>
+                    <a:lumOff val="5000"/>
+                  </a:schemeClr>
+                </a:solidFill>
+                <a:latin typeface="Consolas" panose="020B0609020204030204" pitchFamily="49" charset="0"/>
+              </a:rPr>
+              <a:t>https://www.instagram.com/explore/tags/{</a:t>
+            </a:r>
+            <a:r>
+              <a:rPr lang="zh-TW" altLang="en-US" sz="2000" b="1" dirty="0">
+                <a:solidFill>
+                  <a:schemeClr val="tx1">
+                    <a:lumMod val="95000"/>
+                    <a:lumOff val="5000"/>
+                  </a:schemeClr>
+                </a:solidFill>
+                <a:latin typeface="Consolas" panose="020B0609020204030204" pitchFamily="49" charset="0"/>
+              </a:rPr>
+              <a:t>標籤</a:t>
+            </a:r>
+            <a:r>
+              <a:rPr lang="en-US" altLang="zh-TW" sz="2000" b="1" dirty="0">
+                <a:solidFill>
+                  <a:schemeClr val="tx1">
+                    <a:lumMod val="95000"/>
+                    <a:lumOff val="5000"/>
+                  </a:schemeClr>
+                </a:solidFill>
+                <a:latin typeface="Consolas" panose="020B0609020204030204" pitchFamily="49" charset="0"/>
+              </a:rPr>
+              <a:t>}</a:t>
+            </a:r>
+            <a:endParaRPr lang="zh-TW" altLang="en-US" sz="2000" b="1" dirty="0">
+              <a:solidFill>
+                <a:schemeClr val="tx1">
+                  <a:lumMod val="95000"/>
+                  <a:lumOff val="5000"/>
+                </a:schemeClr>
+              </a:solidFill>
+              <a:effectLst/>
+              <a:latin typeface="Consolas" panose="020B0609020204030204" pitchFamily="49" charset="0"/>
+            </a:endParaRPr>
+          </a:p>
+        </p:txBody>
+      </p:sp>
+      <p:graphicFrame>
+        <p:nvGraphicFramePr>
+          <p:cNvPr id="8" name="表格 7"/>
+          <p:cNvGraphicFramePr>
+            <a:graphicFrameLocks noGrp="1"/>
+          </p:cNvGraphicFramePr>
+          <p:nvPr>
+            <p:extLst>
+              <p:ext uri="{D42A27DB-BD31-4B8C-83A1-F6EECF244321}">
+                <p14:modId xmlns:p14="http://schemas.microsoft.com/office/powerpoint/2010/main" val="3314018778"/>
+              </p:ext>
+            </p:extLst>
+          </p:nvPr>
+        </p:nvGraphicFramePr>
+        <p:xfrm>
+          <a:off x="1926755" y="2300671"/>
+          <a:ext cx="8127999" cy="1112520"/>
+        </p:xfrm>
+        <a:graphic>
+          <a:graphicData uri="http://schemas.openxmlformats.org/drawingml/2006/table">
+            <a:tbl>
+              <a:tblPr firstRow="1" bandRow="1">
+                <a:tableStyleId>{5C22544A-7EE6-4342-B048-85BDC9FD1C3A}</a:tableStyleId>
+              </a:tblPr>
+              <a:tblGrid>
+                <a:gridCol w="1872735"/>
+                <a:gridCol w="2356944"/>
+                <a:gridCol w="3898320"/>
+              </a:tblGrid>
+              <a:tr h="370840">
+                <a:tc>
+                  <a:txBody>
+                    <a:bodyPr/>
+                    <a:lstStyle/>
+                    <a:p>
+                      <a:r>
+                        <a:rPr lang="zh-TW" altLang="en-US" sz="1200" b="1" dirty="0" smtClean="0"/>
+                        <a:t>參數</a:t>
+                      </a:r>
+                      <a:endParaRPr lang="zh-TW" altLang="en-US" sz="1200" b="1" dirty="0"/>
+                    </a:p>
+                  </a:txBody>
+                  <a:tcPr/>
+                </a:tc>
+                <a:tc>
+                  <a:txBody>
+                    <a:bodyPr/>
+                    <a:lstStyle/>
+                    <a:p>
+                      <a:r>
+                        <a:rPr lang="zh-TW" altLang="en-US" sz="1200" b="1" dirty="0" smtClean="0"/>
+                        <a:t>值</a:t>
+                      </a:r>
+                      <a:endParaRPr lang="zh-TW" altLang="en-US" sz="1200" b="1" dirty="0"/>
+                    </a:p>
+                  </a:txBody>
+                  <a:tcPr/>
+                </a:tc>
+                <a:tc>
+                  <a:txBody>
+                    <a:bodyPr/>
+                    <a:lstStyle/>
+                    <a:p>
+                      <a:r>
+                        <a:rPr lang="zh-TW" altLang="en-US" sz="1200" b="1" dirty="0" smtClean="0"/>
+                        <a:t>說明</a:t>
+                      </a:r>
+                      <a:endParaRPr lang="zh-TW" altLang="en-US" sz="1200" b="1" dirty="0"/>
+                    </a:p>
+                  </a:txBody>
+                  <a:tcPr/>
+                </a:tc>
+              </a:tr>
+              <a:tr h="370840">
+                <a:tc>
+                  <a:txBody>
+                    <a:bodyPr/>
+                    <a:lstStyle/>
+                    <a:p>
+                      <a:pPr marL="0" marR="0" indent="0" algn="l" defTabSz="914400" rtl="0" eaLnBrk="1" fontAlgn="auto" latinLnBrk="0" hangingPunct="1">
+                        <a:lnSpc>
+                          <a:spcPct val="100000"/>
+                        </a:lnSpc>
+                        <a:spcBef>
+                          <a:spcPts val="0"/>
+                        </a:spcBef>
+                        <a:spcAft>
+                          <a:spcPts val="0"/>
+                        </a:spcAft>
+                        <a:buClrTx/>
+                        <a:buSzTx/>
+                        <a:buFontTx/>
+                        <a:buNone/>
+                        <a:tabLst/>
+                        <a:defRPr/>
+                      </a:pPr>
+                      <a:r>
+                        <a:rPr lang="en-US" altLang="zh-TW" sz="1200" b="1" kern="1200" dirty="0" smtClean="0">
+                          <a:solidFill>
+                            <a:schemeClr val="dk1"/>
+                          </a:solidFill>
+                          <a:effectLst/>
+                          <a:latin typeface="+mn-lt"/>
+                          <a:ea typeface="+mn-ea"/>
+                          <a:cs typeface="+mn-cs"/>
+                        </a:rPr>
+                        <a:t>__a</a:t>
+                      </a:r>
+                    </a:p>
+                  </a:txBody>
+                  <a:tcPr/>
+                </a:tc>
+                <a:tc>
+                  <a:txBody>
+                    <a:bodyPr/>
+                    <a:lstStyle/>
+                    <a:p>
+                      <a:r>
+                        <a:rPr lang="en-US" altLang="zh-TW" sz="1200" b="1" dirty="0" smtClean="0"/>
+                        <a:t>1</a:t>
+                      </a:r>
+                      <a:endParaRPr lang="zh-TW" altLang="en-US" sz="1200" b="1" dirty="0"/>
+                    </a:p>
+                  </a:txBody>
+                  <a:tcPr/>
+                </a:tc>
+                <a:tc>
+                  <a:txBody>
+                    <a:bodyPr/>
+                    <a:lstStyle/>
+                    <a:p>
+                      <a:r>
+                        <a:rPr lang="en-US" altLang="zh-TW" sz="1200" b="1" dirty="0" smtClean="0"/>
+                        <a:t>???</a:t>
+                      </a:r>
+                      <a:endParaRPr lang="zh-TW" altLang="en-US" sz="1200" b="1" dirty="0"/>
+                    </a:p>
+                  </a:txBody>
+                  <a:tcPr/>
+                </a:tc>
+              </a:tr>
+              <a:tr h="370840">
+                <a:tc>
+                  <a:txBody>
+                    <a:bodyPr/>
+                    <a:lstStyle/>
+                    <a:p>
+                      <a:pPr marL="0" marR="0" indent="0" algn="l" defTabSz="914400" rtl="0" eaLnBrk="1" fontAlgn="auto" latinLnBrk="0" hangingPunct="1">
+                        <a:lnSpc>
+                          <a:spcPct val="100000"/>
+                        </a:lnSpc>
+                        <a:spcBef>
+                          <a:spcPts val="0"/>
+                        </a:spcBef>
+                        <a:spcAft>
+                          <a:spcPts val="0"/>
+                        </a:spcAft>
+                        <a:buClrTx/>
+                        <a:buSzTx/>
+                        <a:buFontTx/>
+                        <a:buNone/>
+                        <a:tabLst/>
+                        <a:defRPr/>
+                      </a:pPr>
+                      <a:r>
+                        <a:rPr lang="en-US" altLang="zh-TW" sz="1200" b="1" kern="1200" dirty="0" err="1" smtClean="0">
+                          <a:solidFill>
+                            <a:schemeClr val="dk1"/>
+                          </a:solidFill>
+                          <a:effectLst/>
+                          <a:latin typeface="+mn-lt"/>
+                          <a:ea typeface="+mn-ea"/>
+                          <a:cs typeface="+mn-cs"/>
+                        </a:rPr>
+                        <a:t>max_id</a:t>
+                      </a:r>
+                      <a:endParaRPr lang="en-US" altLang="zh-TW" sz="1200" b="1" kern="1200" dirty="0" smtClean="0">
+                        <a:solidFill>
+                          <a:schemeClr val="dk1"/>
+                        </a:solidFill>
+                        <a:effectLst/>
+                        <a:latin typeface="+mn-lt"/>
+                        <a:ea typeface="+mn-ea"/>
+                        <a:cs typeface="+mn-cs"/>
+                      </a:endParaRPr>
+                    </a:p>
+                  </a:txBody>
+                  <a:tcPr/>
+                </a:tc>
+                <a:tc>
+                  <a:txBody>
+                    <a:bodyPr/>
+                    <a:lstStyle/>
+                    <a:p>
+                      <a:pPr marL="0" marR="0" indent="0" algn="l" defTabSz="914400" rtl="0" eaLnBrk="1" fontAlgn="auto" latinLnBrk="0" hangingPunct="1">
+                        <a:lnSpc>
+                          <a:spcPct val="100000"/>
+                        </a:lnSpc>
+                        <a:spcBef>
+                          <a:spcPts val="0"/>
+                        </a:spcBef>
+                        <a:spcAft>
+                          <a:spcPts val="0"/>
+                        </a:spcAft>
+                        <a:buClrTx/>
+                        <a:buSzTx/>
+                        <a:buFontTx/>
+                        <a:buNone/>
+                        <a:tabLst/>
+                        <a:defRPr/>
+                      </a:pPr>
+                      <a:r>
+                        <a:rPr lang="zh-TW" altLang="en-US" sz="1200" b="1" kern="1200" dirty="0" smtClean="0">
+                          <a:solidFill>
+                            <a:schemeClr val="dk1"/>
+                          </a:solidFill>
+                          <a:effectLst/>
+                          <a:latin typeface="+mn-lt"/>
+                          <a:ea typeface="+mn-ea"/>
+                          <a:cs typeface="+mn-cs"/>
+                        </a:rPr>
+                        <a:t>最後一頁的</a:t>
+                      </a:r>
+                      <a:r>
+                        <a:rPr lang="en-US" altLang="zh-TW" sz="1200" b="1" kern="1200" dirty="0" smtClean="0">
+                          <a:solidFill>
+                            <a:schemeClr val="dk1"/>
+                          </a:solidFill>
+                          <a:effectLst/>
+                          <a:latin typeface="+mn-lt"/>
+                          <a:ea typeface="+mn-ea"/>
+                          <a:cs typeface="+mn-cs"/>
+                        </a:rPr>
+                        <a:t>hash</a:t>
+                      </a:r>
+                    </a:p>
+                  </a:txBody>
+                  <a:tcPr/>
+                </a:tc>
+                <a:tc>
+                  <a:txBody>
+                    <a:bodyPr/>
+                    <a:lstStyle/>
+                    <a:p>
+                      <a:r>
+                        <a:rPr lang="zh-TW" altLang="en-US" sz="1200" b="1" dirty="0" smtClean="0"/>
+                        <a:t>當</a:t>
+                      </a:r>
+                      <a:r>
+                        <a:rPr lang="en-US" altLang="zh-TW" sz="1200" b="1" dirty="0" err="1" smtClean="0"/>
+                        <a:t>api</a:t>
+                      </a:r>
+                      <a:r>
+                        <a:rPr lang="zh-TW" altLang="en-US" sz="1200" b="1" dirty="0" smtClean="0"/>
+                        <a:t>出現最後一頁的欄位的時候需要加上去</a:t>
+                      </a:r>
+                      <a:endParaRPr lang="zh-TW" altLang="en-US" sz="1200" b="1" dirty="0"/>
+                    </a:p>
+                  </a:txBody>
+                  <a:tcPr/>
+                </a:tc>
+              </a:tr>
+            </a:tbl>
+          </a:graphicData>
+        </a:graphic>
+      </p:graphicFrame>
+      <p:graphicFrame>
+        <p:nvGraphicFramePr>
+          <p:cNvPr id="10" name="表格 9"/>
+          <p:cNvGraphicFramePr>
+            <a:graphicFrameLocks noGrp="1"/>
+          </p:cNvGraphicFramePr>
+          <p:nvPr>
+            <p:extLst>
+              <p:ext uri="{D42A27DB-BD31-4B8C-83A1-F6EECF244321}">
+                <p14:modId xmlns:p14="http://schemas.microsoft.com/office/powerpoint/2010/main" val="1180301953"/>
+              </p:ext>
+            </p:extLst>
+          </p:nvPr>
+        </p:nvGraphicFramePr>
+        <p:xfrm>
+          <a:off x="1926754" y="4500629"/>
+          <a:ext cx="8128000" cy="1435888"/>
+        </p:xfrm>
+        <a:graphic>
+          <a:graphicData uri="http://schemas.openxmlformats.org/drawingml/2006/table">
+            <a:tbl>
+              <a:tblPr firstRow="1" bandRow="1">
+                <a:tableStyleId>{5C22544A-7EE6-4342-B048-85BDC9FD1C3A}</a:tableStyleId>
+              </a:tblPr>
+              <a:tblGrid>
+                <a:gridCol w="3804012"/>
+                <a:gridCol w="4323988"/>
+              </a:tblGrid>
+              <a:tr h="323368">
+                <a:tc>
+                  <a:txBody>
+                    <a:bodyPr/>
+                    <a:lstStyle/>
+                    <a:p>
+                      <a:pPr marL="0" marR="0" indent="0" algn="l" defTabSz="914400" rtl="0" eaLnBrk="1" fontAlgn="auto" latinLnBrk="0" hangingPunct="1">
+                        <a:lnSpc>
+                          <a:spcPct val="100000"/>
+                        </a:lnSpc>
+                        <a:spcBef>
+                          <a:spcPts val="0"/>
+                        </a:spcBef>
+                        <a:spcAft>
+                          <a:spcPts val="0"/>
+                        </a:spcAft>
+                        <a:buClrTx/>
+                        <a:buSzTx/>
+                        <a:buFontTx/>
+                        <a:buNone/>
+                        <a:tabLst/>
+                        <a:defRPr/>
+                      </a:pPr>
+                      <a:r>
+                        <a:rPr lang="zh-TW" altLang="en-US" sz="1200" b="1" dirty="0" smtClean="0"/>
+                        <a:t>欄位</a:t>
+                      </a:r>
+                      <a:endParaRPr lang="en-US" altLang="zh-TW" sz="1200" b="1" kern="1200" dirty="0" smtClean="0">
+                        <a:solidFill>
+                          <a:schemeClr val="dk1"/>
+                        </a:solidFill>
+                        <a:effectLst/>
+                        <a:latin typeface="+mn-lt"/>
+                        <a:ea typeface="+mn-ea"/>
+                        <a:cs typeface="+mn-cs"/>
+                      </a:endParaRPr>
+                    </a:p>
+                  </a:txBody>
+                  <a:tcPr/>
+                </a:tc>
+                <a:tc>
+                  <a:txBody>
+                    <a:bodyPr/>
+                    <a:lstStyle/>
+                    <a:p>
+                      <a:r>
+                        <a:rPr lang="zh-TW" altLang="en-US" sz="1200" b="1" dirty="0" smtClean="0"/>
+                        <a:t>說明</a:t>
+                      </a:r>
+                      <a:endParaRPr lang="zh-TW" altLang="en-US" sz="1200" b="1" dirty="0"/>
+                    </a:p>
+                  </a:txBody>
+                  <a:tcPr/>
+                </a:tc>
+              </a:tr>
+              <a:tr h="370840">
+                <a:tc>
+                  <a:txBody>
+                    <a:bodyPr/>
+                    <a:lstStyle/>
+                    <a:p>
+                      <a:pPr marL="0" marR="0" indent="0" algn="l" defTabSz="914400" rtl="0" eaLnBrk="1" fontAlgn="auto" latinLnBrk="0" hangingPunct="1">
+                        <a:lnSpc>
+                          <a:spcPct val="100000"/>
+                        </a:lnSpc>
+                        <a:spcBef>
+                          <a:spcPts val="0"/>
+                        </a:spcBef>
+                        <a:spcAft>
+                          <a:spcPts val="0"/>
+                        </a:spcAft>
+                        <a:buClrTx/>
+                        <a:buSzTx/>
+                        <a:buFontTx/>
+                        <a:buNone/>
+                        <a:tabLst/>
+                        <a:defRPr/>
+                      </a:pPr>
+                      <a:r>
+                        <a:rPr lang="en-US" altLang="zh-TW" sz="1200" b="1" kern="1200" dirty="0" err="1" smtClean="0">
+                          <a:solidFill>
+                            <a:schemeClr val="dk1"/>
+                          </a:solidFill>
+                          <a:effectLst/>
+                          <a:latin typeface="+mn-lt"/>
+                          <a:ea typeface="+mn-ea"/>
+                          <a:cs typeface="+mn-cs"/>
+                        </a:rPr>
+                        <a:t>graphql.hashtag.edge_hashtag_to_media.page_info</a:t>
+                      </a:r>
+                      <a:endParaRPr lang="en-US" altLang="zh-TW" sz="1200" b="1" kern="1200" dirty="0" smtClean="0">
+                        <a:solidFill>
+                          <a:schemeClr val="dk1"/>
+                        </a:solidFill>
+                        <a:effectLst/>
+                        <a:latin typeface="+mn-lt"/>
+                        <a:ea typeface="+mn-ea"/>
+                        <a:cs typeface="+mn-cs"/>
+                      </a:endParaRPr>
+                    </a:p>
+                  </a:txBody>
+                  <a:tcPr/>
+                </a:tc>
+                <a:tc>
+                  <a:txBody>
+                    <a:bodyPr/>
+                    <a:lstStyle/>
+                    <a:p>
+                      <a:pPr marL="0" marR="0" indent="0" algn="l" defTabSz="914400" rtl="0" eaLnBrk="1" fontAlgn="auto" latinLnBrk="0" hangingPunct="1">
+                        <a:lnSpc>
+                          <a:spcPct val="100000"/>
+                        </a:lnSpc>
+                        <a:spcBef>
+                          <a:spcPts val="0"/>
+                        </a:spcBef>
+                        <a:spcAft>
+                          <a:spcPts val="0"/>
+                        </a:spcAft>
+                        <a:buClrTx/>
+                        <a:buSzTx/>
+                        <a:buFontTx/>
+                        <a:buNone/>
+                        <a:tabLst/>
+                        <a:defRPr/>
+                      </a:pPr>
+                      <a:r>
+                        <a:rPr lang="zh-TW" altLang="en-US" sz="1200" b="1" kern="1200" dirty="0" smtClean="0">
+                          <a:solidFill>
+                            <a:schemeClr val="dk1"/>
+                          </a:solidFill>
+                          <a:effectLst/>
+                          <a:latin typeface="+mn-lt"/>
+                          <a:ea typeface="+mn-ea"/>
+                          <a:cs typeface="+mn-cs"/>
+                        </a:rPr>
+                        <a:t>所有資料</a:t>
+                      </a:r>
+                    </a:p>
+                  </a:txBody>
+                  <a:tcPr/>
+                </a:tc>
+              </a:tr>
+              <a:tr h="370840">
+                <a:tc>
+                  <a:txBody>
+                    <a:bodyPr/>
+                    <a:lstStyle/>
+                    <a:p>
+                      <a:pPr marL="0" marR="0" indent="0" algn="l" defTabSz="914400" rtl="0" eaLnBrk="1" fontAlgn="auto" latinLnBrk="0" hangingPunct="1">
+                        <a:lnSpc>
+                          <a:spcPct val="100000"/>
+                        </a:lnSpc>
+                        <a:spcBef>
+                          <a:spcPts val="0"/>
+                        </a:spcBef>
+                        <a:spcAft>
+                          <a:spcPts val="0"/>
+                        </a:spcAft>
+                        <a:buClrTx/>
+                        <a:buSzTx/>
+                        <a:buFontTx/>
+                        <a:buNone/>
+                        <a:tabLst/>
+                        <a:defRPr/>
+                      </a:pPr>
+                      <a:r>
+                        <a:rPr lang="en-US" altLang="zh-TW" sz="1200" b="1" kern="1200" dirty="0" err="1" smtClean="0">
+                          <a:solidFill>
+                            <a:schemeClr val="dk1"/>
+                          </a:solidFill>
+                          <a:effectLst/>
+                          <a:latin typeface="+mn-lt"/>
+                          <a:ea typeface="+mn-ea"/>
+                          <a:cs typeface="+mn-cs"/>
+                        </a:rPr>
+                        <a:t>graphql.hashtag.edge_hashtag_to_media.edges</a:t>
+                      </a:r>
+                      <a:endParaRPr lang="en-US" altLang="zh-TW" sz="1200" b="1" kern="1200" dirty="0" smtClean="0">
+                        <a:solidFill>
+                          <a:schemeClr val="dk1"/>
+                        </a:solidFill>
+                        <a:effectLst/>
+                        <a:latin typeface="+mn-lt"/>
+                        <a:ea typeface="+mn-ea"/>
+                        <a:cs typeface="+mn-cs"/>
+                      </a:endParaRPr>
+                    </a:p>
+                  </a:txBody>
+                  <a:tcPr/>
+                </a:tc>
+                <a:tc>
+                  <a:txBody>
+                    <a:bodyPr/>
+                    <a:lstStyle/>
+                    <a:p>
+                      <a:pPr marL="0" marR="0" indent="0" algn="l" defTabSz="914400" rtl="0" eaLnBrk="1" fontAlgn="auto" latinLnBrk="0" hangingPunct="1">
+                        <a:lnSpc>
+                          <a:spcPct val="100000"/>
+                        </a:lnSpc>
+                        <a:spcBef>
+                          <a:spcPts val="0"/>
+                        </a:spcBef>
+                        <a:spcAft>
+                          <a:spcPts val="0"/>
+                        </a:spcAft>
+                        <a:buClrTx/>
+                        <a:buSzTx/>
+                        <a:buFontTx/>
+                        <a:buNone/>
+                        <a:tabLst/>
+                        <a:defRPr/>
+                      </a:pPr>
+                      <a:r>
+                        <a:rPr lang="zh-TW" altLang="en-US" sz="1200" b="1" kern="1200" dirty="0" smtClean="0">
+                          <a:solidFill>
+                            <a:schemeClr val="dk1"/>
+                          </a:solidFill>
+                          <a:effectLst/>
+                          <a:latin typeface="+mn-lt"/>
+                          <a:ea typeface="+mn-ea"/>
+                          <a:cs typeface="+mn-cs"/>
+                        </a:rPr>
+                        <a:t>所有照片</a:t>
+                      </a:r>
+                    </a:p>
+                  </a:txBody>
+                  <a:tcPr/>
+                </a:tc>
+              </a:tr>
+              <a:tr h="370840">
+                <a:tc>
+                  <a:txBody>
+                    <a:bodyPr/>
+                    <a:lstStyle/>
+                    <a:p>
+                      <a:endParaRPr lang="zh-TW" altLang="en-US" dirty="0"/>
+                    </a:p>
+                  </a:txBody>
+                  <a:tcPr/>
+                </a:tc>
+                <a:tc>
+                  <a:txBody>
+                    <a:bodyPr/>
+                    <a:lstStyle/>
+                    <a:p>
+                      <a:endParaRPr lang="zh-TW" altLang="en-US" dirty="0"/>
+                    </a:p>
+                  </a:txBody>
+                  <a:tcPr/>
+                </a:tc>
+              </a:tr>
+            </a:tbl>
+          </a:graphicData>
+        </a:graphic>
+      </p:graphicFrame>
+      <p:sp>
+        <p:nvSpPr>
+          <p:cNvPr id="11" name="矩形 10"/>
+          <p:cNvSpPr/>
+          <p:nvPr/>
+        </p:nvSpPr>
+        <p:spPr>
+          <a:xfrm>
+            <a:off x="1926754" y="4100519"/>
+            <a:ext cx="1877437" cy="400110"/>
+          </a:xfrm>
+          <a:prstGeom prst="rect">
+            <a:avLst/>
+          </a:prstGeom>
+        </p:spPr>
+        <p:txBody>
+          <a:bodyPr wrap="none">
+            <a:spAutoFit/>
+          </a:bodyPr>
+          <a:lstStyle/>
+          <a:p>
+            <a:r>
+              <a:rPr lang="en-US" altLang="zh-TW" sz="2000" b="1" dirty="0" err="1" smtClean="0">
+                <a:solidFill>
+                  <a:schemeClr val="tx1">
+                    <a:lumMod val="95000"/>
+                    <a:lumOff val="5000"/>
+                  </a:schemeClr>
+                </a:solidFill>
+                <a:latin typeface="Consolas" panose="020B0609020204030204" pitchFamily="49" charset="0"/>
+              </a:rPr>
+              <a:t>Api</a:t>
+            </a:r>
+            <a:r>
+              <a:rPr lang="en-US" altLang="zh-TW" sz="2000" b="1" dirty="0" smtClean="0">
+                <a:solidFill>
+                  <a:schemeClr val="tx1">
+                    <a:lumMod val="95000"/>
+                    <a:lumOff val="5000"/>
+                  </a:schemeClr>
+                </a:solidFill>
+                <a:latin typeface="Consolas" panose="020B0609020204030204" pitchFamily="49" charset="0"/>
+              </a:rPr>
+              <a:t> Response</a:t>
+            </a:r>
+            <a:endParaRPr lang="zh-TW" altLang="en-US" sz="2000" b="1" dirty="0">
+              <a:solidFill>
+                <a:schemeClr val="tx1">
+                  <a:lumMod val="95000"/>
+                  <a:lumOff val="5000"/>
+                </a:schemeClr>
+              </a:solidFill>
+              <a:effectLst/>
+              <a:latin typeface="Consolas" panose="020B0609020204030204" pitchFamily="49" charset="0"/>
+            </a:endParaRPr>
+          </a:p>
+        </p:txBody>
+      </p:sp>
+    </p:spTree>
+    <p:extLst>
+      <p:ext uri="{BB962C8B-B14F-4D97-AF65-F5344CB8AC3E}">
+        <p14:creationId xmlns:p14="http://schemas.microsoft.com/office/powerpoint/2010/main" val="350368934"/>
+      </p:ext>
+    </p:extLst>
+  </p:cSld>
+  <p:clrMapOvr>
+    <a:masterClrMapping/>
+  </p:clrMapOvr>
+</p:sld>
+</file>
+
+<file path=ppt/slides/slide26.xml><?xml version="1.0" encoding="utf-8"?>
+<p:sld xmlns:a="http://schemas.openxmlformats.org/drawingml/2006/main" xmlns:r="http://schemas.openxmlformats.org/officeDocument/2006/relationships" xmlns:p="http://schemas.openxmlformats.org/presentationml/2006/main">
+  <p:cSld>
+    <p:spTree>
+      <p:nvGrpSpPr>
+        <p:cNvPr id="1" name=""/>
+        <p:cNvGrpSpPr/>
+        <p:nvPr/>
+      </p:nvGrpSpPr>
+      <p:grpSpPr>
+        <a:xfrm>
+          <a:off x="0" y="0"/>
+          <a:ext cx="0" cy="0"/>
+          <a:chOff x="0" y="0"/>
+          <a:chExt cx="0" cy="0"/>
+        </a:xfrm>
+      </p:grpSpPr>
+      <p:sp>
+        <p:nvSpPr>
           <p:cNvPr id="21" name="圓角矩形 20">
             <a:extLst>
               <a:ext uri="{FF2B5EF4-FFF2-40B4-BE49-F238E27FC236}">
-                <a16:creationId xmlns="" xmlns:a16="http://schemas.microsoft.com/office/drawing/2014/main" id="{D3E17314-681B-E744-AA6E-06B60ED1D494}"/>
+                <a16:creationId xmlns:a16="http://schemas.microsoft.com/office/drawing/2014/main" xmlns="" id="{D3E17314-681B-E744-AA6E-06B60ED1D494}"/>
               </a:ext>
             </a:extLst>
           </p:cNvPr>
@@ -10579,7 +11281,7 @@
           <p:cNvPr id="2" name="矩形 1">
             <a:extLst>
               <a:ext uri="{FF2B5EF4-FFF2-40B4-BE49-F238E27FC236}">
-                <a16:creationId xmlns="" xmlns:a16="http://schemas.microsoft.com/office/drawing/2014/main" id="{1F91C1BF-2B69-564F-92C4-36851A2C2662}"/>
+                <a16:creationId xmlns:a16="http://schemas.microsoft.com/office/drawing/2014/main" xmlns="" id="{1F91C1BF-2B69-564F-92C4-36851A2C2662}"/>
               </a:ext>
             </a:extLst>
           </p:cNvPr>
@@ -10629,7 +11331,7 @@
           <p:cNvPr id="3" name="矩形 2">
             <a:extLst>
               <a:ext uri="{FF2B5EF4-FFF2-40B4-BE49-F238E27FC236}">
-                <a16:creationId xmlns="" xmlns:a16="http://schemas.microsoft.com/office/drawing/2014/main" id="{283C0B0F-C3B5-BD4F-883C-09F49FF67D1F}"/>
+                <a16:creationId xmlns:a16="http://schemas.microsoft.com/office/drawing/2014/main" xmlns="" id="{283C0B0F-C3B5-BD4F-883C-09F49FF67D1F}"/>
               </a:ext>
             </a:extLst>
           </p:cNvPr>
@@ -10679,7 +11381,7 @@
           <p:cNvPr id="4" name="橢圓 3">
             <a:extLst>
               <a:ext uri="{FF2B5EF4-FFF2-40B4-BE49-F238E27FC236}">
-                <a16:creationId xmlns="" xmlns:a16="http://schemas.microsoft.com/office/drawing/2014/main" id="{472F9B87-6FC9-B44F-A02E-9296A0720770}"/>
+                <a16:creationId xmlns:a16="http://schemas.microsoft.com/office/drawing/2014/main" xmlns="" id="{472F9B87-6FC9-B44F-A02E-9296A0720770}"/>
               </a:ext>
             </a:extLst>
           </p:cNvPr>
@@ -10727,7 +11429,7 @@
           <p:cNvPr id="6" name="直線箭頭接點 5">
             <a:extLst>
               <a:ext uri="{FF2B5EF4-FFF2-40B4-BE49-F238E27FC236}">
-                <a16:creationId xmlns="" xmlns:a16="http://schemas.microsoft.com/office/drawing/2014/main" id="{D38E5745-832A-E345-8A9F-5FF2C3D2EE19}"/>
+                <a16:creationId xmlns:a16="http://schemas.microsoft.com/office/drawing/2014/main" xmlns="" id="{D38E5745-832A-E345-8A9F-5FF2C3D2EE19}"/>
               </a:ext>
             </a:extLst>
           </p:cNvPr>
@@ -10766,7 +11468,7 @@
           <p:cNvPr id="7" name="直線箭頭接點 6">
             <a:extLst>
               <a:ext uri="{FF2B5EF4-FFF2-40B4-BE49-F238E27FC236}">
-                <a16:creationId xmlns="" xmlns:a16="http://schemas.microsoft.com/office/drawing/2014/main" id="{E9C3D736-A46A-1F45-BA83-98B2129B78D8}"/>
+                <a16:creationId xmlns:a16="http://schemas.microsoft.com/office/drawing/2014/main" xmlns="" id="{E9C3D736-A46A-1F45-BA83-98B2129B78D8}"/>
               </a:ext>
             </a:extLst>
           </p:cNvPr>
@@ -10807,7 +11509,7 @@
           <p:cNvPr id="9" name="矩形 8">
             <a:extLst>
               <a:ext uri="{FF2B5EF4-FFF2-40B4-BE49-F238E27FC236}">
-                <a16:creationId xmlns="" xmlns:a16="http://schemas.microsoft.com/office/drawing/2014/main" id="{27524826-70DB-0441-8303-37FC66D1FC5B}"/>
+                <a16:creationId xmlns:a16="http://schemas.microsoft.com/office/drawing/2014/main" xmlns="" id="{27524826-70DB-0441-8303-37FC66D1FC5B}"/>
               </a:ext>
             </a:extLst>
           </p:cNvPr>
@@ -10853,7 +11555,7 @@
           <p:cNvPr id="10" name="矩形 9">
             <a:extLst>
               <a:ext uri="{FF2B5EF4-FFF2-40B4-BE49-F238E27FC236}">
-                <a16:creationId xmlns="" xmlns:a16="http://schemas.microsoft.com/office/drawing/2014/main" id="{D5A40EA3-8607-7447-B5C5-1BA336DC4B1A}"/>
+                <a16:creationId xmlns:a16="http://schemas.microsoft.com/office/drawing/2014/main" xmlns="" id="{D5A40EA3-8607-7447-B5C5-1BA336DC4B1A}"/>
               </a:ext>
             </a:extLst>
           </p:cNvPr>
@@ -10901,7 +11603,7 @@
           <p:cNvPr id="11" name="矩形 10">
             <a:extLst>
               <a:ext uri="{FF2B5EF4-FFF2-40B4-BE49-F238E27FC236}">
-                <a16:creationId xmlns="" xmlns:a16="http://schemas.microsoft.com/office/drawing/2014/main" id="{D158EACD-7BFE-1141-B47B-73A9D59EB9ED}"/>
+                <a16:creationId xmlns:a16="http://schemas.microsoft.com/office/drawing/2014/main" xmlns="" id="{D158EACD-7BFE-1141-B47B-73A9D59EB9ED}"/>
               </a:ext>
             </a:extLst>
           </p:cNvPr>
@@ -10949,7 +11651,7 @@
           <p:cNvPr id="12" name="矩形 11">
             <a:extLst>
               <a:ext uri="{FF2B5EF4-FFF2-40B4-BE49-F238E27FC236}">
-                <a16:creationId xmlns="" xmlns:a16="http://schemas.microsoft.com/office/drawing/2014/main" id="{74E49627-882D-544A-8BCB-3B4BF797F6E9}"/>
+                <a16:creationId xmlns:a16="http://schemas.microsoft.com/office/drawing/2014/main" xmlns="" id="{74E49627-882D-544A-8BCB-3B4BF797F6E9}"/>
               </a:ext>
             </a:extLst>
           </p:cNvPr>
@@ -10995,7 +11697,7 @@
           <p:cNvPr id="13" name="矩形 12">
             <a:extLst>
               <a:ext uri="{FF2B5EF4-FFF2-40B4-BE49-F238E27FC236}">
-                <a16:creationId xmlns="" xmlns:a16="http://schemas.microsoft.com/office/drawing/2014/main" id="{20BC78A6-DC64-3947-9BB3-F887948FCEF2}"/>
+                <a16:creationId xmlns:a16="http://schemas.microsoft.com/office/drawing/2014/main" xmlns="" id="{20BC78A6-DC64-3947-9BB3-F887948FCEF2}"/>
               </a:ext>
             </a:extLst>
           </p:cNvPr>
@@ -11043,7 +11745,7 @@
           <p:cNvPr id="14" name="矩形 13">
             <a:extLst>
               <a:ext uri="{FF2B5EF4-FFF2-40B4-BE49-F238E27FC236}">
-                <a16:creationId xmlns="" xmlns:a16="http://schemas.microsoft.com/office/drawing/2014/main" id="{F0EF030A-79DE-B64D-A509-6ECC7BE738DE}"/>
+                <a16:creationId xmlns:a16="http://schemas.microsoft.com/office/drawing/2014/main" xmlns="" id="{F0EF030A-79DE-B64D-A509-6ECC7BE738DE}"/>
               </a:ext>
             </a:extLst>
           </p:cNvPr>
@@ -11091,7 +11793,7 @@
           <p:cNvPr id="15" name="矩形 14">
             <a:extLst>
               <a:ext uri="{FF2B5EF4-FFF2-40B4-BE49-F238E27FC236}">
-                <a16:creationId xmlns="" xmlns:a16="http://schemas.microsoft.com/office/drawing/2014/main" id="{F3E5F92F-E9C2-7C45-8671-F16256EE76D3}"/>
+                <a16:creationId xmlns:a16="http://schemas.microsoft.com/office/drawing/2014/main" xmlns="" id="{F3E5F92F-E9C2-7C45-8671-F16256EE76D3}"/>
               </a:ext>
             </a:extLst>
           </p:cNvPr>
@@ -11137,7 +11839,7 @@
           <p:cNvPr id="16" name="矩形 15">
             <a:extLst>
               <a:ext uri="{FF2B5EF4-FFF2-40B4-BE49-F238E27FC236}">
-                <a16:creationId xmlns="" xmlns:a16="http://schemas.microsoft.com/office/drawing/2014/main" id="{741F1151-B732-A149-A3A0-9570C9EF8329}"/>
+                <a16:creationId xmlns:a16="http://schemas.microsoft.com/office/drawing/2014/main" xmlns="" id="{741F1151-B732-A149-A3A0-9570C9EF8329}"/>
               </a:ext>
             </a:extLst>
           </p:cNvPr>
@@ -11185,7 +11887,7 @@
           <p:cNvPr id="17" name="矩形 16">
             <a:extLst>
               <a:ext uri="{FF2B5EF4-FFF2-40B4-BE49-F238E27FC236}">
-                <a16:creationId xmlns="" xmlns:a16="http://schemas.microsoft.com/office/drawing/2014/main" id="{F7FF4DA2-F64B-A74D-BCB8-5A8395B98315}"/>
+                <a16:creationId xmlns:a16="http://schemas.microsoft.com/office/drawing/2014/main" xmlns="" id="{F7FF4DA2-F64B-A74D-BCB8-5A8395B98315}"/>
               </a:ext>
             </a:extLst>
           </p:cNvPr>
@@ -11233,7 +11935,7 @@
           <p:cNvPr id="18" name="矩形 17">
             <a:extLst>
               <a:ext uri="{FF2B5EF4-FFF2-40B4-BE49-F238E27FC236}">
-                <a16:creationId xmlns="" xmlns:a16="http://schemas.microsoft.com/office/drawing/2014/main" id="{09E29AD8-5509-5B44-9539-95248F49BF82}"/>
+                <a16:creationId xmlns:a16="http://schemas.microsoft.com/office/drawing/2014/main" xmlns="" id="{09E29AD8-5509-5B44-9539-95248F49BF82}"/>
               </a:ext>
             </a:extLst>
           </p:cNvPr>
@@ -11279,7 +11981,7 @@
           <p:cNvPr id="19" name="矩形 18">
             <a:extLst>
               <a:ext uri="{FF2B5EF4-FFF2-40B4-BE49-F238E27FC236}">
-                <a16:creationId xmlns="" xmlns:a16="http://schemas.microsoft.com/office/drawing/2014/main" id="{6523B377-33A0-0F49-A5BF-5338157BBE09}"/>
+                <a16:creationId xmlns:a16="http://schemas.microsoft.com/office/drawing/2014/main" xmlns="" id="{6523B377-33A0-0F49-A5BF-5338157BBE09}"/>
               </a:ext>
             </a:extLst>
           </p:cNvPr>
@@ -11327,7 +12029,7 @@
           <p:cNvPr id="20" name="矩形 19">
             <a:extLst>
               <a:ext uri="{FF2B5EF4-FFF2-40B4-BE49-F238E27FC236}">
-                <a16:creationId xmlns="" xmlns:a16="http://schemas.microsoft.com/office/drawing/2014/main" id="{A77D0982-3F32-0E41-A364-B5E24518129C}"/>
+                <a16:creationId xmlns:a16="http://schemas.microsoft.com/office/drawing/2014/main" xmlns="" id="{A77D0982-3F32-0E41-A364-B5E24518129C}"/>
               </a:ext>
             </a:extLst>
           </p:cNvPr>
@@ -11375,7 +12077,7 @@
           <p:cNvPr id="23" name="直線箭頭接點 22">
             <a:extLst>
               <a:ext uri="{FF2B5EF4-FFF2-40B4-BE49-F238E27FC236}">
-                <a16:creationId xmlns="" xmlns:a16="http://schemas.microsoft.com/office/drawing/2014/main" id="{4B310916-6054-5644-AEDE-5A0A5FB5884A}"/>
+                <a16:creationId xmlns:a16="http://schemas.microsoft.com/office/drawing/2014/main" xmlns="" id="{4B310916-6054-5644-AEDE-5A0A5FB5884A}"/>
               </a:ext>
             </a:extLst>
           </p:cNvPr>
@@ -11424,7 +12126,7 @@
 </p:sld>
 </file>
 
-<file path=ppt/slides/slide26.xml><?xml version="1.0" encoding="utf-8"?>
+<file path=ppt/slides/slide27.xml><?xml version="1.0" encoding="utf-8"?>
 <p:sld xmlns:a="http://schemas.openxmlformats.org/drawingml/2006/main" xmlns:r="http://schemas.openxmlformats.org/officeDocument/2006/relationships" xmlns:p="http://schemas.openxmlformats.org/presentationml/2006/main">
   <p:cSld>
     <p:bg>
@@ -11454,7 +12156,7 @@
           <p:cNvPr id="2" name="矩形 1">
             <a:extLst>
               <a:ext uri="{FF2B5EF4-FFF2-40B4-BE49-F238E27FC236}">
-                <a16:creationId xmlns="" xmlns:a16="http://schemas.microsoft.com/office/drawing/2014/main" id="{3333882F-B381-5A41-9CA5-D1541ADC4406}"/>
+                <a16:creationId xmlns:a16="http://schemas.microsoft.com/office/drawing/2014/main" xmlns="" id="{3333882F-B381-5A41-9CA5-D1541ADC4406}"/>
               </a:ext>
             </a:extLst>
           </p:cNvPr>
@@ -12212,7 +12914,7 @@
           <p:cNvPr id="3" name="標題 1">
             <a:extLst>
               <a:ext uri="{FF2B5EF4-FFF2-40B4-BE49-F238E27FC236}">
-                <a16:creationId xmlns="" xmlns:a16="http://schemas.microsoft.com/office/drawing/2014/main" id="{207F22D1-A870-E444-BDAC-5CF5E258B61B}"/>
+                <a16:creationId xmlns:a16="http://schemas.microsoft.com/office/drawing/2014/main" xmlns="" id="{207F22D1-A870-E444-BDAC-5CF5E258B61B}"/>
               </a:ext>
             </a:extLst>
           </p:cNvPr>
@@ -12313,7 +13015,7 @@
 </p:sld>
 </file>
 
-<file path=ppt/slides/slide27.xml><?xml version="1.0" encoding="utf-8"?>
+<file path=ppt/slides/slide28.xml><?xml version="1.0" encoding="utf-8"?>
 <p:sld xmlns:a="http://schemas.openxmlformats.org/drawingml/2006/main" xmlns:r="http://schemas.openxmlformats.org/officeDocument/2006/relationships" xmlns:p="http://schemas.openxmlformats.org/presentationml/2006/main">
   <p:cSld>
     <p:bg>
@@ -12343,7 +13045,7 @@
           <p:cNvPr id="2" name="標題 1">
             <a:extLst>
               <a:ext uri="{FF2B5EF4-FFF2-40B4-BE49-F238E27FC236}">
-                <a16:creationId xmlns="" xmlns:a16="http://schemas.microsoft.com/office/drawing/2014/main" id="{E79C5F1B-4111-B34F-847E-75DCA5C284FD}"/>
+                <a16:creationId xmlns:a16="http://schemas.microsoft.com/office/drawing/2014/main" xmlns="" id="{E79C5F1B-4111-B34F-847E-75DCA5C284FD}"/>
               </a:ext>
             </a:extLst>
           </p:cNvPr>
@@ -12456,7 +13158,7 @@
           <p:cNvPr id="3" name="矩形 2">
             <a:extLst>
               <a:ext uri="{FF2B5EF4-FFF2-40B4-BE49-F238E27FC236}">
-                <a16:creationId xmlns="" xmlns:a16="http://schemas.microsoft.com/office/drawing/2014/main" id="{C1DC05E2-98B3-1B4A-A78F-CF4B51BFDFBB}"/>
+                <a16:creationId xmlns:a16="http://schemas.microsoft.com/office/drawing/2014/main" xmlns="" id="{C1DC05E2-98B3-1B4A-A78F-CF4B51BFDFBB}"/>
               </a:ext>
             </a:extLst>
           </p:cNvPr>
@@ -12737,7 +13439,7 @@
           <p:cNvPr id="5" name="矩形 4">
             <a:extLst>
               <a:ext uri="{FF2B5EF4-FFF2-40B4-BE49-F238E27FC236}">
-                <a16:creationId xmlns="" xmlns:a16="http://schemas.microsoft.com/office/drawing/2014/main" id="{6635FDE9-2CF8-AE4A-A10A-2FAF84E02666}"/>
+                <a16:creationId xmlns:a16="http://schemas.microsoft.com/office/drawing/2014/main" xmlns="" id="{6635FDE9-2CF8-AE4A-A10A-2FAF84E02666}"/>
               </a:ext>
             </a:extLst>
           </p:cNvPr>
@@ -13010,7 +13712,7 @@
           <p:cNvPr id="9" name="直線接點 8">
             <a:extLst>
               <a:ext uri="{FF2B5EF4-FFF2-40B4-BE49-F238E27FC236}">
-                <a16:creationId xmlns="" xmlns:a16="http://schemas.microsoft.com/office/drawing/2014/main" id="{663E15BC-D355-DD49-ACAF-CD4696C742F0}"/>
+                <a16:creationId xmlns:a16="http://schemas.microsoft.com/office/drawing/2014/main" xmlns="" id="{663E15BC-D355-DD49-ACAF-CD4696C742F0}"/>
               </a:ext>
             </a:extLst>
           </p:cNvPr>
@@ -13047,7 +13749,7 @@
           <p:cNvPr id="10" name="直線接點 9">
             <a:extLst>
               <a:ext uri="{FF2B5EF4-FFF2-40B4-BE49-F238E27FC236}">
-                <a16:creationId xmlns="" xmlns:a16="http://schemas.microsoft.com/office/drawing/2014/main" id="{26E1520E-4942-514E-ABF2-B5D783EA90BB}"/>
+                <a16:creationId xmlns:a16="http://schemas.microsoft.com/office/drawing/2014/main" xmlns="" id="{26E1520E-4942-514E-ABF2-B5D783EA90BB}"/>
               </a:ext>
             </a:extLst>
           </p:cNvPr>
@@ -13086,7 +13788,7 @@
           <p:cNvPr id="15" name="直線箭頭接點 14">
             <a:extLst>
               <a:ext uri="{FF2B5EF4-FFF2-40B4-BE49-F238E27FC236}">
-                <a16:creationId xmlns="" xmlns:a16="http://schemas.microsoft.com/office/drawing/2014/main" id="{F4F14853-2EE5-C449-8BB5-0057F3418639}"/>
+                <a16:creationId xmlns:a16="http://schemas.microsoft.com/office/drawing/2014/main" xmlns="" id="{F4F14853-2EE5-C449-8BB5-0057F3418639}"/>
               </a:ext>
             </a:extLst>
           </p:cNvPr>
@@ -13125,7 +13827,7 @@
           <p:cNvPr id="16" name="直線接點 15">
             <a:extLst>
               <a:ext uri="{FF2B5EF4-FFF2-40B4-BE49-F238E27FC236}">
-                <a16:creationId xmlns="" xmlns:a16="http://schemas.microsoft.com/office/drawing/2014/main" id="{84CF1E2F-9A79-314C-8B15-D40532D9DB4B}"/>
+                <a16:creationId xmlns:a16="http://schemas.microsoft.com/office/drawing/2014/main" xmlns="" id="{84CF1E2F-9A79-314C-8B15-D40532D9DB4B}"/>
               </a:ext>
             </a:extLst>
           </p:cNvPr>
@@ -13170,7 +13872,7 @@
           <p:cNvPr id="18" name="直線接點 17">
             <a:extLst>
               <a:ext uri="{FF2B5EF4-FFF2-40B4-BE49-F238E27FC236}">
-                <a16:creationId xmlns="" xmlns:a16="http://schemas.microsoft.com/office/drawing/2014/main" id="{A526251F-213A-7C4D-8230-FD109843D69A}"/>
+                <a16:creationId xmlns:a16="http://schemas.microsoft.com/office/drawing/2014/main" xmlns="" id="{A526251F-213A-7C4D-8230-FD109843D69A}"/>
               </a:ext>
             </a:extLst>
           </p:cNvPr>
@@ -13215,7 +13917,7 @@
           <p:cNvPr id="20" name="直線箭頭接點 19">
             <a:extLst>
               <a:ext uri="{FF2B5EF4-FFF2-40B4-BE49-F238E27FC236}">
-                <a16:creationId xmlns="" xmlns:a16="http://schemas.microsoft.com/office/drawing/2014/main" id="{B3AD4B63-8EC0-894D-8FF2-753983E11F3B}"/>
+                <a16:creationId xmlns:a16="http://schemas.microsoft.com/office/drawing/2014/main" xmlns="" id="{B3AD4B63-8EC0-894D-8FF2-753983E11F3B}"/>
               </a:ext>
             </a:extLst>
           </p:cNvPr>
@@ -13269,7 +13971,7 @@
 </p:sld>
 </file>
 
-<file path=ppt/slides/slide28.xml><?xml version="1.0" encoding="utf-8"?>
+<file path=ppt/slides/slide29.xml><?xml version="1.0" encoding="utf-8"?>
 <p:sld xmlns:a="http://schemas.openxmlformats.org/drawingml/2006/main" xmlns:r="http://schemas.openxmlformats.org/officeDocument/2006/relationships" xmlns:p="http://schemas.openxmlformats.org/presentationml/2006/main">
   <p:cSld>
     <p:spTree>
@@ -13308,7 +14010,7 @@
           <a:p>
             <a:pPr algn="ctr"/>
             <a:r>
-              <a:rPr lang="en-US" altLang="zh-TW" sz="3200" dirty="0">
+              <a:rPr lang="en-US" altLang="zh-TW" sz="3200" b="1" dirty="0">
                 <a:solidFill>
                   <a:srgbClr val="323230"/>
                 </a:solidFill>
@@ -13318,7 +14020,7 @@
               <a:t>Regular </a:t>
             </a:r>
             <a:r>
-              <a:rPr lang="en-US" altLang="zh-TW" sz="3200" dirty="0" smtClean="0">
+              <a:rPr lang="en-US" altLang="zh-TW" sz="3200" b="1" dirty="0" smtClean="0">
                 <a:solidFill>
                   <a:srgbClr val="323230"/>
                 </a:solidFill>
@@ -13327,7 +14029,7 @@
               </a:rPr>
               <a:t>Expression</a:t>
             </a:r>
-            <a:endParaRPr lang="zh-TW" altLang="en-US" sz="3200" dirty="0">
+            <a:endParaRPr lang="zh-TW" altLang="en-US" sz="3200" b="1" dirty="0">
               <a:solidFill>
                 <a:srgbClr val="323230"/>
               </a:solidFill>
@@ -13411,29 +14113,9 @@
                 <a:latin typeface="Adobe 繁黑體 Std B" panose="020B0700000000000000" pitchFamily="34" charset="-120"/>
                 <a:ea typeface="Adobe 繁黑體 Std B" panose="020B0700000000000000" pitchFamily="34" charset="-120"/>
               </a:rPr>
-              <a:t>則表達式</a:t>
-            </a:r>
-            <a:r>
-              <a:rPr lang="zh-TW" altLang="en-US" sz="1400" dirty="0">
-                <a:solidFill>
-                  <a:srgbClr val="323230"/>
-                </a:solidFill>
-                <a:latin typeface="Adobe 繁黑體 Std B" panose="020B0700000000000000" pitchFamily="34" charset="-120"/>
-                <a:ea typeface="Adobe 繁黑體 Std B" panose="020B0700000000000000" pitchFamily="34" charset="-120"/>
-              </a:rPr>
-              <a:t>、</a:t>
-            </a:r>
-            <a:r>
-              <a:rPr lang="zh-TW" altLang="en-US" sz="1400" b="1" dirty="0">
-                <a:solidFill>
-                  <a:srgbClr val="323230"/>
-                </a:solidFill>
-                <a:latin typeface="Adobe 繁黑體 Std B" panose="020B0700000000000000" pitchFamily="34" charset="-120"/>
-                <a:ea typeface="Adobe 繁黑體 Std B" panose="020B0700000000000000" pitchFamily="34" charset="-120"/>
-              </a:rPr>
-              <a:t>正規表示法、正規運算式、規則運算式、常規表示法</a:t>
-            </a:r>
-            <a:endParaRPr lang="zh-TW" altLang="en-US" sz="1400" dirty="0">
+              <a:t>則表達式、正規表示法、正規運算式、規則運算式、常規表示法</a:t>
+            </a:r>
+            <a:endParaRPr lang="zh-TW" altLang="en-US" sz="1400" b="1" dirty="0">
               <a:solidFill>
                 <a:srgbClr val="323230"/>
               </a:solidFill>
@@ -13526,7 +14208,7 @@
               </a:rPr>
               <a:t>概念，使用單個字串來描述、符合一系列符合某個句法規則的字串。</a:t>
             </a:r>
-            <a:endParaRPr lang="zh-TW" altLang="en-US" sz="1000" dirty="0">
+            <a:endParaRPr lang="zh-TW" altLang="en-US" sz="1000" b="1" dirty="0">
               <a:solidFill>
                 <a:schemeClr val="accent2">
                   <a:lumMod val="75000"/>
@@ -13552,7 +14234,624 @@
 </p:sld>
 </file>
 
-<file path=ppt/slides/slide29.xml><?xml version="1.0" encoding="utf-8"?>
+<file path=ppt/slides/slide3.xml><?xml version="1.0" encoding="utf-8"?>
+<p:sld xmlns:a="http://schemas.openxmlformats.org/drawingml/2006/main" xmlns:r="http://schemas.openxmlformats.org/officeDocument/2006/relationships" xmlns:p="http://schemas.openxmlformats.org/presentationml/2006/main">
+  <p:cSld>
+    <p:spTree>
+      <p:nvGrpSpPr>
+        <p:cNvPr id="1" name=""/>
+        <p:cNvGrpSpPr/>
+        <p:nvPr/>
+      </p:nvGrpSpPr>
+      <p:grpSpPr>
+        <a:xfrm>
+          <a:off x="0" y="0"/>
+          <a:ext cx="0" cy="0"/>
+          <a:chOff x="0" y="0"/>
+          <a:chExt cx="0" cy="0"/>
+        </a:xfrm>
+      </p:grpSpPr>
+      <p:sp>
+        <p:nvSpPr>
+          <p:cNvPr id="4" name="標題 1"/>
+          <p:cNvSpPr>
+            <a:spLocks noGrp="1"/>
+          </p:cNvSpPr>
+          <p:nvPr>
+            <p:ph type="title"/>
+          </p:nvPr>
+        </p:nvSpPr>
+        <p:spPr>
+          <a:xfrm>
+            <a:off x="1426378" y="883625"/>
+            <a:ext cx="4111733" cy="633083"/>
+          </a:xfrm>
+        </p:spPr>
+        <p:txBody>
+          <a:bodyPr>
+            <a:noAutofit/>
+          </a:bodyPr>
+          <a:lstStyle/>
+          <a:p>
+            <a:pPr algn="ctr"/>
+            <a:r>
+              <a:rPr lang="en-US" altLang="zh-TW" sz="3200" b="1" u="sng" dirty="0">
+                <a:solidFill>
+                  <a:srgbClr val="323230"/>
+                </a:solidFill>
+                <a:latin typeface="Microsoft YaHei UI" panose="020B0503020204020204" pitchFamily="34" charset="-122"/>
+                <a:ea typeface="Microsoft YaHei UI" panose="020B0503020204020204" pitchFamily="34" charset="-122"/>
+              </a:rPr>
+              <a:t># </a:t>
+            </a:r>
+            <a:r>
+              <a:rPr lang="en-US" altLang="zh-TW" sz="3200" b="1" u="sng" dirty="0" err="1">
+                <a:solidFill>
+                  <a:srgbClr val="323230"/>
+                </a:solidFill>
+                <a:latin typeface="Microsoft YaHei UI" panose="020B0503020204020204" pitchFamily="34" charset="-122"/>
+                <a:ea typeface="Microsoft YaHei UI" panose="020B0503020204020204" pitchFamily="34" charset="-122"/>
+              </a:rPr>
+              <a:t>VScode</a:t>
+            </a:r>
+            <a:r>
+              <a:rPr lang="en-US" altLang="zh-TW" sz="3200" b="1" u="sng" dirty="0">
+                <a:solidFill>
+                  <a:srgbClr val="323230"/>
+                </a:solidFill>
+                <a:latin typeface="Microsoft YaHei UI" panose="020B0503020204020204" pitchFamily="34" charset="-122"/>
+                <a:ea typeface="Microsoft YaHei UI" panose="020B0503020204020204" pitchFamily="34" charset="-122"/>
+              </a:rPr>
+              <a:t> </a:t>
+            </a:r>
+            <a:r>
+              <a:rPr lang="zh-TW" altLang="en-US" sz="3200" b="1" u="sng" dirty="0">
+                <a:solidFill>
+                  <a:srgbClr val="323230"/>
+                </a:solidFill>
+                <a:latin typeface="Microsoft YaHei UI" panose="020B0503020204020204" pitchFamily="34" charset="-122"/>
+                <a:ea typeface="Microsoft YaHei UI" panose="020B0503020204020204" pitchFamily="34" charset="-122"/>
+              </a:rPr>
+              <a:t>就是讚</a:t>
+            </a:r>
+          </a:p>
+        </p:txBody>
+      </p:sp>
+      <p:pic>
+        <p:nvPicPr>
+          <p:cNvPr id="5" name="圖片 4"/>
+          <p:cNvPicPr>
+            <a:picLocks noChangeAspect="1"/>
+          </p:cNvPicPr>
+          <p:nvPr/>
+        </p:nvPicPr>
+        <p:blipFill>
+          <a:blip r:embed="rId2" cstate="print">
+            <a:extLst>
+              <a:ext uri="{28A0092B-C50C-407E-A947-70E740481C1C}">
+                <a14:useLocalDpi xmlns:a14="http://schemas.microsoft.com/office/drawing/2010/main" val="0"/>
+              </a:ext>
+            </a:extLst>
+          </a:blip>
+          <a:stretch>
+            <a:fillRect/>
+          </a:stretch>
+        </p:blipFill>
+        <p:spPr>
+          <a:xfrm>
+            <a:off x="5957211" y="751648"/>
+            <a:ext cx="900789" cy="897036"/>
+          </a:xfrm>
+          <a:prstGeom prst="rect">
+            <a:avLst/>
+          </a:prstGeom>
+        </p:spPr>
+      </p:pic>
+      <p:sp>
+        <p:nvSpPr>
+          <p:cNvPr id="6" name="矩形 5"/>
+          <p:cNvSpPr/>
+          <p:nvPr/>
+        </p:nvSpPr>
+        <p:spPr>
+          <a:xfrm>
+            <a:off x="1286678" y="1898666"/>
+            <a:ext cx="5891889" cy="4247317"/>
+          </a:xfrm>
+          <a:prstGeom prst="rect">
+            <a:avLst/>
+          </a:prstGeom>
+        </p:spPr>
+        <p:txBody>
+          <a:bodyPr wrap="square">
+            <a:spAutoFit/>
+          </a:bodyPr>
+          <a:lstStyle/>
+          <a:p>
+            <a:pPr>
+              <a:lnSpc>
+                <a:spcPct val="150000"/>
+              </a:lnSpc>
+            </a:pPr>
+            <a:r>
+              <a:rPr lang="zh-TW" altLang="en-US" b="1" dirty="0">
+                <a:solidFill>
+                  <a:schemeClr val="tx1">
+                    <a:lumMod val="75000"/>
+                    <a:lumOff val="25000"/>
+                  </a:schemeClr>
+                </a:solidFill>
+              </a:rPr>
+              <a:t>中文翻譯套件                      </a:t>
+            </a:r>
+            <a:r>
+              <a:rPr lang="en-US" altLang="zh-TW" b="1" dirty="0">
+                <a:solidFill>
+                  <a:schemeClr val="tx1">
+                    <a:lumMod val="75000"/>
+                    <a:lumOff val="25000"/>
+                  </a:schemeClr>
+                </a:solidFill>
+              </a:rPr>
+              <a:t>Chinese </a:t>
+            </a:r>
+            <a:endParaRPr lang="en-US" altLang="zh-TW" b="1" i="0" dirty="0">
+              <a:solidFill>
+                <a:schemeClr val="tx1">
+                  <a:lumMod val="75000"/>
+                  <a:lumOff val="25000"/>
+                </a:schemeClr>
+              </a:solidFill>
+              <a:effectLst/>
+              <a:latin typeface="Consolas" panose="020B0609020204030204" pitchFamily="49" charset="0"/>
+              <a:ea typeface="微軟正黑體" panose="020B0604030504040204" pitchFamily="34" charset="-120"/>
+              <a:cs typeface="Consolas" panose="020B0609020204030204" pitchFamily="49" charset="0"/>
+            </a:endParaRPr>
+          </a:p>
+          <a:p>
+            <a:pPr>
+              <a:lnSpc>
+                <a:spcPct val="150000"/>
+              </a:lnSpc>
+            </a:pPr>
+            <a:r>
+              <a:rPr lang="zh-TW" altLang="en-US" b="1" i="0" dirty="0">
+                <a:solidFill>
+                  <a:schemeClr val="tx1">
+                    <a:lumMod val="75000"/>
+                    <a:lumOff val="25000"/>
+                  </a:schemeClr>
+                </a:solidFill>
+                <a:effectLst/>
+                <a:latin typeface="Consolas" panose="020B0609020204030204" pitchFamily="49" charset="0"/>
+                <a:ea typeface="微軟正黑體" panose="020B0604030504040204" pitchFamily="34" charset="-120"/>
+                <a:cs typeface="Consolas" panose="020B0609020204030204" pitchFamily="49" charset="0"/>
+              </a:rPr>
+              <a:t>顏色樣式主題         </a:t>
+            </a:r>
+            <a:r>
+              <a:rPr lang="en-US" altLang="zh-TW" b="1" i="0" dirty="0" err="1">
+                <a:solidFill>
+                  <a:schemeClr val="tx1">
+                    <a:lumMod val="75000"/>
+                    <a:lumOff val="25000"/>
+                  </a:schemeClr>
+                </a:solidFill>
+                <a:effectLst/>
+                <a:latin typeface="Consolas" panose="020B0609020204030204" pitchFamily="49" charset="0"/>
+                <a:ea typeface="微軟正黑體" panose="020B0604030504040204" pitchFamily="34" charset="-120"/>
+                <a:cs typeface="Consolas" panose="020B0609020204030204" pitchFamily="49" charset="0"/>
+              </a:rPr>
+              <a:t>Monokai</a:t>
+            </a:r>
+            <a:r>
+              <a:rPr lang="en-US" altLang="zh-TW" b="1" i="0" dirty="0">
+                <a:solidFill>
+                  <a:schemeClr val="tx1">
+                    <a:lumMod val="75000"/>
+                    <a:lumOff val="25000"/>
+                  </a:schemeClr>
+                </a:solidFill>
+                <a:effectLst/>
+                <a:latin typeface="Consolas" panose="020B0609020204030204" pitchFamily="49" charset="0"/>
+                <a:ea typeface="微軟正黑體" panose="020B0604030504040204" pitchFamily="34" charset="-120"/>
+                <a:cs typeface="Consolas" panose="020B0609020204030204" pitchFamily="49" charset="0"/>
+              </a:rPr>
+              <a:t> Dark Soda</a:t>
+            </a:r>
+          </a:p>
+          <a:p>
+            <a:pPr>
+              <a:lnSpc>
+                <a:spcPct val="150000"/>
+              </a:lnSpc>
+            </a:pPr>
+            <a:r>
+              <a:rPr lang="zh-TW" altLang="en-US" b="1" dirty="0">
+                <a:solidFill>
+                  <a:schemeClr val="tx1">
+                    <a:lumMod val="75000"/>
+                    <a:lumOff val="25000"/>
+                  </a:schemeClr>
+                </a:solidFill>
+                <a:latin typeface="Consolas" panose="020B0609020204030204" pitchFamily="49" charset="0"/>
+                <a:ea typeface="微軟正黑體" panose="020B0604030504040204" pitchFamily="34" charset="-120"/>
+                <a:cs typeface="Consolas" panose="020B0609020204030204" pitchFamily="49" charset="0"/>
+              </a:rPr>
+              <a:t>簡易</a:t>
+            </a:r>
+            <a:r>
+              <a:rPr lang="en-US" altLang="zh-TW" b="1" dirty="0">
+                <a:solidFill>
+                  <a:schemeClr val="tx1">
+                    <a:lumMod val="75000"/>
+                    <a:lumOff val="25000"/>
+                  </a:schemeClr>
+                </a:solidFill>
+                <a:latin typeface="Consolas" panose="020B0609020204030204" pitchFamily="49" charset="0"/>
+                <a:ea typeface="微軟正黑體" panose="020B0604030504040204" pitchFamily="34" charset="-120"/>
+                <a:cs typeface="Consolas" panose="020B0609020204030204" pitchFamily="49" charset="0"/>
+              </a:rPr>
+              <a:t>localhost</a:t>
+            </a:r>
+            <a:r>
+              <a:rPr lang="zh-TW" altLang="en-US" b="1" dirty="0">
+                <a:solidFill>
+                  <a:schemeClr val="tx1">
+                    <a:lumMod val="75000"/>
+                    <a:lumOff val="25000"/>
+                  </a:schemeClr>
+                </a:solidFill>
+                <a:latin typeface="Consolas" panose="020B0609020204030204" pitchFamily="49" charset="0"/>
+                <a:ea typeface="微軟正黑體" panose="020B0604030504040204" pitchFamily="34" charset="-120"/>
+                <a:cs typeface="Consolas" panose="020B0609020204030204" pitchFamily="49" charset="0"/>
+              </a:rPr>
+              <a:t>伺服器  </a:t>
+            </a:r>
+            <a:r>
+              <a:rPr lang="en-US" altLang="zh-TW" b="1" dirty="0">
+                <a:solidFill>
+                  <a:schemeClr val="tx1">
+                    <a:lumMod val="75000"/>
+                    <a:lumOff val="25000"/>
+                  </a:schemeClr>
+                </a:solidFill>
+                <a:latin typeface="Consolas" panose="020B0609020204030204" pitchFamily="49" charset="0"/>
+                <a:ea typeface="微軟正黑體" panose="020B0604030504040204" pitchFamily="34" charset="-120"/>
+                <a:cs typeface="Consolas" panose="020B0609020204030204" pitchFamily="49" charset="0"/>
+              </a:rPr>
+              <a:t>Live Server</a:t>
+            </a:r>
+            <a:endParaRPr lang="en-US" altLang="zh-TW" b="1" i="0" dirty="0">
+              <a:solidFill>
+                <a:schemeClr val="tx1">
+                  <a:lumMod val="75000"/>
+                  <a:lumOff val="25000"/>
+                </a:schemeClr>
+              </a:solidFill>
+              <a:effectLst/>
+              <a:latin typeface="Consolas" panose="020B0609020204030204" pitchFamily="49" charset="0"/>
+              <a:ea typeface="微軟正黑體" panose="020B0604030504040204" pitchFamily="34" charset="-120"/>
+              <a:cs typeface="Consolas" panose="020B0609020204030204" pitchFamily="49" charset="0"/>
+            </a:endParaRPr>
+          </a:p>
+          <a:p>
+            <a:pPr>
+              <a:lnSpc>
+                <a:spcPct val="150000"/>
+              </a:lnSpc>
+            </a:pPr>
+            <a:r>
+              <a:rPr lang="zh-TW" altLang="en-US" b="1" i="0" dirty="0">
+                <a:solidFill>
+                  <a:schemeClr val="tx1">
+                    <a:lumMod val="75000"/>
+                    <a:lumOff val="25000"/>
+                  </a:schemeClr>
+                </a:solidFill>
+                <a:effectLst/>
+                <a:latin typeface="Consolas" panose="020B0609020204030204" pitchFamily="49" charset="0"/>
+                <a:ea typeface="微軟正黑體" panose="020B0604030504040204" pitchFamily="34" charset="-120"/>
+                <a:cs typeface="Consolas" panose="020B0609020204030204" pitchFamily="49" charset="0"/>
+              </a:rPr>
+              <a:t>路徑選擇套件         </a:t>
+            </a:r>
+            <a:r>
+              <a:rPr lang="en-US" altLang="zh-TW" b="1" i="0" dirty="0" err="1">
+                <a:solidFill>
+                  <a:schemeClr val="tx1">
+                    <a:lumMod val="75000"/>
+                    <a:lumOff val="25000"/>
+                  </a:schemeClr>
+                </a:solidFill>
+                <a:effectLst/>
+                <a:latin typeface="Consolas" panose="020B0609020204030204" pitchFamily="49" charset="0"/>
+                <a:ea typeface="微軟正黑體" panose="020B0604030504040204" pitchFamily="34" charset="-120"/>
+                <a:cs typeface="Consolas" panose="020B0609020204030204" pitchFamily="49" charset="0"/>
+              </a:rPr>
+              <a:t>AutoFileName</a:t>
+            </a:r>
+            <a:endParaRPr lang="en-US" altLang="zh-TW" b="1" i="0" dirty="0">
+              <a:solidFill>
+                <a:schemeClr val="tx1">
+                  <a:lumMod val="75000"/>
+                  <a:lumOff val="25000"/>
+                </a:schemeClr>
+              </a:solidFill>
+              <a:effectLst/>
+              <a:latin typeface="Consolas" panose="020B0609020204030204" pitchFamily="49" charset="0"/>
+              <a:ea typeface="微軟正黑體" panose="020B0604030504040204" pitchFamily="34" charset="-120"/>
+              <a:cs typeface="Consolas" panose="020B0609020204030204" pitchFamily="49" charset="0"/>
+            </a:endParaRPr>
+          </a:p>
+          <a:p>
+            <a:pPr>
+              <a:lnSpc>
+                <a:spcPct val="150000"/>
+              </a:lnSpc>
+            </a:pPr>
+            <a:r>
+              <a:rPr lang="zh-TW" altLang="en-US" b="1" i="0" dirty="0">
+                <a:solidFill>
+                  <a:schemeClr val="tx1">
+                    <a:lumMod val="75000"/>
+                    <a:lumOff val="25000"/>
+                  </a:schemeClr>
+                </a:solidFill>
+                <a:effectLst/>
+                <a:latin typeface="Consolas" panose="020B0609020204030204" pitchFamily="49" charset="0"/>
+                <a:ea typeface="微軟正黑體" panose="020B0604030504040204" pitchFamily="34" charset="-120"/>
+                <a:cs typeface="Consolas" panose="020B0609020204030204" pitchFamily="49" charset="0"/>
+              </a:rPr>
+              <a:t>文件圖示             </a:t>
+            </a:r>
+            <a:r>
+              <a:rPr lang="en-US" altLang="zh-TW" b="1" i="0" dirty="0" err="1">
+                <a:solidFill>
+                  <a:schemeClr val="tx1">
+                    <a:lumMod val="75000"/>
+                    <a:lumOff val="25000"/>
+                  </a:schemeClr>
+                </a:solidFill>
+                <a:effectLst/>
+                <a:latin typeface="Consolas" panose="020B0609020204030204" pitchFamily="49" charset="0"/>
+                <a:ea typeface="微軟正黑體" panose="020B0604030504040204" pitchFamily="34" charset="-120"/>
+                <a:cs typeface="Consolas" panose="020B0609020204030204" pitchFamily="49" charset="0"/>
+              </a:rPr>
+              <a:t>vscode</a:t>
+            </a:r>
+            <a:r>
+              <a:rPr lang="en-US" altLang="zh-TW" b="1" i="0" dirty="0">
+                <a:solidFill>
+                  <a:schemeClr val="tx1">
+                    <a:lumMod val="75000"/>
+                    <a:lumOff val="25000"/>
+                  </a:schemeClr>
+                </a:solidFill>
+                <a:effectLst/>
+                <a:latin typeface="Consolas" panose="020B0609020204030204" pitchFamily="49" charset="0"/>
+                <a:ea typeface="微軟正黑體" panose="020B0604030504040204" pitchFamily="34" charset="-120"/>
+                <a:cs typeface="Consolas" panose="020B0609020204030204" pitchFamily="49" charset="0"/>
+              </a:rPr>
+              <a:t>-icons</a:t>
+            </a:r>
+          </a:p>
+          <a:p>
+            <a:pPr>
+              <a:lnSpc>
+                <a:spcPct val="150000"/>
+              </a:lnSpc>
+            </a:pPr>
+            <a:r>
+              <a:rPr lang="zh-TW" altLang="en-US" b="1" dirty="0">
+                <a:solidFill>
+                  <a:schemeClr val="tx1">
+                    <a:lumMod val="75000"/>
+                    <a:lumOff val="25000"/>
+                  </a:schemeClr>
+                </a:solidFill>
+                <a:latin typeface="Consolas" panose="020B0609020204030204" pitchFamily="49" charset="0"/>
+                <a:cs typeface="Consolas" panose="020B0609020204030204" pitchFamily="49" charset="0"/>
+              </a:rPr>
+              <a:t>復製擋案名           </a:t>
+            </a:r>
+            <a:r>
+              <a:rPr lang="en-US" altLang="zh-TW" b="1" dirty="0">
+                <a:solidFill>
+                  <a:schemeClr val="tx1">
+                    <a:lumMod val="75000"/>
+                    <a:lumOff val="25000"/>
+                  </a:schemeClr>
+                </a:solidFill>
+                <a:latin typeface="Consolas" panose="020B0609020204030204" pitchFamily="49" charset="0"/>
+                <a:cs typeface="Consolas" panose="020B0609020204030204" pitchFamily="49" charset="0"/>
+              </a:rPr>
+              <a:t>Copy filename</a:t>
+            </a:r>
+          </a:p>
+          <a:p>
+            <a:pPr>
+              <a:lnSpc>
+                <a:spcPct val="150000"/>
+              </a:lnSpc>
+            </a:pPr>
+            <a:r>
+              <a:rPr lang="zh-TW" altLang="en-US" b="1" dirty="0">
+                <a:solidFill>
+                  <a:schemeClr val="tx1">
+                    <a:lumMod val="75000"/>
+                    <a:lumOff val="25000"/>
+                  </a:schemeClr>
+                </a:solidFill>
+              </a:rPr>
+              <a:t>括號顏色高亮                      </a:t>
+            </a:r>
+            <a:r>
+              <a:rPr lang="en-US" altLang="zh-TW" b="1" dirty="0">
+                <a:solidFill>
+                  <a:schemeClr val="tx1">
+                    <a:lumMod val="75000"/>
+                    <a:lumOff val="25000"/>
+                  </a:schemeClr>
+                </a:solidFill>
+              </a:rPr>
+              <a:t>Bracket Pair Colorizer</a:t>
+            </a:r>
+          </a:p>
+          <a:p>
+            <a:pPr>
+              <a:lnSpc>
+                <a:spcPct val="150000"/>
+              </a:lnSpc>
+            </a:pPr>
+            <a:r>
+              <a:rPr lang="zh-TW" altLang="en-US" b="1" dirty="0">
+                <a:solidFill>
+                  <a:schemeClr val="tx1">
+                    <a:lumMod val="75000"/>
+                    <a:lumOff val="25000"/>
+                  </a:schemeClr>
+                </a:solidFill>
+              </a:rPr>
+              <a:t>色碼高亮                               </a:t>
+            </a:r>
+            <a:r>
+              <a:rPr lang="en-US" altLang="zh-TW" b="1" dirty="0">
+                <a:solidFill>
+                  <a:schemeClr val="tx1">
+                    <a:lumMod val="75000"/>
+                    <a:lumOff val="25000"/>
+                  </a:schemeClr>
+                </a:solidFill>
+              </a:rPr>
+              <a:t>Color Highlight</a:t>
+            </a:r>
+          </a:p>
+          <a:p>
+            <a:pPr>
+              <a:lnSpc>
+                <a:spcPct val="150000"/>
+              </a:lnSpc>
+            </a:pPr>
+            <a:r>
+              <a:rPr lang="zh-TW" altLang="en-US" b="1" dirty="0">
+                <a:solidFill>
+                  <a:schemeClr val="tx1">
+                    <a:lumMod val="75000"/>
+                    <a:lumOff val="25000"/>
+                  </a:schemeClr>
+                </a:solidFill>
+              </a:rPr>
+              <a:t>高版本 </a:t>
+            </a:r>
+            <a:r>
+              <a:rPr lang="en-US" altLang="zh-TW" b="1" dirty="0" err="1">
+                <a:solidFill>
+                  <a:schemeClr val="tx1">
+                    <a:lumMod val="75000"/>
+                    <a:lumOff val="25000"/>
+                  </a:schemeClr>
+                </a:solidFill>
+              </a:rPr>
+              <a:t>Js</a:t>
+            </a:r>
+            <a:r>
+              <a:rPr lang="zh-TW" altLang="en-US" b="1" dirty="0">
+                <a:solidFill>
+                  <a:schemeClr val="tx1">
+                    <a:lumMod val="75000"/>
+                    <a:lumOff val="25000"/>
+                  </a:schemeClr>
+                </a:solidFill>
+              </a:rPr>
+              <a:t> 提示                     </a:t>
+            </a:r>
+            <a:r>
+              <a:rPr lang="en-US" altLang="zh-TW" b="1" dirty="0">
+                <a:solidFill>
+                  <a:schemeClr val="tx1">
+                    <a:lumMod val="75000"/>
+                    <a:lumOff val="25000"/>
+                  </a:schemeClr>
+                </a:solidFill>
+              </a:rPr>
+              <a:t>Babel </a:t>
+            </a:r>
+            <a:r>
+              <a:rPr lang="en-US" altLang="zh-TW" b="1" dirty="0" smtClean="0">
+                <a:solidFill>
+                  <a:schemeClr val="tx1">
+                    <a:lumMod val="75000"/>
+                    <a:lumOff val="25000"/>
+                  </a:schemeClr>
+                </a:solidFill>
+              </a:rPr>
+              <a:t>ES6/ES7</a:t>
+            </a:r>
+          </a:p>
+          <a:p>
+            <a:pPr>
+              <a:lnSpc>
+                <a:spcPct val="150000"/>
+              </a:lnSpc>
+            </a:pPr>
+            <a:r>
+              <a:rPr lang="zh-TW" altLang="en-US" b="1" dirty="0" smtClean="0">
+                <a:solidFill>
+                  <a:schemeClr val="tx1">
+                    <a:lumMod val="75000"/>
+                    <a:lumOff val="25000"/>
+                  </a:schemeClr>
+                </a:solidFill>
+                <a:latin typeface="Consolas" panose="020B0609020204030204" pitchFamily="49" charset="0"/>
+                <a:ea typeface="微軟正黑體" panose="020B0604030504040204" pitchFamily="34" charset="-120"/>
+                <a:cs typeface="Consolas" panose="020B0609020204030204" pitchFamily="49" charset="0"/>
+              </a:rPr>
+              <a:t>不要加入版本控管     </a:t>
+            </a:r>
+            <a:r>
+              <a:rPr lang="en-US" altLang="zh-TW" b="1" dirty="0" err="1" smtClean="0">
+                <a:solidFill>
+                  <a:schemeClr val="tx1">
+                    <a:lumMod val="75000"/>
+                    <a:lumOff val="25000"/>
+                  </a:schemeClr>
+                </a:solidFill>
+                <a:latin typeface="Consolas" panose="020B0609020204030204" pitchFamily="49" charset="0"/>
+                <a:ea typeface="微軟正黑體" panose="020B0604030504040204" pitchFamily="34" charset="-120"/>
+                <a:cs typeface="Consolas" panose="020B0609020204030204" pitchFamily="49" charset="0"/>
+              </a:rPr>
+              <a:t>gitignore</a:t>
+            </a:r>
+            <a:endParaRPr lang="en-US" altLang="zh-TW" b="1" i="0" dirty="0">
+              <a:solidFill>
+                <a:schemeClr val="tx1">
+                  <a:lumMod val="75000"/>
+                  <a:lumOff val="25000"/>
+                </a:schemeClr>
+              </a:solidFill>
+              <a:effectLst/>
+              <a:latin typeface="Consolas" panose="020B0609020204030204" pitchFamily="49" charset="0"/>
+              <a:ea typeface="微軟正黑體" panose="020B0604030504040204" pitchFamily="34" charset="-120"/>
+              <a:cs typeface="Consolas" panose="020B0609020204030204" pitchFamily="49" charset="0"/>
+            </a:endParaRPr>
+          </a:p>
+        </p:txBody>
+      </p:sp>
+    </p:spTree>
+    <p:extLst>
+      <p:ext uri="{BB962C8B-B14F-4D97-AF65-F5344CB8AC3E}">
+        <p14:creationId xmlns:p14="http://schemas.microsoft.com/office/powerpoint/2010/main" val="508653319"/>
+      </p:ext>
+    </p:extLst>
+  </p:cSld>
+  <p:clrMapOvr>
+    <a:masterClrMapping/>
+  </p:clrMapOvr>
+</p:sld>
+</file>
+
+<file path=ppt/slides/slide30.xml><?xml version="1.0" encoding="utf-8"?>
 <p:sld xmlns:a="http://schemas.openxmlformats.org/drawingml/2006/main" xmlns:r="http://schemas.openxmlformats.org/officeDocument/2006/relationships" xmlns:p="http://schemas.openxmlformats.org/presentationml/2006/main">
   <p:cSld>
     <p:spTree>
@@ -13687,578 +14986,7 @@
 </p:sld>
 </file>
 
-<file path=ppt/slides/slide3.xml><?xml version="1.0" encoding="utf-8"?>
-<p:sld xmlns:a="http://schemas.openxmlformats.org/drawingml/2006/main" xmlns:r="http://schemas.openxmlformats.org/officeDocument/2006/relationships" xmlns:p="http://schemas.openxmlformats.org/presentationml/2006/main">
-  <p:cSld>
-    <p:spTree>
-      <p:nvGrpSpPr>
-        <p:cNvPr id="1" name=""/>
-        <p:cNvGrpSpPr/>
-        <p:nvPr/>
-      </p:nvGrpSpPr>
-      <p:grpSpPr>
-        <a:xfrm>
-          <a:off x="0" y="0"/>
-          <a:ext cx="0" cy="0"/>
-          <a:chOff x="0" y="0"/>
-          <a:chExt cx="0" cy="0"/>
-        </a:xfrm>
-      </p:grpSpPr>
-      <p:sp>
-        <p:nvSpPr>
-          <p:cNvPr id="4" name="標題 1"/>
-          <p:cNvSpPr>
-            <a:spLocks noGrp="1"/>
-          </p:cNvSpPr>
-          <p:nvPr>
-            <p:ph type="title"/>
-          </p:nvPr>
-        </p:nvSpPr>
-        <p:spPr>
-          <a:xfrm>
-            <a:off x="1807378" y="1196045"/>
-            <a:ext cx="4111733" cy="633083"/>
-          </a:xfrm>
-        </p:spPr>
-        <p:txBody>
-          <a:bodyPr>
-            <a:noAutofit/>
-          </a:bodyPr>
-          <a:lstStyle/>
-          <a:p>
-            <a:pPr algn="ctr"/>
-            <a:r>
-              <a:rPr lang="en-US" altLang="zh-TW" sz="3200" b="1" u="sng" dirty="0">
-                <a:solidFill>
-                  <a:srgbClr val="323230"/>
-                </a:solidFill>
-                <a:latin typeface="Microsoft YaHei UI" panose="020B0503020204020204" pitchFamily="34" charset="-122"/>
-                <a:ea typeface="Microsoft YaHei UI" panose="020B0503020204020204" pitchFamily="34" charset="-122"/>
-              </a:rPr>
-              <a:t># </a:t>
-            </a:r>
-            <a:r>
-              <a:rPr lang="en-US" altLang="zh-TW" sz="3200" b="1" u="sng" dirty="0" err="1">
-                <a:solidFill>
-                  <a:srgbClr val="323230"/>
-                </a:solidFill>
-                <a:latin typeface="Microsoft YaHei UI" panose="020B0503020204020204" pitchFamily="34" charset="-122"/>
-                <a:ea typeface="Microsoft YaHei UI" panose="020B0503020204020204" pitchFamily="34" charset="-122"/>
-              </a:rPr>
-              <a:t>VScode</a:t>
-            </a:r>
-            <a:r>
-              <a:rPr lang="en-US" altLang="zh-TW" sz="3200" b="1" u="sng" dirty="0">
-                <a:solidFill>
-                  <a:srgbClr val="323230"/>
-                </a:solidFill>
-                <a:latin typeface="Microsoft YaHei UI" panose="020B0503020204020204" pitchFamily="34" charset="-122"/>
-                <a:ea typeface="Microsoft YaHei UI" panose="020B0503020204020204" pitchFamily="34" charset="-122"/>
-              </a:rPr>
-              <a:t> </a:t>
-            </a:r>
-            <a:r>
-              <a:rPr lang="zh-TW" altLang="en-US" sz="3200" b="1" u="sng" dirty="0">
-                <a:solidFill>
-                  <a:srgbClr val="323230"/>
-                </a:solidFill>
-                <a:latin typeface="Microsoft YaHei UI" panose="020B0503020204020204" pitchFamily="34" charset="-122"/>
-                <a:ea typeface="Microsoft YaHei UI" panose="020B0503020204020204" pitchFamily="34" charset="-122"/>
-              </a:rPr>
-              <a:t>就是讚</a:t>
-            </a:r>
-          </a:p>
-        </p:txBody>
-      </p:sp>
-      <p:pic>
-        <p:nvPicPr>
-          <p:cNvPr id="5" name="圖片 4"/>
-          <p:cNvPicPr>
-            <a:picLocks noChangeAspect="1"/>
-          </p:cNvPicPr>
-          <p:nvPr/>
-        </p:nvPicPr>
-        <p:blipFill>
-          <a:blip r:embed="rId2" cstate="print">
-            <a:extLst>
-              <a:ext uri="{28A0092B-C50C-407E-A947-70E740481C1C}">
-                <a14:useLocalDpi xmlns:a14="http://schemas.microsoft.com/office/drawing/2010/main" val="0"/>
-              </a:ext>
-            </a:extLst>
-          </a:blip>
-          <a:stretch>
-            <a:fillRect/>
-          </a:stretch>
-        </p:blipFill>
-        <p:spPr>
-          <a:xfrm>
-            <a:off x="6338211" y="1064068"/>
-            <a:ext cx="900789" cy="897036"/>
-          </a:xfrm>
-          <a:prstGeom prst="rect">
-            <a:avLst/>
-          </a:prstGeom>
-        </p:spPr>
-      </p:pic>
-      <p:sp>
-        <p:nvSpPr>
-          <p:cNvPr id="6" name="矩形 5"/>
-          <p:cNvSpPr/>
-          <p:nvPr/>
-        </p:nvSpPr>
-        <p:spPr>
-          <a:xfrm>
-            <a:off x="1667678" y="2211086"/>
-            <a:ext cx="5891889" cy="3831818"/>
-          </a:xfrm>
-          <a:prstGeom prst="rect">
-            <a:avLst/>
-          </a:prstGeom>
-        </p:spPr>
-        <p:txBody>
-          <a:bodyPr wrap="square">
-            <a:spAutoFit/>
-          </a:bodyPr>
-          <a:lstStyle/>
-          <a:p>
-            <a:pPr>
-              <a:lnSpc>
-                <a:spcPct val="150000"/>
-              </a:lnSpc>
-            </a:pPr>
-            <a:r>
-              <a:rPr lang="zh-TW" altLang="en-US" b="1" dirty="0">
-                <a:solidFill>
-                  <a:schemeClr val="tx1">
-                    <a:lumMod val="75000"/>
-                    <a:lumOff val="25000"/>
-                  </a:schemeClr>
-                </a:solidFill>
-              </a:rPr>
-              <a:t>中文翻譯套件                      </a:t>
-            </a:r>
-            <a:r>
-              <a:rPr lang="en-US" altLang="zh-TW" b="1" dirty="0">
-                <a:solidFill>
-                  <a:schemeClr val="tx1">
-                    <a:lumMod val="75000"/>
-                    <a:lumOff val="25000"/>
-                  </a:schemeClr>
-                </a:solidFill>
-              </a:rPr>
-              <a:t>Chinese </a:t>
-            </a:r>
-            <a:endParaRPr lang="en-US" altLang="zh-TW" b="1" i="0" dirty="0">
-              <a:solidFill>
-                <a:schemeClr val="tx1">
-                  <a:lumMod val="75000"/>
-                  <a:lumOff val="25000"/>
-                </a:schemeClr>
-              </a:solidFill>
-              <a:effectLst/>
-              <a:latin typeface="Consolas" panose="020B0609020204030204" pitchFamily="49" charset="0"/>
-              <a:ea typeface="微軟正黑體" panose="020B0604030504040204" pitchFamily="34" charset="-120"/>
-              <a:cs typeface="Consolas" panose="020B0609020204030204" pitchFamily="49" charset="0"/>
-            </a:endParaRPr>
-          </a:p>
-          <a:p>
-            <a:pPr>
-              <a:lnSpc>
-                <a:spcPct val="150000"/>
-              </a:lnSpc>
-            </a:pPr>
-            <a:r>
-              <a:rPr lang="zh-TW" altLang="en-US" b="1" i="0" dirty="0">
-                <a:solidFill>
-                  <a:schemeClr val="tx1">
-                    <a:lumMod val="75000"/>
-                    <a:lumOff val="25000"/>
-                  </a:schemeClr>
-                </a:solidFill>
-                <a:effectLst/>
-                <a:latin typeface="Consolas" panose="020B0609020204030204" pitchFamily="49" charset="0"/>
-                <a:ea typeface="微軟正黑體" panose="020B0604030504040204" pitchFamily="34" charset="-120"/>
-                <a:cs typeface="Consolas" panose="020B0609020204030204" pitchFamily="49" charset="0"/>
-              </a:rPr>
-              <a:t>顏色樣式主題         </a:t>
-            </a:r>
-            <a:r>
-              <a:rPr lang="en-US" altLang="zh-TW" b="1" i="0" dirty="0" err="1">
-                <a:solidFill>
-                  <a:schemeClr val="tx1">
-                    <a:lumMod val="75000"/>
-                    <a:lumOff val="25000"/>
-                  </a:schemeClr>
-                </a:solidFill>
-                <a:effectLst/>
-                <a:latin typeface="Consolas" panose="020B0609020204030204" pitchFamily="49" charset="0"/>
-                <a:ea typeface="微軟正黑體" panose="020B0604030504040204" pitchFamily="34" charset="-120"/>
-                <a:cs typeface="Consolas" panose="020B0609020204030204" pitchFamily="49" charset="0"/>
-              </a:rPr>
-              <a:t>Monokai</a:t>
-            </a:r>
-            <a:r>
-              <a:rPr lang="en-US" altLang="zh-TW" b="1" i="0" dirty="0">
-                <a:solidFill>
-                  <a:schemeClr val="tx1">
-                    <a:lumMod val="75000"/>
-                    <a:lumOff val="25000"/>
-                  </a:schemeClr>
-                </a:solidFill>
-                <a:effectLst/>
-                <a:latin typeface="Consolas" panose="020B0609020204030204" pitchFamily="49" charset="0"/>
-                <a:ea typeface="微軟正黑體" panose="020B0604030504040204" pitchFamily="34" charset="-120"/>
-                <a:cs typeface="Consolas" panose="020B0609020204030204" pitchFamily="49" charset="0"/>
-              </a:rPr>
-              <a:t> Dark Soda</a:t>
-            </a:r>
-          </a:p>
-          <a:p>
-            <a:pPr>
-              <a:lnSpc>
-                <a:spcPct val="150000"/>
-              </a:lnSpc>
-            </a:pPr>
-            <a:r>
-              <a:rPr lang="zh-TW" altLang="en-US" b="1" dirty="0">
-                <a:solidFill>
-                  <a:schemeClr val="tx1">
-                    <a:lumMod val="75000"/>
-                    <a:lumOff val="25000"/>
-                  </a:schemeClr>
-                </a:solidFill>
-                <a:latin typeface="Consolas" panose="020B0609020204030204" pitchFamily="49" charset="0"/>
-                <a:ea typeface="微軟正黑體" panose="020B0604030504040204" pitchFamily="34" charset="-120"/>
-                <a:cs typeface="Consolas" panose="020B0609020204030204" pitchFamily="49" charset="0"/>
-              </a:rPr>
-              <a:t>簡易</a:t>
-            </a:r>
-            <a:r>
-              <a:rPr lang="en-US" altLang="zh-TW" b="1" dirty="0">
-                <a:solidFill>
-                  <a:schemeClr val="tx1">
-                    <a:lumMod val="75000"/>
-                    <a:lumOff val="25000"/>
-                  </a:schemeClr>
-                </a:solidFill>
-                <a:latin typeface="Consolas" panose="020B0609020204030204" pitchFamily="49" charset="0"/>
-                <a:ea typeface="微軟正黑體" panose="020B0604030504040204" pitchFamily="34" charset="-120"/>
-                <a:cs typeface="Consolas" panose="020B0609020204030204" pitchFamily="49" charset="0"/>
-              </a:rPr>
-              <a:t>localhost</a:t>
-            </a:r>
-            <a:r>
-              <a:rPr lang="zh-TW" altLang="en-US" b="1" dirty="0">
-                <a:solidFill>
-                  <a:schemeClr val="tx1">
-                    <a:lumMod val="75000"/>
-                    <a:lumOff val="25000"/>
-                  </a:schemeClr>
-                </a:solidFill>
-                <a:latin typeface="Consolas" panose="020B0609020204030204" pitchFamily="49" charset="0"/>
-                <a:ea typeface="微軟正黑體" panose="020B0604030504040204" pitchFamily="34" charset="-120"/>
-                <a:cs typeface="Consolas" panose="020B0609020204030204" pitchFamily="49" charset="0"/>
-              </a:rPr>
-              <a:t>伺服器  </a:t>
-            </a:r>
-            <a:r>
-              <a:rPr lang="en-US" altLang="zh-TW" b="1" dirty="0">
-                <a:solidFill>
-                  <a:schemeClr val="tx1">
-                    <a:lumMod val="75000"/>
-                    <a:lumOff val="25000"/>
-                  </a:schemeClr>
-                </a:solidFill>
-                <a:latin typeface="Consolas" panose="020B0609020204030204" pitchFamily="49" charset="0"/>
-                <a:ea typeface="微軟正黑體" panose="020B0604030504040204" pitchFamily="34" charset="-120"/>
-                <a:cs typeface="Consolas" panose="020B0609020204030204" pitchFamily="49" charset="0"/>
-              </a:rPr>
-              <a:t>Live Server</a:t>
-            </a:r>
-            <a:endParaRPr lang="en-US" altLang="zh-TW" b="1" i="0" dirty="0">
-              <a:solidFill>
-                <a:schemeClr val="tx1">
-                  <a:lumMod val="75000"/>
-                  <a:lumOff val="25000"/>
-                </a:schemeClr>
-              </a:solidFill>
-              <a:effectLst/>
-              <a:latin typeface="Consolas" panose="020B0609020204030204" pitchFamily="49" charset="0"/>
-              <a:ea typeface="微軟正黑體" panose="020B0604030504040204" pitchFamily="34" charset="-120"/>
-              <a:cs typeface="Consolas" panose="020B0609020204030204" pitchFamily="49" charset="0"/>
-            </a:endParaRPr>
-          </a:p>
-          <a:p>
-            <a:pPr>
-              <a:lnSpc>
-                <a:spcPct val="150000"/>
-              </a:lnSpc>
-            </a:pPr>
-            <a:r>
-              <a:rPr lang="zh-TW" altLang="en-US" b="1" i="0" dirty="0">
-                <a:solidFill>
-                  <a:schemeClr val="tx1">
-                    <a:lumMod val="75000"/>
-                    <a:lumOff val="25000"/>
-                  </a:schemeClr>
-                </a:solidFill>
-                <a:effectLst/>
-                <a:latin typeface="Consolas" panose="020B0609020204030204" pitchFamily="49" charset="0"/>
-                <a:ea typeface="微軟正黑體" panose="020B0604030504040204" pitchFamily="34" charset="-120"/>
-                <a:cs typeface="Consolas" panose="020B0609020204030204" pitchFamily="49" charset="0"/>
-              </a:rPr>
-              <a:t>路徑選擇套件         </a:t>
-            </a:r>
-            <a:r>
-              <a:rPr lang="en-US" altLang="zh-TW" b="1" i="0" dirty="0" err="1">
-                <a:solidFill>
-                  <a:schemeClr val="tx1">
-                    <a:lumMod val="75000"/>
-                    <a:lumOff val="25000"/>
-                  </a:schemeClr>
-                </a:solidFill>
-                <a:effectLst/>
-                <a:latin typeface="Consolas" panose="020B0609020204030204" pitchFamily="49" charset="0"/>
-                <a:ea typeface="微軟正黑體" panose="020B0604030504040204" pitchFamily="34" charset="-120"/>
-                <a:cs typeface="Consolas" panose="020B0609020204030204" pitchFamily="49" charset="0"/>
-              </a:rPr>
-              <a:t>AutoFileName</a:t>
-            </a:r>
-            <a:endParaRPr lang="en-US" altLang="zh-TW" b="1" i="0" dirty="0">
-              <a:solidFill>
-                <a:schemeClr val="tx1">
-                  <a:lumMod val="75000"/>
-                  <a:lumOff val="25000"/>
-                </a:schemeClr>
-              </a:solidFill>
-              <a:effectLst/>
-              <a:latin typeface="Consolas" panose="020B0609020204030204" pitchFamily="49" charset="0"/>
-              <a:ea typeface="微軟正黑體" panose="020B0604030504040204" pitchFamily="34" charset="-120"/>
-              <a:cs typeface="Consolas" panose="020B0609020204030204" pitchFamily="49" charset="0"/>
-            </a:endParaRPr>
-          </a:p>
-          <a:p>
-            <a:pPr>
-              <a:lnSpc>
-                <a:spcPct val="150000"/>
-              </a:lnSpc>
-            </a:pPr>
-            <a:r>
-              <a:rPr lang="zh-TW" altLang="en-US" b="1" i="0" dirty="0">
-                <a:solidFill>
-                  <a:schemeClr val="tx1">
-                    <a:lumMod val="75000"/>
-                    <a:lumOff val="25000"/>
-                  </a:schemeClr>
-                </a:solidFill>
-                <a:effectLst/>
-                <a:latin typeface="Consolas" panose="020B0609020204030204" pitchFamily="49" charset="0"/>
-                <a:ea typeface="微軟正黑體" panose="020B0604030504040204" pitchFamily="34" charset="-120"/>
-                <a:cs typeface="Consolas" panose="020B0609020204030204" pitchFamily="49" charset="0"/>
-              </a:rPr>
-              <a:t>文件圖示             </a:t>
-            </a:r>
-            <a:r>
-              <a:rPr lang="en-US" altLang="zh-TW" b="1" i="0" dirty="0" err="1">
-                <a:solidFill>
-                  <a:schemeClr val="tx1">
-                    <a:lumMod val="75000"/>
-                    <a:lumOff val="25000"/>
-                  </a:schemeClr>
-                </a:solidFill>
-                <a:effectLst/>
-                <a:latin typeface="Consolas" panose="020B0609020204030204" pitchFamily="49" charset="0"/>
-                <a:ea typeface="微軟正黑體" panose="020B0604030504040204" pitchFamily="34" charset="-120"/>
-                <a:cs typeface="Consolas" panose="020B0609020204030204" pitchFamily="49" charset="0"/>
-              </a:rPr>
-              <a:t>vscode</a:t>
-            </a:r>
-            <a:r>
-              <a:rPr lang="en-US" altLang="zh-TW" b="1" i="0" dirty="0">
-                <a:solidFill>
-                  <a:schemeClr val="tx1">
-                    <a:lumMod val="75000"/>
-                    <a:lumOff val="25000"/>
-                  </a:schemeClr>
-                </a:solidFill>
-                <a:effectLst/>
-                <a:latin typeface="Consolas" panose="020B0609020204030204" pitchFamily="49" charset="0"/>
-                <a:ea typeface="微軟正黑體" panose="020B0604030504040204" pitchFamily="34" charset="-120"/>
-                <a:cs typeface="Consolas" panose="020B0609020204030204" pitchFamily="49" charset="0"/>
-              </a:rPr>
-              <a:t>-icons</a:t>
-            </a:r>
-          </a:p>
-          <a:p>
-            <a:pPr>
-              <a:lnSpc>
-                <a:spcPct val="150000"/>
-              </a:lnSpc>
-            </a:pPr>
-            <a:r>
-              <a:rPr lang="zh-TW" altLang="en-US" b="1" dirty="0">
-                <a:solidFill>
-                  <a:schemeClr val="tx1">
-                    <a:lumMod val="75000"/>
-                    <a:lumOff val="25000"/>
-                  </a:schemeClr>
-                </a:solidFill>
-                <a:latin typeface="Consolas" panose="020B0609020204030204" pitchFamily="49" charset="0"/>
-                <a:cs typeface="Consolas" panose="020B0609020204030204" pitchFamily="49" charset="0"/>
-              </a:rPr>
-              <a:t>復製擋案名           </a:t>
-            </a:r>
-            <a:r>
-              <a:rPr lang="en-US" altLang="zh-TW" b="1" dirty="0">
-                <a:solidFill>
-                  <a:schemeClr val="tx1">
-                    <a:lumMod val="75000"/>
-                    <a:lumOff val="25000"/>
-                  </a:schemeClr>
-                </a:solidFill>
-                <a:latin typeface="Consolas" panose="020B0609020204030204" pitchFamily="49" charset="0"/>
-                <a:cs typeface="Consolas" panose="020B0609020204030204" pitchFamily="49" charset="0"/>
-              </a:rPr>
-              <a:t>Copy filename</a:t>
-            </a:r>
-          </a:p>
-          <a:p>
-            <a:pPr>
-              <a:lnSpc>
-                <a:spcPct val="150000"/>
-              </a:lnSpc>
-            </a:pPr>
-            <a:r>
-              <a:rPr lang="zh-TW" altLang="en-US" b="1" dirty="0">
-                <a:solidFill>
-                  <a:schemeClr val="tx1">
-                    <a:lumMod val="75000"/>
-                    <a:lumOff val="25000"/>
-                  </a:schemeClr>
-                </a:solidFill>
-              </a:rPr>
-              <a:t>括號顏色高亮                      </a:t>
-            </a:r>
-            <a:r>
-              <a:rPr lang="en-US" altLang="zh-TW" b="1" dirty="0">
-                <a:solidFill>
-                  <a:schemeClr val="tx1">
-                    <a:lumMod val="75000"/>
-                    <a:lumOff val="25000"/>
-                  </a:schemeClr>
-                </a:solidFill>
-              </a:rPr>
-              <a:t>Bracket Pair Colorizer</a:t>
-            </a:r>
-          </a:p>
-          <a:p>
-            <a:pPr>
-              <a:lnSpc>
-                <a:spcPct val="150000"/>
-              </a:lnSpc>
-            </a:pPr>
-            <a:r>
-              <a:rPr lang="zh-TW" altLang="en-US" b="1" dirty="0">
-                <a:solidFill>
-                  <a:schemeClr val="tx1">
-                    <a:lumMod val="75000"/>
-                    <a:lumOff val="25000"/>
-                  </a:schemeClr>
-                </a:solidFill>
-              </a:rPr>
-              <a:t>色碼高亮                               </a:t>
-            </a:r>
-            <a:r>
-              <a:rPr lang="en-US" altLang="zh-TW" b="1" dirty="0">
-                <a:solidFill>
-                  <a:schemeClr val="tx1">
-                    <a:lumMod val="75000"/>
-                    <a:lumOff val="25000"/>
-                  </a:schemeClr>
-                </a:solidFill>
-              </a:rPr>
-              <a:t>Color Highlight</a:t>
-            </a:r>
-          </a:p>
-          <a:p>
-            <a:pPr>
-              <a:lnSpc>
-                <a:spcPct val="150000"/>
-              </a:lnSpc>
-            </a:pPr>
-            <a:r>
-              <a:rPr lang="zh-TW" altLang="en-US" b="1" dirty="0">
-                <a:solidFill>
-                  <a:schemeClr val="tx1">
-                    <a:lumMod val="75000"/>
-                    <a:lumOff val="25000"/>
-                  </a:schemeClr>
-                </a:solidFill>
-              </a:rPr>
-              <a:t>高版本 </a:t>
-            </a:r>
-            <a:r>
-              <a:rPr lang="en-US" altLang="zh-TW" b="1" dirty="0" err="1">
-                <a:solidFill>
-                  <a:schemeClr val="tx1">
-                    <a:lumMod val="75000"/>
-                    <a:lumOff val="25000"/>
-                  </a:schemeClr>
-                </a:solidFill>
-              </a:rPr>
-              <a:t>Js</a:t>
-            </a:r>
-            <a:r>
-              <a:rPr lang="zh-TW" altLang="en-US" b="1" dirty="0">
-                <a:solidFill>
-                  <a:schemeClr val="tx1">
-                    <a:lumMod val="75000"/>
-                    <a:lumOff val="25000"/>
-                  </a:schemeClr>
-                </a:solidFill>
-              </a:rPr>
-              <a:t> 提示                     </a:t>
-            </a:r>
-            <a:r>
-              <a:rPr lang="en-US" altLang="zh-TW" b="1" dirty="0">
-                <a:solidFill>
-                  <a:schemeClr val="tx1">
-                    <a:lumMod val="75000"/>
-                    <a:lumOff val="25000"/>
-                  </a:schemeClr>
-                </a:solidFill>
-              </a:rPr>
-              <a:t>Babel ES6/ES7</a:t>
-            </a:r>
-            <a:endParaRPr lang="en-US" altLang="zh-TW" b="1" i="0" dirty="0">
-              <a:solidFill>
-                <a:schemeClr val="tx1">
-                  <a:lumMod val="75000"/>
-                  <a:lumOff val="25000"/>
-                </a:schemeClr>
-              </a:solidFill>
-              <a:effectLst/>
-              <a:latin typeface="Consolas" panose="020B0609020204030204" pitchFamily="49" charset="0"/>
-              <a:ea typeface="微軟正黑體" panose="020B0604030504040204" pitchFamily="34" charset="-120"/>
-              <a:cs typeface="Consolas" panose="020B0609020204030204" pitchFamily="49" charset="0"/>
-            </a:endParaRPr>
-          </a:p>
-        </p:txBody>
-      </p:sp>
-    </p:spTree>
-    <p:extLst>
-      <p:ext uri="{BB962C8B-B14F-4D97-AF65-F5344CB8AC3E}">
-        <p14:creationId xmlns:p14="http://schemas.microsoft.com/office/powerpoint/2010/main" val="508653319"/>
-      </p:ext>
-    </p:extLst>
-  </p:cSld>
-  <p:clrMapOvr>
-    <a:masterClrMapping/>
-  </p:clrMapOvr>
-</p:sld>
-</file>
-
-<file path=ppt/slides/slide30.xml><?xml version="1.0" encoding="utf-8"?>
+<file path=ppt/slides/slide31.xml><?xml version="1.0" encoding="utf-8"?>
 <p:sld xmlns:a="http://schemas.openxmlformats.org/drawingml/2006/main" xmlns:r="http://schemas.openxmlformats.org/officeDocument/2006/relationships" xmlns:p="http://schemas.openxmlformats.org/presentationml/2006/main">
   <p:cSld>
     <p:spTree>
@@ -14660,7 +15388,7 @@
 </p:sld>
 </file>
 
-<file path=ppt/slides/slide31.xml><?xml version="1.0" encoding="utf-8"?>
+<file path=ppt/slides/slide32.xml><?xml version="1.0" encoding="utf-8"?>
 <p:sld xmlns:a="http://schemas.openxmlformats.org/drawingml/2006/main" xmlns:r="http://schemas.openxmlformats.org/officeDocument/2006/relationships" xmlns:p="http://schemas.openxmlformats.org/presentationml/2006/main">
   <p:cSld>
     <p:spTree>
@@ -14720,7 +15448,7 @@
 </p:sld>
 </file>
 
-<file path=ppt/slides/slide32.xml><?xml version="1.0" encoding="utf-8"?>
+<file path=ppt/slides/slide33.xml><?xml version="1.0" encoding="utf-8"?>
 <p:sld xmlns:a="http://schemas.openxmlformats.org/drawingml/2006/main" xmlns:r="http://schemas.openxmlformats.org/officeDocument/2006/relationships" xmlns:p="http://schemas.openxmlformats.org/presentationml/2006/main">
   <p:cSld>
     <p:bg>
@@ -15028,7 +15756,7 @@
 </p:sld>
 </file>
 
-<file path=ppt/slides/slide33.xml><?xml version="1.0" encoding="utf-8"?>
+<file path=ppt/slides/slide34.xml><?xml version="1.0" encoding="utf-8"?>
 <p:sld xmlns:a="http://schemas.openxmlformats.org/drawingml/2006/main" xmlns:r="http://schemas.openxmlformats.org/officeDocument/2006/relationships" xmlns:p="http://schemas.openxmlformats.org/presentationml/2006/main">
   <p:cSld>
     <p:bg>
@@ -15602,7 +16330,7 @@
 </p:sld>
 </file>
 
-<file path=ppt/slides/slide34.xml><?xml version="1.0" encoding="utf-8"?>
+<file path=ppt/slides/slide35.xml><?xml version="1.0" encoding="utf-8"?>
 <p:sld xmlns:a="http://schemas.openxmlformats.org/drawingml/2006/main" xmlns:r="http://schemas.openxmlformats.org/officeDocument/2006/relationships" xmlns:p="http://schemas.openxmlformats.org/presentationml/2006/main">
   <p:cSld>
     <p:spTree>
@@ -15734,7 +16462,7 @@
 </p:sld>
 </file>
 
-<file path=ppt/slides/slide35.xml><?xml version="1.0" encoding="utf-8"?>
+<file path=ppt/slides/slide36.xml><?xml version="1.0" encoding="utf-8"?>
 <p:sld xmlns:a="http://schemas.openxmlformats.org/drawingml/2006/main" xmlns:r="http://schemas.openxmlformats.org/officeDocument/2006/relationships" xmlns:p="http://schemas.openxmlformats.org/presentationml/2006/main">
   <p:cSld>
     <p:bg>
@@ -16466,7 +17194,7 @@
 </p:sld>
 </file>
 
-<file path=ppt/slides/slide36.xml><?xml version="1.0" encoding="utf-8"?>
+<file path=ppt/slides/slide37.xml><?xml version="1.0" encoding="utf-8"?>
 <p:sld xmlns:a="http://schemas.openxmlformats.org/drawingml/2006/main" xmlns:r="http://schemas.openxmlformats.org/officeDocument/2006/relationships" xmlns:p="http://schemas.openxmlformats.org/presentationml/2006/main">
   <p:cSld>
     <p:bg>
@@ -17007,7 +17735,7 @@
 </p:sld>
 </file>
 
-<file path=ppt/slides/slide37.xml><?xml version="1.0" encoding="utf-8"?>
+<file path=ppt/slides/slide38.xml><?xml version="1.0" encoding="utf-8"?>
 <p:sld xmlns:a="http://schemas.openxmlformats.org/drawingml/2006/main" xmlns:r="http://schemas.openxmlformats.org/officeDocument/2006/relationships" xmlns:p="http://schemas.openxmlformats.org/presentationml/2006/main">
   <p:cSld>
     <p:bg>
@@ -17725,7 +18453,7 @@
 </p:sld>
 </file>
 
-<file path=ppt/slides/slide38.xml><?xml version="1.0" encoding="utf-8"?>
+<file path=ppt/slides/slide39.xml><?xml version="1.0" encoding="utf-8"?>
 <p:sld xmlns:a="http://schemas.openxmlformats.org/drawingml/2006/main" xmlns:r="http://schemas.openxmlformats.org/officeDocument/2006/relationships" xmlns:p="http://schemas.openxmlformats.org/presentationml/2006/main">
   <p:cSld>
     <p:spTree>
@@ -18252,509 +18980,6 @@
 </p:sld>
 </file>
 
-<file path=ppt/slides/slide39.xml><?xml version="1.0" encoding="utf-8"?>
-<p:sld xmlns:a="http://schemas.openxmlformats.org/drawingml/2006/main" xmlns:r="http://schemas.openxmlformats.org/officeDocument/2006/relationships" xmlns:p="http://schemas.openxmlformats.org/presentationml/2006/main">
-  <p:cSld>
-    <p:bg>
-      <p:bgPr>
-        <a:solidFill>
-          <a:srgbClr val="323230"/>
-        </a:solidFill>
-        <a:effectLst/>
-      </p:bgPr>
-    </p:bg>
-    <p:spTree>
-      <p:nvGrpSpPr>
-        <p:cNvPr id="1" name=""/>
-        <p:cNvGrpSpPr/>
-        <p:nvPr/>
-      </p:nvGrpSpPr>
-      <p:grpSpPr>
-        <a:xfrm>
-          <a:off x="0" y="0"/>
-          <a:ext cx="0" cy="0"/>
-          <a:chOff x="0" y="0"/>
-          <a:chExt cx="0" cy="0"/>
-        </a:xfrm>
-      </p:grpSpPr>
-      <p:sp>
-        <p:nvSpPr>
-          <p:cNvPr id="2" name="矩形 1"/>
-          <p:cNvSpPr/>
-          <p:nvPr/>
-        </p:nvSpPr>
-        <p:spPr>
-          <a:xfrm>
-            <a:off x="1069127" y="2508155"/>
-            <a:ext cx="3892732" cy="2031325"/>
-          </a:xfrm>
-          <a:prstGeom prst="rect">
-            <a:avLst/>
-          </a:prstGeom>
-        </p:spPr>
-        <p:txBody>
-          <a:bodyPr wrap="square">
-            <a:spAutoFit/>
-          </a:bodyPr>
-          <a:lstStyle/>
-          <a:p>
-            <a:r>
-              <a:rPr lang="en-US" altLang="zh-TW" dirty="0">
-                <a:solidFill>
-                  <a:srgbClr val="FFEE99"/>
-                </a:solidFill>
-                <a:latin typeface="Consolas" panose="020B0609020204030204" pitchFamily="49" charset="0"/>
-              </a:rPr>
-              <a:t>'a123@gmail.com'</a:t>
-            </a:r>
-            <a:r>
-              <a:rPr lang="en-US" altLang="zh-TW" dirty="0">
-                <a:solidFill>
-                  <a:srgbClr val="F8F8F2"/>
-                </a:solidFill>
-                <a:latin typeface="Consolas" panose="020B0609020204030204" pitchFamily="49" charset="0"/>
-              </a:rPr>
-              <a:t>,</a:t>
-            </a:r>
-          </a:p>
-          <a:p>
-            <a:r>
-              <a:rPr lang="en-US" altLang="zh-TW" dirty="0">
-                <a:solidFill>
-                  <a:srgbClr val="FFEE99"/>
-                </a:solidFill>
-                <a:latin typeface="Consolas" panose="020B0609020204030204" pitchFamily="49" charset="0"/>
-              </a:rPr>
-              <a:t>'tesst@hotmail.com'</a:t>
-            </a:r>
-            <a:r>
-              <a:rPr lang="en-US" altLang="zh-TW" dirty="0">
-                <a:solidFill>
-                  <a:srgbClr val="F8F8F2"/>
-                </a:solidFill>
-                <a:latin typeface="Consolas" panose="020B0609020204030204" pitchFamily="49" charset="0"/>
-              </a:rPr>
-              <a:t>,</a:t>
-            </a:r>
-          </a:p>
-          <a:p>
-            <a:r>
-              <a:rPr lang="en-US" altLang="zh-TW" dirty="0">
-                <a:solidFill>
-                  <a:srgbClr val="FFEE99"/>
-                </a:solidFill>
-                <a:latin typeface="Consolas" panose="020B0609020204030204" pitchFamily="49" charset="0"/>
-              </a:rPr>
-              <a:t>'n789@gmail.com'</a:t>
-            </a:r>
-            <a:r>
-              <a:rPr lang="en-US" altLang="zh-TW" dirty="0">
-                <a:solidFill>
-                  <a:srgbClr val="F8F8F2"/>
-                </a:solidFill>
-                <a:latin typeface="Consolas" panose="020B0609020204030204" pitchFamily="49" charset="0"/>
-              </a:rPr>
-              <a:t>,</a:t>
-            </a:r>
-          </a:p>
-          <a:p>
-            <a:r>
-              <a:rPr lang="en-US" altLang="zh-TW" dirty="0">
-                <a:solidFill>
-                  <a:srgbClr val="FFEE99"/>
-                </a:solidFill>
-                <a:latin typeface="Consolas" panose="020B0609020204030204" pitchFamily="49" charset="0"/>
-              </a:rPr>
-              <a:t>'abcdef@yahoo.com'</a:t>
-            </a:r>
-            <a:r>
-              <a:rPr lang="en-US" altLang="zh-TW" dirty="0">
-                <a:solidFill>
-                  <a:srgbClr val="F8F8F2"/>
-                </a:solidFill>
-                <a:latin typeface="Consolas" panose="020B0609020204030204" pitchFamily="49" charset="0"/>
-              </a:rPr>
-              <a:t>,</a:t>
-            </a:r>
-          </a:p>
-          <a:p>
-            <a:r>
-              <a:rPr lang="en-US" altLang="zh-TW" dirty="0">
-                <a:solidFill>
-                  <a:srgbClr val="FFEE99"/>
-                </a:solidFill>
-                <a:latin typeface="Consolas" panose="020B0609020204030204" pitchFamily="49" charset="0"/>
-              </a:rPr>
-              <a:t>'55555@gmail.com'</a:t>
-            </a:r>
-            <a:r>
-              <a:rPr lang="en-US" altLang="zh-TW" dirty="0">
-                <a:solidFill>
-                  <a:srgbClr val="F8F8F2"/>
-                </a:solidFill>
-                <a:latin typeface="Consolas" panose="020B0609020204030204" pitchFamily="49" charset="0"/>
-              </a:rPr>
-              <a:t>,</a:t>
-            </a:r>
-          </a:p>
-          <a:p>
-            <a:r>
-              <a:rPr lang="en-US" altLang="zh-TW" dirty="0">
-                <a:solidFill>
-                  <a:srgbClr val="FFEE99"/>
-                </a:solidFill>
-                <a:latin typeface="Consolas" panose="020B0609020204030204" pitchFamily="49" charset="0"/>
-              </a:rPr>
-              <a:t>'1245@hotmail.com'</a:t>
-            </a:r>
-            <a:r>
-              <a:rPr lang="en-US" altLang="zh-TW" dirty="0">
-                <a:solidFill>
-                  <a:srgbClr val="F8F8F2"/>
-                </a:solidFill>
-                <a:latin typeface="Consolas" panose="020B0609020204030204" pitchFamily="49" charset="0"/>
-              </a:rPr>
-              <a:t>,</a:t>
-            </a:r>
-          </a:p>
-          <a:p>
-            <a:r>
-              <a:rPr lang="en-US" altLang="zh-TW" dirty="0">
-                <a:solidFill>
-                  <a:srgbClr val="FFEE99"/>
-                </a:solidFill>
-                <a:latin typeface="Consolas" panose="020B0609020204030204" pitchFamily="49" charset="0"/>
-              </a:rPr>
-              <a:t>'abc123@hotmail.com'</a:t>
-            </a:r>
-            <a:r>
-              <a:rPr lang="en-US" altLang="zh-TW" dirty="0">
-                <a:solidFill>
-                  <a:srgbClr val="F8F8F2"/>
-                </a:solidFill>
-                <a:latin typeface="Consolas" panose="020B0609020204030204" pitchFamily="49" charset="0"/>
-              </a:rPr>
-              <a:t>,</a:t>
-            </a:r>
-            <a:endParaRPr lang="en-US" altLang="zh-TW" b="0" dirty="0">
-              <a:solidFill>
-                <a:srgbClr val="F8F8F2"/>
-              </a:solidFill>
-              <a:effectLst/>
-              <a:latin typeface="Consolas" panose="020B0609020204030204" pitchFamily="49" charset="0"/>
-            </a:endParaRPr>
-          </a:p>
-        </p:txBody>
-      </p:sp>
-      <p:sp>
-        <p:nvSpPr>
-          <p:cNvPr id="3" name="矩形 2"/>
-          <p:cNvSpPr/>
-          <p:nvPr/>
-        </p:nvSpPr>
-        <p:spPr>
-          <a:xfrm>
-            <a:off x="6074756" y="2433837"/>
-            <a:ext cx="3536546" cy="523220"/>
-          </a:xfrm>
-          <a:prstGeom prst="rect">
-            <a:avLst/>
-          </a:prstGeom>
-        </p:spPr>
-        <p:txBody>
-          <a:bodyPr wrap="none">
-            <a:spAutoFit/>
-          </a:bodyPr>
-          <a:lstStyle/>
-          <a:p>
-            <a:r>
-              <a:rPr lang="en-US" altLang="zh-TW" sz="2800" dirty="0">
-                <a:solidFill>
-                  <a:srgbClr val="FFEE99"/>
-                </a:solidFill>
-                <a:latin typeface="Consolas" panose="020B0609020204030204" pitchFamily="49" charset="0"/>
-              </a:rPr>
-              <a:t>/</a:t>
-            </a:r>
-            <a:r>
-              <a:rPr lang="en-US" altLang="zh-TW" sz="2800" dirty="0">
-                <a:solidFill>
-                  <a:srgbClr val="F92672"/>
-                </a:solidFill>
-                <a:latin typeface="Consolas" panose="020B0609020204030204" pitchFamily="49" charset="0"/>
-              </a:rPr>
-              <a:t>^</a:t>
-            </a:r>
-            <a:r>
-              <a:rPr lang="en-US" altLang="zh-TW" sz="2800" dirty="0">
-                <a:solidFill>
-                  <a:srgbClr val="FF80F4"/>
-                </a:solidFill>
-                <a:latin typeface="Consolas" panose="020B0609020204030204" pitchFamily="49" charset="0"/>
-              </a:rPr>
-              <a:t>.</a:t>
-            </a:r>
-            <a:r>
-              <a:rPr lang="en-US" altLang="zh-TW" sz="2800" dirty="0">
-                <a:solidFill>
-                  <a:srgbClr val="F92672"/>
-                </a:solidFill>
-                <a:latin typeface="Consolas" panose="020B0609020204030204" pitchFamily="49" charset="0"/>
-              </a:rPr>
-              <a:t>*</a:t>
-            </a:r>
-            <a:r>
-              <a:rPr lang="en-US" altLang="zh-TW" sz="2800" dirty="0">
-                <a:solidFill>
-                  <a:srgbClr val="FFEE99"/>
-                </a:solidFill>
-                <a:latin typeface="Consolas" panose="020B0609020204030204" pitchFamily="49" charset="0"/>
-              </a:rPr>
-              <a:t>@</a:t>
-            </a:r>
-            <a:r>
-              <a:rPr lang="en-US" altLang="zh-TW" sz="2800" dirty="0" err="1">
-                <a:solidFill>
-                  <a:srgbClr val="FFEE99"/>
-                </a:solidFill>
-                <a:latin typeface="Consolas" panose="020B0609020204030204" pitchFamily="49" charset="0"/>
-              </a:rPr>
-              <a:t>gmail</a:t>
-            </a:r>
-            <a:r>
-              <a:rPr lang="en-US" altLang="zh-TW" sz="2800" dirty="0">
-                <a:solidFill>
-                  <a:srgbClr val="FF80F4"/>
-                </a:solidFill>
-                <a:latin typeface="Consolas" panose="020B0609020204030204" pitchFamily="49" charset="0"/>
-              </a:rPr>
-              <a:t>\.</a:t>
-            </a:r>
-            <a:r>
-              <a:rPr lang="en-US" altLang="zh-TW" sz="2800" dirty="0">
-                <a:solidFill>
-                  <a:srgbClr val="FFEE99"/>
-                </a:solidFill>
-                <a:latin typeface="Consolas" panose="020B0609020204030204" pitchFamily="49" charset="0"/>
-              </a:rPr>
-              <a:t>com</a:t>
-            </a:r>
-            <a:r>
-              <a:rPr lang="en-US" altLang="zh-TW" sz="2800" dirty="0">
-                <a:solidFill>
-                  <a:srgbClr val="F92672"/>
-                </a:solidFill>
-                <a:latin typeface="Consolas" panose="020B0609020204030204" pitchFamily="49" charset="0"/>
-              </a:rPr>
-              <a:t>$</a:t>
-            </a:r>
-            <a:r>
-              <a:rPr lang="en-US" altLang="zh-TW" sz="2800" dirty="0">
-                <a:solidFill>
-                  <a:srgbClr val="FFEE99"/>
-                </a:solidFill>
-                <a:latin typeface="Consolas" panose="020B0609020204030204" pitchFamily="49" charset="0"/>
-              </a:rPr>
-              <a:t>/</a:t>
-            </a:r>
-            <a:endParaRPr lang="en-US" altLang="zh-TW" sz="2800" b="0" dirty="0">
-              <a:solidFill>
-                <a:srgbClr val="F8F8F2"/>
-              </a:solidFill>
-              <a:effectLst/>
-              <a:latin typeface="Consolas" panose="020B0609020204030204" pitchFamily="49" charset="0"/>
-            </a:endParaRPr>
-          </a:p>
-        </p:txBody>
-      </p:sp>
-      <p:sp>
-        <p:nvSpPr>
-          <p:cNvPr id="4" name="矩形 3"/>
-          <p:cNvSpPr/>
-          <p:nvPr/>
-        </p:nvSpPr>
-        <p:spPr>
-          <a:xfrm>
-            <a:off x="5752846" y="3141722"/>
-            <a:ext cx="4320944" cy="307777"/>
-          </a:xfrm>
-          <a:prstGeom prst="rect">
-            <a:avLst/>
-          </a:prstGeom>
-        </p:spPr>
-        <p:txBody>
-          <a:bodyPr wrap="square">
-            <a:spAutoFit/>
-          </a:bodyPr>
-          <a:lstStyle/>
-          <a:p>
-            <a:pPr algn="ctr"/>
-            <a:r>
-              <a:rPr lang="zh-TW" altLang="en-US" sz="1400" dirty="0" smtClean="0">
-                <a:solidFill>
-                  <a:schemeClr val="bg1"/>
-                </a:solidFill>
-                <a:latin typeface="Adobe 繁黑體 Std B" panose="020B0700000000000000" pitchFamily="34" charset="-120"/>
-                <a:ea typeface="Adobe 繁黑體 Std B" panose="020B0700000000000000" pitchFamily="34" charset="-120"/>
-              </a:rPr>
-              <a:t>我可以透過這個正規把所有的</a:t>
-            </a:r>
-            <a:r>
-              <a:rPr lang="en-US" altLang="zh-TW" sz="1400" dirty="0" err="1" smtClean="0">
-                <a:solidFill>
-                  <a:schemeClr val="bg1"/>
-                </a:solidFill>
-                <a:latin typeface="Adobe 繁黑體 Std B" panose="020B0700000000000000" pitchFamily="34" charset="-120"/>
-                <a:ea typeface="Adobe 繁黑體 Std B" panose="020B0700000000000000" pitchFamily="34" charset="-120"/>
-              </a:rPr>
-              <a:t>gmail</a:t>
-            </a:r>
-            <a:r>
-              <a:rPr lang="zh-TW" altLang="en-US" sz="1400" dirty="0" smtClean="0">
-                <a:solidFill>
-                  <a:schemeClr val="bg1"/>
-                </a:solidFill>
-                <a:latin typeface="Adobe 繁黑體 Std B" panose="020B0700000000000000" pitchFamily="34" charset="-120"/>
-                <a:ea typeface="Adobe 繁黑體 Std B" panose="020B0700000000000000" pitchFamily="34" charset="-120"/>
-              </a:rPr>
-              <a:t>的信箱給撈出來</a:t>
-            </a:r>
-            <a:endParaRPr lang="zh-TW" altLang="en-US" sz="1400" dirty="0">
-              <a:solidFill>
-                <a:schemeClr val="bg1"/>
-              </a:solidFill>
-              <a:latin typeface="Adobe 繁黑體 Std B" panose="020B0700000000000000" pitchFamily="34" charset="-120"/>
-              <a:ea typeface="Adobe 繁黑體 Std B" panose="020B0700000000000000" pitchFamily="34" charset="-120"/>
-            </a:endParaRPr>
-          </a:p>
-        </p:txBody>
-      </p:sp>
-      <p:sp>
-        <p:nvSpPr>
-          <p:cNvPr id="5" name="矩形 4"/>
-          <p:cNvSpPr/>
-          <p:nvPr/>
-        </p:nvSpPr>
-        <p:spPr>
-          <a:xfrm>
-            <a:off x="5752846" y="3523818"/>
-            <a:ext cx="4320944" cy="523220"/>
-          </a:xfrm>
-          <a:prstGeom prst="rect">
-            <a:avLst/>
-          </a:prstGeom>
-        </p:spPr>
-        <p:txBody>
-          <a:bodyPr wrap="square">
-            <a:spAutoFit/>
-          </a:bodyPr>
-          <a:lstStyle/>
-          <a:p>
-            <a:pPr algn="ctr"/>
-            <a:r>
-              <a:rPr lang="zh-TW" altLang="en-US" sz="1400" dirty="0" smtClean="0">
-                <a:solidFill>
-                  <a:schemeClr val="accent2">
-                    <a:lumMod val="60000"/>
-                    <a:lumOff val="40000"/>
-                  </a:schemeClr>
-                </a:solidFill>
-                <a:latin typeface="Adobe 繁黑體 Std B" panose="020B0700000000000000" pitchFamily="34" charset="-120"/>
-                <a:ea typeface="Adobe 繁黑體 Std B" panose="020B0700000000000000" pitchFamily="34" charset="-120"/>
-              </a:rPr>
-              <a:t>因為 </a:t>
-            </a:r>
-            <a:r>
-              <a:rPr lang="en-US" altLang="zh-TW" sz="1400" dirty="0" smtClean="0">
-                <a:solidFill>
-                  <a:schemeClr val="accent2">
-                    <a:lumMod val="60000"/>
-                    <a:lumOff val="40000"/>
-                  </a:schemeClr>
-                </a:solidFill>
-                <a:latin typeface="Adobe 繁黑體 Std B" panose="020B0700000000000000" pitchFamily="34" charset="-120"/>
-                <a:ea typeface="Adobe 繁黑體 Std B" panose="020B0700000000000000" pitchFamily="34" charset="-120"/>
-              </a:rPr>
-              <a:t>.</a:t>
-            </a:r>
-            <a:r>
-              <a:rPr lang="zh-TW" altLang="en-US" sz="1400" dirty="0" smtClean="0">
-                <a:solidFill>
-                  <a:schemeClr val="accent2">
-                    <a:lumMod val="60000"/>
-                    <a:lumOff val="40000"/>
-                  </a:schemeClr>
-                </a:solidFill>
-                <a:latin typeface="Adobe 繁黑體 Std B" panose="020B0700000000000000" pitchFamily="34" charset="-120"/>
-                <a:ea typeface="Adobe 繁黑體 Std B" panose="020B0700000000000000" pitchFamily="34" charset="-120"/>
-              </a:rPr>
-              <a:t> 再正規表示法有其他意思，所以如果要把 </a:t>
-            </a:r>
-            <a:r>
-              <a:rPr lang="en-US" altLang="zh-TW" sz="1400" dirty="0" smtClean="0">
-                <a:solidFill>
-                  <a:schemeClr val="accent2">
-                    <a:lumMod val="60000"/>
-                    <a:lumOff val="40000"/>
-                  </a:schemeClr>
-                </a:solidFill>
-                <a:latin typeface="Adobe 繁黑體 Std B" panose="020B0700000000000000" pitchFamily="34" charset="-120"/>
-                <a:ea typeface="Adobe 繁黑體 Std B" panose="020B0700000000000000" pitchFamily="34" charset="-120"/>
-              </a:rPr>
-              <a:t>.</a:t>
-            </a:r>
-            <a:r>
-              <a:rPr lang="zh-TW" altLang="en-US" sz="1400" dirty="0" smtClean="0">
-                <a:solidFill>
-                  <a:schemeClr val="accent2">
-                    <a:lumMod val="60000"/>
-                    <a:lumOff val="40000"/>
-                  </a:schemeClr>
-                </a:solidFill>
-                <a:latin typeface="Adobe 繁黑體 Std B" panose="020B0700000000000000" pitchFamily="34" charset="-120"/>
-                <a:ea typeface="Adobe 繁黑體 Std B" panose="020B0700000000000000" pitchFamily="34" charset="-120"/>
-              </a:rPr>
-              <a:t> 或是其他符號當成字串來比對的話，需要前面加個 </a:t>
-            </a:r>
-            <a:r>
-              <a:rPr lang="en-US" altLang="zh-TW" sz="1400" dirty="0" smtClean="0">
-                <a:solidFill>
-                  <a:schemeClr val="accent2">
-                    <a:lumMod val="60000"/>
-                    <a:lumOff val="40000"/>
-                  </a:schemeClr>
-                </a:solidFill>
-                <a:latin typeface="Adobe 繁黑體 Std B" panose="020B0700000000000000" pitchFamily="34" charset="-120"/>
-                <a:ea typeface="Adobe 繁黑體 Std B" panose="020B0700000000000000" pitchFamily="34" charset="-120"/>
-              </a:rPr>
-              <a:t>\</a:t>
-            </a:r>
-            <a:endParaRPr lang="zh-TW" altLang="en-US" sz="1400" dirty="0">
-              <a:solidFill>
-                <a:schemeClr val="accent2">
-                  <a:lumMod val="60000"/>
-                  <a:lumOff val="40000"/>
-                </a:schemeClr>
-              </a:solidFill>
-              <a:latin typeface="Adobe 繁黑體 Std B" panose="020B0700000000000000" pitchFamily="34" charset="-120"/>
-              <a:ea typeface="Adobe 繁黑體 Std B" panose="020B0700000000000000" pitchFamily="34" charset="-120"/>
-            </a:endParaRPr>
-          </a:p>
-        </p:txBody>
-      </p:sp>
-    </p:spTree>
-    <p:extLst>
-      <p:ext uri="{BB962C8B-B14F-4D97-AF65-F5344CB8AC3E}">
-        <p14:creationId xmlns:p14="http://schemas.microsoft.com/office/powerpoint/2010/main" val="2698057393"/>
-      </p:ext>
-    </p:extLst>
-  </p:cSld>
-  <p:clrMapOvr>
-    <a:masterClrMapping/>
-  </p:clrMapOvr>
-</p:sld>
-</file>
-
 <file path=ppt/slides/slide4.xml><?xml version="1.0" encoding="utf-8"?>
 <p:sld xmlns:a="http://schemas.openxmlformats.org/drawingml/2006/main" xmlns:r="http://schemas.openxmlformats.org/officeDocument/2006/relationships" xmlns:p="http://schemas.openxmlformats.org/presentationml/2006/main">
   <p:cSld>
@@ -18943,6 +19168,509 @@
 </file>
 
 <file path=ppt/slides/slide40.xml><?xml version="1.0" encoding="utf-8"?>
+<p:sld xmlns:a="http://schemas.openxmlformats.org/drawingml/2006/main" xmlns:r="http://schemas.openxmlformats.org/officeDocument/2006/relationships" xmlns:p="http://schemas.openxmlformats.org/presentationml/2006/main">
+  <p:cSld>
+    <p:bg>
+      <p:bgPr>
+        <a:solidFill>
+          <a:srgbClr val="323230"/>
+        </a:solidFill>
+        <a:effectLst/>
+      </p:bgPr>
+    </p:bg>
+    <p:spTree>
+      <p:nvGrpSpPr>
+        <p:cNvPr id="1" name=""/>
+        <p:cNvGrpSpPr/>
+        <p:nvPr/>
+      </p:nvGrpSpPr>
+      <p:grpSpPr>
+        <a:xfrm>
+          <a:off x="0" y="0"/>
+          <a:ext cx="0" cy="0"/>
+          <a:chOff x="0" y="0"/>
+          <a:chExt cx="0" cy="0"/>
+        </a:xfrm>
+      </p:grpSpPr>
+      <p:sp>
+        <p:nvSpPr>
+          <p:cNvPr id="2" name="矩形 1"/>
+          <p:cNvSpPr/>
+          <p:nvPr/>
+        </p:nvSpPr>
+        <p:spPr>
+          <a:xfrm>
+            <a:off x="1069127" y="2508155"/>
+            <a:ext cx="3892732" cy="2031325"/>
+          </a:xfrm>
+          <a:prstGeom prst="rect">
+            <a:avLst/>
+          </a:prstGeom>
+        </p:spPr>
+        <p:txBody>
+          <a:bodyPr wrap="square">
+            <a:spAutoFit/>
+          </a:bodyPr>
+          <a:lstStyle/>
+          <a:p>
+            <a:r>
+              <a:rPr lang="en-US" altLang="zh-TW" dirty="0">
+                <a:solidFill>
+                  <a:srgbClr val="FFEE99"/>
+                </a:solidFill>
+                <a:latin typeface="Consolas" panose="020B0609020204030204" pitchFamily="49" charset="0"/>
+              </a:rPr>
+              <a:t>'a123@gmail.com'</a:t>
+            </a:r>
+            <a:r>
+              <a:rPr lang="en-US" altLang="zh-TW" dirty="0">
+                <a:solidFill>
+                  <a:srgbClr val="F8F8F2"/>
+                </a:solidFill>
+                <a:latin typeface="Consolas" panose="020B0609020204030204" pitchFamily="49" charset="0"/>
+              </a:rPr>
+              <a:t>,</a:t>
+            </a:r>
+          </a:p>
+          <a:p>
+            <a:r>
+              <a:rPr lang="en-US" altLang="zh-TW" dirty="0">
+                <a:solidFill>
+                  <a:srgbClr val="FFEE99"/>
+                </a:solidFill>
+                <a:latin typeface="Consolas" panose="020B0609020204030204" pitchFamily="49" charset="0"/>
+              </a:rPr>
+              <a:t>'tesst@hotmail.com'</a:t>
+            </a:r>
+            <a:r>
+              <a:rPr lang="en-US" altLang="zh-TW" dirty="0">
+                <a:solidFill>
+                  <a:srgbClr val="F8F8F2"/>
+                </a:solidFill>
+                <a:latin typeface="Consolas" panose="020B0609020204030204" pitchFamily="49" charset="0"/>
+              </a:rPr>
+              <a:t>,</a:t>
+            </a:r>
+          </a:p>
+          <a:p>
+            <a:r>
+              <a:rPr lang="en-US" altLang="zh-TW" dirty="0">
+                <a:solidFill>
+                  <a:srgbClr val="FFEE99"/>
+                </a:solidFill>
+                <a:latin typeface="Consolas" panose="020B0609020204030204" pitchFamily="49" charset="0"/>
+              </a:rPr>
+              <a:t>'n789@gmail.com'</a:t>
+            </a:r>
+            <a:r>
+              <a:rPr lang="en-US" altLang="zh-TW" dirty="0">
+                <a:solidFill>
+                  <a:srgbClr val="F8F8F2"/>
+                </a:solidFill>
+                <a:latin typeface="Consolas" panose="020B0609020204030204" pitchFamily="49" charset="0"/>
+              </a:rPr>
+              <a:t>,</a:t>
+            </a:r>
+          </a:p>
+          <a:p>
+            <a:r>
+              <a:rPr lang="en-US" altLang="zh-TW" dirty="0">
+                <a:solidFill>
+                  <a:srgbClr val="FFEE99"/>
+                </a:solidFill>
+                <a:latin typeface="Consolas" panose="020B0609020204030204" pitchFamily="49" charset="0"/>
+              </a:rPr>
+              <a:t>'abcdef@yahoo.com'</a:t>
+            </a:r>
+            <a:r>
+              <a:rPr lang="en-US" altLang="zh-TW" dirty="0">
+                <a:solidFill>
+                  <a:srgbClr val="F8F8F2"/>
+                </a:solidFill>
+                <a:latin typeface="Consolas" panose="020B0609020204030204" pitchFamily="49" charset="0"/>
+              </a:rPr>
+              <a:t>,</a:t>
+            </a:r>
+          </a:p>
+          <a:p>
+            <a:r>
+              <a:rPr lang="en-US" altLang="zh-TW" dirty="0">
+                <a:solidFill>
+                  <a:srgbClr val="FFEE99"/>
+                </a:solidFill>
+                <a:latin typeface="Consolas" panose="020B0609020204030204" pitchFamily="49" charset="0"/>
+              </a:rPr>
+              <a:t>'55555@gmail.com'</a:t>
+            </a:r>
+            <a:r>
+              <a:rPr lang="en-US" altLang="zh-TW" dirty="0">
+                <a:solidFill>
+                  <a:srgbClr val="F8F8F2"/>
+                </a:solidFill>
+                <a:latin typeface="Consolas" panose="020B0609020204030204" pitchFamily="49" charset="0"/>
+              </a:rPr>
+              <a:t>,</a:t>
+            </a:r>
+          </a:p>
+          <a:p>
+            <a:r>
+              <a:rPr lang="en-US" altLang="zh-TW" dirty="0">
+                <a:solidFill>
+                  <a:srgbClr val="FFEE99"/>
+                </a:solidFill>
+                <a:latin typeface="Consolas" panose="020B0609020204030204" pitchFamily="49" charset="0"/>
+              </a:rPr>
+              <a:t>'1245@hotmail.com'</a:t>
+            </a:r>
+            <a:r>
+              <a:rPr lang="en-US" altLang="zh-TW" dirty="0">
+                <a:solidFill>
+                  <a:srgbClr val="F8F8F2"/>
+                </a:solidFill>
+                <a:latin typeface="Consolas" panose="020B0609020204030204" pitchFamily="49" charset="0"/>
+              </a:rPr>
+              <a:t>,</a:t>
+            </a:r>
+          </a:p>
+          <a:p>
+            <a:r>
+              <a:rPr lang="en-US" altLang="zh-TW" dirty="0">
+                <a:solidFill>
+                  <a:srgbClr val="FFEE99"/>
+                </a:solidFill>
+                <a:latin typeface="Consolas" panose="020B0609020204030204" pitchFamily="49" charset="0"/>
+              </a:rPr>
+              <a:t>'abc123@hotmail.com'</a:t>
+            </a:r>
+            <a:r>
+              <a:rPr lang="en-US" altLang="zh-TW" dirty="0">
+                <a:solidFill>
+                  <a:srgbClr val="F8F8F2"/>
+                </a:solidFill>
+                <a:latin typeface="Consolas" panose="020B0609020204030204" pitchFamily="49" charset="0"/>
+              </a:rPr>
+              <a:t>,</a:t>
+            </a:r>
+            <a:endParaRPr lang="en-US" altLang="zh-TW" b="0" dirty="0">
+              <a:solidFill>
+                <a:srgbClr val="F8F8F2"/>
+              </a:solidFill>
+              <a:effectLst/>
+              <a:latin typeface="Consolas" panose="020B0609020204030204" pitchFamily="49" charset="0"/>
+            </a:endParaRPr>
+          </a:p>
+        </p:txBody>
+      </p:sp>
+      <p:sp>
+        <p:nvSpPr>
+          <p:cNvPr id="3" name="矩形 2"/>
+          <p:cNvSpPr/>
+          <p:nvPr/>
+        </p:nvSpPr>
+        <p:spPr>
+          <a:xfrm>
+            <a:off x="6074756" y="2433837"/>
+            <a:ext cx="3536546" cy="523220"/>
+          </a:xfrm>
+          <a:prstGeom prst="rect">
+            <a:avLst/>
+          </a:prstGeom>
+        </p:spPr>
+        <p:txBody>
+          <a:bodyPr wrap="none">
+            <a:spAutoFit/>
+          </a:bodyPr>
+          <a:lstStyle/>
+          <a:p>
+            <a:r>
+              <a:rPr lang="en-US" altLang="zh-TW" sz="2800" dirty="0">
+                <a:solidFill>
+                  <a:srgbClr val="FFEE99"/>
+                </a:solidFill>
+                <a:latin typeface="Consolas" panose="020B0609020204030204" pitchFamily="49" charset="0"/>
+              </a:rPr>
+              <a:t>/</a:t>
+            </a:r>
+            <a:r>
+              <a:rPr lang="en-US" altLang="zh-TW" sz="2800" dirty="0">
+                <a:solidFill>
+                  <a:srgbClr val="F92672"/>
+                </a:solidFill>
+                <a:latin typeface="Consolas" panose="020B0609020204030204" pitchFamily="49" charset="0"/>
+              </a:rPr>
+              <a:t>^</a:t>
+            </a:r>
+            <a:r>
+              <a:rPr lang="en-US" altLang="zh-TW" sz="2800" dirty="0">
+                <a:solidFill>
+                  <a:srgbClr val="FF80F4"/>
+                </a:solidFill>
+                <a:latin typeface="Consolas" panose="020B0609020204030204" pitchFamily="49" charset="0"/>
+              </a:rPr>
+              <a:t>.</a:t>
+            </a:r>
+            <a:r>
+              <a:rPr lang="en-US" altLang="zh-TW" sz="2800" dirty="0">
+                <a:solidFill>
+                  <a:srgbClr val="F92672"/>
+                </a:solidFill>
+                <a:latin typeface="Consolas" panose="020B0609020204030204" pitchFamily="49" charset="0"/>
+              </a:rPr>
+              <a:t>*</a:t>
+            </a:r>
+            <a:r>
+              <a:rPr lang="en-US" altLang="zh-TW" sz="2800" dirty="0">
+                <a:solidFill>
+                  <a:srgbClr val="FFEE99"/>
+                </a:solidFill>
+                <a:latin typeface="Consolas" panose="020B0609020204030204" pitchFamily="49" charset="0"/>
+              </a:rPr>
+              <a:t>@</a:t>
+            </a:r>
+            <a:r>
+              <a:rPr lang="en-US" altLang="zh-TW" sz="2800" dirty="0" err="1">
+                <a:solidFill>
+                  <a:srgbClr val="FFEE99"/>
+                </a:solidFill>
+                <a:latin typeface="Consolas" panose="020B0609020204030204" pitchFamily="49" charset="0"/>
+              </a:rPr>
+              <a:t>gmail</a:t>
+            </a:r>
+            <a:r>
+              <a:rPr lang="en-US" altLang="zh-TW" sz="2800" dirty="0">
+                <a:solidFill>
+                  <a:srgbClr val="FF80F4"/>
+                </a:solidFill>
+                <a:latin typeface="Consolas" panose="020B0609020204030204" pitchFamily="49" charset="0"/>
+              </a:rPr>
+              <a:t>\.</a:t>
+            </a:r>
+            <a:r>
+              <a:rPr lang="en-US" altLang="zh-TW" sz="2800" dirty="0">
+                <a:solidFill>
+                  <a:srgbClr val="FFEE99"/>
+                </a:solidFill>
+                <a:latin typeface="Consolas" panose="020B0609020204030204" pitchFamily="49" charset="0"/>
+              </a:rPr>
+              <a:t>com</a:t>
+            </a:r>
+            <a:r>
+              <a:rPr lang="en-US" altLang="zh-TW" sz="2800" dirty="0">
+                <a:solidFill>
+                  <a:srgbClr val="F92672"/>
+                </a:solidFill>
+                <a:latin typeface="Consolas" panose="020B0609020204030204" pitchFamily="49" charset="0"/>
+              </a:rPr>
+              <a:t>$</a:t>
+            </a:r>
+            <a:r>
+              <a:rPr lang="en-US" altLang="zh-TW" sz="2800" dirty="0">
+                <a:solidFill>
+                  <a:srgbClr val="FFEE99"/>
+                </a:solidFill>
+                <a:latin typeface="Consolas" panose="020B0609020204030204" pitchFamily="49" charset="0"/>
+              </a:rPr>
+              <a:t>/</a:t>
+            </a:r>
+            <a:endParaRPr lang="en-US" altLang="zh-TW" sz="2800" b="0" dirty="0">
+              <a:solidFill>
+                <a:srgbClr val="F8F8F2"/>
+              </a:solidFill>
+              <a:effectLst/>
+              <a:latin typeface="Consolas" panose="020B0609020204030204" pitchFamily="49" charset="0"/>
+            </a:endParaRPr>
+          </a:p>
+        </p:txBody>
+      </p:sp>
+      <p:sp>
+        <p:nvSpPr>
+          <p:cNvPr id="4" name="矩形 3"/>
+          <p:cNvSpPr/>
+          <p:nvPr/>
+        </p:nvSpPr>
+        <p:spPr>
+          <a:xfrm>
+            <a:off x="5752846" y="3141722"/>
+            <a:ext cx="4320944" cy="307777"/>
+          </a:xfrm>
+          <a:prstGeom prst="rect">
+            <a:avLst/>
+          </a:prstGeom>
+        </p:spPr>
+        <p:txBody>
+          <a:bodyPr wrap="square">
+            <a:spAutoFit/>
+          </a:bodyPr>
+          <a:lstStyle/>
+          <a:p>
+            <a:pPr algn="ctr"/>
+            <a:r>
+              <a:rPr lang="zh-TW" altLang="en-US" sz="1400" dirty="0" smtClean="0">
+                <a:solidFill>
+                  <a:schemeClr val="bg1"/>
+                </a:solidFill>
+                <a:latin typeface="Adobe 繁黑體 Std B" panose="020B0700000000000000" pitchFamily="34" charset="-120"/>
+                <a:ea typeface="Adobe 繁黑體 Std B" panose="020B0700000000000000" pitchFamily="34" charset="-120"/>
+              </a:rPr>
+              <a:t>我可以透過這個正規把所有的</a:t>
+            </a:r>
+            <a:r>
+              <a:rPr lang="en-US" altLang="zh-TW" sz="1400" dirty="0" err="1" smtClean="0">
+                <a:solidFill>
+                  <a:schemeClr val="bg1"/>
+                </a:solidFill>
+                <a:latin typeface="Adobe 繁黑體 Std B" panose="020B0700000000000000" pitchFamily="34" charset="-120"/>
+                <a:ea typeface="Adobe 繁黑體 Std B" panose="020B0700000000000000" pitchFamily="34" charset="-120"/>
+              </a:rPr>
+              <a:t>gmail</a:t>
+            </a:r>
+            <a:r>
+              <a:rPr lang="zh-TW" altLang="en-US" sz="1400" dirty="0" smtClean="0">
+                <a:solidFill>
+                  <a:schemeClr val="bg1"/>
+                </a:solidFill>
+                <a:latin typeface="Adobe 繁黑體 Std B" panose="020B0700000000000000" pitchFamily="34" charset="-120"/>
+                <a:ea typeface="Adobe 繁黑體 Std B" panose="020B0700000000000000" pitchFamily="34" charset="-120"/>
+              </a:rPr>
+              <a:t>的信箱給撈出來</a:t>
+            </a:r>
+            <a:endParaRPr lang="zh-TW" altLang="en-US" sz="1400" dirty="0">
+              <a:solidFill>
+                <a:schemeClr val="bg1"/>
+              </a:solidFill>
+              <a:latin typeface="Adobe 繁黑體 Std B" panose="020B0700000000000000" pitchFamily="34" charset="-120"/>
+              <a:ea typeface="Adobe 繁黑體 Std B" panose="020B0700000000000000" pitchFamily="34" charset="-120"/>
+            </a:endParaRPr>
+          </a:p>
+        </p:txBody>
+      </p:sp>
+      <p:sp>
+        <p:nvSpPr>
+          <p:cNvPr id="5" name="矩形 4"/>
+          <p:cNvSpPr/>
+          <p:nvPr/>
+        </p:nvSpPr>
+        <p:spPr>
+          <a:xfrm>
+            <a:off x="5752846" y="3523818"/>
+            <a:ext cx="4320944" cy="523220"/>
+          </a:xfrm>
+          <a:prstGeom prst="rect">
+            <a:avLst/>
+          </a:prstGeom>
+        </p:spPr>
+        <p:txBody>
+          <a:bodyPr wrap="square">
+            <a:spAutoFit/>
+          </a:bodyPr>
+          <a:lstStyle/>
+          <a:p>
+            <a:pPr algn="ctr"/>
+            <a:r>
+              <a:rPr lang="zh-TW" altLang="en-US" sz="1400" dirty="0" smtClean="0">
+                <a:solidFill>
+                  <a:schemeClr val="accent2">
+                    <a:lumMod val="60000"/>
+                    <a:lumOff val="40000"/>
+                  </a:schemeClr>
+                </a:solidFill>
+                <a:latin typeface="Adobe 繁黑體 Std B" panose="020B0700000000000000" pitchFamily="34" charset="-120"/>
+                <a:ea typeface="Adobe 繁黑體 Std B" panose="020B0700000000000000" pitchFamily="34" charset="-120"/>
+              </a:rPr>
+              <a:t>因為 </a:t>
+            </a:r>
+            <a:r>
+              <a:rPr lang="en-US" altLang="zh-TW" sz="1400" dirty="0" smtClean="0">
+                <a:solidFill>
+                  <a:schemeClr val="accent2">
+                    <a:lumMod val="60000"/>
+                    <a:lumOff val="40000"/>
+                  </a:schemeClr>
+                </a:solidFill>
+                <a:latin typeface="Adobe 繁黑體 Std B" panose="020B0700000000000000" pitchFamily="34" charset="-120"/>
+                <a:ea typeface="Adobe 繁黑體 Std B" panose="020B0700000000000000" pitchFamily="34" charset="-120"/>
+              </a:rPr>
+              <a:t>.</a:t>
+            </a:r>
+            <a:r>
+              <a:rPr lang="zh-TW" altLang="en-US" sz="1400" dirty="0" smtClean="0">
+                <a:solidFill>
+                  <a:schemeClr val="accent2">
+                    <a:lumMod val="60000"/>
+                    <a:lumOff val="40000"/>
+                  </a:schemeClr>
+                </a:solidFill>
+                <a:latin typeface="Adobe 繁黑體 Std B" panose="020B0700000000000000" pitchFamily="34" charset="-120"/>
+                <a:ea typeface="Adobe 繁黑體 Std B" panose="020B0700000000000000" pitchFamily="34" charset="-120"/>
+              </a:rPr>
+              <a:t> 再正規表示法有其他意思，所以如果要把 </a:t>
+            </a:r>
+            <a:r>
+              <a:rPr lang="en-US" altLang="zh-TW" sz="1400" dirty="0" smtClean="0">
+                <a:solidFill>
+                  <a:schemeClr val="accent2">
+                    <a:lumMod val="60000"/>
+                    <a:lumOff val="40000"/>
+                  </a:schemeClr>
+                </a:solidFill>
+                <a:latin typeface="Adobe 繁黑體 Std B" panose="020B0700000000000000" pitchFamily="34" charset="-120"/>
+                <a:ea typeface="Adobe 繁黑體 Std B" panose="020B0700000000000000" pitchFamily="34" charset="-120"/>
+              </a:rPr>
+              <a:t>.</a:t>
+            </a:r>
+            <a:r>
+              <a:rPr lang="zh-TW" altLang="en-US" sz="1400" dirty="0" smtClean="0">
+                <a:solidFill>
+                  <a:schemeClr val="accent2">
+                    <a:lumMod val="60000"/>
+                    <a:lumOff val="40000"/>
+                  </a:schemeClr>
+                </a:solidFill>
+                <a:latin typeface="Adobe 繁黑體 Std B" panose="020B0700000000000000" pitchFamily="34" charset="-120"/>
+                <a:ea typeface="Adobe 繁黑體 Std B" panose="020B0700000000000000" pitchFamily="34" charset="-120"/>
+              </a:rPr>
+              <a:t> 或是其他符號當成字串來比對的話，需要前面加個 </a:t>
+            </a:r>
+            <a:r>
+              <a:rPr lang="en-US" altLang="zh-TW" sz="1400" dirty="0" smtClean="0">
+                <a:solidFill>
+                  <a:schemeClr val="accent2">
+                    <a:lumMod val="60000"/>
+                    <a:lumOff val="40000"/>
+                  </a:schemeClr>
+                </a:solidFill>
+                <a:latin typeface="Adobe 繁黑體 Std B" panose="020B0700000000000000" pitchFamily="34" charset="-120"/>
+                <a:ea typeface="Adobe 繁黑體 Std B" panose="020B0700000000000000" pitchFamily="34" charset="-120"/>
+              </a:rPr>
+              <a:t>\</a:t>
+            </a:r>
+            <a:endParaRPr lang="zh-TW" altLang="en-US" sz="1400" dirty="0">
+              <a:solidFill>
+                <a:schemeClr val="accent2">
+                  <a:lumMod val="60000"/>
+                  <a:lumOff val="40000"/>
+                </a:schemeClr>
+              </a:solidFill>
+              <a:latin typeface="Adobe 繁黑體 Std B" panose="020B0700000000000000" pitchFamily="34" charset="-120"/>
+              <a:ea typeface="Adobe 繁黑體 Std B" panose="020B0700000000000000" pitchFamily="34" charset="-120"/>
+            </a:endParaRPr>
+          </a:p>
+        </p:txBody>
+      </p:sp>
+    </p:spTree>
+    <p:extLst>
+      <p:ext uri="{BB962C8B-B14F-4D97-AF65-F5344CB8AC3E}">
+        <p14:creationId xmlns:p14="http://schemas.microsoft.com/office/powerpoint/2010/main" val="2698057393"/>
+      </p:ext>
+    </p:extLst>
+  </p:cSld>
+  <p:clrMapOvr>
+    <a:masterClrMapping/>
+  </p:clrMapOvr>
+</p:sld>
+</file>
+
+<file path=ppt/slides/slide41.xml><?xml version="1.0" encoding="utf-8"?>
 <p:sld xmlns:a="http://schemas.openxmlformats.org/drawingml/2006/main" xmlns:r="http://schemas.openxmlformats.org/officeDocument/2006/relationships" xmlns:p="http://schemas.openxmlformats.org/presentationml/2006/main">
   <p:cSld>
     <p:bg>
@@ -19727,7 +20455,7 @@
 </p:sld>
 </file>
 
-<file path=ppt/slides/slide41.xml><?xml version="1.0" encoding="utf-8"?>
+<file path=ppt/slides/slide42.xml><?xml version="1.0" encoding="utf-8"?>
 <p:sld xmlns:a="http://schemas.openxmlformats.org/drawingml/2006/main" xmlns:r="http://schemas.openxmlformats.org/officeDocument/2006/relationships" xmlns:p="http://schemas.openxmlformats.org/presentationml/2006/main">
   <p:cSld>
     <p:bg>
@@ -20056,7 +20784,7 @@
 </p:sld>
 </file>
 
-<file path=ppt/slides/slide42.xml><?xml version="1.0" encoding="utf-8"?>
+<file path=ppt/slides/slide43.xml><?xml version="1.0" encoding="utf-8"?>
 <p:sld xmlns:a="http://schemas.openxmlformats.org/drawingml/2006/main" xmlns:r="http://schemas.openxmlformats.org/officeDocument/2006/relationships" xmlns:p="http://schemas.openxmlformats.org/presentationml/2006/main">
   <p:cSld>
     <p:bg>
@@ -20679,7 +21407,7 @@
 </p:sld>
 </file>
 
-<file path=ppt/slides/slide43.xml><?xml version="1.0" encoding="utf-8"?>
+<file path=ppt/slides/slide44.xml><?xml version="1.0" encoding="utf-8"?>
 <p:sld xmlns:a="http://schemas.openxmlformats.org/drawingml/2006/main" xmlns:r="http://schemas.openxmlformats.org/officeDocument/2006/relationships" xmlns:p="http://schemas.openxmlformats.org/presentationml/2006/main">
   <p:cSld>
     <p:spTree>
@@ -20704,7 +21432,7 @@
         </p:nvSpPr>
         <p:spPr>
           <a:xfrm>
-            <a:off x="4369954" y="2209570"/>
+            <a:off x="3959554" y="2475970"/>
             <a:ext cx="2651688" cy="646331"/>
           </a:xfrm>
           <a:prstGeom prst="rect">
@@ -20765,7 +21493,7 @@
         </p:nvSpPr>
         <p:spPr>
           <a:xfrm>
-            <a:off x="3901045" y="3733570"/>
+            <a:off x="3490645" y="3999970"/>
             <a:ext cx="3206327" cy="338554"/>
           </a:xfrm>
           <a:prstGeom prst="rect">
@@ -20846,7 +21574,7 @@
         </p:nvSpPr>
         <p:spPr>
           <a:xfrm>
-            <a:off x="3901045" y="4182061"/>
+            <a:off x="3490645" y="4448461"/>
             <a:ext cx="4020652" cy="338554"/>
           </a:xfrm>
           <a:prstGeom prst="rect">
@@ -20903,272 +21631,6 @@
     <p:extLst>
       <p:ext uri="{BB962C8B-B14F-4D97-AF65-F5344CB8AC3E}">
         <p14:creationId xmlns:p14="http://schemas.microsoft.com/office/powerpoint/2010/main" val="47550318"/>
-      </p:ext>
-    </p:extLst>
-  </p:cSld>
-  <p:clrMapOvr>
-    <a:masterClrMapping/>
-  </p:clrMapOvr>
-</p:sld>
-</file>
-
-<file path=ppt/slides/slide44.xml><?xml version="1.0" encoding="utf-8"?>
-<p:sld xmlns:a="http://schemas.openxmlformats.org/drawingml/2006/main" xmlns:r="http://schemas.openxmlformats.org/officeDocument/2006/relationships" xmlns:p="http://schemas.openxmlformats.org/presentationml/2006/main">
-  <p:cSld>
-    <p:spTree>
-      <p:nvGrpSpPr>
-        <p:cNvPr id="1" name=""/>
-        <p:cNvGrpSpPr/>
-        <p:nvPr/>
-      </p:nvGrpSpPr>
-      <p:grpSpPr>
-        <a:xfrm>
-          <a:off x="0" y="0"/>
-          <a:ext cx="0" cy="0"/>
-          <a:chOff x="0" y="0"/>
-          <a:chExt cx="0" cy="0"/>
-        </a:xfrm>
-      </p:grpSpPr>
-      <p:sp>
-        <p:nvSpPr>
-          <p:cNvPr id="3" name="副標題 2"/>
-          <p:cNvSpPr txBox="1">
-            <a:spLocks/>
-          </p:cNvSpPr>
-          <p:nvPr/>
-        </p:nvSpPr>
-        <p:spPr>
-          <a:xfrm>
-            <a:off x="3446595" y="3137489"/>
-            <a:ext cx="4601702" cy="748712"/>
-          </a:xfrm>
-          <a:prstGeom prst="rect">
-            <a:avLst/>
-          </a:prstGeom>
-        </p:spPr>
-        <p:txBody>
-          <a:bodyPr vert="horz" lIns="91440" tIns="45720" rIns="91440" bIns="45720" rtlCol="0">
-            <a:noAutofit/>
-          </a:bodyPr>
-          <a:lstStyle>
-            <a:lvl1pPr marL="0" indent="0" algn="ctr" defTabSz="914400" rtl="0" eaLnBrk="1" latinLnBrk="0" hangingPunct="1">
-              <a:lnSpc>
-                <a:spcPct val="90000"/>
-              </a:lnSpc>
-              <a:spcBef>
-                <a:spcPts val="1000"/>
-              </a:spcBef>
-              <a:buFont typeface="Arial" panose="020B0604020202020204" pitchFamily="34" charset="0"/>
-              <a:buNone/>
-              <a:defRPr sz="2400" kern="1200">
-                <a:solidFill>
-                  <a:schemeClr val="tx1"/>
-                </a:solidFill>
-                <a:latin typeface="+mn-lt"/>
-                <a:ea typeface="+mn-ea"/>
-                <a:cs typeface="+mn-cs"/>
-              </a:defRPr>
-            </a:lvl1pPr>
-            <a:lvl2pPr marL="457200" indent="0" algn="ctr" defTabSz="914400" rtl="0" eaLnBrk="1" latinLnBrk="0" hangingPunct="1">
-              <a:lnSpc>
-                <a:spcPct val="90000"/>
-              </a:lnSpc>
-              <a:spcBef>
-                <a:spcPts val="500"/>
-              </a:spcBef>
-              <a:buFont typeface="Arial" panose="020B0604020202020204" pitchFamily="34" charset="0"/>
-              <a:buNone/>
-              <a:defRPr sz="2000" kern="1200">
-                <a:solidFill>
-                  <a:schemeClr val="tx1"/>
-                </a:solidFill>
-                <a:latin typeface="+mn-lt"/>
-                <a:ea typeface="+mn-ea"/>
-                <a:cs typeface="+mn-cs"/>
-              </a:defRPr>
-            </a:lvl2pPr>
-            <a:lvl3pPr marL="914400" indent="0" algn="ctr" defTabSz="914400" rtl="0" eaLnBrk="1" latinLnBrk="0" hangingPunct="1">
-              <a:lnSpc>
-                <a:spcPct val="90000"/>
-              </a:lnSpc>
-              <a:spcBef>
-                <a:spcPts val="500"/>
-              </a:spcBef>
-              <a:buFont typeface="Arial" panose="020B0604020202020204" pitchFamily="34" charset="0"/>
-              <a:buNone/>
-              <a:defRPr sz="1800" kern="1200">
-                <a:solidFill>
-                  <a:schemeClr val="tx1"/>
-                </a:solidFill>
-                <a:latin typeface="+mn-lt"/>
-                <a:ea typeface="+mn-ea"/>
-                <a:cs typeface="+mn-cs"/>
-              </a:defRPr>
-            </a:lvl3pPr>
-            <a:lvl4pPr marL="1371600" indent="0" algn="ctr" defTabSz="914400" rtl="0" eaLnBrk="1" latinLnBrk="0" hangingPunct="1">
-              <a:lnSpc>
-                <a:spcPct val="90000"/>
-              </a:lnSpc>
-              <a:spcBef>
-                <a:spcPts val="500"/>
-              </a:spcBef>
-              <a:buFont typeface="Arial" panose="020B0604020202020204" pitchFamily="34" charset="0"/>
-              <a:buNone/>
-              <a:defRPr sz="1600" kern="1200">
-                <a:solidFill>
-                  <a:schemeClr val="tx1"/>
-                </a:solidFill>
-                <a:latin typeface="+mn-lt"/>
-                <a:ea typeface="+mn-ea"/>
-                <a:cs typeface="+mn-cs"/>
-              </a:defRPr>
-            </a:lvl4pPr>
-            <a:lvl5pPr marL="1828800" indent="0" algn="ctr" defTabSz="914400" rtl="0" eaLnBrk="1" latinLnBrk="0" hangingPunct="1">
-              <a:lnSpc>
-                <a:spcPct val="90000"/>
-              </a:lnSpc>
-              <a:spcBef>
-                <a:spcPts val="500"/>
-              </a:spcBef>
-              <a:buFont typeface="Arial" panose="020B0604020202020204" pitchFamily="34" charset="0"/>
-              <a:buNone/>
-              <a:defRPr sz="1600" kern="1200">
-                <a:solidFill>
-                  <a:schemeClr val="tx1"/>
-                </a:solidFill>
-                <a:latin typeface="+mn-lt"/>
-                <a:ea typeface="+mn-ea"/>
-                <a:cs typeface="+mn-cs"/>
-              </a:defRPr>
-            </a:lvl5pPr>
-            <a:lvl6pPr marL="2286000" indent="0" algn="ctr" defTabSz="914400" rtl="0" eaLnBrk="1" latinLnBrk="0" hangingPunct="1">
-              <a:lnSpc>
-                <a:spcPct val="90000"/>
-              </a:lnSpc>
-              <a:spcBef>
-                <a:spcPts val="500"/>
-              </a:spcBef>
-              <a:buFont typeface="Arial" panose="020B0604020202020204" pitchFamily="34" charset="0"/>
-              <a:buNone/>
-              <a:defRPr sz="1600" kern="1200">
-                <a:solidFill>
-                  <a:schemeClr val="tx1"/>
-                </a:solidFill>
-                <a:latin typeface="+mn-lt"/>
-                <a:ea typeface="+mn-ea"/>
-                <a:cs typeface="+mn-cs"/>
-              </a:defRPr>
-            </a:lvl6pPr>
-            <a:lvl7pPr marL="2743200" indent="0" algn="ctr" defTabSz="914400" rtl="0" eaLnBrk="1" latinLnBrk="0" hangingPunct="1">
-              <a:lnSpc>
-                <a:spcPct val="90000"/>
-              </a:lnSpc>
-              <a:spcBef>
-                <a:spcPts val="500"/>
-              </a:spcBef>
-              <a:buFont typeface="Arial" panose="020B0604020202020204" pitchFamily="34" charset="0"/>
-              <a:buNone/>
-              <a:defRPr sz="1600" kern="1200">
-                <a:solidFill>
-                  <a:schemeClr val="tx1"/>
-                </a:solidFill>
-                <a:latin typeface="+mn-lt"/>
-                <a:ea typeface="+mn-ea"/>
-                <a:cs typeface="+mn-cs"/>
-              </a:defRPr>
-            </a:lvl7pPr>
-            <a:lvl8pPr marL="3200400" indent="0" algn="ctr" defTabSz="914400" rtl="0" eaLnBrk="1" latinLnBrk="0" hangingPunct="1">
-              <a:lnSpc>
-                <a:spcPct val="90000"/>
-              </a:lnSpc>
-              <a:spcBef>
-                <a:spcPts val="500"/>
-              </a:spcBef>
-              <a:buFont typeface="Arial" panose="020B0604020202020204" pitchFamily="34" charset="0"/>
-              <a:buNone/>
-              <a:defRPr sz="1600" kern="1200">
-                <a:solidFill>
-                  <a:schemeClr val="tx1"/>
-                </a:solidFill>
-                <a:latin typeface="+mn-lt"/>
-                <a:ea typeface="+mn-ea"/>
-                <a:cs typeface="+mn-cs"/>
-              </a:defRPr>
-            </a:lvl8pPr>
-            <a:lvl9pPr marL="3657600" indent="0" algn="ctr" defTabSz="914400" rtl="0" eaLnBrk="1" latinLnBrk="0" hangingPunct="1">
-              <a:lnSpc>
-                <a:spcPct val="90000"/>
-              </a:lnSpc>
-              <a:spcBef>
-                <a:spcPts val="500"/>
-              </a:spcBef>
-              <a:buFont typeface="Arial" panose="020B0604020202020204" pitchFamily="34" charset="0"/>
-              <a:buNone/>
-              <a:defRPr sz="1600" kern="1200">
-                <a:solidFill>
-                  <a:schemeClr val="tx1"/>
-                </a:solidFill>
-                <a:latin typeface="+mn-lt"/>
-                <a:ea typeface="+mn-ea"/>
-                <a:cs typeface="+mn-cs"/>
-              </a:defRPr>
-            </a:lvl9pPr>
-          </a:lstStyle>
-          <a:p>
-            <a:r>
-              <a:rPr lang="en-US" altLang="zh-TW" sz="3600" b="1" u="sng" dirty="0" smtClean="0">
-                <a:solidFill>
-                  <a:srgbClr val="323230"/>
-                </a:solidFill>
-                <a:latin typeface="微軟正黑體" panose="020B0604030504040204" pitchFamily="34" charset="-120"/>
-                <a:ea typeface="微軟正黑體" panose="020B0604030504040204" pitchFamily="34" charset="-120"/>
-              </a:rPr>
-              <a:t>#</a:t>
-            </a:r>
-            <a:r>
-              <a:rPr lang="zh-TW" altLang="en-US" sz="3600" b="1" u="sng" dirty="0" smtClean="0">
-                <a:solidFill>
-                  <a:srgbClr val="323230"/>
-                </a:solidFill>
-                <a:latin typeface="微軟正黑體" panose="020B0604030504040204" pitchFamily="34" charset="-120"/>
-                <a:ea typeface="微軟正黑體" panose="020B0604030504040204" pitchFamily="34" charset="-120"/>
-              </a:rPr>
-              <a:t> 高版本 </a:t>
-            </a:r>
-            <a:r>
-              <a:rPr lang="en-US" altLang="zh-TW" sz="3600" b="1" u="sng" dirty="0" err="1" smtClean="0">
-                <a:solidFill>
-                  <a:srgbClr val="323230"/>
-                </a:solidFill>
-                <a:latin typeface="微軟正黑體" panose="020B0604030504040204" pitchFamily="34" charset="-120"/>
-                <a:ea typeface="微軟正黑體" panose="020B0604030504040204" pitchFamily="34" charset="-120"/>
-              </a:rPr>
-              <a:t>js</a:t>
-            </a:r>
-            <a:r>
-              <a:rPr lang="zh-TW" altLang="en-US" sz="3600" b="1" u="sng" dirty="0" smtClean="0">
-                <a:solidFill>
-                  <a:srgbClr val="323230"/>
-                </a:solidFill>
-                <a:latin typeface="微軟正黑體" panose="020B0604030504040204" pitchFamily="34" charset="-120"/>
-                <a:ea typeface="微軟正黑體" panose="020B0604030504040204" pitchFamily="34" charset="-120"/>
-              </a:rPr>
-              <a:t> 轉換</a:t>
-            </a:r>
-            <a:endParaRPr lang="en-US" altLang="zh-TW" sz="3600" b="1" u="sng" dirty="0">
-              <a:solidFill>
-                <a:srgbClr val="323230"/>
-              </a:solidFill>
-              <a:latin typeface="微軟正黑體" panose="020B0604030504040204" pitchFamily="34" charset="-120"/>
-              <a:ea typeface="微軟正黑體" panose="020B0604030504040204" pitchFamily="34" charset="-120"/>
-            </a:endParaRPr>
-          </a:p>
-        </p:txBody>
-      </p:sp>
-    </p:spTree>
-    <p:extLst>
-      <p:ext uri="{BB962C8B-B14F-4D97-AF65-F5344CB8AC3E}">
-        <p14:creationId xmlns:p14="http://schemas.microsoft.com/office/powerpoint/2010/main" val="3729123251"/>
       </p:ext>
     </p:extLst>
   </p:cSld>
@@ -21195,9 +21657,72 @@
           <a:chExt cx="0" cy="0"/>
         </a:xfrm>
       </p:grpSpPr>
+      <p:sp>
+        <p:nvSpPr>
+          <p:cNvPr id="2" name="矩形 1"/>
+          <p:cNvSpPr/>
+          <p:nvPr/>
+        </p:nvSpPr>
+        <p:spPr>
+          <a:xfrm>
+            <a:off x="3175122" y="3330059"/>
+            <a:ext cx="5876096" cy="769441"/>
+          </a:xfrm>
+          <a:prstGeom prst="rect">
+            <a:avLst/>
+          </a:prstGeom>
+        </p:spPr>
+        <p:txBody>
+          <a:bodyPr wrap="none">
+            <a:spAutoFit/>
+          </a:bodyPr>
+          <a:lstStyle/>
+          <a:p>
+            <a:r>
+              <a:rPr lang="en-US" altLang="zh-TW" sz="4400" b="1" dirty="0" smtClean="0"/>
+              <a:t># JavaScript </a:t>
+            </a:r>
+            <a:r>
+              <a:rPr lang="zh-TW" altLang="en-US" sz="4400" b="1" dirty="0" smtClean="0"/>
+              <a:t>模組化入門</a:t>
+            </a:r>
+            <a:endParaRPr lang="zh-TW" altLang="en-US" sz="4400" b="1" dirty="0"/>
+          </a:p>
+        </p:txBody>
+      </p:sp>
+    </p:spTree>
+    <p:extLst>
+      <p:ext uri="{BB962C8B-B14F-4D97-AF65-F5344CB8AC3E}">
+        <p14:creationId xmlns:p14="http://schemas.microsoft.com/office/powerpoint/2010/main" val="2871278607"/>
+      </p:ext>
+    </p:extLst>
+  </p:cSld>
+  <p:clrMapOvr>
+    <a:masterClrMapping/>
+  </p:clrMapOvr>
+</p:sld>
+</file>
+
+<file path=ppt/slides/slide46.xml><?xml version="1.0" encoding="utf-8"?>
+<p:sld xmlns:a="http://schemas.openxmlformats.org/drawingml/2006/main" xmlns:r="http://schemas.openxmlformats.org/officeDocument/2006/relationships" xmlns:p="http://schemas.openxmlformats.org/presentationml/2006/main">
+  <p:cSld>
+    <p:spTree>
+      <p:nvGrpSpPr>
+        <p:cNvPr id="1" name=""/>
+        <p:cNvGrpSpPr/>
+        <p:nvPr/>
+      </p:nvGrpSpPr>
+      <p:grpSpPr>
+        <a:xfrm>
+          <a:off x="0" y="0"/>
+          <a:ext cx="0" cy="0"/>
+          <a:chOff x="0" y="0"/>
+          <a:chExt cx="0" cy="0"/>
+        </a:xfrm>
+      </p:grpSpPr>
       <p:pic>
         <p:nvPicPr>
-          <p:cNvPr id="6" name="圖片 5"/>
+          <p:cNvPr id="2" name="圖片 1"/>
           <p:cNvPicPr>
             <a:picLocks noChangeAspect="1"/>
           </p:cNvPicPr>
@@ -21217,8 +21742,8 @@
         </p:blipFill>
         <p:spPr>
           <a:xfrm>
-            <a:off x="0" y="9144"/>
-            <a:ext cx="12192000" cy="6839712"/>
+            <a:off x="-19050" y="-41910"/>
+            <a:ext cx="12231695" cy="6934200"/>
           </a:xfrm>
           <a:prstGeom prst="rect">
             <a:avLst/>
@@ -21238,7 +21763,7 @@
 </p:sld>
 </file>
 
-<file path=ppt/slides/slide46.xml><?xml version="1.0" encoding="utf-8"?>
+<file path=ppt/slides/slide47.xml><?xml version="1.0" encoding="utf-8"?>
 <p:sld xmlns:a="http://schemas.openxmlformats.org/drawingml/2006/main" xmlns:r="http://schemas.openxmlformats.org/officeDocument/2006/relationships" xmlns:p="http://schemas.openxmlformats.org/presentationml/2006/main">
   <p:cSld>
     <p:spTree>
@@ -21546,7 +22071,7 @@
 </p:sld>
 </file>
 
-<file path=ppt/slides/slide47.xml><?xml version="1.0" encoding="utf-8"?>
+<file path=ppt/slides/slide48.xml><?xml version="1.0" encoding="utf-8"?>
 <p:sld xmlns:a="http://schemas.openxmlformats.org/drawingml/2006/main" xmlns:r="http://schemas.openxmlformats.org/officeDocument/2006/relationships" xmlns:p="http://schemas.openxmlformats.org/presentationml/2006/main">
   <p:cSld>
     <p:spTree>
@@ -21745,7 +22270,7 @@
                 <a:latin typeface="微軟正黑體" panose="020B0604030504040204" pitchFamily="34" charset="-120"/>
                 <a:ea typeface="微軟正黑體" panose="020B0604030504040204" pitchFamily="34" charset="-120"/>
               </a:rPr>
-              <a:t>v10.13.0</a:t>
+              <a:t>v10.16.0</a:t>
             </a:r>
             <a:r>
               <a:rPr lang="zh-TW" altLang="en-US" sz="1800" b="1" dirty="0" smtClean="0">
@@ -21824,7 +22349,7 @@
                 <a:latin typeface="微軟正黑體" panose="020B0604030504040204" pitchFamily="34" charset="-120"/>
                 <a:ea typeface="微軟正黑體" panose="020B0604030504040204" pitchFamily="34" charset="-120"/>
               </a:rPr>
-              <a:t>v10.13.0</a:t>
+              <a:t>v10.16.0</a:t>
             </a:r>
             <a:r>
               <a:rPr lang="zh-TW" altLang="en-US" sz="1800" b="1" dirty="0" smtClean="0">
@@ -21898,7 +22423,1417 @@
 </p:sld>
 </file>
 
-<file path=ppt/slides/slide48.xml><?xml version="1.0" encoding="utf-8"?>
+<file path=ppt/slides/slide49.xml><?xml version="1.0" encoding="utf-8"?>
+<p:sld xmlns:a="http://schemas.openxmlformats.org/drawingml/2006/main" xmlns:r="http://schemas.openxmlformats.org/officeDocument/2006/relationships" xmlns:p="http://schemas.openxmlformats.org/presentationml/2006/main">
+  <p:cSld>
+    <p:spTree>
+      <p:nvGrpSpPr>
+        <p:cNvPr id="1" name=""/>
+        <p:cNvGrpSpPr/>
+        <p:nvPr/>
+      </p:nvGrpSpPr>
+      <p:grpSpPr>
+        <a:xfrm>
+          <a:off x="0" y="0"/>
+          <a:ext cx="0" cy="0"/>
+          <a:chOff x="0" y="0"/>
+          <a:chExt cx="0" cy="0"/>
+        </a:xfrm>
+      </p:grpSpPr>
+      <p:sp>
+        <p:nvSpPr>
+          <p:cNvPr id="3" name="副標題 2"/>
+          <p:cNvSpPr txBox="1">
+            <a:spLocks/>
+          </p:cNvSpPr>
+          <p:nvPr/>
+        </p:nvSpPr>
+        <p:spPr>
+          <a:xfrm>
+            <a:off x="798110" y="1006974"/>
+            <a:ext cx="3833428" cy="467808"/>
+          </a:xfrm>
+          <a:prstGeom prst="rect">
+            <a:avLst/>
+          </a:prstGeom>
+        </p:spPr>
+        <p:txBody>
+          <a:bodyPr vert="horz" lIns="91440" tIns="45720" rIns="91440" bIns="45720" rtlCol="0">
+            <a:noAutofit/>
+          </a:bodyPr>
+          <a:lstStyle>
+            <a:lvl1pPr marL="0" indent="0" algn="ctr" defTabSz="914400" rtl="0" eaLnBrk="1" latinLnBrk="0" hangingPunct="1">
+              <a:lnSpc>
+                <a:spcPct val="90000"/>
+              </a:lnSpc>
+              <a:spcBef>
+                <a:spcPts val="1000"/>
+              </a:spcBef>
+              <a:buFont typeface="Arial" panose="020B0604020202020204" pitchFamily="34" charset="0"/>
+              <a:buNone/>
+              <a:defRPr sz="2400" kern="1200">
+                <a:solidFill>
+                  <a:schemeClr val="tx1"/>
+                </a:solidFill>
+                <a:latin typeface="+mn-lt"/>
+                <a:ea typeface="+mn-ea"/>
+                <a:cs typeface="+mn-cs"/>
+              </a:defRPr>
+            </a:lvl1pPr>
+            <a:lvl2pPr marL="457200" indent="0" algn="ctr" defTabSz="914400" rtl="0" eaLnBrk="1" latinLnBrk="0" hangingPunct="1">
+              <a:lnSpc>
+                <a:spcPct val="90000"/>
+              </a:lnSpc>
+              <a:spcBef>
+                <a:spcPts val="500"/>
+              </a:spcBef>
+              <a:buFont typeface="Arial" panose="020B0604020202020204" pitchFamily="34" charset="0"/>
+              <a:buNone/>
+              <a:defRPr sz="2000" kern="1200">
+                <a:solidFill>
+                  <a:schemeClr val="tx1"/>
+                </a:solidFill>
+                <a:latin typeface="+mn-lt"/>
+                <a:ea typeface="+mn-ea"/>
+                <a:cs typeface="+mn-cs"/>
+              </a:defRPr>
+            </a:lvl2pPr>
+            <a:lvl3pPr marL="914400" indent="0" algn="ctr" defTabSz="914400" rtl="0" eaLnBrk="1" latinLnBrk="0" hangingPunct="1">
+              <a:lnSpc>
+                <a:spcPct val="90000"/>
+              </a:lnSpc>
+              <a:spcBef>
+                <a:spcPts val="500"/>
+              </a:spcBef>
+              <a:buFont typeface="Arial" panose="020B0604020202020204" pitchFamily="34" charset="0"/>
+              <a:buNone/>
+              <a:defRPr sz="1800" kern="1200">
+                <a:solidFill>
+                  <a:schemeClr val="tx1"/>
+                </a:solidFill>
+                <a:latin typeface="+mn-lt"/>
+                <a:ea typeface="+mn-ea"/>
+                <a:cs typeface="+mn-cs"/>
+              </a:defRPr>
+            </a:lvl3pPr>
+            <a:lvl4pPr marL="1371600" indent="0" algn="ctr" defTabSz="914400" rtl="0" eaLnBrk="1" latinLnBrk="0" hangingPunct="1">
+              <a:lnSpc>
+                <a:spcPct val="90000"/>
+              </a:lnSpc>
+              <a:spcBef>
+                <a:spcPts val="500"/>
+              </a:spcBef>
+              <a:buFont typeface="Arial" panose="020B0604020202020204" pitchFamily="34" charset="0"/>
+              <a:buNone/>
+              <a:defRPr sz="1600" kern="1200">
+                <a:solidFill>
+                  <a:schemeClr val="tx1"/>
+                </a:solidFill>
+                <a:latin typeface="+mn-lt"/>
+                <a:ea typeface="+mn-ea"/>
+                <a:cs typeface="+mn-cs"/>
+              </a:defRPr>
+            </a:lvl4pPr>
+            <a:lvl5pPr marL="1828800" indent="0" algn="ctr" defTabSz="914400" rtl="0" eaLnBrk="1" latinLnBrk="0" hangingPunct="1">
+              <a:lnSpc>
+                <a:spcPct val="90000"/>
+              </a:lnSpc>
+              <a:spcBef>
+                <a:spcPts val="500"/>
+              </a:spcBef>
+              <a:buFont typeface="Arial" panose="020B0604020202020204" pitchFamily="34" charset="0"/>
+              <a:buNone/>
+              <a:defRPr sz="1600" kern="1200">
+                <a:solidFill>
+                  <a:schemeClr val="tx1"/>
+                </a:solidFill>
+                <a:latin typeface="+mn-lt"/>
+                <a:ea typeface="+mn-ea"/>
+                <a:cs typeface="+mn-cs"/>
+              </a:defRPr>
+            </a:lvl5pPr>
+            <a:lvl6pPr marL="2286000" indent="0" algn="ctr" defTabSz="914400" rtl="0" eaLnBrk="1" latinLnBrk="0" hangingPunct="1">
+              <a:lnSpc>
+                <a:spcPct val="90000"/>
+              </a:lnSpc>
+              <a:spcBef>
+                <a:spcPts val="500"/>
+              </a:spcBef>
+              <a:buFont typeface="Arial" panose="020B0604020202020204" pitchFamily="34" charset="0"/>
+              <a:buNone/>
+              <a:defRPr sz="1600" kern="1200">
+                <a:solidFill>
+                  <a:schemeClr val="tx1"/>
+                </a:solidFill>
+                <a:latin typeface="+mn-lt"/>
+                <a:ea typeface="+mn-ea"/>
+                <a:cs typeface="+mn-cs"/>
+              </a:defRPr>
+            </a:lvl6pPr>
+            <a:lvl7pPr marL="2743200" indent="0" algn="ctr" defTabSz="914400" rtl="0" eaLnBrk="1" latinLnBrk="0" hangingPunct="1">
+              <a:lnSpc>
+                <a:spcPct val="90000"/>
+              </a:lnSpc>
+              <a:spcBef>
+                <a:spcPts val="500"/>
+              </a:spcBef>
+              <a:buFont typeface="Arial" panose="020B0604020202020204" pitchFamily="34" charset="0"/>
+              <a:buNone/>
+              <a:defRPr sz="1600" kern="1200">
+                <a:solidFill>
+                  <a:schemeClr val="tx1"/>
+                </a:solidFill>
+                <a:latin typeface="+mn-lt"/>
+                <a:ea typeface="+mn-ea"/>
+                <a:cs typeface="+mn-cs"/>
+              </a:defRPr>
+            </a:lvl7pPr>
+            <a:lvl8pPr marL="3200400" indent="0" algn="ctr" defTabSz="914400" rtl="0" eaLnBrk="1" latinLnBrk="0" hangingPunct="1">
+              <a:lnSpc>
+                <a:spcPct val="90000"/>
+              </a:lnSpc>
+              <a:spcBef>
+                <a:spcPts val="500"/>
+              </a:spcBef>
+              <a:buFont typeface="Arial" panose="020B0604020202020204" pitchFamily="34" charset="0"/>
+              <a:buNone/>
+              <a:defRPr sz="1600" kern="1200">
+                <a:solidFill>
+                  <a:schemeClr val="tx1"/>
+                </a:solidFill>
+                <a:latin typeface="+mn-lt"/>
+                <a:ea typeface="+mn-ea"/>
+                <a:cs typeface="+mn-cs"/>
+              </a:defRPr>
+            </a:lvl8pPr>
+            <a:lvl9pPr marL="3657600" indent="0" algn="ctr" defTabSz="914400" rtl="0" eaLnBrk="1" latinLnBrk="0" hangingPunct="1">
+              <a:lnSpc>
+                <a:spcPct val="90000"/>
+              </a:lnSpc>
+              <a:spcBef>
+                <a:spcPts val="500"/>
+              </a:spcBef>
+              <a:buFont typeface="Arial" panose="020B0604020202020204" pitchFamily="34" charset="0"/>
+              <a:buNone/>
+              <a:defRPr sz="1600" kern="1200">
+                <a:solidFill>
+                  <a:schemeClr val="tx1"/>
+                </a:solidFill>
+                <a:latin typeface="+mn-lt"/>
+                <a:ea typeface="+mn-ea"/>
+                <a:cs typeface="+mn-cs"/>
+              </a:defRPr>
+            </a:lvl9pPr>
+          </a:lstStyle>
+          <a:p>
+            <a:pPr algn="l"/>
+            <a:r>
+              <a:rPr lang="en-US" altLang="zh-TW" b="1" u="sng" dirty="0" smtClean="0">
+                <a:solidFill>
+                  <a:srgbClr val="323230"/>
+                </a:solidFill>
+                <a:latin typeface="微軟正黑體" panose="020B0604030504040204" pitchFamily="34" charset="-120"/>
+                <a:ea typeface="微軟正黑體" panose="020B0604030504040204" pitchFamily="34" charset="-120"/>
+              </a:rPr>
+              <a:t>#</a:t>
+            </a:r>
+            <a:r>
+              <a:rPr lang="zh-TW" altLang="en-US" b="1" u="sng" dirty="0" smtClean="0">
+                <a:solidFill>
+                  <a:srgbClr val="323230"/>
+                </a:solidFill>
+                <a:latin typeface="微軟正黑體" panose="020B0604030504040204" pitchFamily="34" charset="-120"/>
+                <a:ea typeface="微軟正黑體" panose="020B0604030504040204" pitchFamily="34" charset="-120"/>
+              </a:rPr>
+              <a:t> </a:t>
+            </a:r>
+            <a:r>
+              <a:rPr lang="en-US" altLang="zh-TW" b="1" u="sng" dirty="0" err="1" smtClean="0">
+                <a:solidFill>
+                  <a:srgbClr val="323230"/>
+                </a:solidFill>
+                <a:latin typeface="微軟正黑體" panose="020B0604030504040204" pitchFamily="34" charset="-120"/>
+                <a:ea typeface="微軟正黑體" panose="020B0604030504040204" pitchFamily="34" charset="-120"/>
+              </a:rPr>
+              <a:t>parceljs</a:t>
+            </a:r>
+            <a:r>
+              <a:rPr lang="en-US" altLang="zh-TW" b="1" u="sng" dirty="0" smtClean="0">
+                <a:solidFill>
+                  <a:srgbClr val="323230"/>
+                </a:solidFill>
+                <a:latin typeface="微軟正黑體" panose="020B0604030504040204" pitchFamily="34" charset="-120"/>
+                <a:ea typeface="微軟正黑體" panose="020B0604030504040204" pitchFamily="34" charset="-120"/>
+              </a:rPr>
+              <a:t> - </a:t>
+            </a:r>
+            <a:r>
+              <a:rPr lang="zh-TW" altLang="en-US" b="1" u="sng" dirty="0" smtClean="0">
+                <a:solidFill>
+                  <a:srgbClr val="323230"/>
+                </a:solidFill>
+                <a:latin typeface="微軟正黑體" panose="020B0604030504040204" pitchFamily="34" charset="-120"/>
+                <a:ea typeface="微軟正黑體" panose="020B0604030504040204" pitchFamily="34" charset="-120"/>
+              </a:rPr>
+              <a:t>高版本 </a:t>
+            </a:r>
+            <a:r>
+              <a:rPr lang="en-US" altLang="zh-TW" b="1" u="sng" dirty="0" err="1" smtClean="0">
+                <a:solidFill>
+                  <a:srgbClr val="323230"/>
+                </a:solidFill>
+                <a:latin typeface="微軟正黑體" panose="020B0604030504040204" pitchFamily="34" charset="-120"/>
+                <a:ea typeface="微軟正黑體" panose="020B0604030504040204" pitchFamily="34" charset="-120"/>
+              </a:rPr>
+              <a:t>js</a:t>
+            </a:r>
+            <a:r>
+              <a:rPr lang="zh-TW" altLang="en-US" b="1" u="sng" dirty="0" smtClean="0">
+                <a:solidFill>
+                  <a:srgbClr val="323230"/>
+                </a:solidFill>
+                <a:latin typeface="微軟正黑體" panose="020B0604030504040204" pitchFamily="34" charset="-120"/>
+                <a:ea typeface="微軟正黑體" panose="020B0604030504040204" pitchFamily="34" charset="-120"/>
+              </a:rPr>
+              <a:t> 轉換</a:t>
+            </a:r>
+            <a:endParaRPr lang="en-US" altLang="zh-TW" b="1" u="sng" dirty="0">
+              <a:solidFill>
+                <a:srgbClr val="323230"/>
+              </a:solidFill>
+              <a:latin typeface="微軟正黑體" panose="020B0604030504040204" pitchFamily="34" charset="-120"/>
+              <a:ea typeface="微軟正黑體" panose="020B0604030504040204" pitchFamily="34" charset="-120"/>
+            </a:endParaRPr>
+          </a:p>
+        </p:txBody>
+      </p:sp>
+      <p:pic>
+        <p:nvPicPr>
+          <p:cNvPr id="2" name="圖片 1"/>
+          <p:cNvPicPr>
+            <a:picLocks noChangeAspect="1"/>
+          </p:cNvPicPr>
+          <p:nvPr/>
+        </p:nvPicPr>
+        <p:blipFill>
+          <a:blip r:embed="rId2" cstate="print">
+            <a:extLst>
+              <a:ext uri="{28A0092B-C50C-407E-A947-70E740481C1C}">
+                <a14:useLocalDpi xmlns:a14="http://schemas.microsoft.com/office/drawing/2010/main" val="0"/>
+              </a:ext>
+            </a:extLst>
+          </a:blip>
+          <a:stretch>
+            <a:fillRect/>
+          </a:stretch>
+        </p:blipFill>
+        <p:spPr>
+          <a:xfrm>
+            <a:off x="1083277" y="2126257"/>
+            <a:ext cx="3086209" cy="2988667"/>
+          </a:xfrm>
+          <a:prstGeom prst="rect">
+            <a:avLst/>
+          </a:prstGeom>
+        </p:spPr>
+      </p:pic>
+      <p:sp>
+        <p:nvSpPr>
+          <p:cNvPr id="4" name="矩形 3"/>
+          <p:cNvSpPr/>
+          <p:nvPr/>
+        </p:nvSpPr>
+        <p:spPr>
+          <a:xfrm>
+            <a:off x="1553134" y="5355074"/>
+            <a:ext cx="2090572" cy="369332"/>
+          </a:xfrm>
+          <a:prstGeom prst="rect">
+            <a:avLst/>
+          </a:prstGeom>
+        </p:spPr>
+        <p:txBody>
+          <a:bodyPr wrap="none">
+            <a:spAutoFit/>
+          </a:bodyPr>
+          <a:lstStyle/>
+          <a:p>
+            <a:r>
+              <a:rPr lang="en-US" altLang="zh-TW" dirty="0">
+                <a:hlinkClick r:id="rId3"/>
+              </a:rPr>
+              <a:t>https://parceljs.org/</a:t>
+            </a:r>
+            <a:endParaRPr lang="zh-TW" altLang="en-US" dirty="0"/>
+          </a:p>
+        </p:txBody>
+      </p:sp>
+      <p:sp>
+        <p:nvSpPr>
+          <p:cNvPr id="6" name="矩形 5"/>
+          <p:cNvSpPr/>
+          <p:nvPr/>
+        </p:nvSpPr>
+        <p:spPr>
+          <a:xfrm>
+            <a:off x="5293601" y="2606317"/>
+            <a:ext cx="2884957" cy="369332"/>
+          </a:xfrm>
+          <a:prstGeom prst="rect">
+            <a:avLst/>
+          </a:prstGeom>
+        </p:spPr>
+        <p:txBody>
+          <a:bodyPr wrap="none">
+            <a:spAutoFit/>
+          </a:bodyPr>
+          <a:lstStyle/>
+          <a:p>
+            <a:r>
+              <a:rPr lang="zh-TW" altLang="en-US" dirty="0"/>
+              <a:t>npm install -g parcel-bundler</a:t>
+            </a:r>
+          </a:p>
+        </p:txBody>
+      </p:sp>
+      <p:sp>
+        <p:nvSpPr>
+          <p:cNvPr id="7" name="矩形 6"/>
+          <p:cNvSpPr/>
+          <p:nvPr/>
+        </p:nvSpPr>
+        <p:spPr>
+          <a:xfrm>
+            <a:off x="1260163" y="5779890"/>
+            <a:ext cx="2909323" cy="369332"/>
+          </a:xfrm>
+          <a:prstGeom prst="rect">
+            <a:avLst/>
+          </a:prstGeom>
+        </p:spPr>
+        <p:txBody>
+          <a:bodyPr wrap="none">
+            <a:spAutoFit/>
+          </a:bodyPr>
+          <a:lstStyle/>
+          <a:p>
+            <a:r>
+              <a:rPr lang="en-US" altLang="zh-TW" dirty="0">
+                <a:hlinkClick r:id="rId4"/>
+              </a:rPr>
+              <a:t>https://createapp.dev/parcel</a:t>
+            </a:r>
+            <a:endParaRPr lang="zh-TW" altLang="en-US" dirty="0"/>
+          </a:p>
+        </p:txBody>
+      </p:sp>
+      <p:sp>
+        <p:nvSpPr>
+          <p:cNvPr id="8" name="矩形 7"/>
+          <p:cNvSpPr/>
+          <p:nvPr/>
+        </p:nvSpPr>
+        <p:spPr>
+          <a:xfrm>
+            <a:off x="5293601" y="4187428"/>
+            <a:ext cx="1218026" cy="369332"/>
+          </a:xfrm>
+          <a:prstGeom prst="rect">
+            <a:avLst/>
+          </a:prstGeom>
+        </p:spPr>
+        <p:txBody>
+          <a:bodyPr wrap="none">
+            <a:spAutoFit/>
+          </a:bodyPr>
+          <a:lstStyle/>
+          <a:p>
+            <a:r>
+              <a:rPr lang="zh-TW" altLang="en-US" dirty="0"/>
+              <a:t>npm </a:t>
+            </a:r>
+            <a:r>
+              <a:rPr lang="zh-TW" altLang="en-US" dirty="0" smtClean="0"/>
+              <a:t>install</a:t>
+            </a:r>
+            <a:endParaRPr lang="zh-TW" altLang="en-US" dirty="0"/>
+          </a:p>
+        </p:txBody>
+      </p:sp>
+      <p:sp>
+        <p:nvSpPr>
+          <p:cNvPr id="9" name="矩形 8"/>
+          <p:cNvSpPr/>
+          <p:nvPr/>
+        </p:nvSpPr>
+        <p:spPr>
+          <a:xfrm>
+            <a:off x="5011661" y="2179874"/>
+            <a:ext cx="4283545" cy="369332"/>
+          </a:xfrm>
+          <a:prstGeom prst="rect">
+            <a:avLst/>
+          </a:prstGeom>
+        </p:spPr>
+        <p:txBody>
+          <a:bodyPr wrap="none">
+            <a:spAutoFit/>
+          </a:bodyPr>
+          <a:lstStyle/>
+          <a:p>
+            <a:r>
+              <a:rPr lang="en-US" altLang="zh-TW" u="sng" dirty="0" smtClean="0">
+                <a:latin typeface="Adobe 繁黑體 Std B" panose="020B0700000000000000" pitchFamily="34" charset="-120"/>
+                <a:ea typeface="Adobe 繁黑體 Std B" panose="020B0700000000000000" pitchFamily="34" charset="-120"/>
+              </a:rPr>
+              <a:t>1.</a:t>
+            </a:r>
+            <a:r>
+              <a:rPr lang="zh-TW" altLang="en-US" u="sng" dirty="0" smtClean="0">
+                <a:latin typeface="Adobe 繁黑體 Std B" panose="020B0700000000000000" pitchFamily="34" charset="-120"/>
+                <a:ea typeface="Adobe 繁黑體 Std B" panose="020B0700000000000000" pitchFamily="34" charset="-120"/>
+              </a:rPr>
+              <a:t> 先執行安裝</a:t>
+            </a:r>
+            <a:r>
+              <a:rPr lang="zh-TW" altLang="en-US" u="sng" dirty="0">
+                <a:latin typeface="Adobe 繁黑體 Std B" panose="020B0700000000000000" pitchFamily="34" charset="-120"/>
+                <a:ea typeface="Adobe 繁黑體 Std B" panose="020B0700000000000000" pitchFamily="34" charset="-120"/>
+              </a:rPr>
+              <a:t>parcel-bundle</a:t>
+            </a:r>
+            <a:r>
+              <a:rPr lang="zh-TW" altLang="en-US" u="sng" dirty="0" smtClean="0">
+                <a:latin typeface="Adobe 繁黑體 Std B" panose="020B0700000000000000" pitchFamily="34" charset="-120"/>
+                <a:ea typeface="Adobe 繁黑體 Std B" panose="020B0700000000000000" pitchFamily="34" charset="-120"/>
+              </a:rPr>
+              <a:t>r到</a:t>
+            </a:r>
+            <a:r>
+              <a:rPr lang="zh-TW" altLang="en-US" u="sng" dirty="0">
+                <a:latin typeface="Adobe 繁黑體 Std B" panose="020B0700000000000000" pitchFamily="34" charset="-120"/>
+                <a:ea typeface="Adobe 繁黑體 Std B" panose="020B0700000000000000" pitchFamily="34" charset="-120"/>
+              </a:rPr>
+              <a:t>電腦</a:t>
+            </a:r>
+            <a:r>
+              <a:rPr lang="zh-TW" altLang="en-US" u="sng" dirty="0" smtClean="0">
+                <a:latin typeface="Adobe 繁黑體 Std B" panose="020B0700000000000000" pitchFamily="34" charset="-120"/>
+                <a:ea typeface="Adobe 繁黑體 Std B" panose="020B0700000000000000" pitchFamily="34" charset="-120"/>
+              </a:rPr>
+              <a:t>全域</a:t>
+            </a:r>
+            <a:endParaRPr lang="zh-TW" altLang="en-US" u="sng" dirty="0">
+              <a:latin typeface="Adobe 繁黑體 Std B" panose="020B0700000000000000" pitchFamily="34" charset="-120"/>
+              <a:ea typeface="Adobe 繁黑體 Std B" panose="020B0700000000000000" pitchFamily="34" charset="-120"/>
+            </a:endParaRPr>
+          </a:p>
+        </p:txBody>
+      </p:sp>
+      <p:sp>
+        <p:nvSpPr>
+          <p:cNvPr id="10" name="矩形 9"/>
+          <p:cNvSpPr/>
+          <p:nvPr/>
+        </p:nvSpPr>
+        <p:spPr>
+          <a:xfrm>
+            <a:off x="5011661" y="3760985"/>
+            <a:ext cx="4105611" cy="369332"/>
+          </a:xfrm>
+          <a:prstGeom prst="rect">
+            <a:avLst/>
+          </a:prstGeom>
+        </p:spPr>
+        <p:txBody>
+          <a:bodyPr wrap="none">
+            <a:spAutoFit/>
+          </a:bodyPr>
+          <a:lstStyle/>
+          <a:p>
+            <a:r>
+              <a:rPr lang="en-US" altLang="zh-TW" u="sng" dirty="0" smtClean="0">
+                <a:latin typeface="Adobe 繁黑體 Std B" panose="020B0700000000000000" pitchFamily="34" charset="-120"/>
+                <a:ea typeface="Adobe 繁黑體 Std B" panose="020B0700000000000000" pitchFamily="34" charset="-120"/>
+              </a:rPr>
+              <a:t>2.</a:t>
+            </a:r>
+            <a:r>
+              <a:rPr lang="zh-TW" altLang="en-US" u="sng" dirty="0" smtClean="0">
+                <a:latin typeface="Adobe 繁黑體 Std B" panose="020B0700000000000000" pitchFamily="34" charset="-120"/>
+                <a:ea typeface="Adobe 繁黑體 Std B" panose="020B0700000000000000" pitchFamily="34" charset="-120"/>
+              </a:rPr>
+              <a:t> 將命令提式視窗路徑指向專案資料夾</a:t>
+            </a:r>
+            <a:endParaRPr lang="zh-TW" altLang="en-US" u="sng" dirty="0">
+              <a:latin typeface="Adobe 繁黑體 Std B" panose="020B0700000000000000" pitchFamily="34" charset="-120"/>
+              <a:ea typeface="Adobe 繁黑體 Std B" panose="020B0700000000000000" pitchFamily="34" charset="-120"/>
+            </a:endParaRPr>
+          </a:p>
+        </p:txBody>
+      </p:sp>
+    </p:spTree>
+    <p:extLst>
+      <p:ext uri="{BB962C8B-B14F-4D97-AF65-F5344CB8AC3E}">
+        <p14:creationId xmlns:p14="http://schemas.microsoft.com/office/powerpoint/2010/main" val="3729123251"/>
+      </p:ext>
+    </p:extLst>
+  </p:cSld>
+  <p:clrMapOvr>
+    <a:masterClrMapping/>
+  </p:clrMapOvr>
+</p:sld>
+</file>
+
+<file path=ppt/slides/slide5.xml><?xml version="1.0" encoding="utf-8"?>
+<p:sld xmlns:a="http://schemas.openxmlformats.org/drawingml/2006/main" xmlns:r="http://schemas.openxmlformats.org/officeDocument/2006/relationships" xmlns:p="http://schemas.openxmlformats.org/presentationml/2006/main">
+  <p:cSld>
+    <p:bg>
+      <p:bgPr>
+        <a:solidFill>
+          <a:srgbClr val="323230"/>
+        </a:solidFill>
+        <a:effectLst/>
+      </p:bgPr>
+    </p:bg>
+    <p:spTree>
+      <p:nvGrpSpPr>
+        <p:cNvPr id="1" name=""/>
+        <p:cNvGrpSpPr/>
+        <p:nvPr/>
+      </p:nvGrpSpPr>
+      <p:grpSpPr>
+        <a:xfrm>
+          <a:off x="0" y="0"/>
+          <a:ext cx="0" cy="0"/>
+          <a:chOff x="0" y="0"/>
+          <a:chExt cx="0" cy="0"/>
+        </a:xfrm>
+      </p:grpSpPr>
+      <p:sp>
+        <p:nvSpPr>
+          <p:cNvPr id="6" name="標題 1"/>
+          <p:cNvSpPr txBox="1">
+            <a:spLocks/>
+          </p:cNvSpPr>
+          <p:nvPr/>
+        </p:nvSpPr>
+        <p:spPr>
+          <a:xfrm>
+            <a:off x="473184" y="605003"/>
+            <a:ext cx="8215367" cy="1017588"/>
+          </a:xfrm>
+          <a:prstGeom prst="rect">
+            <a:avLst/>
+          </a:prstGeom>
+        </p:spPr>
+        <p:txBody>
+          <a:bodyPr vert="horz" lIns="91440" tIns="45720" rIns="91440" bIns="45720" rtlCol="0" anchor="ctr">
+            <a:noAutofit/>
+          </a:bodyPr>
+          <a:lstStyle>
+            <a:lvl1pPr algn="l" defTabSz="914400" rtl="0" eaLnBrk="1" latinLnBrk="0" hangingPunct="1">
+              <a:lnSpc>
+                <a:spcPct val="90000"/>
+              </a:lnSpc>
+              <a:spcBef>
+                <a:spcPct val="0"/>
+              </a:spcBef>
+              <a:buNone/>
+              <a:defRPr sz="4400" kern="1200">
+                <a:solidFill>
+                  <a:schemeClr val="tx1"/>
+                </a:solidFill>
+                <a:latin typeface="+mj-lt"/>
+                <a:ea typeface="+mj-ea"/>
+                <a:cs typeface="+mj-cs"/>
+              </a:defRPr>
+            </a:lvl1pPr>
+          </a:lstStyle>
+          <a:p>
+            <a:pPr algn="ctr"/>
+            <a:r>
+              <a:rPr lang="zh-TW" altLang="en-US" b="1" dirty="0">
+                <a:solidFill>
+                  <a:schemeClr val="bg1"/>
+                </a:solidFill>
+                <a:latin typeface="Microsoft YaHei UI" panose="020B0503020204020204" pitchFamily="34" charset="-122"/>
+                <a:ea typeface="Microsoft YaHei UI" panose="020B0503020204020204" pitchFamily="34" charset="-122"/>
+              </a:rPr>
+              <a:t>物件基本格式</a:t>
+            </a:r>
+          </a:p>
+        </p:txBody>
+      </p:sp>
+      <p:sp>
+        <p:nvSpPr>
+          <p:cNvPr id="7" name="矩形 6"/>
+          <p:cNvSpPr/>
+          <p:nvPr/>
+        </p:nvSpPr>
+        <p:spPr>
+          <a:xfrm>
+            <a:off x="3537319" y="3658775"/>
+            <a:ext cx="1762021" cy="523220"/>
+          </a:xfrm>
+          <a:prstGeom prst="rect">
+            <a:avLst/>
+          </a:prstGeom>
+        </p:spPr>
+        <p:txBody>
+          <a:bodyPr wrap="none">
+            <a:spAutoFit/>
+          </a:bodyPr>
+          <a:lstStyle/>
+          <a:p>
+            <a:r>
+              <a:rPr lang="en-US" altLang="zh-TW" sz="2800" b="0" dirty="0">
+                <a:solidFill>
+                  <a:srgbClr val="F8F8F2"/>
+                </a:solidFill>
+                <a:effectLst/>
+                <a:latin typeface="Consolas" panose="020B0609020204030204" pitchFamily="49" charset="0"/>
+              </a:rPr>
+              <a:t>obj.name</a:t>
+            </a:r>
+          </a:p>
+        </p:txBody>
+      </p:sp>
+      <p:grpSp>
+        <p:nvGrpSpPr>
+          <p:cNvPr id="23" name="群組 22"/>
+          <p:cNvGrpSpPr/>
+          <p:nvPr/>
+        </p:nvGrpSpPr>
+        <p:grpSpPr>
+          <a:xfrm>
+            <a:off x="1617826" y="1586570"/>
+            <a:ext cx="6415362" cy="1617820"/>
+            <a:chOff x="3065626" y="1640840"/>
+            <a:chExt cx="6415362" cy="1617820"/>
+          </a:xfrm>
+        </p:grpSpPr>
+        <p:sp>
+          <p:nvSpPr>
+            <p:cNvPr id="5" name="矩形 4"/>
+            <p:cNvSpPr/>
+            <p:nvPr/>
+          </p:nvSpPr>
+          <p:spPr>
+            <a:xfrm>
+              <a:off x="4622800" y="2027872"/>
+              <a:ext cx="2946400" cy="1200329"/>
+            </a:xfrm>
+            <a:prstGeom prst="rect">
+              <a:avLst/>
+            </a:prstGeom>
+          </p:spPr>
+          <p:txBody>
+            <a:bodyPr wrap="square">
+              <a:spAutoFit/>
+            </a:bodyPr>
+            <a:lstStyle/>
+            <a:p>
+              <a:r>
+                <a:rPr lang="en-US" altLang="zh-TW" b="0" i="1" dirty="0" err="1">
+                  <a:solidFill>
+                    <a:srgbClr val="66D9EF"/>
+                  </a:solidFill>
+                  <a:effectLst/>
+                  <a:latin typeface="Consolas" panose="020B0609020204030204" pitchFamily="49" charset="0"/>
+                </a:rPr>
+                <a:t>var</a:t>
+              </a:r>
+              <a:r>
+                <a:rPr lang="en-US" altLang="zh-TW" b="0" dirty="0">
+                  <a:solidFill>
+                    <a:srgbClr val="F8F8F2"/>
+                  </a:solidFill>
+                  <a:effectLst/>
+                  <a:latin typeface="Consolas" panose="020B0609020204030204" pitchFamily="49" charset="0"/>
+                </a:rPr>
+                <a:t> </a:t>
+              </a:r>
+              <a:r>
+                <a:rPr lang="en-US" altLang="zh-TW" b="0" dirty="0" err="1">
+                  <a:solidFill>
+                    <a:srgbClr val="F8F8F2"/>
+                  </a:solidFill>
+                  <a:effectLst/>
+                  <a:latin typeface="Consolas" panose="020B0609020204030204" pitchFamily="49" charset="0"/>
+                </a:rPr>
+                <a:t>obj</a:t>
+              </a:r>
+              <a:r>
+                <a:rPr lang="en-US" altLang="zh-TW" b="0" dirty="0">
+                  <a:solidFill>
+                    <a:srgbClr val="F8F8F2"/>
+                  </a:solidFill>
+                  <a:effectLst/>
+                  <a:latin typeface="Consolas" panose="020B0609020204030204" pitchFamily="49" charset="0"/>
+                </a:rPr>
+                <a:t> </a:t>
+              </a:r>
+              <a:r>
+                <a:rPr lang="en-US" altLang="zh-TW" b="0" dirty="0">
+                  <a:solidFill>
+                    <a:srgbClr val="F92672"/>
+                  </a:solidFill>
+                  <a:effectLst/>
+                  <a:latin typeface="Consolas" panose="020B0609020204030204" pitchFamily="49" charset="0"/>
+                </a:rPr>
+                <a:t>=</a:t>
+              </a:r>
+              <a:r>
+                <a:rPr lang="en-US" altLang="zh-TW" b="0" dirty="0">
+                  <a:solidFill>
+                    <a:srgbClr val="F8F8F2"/>
+                  </a:solidFill>
+                  <a:effectLst/>
+                  <a:latin typeface="Consolas" panose="020B0609020204030204" pitchFamily="49" charset="0"/>
+                </a:rPr>
+                <a:t> {</a:t>
+              </a:r>
+            </a:p>
+            <a:p>
+              <a:r>
+                <a:rPr lang="zh-TW" altLang="en-US" b="0" dirty="0">
+                  <a:solidFill>
+                    <a:srgbClr val="F8F8F2"/>
+                  </a:solidFill>
+                  <a:effectLst/>
+                  <a:latin typeface="Consolas" panose="020B0609020204030204" pitchFamily="49" charset="0"/>
+                </a:rPr>
+                <a:t>    </a:t>
+              </a:r>
+              <a:r>
+                <a:rPr lang="en-US" altLang="zh-TW" b="0" dirty="0">
+                  <a:solidFill>
+                    <a:srgbClr val="F8F8F2"/>
+                  </a:solidFill>
+                  <a:effectLst/>
+                  <a:latin typeface="Consolas" panose="020B0609020204030204" pitchFamily="49" charset="0"/>
+                </a:rPr>
+                <a:t>name: </a:t>
+              </a:r>
+              <a:r>
+                <a:rPr lang="en-US" altLang="zh-TW" b="0" dirty="0">
+                  <a:solidFill>
+                    <a:srgbClr val="FFEE99"/>
+                  </a:solidFill>
+                  <a:effectLst/>
+                  <a:latin typeface="Consolas" panose="020B0609020204030204" pitchFamily="49" charset="0"/>
+                </a:rPr>
+                <a:t>"mike"</a:t>
+              </a:r>
+              <a:r>
+                <a:rPr lang="en-US" altLang="zh-TW" b="0" dirty="0">
+                  <a:solidFill>
+                    <a:srgbClr val="F8F8F2"/>
+                  </a:solidFill>
+                  <a:effectLst/>
+                  <a:latin typeface="Consolas" panose="020B0609020204030204" pitchFamily="49" charset="0"/>
+                </a:rPr>
+                <a:t>,</a:t>
+              </a:r>
+            </a:p>
+            <a:p>
+              <a:r>
+                <a:rPr lang="zh-TW" altLang="en-US" b="0" dirty="0">
+                  <a:solidFill>
+                    <a:srgbClr val="F8F8F2"/>
+                  </a:solidFill>
+                  <a:effectLst/>
+                  <a:latin typeface="Consolas" panose="020B0609020204030204" pitchFamily="49" charset="0"/>
+                </a:rPr>
+                <a:t>    </a:t>
+              </a:r>
+              <a:r>
+                <a:rPr lang="en-US" altLang="zh-TW" b="0" dirty="0">
+                  <a:solidFill>
+                    <a:srgbClr val="F8F8F2"/>
+                  </a:solidFill>
+                  <a:effectLst/>
+                  <a:latin typeface="Consolas" panose="020B0609020204030204" pitchFamily="49" charset="0"/>
+                </a:rPr>
+                <a:t>salary: </a:t>
+              </a:r>
+              <a:r>
+                <a:rPr lang="en-US" altLang="zh-TW" b="0" dirty="0">
+                  <a:solidFill>
+                    <a:srgbClr val="FFEE99"/>
+                  </a:solidFill>
+                  <a:effectLst/>
+                  <a:latin typeface="Consolas" panose="020B0609020204030204" pitchFamily="49" charset="0"/>
+                </a:rPr>
+                <a:t>"22000"</a:t>
+              </a:r>
+              <a:r>
+                <a:rPr lang="en-US" altLang="zh-TW" b="0" dirty="0">
+                  <a:solidFill>
+                    <a:srgbClr val="F8F8F2"/>
+                  </a:solidFill>
+                  <a:effectLst/>
+                  <a:latin typeface="Consolas" panose="020B0609020204030204" pitchFamily="49" charset="0"/>
+                </a:rPr>
+                <a:t>,</a:t>
+              </a:r>
+            </a:p>
+            <a:p>
+              <a:r>
+                <a:rPr lang="en-US" altLang="zh-TW" b="0" dirty="0">
+                  <a:solidFill>
+                    <a:srgbClr val="F8F8F2"/>
+                  </a:solidFill>
+                  <a:effectLst/>
+                  <a:latin typeface="Consolas" panose="020B0609020204030204" pitchFamily="49" charset="0"/>
+                </a:rPr>
+                <a:t>}</a:t>
+              </a:r>
+            </a:p>
+          </p:txBody>
+        </p:sp>
+        <p:sp>
+          <p:nvSpPr>
+            <p:cNvPr id="10" name="標題 1"/>
+            <p:cNvSpPr txBox="1">
+              <a:spLocks/>
+            </p:cNvSpPr>
+            <p:nvPr/>
+          </p:nvSpPr>
+          <p:spPr>
+            <a:xfrm>
+              <a:off x="3065626" y="2689700"/>
+              <a:ext cx="874549" cy="568960"/>
+            </a:xfrm>
+            <a:prstGeom prst="rect">
+              <a:avLst/>
+            </a:prstGeom>
+          </p:spPr>
+          <p:txBody>
+            <a:bodyPr vert="horz" lIns="91440" tIns="45720" rIns="91440" bIns="45720" rtlCol="0" anchor="ctr">
+              <a:noAutofit/>
+            </a:bodyPr>
+            <a:lstStyle>
+              <a:lvl1pPr algn="l" defTabSz="914400" rtl="0" eaLnBrk="1" latinLnBrk="0" hangingPunct="1">
+                <a:lnSpc>
+                  <a:spcPct val="90000"/>
+                </a:lnSpc>
+                <a:spcBef>
+                  <a:spcPct val="0"/>
+                </a:spcBef>
+                <a:buNone/>
+                <a:defRPr sz="4400" kern="1200">
+                  <a:solidFill>
+                    <a:schemeClr val="tx1"/>
+                  </a:solidFill>
+                  <a:latin typeface="+mj-lt"/>
+                  <a:ea typeface="+mj-ea"/>
+                  <a:cs typeface="+mj-cs"/>
+                </a:defRPr>
+              </a:lvl1pPr>
+            </a:lstStyle>
+            <a:p>
+              <a:pPr algn="ctr"/>
+              <a:r>
+                <a:rPr lang="en-US" altLang="zh-TW" sz="2400" b="1" dirty="0">
+                  <a:solidFill>
+                    <a:schemeClr val="bg1">
+                      <a:lumMod val="65000"/>
+                    </a:schemeClr>
+                  </a:solidFill>
+                  <a:latin typeface="Microsoft YaHei UI" panose="020B0503020204020204" pitchFamily="34" charset="-122"/>
+                  <a:ea typeface="Microsoft YaHei UI" panose="020B0503020204020204" pitchFamily="34" charset="-122"/>
+                </a:rPr>
+                <a:t>key</a:t>
+              </a:r>
+              <a:endParaRPr lang="zh-TW" altLang="en-US" sz="2400" b="1" dirty="0">
+                <a:solidFill>
+                  <a:schemeClr val="bg1">
+                    <a:lumMod val="65000"/>
+                  </a:schemeClr>
+                </a:solidFill>
+                <a:latin typeface="Microsoft YaHei UI" panose="020B0503020204020204" pitchFamily="34" charset="-122"/>
+                <a:ea typeface="Microsoft YaHei UI" panose="020B0503020204020204" pitchFamily="34" charset="-122"/>
+              </a:endParaRPr>
+            </a:p>
+          </p:txBody>
+        </p:sp>
+        <p:cxnSp>
+          <p:nvCxnSpPr>
+            <p:cNvPr id="13" name="直線單箭頭接點 12"/>
+            <p:cNvCxnSpPr/>
+            <p:nvPr/>
+          </p:nvCxnSpPr>
+          <p:spPr>
+            <a:xfrm flipH="1">
+              <a:off x="6781800" y="2027872"/>
+              <a:ext cx="1562100" cy="315278"/>
+            </a:xfrm>
+            <a:prstGeom prst="straightConnector1">
+              <a:avLst/>
+            </a:prstGeom>
+            <a:ln>
+              <a:tailEnd type="triangle"/>
+            </a:ln>
+          </p:spPr>
+          <p:style>
+            <a:lnRef idx="3">
+              <a:schemeClr val="accent3"/>
+            </a:lnRef>
+            <a:fillRef idx="0">
+              <a:schemeClr val="accent3"/>
+            </a:fillRef>
+            <a:effectRef idx="2">
+              <a:schemeClr val="accent3"/>
+            </a:effectRef>
+            <a:fontRef idx="minor">
+              <a:schemeClr val="tx1"/>
+            </a:fontRef>
+          </p:style>
+        </p:cxnSp>
+        <p:sp>
+          <p:nvSpPr>
+            <p:cNvPr id="14" name="標題 1"/>
+            <p:cNvSpPr txBox="1">
+              <a:spLocks/>
+            </p:cNvSpPr>
+            <p:nvPr/>
+          </p:nvSpPr>
+          <p:spPr>
+            <a:xfrm>
+              <a:off x="8326164" y="1640840"/>
+              <a:ext cx="1154824" cy="568960"/>
+            </a:xfrm>
+            <a:prstGeom prst="rect">
+              <a:avLst/>
+            </a:prstGeom>
+          </p:spPr>
+          <p:txBody>
+            <a:bodyPr vert="horz" lIns="91440" tIns="45720" rIns="91440" bIns="45720" rtlCol="0" anchor="ctr">
+              <a:noAutofit/>
+            </a:bodyPr>
+            <a:lstStyle>
+              <a:lvl1pPr algn="l" defTabSz="914400" rtl="0" eaLnBrk="1" latinLnBrk="0" hangingPunct="1">
+                <a:lnSpc>
+                  <a:spcPct val="90000"/>
+                </a:lnSpc>
+                <a:spcBef>
+                  <a:spcPct val="0"/>
+                </a:spcBef>
+                <a:buNone/>
+                <a:defRPr sz="4400" kern="1200">
+                  <a:solidFill>
+                    <a:schemeClr val="tx1"/>
+                  </a:solidFill>
+                  <a:latin typeface="+mj-lt"/>
+                  <a:ea typeface="+mj-ea"/>
+                  <a:cs typeface="+mj-cs"/>
+                </a:defRPr>
+              </a:lvl1pPr>
+            </a:lstStyle>
+            <a:p>
+              <a:pPr algn="ctr"/>
+              <a:r>
+                <a:rPr lang="en-US" altLang="zh-TW" sz="2400" b="1" dirty="0">
+                  <a:solidFill>
+                    <a:schemeClr val="bg1">
+                      <a:lumMod val="65000"/>
+                    </a:schemeClr>
+                  </a:solidFill>
+                  <a:latin typeface="Microsoft YaHei UI" panose="020B0503020204020204" pitchFamily="34" charset="-122"/>
+                  <a:ea typeface="Microsoft YaHei UI" panose="020B0503020204020204" pitchFamily="34" charset="-122"/>
+                </a:rPr>
+                <a:t>value</a:t>
+              </a:r>
+              <a:endParaRPr lang="zh-TW" altLang="en-US" sz="2400" b="1" dirty="0">
+                <a:solidFill>
+                  <a:schemeClr val="bg1">
+                    <a:lumMod val="65000"/>
+                  </a:schemeClr>
+                </a:solidFill>
+                <a:latin typeface="Microsoft YaHei UI" panose="020B0503020204020204" pitchFamily="34" charset="-122"/>
+                <a:ea typeface="Microsoft YaHei UI" panose="020B0503020204020204" pitchFamily="34" charset="-122"/>
+              </a:endParaRPr>
+            </a:p>
+          </p:txBody>
+        </p:sp>
+        <p:cxnSp>
+          <p:nvCxnSpPr>
+            <p:cNvPr id="18" name="直線單箭頭接點 17"/>
+            <p:cNvCxnSpPr/>
+            <p:nvPr/>
+          </p:nvCxnSpPr>
+          <p:spPr>
+            <a:xfrm flipV="1">
+              <a:off x="3860665" y="2559077"/>
+              <a:ext cx="1247775" cy="409575"/>
+            </a:xfrm>
+            <a:prstGeom prst="straightConnector1">
+              <a:avLst/>
+            </a:prstGeom>
+            <a:ln>
+              <a:tailEnd type="triangle"/>
+            </a:ln>
+          </p:spPr>
+          <p:style>
+            <a:lnRef idx="3">
+              <a:schemeClr val="accent3"/>
+            </a:lnRef>
+            <a:fillRef idx="0">
+              <a:schemeClr val="accent3"/>
+            </a:fillRef>
+            <a:effectRef idx="2">
+              <a:schemeClr val="accent3"/>
+            </a:effectRef>
+            <a:fontRef idx="minor">
+              <a:schemeClr val="tx1"/>
+            </a:fontRef>
+          </p:style>
+        </p:cxnSp>
+      </p:grpSp>
+      <p:sp>
+        <p:nvSpPr>
+          <p:cNvPr id="19" name="標題 1"/>
+          <p:cNvSpPr txBox="1">
+            <a:spLocks/>
+          </p:cNvSpPr>
+          <p:nvPr/>
+        </p:nvSpPr>
+        <p:spPr>
+          <a:xfrm>
+            <a:off x="1930400" y="4062356"/>
+            <a:ext cx="5194300" cy="568960"/>
+          </a:xfrm>
+          <a:prstGeom prst="rect">
+            <a:avLst/>
+          </a:prstGeom>
+        </p:spPr>
+        <p:txBody>
+          <a:bodyPr vert="horz" lIns="91440" tIns="45720" rIns="91440" bIns="45720" rtlCol="0" anchor="ctr">
+            <a:noAutofit/>
+          </a:bodyPr>
+          <a:lstStyle>
+            <a:lvl1pPr algn="l" defTabSz="914400" rtl="0" eaLnBrk="1" latinLnBrk="0" hangingPunct="1">
+              <a:lnSpc>
+                <a:spcPct val="90000"/>
+              </a:lnSpc>
+              <a:spcBef>
+                <a:spcPct val="0"/>
+              </a:spcBef>
+              <a:buNone/>
+              <a:defRPr sz="4400" kern="1200">
+                <a:solidFill>
+                  <a:schemeClr val="tx1"/>
+                </a:solidFill>
+                <a:latin typeface="+mj-lt"/>
+                <a:ea typeface="+mj-ea"/>
+                <a:cs typeface="+mj-cs"/>
+              </a:defRPr>
+            </a:lvl1pPr>
+          </a:lstStyle>
+          <a:p>
+            <a:pPr algn="ctr"/>
+            <a:r>
+              <a:rPr lang="zh-TW" altLang="en-US" sz="1600" b="1" dirty="0">
+                <a:solidFill>
+                  <a:schemeClr val="bg1">
+                    <a:lumMod val="65000"/>
+                  </a:schemeClr>
+                </a:solidFill>
+                <a:latin typeface="Microsoft YaHei UI" panose="020B0503020204020204" pitchFamily="34" charset="-122"/>
+                <a:ea typeface="Microsoft YaHei UI" panose="020B0503020204020204" pitchFamily="34" charset="-122"/>
+              </a:rPr>
+              <a:t>透過  </a:t>
+            </a:r>
+            <a:r>
+              <a:rPr lang="en-US" altLang="zh-TW" sz="1600" b="1" dirty="0">
+                <a:solidFill>
+                  <a:schemeClr val="bg1">
+                    <a:lumMod val="65000"/>
+                  </a:schemeClr>
+                </a:solidFill>
+                <a:latin typeface="Microsoft YaHei UI" panose="020B0503020204020204" pitchFamily="34" charset="-122"/>
+                <a:ea typeface="Microsoft YaHei UI" panose="020B0503020204020204" pitchFamily="34" charset="-122"/>
+              </a:rPr>
+              <a:t>.</a:t>
+            </a:r>
+            <a:r>
+              <a:rPr lang="zh-TW" altLang="en-US" sz="1600" b="1" dirty="0">
+                <a:solidFill>
+                  <a:schemeClr val="bg1">
+                    <a:lumMod val="65000"/>
+                  </a:schemeClr>
+                </a:solidFill>
+                <a:latin typeface="Microsoft YaHei UI" panose="020B0503020204020204" pitchFamily="34" charset="-122"/>
+                <a:ea typeface="Microsoft YaHei UI" panose="020B0503020204020204" pitchFamily="34" charset="-122"/>
+              </a:rPr>
+              <a:t>  可以直接取得物件裡面對應的</a:t>
+            </a:r>
+            <a:r>
+              <a:rPr lang="en-US" altLang="zh-TW" sz="1600" b="1" dirty="0">
+                <a:solidFill>
+                  <a:schemeClr val="bg1">
+                    <a:lumMod val="65000"/>
+                  </a:schemeClr>
+                </a:solidFill>
+                <a:latin typeface="Microsoft YaHei UI" panose="020B0503020204020204" pitchFamily="34" charset="-122"/>
+                <a:ea typeface="Microsoft YaHei UI" panose="020B0503020204020204" pitchFamily="34" charset="-122"/>
+              </a:rPr>
+              <a:t>Key</a:t>
+            </a:r>
+            <a:r>
+              <a:rPr lang="zh-TW" altLang="en-US" sz="1600" b="1" dirty="0">
+                <a:solidFill>
+                  <a:schemeClr val="bg1">
+                    <a:lumMod val="65000"/>
+                  </a:schemeClr>
+                </a:solidFill>
+                <a:latin typeface="Microsoft YaHei UI" panose="020B0503020204020204" pitchFamily="34" charset="-122"/>
+                <a:ea typeface="Microsoft YaHei UI" panose="020B0503020204020204" pitchFamily="34" charset="-122"/>
+              </a:rPr>
+              <a:t>跟</a:t>
+            </a:r>
+            <a:r>
+              <a:rPr lang="en-US" altLang="zh-TW" sz="1600" b="1" dirty="0">
+                <a:solidFill>
+                  <a:schemeClr val="bg1">
+                    <a:lumMod val="65000"/>
+                  </a:schemeClr>
+                </a:solidFill>
+                <a:latin typeface="Microsoft YaHei UI" panose="020B0503020204020204" pitchFamily="34" charset="-122"/>
+                <a:ea typeface="Microsoft YaHei UI" panose="020B0503020204020204" pitchFamily="34" charset="-122"/>
+              </a:rPr>
+              <a:t>Value</a:t>
+            </a:r>
+            <a:endParaRPr lang="zh-TW" altLang="en-US" sz="1600" b="1" dirty="0">
+              <a:solidFill>
+                <a:schemeClr val="bg1">
+                  <a:lumMod val="65000"/>
+                </a:schemeClr>
+              </a:solidFill>
+              <a:latin typeface="Microsoft YaHei UI" panose="020B0503020204020204" pitchFamily="34" charset="-122"/>
+              <a:ea typeface="Microsoft YaHei UI" panose="020B0503020204020204" pitchFamily="34" charset="-122"/>
+            </a:endParaRPr>
+          </a:p>
+        </p:txBody>
+      </p:sp>
+      <p:sp>
+        <p:nvSpPr>
+          <p:cNvPr id="21" name="矩形 20"/>
+          <p:cNvSpPr/>
+          <p:nvPr/>
+        </p:nvSpPr>
+        <p:spPr>
+          <a:xfrm>
+            <a:off x="3246917" y="5084868"/>
+            <a:ext cx="2353529" cy="523220"/>
+          </a:xfrm>
+          <a:prstGeom prst="rect">
+            <a:avLst/>
+          </a:prstGeom>
+        </p:spPr>
+        <p:txBody>
+          <a:bodyPr wrap="none">
+            <a:spAutoFit/>
+          </a:bodyPr>
+          <a:lstStyle/>
+          <a:p>
+            <a:r>
+              <a:rPr lang="en-US" altLang="zh-TW" sz="2800" b="0" dirty="0" err="1">
+                <a:solidFill>
+                  <a:srgbClr val="F8F8F2"/>
+                </a:solidFill>
+                <a:effectLst/>
+                <a:latin typeface="Consolas" panose="020B0609020204030204" pitchFamily="49" charset="0"/>
+              </a:rPr>
+              <a:t>obj</a:t>
+            </a:r>
+            <a:r>
+              <a:rPr lang="en-US" altLang="zh-TW" sz="2800" b="0" dirty="0">
+                <a:solidFill>
+                  <a:srgbClr val="F8F8F2"/>
+                </a:solidFill>
+                <a:effectLst/>
+                <a:latin typeface="Consolas" panose="020B0609020204030204" pitchFamily="49" charset="0"/>
+              </a:rPr>
+              <a:t>[</a:t>
+            </a:r>
+            <a:r>
+              <a:rPr lang="en-US" altLang="zh-TW" sz="2800" b="0" dirty="0">
+                <a:solidFill>
+                  <a:srgbClr val="FFEE99"/>
+                </a:solidFill>
+                <a:effectLst/>
+                <a:latin typeface="Consolas" panose="020B0609020204030204" pitchFamily="49" charset="0"/>
+              </a:rPr>
+              <a:t>"name"</a:t>
+            </a:r>
+            <a:r>
+              <a:rPr lang="en-US" altLang="zh-TW" sz="2800" b="0" dirty="0">
+                <a:solidFill>
+                  <a:srgbClr val="F8F8F2"/>
+                </a:solidFill>
+                <a:effectLst/>
+                <a:latin typeface="Consolas" panose="020B0609020204030204" pitchFamily="49" charset="0"/>
+              </a:rPr>
+              <a:t>]</a:t>
+            </a:r>
+          </a:p>
+        </p:txBody>
+      </p:sp>
+      <p:sp>
+        <p:nvSpPr>
+          <p:cNvPr id="22" name="標題 1"/>
+          <p:cNvSpPr txBox="1">
+            <a:spLocks/>
+          </p:cNvSpPr>
+          <p:nvPr/>
+        </p:nvSpPr>
+        <p:spPr>
+          <a:xfrm>
+            <a:off x="2055100" y="5522419"/>
+            <a:ext cx="5181600" cy="568960"/>
+          </a:xfrm>
+          <a:prstGeom prst="rect">
+            <a:avLst/>
+          </a:prstGeom>
+        </p:spPr>
+        <p:txBody>
+          <a:bodyPr vert="horz" lIns="91440" tIns="45720" rIns="91440" bIns="45720" rtlCol="0" anchor="ctr">
+            <a:noAutofit/>
+          </a:bodyPr>
+          <a:lstStyle>
+            <a:lvl1pPr algn="l" defTabSz="914400" rtl="0" eaLnBrk="1" latinLnBrk="0" hangingPunct="1">
+              <a:lnSpc>
+                <a:spcPct val="90000"/>
+              </a:lnSpc>
+              <a:spcBef>
+                <a:spcPct val="0"/>
+              </a:spcBef>
+              <a:buNone/>
+              <a:defRPr sz="4400" kern="1200">
+                <a:solidFill>
+                  <a:schemeClr val="tx1"/>
+                </a:solidFill>
+                <a:latin typeface="+mj-lt"/>
+                <a:ea typeface="+mj-ea"/>
+                <a:cs typeface="+mj-cs"/>
+              </a:defRPr>
+            </a:lvl1pPr>
+          </a:lstStyle>
+          <a:p>
+            <a:pPr algn="ctr"/>
+            <a:r>
+              <a:rPr lang="en-US" altLang="zh-TW" sz="1600" b="1" dirty="0">
+                <a:solidFill>
+                  <a:schemeClr val="bg1">
+                    <a:lumMod val="65000"/>
+                  </a:schemeClr>
+                </a:solidFill>
+                <a:latin typeface="Microsoft YaHei UI" panose="020B0503020204020204" pitchFamily="34" charset="-122"/>
+                <a:ea typeface="Microsoft YaHei UI" panose="020B0503020204020204" pitchFamily="34" charset="-122"/>
+              </a:rPr>
+              <a:t> </a:t>
+            </a:r>
+            <a:r>
+              <a:rPr lang="zh-TW" altLang="en-US" sz="1600" b="1" dirty="0">
+                <a:solidFill>
+                  <a:schemeClr val="bg1">
+                    <a:lumMod val="65000"/>
+                  </a:schemeClr>
+                </a:solidFill>
+                <a:latin typeface="Microsoft YaHei UI" panose="020B0503020204020204" pitchFamily="34" charset="-122"/>
+                <a:ea typeface="Microsoft YaHei UI" panose="020B0503020204020204" pitchFamily="34" charset="-122"/>
+              </a:rPr>
+              <a:t>也可以使用 </a:t>
+            </a:r>
+            <a:r>
+              <a:rPr lang="en-US" altLang="zh-TW" sz="1600" b="1" dirty="0">
+                <a:solidFill>
+                  <a:schemeClr val="bg1">
+                    <a:lumMod val="65000"/>
+                  </a:schemeClr>
+                </a:solidFill>
+                <a:latin typeface="Microsoft YaHei UI" panose="020B0503020204020204" pitchFamily="34" charset="-122"/>
+                <a:ea typeface="Microsoft YaHei UI" panose="020B0503020204020204" pitchFamily="34" charset="-122"/>
+              </a:rPr>
+              <a:t>[ ] </a:t>
+            </a:r>
+            <a:r>
+              <a:rPr lang="zh-TW" altLang="en-US" sz="1600" b="1" dirty="0">
+                <a:solidFill>
+                  <a:schemeClr val="bg1">
+                    <a:lumMod val="65000"/>
+                  </a:schemeClr>
+                </a:solidFill>
+                <a:latin typeface="Microsoft YaHei UI" panose="020B0503020204020204" pitchFamily="34" charset="-122"/>
+                <a:ea typeface="Microsoft YaHei UI" panose="020B0503020204020204" pitchFamily="34" charset="-122"/>
+              </a:rPr>
+              <a:t>來指定查找的 </a:t>
+            </a:r>
+            <a:r>
+              <a:rPr lang="en-US" altLang="zh-TW" sz="1600" b="1" dirty="0">
+                <a:solidFill>
+                  <a:schemeClr val="bg1">
+                    <a:lumMod val="65000"/>
+                  </a:schemeClr>
+                </a:solidFill>
+                <a:latin typeface="Microsoft YaHei UI" panose="020B0503020204020204" pitchFamily="34" charset="-122"/>
+                <a:ea typeface="Microsoft YaHei UI" panose="020B0503020204020204" pitchFamily="34" charset="-122"/>
+              </a:rPr>
+              <a:t>key </a:t>
+            </a:r>
+            <a:r>
+              <a:rPr lang="zh-TW" altLang="en-US" sz="1600" b="1" dirty="0">
+                <a:solidFill>
+                  <a:schemeClr val="bg1">
+                    <a:lumMod val="65000"/>
+                  </a:schemeClr>
+                </a:solidFill>
+                <a:latin typeface="Microsoft YaHei UI" panose="020B0503020204020204" pitchFamily="34" charset="-122"/>
+                <a:ea typeface="Microsoft YaHei UI" panose="020B0503020204020204" pitchFamily="34" charset="-122"/>
+              </a:rPr>
+              <a:t>來取得 </a:t>
+            </a:r>
+            <a:r>
+              <a:rPr lang="en-US" altLang="zh-TW" sz="1600" b="1" dirty="0">
+                <a:solidFill>
+                  <a:schemeClr val="bg1">
+                    <a:lumMod val="65000"/>
+                  </a:schemeClr>
+                </a:solidFill>
+                <a:latin typeface="Microsoft YaHei UI" panose="020B0503020204020204" pitchFamily="34" charset="-122"/>
+                <a:ea typeface="Microsoft YaHei UI" panose="020B0503020204020204" pitchFamily="34" charset="-122"/>
+              </a:rPr>
+              <a:t>value</a:t>
+            </a:r>
+            <a:endParaRPr lang="zh-TW" altLang="en-US" sz="1600" b="1" dirty="0">
+              <a:solidFill>
+                <a:schemeClr val="bg1">
+                  <a:lumMod val="65000"/>
+                </a:schemeClr>
+              </a:solidFill>
+              <a:latin typeface="Microsoft YaHei UI" panose="020B0503020204020204" pitchFamily="34" charset="-122"/>
+              <a:ea typeface="Microsoft YaHei UI" panose="020B0503020204020204" pitchFamily="34" charset="-122"/>
+            </a:endParaRPr>
+          </a:p>
+        </p:txBody>
+      </p:sp>
+    </p:spTree>
+    <p:extLst>
+      <p:ext uri="{BB962C8B-B14F-4D97-AF65-F5344CB8AC3E}">
+        <p14:creationId xmlns:p14="http://schemas.microsoft.com/office/powerpoint/2010/main" val="1365078092"/>
+      </p:ext>
+    </p:extLst>
+  </p:cSld>
+  <p:clrMapOvr>
+    <a:masterClrMapping/>
+  </p:clrMapOvr>
+</p:sld>
+</file>
+
+<file path=ppt/slides/slide50.xml><?xml version="1.0" encoding="utf-8"?>
 <p:sld xmlns:a="http://schemas.openxmlformats.org/drawingml/2006/main" xmlns:r="http://schemas.openxmlformats.org/officeDocument/2006/relationships" xmlns:p="http://schemas.openxmlformats.org/presentationml/2006/main">
   <p:cSld>
     <p:spTree>
@@ -22038,7 +23973,29 @@
                 <a:ea typeface="Adobe 繁黑體 Std B" panose="020B0700000000000000" pitchFamily="34" charset="-120"/>
                 <a:cs typeface="Arial" panose="020B0604020202020204" pitchFamily="34" charset="0"/>
               </a:rPr>
-              <a:t>應用由模塊組成，採用</a:t>
+              <a:t>應用由</a:t>
+            </a:r>
+            <a:r>
+              <a:rPr lang="zh-TW" altLang="zh-TW" sz="2400" kern="100" dirty="0" smtClean="0">
+                <a:solidFill>
+                  <a:srgbClr val="323230"/>
+                </a:solidFill>
+                <a:latin typeface="Adobe 繁黑體 Std B" panose="020B0700000000000000" pitchFamily="34" charset="-120"/>
+                <a:ea typeface="Adobe 繁黑體 Std B" panose="020B0700000000000000" pitchFamily="34" charset="-120"/>
+                <a:cs typeface="Arial" panose="020B0604020202020204" pitchFamily="34" charset="0"/>
+              </a:rPr>
+              <a:t>模塊組成</a:t>
+            </a:r>
+            <a:r>
+              <a:rPr lang="zh-TW" altLang="zh-TW" sz="2400" kern="100" dirty="0">
+                <a:solidFill>
+                  <a:srgbClr val="323230"/>
+                </a:solidFill>
+                <a:latin typeface="Adobe 繁黑體 Std B" panose="020B0700000000000000" pitchFamily="34" charset="-120"/>
+                <a:ea typeface="Adobe 繁黑體 Std B" panose="020B0700000000000000" pitchFamily="34" charset="-120"/>
+                <a:cs typeface="Arial" panose="020B0604020202020204" pitchFamily="34" charset="0"/>
+              </a:rPr>
+              <a:t>，採用</a:t>
             </a:r>
             <a:r>
               <a:rPr lang="en-US" altLang="zh-TW" sz="2400" kern="100" dirty="0">
@@ -22154,7 +24111,7 @@
 </p:sld>
 </file>
 
-<file path=ppt/slides/slide49.xml><?xml version="1.0" encoding="utf-8"?>
+<file path=ppt/slides/slide51.xml><?xml version="1.0" encoding="utf-8"?>
 <p:sld xmlns:a="http://schemas.openxmlformats.org/drawingml/2006/main" xmlns:r="http://schemas.openxmlformats.org/officeDocument/2006/relationships" xmlns:p="http://schemas.openxmlformats.org/presentationml/2006/main">
   <p:cSld>
     <p:spTree>
@@ -22573,7 +24530,7 @@
         </p:nvSpPr>
         <p:spPr>
           <a:xfrm>
-            <a:off x="2889755" y="3750015"/>
+            <a:off x="2889755" y="3740490"/>
             <a:ext cx="6096000" cy="1477328"/>
           </a:xfrm>
           <a:prstGeom prst="rect">
@@ -22918,855 +24875,7 @@
 </p:sld>
 </file>
 
-<file path=ppt/slides/slide5.xml><?xml version="1.0" encoding="utf-8"?>
-<p:sld xmlns:a="http://schemas.openxmlformats.org/drawingml/2006/main" xmlns:r="http://schemas.openxmlformats.org/officeDocument/2006/relationships" xmlns:p="http://schemas.openxmlformats.org/presentationml/2006/main">
-  <p:cSld>
-    <p:bg>
-      <p:bgPr>
-        <a:solidFill>
-          <a:srgbClr val="323230"/>
-        </a:solidFill>
-        <a:effectLst/>
-      </p:bgPr>
-    </p:bg>
-    <p:spTree>
-      <p:nvGrpSpPr>
-        <p:cNvPr id="1" name=""/>
-        <p:cNvGrpSpPr/>
-        <p:nvPr/>
-      </p:nvGrpSpPr>
-      <p:grpSpPr>
-        <a:xfrm>
-          <a:off x="0" y="0"/>
-          <a:ext cx="0" cy="0"/>
-          <a:chOff x="0" y="0"/>
-          <a:chExt cx="0" cy="0"/>
-        </a:xfrm>
-      </p:grpSpPr>
-      <p:sp>
-        <p:nvSpPr>
-          <p:cNvPr id="6" name="標題 1"/>
-          <p:cNvSpPr txBox="1">
-            <a:spLocks/>
-          </p:cNvSpPr>
-          <p:nvPr/>
-        </p:nvSpPr>
-        <p:spPr>
-          <a:xfrm>
-            <a:off x="473184" y="605003"/>
-            <a:ext cx="8215367" cy="1017588"/>
-          </a:xfrm>
-          <a:prstGeom prst="rect">
-            <a:avLst/>
-          </a:prstGeom>
-        </p:spPr>
-        <p:txBody>
-          <a:bodyPr vert="horz" lIns="91440" tIns="45720" rIns="91440" bIns="45720" rtlCol="0" anchor="ctr">
-            <a:noAutofit/>
-          </a:bodyPr>
-          <a:lstStyle>
-            <a:lvl1pPr algn="l" defTabSz="914400" rtl="0" eaLnBrk="1" latinLnBrk="0" hangingPunct="1">
-              <a:lnSpc>
-                <a:spcPct val="90000"/>
-              </a:lnSpc>
-              <a:spcBef>
-                <a:spcPct val="0"/>
-              </a:spcBef>
-              <a:buNone/>
-              <a:defRPr sz="4400" kern="1200">
-                <a:solidFill>
-                  <a:schemeClr val="tx1"/>
-                </a:solidFill>
-                <a:latin typeface="+mj-lt"/>
-                <a:ea typeface="+mj-ea"/>
-                <a:cs typeface="+mj-cs"/>
-              </a:defRPr>
-            </a:lvl1pPr>
-          </a:lstStyle>
-          <a:p>
-            <a:pPr algn="ctr"/>
-            <a:r>
-              <a:rPr lang="zh-TW" altLang="en-US" b="1" dirty="0">
-                <a:solidFill>
-                  <a:schemeClr val="bg1"/>
-                </a:solidFill>
-                <a:latin typeface="Microsoft YaHei UI" panose="020B0503020204020204" pitchFamily="34" charset="-122"/>
-                <a:ea typeface="Microsoft YaHei UI" panose="020B0503020204020204" pitchFamily="34" charset="-122"/>
-              </a:rPr>
-              <a:t>物件基本格式</a:t>
-            </a:r>
-          </a:p>
-        </p:txBody>
-      </p:sp>
-      <p:sp>
-        <p:nvSpPr>
-          <p:cNvPr id="7" name="矩形 6"/>
-          <p:cNvSpPr/>
-          <p:nvPr/>
-        </p:nvSpPr>
-        <p:spPr>
-          <a:xfrm>
-            <a:off x="3537319" y="3658775"/>
-            <a:ext cx="1762021" cy="523220"/>
-          </a:xfrm>
-          <a:prstGeom prst="rect">
-            <a:avLst/>
-          </a:prstGeom>
-        </p:spPr>
-        <p:txBody>
-          <a:bodyPr wrap="none">
-            <a:spAutoFit/>
-          </a:bodyPr>
-          <a:lstStyle/>
-          <a:p>
-            <a:r>
-              <a:rPr lang="en-US" altLang="zh-TW" sz="2800" b="0" dirty="0">
-                <a:solidFill>
-                  <a:srgbClr val="F8F8F2"/>
-                </a:solidFill>
-                <a:effectLst/>
-                <a:latin typeface="Consolas" panose="020B0609020204030204" pitchFamily="49" charset="0"/>
-              </a:rPr>
-              <a:t>obj.name</a:t>
-            </a:r>
-          </a:p>
-        </p:txBody>
-      </p:sp>
-      <p:grpSp>
-        <p:nvGrpSpPr>
-          <p:cNvPr id="23" name="群組 22"/>
-          <p:cNvGrpSpPr/>
-          <p:nvPr/>
-        </p:nvGrpSpPr>
-        <p:grpSpPr>
-          <a:xfrm>
-            <a:off x="1617826" y="1586570"/>
-            <a:ext cx="6415362" cy="1617820"/>
-            <a:chOff x="3065626" y="1640840"/>
-            <a:chExt cx="6415362" cy="1617820"/>
-          </a:xfrm>
-        </p:grpSpPr>
-        <p:sp>
-          <p:nvSpPr>
-            <p:cNvPr id="5" name="矩形 4"/>
-            <p:cNvSpPr/>
-            <p:nvPr/>
-          </p:nvSpPr>
-          <p:spPr>
-            <a:xfrm>
-              <a:off x="4622800" y="2027872"/>
-              <a:ext cx="2946400" cy="1200329"/>
-            </a:xfrm>
-            <a:prstGeom prst="rect">
-              <a:avLst/>
-            </a:prstGeom>
-          </p:spPr>
-          <p:txBody>
-            <a:bodyPr wrap="square">
-              <a:spAutoFit/>
-            </a:bodyPr>
-            <a:lstStyle/>
-            <a:p>
-              <a:r>
-                <a:rPr lang="en-US" altLang="zh-TW" b="0" i="1" dirty="0" err="1">
-                  <a:solidFill>
-                    <a:srgbClr val="66D9EF"/>
-                  </a:solidFill>
-                  <a:effectLst/>
-                  <a:latin typeface="Consolas" panose="020B0609020204030204" pitchFamily="49" charset="0"/>
-                </a:rPr>
-                <a:t>var</a:t>
-              </a:r>
-              <a:r>
-                <a:rPr lang="en-US" altLang="zh-TW" b="0" dirty="0">
-                  <a:solidFill>
-                    <a:srgbClr val="F8F8F2"/>
-                  </a:solidFill>
-                  <a:effectLst/>
-                  <a:latin typeface="Consolas" panose="020B0609020204030204" pitchFamily="49" charset="0"/>
-                </a:rPr>
-                <a:t> </a:t>
-              </a:r>
-              <a:r>
-                <a:rPr lang="en-US" altLang="zh-TW" b="0" dirty="0" err="1">
-                  <a:solidFill>
-                    <a:srgbClr val="F8F8F2"/>
-                  </a:solidFill>
-                  <a:effectLst/>
-                  <a:latin typeface="Consolas" panose="020B0609020204030204" pitchFamily="49" charset="0"/>
-                </a:rPr>
-                <a:t>obj</a:t>
-              </a:r>
-              <a:r>
-                <a:rPr lang="en-US" altLang="zh-TW" b="0" dirty="0">
-                  <a:solidFill>
-                    <a:srgbClr val="F8F8F2"/>
-                  </a:solidFill>
-                  <a:effectLst/>
-                  <a:latin typeface="Consolas" panose="020B0609020204030204" pitchFamily="49" charset="0"/>
-                </a:rPr>
-                <a:t> </a:t>
-              </a:r>
-              <a:r>
-                <a:rPr lang="en-US" altLang="zh-TW" b="0" dirty="0">
-                  <a:solidFill>
-                    <a:srgbClr val="F92672"/>
-                  </a:solidFill>
-                  <a:effectLst/>
-                  <a:latin typeface="Consolas" panose="020B0609020204030204" pitchFamily="49" charset="0"/>
-                </a:rPr>
-                <a:t>=</a:t>
-              </a:r>
-              <a:r>
-                <a:rPr lang="en-US" altLang="zh-TW" b="0" dirty="0">
-                  <a:solidFill>
-                    <a:srgbClr val="F8F8F2"/>
-                  </a:solidFill>
-                  <a:effectLst/>
-                  <a:latin typeface="Consolas" panose="020B0609020204030204" pitchFamily="49" charset="0"/>
-                </a:rPr>
-                <a:t> {</a:t>
-              </a:r>
-            </a:p>
-            <a:p>
-              <a:r>
-                <a:rPr lang="zh-TW" altLang="en-US" b="0" dirty="0">
-                  <a:solidFill>
-                    <a:srgbClr val="F8F8F2"/>
-                  </a:solidFill>
-                  <a:effectLst/>
-                  <a:latin typeface="Consolas" panose="020B0609020204030204" pitchFamily="49" charset="0"/>
-                </a:rPr>
-                <a:t>    </a:t>
-              </a:r>
-              <a:r>
-                <a:rPr lang="en-US" altLang="zh-TW" b="0" dirty="0">
-                  <a:solidFill>
-                    <a:srgbClr val="F8F8F2"/>
-                  </a:solidFill>
-                  <a:effectLst/>
-                  <a:latin typeface="Consolas" panose="020B0609020204030204" pitchFamily="49" charset="0"/>
-                </a:rPr>
-                <a:t>name: </a:t>
-              </a:r>
-              <a:r>
-                <a:rPr lang="en-US" altLang="zh-TW" b="0" dirty="0">
-                  <a:solidFill>
-                    <a:srgbClr val="FFEE99"/>
-                  </a:solidFill>
-                  <a:effectLst/>
-                  <a:latin typeface="Consolas" panose="020B0609020204030204" pitchFamily="49" charset="0"/>
-                </a:rPr>
-                <a:t>"mike"</a:t>
-              </a:r>
-              <a:r>
-                <a:rPr lang="en-US" altLang="zh-TW" b="0" dirty="0">
-                  <a:solidFill>
-                    <a:srgbClr val="F8F8F2"/>
-                  </a:solidFill>
-                  <a:effectLst/>
-                  <a:latin typeface="Consolas" panose="020B0609020204030204" pitchFamily="49" charset="0"/>
-                </a:rPr>
-                <a:t>,</a:t>
-              </a:r>
-            </a:p>
-            <a:p>
-              <a:r>
-                <a:rPr lang="zh-TW" altLang="en-US" b="0" dirty="0">
-                  <a:solidFill>
-                    <a:srgbClr val="F8F8F2"/>
-                  </a:solidFill>
-                  <a:effectLst/>
-                  <a:latin typeface="Consolas" panose="020B0609020204030204" pitchFamily="49" charset="0"/>
-                </a:rPr>
-                <a:t>    </a:t>
-              </a:r>
-              <a:r>
-                <a:rPr lang="en-US" altLang="zh-TW" b="0" dirty="0">
-                  <a:solidFill>
-                    <a:srgbClr val="F8F8F2"/>
-                  </a:solidFill>
-                  <a:effectLst/>
-                  <a:latin typeface="Consolas" panose="020B0609020204030204" pitchFamily="49" charset="0"/>
-                </a:rPr>
-                <a:t>salary: </a:t>
-              </a:r>
-              <a:r>
-                <a:rPr lang="en-US" altLang="zh-TW" b="0" dirty="0">
-                  <a:solidFill>
-                    <a:srgbClr val="FFEE99"/>
-                  </a:solidFill>
-                  <a:effectLst/>
-                  <a:latin typeface="Consolas" panose="020B0609020204030204" pitchFamily="49" charset="0"/>
-                </a:rPr>
-                <a:t>"22000"</a:t>
-              </a:r>
-              <a:r>
-                <a:rPr lang="en-US" altLang="zh-TW" b="0" dirty="0">
-                  <a:solidFill>
-                    <a:srgbClr val="F8F8F2"/>
-                  </a:solidFill>
-                  <a:effectLst/>
-                  <a:latin typeface="Consolas" panose="020B0609020204030204" pitchFamily="49" charset="0"/>
-                </a:rPr>
-                <a:t>,</a:t>
-              </a:r>
-            </a:p>
-            <a:p>
-              <a:r>
-                <a:rPr lang="en-US" altLang="zh-TW" b="0" dirty="0">
-                  <a:solidFill>
-                    <a:srgbClr val="F8F8F2"/>
-                  </a:solidFill>
-                  <a:effectLst/>
-                  <a:latin typeface="Consolas" panose="020B0609020204030204" pitchFamily="49" charset="0"/>
-                </a:rPr>
-                <a:t>}</a:t>
-              </a:r>
-            </a:p>
-          </p:txBody>
-        </p:sp>
-        <p:sp>
-          <p:nvSpPr>
-            <p:cNvPr id="10" name="標題 1"/>
-            <p:cNvSpPr txBox="1">
-              <a:spLocks/>
-            </p:cNvSpPr>
-            <p:nvPr/>
-          </p:nvSpPr>
-          <p:spPr>
-            <a:xfrm>
-              <a:off x="3065626" y="2689700"/>
-              <a:ext cx="874549" cy="568960"/>
-            </a:xfrm>
-            <a:prstGeom prst="rect">
-              <a:avLst/>
-            </a:prstGeom>
-          </p:spPr>
-          <p:txBody>
-            <a:bodyPr vert="horz" lIns="91440" tIns="45720" rIns="91440" bIns="45720" rtlCol="0" anchor="ctr">
-              <a:noAutofit/>
-            </a:bodyPr>
-            <a:lstStyle>
-              <a:lvl1pPr algn="l" defTabSz="914400" rtl="0" eaLnBrk="1" latinLnBrk="0" hangingPunct="1">
-                <a:lnSpc>
-                  <a:spcPct val="90000"/>
-                </a:lnSpc>
-                <a:spcBef>
-                  <a:spcPct val="0"/>
-                </a:spcBef>
-                <a:buNone/>
-                <a:defRPr sz="4400" kern="1200">
-                  <a:solidFill>
-                    <a:schemeClr val="tx1"/>
-                  </a:solidFill>
-                  <a:latin typeface="+mj-lt"/>
-                  <a:ea typeface="+mj-ea"/>
-                  <a:cs typeface="+mj-cs"/>
-                </a:defRPr>
-              </a:lvl1pPr>
-            </a:lstStyle>
-            <a:p>
-              <a:pPr algn="ctr"/>
-              <a:r>
-                <a:rPr lang="en-US" altLang="zh-TW" sz="2400" b="1" dirty="0">
-                  <a:solidFill>
-                    <a:schemeClr val="bg1">
-                      <a:lumMod val="65000"/>
-                    </a:schemeClr>
-                  </a:solidFill>
-                  <a:latin typeface="Microsoft YaHei UI" panose="020B0503020204020204" pitchFamily="34" charset="-122"/>
-                  <a:ea typeface="Microsoft YaHei UI" panose="020B0503020204020204" pitchFamily="34" charset="-122"/>
-                </a:rPr>
-                <a:t>key</a:t>
-              </a:r>
-              <a:endParaRPr lang="zh-TW" altLang="en-US" sz="2400" b="1" dirty="0">
-                <a:solidFill>
-                  <a:schemeClr val="bg1">
-                    <a:lumMod val="65000"/>
-                  </a:schemeClr>
-                </a:solidFill>
-                <a:latin typeface="Microsoft YaHei UI" panose="020B0503020204020204" pitchFamily="34" charset="-122"/>
-                <a:ea typeface="Microsoft YaHei UI" panose="020B0503020204020204" pitchFamily="34" charset="-122"/>
-              </a:endParaRPr>
-            </a:p>
-          </p:txBody>
-        </p:sp>
-        <p:cxnSp>
-          <p:nvCxnSpPr>
-            <p:cNvPr id="13" name="直線單箭頭接點 12"/>
-            <p:cNvCxnSpPr/>
-            <p:nvPr/>
-          </p:nvCxnSpPr>
-          <p:spPr>
-            <a:xfrm flipH="1">
-              <a:off x="6781800" y="2027872"/>
-              <a:ext cx="1562100" cy="315278"/>
-            </a:xfrm>
-            <a:prstGeom prst="straightConnector1">
-              <a:avLst/>
-            </a:prstGeom>
-            <a:ln>
-              <a:tailEnd type="triangle"/>
-            </a:ln>
-          </p:spPr>
-          <p:style>
-            <a:lnRef idx="3">
-              <a:schemeClr val="accent3"/>
-            </a:lnRef>
-            <a:fillRef idx="0">
-              <a:schemeClr val="accent3"/>
-            </a:fillRef>
-            <a:effectRef idx="2">
-              <a:schemeClr val="accent3"/>
-            </a:effectRef>
-            <a:fontRef idx="minor">
-              <a:schemeClr val="tx1"/>
-            </a:fontRef>
-          </p:style>
-        </p:cxnSp>
-        <p:sp>
-          <p:nvSpPr>
-            <p:cNvPr id="14" name="標題 1"/>
-            <p:cNvSpPr txBox="1">
-              <a:spLocks/>
-            </p:cNvSpPr>
-            <p:nvPr/>
-          </p:nvSpPr>
-          <p:spPr>
-            <a:xfrm>
-              <a:off x="8326164" y="1640840"/>
-              <a:ext cx="1154824" cy="568960"/>
-            </a:xfrm>
-            <a:prstGeom prst="rect">
-              <a:avLst/>
-            </a:prstGeom>
-          </p:spPr>
-          <p:txBody>
-            <a:bodyPr vert="horz" lIns="91440" tIns="45720" rIns="91440" bIns="45720" rtlCol="0" anchor="ctr">
-              <a:noAutofit/>
-            </a:bodyPr>
-            <a:lstStyle>
-              <a:lvl1pPr algn="l" defTabSz="914400" rtl="0" eaLnBrk="1" latinLnBrk="0" hangingPunct="1">
-                <a:lnSpc>
-                  <a:spcPct val="90000"/>
-                </a:lnSpc>
-                <a:spcBef>
-                  <a:spcPct val="0"/>
-                </a:spcBef>
-                <a:buNone/>
-                <a:defRPr sz="4400" kern="1200">
-                  <a:solidFill>
-                    <a:schemeClr val="tx1"/>
-                  </a:solidFill>
-                  <a:latin typeface="+mj-lt"/>
-                  <a:ea typeface="+mj-ea"/>
-                  <a:cs typeface="+mj-cs"/>
-                </a:defRPr>
-              </a:lvl1pPr>
-            </a:lstStyle>
-            <a:p>
-              <a:pPr algn="ctr"/>
-              <a:r>
-                <a:rPr lang="en-US" altLang="zh-TW" sz="2400" b="1" dirty="0">
-                  <a:solidFill>
-                    <a:schemeClr val="bg1">
-                      <a:lumMod val="65000"/>
-                    </a:schemeClr>
-                  </a:solidFill>
-                  <a:latin typeface="Microsoft YaHei UI" panose="020B0503020204020204" pitchFamily="34" charset="-122"/>
-                  <a:ea typeface="Microsoft YaHei UI" panose="020B0503020204020204" pitchFamily="34" charset="-122"/>
-                </a:rPr>
-                <a:t>value</a:t>
-              </a:r>
-              <a:endParaRPr lang="zh-TW" altLang="en-US" sz="2400" b="1" dirty="0">
-                <a:solidFill>
-                  <a:schemeClr val="bg1">
-                    <a:lumMod val="65000"/>
-                  </a:schemeClr>
-                </a:solidFill>
-                <a:latin typeface="Microsoft YaHei UI" panose="020B0503020204020204" pitchFamily="34" charset="-122"/>
-                <a:ea typeface="Microsoft YaHei UI" panose="020B0503020204020204" pitchFamily="34" charset="-122"/>
-              </a:endParaRPr>
-            </a:p>
-          </p:txBody>
-        </p:sp>
-        <p:cxnSp>
-          <p:nvCxnSpPr>
-            <p:cNvPr id="18" name="直線單箭頭接點 17"/>
-            <p:cNvCxnSpPr/>
-            <p:nvPr/>
-          </p:nvCxnSpPr>
-          <p:spPr>
-            <a:xfrm flipV="1">
-              <a:off x="3860665" y="2559077"/>
-              <a:ext cx="1247775" cy="409575"/>
-            </a:xfrm>
-            <a:prstGeom prst="straightConnector1">
-              <a:avLst/>
-            </a:prstGeom>
-            <a:ln>
-              <a:tailEnd type="triangle"/>
-            </a:ln>
-          </p:spPr>
-          <p:style>
-            <a:lnRef idx="3">
-              <a:schemeClr val="accent3"/>
-            </a:lnRef>
-            <a:fillRef idx="0">
-              <a:schemeClr val="accent3"/>
-            </a:fillRef>
-            <a:effectRef idx="2">
-              <a:schemeClr val="accent3"/>
-            </a:effectRef>
-            <a:fontRef idx="minor">
-              <a:schemeClr val="tx1"/>
-            </a:fontRef>
-          </p:style>
-        </p:cxnSp>
-      </p:grpSp>
-      <p:sp>
-        <p:nvSpPr>
-          <p:cNvPr id="19" name="標題 1"/>
-          <p:cNvSpPr txBox="1">
-            <a:spLocks/>
-          </p:cNvSpPr>
-          <p:nvPr/>
-        </p:nvSpPr>
-        <p:spPr>
-          <a:xfrm>
-            <a:off x="1930400" y="4062356"/>
-            <a:ext cx="5194300" cy="568960"/>
-          </a:xfrm>
-          <a:prstGeom prst="rect">
-            <a:avLst/>
-          </a:prstGeom>
-        </p:spPr>
-        <p:txBody>
-          <a:bodyPr vert="horz" lIns="91440" tIns="45720" rIns="91440" bIns="45720" rtlCol="0" anchor="ctr">
-            <a:noAutofit/>
-          </a:bodyPr>
-          <a:lstStyle>
-            <a:lvl1pPr algn="l" defTabSz="914400" rtl="0" eaLnBrk="1" latinLnBrk="0" hangingPunct="1">
-              <a:lnSpc>
-                <a:spcPct val="90000"/>
-              </a:lnSpc>
-              <a:spcBef>
-                <a:spcPct val="0"/>
-              </a:spcBef>
-              <a:buNone/>
-              <a:defRPr sz="4400" kern="1200">
-                <a:solidFill>
-                  <a:schemeClr val="tx1"/>
-                </a:solidFill>
-                <a:latin typeface="+mj-lt"/>
-                <a:ea typeface="+mj-ea"/>
-                <a:cs typeface="+mj-cs"/>
-              </a:defRPr>
-            </a:lvl1pPr>
-          </a:lstStyle>
-          <a:p>
-            <a:pPr algn="ctr"/>
-            <a:r>
-              <a:rPr lang="zh-TW" altLang="en-US" sz="1600" b="1" dirty="0">
-                <a:solidFill>
-                  <a:schemeClr val="bg1">
-                    <a:lumMod val="65000"/>
-                  </a:schemeClr>
-                </a:solidFill>
-                <a:latin typeface="Microsoft YaHei UI" panose="020B0503020204020204" pitchFamily="34" charset="-122"/>
-                <a:ea typeface="Microsoft YaHei UI" panose="020B0503020204020204" pitchFamily="34" charset="-122"/>
-              </a:rPr>
-              <a:t>透過  </a:t>
-            </a:r>
-            <a:r>
-              <a:rPr lang="en-US" altLang="zh-TW" sz="1600" b="1" dirty="0">
-                <a:solidFill>
-                  <a:schemeClr val="bg1">
-                    <a:lumMod val="65000"/>
-                  </a:schemeClr>
-                </a:solidFill>
-                <a:latin typeface="Microsoft YaHei UI" panose="020B0503020204020204" pitchFamily="34" charset="-122"/>
-                <a:ea typeface="Microsoft YaHei UI" panose="020B0503020204020204" pitchFamily="34" charset="-122"/>
-              </a:rPr>
-              <a:t>.</a:t>
-            </a:r>
-            <a:r>
-              <a:rPr lang="zh-TW" altLang="en-US" sz="1600" b="1" dirty="0">
-                <a:solidFill>
-                  <a:schemeClr val="bg1">
-                    <a:lumMod val="65000"/>
-                  </a:schemeClr>
-                </a:solidFill>
-                <a:latin typeface="Microsoft YaHei UI" panose="020B0503020204020204" pitchFamily="34" charset="-122"/>
-                <a:ea typeface="Microsoft YaHei UI" panose="020B0503020204020204" pitchFamily="34" charset="-122"/>
-              </a:rPr>
-              <a:t>  可以直接取得物件裡面對應的</a:t>
-            </a:r>
-            <a:r>
-              <a:rPr lang="en-US" altLang="zh-TW" sz="1600" b="1" dirty="0">
-                <a:solidFill>
-                  <a:schemeClr val="bg1">
-                    <a:lumMod val="65000"/>
-                  </a:schemeClr>
-                </a:solidFill>
-                <a:latin typeface="Microsoft YaHei UI" panose="020B0503020204020204" pitchFamily="34" charset="-122"/>
-                <a:ea typeface="Microsoft YaHei UI" panose="020B0503020204020204" pitchFamily="34" charset="-122"/>
-              </a:rPr>
-              <a:t>Key</a:t>
-            </a:r>
-            <a:r>
-              <a:rPr lang="zh-TW" altLang="en-US" sz="1600" b="1" dirty="0">
-                <a:solidFill>
-                  <a:schemeClr val="bg1">
-                    <a:lumMod val="65000"/>
-                  </a:schemeClr>
-                </a:solidFill>
-                <a:latin typeface="Microsoft YaHei UI" panose="020B0503020204020204" pitchFamily="34" charset="-122"/>
-                <a:ea typeface="Microsoft YaHei UI" panose="020B0503020204020204" pitchFamily="34" charset="-122"/>
-              </a:rPr>
-              <a:t>跟</a:t>
-            </a:r>
-            <a:r>
-              <a:rPr lang="en-US" altLang="zh-TW" sz="1600" b="1" dirty="0">
-                <a:solidFill>
-                  <a:schemeClr val="bg1">
-                    <a:lumMod val="65000"/>
-                  </a:schemeClr>
-                </a:solidFill>
-                <a:latin typeface="Microsoft YaHei UI" panose="020B0503020204020204" pitchFamily="34" charset="-122"/>
-                <a:ea typeface="Microsoft YaHei UI" panose="020B0503020204020204" pitchFamily="34" charset="-122"/>
-              </a:rPr>
-              <a:t>Value</a:t>
-            </a:r>
-            <a:endParaRPr lang="zh-TW" altLang="en-US" sz="1600" b="1" dirty="0">
-              <a:solidFill>
-                <a:schemeClr val="bg1">
-                  <a:lumMod val="65000"/>
-                </a:schemeClr>
-              </a:solidFill>
-              <a:latin typeface="Microsoft YaHei UI" panose="020B0503020204020204" pitchFamily="34" charset="-122"/>
-              <a:ea typeface="Microsoft YaHei UI" panose="020B0503020204020204" pitchFamily="34" charset="-122"/>
-            </a:endParaRPr>
-          </a:p>
-        </p:txBody>
-      </p:sp>
-      <p:sp>
-        <p:nvSpPr>
-          <p:cNvPr id="21" name="矩形 20"/>
-          <p:cNvSpPr/>
-          <p:nvPr/>
-        </p:nvSpPr>
-        <p:spPr>
-          <a:xfrm>
-            <a:off x="3246917" y="5084868"/>
-            <a:ext cx="2353529" cy="523220"/>
-          </a:xfrm>
-          <a:prstGeom prst="rect">
-            <a:avLst/>
-          </a:prstGeom>
-        </p:spPr>
-        <p:txBody>
-          <a:bodyPr wrap="none">
-            <a:spAutoFit/>
-          </a:bodyPr>
-          <a:lstStyle/>
-          <a:p>
-            <a:r>
-              <a:rPr lang="en-US" altLang="zh-TW" sz="2800" b="0" dirty="0" err="1">
-                <a:solidFill>
-                  <a:srgbClr val="F8F8F2"/>
-                </a:solidFill>
-                <a:effectLst/>
-                <a:latin typeface="Consolas" panose="020B0609020204030204" pitchFamily="49" charset="0"/>
-              </a:rPr>
-              <a:t>obj</a:t>
-            </a:r>
-            <a:r>
-              <a:rPr lang="en-US" altLang="zh-TW" sz="2800" b="0" dirty="0">
-                <a:solidFill>
-                  <a:srgbClr val="F8F8F2"/>
-                </a:solidFill>
-                <a:effectLst/>
-                <a:latin typeface="Consolas" panose="020B0609020204030204" pitchFamily="49" charset="0"/>
-              </a:rPr>
-              <a:t>[</a:t>
-            </a:r>
-            <a:r>
-              <a:rPr lang="en-US" altLang="zh-TW" sz="2800" b="0" dirty="0">
-                <a:solidFill>
-                  <a:srgbClr val="FFEE99"/>
-                </a:solidFill>
-                <a:effectLst/>
-                <a:latin typeface="Consolas" panose="020B0609020204030204" pitchFamily="49" charset="0"/>
-              </a:rPr>
-              <a:t>"name"</a:t>
-            </a:r>
-            <a:r>
-              <a:rPr lang="en-US" altLang="zh-TW" sz="2800" b="0" dirty="0">
-                <a:solidFill>
-                  <a:srgbClr val="F8F8F2"/>
-                </a:solidFill>
-                <a:effectLst/>
-                <a:latin typeface="Consolas" panose="020B0609020204030204" pitchFamily="49" charset="0"/>
-              </a:rPr>
-              <a:t>]</a:t>
-            </a:r>
-          </a:p>
-        </p:txBody>
-      </p:sp>
-      <p:sp>
-        <p:nvSpPr>
-          <p:cNvPr id="22" name="標題 1"/>
-          <p:cNvSpPr txBox="1">
-            <a:spLocks/>
-          </p:cNvSpPr>
-          <p:nvPr/>
-        </p:nvSpPr>
-        <p:spPr>
-          <a:xfrm>
-            <a:off x="2055100" y="5522419"/>
-            <a:ext cx="5181600" cy="568960"/>
-          </a:xfrm>
-          <a:prstGeom prst="rect">
-            <a:avLst/>
-          </a:prstGeom>
-        </p:spPr>
-        <p:txBody>
-          <a:bodyPr vert="horz" lIns="91440" tIns="45720" rIns="91440" bIns="45720" rtlCol="0" anchor="ctr">
-            <a:noAutofit/>
-          </a:bodyPr>
-          <a:lstStyle>
-            <a:lvl1pPr algn="l" defTabSz="914400" rtl="0" eaLnBrk="1" latinLnBrk="0" hangingPunct="1">
-              <a:lnSpc>
-                <a:spcPct val="90000"/>
-              </a:lnSpc>
-              <a:spcBef>
-                <a:spcPct val="0"/>
-              </a:spcBef>
-              <a:buNone/>
-              <a:defRPr sz="4400" kern="1200">
-                <a:solidFill>
-                  <a:schemeClr val="tx1"/>
-                </a:solidFill>
-                <a:latin typeface="+mj-lt"/>
-                <a:ea typeface="+mj-ea"/>
-                <a:cs typeface="+mj-cs"/>
-              </a:defRPr>
-            </a:lvl1pPr>
-          </a:lstStyle>
-          <a:p>
-            <a:pPr algn="ctr"/>
-            <a:r>
-              <a:rPr lang="en-US" altLang="zh-TW" sz="1600" b="1" dirty="0">
-                <a:solidFill>
-                  <a:schemeClr val="bg1">
-                    <a:lumMod val="65000"/>
-                  </a:schemeClr>
-                </a:solidFill>
-                <a:latin typeface="Microsoft YaHei UI" panose="020B0503020204020204" pitchFamily="34" charset="-122"/>
-                <a:ea typeface="Microsoft YaHei UI" panose="020B0503020204020204" pitchFamily="34" charset="-122"/>
-              </a:rPr>
-              <a:t> </a:t>
-            </a:r>
-            <a:r>
-              <a:rPr lang="zh-TW" altLang="en-US" sz="1600" b="1" dirty="0">
-                <a:solidFill>
-                  <a:schemeClr val="bg1">
-                    <a:lumMod val="65000"/>
-                  </a:schemeClr>
-                </a:solidFill>
-                <a:latin typeface="Microsoft YaHei UI" panose="020B0503020204020204" pitchFamily="34" charset="-122"/>
-                <a:ea typeface="Microsoft YaHei UI" panose="020B0503020204020204" pitchFamily="34" charset="-122"/>
-              </a:rPr>
-              <a:t>也可以使用 </a:t>
-            </a:r>
-            <a:r>
-              <a:rPr lang="en-US" altLang="zh-TW" sz="1600" b="1" dirty="0">
-                <a:solidFill>
-                  <a:schemeClr val="bg1">
-                    <a:lumMod val="65000"/>
-                  </a:schemeClr>
-                </a:solidFill>
-                <a:latin typeface="Microsoft YaHei UI" panose="020B0503020204020204" pitchFamily="34" charset="-122"/>
-                <a:ea typeface="Microsoft YaHei UI" panose="020B0503020204020204" pitchFamily="34" charset="-122"/>
-              </a:rPr>
-              <a:t>[ ] </a:t>
-            </a:r>
-            <a:r>
-              <a:rPr lang="zh-TW" altLang="en-US" sz="1600" b="1" dirty="0">
-                <a:solidFill>
-                  <a:schemeClr val="bg1">
-                    <a:lumMod val="65000"/>
-                  </a:schemeClr>
-                </a:solidFill>
-                <a:latin typeface="Microsoft YaHei UI" panose="020B0503020204020204" pitchFamily="34" charset="-122"/>
-                <a:ea typeface="Microsoft YaHei UI" panose="020B0503020204020204" pitchFamily="34" charset="-122"/>
-              </a:rPr>
-              <a:t>來指定查找的 </a:t>
-            </a:r>
-            <a:r>
-              <a:rPr lang="en-US" altLang="zh-TW" sz="1600" b="1" dirty="0">
-                <a:solidFill>
-                  <a:schemeClr val="bg1">
-                    <a:lumMod val="65000"/>
-                  </a:schemeClr>
-                </a:solidFill>
-                <a:latin typeface="Microsoft YaHei UI" panose="020B0503020204020204" pitchFamily="34" charset="-122"/>
-                <a:ea typeface="Microsoft YaHei UI" panose="020B0503020204020204" pitchFamily="34" charset="-122"/>
-              </a:rPr>
-              <a:t>key </a:t>
-            </a:r>
-            <a:r>
-              <a:rPr lang="zh-TW" altLang="en-US" sz="1600" b="1" dirty="0">
-                <a:solidFill>
-                  <a:schemeClr val="bg1">
-                    <a:lumMod val="65000"/>
-                  </a:schemeClr>
-                </a:solidFill>
-                <a:latin typeface="Microsoft YaHei UI" panose="020B0503020204020204" pitchFamily="34" charset="-122"/>
-                <a:ea typeface="Microsoft YaHei UI" panose="020B0503020204020204" pitchFamily="34" charset="-122"/>
-              </a:rPr>
-              <a:t>來取得 </a:t>
-            </a:r>
-            <a:r>
-              <a:rPr lang="en-US" altLang="zh-TW" sz="1600" b="1" dirty="0">
-                <a:solidFill>
-                  <a:schemeClr val="bg1">
-                    <a:lumMod val="65000"/>
-                  </a:schemeClr>
-                </a:solidFill>
-                <a:latin typeface="Microsoft YaHei UI" panose="020B0503020204020204" pitchFamily="34" charset="-122"/>
-                <a:ea typeface="Microsoft YaHei UI" panose="020B0503020204020204" pitchFamily="34" charset="-122"/>
-              </a:rPr>
-              <a:t>value</a:t>
-            </a:r>
-            <a:endParaRPr lang="zh-TW" altLang="en-US" sz="1600" b="1" dirty="0">
-              <a:solidFill>
-                <a:schemeClr val="bg1">
-                  <a:lumMod val="65000"/>
-                </a:schemeClr>
-              </a:solidFill>
-              <a:latin typeface="Microsoft YaHei UI" panose="020B0503020204020204" pitchFamily="34" charset="-122"/>
-              <a:ea typeface="Microsoft YaHei UI" panose="020B0503020204020204" pitchFamily="34" charset="-122"/>
-            </a:endParaRPr>
-          </a:p>
-        </p:txBody>
-      </p:sp>
-    </p:spTree>
-    <p:extLst>
-      <p:ext uri="{BB962C8B-B14F-4D97-AF65-F5344CB8AC3E}">
-        <p14:creationId xmlns:p14="http://schemas.microsoft.com/office/powerpoint/2010/main" val="1365078092"/>
-      </p:ext>
-    </p:extLst>
-  </p:cSld>
-  <p:clrMapOvr>
-    <a:masterClrMapping/>
-  </p:clrMapOvr>
-</p:sld>
-</file>
-
-<file path=ppt/slides/slide50.xml><?xml version="1.0" encoding="utf-8"?>
+<file path=ppt/slides/slide52.xml><?xml version="1.0" encoding="utf-8"?>
 <p:sld xmlns:a="http://schemas.openxmlformats.org/drawingml/2006/main" xmlns:r="http://schemas.openxmlformats.org/officeDocument/2006/relationships" xmlns:p="http://schemas.openxmlformats.org/presentationml/2006/main">
   <p:cSld>
     <p:spTree>
@@ -23914,7 +25023,7 @@
           <a:lstStyle/>
           <a:p>
             <a:r>
-              <a:rPr lang="en-US" altLang="zh-TW" smtClean="0">
+              <a:rPr lang="en-US" altLang="zh-TW" dirty="0" smtClean="0">
                 <a:hlinkClick r:id="rId2"/>
               </a:rPr>
               <a:t>https://github.com/airbnb/javascript</a:t>
@@ -24079,7 +25188,516 @@
 </p:sld>
 </file>
 
-<file path=ppt/slides/slide51.xml><?xml version="1.0" encoding="utf-8"?>
+<file path=ppt/slides/slide53.xml><?xml version="1.0" encoding="utf-8"?>
+<p:sld xmlns:a="http://schemas.openxmlformats.org/drawingml/2006/main" xmlns:r="http://schemas.openxmlformats.org/officeDocument/2006/relationships" xmlns:p="http://schemas.openxmlformats.org/presentationml/2006/main">
+  <p:cSld>
+    <p:spTree>
+      <p:nvGrpSpPr>
+        <p:cNvPr id="1" name=""/>
+        <p:cNvGrpSpPr/>
+        <p:nvPr/>
+      </p:nvGrpSpPr>
+      <p:grpSpPr>
+        <a:xfrm>
+          <a:off x="0" y="0"/>
+          <a:ext cx="0" cy="0"/>
+          <a:chOff x="0" y="0"/>
+          <a:chExt cx="0" cy="0"/>
+        </a:xfrm>
+      </p:grpSpPr>
+      <p:pic>
+        <p:nvPicPr>
+          <p:cNvPr id="6" name="圖片 5"/>
+          <p:cNvPicPr>
+            <a:picLocks noChangeAspect="1"/>
+          </p:cNvPicPr>
+          <p:nvPr/>
+        </p:nvPicPr>
+        <p:blipFill>
+          <a:blip r:embed="rId2">
+            <a:extLst>
+              <a:ext uri="{28A0092B-C50C-407E-A947-70E740481C1C}">
+                <a14:useLocalDpi xmlns:a14="http://schemas.microsoft.com/office/drawing/2010/main" val="0"/>
+              </a:ext>
+            </a:extLst>
+          </a:blip>
+          <a:stretch>
+            <a:fillRect/>
+          </a:stretch>
+        </p:blipFill>
+        <p:spPr>
+          <a:xfrm>
+            <a:off x="1220703" y="324230"/>
+            <a:ext cx="8601478" cy="6107049"/>
+          </a:xfrm>
+          <a:prstGeom prst="rect">
+            <a:avLst/>
+          </a:prstGeom>
+        </p:spPr>
+      </p:pic>
+    </p:spTree>
+    <p:extLst>
+      <p:ext uri="{BB962C8B-B14F-4D97-AF65-F5344CB8AC3E}">
+        <p14:creationId xmlns:p14="http://schemas.microsoft.com/office/powerpoint/2010/main" val="1671341732"/>
+      </p:ext>
+    </p:extLst>
+  </p:cSld>
+  <p:clrMapOvr>
+    <a:masterClrMapping/>
+  </p:clrMapOvr>
+</p:sld>
+</file>
+
+<file path=ppt/slides/slide54.xml><?xml version="1.0" encoding="utf-8"?>
+<p:sld xmlns:a="http://schemas.openxmlformats.org/drawingml/2006/main" xmlns:r="http://schemas.openxmlformats.org/officeDocument/2006/relationships" xmlns:p="http://schemas.openxmlformats.org/presentationml/2006/main">
+  <p:cSld>
+    <p:spTree>
+      <p:nvGrpSpPr>
+        <p:cNvPr id="1" name=""/>
+        <p:cNvGrpSpPr/>
+        <p:nvPr/>
+      </p:nvGrpSpPr>
+      <p:grpSpPr>
+        <a:xfrm>
+          <a:off x="0" y="0"/>
+          <a:ext cx="0" cy="0"/>
+          <a:chOff x="0" y="0"/>
+          <a:chExt cx="0" cy="0"/>
+        </a:xfrm>
+      </p:grpSpPr>
+      <p:sp>
+        <p:nvSpPr>
+          <p:cNvPr id="3" name="矩形 2"/>
+          <p:cNvSpPr/>
+          <p:nvPr/>
+        </p:nvSpPr>
+        <p:spPr>
+          <a:xfrm>
+            <a:off x="2651192" y="1606534"/>
+            <a:ext cx="4549707" cy="523220"/>
+          </a:xfrm>
+          <a:prstGeom prst="rect">
+            <a:avLst/>
+          </a:prstGeom>
+        </p:spPr>
+        <p:txBody>
+          <a:bodyPr wrap="square">
+            <a:spAutoFit/>
+          </a:bodyPr>
+          <a:lstStyle/>
+          <a:p>
+            <a:r>
+              <a:rPr lang="en-US" altLang="zh-TW" sz="2800" dirty="0" smtClean="0">
+                <a:solidFill>
+                  <a:schemeClr val="tx1">
+                    <a:lumMod val="95000"/>
+                    <a:lumOff val="5000"/>
+                  </a:schemeClr>
+                </a:solidFill>
+                <a:latin typeface="Adobe 繁黑體 Std B" panose="020B0700000000000000" pitchFamily="34" charset="-120"/>
+                <a:ea typeface="Adobe 繁黑體 Std B" panose="020B0700000000000000" pitchFamily="34" charset="-120"/>
+              </a:rPr>
+              <a:t>#</a:t>
+            </a:r>
+            <a:r>
+              <a:rPr lang="zh-TW" altLang="en-US" sz="2800" dirty="0" smtClean="0">
+                <a:solidFill>
+                  <a:schemeClr val="tx1">
+                    <a:lumMod val="95000"/>
+                    <a:lumOff val="5000"/>
+                  </a:schemeClr>
+                </a:solidFill>
+                <a:latin typeface="Adobe 繁黑體 Std B" panose="020B0700000000000000" pitchFamily="34" charset="-120"/>
+                <a:ea typeface="Adobe 繁黑體 Std B" panose="020B0700000000000000" pitchFamily="34" charset="-120"/>
+              </a:rPr>
+              <a:t> 如何</a:t>
+            </a:r>
+            <a:r>
+              <a:rPr lang="zh-TW" altLang="en-US" sz="2800" dirty="0">
+                <a:solidFill>
+                  <a:schemeClr val="tx1">
+                    <a:lumMod val="95000"/>
+                    <a:lumOff val="5000"/>
+                  </a:schemeClr>
+                </a:solidFill>
+                <a:latin typeface="Adobe 繁黑體 Std B" panose="020B0700000000000000" pitchFamily="34" charset="-120"/>
+                <a:ea typeface="Adobe 繁黑體 Std B" panose="020B0700000000000000" pitchFamily="34" charset="-120"/>
+              </a:rPr>
+              <a:t>簡單去規劃程式架構</a:t>
+            </a:r>
+            <a:endParaRPr lang="en-US" altLang="zh-TW" sz="2800" dirty="0" smtClean="0">
+              <a:solidFill>
+                <a:schemeClr val="tx1">
+                  <a:lumMod val="95000"/>
+                  <a:lumOff val="5000"/>
+                </a:schemeClr>
+              </a:solidFill>
+              <a:latin typeface="Adobe 繁黑體 Std B" panose="020B0700000000000000" pitchFamily="34" charset="-120"/>
+              <a:ea typeface="Adobe 繁黑體 Std B" panose="020B0700000000000000" pitchFamily="34" charset="-120"/>
+            </a:endParaRPr>
+          </a:p>
+        </p:txBody>
+      </p:sp>
+      <p:sp>
+        <p:nvSpPr>
+          <p:cNvPr id="4" name="矩形 3"/>
+          <p:cNvSpPr/>
+          <p:nvPr/>
+        </p:nvSpPr>
+        <p:spPr>
+          <a:xfrm>
+            <a:off x="2182561" y="2559034"/>
+            <a:ext cx="6527099" cy="2862322"/>
+          </a:xfrm>
+          <a:prstGeom prst="rect">
+            <a:avLst/>
+          </a:prstGeom>
+        </p:spPr>
+        <p:txBody>
+          <a:bodyPr wrap="square">
+            <a:spAutoFit/>
+          </a:bodyPr>
+          <a:lstStyle/>
+          <a:p>
+            <a:pPr marL="342900" indent="-342900">
+              <a:lnSpc>
+                <a:spcPct val="200000"/>
+              </a:lnSpc>
+              <a:buAutoNum type="arabicPeriod"/>
+            </a:pPr>
+            <a:r>
+              <a:rPr lang="zh-TW" altLang="en-US" dirty="0" smtClean="0">
+                <a:solidFill>
+                  <a:srgbClr val="323230"/>
+                </a:solidFill>
+                <a:latin typeface="Adobe 繁黑體 Std B" panose="020B0700000000000000" pitchFamily="34" charset="-120"/>
+                <a:ea typeface="Adobe 繁黑體 Std B" panose="020B0700000000000000" pitchFamily="34" charset="-120"/>
+              </a:rPr>
+              <a:t>將重複的邏輯拆開</a:t>
+            </a:r>
+            <a:endParaRPr lang="en-US" altLang="zh-TW" dirty="0" smtClean="0">
+              <a:solidFill>
+                <a:srgbClr val="323230"/>
+              </a:solidFill>
+              <a:latin typeface="Adobe 繁黑體 Std B" panose="020B0700000000000000" pitchFamily="34" charset="-120"/>
+              <a:ea typeface="Adobe 繁黑體 Std B" panose="020B0700000000000000" pitchFamily="34" charset="-120"/>
+            </a:endParaRPr>
+          </a:p>
+          <a:p>
+            <a:pPr marL="342900" indent="-342900">
+              <a:lnSpc>
+                <a:spcPct val="200000"/>
+              </a:lnSpc>
+              <a:buAutoNum type="arabicPeriod"/>
+            </a:pPr>
+            <a:r>
+              <a:rPr lang="zh-TW" altLang="en-US" dirty="0" smtClean="0">
+                <a:solidFill>
+                  <a:srgbClr val="323230"/>
+                </a:solidFill>
+                <a:latin typeface="Adobe 繁黑體 Std B" panose="020B0700000000000000" pitchFamily="34" charset="-120"/>
+                <a:ea typeface="Adobe 繁黑體 Std B" panose="020B0700000000000000" pitchFamily="34" charset="-120"/>
+              </a:rPr>
+              <a:t>盡量將變數變成私有變數，除了全域會用的的以外</a:t>
+            </a:r>
+            <a:endParaRPr lang="en-US" altLang="zh-TW" dirty="0" smtClean="0">
+              <a:solidFill>
+                <a:srgbClr val="323230"/>
+              </a:solidFill>
+              <a:latin typeface="Adobe 繁黑體 Std B" panose="020B0700000000000000" pitchFamily="34" charset="-120"/>
+              <a:ea typeface="Adobe 繁黑體 Std B" panose="020B0700000000000000" pitchFamily="34" charset="-120"/>
+            </a:endParaRPr>
+          </a:p>
+          <a:p>
+            <a:pPr marL="342900" indent="-342900">
+              <a:lnSpc>
+                <a:spcPct val="200000"/>
+              </a:lnSpc>
+              <a:buAutoNum type="arabicPeriod"/>
+            </a:pPr>
+            <a:r>
+              <a:rPr lang="zh-TW" altLang="en-US" dirty="0" smtClean="0">
+                <a:solidFill>
+                  <a:srgbClr val="323230"/>
+                </a:solidFill>
+                <a:latin typeface="Adobe 繁黑體 Std B" panose="020B0700000000000000" pitchFamily="34" charset="-120"/>
+                <a:ea typeface="Adobe 繁黑體 Std B" panose="020B0700000000000000" pitchFamily="34" charset="-120"/>
+              </a:rPr>
+              <a:t>保持進入點，確保程式流程正確</a:t>
+            </a:r>
+            <a:endParaRPr lang="en-US" altLang="zh-TW" dirty="0" smtClean="0">
+              <a:solidFill>
+                <a:srgbClr val="323230"/>
+              </a:solidFill>
+              <a:latin typeface="Adobe 繁黑體 Std B" panose="020B0700000000000000" pitchFamily="34" charset="-120"/>
+              <a:ea typeface="Adobe 繁黑體 Std B" panose="020B0700000000000000" pitchFamily="34" charset="-120"/>
+            </a:endParaRPr>
+          </a:p>
+          <a:p>
+            <a:pPr marL="342900" indent="-342900">
+              <a:lnSpc>
+                <a:spcPct val="200000"/>
+              </a:lnSpc>
+              <a:buAutoNum type="arabicPeriod"/>
+            </a:pPr>
+            <a:r>
+              <a:rPr lang="zh-TW" altLang="en-US" dirty="0" smtClean="0">
+                <a:solidFill>
+                  <a:srgbClr val="323230"/>
+                </a:solidFill>
+                <a:latin typeface="Adobe 繁黑體 Std B" panose="020B0700000000000000" pitchFamily="34" charset="-120"/>
+                <a:ea typeface="Adobe 繁黑體 Std B" panose="020B0700000000000000" pitchFamily="34" charset="-120"/>
+              </a:rPr>
+              <a:t>不要真的沒事</a:t>
+            </a:r>
+            <a:r>
+              <a:rPr lang="en-US" altLang="zh-TW" dirty="0" smtClean="0">
+                <a:solidFill>
+                  <a:srgbClr val="323230"/>
+                </a:solidFill>
+                <a:latin typeface="Adobe 繁黑體 Std B" panose="020B0700000000000000" pitchFamily="34" charset="-120"/>
+                <a:ea typeface="Adobe 繁黑體 Std B" panose="020B0700000000000000" pitchFamily="34" charset="-120"/>
+              </a:rPr>
+              <a:t>OOP</a:t>
+            </a:r>
+            <a:r>
+              <a:rPr lang="zh-TW" altLang="en-US" dirty="0" smtClean="0">
+                <a:solidFill>
+                  <a:srgbClr val="323230"/>
+                </a:solidFill>
+                <a:latin typeface="Adobe 繁黑體 Std B" panose="020B0700000000000000" pitchFamily="34" charset="-120"/>
+                <a:ea typeface="Adobe 繁黑體 Std B" panose="020B0700000000000000" pitchFamily="34" charset="-120"/>
+              </a:rPr>
+              <a:t>，先把</a:t>
+            </a:r>
+            <a:r>
+              <a:rPr lang="en-US" altLang="zh-TW" dirty="0" smtClean="0">
+                <a:solidFill>
+                  <a:srgbClr val="323230"/>
+                </a:solidFill>
+                <a:latin typeface="Adobe 繁黑體 Std B" panose="020B0700000000000000" pitchFamily="34" charset="-120"/>
+                <a:ea typeface="Adobe 繁黑體 Std B" panose="020B0700000000000000" pitchFamily="34" charset="-120"/>
+              </a:rPr>
+              <a:t>function </a:t>
+            </a:r>
+            <a:r>
+              <a:rPr lang="zh-TW" altLang="en-US" dirty="0" smtClean="0">
+                <a:solidFill>
+                  <a:srgbClr val="323230"/>
+                </a:solidFill>
+                <a:latin typeface="Adobe 繁黑體 Std B" panose="020B0700000000000000" pitchFamily="34" charset="-120"/>
+                <a:ea typeface="Adobe 繁黑體 Std B" panose="020B0700000000000000" pitchFamily="34" charset="-120"/>
+              </a:rPr>
+              <a:t>結構拆開比較重要</a:t>
+            </a:r>
+            <a:endParaRPr lang="en-US" altLang="zh-TW" dirty="0" smtClean="0">
+              <a:solidFill>
+                <a:srgbClr val="323230"/>
+              </a:solidFill>
+              <a:latin typeface="Adobe 繁黑體 Std B" panose="020B0700000000000000" pitchFamily="34" charset="-120"/>
+              <a:ea typeface="Adobe 繁黑體 Std B" panose="020B0700000000000000" pitchFamily="34" charset="-120"/>
+            </a:endParaRPr>
+          </a:p>
+          <a:p>
+            <a:pPr marL="342900" indent="-342900">
+              <a:lnSpc>
+                <a:spcPct val="200000"/>
+              </a:lnSpc>
+              <a:buAutoNum type="arabicPeriod"/>
+            </a:pPr>
+            <a:r>
+              <a:rPr lang="zh-TW" altLang="en-US" dirty="0" smtClean="0">
+                <a:solidFill>
+                  <a:srgbClr val="323230"/>
+                </a:solidFill>
+                <a:latin typeface="Adobe 繁黑體 Std B" panose="020B0700000000000000" pitchFamily="34" charset="-120"/>
+                <a:ea typeface="Adobe 繁黑體 Std B" panose="020B0700000000000000" pitchFamily="34" charset="-120"/>
+              </a:rPr>
+              <a:t>不要寫多個主程式在頁面載入，會導致流程錯誤</a:t>
+            </a:r>
+            <a:endParaRPr lang="en-US" altLang="zh-TW" dirty="0" smtClean="0">
+              <a:solidFill>
+                <a:srgbClr val="323230"/>
+              </a:solidFill>
+              <a:latin typeface="Adobe 繁黑體 Std B" panose="020B0700000000000000" pitchFamily="34" charset="-120"/>
+              <a:ea typeface="Adobe 繁黑體 Std B" panose="020B0700000000000000" pitchFamily="34" charset="-120"/>
+            </a:endParaRPr>
+          </a:p>
+        </p:txBody>
+      </p:sp>
+    </p:spTree>
+    <p:extLst>
+      <p:ext uri="{BB962C8B-B14F-4D97-AF65-F5344CB8AC3E}">
+        <p14:creationId xmlns:p14="http://schemas.microsoft.com/office/powerpoint/2010/main" val="2198907123"/>
+      </p:ext>
+    </p:extLst>
+  </p:cSld>
+  <p:clrMapOvr>
+    <a:masterClrMapping/>
+  </p:clrMapOvr>
+</p:sld>
+</file>
+
+<file path=ppt/slides/slide55.xml><?xml version="1.0" encoding="utf-8"?>
+<p:sld xmlns:a="http://schemas.openxmlformats.org/drawingml/2006/main" xmlns:r="http://schemas.openxmlformats.org/officeDocument/2006/relationships" xmlns:p="http://schemas.openxmlformats.org/presentationml/2006/main">
+  <p:cSld>
+    <p:spTree>
+      <p:nvGrpSpPr>
+        <p:cNvPr id="1" name=""/>
+        <p:cNvGrpSpPr/>
+        <p:nvPr/>
+      </p:nvGrpSpPr>
+      <p:grpSpPr>
+        <a:xfrm>
+          <a:off x="0" y="0"/>
+          <a:ext cx="0" cy="0"/>
+          <a:chOff x="0" y="0"/>
+          <a:chExt cx="0" cy="0"/>
+        </a:xfrm>
+      </p:grpSpPr>
+      <p:sp>
+        <p:nvSpPr>
+          <p:cNvPr id="3" name="矩形 2"/>
+          <p:cNvSpPr/>
+          <p:nvPr/>
+        </p:nvSpPr>
+        <p:spPr>
+          <a:xfrm>
+            <a:off x="2225694" y="2240418"/>
+            <a:ext cx="7133804" cy="523220"/>
+          </a:xfrm>
+          <a:prstGeom prst="rect">
+            <a:avLst/>
+          </a:prstGeom>
+        </p:spPr>
+        <p:txBody>
+          <a:bodyPr wrap="square">
+            <a:spAutoFit/>
+          </a:bodyPr>
+          <a:lstStyle/>
+          <a:p>
+            <a:pPr algn="ctr"/>
+            <a:r>
+              <a:rPr lang="en-US" altLang="zh-TW" sz="2800" b="1" dirty="0" smtClean="0">
+                <a:latin typeface="Adobe 繁黑體 Std B" panose="020B0700000000000000" pitchFamily="34" charset="-120"/>
+                <a:ea typeface="Adobe 繁黑體 Std B" panose="020B0700000000000000" pitchFamily="34" charset="-120"/>
+              </a:rPr>
+              <a:t># </a:t>
+            </a:r>
+            <a:r>
+              <a:rPr lang="en-US" altLang="zh-TW" sz="2800" b="1" dirty="0" smtClean="0">
+                <a:latin typeface="Adobe 繁黑體 Std B" panose="020B0700000000000000" pitchFamily="34" charset="-120"/>
+                <a:ea typeface="Adobe 繁黑體 Std B" panose="020B0700000000000000" pitchFamily="34" charset="-120"/>
+              </a:rPr>
+              <a:t> </a:t>
+            </a:r>
+            <a:r>
+              <a:rPr lang="en-US" altLang="zh-TW" sz="2800" b="1" dirty="0" smtClean="0">
+                <a:latin typeface="Adobe 繁黑體 Std B" panose="020B0700000000000000" pitchFamily="34" charset="-120"/>
+                <a:ea typeface="Adobe 繁黑體 Std B" panose="020B0700000000000000" pitchFamily="34" charset="-120"/>
+              </a:rPr>
+              <a:t>10</a:t>
+            </a:r>
+            <a:r>
+              <a:rPr lang="zh-TW" altLang="en-US" sz="2800" b="1" dirty="0">
+                <a:latin typeface="Adobe 繁黑體 Std B" panose="020B0700000000000000" pitchFamily="34" charset="-120"/>
+                <a:ea typeface="Adobe 繁黑體 Std B" panose="020B0700000000000000" pitchFamily="34" charset="-120"/>
+              </a:rPr>
+              <a:t>個新手必知的 </a:t>
+            </a:r>
+            <a:r>
+              <a:rPr lang="en-US" altLang="zh-TW" sz="2800" b="1" dirty="0">
+                <a:latin typeface="Adobe 繁黑體 Std B" panose="020B0700000000000000" pitchFamily="34" charset="-120"/>
+                <a:ea typeface="Adobe 繁黑體 Std B" panose="020B0700000000000000" pitchFamily="34" charset="-120"/>
+              </a:rPr>
+              <a:t>JavaScript </a:t>
+            </a:r>
+            <a:r>
+              <a:rPr lang="zh-TW" altLang="en-US" sz="2800" b="1" dirty="0">
+                <a:latin typeface="Adobe 繁黑體 Std B" panose="020B0700000000000000" pitchFamily="34" charset="-120"/>
+                <a:ea typeface="Adobe 繁黑體 Std B" panose="020B0700000000000000" pitchFamily="34" charset="-120"/>
+              </a:rPr>
+              <a:t>實用技巧</a:t>
+            </a:r>
+          </a:p>
+        </p:txBody>
+      </p:sp>
+      <p:sp>
+        <p:nvSpPr>
+          <p:cNvPr id="2" name="矩形 1"/>
+          <p:cNvSpPr/>
+          <p:nvPr/>
+        </p:nvSpPr>
+        <p:spPr>
+          <a:xfrm>
+            <a:off x="3363309" y="3204254"/>
+            <a:ext cx="4858574" cy="369332"/>
+          </a:xfrm>
+          <a:prstGeom prst="rect">
+            <a:avLst/>
+          </a:prstGeom>
+        </p:spPr>
+        <p:txBody>
+          <a:bodyPr wrap="none">
+            <a:spAutoFit/>
+          </a:bodyPr>
+          <a:lstStyle/>
+          <a:p>
+            <a:r>
+              <a:rPr lang="en-US" altLang="zh-TW" dirty="0">
+                <a:hlinkClick r:id="rId2"/>
+              </a:rPr>
+              <a:t>https://www.youtube.com/watch?v=1RsxYplOPgY</a:t>
+            </a:r>
+            <a:endParaRPr lang="zh-TW" altLang="en-US" dirty="0"/>
+          </a:p>
+        </p:txBody>
+      </p:sp>
+      <p:sp>
+        <p:nvSpPr>
+          <p:cNvPr id="4" name="矩形 3"/>
+          <p:cNvSpPr/>
+          <p:nvPr/>
+        </p:nvSpPr>
+        <p:spPr>
+          <a:xfrm>
+            <a:off x="2971800" y="3901636"/>
+            <a:ext cx="6096000" cy="1200329"/>
+          </a:xfrm>
+          <a:prstGeom prst="rect">
+            <a:avLst/>
+          </a:prstGeom>
+        </p:spPr>
+        <p:txBody>
+          <a:bodyPr>
+            <a:spAutoFit/>
+          </a:bodyPr>
+          <a:lstStyle/>
+          <a:p>
+            <a:r>
+              <a:rPr lang="en-US" altLang="zh-TW" dirty="0">
+                <a:hlinkClick r:id="rId3"/>
+              </a:rPr>
+              <a:t>https://medium.com/@Mike_Cheng1208/10%E5%80%8B%E6%96%B0%E6%89%8B%E5%BF%85%E7%9F%A5%E7%9A%84-javascrip-%E5%AF%A6%E7%94%A8%E6%8A%80%E5%B7%A7-75b55d7c3e47</a:t>
+            </a:r>
+            <a:endParaRPr lang="zh-TW" altLang="en-US" dirty="0"/>
+          </a:p>
+        </p:txBody>
+      </p:sp>
+    </p:spTree>
+    <p:extLst>
+      <p:ext uri="{BB962C8B-B14F-4D97-AF65-F5344CB8AC3E}">
+        <p14:creationId xmlns:p14="http://schemas.microsoft.com/office/powerpoint/2010/main" val="2088123858"/>
+      </p:ext>
+    </p:extLst>
+  </p:cSld>
+  <p:clrMapOvr>
+    <a:masterClrMapping/>
+  </p:clrMapOvr>
+</p:sld>
+</file>
+
+<file path=ppt/slides/slide56.xml><?xml version="1.0" encoding="utf-8"?>
 <p:sld xmlns:a="http://schemas.openxmlformats.org/drawingml/2006/main" xmlns:r="http://schemas.openxmlformats.org/officeDocument/2006/relationships" xmlns:p="http://schemas.openxmlformats.org/presentationml/2006/main">
   <p:cSld>
     <p:bg>

--- a/現代 JavaScript 職人之路｜ 中階篇.pptx
+++ b/現代 JavaScript 職人之路｜ 中階篇.pptx
@@ -60,7 +60,12 @@
     <p:sldId id="309" r:id="rId54"/>
     <p:sldId id="310" r:id="rId55"/>
     <p:sldId id="311" r:id="rId56"/>
-    <p:sldId id="296" r:id="rId57"/>
+    <p:sldId id="313" r:id="rId57"/>
+    <p:sldId id="296" r:id="rId58"/>
+    <p:sldId id="312" r:id="rId59"/>
+    <p:sldId id="314" r:id="rId60"/>
+    <p:sldId id="316" r:id="rId61"/>
+    <p:sldId id="315" r:id="rId62"/>
   </p:sldIdLst>
   <p:sldSz cx="12192000" cy="6858000"/>
   <p:notesSz cx="6858000" cy="9144000"/>
@@ -9165,7 +9170,7 @@
           <p:cNvPr id="7" name="圖片 6">
             <a:extLst>
               <a:ext uri="{FF2B5EF4-FFF2-40B4-BE49-F238E27FC236}">
-                <a16:creationId xmlns:a16="http://schemas.microsoft.com/office/drawing/2014/main" xmlns="" id="{FCB4471C-65FC-5F49-8514-4E5F2DA03E92}"/>
+                <a16:creationId xmlns="" xmlns:a16="http://schemas.microsoft.com/office/drawing/2014/main" id="{FCB4471C-65FC-5F49-8514-4E5F2DA03E92}"/>
               </a:ext>
             </a:extLst>
           </p:cNvPr>
@@ -9201,7 +9206,7 @@
           <p:cNvPr id="8" name="標題 1">
             <a:extLst>
               <a:ext uri="{FF2B5EF4-FFF2-40B4-BE49-F238E27FC236}">
-                <a16:creationId xmlns:a16="http://schemas.microsoft.com/office/drawing/2014/main" xmlns="" id="{7312BAB0-ED4E-B441-973A-7DD55EFD13E6}"/>
+                <a16:creationId xmlns="" xmlns:a16="http://schemas.microsoft.com/office/drawing/2014/main" id="{7312BAB0-ED4E-B441-973A-7DD55EFD13E6}"/>
               </a:ext>
             </a:extLst>
           </p:cNvPr>
@@ -9280,7 +9285,7 @@
           <p:cNvPr id="10" name="矩形 9">
             <a:extLst>
               <a:ext uri="{FF2B5EF4-FFF2-40B4-BE49-F238E27FC236}">
-                <a16:creationId xmlns:a16="http://schemas.microsoft.com/office/drawing/2014/main" xmlns="" id="{711EB9EB-24D0-9241-AD5B-CA5B1D79376A}"/>
+                <a16:creationId xmlns="" xmlns:a16="http://schemas.microsoft.com/office/drawing/2014/main" id="{711EB9EB-24D0-9241-AD5B-CA5B1D79376A}"/>
               </a:ext>
             </a:extLst>
           </p:cNvPr>
@@ -9317,7 +9322,7 @@
           <p:cNvPr id="11" name="矩形 10">
             <a:extLst>
               <a:ext uri="{FF2B5EF4-FFF2-40B4-BE49-F238E27FC236}">
-                <a16:creationId xmlns:a16="http://schemas.microsoft.com/office/drawing/2014/main" xmlns="" id="{F703328C-F454-3342-B266-30FBD0602B3E}"/>
+                <a16:creationId xmlns="" xmlns:a16="http://schemas.microsoft.com/office/drawing/2014/main" id="{F703328C-F454-3342-B266-30FBD0602B3E}"/>
               </a:ext>
             </a:extLst>
           </p:cNvPr>
@@ -9861,7 +9866,7 @@
           <p:cNvPr id="4" name="矩形 3">
             <a:extLst>
               <a:ext uri="{FF2B5EF4-FFF2-40B4-BE49-F238E27FC236}">
-                <a16:creationId xmlns:a16="http://schemas.microsoft.com/office/drawing/2014/main" xmlns="" id="{156707A3-68A3-2F4A-8CDA-2F9B2532D0B3}"/>
+                <a16:creationId xmlns="" xmlns:a16="http://schemas.microsoft.com/office/drawing/2014/main" id="{156707A3-68A3-2F4A-8CDA-2F9B2532D0B3}"/>
               </a:ext>
             </a:extLst>
           </p:cNvPr>
@@ -9929,7 +9934,7 @@
           <p:cNvPr id="6" name="矩形 5">
             <a:extLst>
               <a:ext uri="{FF2B5EF4-FFF2-40B4-BE49-F238E27FC236}">
-                <a16:creationId xmlns:a16="http://schemas.microsoft.com/office/drawing/2014/main" xmlns="" id="{FB465A35-CC98-3F40-8C26-B37236DA0162}"/>
+                <a16:creationId xmlns="" xmlns:a16="http://schemas.microsoft.com/office/drawing/2014/main" id="{FB465A35-CC98-3F40-8C26-B37236DA0162}"/>
               </a:ext>
             </a:extLst>
           </p:cNvPr>
@@ -9966,7 +9971,7 @@
           <p:cNvPr id="7" name="矩形 6">
             <a:extLst>
               <a:ext uri="{FF2B5EF4-FFF2-40B4-BE49-F238E27FC236}">
-                <a16:creationId xmlns:a16="http://schemas.microsoft.com/office/drawing/2014/main" xmlns="" id="{DD9E23DF-C692-2246-B23B-E8A7F74751A8}"/>
+                <a16:creationId xmlns="" xmlns:a16="http://schemas.microsoft.com/office/drawing/2014/main" id="{DD9E23DF-C692-2246-B23B-E8A7F74751A8}"/>
               </a:ext>
             </a:extLst>
           </p:cNvPr>
@@ -10028,7 +10033,7 @@
           <p:cNvPr id="8" name="矩形 7">
             <a:extLst>
               <a:ext uri="{FF2B5EF4-FFF2-40B4-BE49-F238E27FC236}">
-                <a16:creationId xmlns:a16="http://schemas.microsoft.com/office/drawing/2014/main" xmlns="" id="{46C433FA-9CCB-9C41-8561-B25FB97C3997}"/>
+                <a16:creationId xmlns="" xmlns:a16="http://schemas.microsoft.com/office/drawing/2014/main" id="{46C433FA-9CCB-9C41-8561-B25FB97C3997}"/>
               </a:ext>
             </a:extLst>
           </p:cNvPr>
@@ -10090,7 +10095,7 @@
           <p:cNvPr id="9" name="矩形 8">
             <a:extLst>
               <a:ext uri="{FF2B5EF4-FFF2-40B4-BE49-F238E27FC236}">
-                <a16:creationId xmlns:a16="http://schemas.microsoft.com/office/drawing/2014/main" xmlns="" id="{C34E9026-3B18-AE45-AC95-5441221D9DF1}"/>
+                <a16:creationId xmlns="" xmlns:a16="http://schemas.microsoft.com/office/drawing/2014/main" id="{C34E9026-3B18-AE45-AC95-5441221D9DF1}"/>
               </a:ext>
             </a:extLst>
           </p:cNvPr>
@@ -10152,7 +10157,7 @@
           <p:cNvPr id="10" name="矩形 9">
             <a:extLst>
               <a:ext uri="{FF2B5EF4-FFF2-40B4-BE49-F238E27FC236}">
-                <a16:creationId xmlns:a16="http://schemas.microsoft.com/office/drawing/2014/main" xmlns="" id="{25AFE21C-8976-EB41-9B39-4A8704E5273E}"/>
+                <a16:creationId xmlns="" xmlns:a16="http://schemas.microsoft.com/office/drawing/2014/main" id="{25AFE21C-8976-EB41-9B39-4A8704E5273E}"/>
               </a:ext>
             </a:extLst>
           </p:cNvPr>
@@ -10217,7 +10222,7 @@
           <p:cNvPr id="11" name="矩形 10">
             <a:extLst>
               <a:ext uri="{FF2B5EF4-FFF2-40B4-BE49-F238E27FC236}">
-                <a16:creationId xmlns:a16="http://schemas.microsoft.com/office/drawing/2014/main" xmlns="" id="{22FA0140-3918-9144-8FB9-1D42FD66FCC6}"/>
+                <a16:creationId xmlns="" xmlns:a16="http://schemas.microsoft.com/office/drawing/2014/main" id="{22FA0140-3918-9144-8FB9-1D42FD66FCC6}"/>
               </a:ext>
             </a:extLst>
           </p:cNvPr>
@@ -10346,7 +10351,7 @@
           <p:cNvPr id="12" name="矩形 11">
             <a:extLst>
               <a:ext uri="{FF2B5EF4-FFF2-40B4-BE49-F238E27FC236}">
-                <a16:creationId xmlns:a16="http://schemas.microsoft.com/office/drawing/2014/main" xmlns="" id="{237AA689-99FD-CB47-839A-1BF31D73EC93}"/>
+                <a16:creationId xmlns="" xmlns:a16="http://schemas.microsoft.com/office/drawing/2014/main" id="{237AA689-99FD-CB47-839A-1BF31D73EC93}"/>
               </a:ext>
             </a:extLst>
           </p:cNvPr>
@@ -10475,7 +10480,7 @@
           <p:cNvPr id="4" name="矩形 3">
             <a:extLst>
               <a:ext uri="{FF2B5EF4-FFF2-40B4-BE49-F238E27FC236}">
-                <a16:creationId xmlns:a16="http://schemas.microsoft.com/office/drawing/2014/main" xmlns="" id="{156707A3-68A3-2F4A-8CDA-2F9B2532D0B3}"/>
+                <a16:creationId xmlns="" xmlns:a16="http://schemas.microsoft.com/office/drawing/2014/main" id="{156707A3-68A3-2F4A-8CDA-2F9B2532D0B3}"/>
               </a:ext>
             </a:extLst>
           </p:cNvPr>
@@ -11235,7 +11240,7 @@
           <p:cNvPr id="21" name="圓角矩形 20">
             <a:extLst>
               <a:ext uri="{FF2B5EF4-FFF2-40B4-BE49-F238E27FC236}">
-                <a16:creationId xmlns:a16="http://schemas.microsoft.com/office/drawing/2014/main" xmlns="" id="{D3E17314-681B-E744-AA6E-06B60ED1D494}"/>
+                <a16:creationId xmlns="" xmlns:a16="http://schemas.microsoft.com/office/drawing/2014/main" id="{D3E17314-681B-E744-AA6E-06B60ED1D494}"/>
               </a:ext>
             </a:extLst>
           </p:cNvPr>
@@ -11281,7 +11286,7 @@
           <p:cNvPr id="2" name="矩形 1">
             <a:extLst>
               <a:ext uri="{FF2B5EF4-FFF2-40B4-BE49-F238E27FC236}">
-                <a16:creationId xmlns:a16="http://schemas.microsoft.com/office/drawing/2014/main" xmlns="" id="{1F91C1BF-2B69-564F-92C4-36851A2C2662}"/>
+                <a16:creationId xmlns="" xmlns:a16="http://schemas.microsoft.com/office/drawing/2014/main" id="{1F91C1BF-2B69-564F-92C4-36851A2C2662}"/>
               </a:ext>
             </a:extLst>
           </p:cNvPr>
@@ -11331,7 +11336,7 @@
           <p:cNvPr id="3" name="矩形 2">
             <a:extLst>
               <a:ext uri="{FF2B5EF4-FFF2-40B4-BE49-F238E27FC236}">
-                <a16:creationId xmlns:a16="http://schemas.microsoft.com/office/drawing/2014/main" xmlns="" id="{283C0B0F-C3B5-BD4F-883C-09F49FF67D1F}"/>
+                <a16:creationId xmlns="" xmlns:a16="http://schemas.microsoft.com/office/drawing/2014/main" id="{283C0B0F-C3B5-BD4F-883C-09F49FF67D1F}"/>
               </a:ext>
             </a:extLst>
           </p:cNvPr>
@@ -11381,7 +11386,7 @@
           <p:cNvPr id="4" name="橢圓 3">
             <a:extLst>
               <a:ext uri="{FF2B5EF4-FFF2-40B4-BE49-F238E27FC236}">
-                <a16:creationId xmlns:a16="http://schemas.microsoft.com/office/drawing/2014/main" xmlns="" id="{472F9B87-6FC9-B44F-A02E-9296A0720770}"/>
+                <a16:creationId xmlns="" xmlns:a16="http://schemas.microsoft.com/office/drawing/2014/main" id="{472F9B87-6FC9-B44F-A02E-9296A0720770}"/>
               </a:ext>
             </a:extLst>
           </p:cNvPr>
@@ -11429,7 +11434,7 @@
           <p:cNvPr id="6" name="直線箭頭接點 5">
             <a:extLst>
               <a:ext uri="{FF2B5EF4-FFF2-40B4-BE49-F238E27FC236}">
-                <a16:creationId xmlns:a16="http://schemas.microsoft.com/office/drawing/2014/main" xmlns="" id="{D38E5745-832A-E345-8A9F-5FF2C3D2EE19}"/>
+                <a16:creationId xmlns="" xmlns:a16="http://schemas.microsoft.com/office/drawing/2014/main" id="{D38E5745-832A-E345-8A9F-5FF2C3D2EE19}"/>
               </a:ext>
             </a:extLst>
           </p:cNvPr>
@@ -11468,7 +11473,7 @@
           <p:cNvPr id="7" name="直線箭頭接點 6">
             <a:extLst>
               <a:ext uri="{FF2B5EF4-FFF2-40B4-BE49-F238E27FC236}">
-                <a16:creationId xmlns:a16="http://schemas.microsoft.com/office/drawing/2014/main" xmlns="" id="{E9C3D736-A46A-1F45-BA83-98B2129B78D8}"/>
+                <a16:creationId xmlns="" xmlns:a16="http://schemas.microsoft.com/office/drawing/2014/main" id="{E9C3D736-A46A-1F45-BA83-98B2129B78D8}"/>
               </a:ext>
             </a:extLst>
           </p:cNvPr>
@@ -11509,7 +11514,7 @@
           <p:cNvPr id="9" name="矩形 8">
             <a:extLst>
               <a:ext uri="{FF2B5EF4-FFF2-40B4-BE49-F238E27FC236}">
-                <a16:creationId xmlns:a16="http://schemas.microsoft.com/office/drawing/2014/main" xmlns="" id="{27524826-70DB-0441-8303-37FC66D1FC5B}"/>
+                <a16:creationId xmlns="" xmlns:a16="http://schemas.microsoft.com/office/drawing/2014/main" id="{27524826-70DB-0441-8303-37FC66D1FC5B}"/>
               </a:ext>
             </a:extLst>
           </p:cNvPr>
@@ -11555,7 +11560,7 @@
           <p:cNvPr id="10" name="矩形 9">
             <a:extLst>
               <a:ext uri="{FF2B5EF4-FFF2-40B4-BE49-F238E27FC236}">
-                <a16:creationId xmlns:a16="http://schemas.microsoft.com/office/drawing/2014/main" xmlns="" id="{D5A40EA3-8607-7447-B5C5-1BA336DC4B1A}"/>
+                <a16:creationId xmlns="" xmlns:a16="http://schemas.microsoft.com/office/drawing/2014/main" id="{D5A40EA3-8607-7447-B5C5-1BA336DC4B1A}"/>
               </a:ext>
             </a:extLst>
           </p:cNvPr>
@@ -11603,7 +11608,7 @@
           <p:cNvPr id="11" name="矩形 10">
             <a:extLst>
               <a:ext uri="{FF2B5EF4-FFF2-40B4-BE49-F238E27FC236}">
-                <a16:creationId xmlns:a16="http://schemas.microsoft.com/office/drawing/2014/main" xmlns="" id="{D158EACD-7BFE-1141-B47B-73A9D59EB9ED}"/>
+                <a16:creationId xmlns="" xmlns:a16="http://schemas.microsoft.com/office/drawing/2014/main" id="{D158EACD-7BFE-1141-B47B-73A9D59EB9ED}"/>
               </a:ext>
             </a:extLst>
           </p:cNvPr>
@@ -11651,7 +11656,7 @@
           <p:cNvPr id="12" name="矩形 11">
             <a:extLst>
               <a:ext uri="{FF2B5EF4-FFF2-40B4-BE49-F238E27FC236}">
-                <a16:creationId xmlns:a16="http://schemas.microsoft.com/office/drawing/2014/main" xmlns="" id="{74E49627-882D-544A-8BCB-3B4BF797F6E9}"/>
+                <a16:creationId xmlns="" xmlns:a16="http://schemas.microsoft.com/office/drawing/2014/main" id="{74E49627-882D-544A-8BCB-3B4BF797F6E9}"/>
               </a:ext>
             </a:extLst>
           </p:cNvPr>
@@ -11697,7 +11702,7 @@
           <p:cNvPr id="13" name="矩形 12">
             <a:extLst>
               <a:ext uri="{FF2B5EF4-FFF2-40B4-BE49-F238E27FC236}">
-                <a16:creationId xmlns:a16="http://schemas.microsoft.com/office/drawing/2014/main" xmlns="" id="{20BC78A6-DC64-3947-9BB3-F887948FCEF2}"/>
+                <a16:creationId xmlns="" xmlns:a16="http://schemas.microsoft.com/office/drawing/2014/main" id="{20BC78A6-DC64-3947-9BB3-F887948FCEF2}"/>
               </a:ext>
             </a:extLst>
           </p:cNvPr>
@@ -11745,7 +11750,7 @@
           <p:cNvPr id="14" name="矩形 13">
             <a:extLst>
               <a:ext uri="{FF2B5EF4-FFF2-40B4-BE49-F238E27FC236}">
-                <a16:creationId xmlns:a16="http://schemas.microsoft.com/office/drawing/2014/main" xmlns="" id="{F0EF030A-79DE-B64D-A509-6ECC7BE738DE}"/>
+                <a16:creationId xmlns="" xmlns:a16="http://schemas.microsoft.com/office/drawing/2014/main" id="{F0EF030A-79DE-B64D-A509-6ECC7BE738DE}"/>
               </a:ext>
             </a:extLst>
           </p:cNvPr>
@@ -11793,7 +11798,7 @@
           <p:cNvPr id="15" name="矩形 14">
             <a:extLst>
               <a:ext uri="{FF2B5EF4-FFF2-40B4-BE49-F238E27FC236}">
-                <a16:creationId xmlns:a16="http://schemas.microsoft.com/office/drawing/2014/main" xmlns="" id="{F3E5F92F-E9C2-7C45-8671-F16256EE76D3}"/>
+                <a16:creationId xmlns="" xmlns:a16="http://schemas.microsoft.com/office/drawing/2014/main" id="{F3E5F92F-E9C2-7C45-8671-F16256EE76D3}"/>
               </a:ext>
             </a:extLst>
           </p:cNvPr>
@@ -11839,7 +11844,7 @@
           <p:cNvPr id="16" name="矩形 15">
             <a:extLst>
               <a:ext uri="{FF2B5EF4-FFF2-40B4-BE49-F238E27FC236}">
-                <a16:creationId xmlns:a16="http://schemas.microsoft.com/office/drawing/2014/main" xmlns="" id="{741F1151-B732-A149-A3A0-9570C9EF8329}"/>
+                <a16:creationId xmlns="" xmlns:a16="http://schemas.microsoft.com/office/drawing/2014/main" id="{741F1151-B732-A149-A3A0-9570C9EF8329}"/>
               </a:ext>
             </a:extLst>
           </p:cNvPr>
@@ -11887,7 +11892,7 @@
           <p:cNvPr id="17" name="矩形 16">
             <a:extLst>
               <a:ext uri="{FF2B5EF4-FFF2-40B4-BE49-F238E27FC236}">
-                <a16:creationId xmlns:a16="http://schemas.microsoft.com/office/drawing/2014/main" xmlns="" id="{F7FF4DA2-F64B-A74D-BCB8-5A8395B98315}"/>
+                <a16:creationId xmlns="" xmlns:a16="http://schemas.microsoft.com/office/drawing/2014/main" id="{F7FF4DA2-F64B-A74D-BCB8-5A8395B98315}"/>
               </a:ext>
             </a:extLst>
           </p:cNvPr>
@@ -11935,7 +11940,7 @@
           <p:cNvPr id="18" name="矩形 17">
             <a:extLst>
               <a:ext uri="{FF2B5EF4-FFF2-40B4-BE49-F238E27FC236}">
-                <a16:creationId xmlns:a16="http://schemas.microsoft.com/office/drawing/2014/main" xmlns="" id="{09E29AD8-5509-5B44-9539-95248F49BF82}"/>
+                <a16:creationId xmlns="" xmlns:a16="http://schemas.microsoft.com/office/drawing/2014/main" id="{09E29AD8-5509-5B44-9539-95248F49BF82}"/>
               </a:ext>
             </a:extLst>
           </p:cNvPr>
@@ -11981,7 +11986,7 @@
           <p:cNvPr id="19" name="矩形 18">
             <a:extLst>
               <a:ext uri="{FF2B5EF4-FFF2-40B4-BE49-F238E27FC236}">
-                <a16:creationId xmlns:a16="http://schemas.microsoft.com/office/drawing/2014/main" xmlns="" id="{6523B377-33A0-0F49-A5BF-5338157BBE09}"/>
+                <a16:creationId xmlns="" xmlns:a16="http://schemas.microsoft.com/office/drawing/2014/main" id="{6523B377-33A0-0F49-A5BF-5338157BBE09}"/>
               </a:ext>
             </a:extLst>
           </p:cNvPr>
@@ -12029,7 +12034,7 @@
           <p:cNvPr id="20" name="矩形 19">
             <a:extLst>
               <a:ext uri="{FF2B5EF4-FFF2-40B4-BE49-F238E27FC236}">
-                <a16:creationId xmlns:a16="http://schemas.microsoft.com/office/drawing/2014/main" xmlns="" id="{A77D0982-3F32-0E41-A364-B5E24518129C}"/>
+                <a16:creationId xmlns="" xmlns:a16="http://schemas.microsoft.com/office/drawing/2014/main" id="{A77D0982-3F32-0E41-A364-B5E24518129C}"/>
               </a:ext>
             </a:extLst>
           </p:cNvPr>
@@ -12077,7 +12082,7 @@
           <p:cNvPr id="23" name="直線箭頭接點 22">
             <a:extLst>
               <a:ext uri="{FF2B5EF4-FFF2-40B4-BE49-F238E27FC236}">
-                <a16:creationId xmlns:a16="http://schemas.microsoft.com/office/drawing/2014/main" xmlns="" id="{4B310916-6054-5644-AEDE-5A0A5FB5884A}"/>
+                <a16:creationId xmlns="" xmlns:a16="http://schemas.microsoft.com/office/drawing/2014/main" id="{4B310916-6054-5644-AEDE-5A0A5FB5884A}"/>
               </a:ext>
             </a:extLst>
           </p:cNvPr>
@@ -12156,7 +12161,7 @@
           <p:cNvPr id="2" name="矩形 1">
             <a:extLst>
               <a:ext uri="{FF2B5EF4-FFF2-40B4-BE49-F238E27FC236}">
-                <a16:creationId xmlns:a16="http://schemas.microsoft.com/office/drawing/2014/main" xmlns="" id="{3333882F-B381-5A41-9CA5-D1541ADC4406}"/>
+                <a16:creationId xmlns="" xmlns:a16="http://schemas.microsoft.com/office/drawing/2014/main" id="{3333882F-B381-5A41-9CA5-D1541ADC4406}"/>
               </a:ext>
             </a:extLst>
           </p:cNvPr>
@@ -12914,7 +12919,7 @@
           <p:cNvPr id="3" name="標題 1">
             <a:extLst>
               <a:ext uri="{FF2B5EF4-FFF2-40B4-BE49-F238E27FC236}">
-                <a16:creationId xmlns:a16="http://schemas.microsoft.com/office/drawing/2014/main" xmlns="" id="{207F22D1-A870-E444-BDAC-5CF5E258B61B}"/>
+                <a16:creationId xmlns="" xmlns:a16="http://schemas.microsoft.com/office/drawing/2014/main" id="{207F22D1-A870-E444-BDAC-5CF5E258B61B}"/>
               </a:ext>
             </a:extLst>
           </p:cNvPr>
@@ -13045,7 +13050,7 @@
           <p:cNvPr id="2" name="標題 1">
             <a:extLst>
               <a:ext uri="{FF2B5EF4-FFF2-40B4-BE49-F238E27FC236}">
-                <a16:creationId xmlns:a16="http://schemas.microsoft.com/office/drawing/2014/main" xmlns="" id="{E79C5F1B-4111-B34F-847E-75DCA5C284FD}"/>
+                <a16:creationId xmlns="" xmlns:a16="http://schemas.microsoft.com/office/drawing/2014/main" id="{E79C5F1B-4111-B34F-847E-75DCA5C284FD}"/>
               </a:ext>
             </a:extLst>
           </p:cNvPr>
@@ -13158,7 +13163,7 @@
           <p:cNvPr id="3" name="矩形 2">
             <a:extLst>
               <a:ext uri="{FF2B5EF4-FFF2-40B4-BE49-F238E27FC236}">
-                <a16:creationId xmlns:a16="http://schemas.microsoft.com/office/drawing/2014/main" xmlns="" id="{C1DC05E2-98B3-1B4A-A78F-CF4B51BFDFBB}"/>
+                <a16:creationId xmlns="" xmlns:a16="http://schemas.microsoft.com/office/drawing/2014/main" id="{C1DC05E2-98B3-1B4A-A78F-CF4B51BFDFBB}"/>
               </a:ext>
             </a:extLst>
           </p:cNvPr>
@@ -13439,7 +13444,7 @@
           <p:cNvPr id="5" name="矩形 4">
             <a:extLst>
               <a:ext uri="{FF2B5EF4-FFF2-40B4-BE49-F238E27FC236}">
-                <a16:creationId xmlns:a16="http://schemas.microsoft.com/office/drawing/2014/main" xmlns="" id="{6635FDE9-2CF8-AE4A-A10A-2FAF84E02666}"/>
+                <a16:creationId xmlns="" xmlns:a16="http://schemas.microsoft.com/office/drawing/2014/main" id="{6635FDE9-2CF8-AE4A-A10A-2FAF84E02666}"/>
               </a:ext>
             </a:extLst>
           </p:cNvPr>
@@ -13712,7 +13717,7 @@
           <p:cNvPr id="9" name="直線接點 8">
             <a:extLst>
               <a:ext uri="{FF2B5EF4-FFF2-40B4-BE49-F238E27FC236}">
-                <a16:creationId xmlns:a16="http://schemas.microsoft.com/office/drawing/2014/main" xmlns="" id="{663E15BC-D355-DD49-ACAF-CD4696C742F0}"/>
+                <a16:creationId xmlns="" xmlns:a16="http://schemas.microsoft.com/office/drawing/2014/main" id="{663E15BC-D355-DD49-ACAF-CD4696C742F0}"/>
               </a:ext>
             </a:extLst>
           </p:cNvPr>
@@ -13749,7 +13754,7 @@
           <p:cNvPr id="10" name="直線接點 9">
             <a:extLst>
               <a:ext uri="{FF2B5EF4-FFF2-40B4-BE49-F238E27FC236}">
-                <a16:creationId xmlns:a16="http://schemas.microsoft.com/office/drawing/2014/main" xmlns="" id="{26E1520E-4942-514E-ABF2-B5D783EA90BB}"/>
+                <a16:creationId xmlns="" xmlns:a16="http://schemas.microsoft.com/office/drawing/2014/main" id="{26E1520E-4942-514E-ABF2-B5D783EA90BB}"/>
               </a:ext>
             </a:extLst>
           </p:cNvPr>
@@ -13788,7 +13793,7 @@
           <p:cNvPr id="15" name="直線箭頭接點 14">
             <a:extLst>
               <a:ext uri="{FF2B5EF4-FFF2-40B4-BE49-F238E27FC236}">
-                <a16:creationId xmlns:a16="http://schemas.microsoft.com/office/drawing/2014/main" xmlns="" id="{F4F14853-2EE5-C449-8BB5-0057F3418639}"/>
+                <a16:creationId xmlns="" xmlns:a16="http://schemas.microsoft.com/office/drawing/2014/main" id="{F4F14853-2EE5-C449-8BB5-0057F3418639}"/>
               </a:ext>
             </a:extLst>
           </p:cNvPr>
@@ -13827,7 +13832,7 @@
           <p:cNvPr id="16" name="直線接點 15">
             <a:extLst>
               <a:ext uri="{FF2B5EF4-FFF2-40B4-BE49-F238E27FC236}">
-                <a16:creationId xmlns:a16="http://schemas.microsoft.com/office/drawing/2014/main" xmlns="" id="{84CF1E2F-9A79-314C-8B15-D40532D9DB4B}"/>
+                <a16:creationId xmlns="" xmlns:a16="http://schemas.microsoft.com/office/drawing/2014/main" id="{84CF1E2F-9A79-314C-8B15-D40532D9DB4B}"/>
               </a:ext>
             </a:extLst>
           </p:cNvPr>
@@ -13872,7 +13877,7 @@
           <p:cNvPr id="18" name="直線接點 17">
             <a:extLst>
               <a:ext uri="{FF2B5EF4-FFF2-40B4-BE49-F238E27FC236}">
-                <a16:creationId xmlns:a16="http://schemas.microsoft.com/office/drawing/2014/main" xmlns="" id="{A526251F-213A-7C4D-8230-FD109843D69A}"/>
+                <a16:creationId xmlns="" xmlns:a16="http://schemas.microsoft.com/office/drawing/2014/main" id="{A526251F-213A-7C4D-8230-FD109843D69A}"/>
               </a:ext>
             </a:extLst>
           </p:cNvPr>
@@ -13917,7 +13922,7 @@
           <p:cNvPr id="20" name="直線箭頭接點 19">
             <a:extLst>
               <a:ext uri="{FF2B5EF4-FFF2-40B4-BE49-F238E27FC236}">
-                <a16:creationId xmlns:a16="http://schemas.microsoft.com/office/drawing/2014/main" xmlns="" id="{B3AD4B63-8EC0-894D-8FF2-753983E11F3B}"/>
+                <a16:creationId xmlns="" xmlns:a16="http://schemas.microsoft.com/office/drawing/2014/main" id="{B3AD4B63-8EC0-894D-8FF2-753983E11F3B}"/>
               </a:ext>
             </a:extLst>
           </p:cNvPr>
@@ -25582,21 +25587,7 @@
                 <a:latin typeface="Adobe 繁黑體 Std B" panose="020B0700000000000000" pitchFamily="34" charset="-120"/>
                 <a:ea typeface="Adobe 繁黑體 Std B" panose="020B0700000000000000" pitchFamily="34" charset="-120"/>
               </a:rPr>
-              <a:t># </a:t>
-            </a:r>
-            <a:r>
-              <a:rPr lang="en-US" altLang="zh-TW" sz="2800" b="1" dirty="0" smtClean="0">
-                <a:latin typeface="Adobe 繁黑體 Std B" panose="020B0700000000000000" pitchFamily="34" charset="-120"/>
-                <a:ea typeface="Adobe 繁黑體 Std B" panose="020B0700000000000000" pitchFamily="34" charset="-120"/>
-              </a:rPr>
-              <a:t> </a:t>
-            </a:r>
-            <a:r>
-              <a:rPr lang="en-US" altLang="zh-TW" sz="2800" b="1" dirty="0" smtClean="0">
-                <a:latin typeface="Adobe 繁黑體 Std B" panose="020B0700000000000000" pitchFamily="34" charset="-120"/>
-                <a:ea typeface="Adobe 繁黑體 Std B" panose="020B0700000000000000" pitchFamily="34" charset="-120"/>
-              </a:rPr>
-              <a:t>10</a:t>
+              <a:t>#  10</a:t>
             </a:r>
             <a:r>
               <a:rPr lang="zh-TW" altLang="en-US" sz="2800" b="1" dirty="0">
@@ -25698,6 +25689,225 @@
 </file>
 
 <file path=ppt/slides/slide56.xml><?xml version="1.0" encoding="utf-8"?>
+<p:sld xmlns:a="http://schemas.openxmlformats.org/drawingml/2006/main" xmlns:r="http://schemas.openxmlformats.org/officeDocument/2006/relationships" xmlns:p="http://schemas.openxmlformats.org/presentationml/2006/main">
+  <p:cSld>
+    <p:spTree>
+      <p:nvGrpSpPr>
+        <p:cNvPr id="1" name=""/>
+        <p:cNvGrpSpPr/>
+        <p:nvPr/>
+      </p:nvGrpSpPr>
+      <p:grpSpPr>
+        <a:xfrm>
+          <a:off x="0" y="0"/>
+          <a:ext cx="0" cy="0"/>
+          <a:chOff x="0" y="0"/>
+          <a:chExt cx="0" cy="0"/>
+        </a:xfrm>
+      </p:grpSpPr>
+      <p:sp>
+        <p:nvSpPr>
+          <p:cNvPr id="3" name="矩形 2"/>
+          <p:cNvSpPr/>
+          <p:nvPr/>
+        </p:nvSpPr>
+        <p:spPr>
+          <a:xfrm>
+            <a:off x="1981327" y="2699925"/>
+            <a:ext cx="5325990" cy="523220"/>
+          </a:xfrm>
+          <a:prstGeom prst="rect">
+            <a:avLst/>
+          </a:prstGeom>
+        </p:spPr>
+        <p:txBody>
+          <a:bodyPr wrap="square">
+            <a:spAutoFit/>
+          </a:bodyPr>
+          <a:lstStyle/>
+          <a:p>
+            <a:r>
+              <a:rPr lang="en-US" altLang="zh-TW" sz="2800" b="1" dirty="0" smtClean="0">
+                <a:latin typeface="Adobe 繁黑體 Std B" panose="020B0700000000000000" pitchFamily="34" charset="-120"/>
+                <a:ea typeface="Adobe 繁黑體 Std B" panose="020B0700000000000000" pitchFamily="34" charset="-120"/>
+              </a:rPr>
+              <a:t>#  </a:t>
+            </a:r>
+            <a:r>
+              <a:rPr lang="zh-TW" altLang="en-US" sz="2800" b="1" dirty="0" smtClean="0">
+                <a:latin typeface="Adobe 繁黑體 Std B" panose="020B0700000000000000" pitchFamily="34" charset="-120"/>
+                <a:ea typeface="Adobe 繁黑體 Std B" panose="020B0700000000000000" pitchFamily="34" charset="-120"/>
+              </a:rPr>
+              <a:t>最後的最後</a:t>
+            </a:r>
+            <a:endParaRPr lang="zh-TW" altLang="en-US" sz="2800" b="1" dirty="0">
+              <a:latin typeface="Adobe 繁黑體 Std B" panose="020B0700000000000000" pitchFamily="34" charset="-120"/>
+              <a:ea typeface="Adobe 繁黑體 Std B" panose="020B0700000000000000" pitchFamily="34" charset="-120"/>
+            </a:endParaRPr>
+          </a:p>
+        </p:txBody>
+      </p:sp>
+      <p:sp>
+        <p:nvSpPr>
+          <p:cNvPr id="5" name="矩形 4"/>
+          <p:cNvSpPr/>
+          <p:nvPr/>
+        </p:nvSpPr>
+        <p:spPr>
+          <a:xfrm>
+            <a:off x="1981328" y="4274482"/>
+            <a:ext cx="4474651" cy="369332"/>
+          </a:xfrm>
+          <a:prstGeom prst="rect">
+            <a:avLst/>
+          </a:prstGeom>
+        </p:spPr>
+        <p:txBody>
+          <a:bodyPr wrap="square">
+            <a:spAutoFit/>
+          </a:bodyPr>
+          <a:lstStyle/>
+          <a:p>
+            <a:r>
+              <a:rPr lang="en-US" altLang="zh-TW" b="1" dirty="0" smtClean="0">
+                <a:latin typeface="Adobe 繁黑體 Std B" panose="020B0700000000000000" pitchFamily="34" charset="-120"/>
+                <a:ea typeface="Adobe 繁黑體 Std B" panose="020B0700000000000000" pitchFamily="34" charset="-120"/>
+              </a:rPr>
+              <a:t>3.</a:t>
+            </a:r>
+            <a:r>
+              <a:rPr lang="zh-TW" altLang="en-US" b="1" dirty="0" smtClean="0">
+                <a:latin typeface="Adobe 繁黑體 Std B" panose="020B0700000000000000" pitchFamily="34" charset="-120"/>
+                <a:ea typeface="Adobe 繁黑體 Std B" panose="020B0700000000000000" pitchFamily="34" charset="-120"/>
+              </a:rPr>
+              <a:t> 繼續學習</a:t>
+            </a:r>
+            <a:r>
+              <a:rPr lang="en-US" altLang="zh-TW" b="1" dirty="0" smtClean="0">
+                <a:latin typeface="Adobe 繁黑體 Std B" panose="020B0700000000000000" pitchFamily="34" charset="-120"/>
+                <a:ea typeface="Adobe 繁黑體 Std B" panose="020B0700000000000000" pitchFamily="34" charset="-120"/>
+              </a:rPr>
+              <a:t>JavaScript</a:t>
+            </a:r>
+            <a:endParaRPr lang="zh-TW" altLang="en-US" b="1" dirty="0">
+              <a:latin typeface="Adobe 繁黑體 Std B" panose="020B0700000000000000" pitchFamily="34" charset="-120"/>
+              <a:ea typeface="Adobe 繁黑體 Std B" panose="020B0700000000000000" pitchFamily="34" charset="-120"/>
+            </a:endParaRPr>
+          </a:p>
+        </p:txBody>
+      </p:sp>
+      <p:sp>
+        <p:nvSpPr>
+          <p:cNvPr id="6" name="矩形 5"/>
+          <p:cNvSpPr/>
+          <p:nvPr/>
+        </p:nvSpPr>
+        <p:spPr>
+          <a:xfrm>
+            <a:off x="1981327" y="3905150"/>
+            <a:ext cx="6319217" cy="369332"/>
+          </a:xfrm>
+          <a:prstGeom prst="rect">
+            <a:avLst/>
+          </a:prstGeom>
+        </p:spPr>
+        <p:txBody>
+          <a:bodyPr wrap="square">
+            <a:spAutoFit/>
+          </a:bodyPr>
+          <a:lstStyle/>
+          <a:p>
+            <a:r>
+              <a:rPr lang="en-US" altLang="zh-TW" b="1" dirty="0" smtClean="0">
+                <a:latin typeface="Adobe 繁黑體 Std B" panose="020B0700000000000000" pitchFamily="34" charset="-120"/>
+                <a:ea typeface="Adobe 繁黑體 Std B" panose="020B0700000000000000" pitchFamily="34" charset="-120"/>
+              </a:rPr>
+              <a:t>2.</a:t>
+            </a:r>
+            <a:r>
+              <a:rPr lang="zh-TW" altLang="en-US" b="1" dirty="0" smtClean="0">
+                <a:latin typeface="Adobe 繁黑體 Std B" panose="020B0700000000000000" pitchFamily="34" charset="-120"/>
+                <a:ea typeface="Adobe 繁黑體 Std B" panose="020B0700000000000000" pitchFamily="34" charset="-120"/>
+              </a:rPr>
+              <a:t> 找個框架來學，現在前端工作幾乎拖離不了框架</a:t>
+            </a:r>
+            <a:endParaRPr lang="zh-TW" altLang="en-US" b="1" dirty="0">
+              <a:latin typeface="Adobe 繁黑體 Std B" panose="020B0700000000000000" pitchFamily="34" charset="-120"/>
+              <a:ea typeface="Adobe 繁黑體 Std B" panose="020B0700000000000000" pitchFamily="34" charset="-120"/>
+            </a:endParaRPr>
+          </a:p>
+        </p:txBody>
+      </p:sp>
+      <p:sp>
+        <p:nvSpPr>
+          <p:cNvPr id="7" name="矩形 6"/>
+          <p:cNvSpPr/>
+          <p:nvPr/>
+        </p:nvSpPr>
+        <p:spPr>
+          <a:xfrm>
+            <a:off x="1981327" y="3535818"/>
+            <a:ext cx="2929631" cy="369332"/>
+          </a:xfrm>
+          <a:prstGeom prst="rect">
+            <a:avLst/>
+          </a:prstGeom>
+        </p:spPr>
+        <p:txBody>
+          <a:bodyPr wrap="square">
+            <a:spAutoFit/>
+          </a:bodyPr>
+          <a:lstStyle/>
+          <a:p>
+            <a:r>
+              <a:rPr lang="en-US" altLang="zh-TW" b="1" dirty="0" smtClean="0">
+                <a:latin typeface="Adobe 繁黑體 Std B" panose="020B0700000000000000" pitchFamily="34" charset="-120"/>
+                <a:ea typeface="Adobe 繁黑體 Std B" panose="020B0700000000000000" pitchFamily="34" charset="-120"/>
+              </a:rPr>
+              <a:t>1.</a:t>
+            </a:r>
+            <a:r>
+              <a:rPr lang="zh-TW" altLang="en-US" b="1" dirty="0" smtClean="0">
+                <a:latin typeface="Adobe 繁黑體 Std B" panose="020B0700000000000000" pitchFamily="34" charset="-120"/>
+                <a:ea typeface="Adobe 繁黑體 Std B" panose="020B0700000000000000" pitchFamily="34" charset="-120"/>
+              </a:rPr>
+              <a:t> 把</a:t>
+            </a:r>
+            <a:r>
+              <a:rPr lang="en-US" altLang="zh-TW" b="1" dirty="0" smtClean="0">
+                <a:latin typeface="Adobe 繁黑體 Std B" panose="020B0700000000000000" pitchFamily="34" charset="-120"/>
+                <a:ea typeface="Adobe 繁黑體 Std B" panose="020B0700000000000000" pitchFamily="34" charset="-120"/>
+              </a:rPr>
+              <a:t>CSS</a:t>
+            </a:r>
+            <a:r>
+              <a:rPr lang="zh-TW" altLang="en-US" b="1" dirty="0" smtClean="0">
+                <a:latin typeface="Adobe 繁黑體 Std B" panose="020B0700000000000000" pitchFamily="34" charset="-120"/>
+                <a:ea typeface="Adobe 繁黑體 Std B" panose="020B0700000000000000" pitchFamily="34" charset="-120"/>
+              </a:rPr>
+              <a:t>學好</a:t>
+            </a:r>
+            <a:endParaRPr lang="zh-TW" altLang="en-US" b="1" dirty="0">
+              <a:latin typeface="Adobe 繁黑體 Std B" panose="020B0700000000000000" pitchFamily="34" charset="-120"/>
+              <a:ea typeface="Adobe 繁黑體 Std B" panose="020B0700000000000000" pitchFamily="34" charset="-120"/>
+            </a:endParaRPr>
+          </a:p>
+        </p:txBody>
+      </p:sp>
+    </p:spTree>
+    <p:extLst>
+      <p:ext uri="{BB962C8B-B14F-4D97-AF65-F5344CB8AC3E}">
+        <p14:creationId xmlns:p14="http://schemas.microsoft.com/office/powerpoint/2010/main" val="990007311"/>
+      </p:ext>
+    </p:extLst>
+  </p:cSld>
+  <p:clrMapOvr>
+    <a:masterClrMapping/>
+  </p:clrMapOvr>
+</p:sld>
+</file>
+
+<file path=ppt/slides/slide57.xml><?xml version="1.0" encoding="utf-8"?>
 <p:sld xmlns:a="http://schemas.openxmlformats.org/drawingml/2006/main" xmlns:r="http://schemas.openxmlformats.org/officeDocument/2006/relationships" xmlns:p="http://schemas.openxmlformats.org/presentationml/2006/main">
   <p:cSld>
     <p:bg>
@@ -25972,6 +26182,1141 @@
 </p:sld>
 </file>
 
+<file path=ppt/slides/slide58.xml><?xml version="1.0" encoding="utf-8"?>
+<p:sld xmlns:a="http://schemas.openxmlformats.org/drawingml/2006/main" xmlns:r="http://schemas.openxmlformats.org/officeDocument/2006/relationships" xmlns:p="http://schemas.openxmlformats.org/presentationml/2006/main">
+  <p:cSld>
+    <p:spTree>
+      <p:nvGrpSpPr>
+        <p:cNvPr id="1" name=""/>
+        <p:cNvGrpSpPr/>
+        <p:nvPr/>
+      </p:nvGrpSpPr>
+      <p:grpSpPr>
+        <a:xfrm>
+          <a:off x="0" y="0"/>
+          <a:ext cx="0" cy="0"/>
+          <a:chOff x="0" y="0"/>
+          <a:chExt cx="0" cy="0"/>
+        </a:xfrm>
+      </p:grpSpPr>
+      <p:sp>
+        <p:nvSpPr>
+          <p:cNvPr id="5" name="矩形 4"/>
+          <p:cNvSpPr/>
+          <p:nvPr/>
+        </p:nvSpPr>
+        <p:spPr>
+          <a:xfrm>
+            <a:off x="1343661" y="2241709"/>
+            <a:ext cx="6096000" cy="369332"/>
+          </a:xfrm>
+          <a:prstGeom prst="rect">
+            <a:avLst/>
+          </a:prstGeom>
+        </p:spPr>
+        <p:txBody>
+          <a:bodyPr>
+            <a:spAutoFit/>
+          </a:bodyPr>
+          <a:lstStyle/>
+          <a:p>
+            <a:r>
+              <a:rPr lang="en-US" altLang="zh-TW" b="1" u="sng" dirty="0" smtClean="0">
+                <a:solidFill>
+                  <a:schemeClr val="tx1">
+                    <a:lumMod val="95000"/>
+                    <a:lumOff val="5000"/>
+                  </a:schemeClr>
+                </a:solidFill>
+                <a:latin typeface="Adobe 繁黑體 Std B" panose="020B0700000000000000" pitchFamily="34" charset="-120"/>
+                <a:ea typeface="Adobe 繁黑體 Std B" panose="020B0700000000000000" pitchFamily="34" charset="-120"/>
+              </a:rPr>
+              <a:t>‧</a:t>
+            </a:r>
+            <a:r>
+              <a:rPr lang="zh-TW" altLang="en-US" b="1" u="sng" dirty="0" smtClean="0">
+                <a:solidFill>
+                  <a:schemeClr val="tx1">
+                    <a:lumMod val="95000"/>
+                    <a:lumOff val="5000"/>
+                  </a:schemeClr>
+                </a:solidFill>
+                <a:latin typeface="Adobe 繁黑體 Std B" panose="020B0700000000000000" pitchFamily="34" charset="-120"/>
+                <a:ea typeface="Adobe 繁黑體 Std B" panose="020B0700000000000000" pitchFamily="34" charset="-120"/>
+              </a:rPr>
+              <a:t>當</a:t>
+            </a:r>
+            <a:r>
+              <a:rPr lang="zh-TW" altLang="en-US" b="1" u="sng" dirty="0">
+                <a:solidFill>
+                  <a:schemeClr val="tx1">
+                    <a:lumMod val="95000"/>
+                    <a:lumOff val="5000"/>
+                  </a:schemeClr>
+                </a:solidFill>
+                <a:latin typeface="Adobe 繁黑體 Std B" panose="020B0700000000000000" pitchFamily="34" charset="-120"/>
+                <a:ea typeface="Adobe 繁黑體 Std B" panose="020B0700000000000000" pitchFamily="34" charset="-120"/>
+              </a:rPr>
+              <a:t>變數的值是</a:t>
+            </a:r>
+            <a:r>
+              <a:rPr lang="zh-TW" altLang="en-US" b="1" u="sng" dirty="0" smtClean="0">
+                <a:solidFill>
+                  <a:schemeClr val="tx1">
+                    <a:lumMod val="95000"/>
+                    <a:lumOff val="5000"/>
+                  </a:schemeClr>
+                </a:solidFill>
+                <a:latin typeface="Adobe 繁黑體 Std B" panose="020B0700000000000000" pitchFamily="34" charset="-120"/>
+                <a:ea typeface="Adobe 繁黑體 Std B" panose="020B0700000000000000" pitchFamily="34" charset="-120"/>
+              </a:rPr>
+              <a:t>原始型</a:t>
+            </a:r>
+            <a:r>
+              <a:rPr lang="zh-TW" altLang="en-US" b="1" u="sng" dirty="0">
+                <a:solidFill>
+                  <a:schemeClr val="tx1">
+                    <a:lumMod val="95000"/>
+                    <a:lumOff val="5000"/>
+                  </a:schemeClr>
+                </a:solidFill>
+                <a:latin typeface="Adobe 繁黑體 Std B" panose="020B0700000000000000" pitchFamily="34" charset="-120"/>
+                <a:ea typeface="Adobe 繁黑體 Std B" panose="020B0700000000000000" pitchFamily="34" charset="-120"/>
+              </a:rPr>
+              <a:t>別 </a:t>
+            </a:r>
+            <a:r>
+              <a:rPr lang="zh-TW" altLang="en-US" b="1" u="sng" dirty="0" smtClean="0">
+                <a:solidFill>
+                  <a:schemeClr val="tx1">
+                    <a:lumMod val="95000"/>
+                    <a:lumOff val="5000"/>
+                  </a:schemeClr>
+                </a:solidFill>
+                <a:latin typeface="Adobe 繁黑體 Std B" panose="020B0700000000000000" pitchFamily="34" charset="-120"/>
+                <a:ea typeface="Adobe 繁黑體 Std B" panose="020B0700000000000000" pitchFamily="34" charset="-120"/>
+              </a:rPr>
+              <a:t>時</a:t>
+            </a:r>
+            <a:r>
+              <a:rPr lang="zh-TW" altLang="en-US" b="1" u="sng" dirty="0">
+                <a:solidFill>
+                  <a:schemeClr val="tx1">
+                    <a:lumMod val="95000"/>
+                    <a:lumOff val="5000"/>
+                  </a:schemeClr>
+                </a:solidFill>
+                <a:latin typeface="Adobe 繁黑體 Std B" panose="020B0700000000000000" pitchFamily="34" charset="-120"/>
+                <a:ea typeface="Adobe 繁黑體 Std B" panose="020B0700000000000000" pitchFamily="34" charset="-120"/>
+              </a:rPr>
+              <a:t>，行為是 </a:t>
+            </a:r>
+            <a:r>
+              <a:rPr lang="en-US" altLang="zh-TW" b="1" u="sng" dirty="0">
+                <a:solidFill>
+                  <a:schemeClr val="tx1">
+                    <a:lumMod val="95000"/>
+                    <a:lumOff val="5000"/>
+                  </a:schemeClr>
+                </a:solidFill>
+                <a:latin typeface="Adobe 繁黑體 Std B" panose="020B0700000000000000" pitchFamily="34" charset="-120"/>
+                <a:ea typeface="Adobe 繁黑體 Std B" panose="020B0700000000000000" pitchFamily="34" charset="-120"/>
+              </a:rPr>
+              <a:t>Pass by value</a:t>
+            </a:r>
+            <a:endParaRPr lang="en-US" altLang="zh-TW" b="1" i="0" u="sng" dirty="0">
+              <a:solidFill>
+                <a:schemeClr val="tx1">
+                  <a:lumMod val="95000"/>
+                  <a:lumOff val="5000"/>
+                </a:schemeClr>
+              </a:solidFill>
+              <a:effectLst/>
+              <a:latin typeface="Adobe 繁黑體 Std B" panose="020B0700000000000000" pitchFamily="34" charset="-120"/>
+              <a:ea typeface="Adobe 繁黑體 Std B" panose="020B0700000000000000" pitchFamily="34" charset="-120"/>
+            </a:endParaRPr>
+          </a:p>
+        </p:txBody>
+      </p:sp>
+      <p:sp>
+        <p:nvSpPr>
+          <p:cNvPr id="6" name="矩形 5"/>
+          <p:cNvSpPr/>
+          <p:nvPr/>
+        </p:nvSpPr>
+        <p:spPr>
+          <a:xfrm>
+            <a:off x="1343661" y="4713565"/>
+            <a:ext cx="6096000" cy="369332"/>
+          </a:xfrm>
+          <a:prstGeom prst="rect">
+            <a:avLst/>
+          </a:prstGeom>
+        </p:spPr>
+        <p:txBody>
+          <a:bodyPr>
+            <a:spAutoFit/>
+          </a:bodyPr>
+          <a:lstStyle/>
+          <a:p>
+            <a:r>
+              <a:rPr lang="en-US" altLang="zh-TW" b="1" u="sng" dirty="0">
+                <a:solidFill>
+                  <a:schemeClr val="tx1">
+                    <a:lumMod val="95000"/>
+                    <a:lumOff val="5000"/>
+                  </a:schemeClr>
+                </a:solidFill>
+                <a:latin typeface="Adobe 繁黑體 Std B" panose="020B0700000000000000" pitchFamily="34" charset="-120"/>
+                <a:ea typeface="Adobe 繁黑體 Std B" panose="020B0700000000000000" pitchFamily="34" charset="-120"/>
+              </a:rPr>
+              <a:t>‧</a:t>
+            </a:r>
+            <a:r>
+              <a:rPr lang="zh-TW" altLang="en-US" b="1" u="sng" dirty="0" smtClean="0">
+                <a:solidFill>
+                  <a:schemeClr val="tx1">
+                    <a:lumMod val="95000"/>
+                    <a:lumOff val="5000"/>
+                  </a:schemeClr>
+                </a:solidFill>
+                <a:latin typeface="Adobe 繁黑體 Std B" panose="020B0700000000000000" pitchFamily="34" charset="-120"/>
+                <a:ea typeface="Adobe 繁黑體 Std B" panose="020B0700000000000000" pitchFamily="34" charset="-120"/>
+              </a:rPr>
+              <a:t>當</a:t>
+            </a:r>
+            <a:r>
+              <a:rPr lang="zh-TW" altLang="en-US" b="1" u="sng" dirty="0">
+                <a:solidFill>
+                  <a:schemeClr val="tx1">
+                    <a:lumMod val="95000"/>
+                    <a:lumOff val="5000"/>
+                  </a:schemeClr>
+                </a:solidFill>
+                <a:latin typeface="Adobe 繁黑體 Std B" panose="020B0700000000000000" pitchFamily="34" charset="-120"/>
+                <a:ea typeface="Adobe 繁黑體 Std B" panose="020B0700000000000000" pitchFamily="34" charset="-120"/>
+              </a:rPr>
+              <a:t>變數的值是物件</a:t>
+            </a:r>
+            <a:r>
+              <a:rPr lang="zh-TW" altLang="en-US" b="1" u="sng" dirty="0" smtClean="0">
+                <a:solidFill>
+                  <a:schemeClr val="tx1">
+                    <a:lumMod val="95000"/>
+                    <a:lumOff val="5000"/>
+                  </a:schemeClr>
+                </a:solidFill>
+                <a:latin typeface="Adobe 繁黑體 Std B" panose="020B0700000000000000" pitchFamily="34" charset="-120"/>
+                <a:ea typeface="Adobe 繁黑體 Std B" panose="020B0700000000000000" pitchFamily="34" charset="-120"/>
+              </a:rPr>
+              <a:t>型</a:t>
+            </a:r>
+            <a:r>
+              <a:rPr lang="zh-TW" altLang="en-US" b="1" u="sng" dirty="0">
+                <a:solidFill>
+                  <a:schemeClr val="tx1">
+                    <a:lumMod val="95000"/>
+                    <a:lumOff val="5000"/>
+                  </a:schemeClr>
+                </a:solidFill>
+                <a:latin typeface="Adobe 繁黑體 Std B" panose="020B0700000000000000" pitchFamily="34" charset="-120"/>
+                <a:ea typeface="Adobe 繁黑體 Std B" panose="020B0700000000000000" pitchFamily="34" charset="-120"/>
+              </a:rPr>
+              <a:t>別</a:t>
+            </a:r>
+            <a:r>
+              <a:rPr lang="zh-TW" altLang="en-US" b="1" u="sng" dirty="0" smtClean="0">
+                <a:solidFill>
+                  <a:schemeClr val="tx1">
+                    <a:lumMod val="95000"/>
+                    <a:lumOff val="5000"/>
+                  </a:schemeClr>
+                </a:solidFill>
+                <a:latin typeface="Adobe 繁黑體 Std B" panose="020B0700000000000000" pitchFamily="34" charset="-120"/>
+                <a:ea typeface="Adobe 繁黑體 Std B" panose="020B0700000000000000" pitchFamily="34" charset="-120"/>
+              </a:rPr>
+              <a:t>時</a:t>
+            </a:r>
+            <a:r>
+              <a:rPr lang="zh-TW" altLang="en-US" b="1" u="sng" dirty="0">
+                <a:solidFill>
+                  <a:schemeClr val="tx1">
+                    <a:lumMod val="95000"/>
+                    <a:lumOff val="5000"/>
+                  </a:schemeClr>
+                </a:solidFill>
+                <a:latin typeface="Adobe 繁黑體 Std B" panose="020B0700000000000000" pitchFamily="34" charset="-120"/>
+                <a:ea typeface="Adobe 繁黑體 Std B" panose="020B0700000000000000" pitchFamily="34" charset="-120"/>
+              </a:rPr>
+              <a:t>，行為是 </a:t>
+            </a:r>
+            <a:r>
+              <a:rPr lang="en-US" altLang="zh-TW" b="1" u="sng" dirty="0">
+                <a:solidFill>
+                  <a:schemeClr val="tx1">
+                    <a:lumMod val="95000"/>
+                    <a:lumOff val="5000"/>
+                  </a:schemeClr>
+                </a:solidFill>
+                <a:latin typeface="Adobe 繁黑體 Std B" panose="020B0700000000000000" pitchFamily="34" charset="-120"/>
+                <a:ea typeface="Adobe 繁黑體 Std B" panose="020B0700000000000000" pitchFamily="34" charset="-120"/>
+              </a:rPr>
+              <a:t>Pass by reference</a:t>
+            </a:r>
+          </a:p>
+        </p:txBody>
+      </p:sp>
+      <p:sp>
+        <p:nvSpPr>
+          <p:cNvPr id="7" name="矩形 6"/>
+          <p:cNvSpPr/>
+          <p:nvPr/>
+        </p:nvSpPr>
+        <p:spPr>
+          <a:xfrm>
+            <a:off x="1809924" y="2723479"/>
+            <a:ext cx="1889338" cy="1477328"/>
+          </a:xfrm>
+          <a:prstGeom prst="rect">
+            <a:avLst/>
+          </a:prstGeom>
+        </p:spPr>
+        <p:txBody>
+          <a:bodyPr wrap="square">
+            <a:spAutoFit/>
+          </a:bodyPr>
+          <a:lstStyle/>
+          <a:p>
+            <a:pPr>
+              <a:lnSpc>
+                <a:spcPct val="150000"/>
+              </a:lnSpc>
+              <a:buFont typeface="Arial" panose="020B0604020202020204" pitchFamily="34" charset="0"/>
+              <a:buChar char="•"/>
+            </a:pPr>
+            <a:r>
+              <a:rPr lang="zh-TW" altLang="en-US" sz="1200" dirty="0" smtClean="0">
+                <a:solidFill>
+                  <a:srgbClr val="303233"/>
+                </a:solidFill>
+                <a:latin typeface="Adobe 繁黑體 Std B" panose="020B0700000000000000" pitchFamily="34" charset="-120"/>
+                <a:ea typeface="Adobe 繁黑體 Std B" panose="020B0700000000000000" pitchFamily="34" charset="-120"/>
+              </a:rPr>
+              <a:t> </a:t>
+            </a:r>
+            <a:r>
+              <a:rPr lang="en-US" altLang="zh-TW" sz="1200" dirty="0" smtClean="0">
+                <a:solidFill>
+                  <a:srgbClr val="303233"/>
+                </a:solidFill>
+                <a:latin typeface="Adobe 繁黑體 Std B" panose="020B0700000000000000" pitchFamily="34" charset="-120"/>
+                <a:ea typeface="Adobe 繁黑體 Std B" panose="020B0700000000000000" pitchFamily="34" charset="-120"/>
+              </a:rPr>
+              <a:t>String</a:t>
+            </a:r>
+            <a:endParaRPr lang="en-US" altLang="zh-TW" sz="1200" dirty="0">
+              <a:solidFill>
+                <a:srgbClr val="303233"/>
+              </a:solidFill>
+              <a:latin typeface="Adobe 繁黑體 Std B" panose="020B0700000000000000" pitchFamily="34" charset="-120"/>
+              <a:ea typeface="Adobe 繁黑體 Std B" panose="020B0700000000000000" pitchFamily="34" charset="-120"/>
+            </a:endParaRPr>
+          </a:p>
+          <a:p>
+            <a:pPr>
+              <a:lnSpc>
+                <a:spcPct val="150000"/>
+              </a:lnSpc>
+              <a:buFont typeface="Arial" panose="020B0604020202020204" pitchFamily="34" charset="0"/>
+              <a:buChar char="•"/>
+            </a:pPr>
+            <a:r>
+              <a:rPr lang="zh-TW" altLang="en-US" sz="1200" dirty="0" smtClean="0">
+                <a:solidFill>
+                  <a:srgbClr val="303233"/>
+                </a:solidFill>
+                <a:latin typeface="Adobe 繁黑體 Std B" panose="020B0700000000000000" pitchFamily="34" charset="-120"/>
+                <a:ea typeface="Adobe 繁黑體 Std B" panose="020B0700000000000000" pitchFamily="34" charset="-120"/>
+              </a:rPr>
+              <a:t> </a:t>
+            </a:r>
+            <a:r>
+              <a:rPr lang="en-US" altLang="zh-TW" sz="1200" dirty="0" smtClean="0">
+                <a:solidFill>
+                  <a:srgbClr val="303233"/>
+                </a:solidFill>
+                <a:latin typeface="Adobe 繁黑體 Std B" panose="020B0700000000000000" pitchFamily="34" charset="-120"/>
+                <a:ea typeface="Adobe 繁黑體 Std B" panose="020B0700000000000000" pitchFamily="34" charset="-120"/>
+              </a:rPr>
+              <a:t>Number</a:t>
+            </a:r>
+          </a:p>
+          <a:p>
+            <a:pPr>
+              <a:lnSpc>
+                <a:spcPct val="150000"/>
+              </a:lnSpc>
+              <a:buFont typeface="Arial" panose="020B0604020202020204" pitchFamily="34" charset="0"/>
+              <a:buChar char="•"/>
+            </a:pPr>
+            <a:r>
+              <a:rPr lang="zh-TW" altLang="en-US" sz="1200" dirty="0" smtClean="0">
+                <a:solidFill>
+                  <a:srgbClr val="303233"/>
+                </a:solidFill>
+                <a:latin typeface="Adobe 繁黑體 Std B" panose="020B0700000000000000" pitchFamily="34" charset="-120"/>
+                <a:ea typeface="Adobe 繁黑體 Std B" panose="020B0700000000000000" pitchFamily="34" charset="-120"/>
+              </a:rPr>
+              <a:t> </a:t>
+            </a:r>
+            <a:r>
+              <a:rPr lang="en-US" altLang="zh-TW" sz="1200" dirty="0" smtClean="0">
+                <a:solidFill>
+                  <a:srgbClr val="303233"/>
+                </a:solidFill>
+                <a:latin typeface="Adobe 繁黑體 Std B" panose="020B0700000000000000" pitchFamily="34" charset="-120"/>
+                <a:ea typeface="Adobe 繁黑體 Std B" panose="020B0700000000000000" pitchFamily="34" charset="-120"/>
+              </a:rPr>
+              <a:t>Boolean</a:t>
+            </a:r>
+          </a:p>
+          <a:p>
+            <a:pPr>
+              <a:lnSpc>
+                <a:spcPct val="150000"/>
+              </a:lnSpc>
+              <a:buFont typeface="Arial" panose="020B0604020202020204" pitchFamily="34" charset="0"/>
+              <a:buChar char="•"/>
+            </a:pPr>
+            <a:r>
+              <a:rPr lang="zh-TW" altLang="en-US" sz="1200" dirty="0" smtClean="0">
+                <a:solidFill>
+                  <a:srgbClr val="303233"/>
+                </a:solidFill>
+                <a:latin typeface="Adobe 繁黑體 Std B" panose="020B0700000000000000" pitchFamily="34" charset="-120"/>
+                <a:ea typeface="Adobe 繁黑體 Std B" panose="020B0700000000000000" pitchFamily="34" charset="-120"/>
+              </a:rPr>
+              <a:t> </a:t>
+            </a:r>
+            <a:r>
+              <a:rPr lang="en-US" altLang="zh-TW" sz="1200" dirty="0" smtClean="0">
+                <a:solidFill>
+                  <a:srgbClr val="303233"/>
+                </a:solidFill>
+                <a:latin typeface="Adobe 繁黑體 Std B" panose="020B0700000000000000" pitchFamily="34" charset="-120"/>
+                <a:ea typeface="Adobe 繁黑體 Std B" panose="020B0700000000000000" pitchFamily="34" charset="-120"/>
+              </a:rPr>
+              <a:t>Undefined</a:t>
+            </a:r>
+            <a:endParaRPr lang="en-US" altLang="zh-TW" sz="1200" dirty="0">
+              <a:solidFill>
+                <a:srgbClr val="303233"/>
+              </a:solidFill>
+              <a:latin typeface="Adobe 繁黑體 Std B" panose="020B0700000000000000" pitchFamily="34" charset="-120"/>
+              <a:ea typeface="Adobe 繁黑體 Std B" panose="020B0700000000000000" pitchFamily="34" charset="-120"/>
+            </a:endParaRPr>
+          </a:p>
+          <a:p>
+            <a:pPr>
+              <a:lnSpc>
+                <a:spcPct val="150000"/>
+              </a:lnSpc>
+              <a:buFont typeface="Arial" panose="020B0604020202020204" pitchFamily="34" charset="0"/>
+              <a:buChar char="•"/>
+            </a:pPr>
+            <a:r>
+              <a:rPr lang="zh-TW" altLang="en-US" sz="1200" dirty="0" smtClean="0">
+                <a:solidFill>
+                  <a:srgbClr val="303233"/>
+                </a:solidFill>
+                <a:latin typeface="Adobe 繁黑體 Std B" panose="020B0700000000000000" pitchFamily="34" charset="-120"/>
+                <a:ea typeface="Adobe 繁黑體 Std B" panose="020B0700000000000000" pitchFamily="34" charset="-120"/>
+              </a:rPr>
+              <a:t> </a:t>
+            </a:r>
+            <a:r>
+              <a:rPr lang="en-US" altLang="zh-TW" sz="1200" dirty="0" smtClean="0">
+                <a:solidFill>
+                  <a:srgbClr val="303233"/>
+                </a:solidFill>
+                <a:latin typeface="Adobe 繁黑體 Std B" panose="020B0700000000000000" pitchFamily="34" charset="-120"/>
+                <a:ea typeface="Adobe 繁黑體 Std B" panose="020B0700000000000000" pitchFamily="34" charset="-120"/>
+              </a:rPr>
+              <a:t>Null</a:t>
+            </a:r>
+            <a:endParaRPr lang="en-US" altLang="zh-TW" sz="1200" b="0" i="0" dirty="0">
+              <a:solidFill>
+                <a:srgbClr val="303233"/>
+              </a:solidFill>
+              <a:effectLst/>
+              <a:latin typeface="Adobe 繁黑體 Std B" panose="020B0700000000000000" pitchFamily="34" charset="-120"/>
+              <a:ea typeface="Adobe 繁黑體 Std B" panose="020B0700000000000000" pitchFamily="34" charset="-120"/>
+            </a:endParaRPr>
+          </a:p>
+        </p:txBody>
+      </p:sp>
+      <p:sp>
+        <p:nvSpPr>
+          <p:cNvPr id="8" name="矩形 7"/>
+          <p:cNvSpPr/>
+          <p:nvPr/>
+        </p:nvSpPr>
+        <p:spPr>
+          <a:xfrm>
+            <a:off x="1809923" y="5206124"/>
+            <a:ext cx="1660738" cy="646331"/>
+          </a:xfrm>
+          <a:prstGeom prst="rect">
+            <a:avLst/>
+          </a:prstGeom>
+        </p:spPr>
+        <p:txBody>
+          <a:bodyPr wrap="square">
+            <a:spAutoFit/>
+          </a:bodyPr>
+          <a:lstStyle/>
+          <a:p>
+            <a:pPr>
+              <a:lnSpc>
+                <a:spcPct val="150000"/>
+              </a:lnSpc>
+              <a:buFont typeface="Arial" panose="020B0604020202020204" pitchFamily="34" charset="0"/>
+              <a:buChar char="•"/>
+            </a:pPr>
+            <a:r>
+              <a:rPr lang="en-US" altLang="zh-TW" sz="1200" dirty="0" smtClean="0">
+                <a:solidFill>
+                  <a:srgbClr val="303233"/>
+                </a:solidFill>
+                <a:latin typeface="Adobe 繁黑體 Std B" panose="020B0700000000000000" pitchFamily="34" charset="-120"/>
+                <a:ea typeface="Adobe 繁黑體 Std B" panose="020B0700000000000000" pitchFamily="34" charset="-120"/>
+              </a:rPr>
+              <a:t> Array</a:t>
+            </a:r>
+            <a:endParaRPr lang="en-US" altLang="zh-TW" sz="1200" dirty="0">
+              <a:solidFill>
+                <a:srgbClr val="303233"/>
+              </a:solidFill>
+              <a:latin typeface="Adobe 繁黑體 Std B" panose="020B0700000000000000" pitchFamily="34" charset="-120"/>
+              <a:ea typeface="Adobe 繁黑體 Std B" panose="020B0700000000000000" pitchFamily="34" charset="-120"/>
+            </a:endParaRPr>
+          </a:p>
+          <a:p>
+            <a:pPr>
+              <a:lnSpc>
+                <a:spcPct val="150000"/>
+              </a:lnSpc>
+              <a:buFont typeface="Arial" panose="020B0604020202020204" pitchFamily="34" charset="0"/>
+              <a:buChar char="•"/>
+            </a:pPr>
+            <a:r>
+              <a:rPr lang="en-US" altLang="zh-TW" sz="1200" dirty="0" smtClean="0">
+                <a:solidFill>
+                  <a:srgbClr val="303233"/>
+                </a:solidFill>
+                <a:latin typeface="Adobe 繁黑體 Std B" panose="020B0700000000000000" pitchFamily="34" charset="-120"/>
+                <a:ea typeface="Adobe 繁黑體 Std B" panose="020B0700000000000000" pitchFamily="34" charset="-120"/>
+              </a:rPr>
+              <a:t> Object</a:t>
+            </a:r>
+            <a:endParaRPr lang="en-US" altLang="zh-TW" sz="1200" b="0" i="0" dirty="0">
+              <a:solidFill>
+                <a:srgbClr val="303233"/>
+              </a:solidFill>
+              <a:effectLst/>
+              <a:latin typeface="Adobe 繁黑體 Std B" panose="020B0700000000000000" pitchFamily="34" charset="-120"/>
+              <a:ea typeface="Adobe 繁黑體 Std B" panose="020B0700000000000000" pitchFamily="34" charset="-120"/>
+            </a:endParaRPr>
+          </a:p>
+        </p:txBody>
+      </p:sp>
+      <p:sp>
+        <p:nvSpPr>
+          <p:cNvPr id="10" name="矩形 9"/>
+          <p:cNvSpPr/>
+          <p:nvPr/>
+        </p:nvSpPr>
+        <p:spPr>
+          <a:xfrm>
+            <a:off x="1343661" y="1038146"/>
+            <a:ext cx="5448928" cy="461665"/>
+          </a:xfrm>
+          <a:prstGeom prst="rect">
+            <a:avLst/>
+          </a:prstGeom>
+        </p:spPr>
+        <p:txBody>
+          <a:bodyPr wrap="none">
+            <a:spAutoFit/>
+          </a:bodyPr>
+          <a:lstStyle/>
+          <a:p>
+            <a:r>
+              <a:rPr lang="en-US" altLang="zh-TW" sz="2400" u="sng" dirty="0" smtClean="0">
+                <a:solidFill>
+                  <a:srgbClr val="1C1C1C"/>
+                </a:solidFill>
+                <a:latin typeface="Adobe 繁黑體 Std B" panose="020B0700000000000000" pitchFamily="34" charset="-120"/>
+                <a:ea typeface="Adobe 繁黑體 Std B" panose="020B0700000000000000" pitchFamily="34" charset="-120"/>
+              </a:rPr>
+              <a:t># Pass </a:t>
+            </a:r>
+            <a:r>
+              <a:rPr lang="en-US" altLang="zh-TW" sz="2400" u="sng" dirty="0">
+                <a:solidFill>
+                  <a:srgbClr val="1C1C1C"/>
+                </a:solidFill>
+                <a:latin typeface="Adobe 繁黑體 Std B" panose="020B0700000000000000" pitchFamily="34" charset="-120"/>
+                <a:ea typeface="Adobe 繁黑體 Std B" panose="020B0700000000000000" pitchFamily="34" charset="-120"/>
+              </a:rPr>
+              <a:t>by value </a:t>
+            </a:r>
+            <a:r>
+              <a:rPr lang="zh-TW" altLang="en-US" sz="2400" u="sng" dirty="0">
+                <a:solidFill>
+                  <a:srgbClr val="1C1C1C"/>
+                </a:solidFill>
+                <a:latin typeface="Adobe 繁黑體 Std B" panose="020B0700000000000000" pitchFamily="34" charset="-120"/>
+                <a:ea typeface="Adobe 繁黑體 Std B" panose="020B0700000000000000" pitchFamily="34" charset="-120"/>
+              </a:rPr>
+              <a:t>還有 </a:t>
+            </a:r>
+            <a:r>
+              <a:rPr lang="en-US" altLang="zh-TW" sz="2400" u="sng" dirty="0">
+                <a:solidFill>
+                  <a:srgbClr val="1C1C1C"/>
+                </a:solidFill>
+                <a:latin typeface="Adobe 繁黑體 Std B" panose="020B0700000000000000" pitchFamily="34" charset="-120"/>
+                <a:ea typeface="Adobe 繁黑體 Std B" panose="020B0700000000000000" pitchFamily="34" charset="-120"/>
+              </a:rPr>
+              <a:t>Pass by reference</a:t>
+            </a:r>
+            <a:endParaRPr lang="zh-TW" altLang="en-US" sz="2400" u="sng" dirty="0">
+              <a:latin typeface="Adobe 繁黑體 Std B" panose="020B0700000000000000" pitchFamily="34" charset="-120"/>
+              <a:ea typeface="Adobe 繁黑體 Std B" panose="020B0700000000000000" pitchFamily="34" charset="-120"/>
+            </a:endParaRPr>
+          </a:p>
+        </p:txBody>
+      </p:sp>
+    </p:spTree>
+    <p:extLst>
+      <p:ext uri="{BB962C8B-B14F-4D97-AF65-F5344CB8AC3E}">
+        <p14:creationId xmlns:p14="http://schemas.microsoft.com/office/powerpoint/2010/main" val="556850961"/>
+      </p:ext>
+    </p:extLst>
+  </p:cSld>
+  <p:clrMapOvr>
+    <a:masterClrMapping/>
+  </p:clrMapOvr>
+</p:sld>
+</file>
+
+<file path=ppt/slides/slide59.xml><?xml version="1.0" encoding="utf-8"?>
+<p:sld xmlns:a="http://schemas.openxmlformats.org/drawingml/2006/main" xmlns:r="http://schemas.openxmlformats.org/officeDocument/2006/relationships" xmlns:p="http://schemas.openxmlformats.org/presentationml/2006/main">
+  <p:cSld>
+    <p:spTree>
+      <p:nvGrpSpPr>
+        <p:cNvPr id="1" name=""/>
+        <p:cNvGrpSpPr/>
+        <p:nvPr/>
+      </p:nvGrpSpPr>
+      <p:grpSpPr>
+        <a:xfrm>
+          <a:off x="0" y="0"/>
+          <a:ext cx="0" cy="0"/>
+          <a:chOff x="0" y="0"/>
+          <a:chExt cx="0" cy="0"/>
+        </a:xfrm>
+      </p:grpSpPr>
+      <p:sp>
+        <p:nvSpPr>
+          <p:cNvPr id="2" name="矩形 1"/>
+          <p:cNvSpPr/>
+          <p:nvPr/>
+        </p:nvSpPr>
+        <p:spPr>
+          <a:xfrm>
+            <a:off x="6190360" y="3477309"/>
+            <a:ext cx="2707793" cy="369332"/>
+          </a:xfrm>
+          <a:prstGeom prst="rect">
+            <a:avLst/>
+          </a:prstGeom>
+        </p:spPr>
+        <p:txBody>
+          <a:bodyPr wrap="none">
+            <a:spAutoFit/>
+          </a:bodyPr>
+          <a:lstStyle/>
+          <a:p>
+            <a:r>
+              <a:rPr lang="en-US" altLang="zh-TW" dirty="0" smtClean="0">
+                <a:solidFill>
+                  <a:schemeClr val="tx1">
+                    <a:lumMod val="95000"/>
+                    <a:lumOff val="5000"/>
+                  </a:schemeClr>
+                </a:solidFill>
+                <a:latin typeface="Adobe 繁黑體 Std B" panose="020B0700000000000000" pitchFamily="34" charset="-120"/>
+                <a:ea typeface="Adobe 繁黑體 Std B" panose="020B0700000000000000" pitchFamily="34" charset="-120"/>
+              </a:rPr>
+              <a:t>1. </a:t>
+            </a:r>
+            <a:r>
+              <a:rPr lang="en-US" altLang="zh-TW" dirty="0" err="1" smtClean="0">
+                <a:solidFill>
+                  <a:schemeClr val="tx1">
+                    <a:lumMod val="95000"/>
+                    <a:lumOff val="5000"/>
+                  </a:schemeClr>
+                </a:solidFill>
+                <a:latin typeface="Adobe 繁黑體 Std B" panose="020B0700000000000000" pitchFamily="34" charset="-120"/>
+                <a:ea typeface="Adobe 繁黑體 Std B" panose="020B0700000000000000" pitchFamily="34" charset="-120"/>
+              </a:rPr>
+              <a:t>Object.assign</a:t>
+            </a:r>
+            <a:r>
+              <a:rPr lang="en-US" altLang="zh-TW" dirty="0">
+                <a:solidFill>
+                  <a:schemeClr val="tx1">
+                    <a:lumMod val="95000"/>
+                    <a:lumOff val="5000"/>
+                  </a:schemeClr>
+                </a:solidFill>
+                <a:latin typeface="Adobe 繁黑體 Std B" panose="020B0700000000000000" pitchFamily="34" charset="-120"/>
+                <a:ea typeface="Adobe 繁黑體 Std B" panose="020B0700000000000000" pitchFamily="34" charset="-120"/>
+              </a:rPr>
+              <a:t>({}, obj1)</a:t>
+            </a:r>
+            <a:endParaRPr lang="zh-TW" altLang="en-US" dirty="0">
+              <a:solidFill>
+                <a:schemeClr val="tx1">
+                  <a:lumMod val="95000"/>
+                  <a:lumOff val="5000"/>
+                </a:schemeClr>
+              </a:solidFill>
+              <a:latin typeface="Adobe 繁黑體 Std B" panose="020B0700000000000000" pitchFamily="34" charset="-120"/>
+              <a:ea typeface="Adobe 繁黑體 Std B" panose="020B0700000000000000" pitchFamily="34" charset="-120"/>
+            </a:endParaRPr>
+          </a:p>
+        </p:txBody>
+      </p:sp>
+      <p:sp>
+        <p:nvSpPr>
+          <p:cNvPr id="4" name="矩形 3"/>
+          <p:cNvSpPr/>
+          <p:nvPr/>
+        </p:nvSpPr>
+        <p:spPr>
+          <a:xfrm>
+            <a:off x="2841764" y="2410231"/>
+            <a:ext cx="1152880" cy="400110"/>
+          </a:xfrm>
+          <a:prstGeom prst="rect">
+            <a:avLst/>
+          </a:prstGeom>
+        </p:spPr>
+        <p:txBody>
+          <a:bodyPr wrap="none">
+            <a:spAutoFit/>
+          </a:bodyPr>
+          <a:lstStyle/>
+          <a:p>
+            <a:r>
+              <a:rPr lang="en-US" altLang="zh-TW" sz="2000" b="1" dirty="0" smtClean="0">
+                <a:solidFill>
+                  <a:schemeClr val="tx1">
+                    <a:lumMod val="95000"/>
+                    <a:lumOff val="5000"/>
+                  </a:schemeClr>
+                </a:solidFill>
+                <a:latin typeface="Adobe 繁黑體 Std B" panose="020B0700000000000000" pitchFamily="34" charset="-120"/>
+                <a:ea typeface="Adobe 繁黑體 Std B" panose="020B0700000000000000" pitchFamily="34" charset="-120"/>
+              </a:rPr>
+              <a:t># </a:t>
+            </a:r>
+            <a:r>
+              <a:rPr lang="zh-TW" altLang="en-US" sz="2000" b="1" dirty="0" smtClean="0">
+                <a:solidFill>
+                  <a:schemeClr val="tx1">
+                    <a:lumMod val="95000"/>
+                    <a:lumOff val="5000"/>
+                  </a:schemeClr>
+                </a:solidFill>
+                <a:latin typeface="Adobe 繁黑體 Std B" panose="020B0700000000000000" pitchFamily="34" charset="-120"/>
+                <a:ea typeface="Adobe 繁黑體 Std B" panose="020B0700000000000000" pitchFamily="34" charset="-120"/>
+              </a:rPr>
+              <a:t>淺</a:t>
+            </a:r>
+            <a:r>
+              <a:rPr lang="zh-TW" altLang="en-US" sz="2000" b="1" dirty="0">
+                <a:solidFill>
+                  <a:schemeClr val="tx1">
+                    <a:lumMod val="95000"/>
+                    <a:lumOff val="5000"/>
+                  </a:schemeClr>
+                </a:solidFill>
+                <a:latin typeface="Adobe 繁黑體 Std B" panose="020B0700000000000000" pitchFamily="34" charset="-120"/>
+                <a:ea typeface="Adobe 繁黑體 Std B" panose="020B0700000000000000" pitchFamily="34" charset="-120"/>
+              </a:rPr>
+              <a:t>拷貝</a:t>
+            </a:r>
+            <a:endParaRPr lang="zh-TW" altLang="en-US" sz="2000" b="1" i="0" dirty="0">
+              <a:solidFill>
+                <a:schemeClr val="tx1">
+                  <a:lumMod val="95000"/>
+                  <a:lumOff val="5000"/>
+                </a:schemeClr>
+              </a:solidFill>
+              <a:effectLst/>
+              <a:latin typeface="Adobe 繁黑體 Std B" panose="020B0700000000000000" pitchFamily="34" charset="-120"/>
+              <a:ea typeface="Adobe 繁黑體 Std B" panose="020B0700000000000000" pitchFamily="34" charset="-120"/>
+            </a:endParaRPr>
+          </a:p>
+        </p:txBody>
+      </p:sp>
+      <p:sp>
+        <p:nvSpPr>
+          <p:cNvPr id="11" name="矩形 10"/>
+          <p:cNvSpPr/>
+          <p:nvPr/>
+        </p:nvSpPr>
+        <p:spPr>
+          <a:xfrm>
+            <a:off x="3417892" y="3909702"/>
+            <a:ext cx="1031051" cy="369332"/>
+          </a:xfrm>
+          <a:prstGeom prst="rect">
+            <a:avLst/>
+          </a:prstGeom>
+        </p:spPr>
+        <p:txBody>
+          <a:bodyPr wrap="none">
+            <a:spAutoFit/>
+          </a:bodyPr>
+          <a:lstStyle/>
+          <a:p>
+            <a:r>
+              <a:rPr lang="en-US" altLang="zh-TW" dirty="0" smtClean="0">
+                <a:solidFill>
+                  <a:schemeClr val="tx1">
+                    <a:lumMod val="95000"/>
+                    <a:lumOff val="5000"/>
+                  </a:schemeClr>
+                </a:solidFill>
+                <a:latin typeface="Adobe 繁黑體 Std B" panose="020B0700000000000000" pitchFamily="34" charset="-120"/>
+                <a:ea typeface="Adobe 繁黑體 Std B" panose="020B0700000000000000" pitchFamily="34" charset="-120"/>
+              </a:rPr>
+              <a:t>2. [...</a:t>
+            </a:r>
+            <a:r>
+              <a:rPr lang="en-US" altLang="zh-TW" dirty="0" err="1">
+                <a:solidFill>
+                  <a:schemeClr val="tx1">
+                    <a:lumMod val="95000"/>
+                    <a:lumOff val="5000"/>
+                  </a:schemeClr>
+                </a:solidFill>
+                <a:latin typeface="Adobe 繁黑體 Std B" panose="020B0700000000000000" pitchFamily="34" charset="-120"/>
+                <a:ea typeface="Adobe 繁黑體 Std B" panose="020B0700000000000000" pitchFamily="34" charset="-120"/>
+              </a:rPr>
+              <a:t>a</a:t>
+            </a:r>
+            <a:r>
+              <a:rPr lang="en-US" altLang="zh-TW" dirty="0" err="1" smtClean="0">
+                <a:solidFill>
+                  <a:schemeClr val="tx1">
+                    <a:lumMod val="95000"/>
+                    <a:lumOff val="5000"/>
+                  </a:schemeClr>
+                </a:solidFill>
+                <a:latin typeface="Adobe 繁黑體 Std B" panose="020B0700000000000000" pitchFamily="34" charset="-120"/>
+                <a:ea typeface="Adobe 繁黑體 Std B" panose="020B0700000000000000" pitchFamily="34" charset="-120"/>
+              </a:rPr>
+              <a:t>rr</a:t>
+            </a:r>
+            <a:r>
+              <a:rPr lang="en-US" altLang="zh-TW" dirty="0" smtClean="0">
+                <a:solidFill>
+                  <a:schemeClr val="tx1">
+                    <a:lumMod val="95000"/>
+                    <a:lumOff val="5000"/>
+                  </a:schemeClr>
+                </a:solidFill>
+                <a:latin typeface="Adobe 繁黑體 Std B" panose="020B0700000000000000" pitchFamily="34" charset="-120"/>
+                <a:ea typeface="Adobe 繁黑體 Std B" panose="020B0700000000000000" pitchFamily="34" charset="-120"/>
+              </a:rPr>
+              <a:t>]</a:t>
+            </a:r>
+            <a:endParaRPr lang="zh-TW" altLang="en-US" dirty="0">
+              <a:solidFill>
+                <a:schemeClr val="tx1">
+                  <a:lumMod val="95000"/>
+                  <a:lumOff val="5000"/>
+                </a:schemeClr>
+              </a:solidFill>
+              <a:latin typeface="Adobe 繁黑體 Std B" panose="020B0700000000000000" pitchFamily="34" charset="-120"/>
+              <a:ea typeface="Adobe 繁黑體 Std B" panose="020B0700000000000000" pitchFamily="34" charset="-120"/>
+            </a:endParaRPr>
+          </a:p>
+        </p:txBody>
+      </p:sp>
+      <p:sp>
+        <p:nvSpPr>
+          <p:cNvPr id="12" name="矩形 11"/>
+          <p:cNvSpPr/>
+          <p:nvPr/>
+        </p:nvSpPr>
+        <p:spPr>
+          <a:xfrm>
+            <a:off x="6190359" y="3909702"/>
+            <a:ext cx="1079142" cy="369332"/>
+          </a:xfrm>
+          <a:prstGeom prst="rect">
+            <a:avLst/>
+          </a:prstGeom>
+        </p:spPr>
+        <p:txBody>
+          <a:bodyPr wrap="none">
+            <a:spAutoFit/>
+          </a:bodyPr>
+          <a:lstStyle/>
+          <a:p>
+            <a:r>
+              <a:rPr lang="en-US" altLang="zh-TW" dirty="0" smtClean="0">
+                <a:solidFill>
+                  <a:schemeClr val="tx1">
+                    <a:lumMod val="95000"/>
+                    <a:lumOff val="5000"/>
+                  </a:schemeClr>
+                </a:solidFill>
+                <a:latin typeface="Adobe 繁黑體 Std B" panose="020B0700000000000000" pitchFamily="34" charset="-120"/>
+                <a:ea typeface="Adobe 繁黑體 Std B" panose="020B0700000000000000" pitchFamily="34" charset="-120"/>
+              </a:rPr>
+              <a:t>2. {...</a:t>
+            </a:r>
+            <a:r>
+              <a:rPr lang="en-US" altLang="zh-TW" dirty="0" err="1" smtClean="0">
+                <a:solidFill>
+                  <a:schemeClr val="tx1">
+                    <a:lumMod val="95000"/>
+                    <a:lumOff val="5000"/>
+                  </a:schemeClr>
+                </a:solidFill>
+                <a:latin typeface="Adobe 繁黑體 Std B" panose="020B0700000000000000" pitchFamily="34" charset="-120"/>
+                <a:ea typeface="Adobe 繁黑體 Std B" panose="020B0700000000000000" pitchFamily="34" charset="-120"/>
+              </a:rPr>
+              <a:t>obj</a:t>
+            </a:r>
+            <a:r>
+              <a:rPr lang="en-US" altLang="zh-TW" dirty="0" smtClean="0">
+                <a:solidFill>
+                  <a:schemeClr val="tx1">
+                    <a:lumMod val="95000"/>
+                    <a:lumOff val="5000"/>
+                  </a:schemeClr>
+                </a:solidFill>
+                <a:latin typeface="Adobe 繁黑體 Std B" panose="020B0700000000000000" pitchFamily="34" charset="-120"/>
+                <a:ea typeface="Adobe 繁黑體 Std B" panose="020B0700000000000000" pitchFamily="34" charset="-120"/>
+              </a:rPr>
+              <a:t>}</a:t>
+            </a:r>
+            <a:endParaRPr lang="zh-TW" altLang="en-US" dirty="0">
+              <a:solidFill>
+                <a:schemeClr val="tx1">
+                  <a:lumMod val="95000"/>
+                  <a:lumOff val="5000"/>
+                </a:schemeClr>
+              </a:solidFill>
+              <a:latin typeface="Adobe 繁黑體 Std B" panose="020B0700000000000000" pitchFamily="34" charset="-120"/>
+              <a:ea typeface="Adobe 繁黑體 Std B" panose="020B0700000000000000" pitchFamily="34" charset="-120"/>
+            </a:endParaRPr>
+          </a:p>
+        </p:txBody>
+      </p:sp>
+      <p:sp>
+        <p:nvSpPr>
+          <p:cNvPr id="13" name="矩形 12"/>
+          <p:cNvSpPr/>
+          <p:nvPr/>
+        </p:nvSpPr>
+        <p:spPr>
+          <a:xfrm>
+            <a:off x="3417892" y="3477309"/>
+            <a:ext cx="1503938" cy="369332"/>
+          </a:xfrm>
+          <a:prstGeom prst="rect">
+            <a:avLst/>
+          </a:prstGeom>
+        </p:spPr>
+        <p:txBody>
+          <a:bodyPr wrap="none">
+            <a:spAutoFit/>
+          </a:bodyPr>
+          <a:lstStyle/>
+          <a:p>
+            <a:r>
+              <a:rPr lang="en-US" altLang="zh-TW" dirty="0" smtClean="0">
+                <a:solidFill>
+                  <a:schemeClr val="tx1">
+                    <a:lumMod val="95000"/>
+                    <a:lumOff val="5000"/>
+                  </a:schemeClr>
+                </a:solidFill>
+                <a:latin typeface="Adobe 繁黑體 Std B" panose="020B0700000000000000" pitchFamily="34" charset="-120"/>
+                <a:ea typeface="Adobe 繁黑體 Std B" panose="020B0700000000000000" pitchFamily="34" charset="-120"/>
+              </a:rPr>
+              <a:t>1. </a:t>
+            </a:r>
+            <a:r>
+              <a:rPr lang="en-US" altLang="zh-TW" dirty="0" err="1" smtClean="0">
+                <a:solidFill>
+                  <a:schemeClr val="tx1">
+                    <a:lumMod val="95000"/>
+                    <a:lumOff val="5000"/>
+                  </a:schemeClr>
+                </a:solidFill>
+                <a:latin typeface="Adobe 繁黑體 Std B" panose="020B0700000000000000" pitchFamily="34" charset="-120"/>
+                <a:ea typeface="Adobe 繁黑體 Std B" panose="020B0700000000000000" pitchFamily="34" charset="-120"/>
+              </a:rPr>
+              <a:t>arr</a:t>
+            </a:r>
+            <a:r>
+              <a:rPr lang="zh-TW" altLang="en-US" dirty="0" smtClean="0">
+                <a:solidFill>
+                  <a:schemeClr val="tx1">
+                    <a:lumMod val="95000"/>
+                    <a:lumOff val="5000"/>
+                  </a:schemeClr>
+                </a:solidFill>
+                <a:latin typeface="Adobe 繁黑體 Std B" panose="020B0700000000000000" pitchFamily="34" charset="-120"/>
+                <a:ea typeface="Adobe 繁黑體 Std B" panose="020B0700000000000000" pitchFamily="34" charset="-120"/>
+              </a:rPr>
+              <a:t>.slice</a:t>
+            </a:r>
+            <a:r>
+              <a:rPr lang="zh-TW" altLang="en-US" dirty="0">
+                <a:solidFill>
+                  <a:schemeClr val="tx1">
+                    <a:lumMod val="95000"/>
+                    <a:lumOff val="5000"/>
+                  </a:schemeClr>
+                </a:solidFill>
+                <a:latin typeface="Adobe 繁黑體 Std B" panose="020B0700000000000000" pitchFamily="34" charset="-120"/>
+                <a:ea typeface="Adobe 繁黑體 Std B" panose="020B0700000000000000" pitchFamily="34" charset="-120"/>
+              </a:rPr>
+              <a:t>(0)</a:t>
+            </a:r>
+          </a:p>
+        </p:txBody>
+      </p:sp>
+      <p:sp>
+        <p:nvSpPr>
+          <p:cNvPr id="14" name="矩形 13"/>
+          <p:cNvSpPr/>
+          <p:nvPr/>
+        </p:nvSpPr>
+        <p:spPr>
+          <a:xfrm>
+            <a:off x="3073209" y="2963900"/>
+            <a:ext cx="981359" cy="369332"/>
+          </a:xfrm>
+          <a:prstGeom prst="rect">
+            <a:avLst/>
+          </a:prstGeom>
+        </p:spPr>
+        <p:txBody>
+          <a:bodyPr wrap="none">
+            <a:spAutoFit/>
+          </a:bodyPr>
+          <a:lstStyle/>
+          <a:p>
+            <a:r>
+              <a:rPr lang="en-US" altLang="zh-TW" dirty="0" smtClean="0">
+                <a:solidFill>
+                  <a:schemeClr val="tx1">
+                    <a:lumMod val="95000"/>
+                    <a:lumOff val="5000"/>
+                  </a:schemeClr>
+                </a:solidFill>
+                <a:latin typeface="Adobe 繁黑體 Std B" panose="020B0700000000000000" pitchFamily="34" charset="-120"/>
+                <a:ea typeface="Adobe 繁黑體 Std B" panose="020B0700000000000000" pitchFamily="34" charset="-120"/>
+              </a:rPr>
+              <a:t>‧Array</a:t>
+            </a:r>
+            <a:endParaRPr lang="zh-TW" altLang="en-US" dirty="0">
+              <a:solidFill>
+                <a:schemeClr val="tx1">
+                  <a:lumMod val="95000"/>
+                  <a:lumOff val="5000"/>
+                </a:schemeClr>
+              </a:solidFill>
+              <a:latin typeface="Adobe 繁黑體 Std B" panose="020B0700000000000000" pitchFamily="34" charset="-120"/>
+              <a:ea typeface="Adobe 繁黑體 Std B" panose="020B0700000000000000" pitchFamily="34" charset="-120"/>
+            </a:endParaRPr>
+          </a:p>
+        </p:txBody>
+      </p:sp>
+      <p:sp>
+        <p:nvSpPr>
+          <p:cNvPr id="15" name="矩形 14"/>
+          <p:cNvSpPr/>
+          <p:nvPr/>
+        </p:nvSpPr>
+        <p:spPr>
+          <a:xfrm>
+            <a:off x="5800644" y="2963900"/>
+            <a:ext cx="1107996" cy="369332"/>
+          </a:xfrm>
+          <a:prstGeom prst="rect">
+            <a:avLst/>
+          </a:prstGeom>
+        </p:spPr>
+        <p:txBody>
+          <a:bodyPr wrap="none">
+            <a:spAutoFit/>
+          </a:bodyPr>
+          <a:lstStyle/>
+          <a:p>
+            <a:r>
+              <a:rPr lang="en-US" altLang="zh-TW" dirty="0" smtClean="0">
+                <a:solidFill>
+                  <a:schemeClr val="tx1">
+                    <a:lumMod val="95000"/>
+                    <a:lumOff val="5000"/>
+                  </a:schemeClr>
+                </a:solidFill>
+                <a:latin typeface="Adobe 繁黑體 Std B" panose="020B0700000000000000" pitchFamily="34" charset="-120"/>
+                <a:ea typeface="Adobe 繁黑體 Std B" panose="020B0700000000000000" pitchFamily="34" charset="-120"/>
+              </a:rPr>
+              <a:t>‧Object</a:t>
+            </a:r>
+            <a:endParaRPr lang="zh-TW" altLang="en-US" dirty="0">
+              <a:solidFill>
+                <a:schemeClr val="tx1">
+                  <a:lumMod val="95000"/>
+                  <a:lumOff val="5000"/>
+                </a:schemeClr>
+              </a:solidFill>
+              <a:latin typeface="Adobe 繁黑體 Std B" panose="020B0700000000000000" pitchFamily="34" charset="-120"/>
+              <a:ea typeface="Adobe 繁黑體 Std B" panose="020B0700000000000000" pitchFamily="34" charset="-120"/>
+            </a:endParaRPr>
+          </a:p>
+        </p:txBody>
+      </p:sp>
+    </p:spTree>
+    <p:extLst>
+      <p:ext uri="{BB962C8B-B14F-4D97-AF65-F5344CB8AC3E}">
+        <p14:creationId xmlns:p14="http://schemas.microsoft.com/office/powerpoint/2010/main" val="2230649489"/>
+      </p:ext>
+    </p:extLst>
+  </p:cSld>
+  <p:clrMapOvr>
+    <a:masterClrMapping/>
+  </p:clrMapOvr>
+</p:sld>
+</file>
+
 <file path=ppt/slides/slide6.xml><?xml version="1.0" encoding="utf-8"?>
 <p:sld xmlns:a="http://schemas.openxmlformats.org/drawingml/2006/main" xmlns:r="http://schemas.openxmlformats.org/officeDocument/2006/relationships" xmlns:p="http://schemas.openxmlformats.org/presentationml/2006/main">
   <p:cSld>
@@ -26346,6 +27691,373 @@
     <p:extLst>
       <p:ext uri="{BB962C8B-B14F-4D97-AF65-F5344CB8AC3E}">
         <p14:creationId xmlns:p14="http://schemas.microsoft.com/office/powerpoint/2010/main" val="1894544936"/>
+      </p:ext>
+    </p:extLst>
+  </p:cSld>
+  <p:clrMapOvr>
+    <a:masterClrMapping/>
+  </p:clrMapOvr>
+</p:sld>
+</file>
+
+<file path=ppt/slides/slide60.xml><?xml version="1.0" encoding="utf-8"?>
+<p:sld xmlns:a="http://schemas.openxmlformats.org/drawingml/2006/main" xmlns:r="http://schemas.openxmlformats.org/officeDocument/2006/relationships" xmlns:p="http://schemas.openxmlformats.org/presentationml/2006/main">
+  <p:cSld>
+    <p:spTree>
+      <p:nvGrpSpPr>
+        <p:cNvPr id="1" name=""/>
+        <p:cNvGrpSpPr/>
+        <p:nvPr/>
+      </p:nvGrpSpPr>
+      <p:grpSpPr>
+        <a:xfrm>
+          <a:off x="0" y="0"/>
+          <a:ext cx="0" cy="0"/>
+          <a:chOff x="0" y="0"/>
+          <a:chExt cx="0" cy="0"/>
+        </a:xfrm>
+      </p:grpSpPr>
+      <p:sp>
+        <p:nvSpPr>
+          <p:cNvPr id="16" name="矩形 15"/>
+          <p:cNvSpPr/>
+          <p:nvPr/>
+        </p:nvSpPr>
+        <p:spPr>
+          <a:xfrm>
+            <a:off x="1226747" y="3445363"/>
+            <a:ext cx="6049039" cy="1229114"/>
+          </a:xfrm>
+          <a:prstGeom prst="rect">
+            <a:avLst/>
+          </a:prstGeom>
+          <a:solidFill>
+            <a:srgbClr val="323230"/>
+          </a:solidFill>
+          <a:ln>
+            <a:noFill/>
+          </a:ln>
+        </p:spPr>
+        <p:style>
+          <a:lnRef idx="2">
+            <a:schemeClr val="accent1">
+              <a:shade val="50000"/>
+            </a:schemeClr>
+          </a:lnRef>
+          <a:fillRef idx="1">
+            <a:schemeClr val="accent1"/>
+          </a:fillRef>
+          <a:effectRef idx="0">
+            <a:schemeClr val="accent1"/>
+          </a:effectRef>
+          <a:fontRef idx="minor">
+            <a:schemeClr val="lt1"/>
+          </a:fontRef>
+        </p:style>
+        <p:txBody>
+          <a:bodyPr rtlCol="0" anchor="ctr"/>
+          <a:lstStyle/>
+          <a:p>
+            <a:pPr algn="ctr"/>
+            <a:endParaRPr lang="zh-TW" altLang="en-US"/>
+          </a:p>
+        </p:txBody>
+      </p:sp>
+      <p:sp>
+        <p:nvSpPr>
+          <p:cNvPr id="3" name="矩形 2"/>
+          <p:cNvSpPr/>
+          <p:nvPr/>
+        </p:nvSpPr>
+        <p:spPr>
+          <a:xfrm>
+            <a:off x="801414" y="2227108"/>
+            <a:ext cx="7893269" cy="338554"/>
+          </a:xfrm>
+          <a:prstGeom prst="rect">
+            <a:avLst/>
+          </a:prstGeom>
+        </p:spPr>
+        <p:txBody>
+          <a:bodyPr wrap="square">
+            <a:spAutoFit/>
+          </a:bodyPr>
+          <a:lstStyle/>
+          <a:p>
+            <a:pPr algn="ctr"/>
+            <a:r>
+              <a:rPr lang="zh-TW" altLang="en-US" sz="1600" dirty="0" smtClean="0">
+                <a:latin typeface="Adobe 黑体 Std R" panose="020B0400000000000000" pitchFamily="34" charset="-128"/>
+                <a:ea typeface="Adobe 黑体 Std R" panose="020B0400000000000000" pitchFamily="34" charset="-128"/>
+              </a:rPr>
+              <a:t>載入  </a:t>
+            </a:r>
+            <a:r>
+              <a:rPr lang="en-US" altLang="zh-TW" sz="1600" dirty="0" smtClean="0">
+                <a:latin typeface="Adobe 黑体 Std R" panose="020B0400000000000000" pitchFamily="34" charset="-128"/>
+                <a:ea typeface="Adobe 黑体 Std R" panose="020B0400000000000000" pitchFamily="34" charset="-128"/>
+              </a:rPr>
+              <a:t>:</a:t>
+            </a:r>
+            <a:r>
+              <a:rPr lang="zh-TW" altLang="en-US" sz="1600" dirty="0" smtClean="0">
+                <a:latin typeface="Adobe 黑体 Std R" panose="020B0400000000000000" pitchFamily="34" charset="-128"/>
+                <a:ea typeface="Adobe 黑体 Std R" panose="020B0400000000000000" pitchFamily="34" charset="-128"/>
+              </a:rPr>
+              <a:t>  https</a:t>
+            </a:r>
+            <a:r>
+              <a:rPr lang="zh-TW" altLang="en-US" sz="1600" dirty="0">
+                <a:latin typeface="Adobe 黑体 Std R" panose="020B0400000000000000" pitchFamily="34" charset="-128"/>
+                <a:ea typeface="Adobe 黑体 Std R" panose="020B0400000000000000" pitchFamily="34" charset="-128"/>
+              </a:rPr>
+              <a:t>://cdnjs.cloudflare.com/ajax/libs/lodash.js/4.17.11/lodash.min.js</a:t>
+            </a:r>
+          </a:p>
+        </p:txBody>
+      </p:sp>
+      <p:sp>
+        <p:nvSpPr>
+          <p:cNvPr id="10" name="矩形 9"/>
+          <p:cNvSpPr/>
+          <p:nvPr/>
+        </p:nvSpPr>
+        <p:spPr>
+          <a:xfrm>
+            <a:off x="1154853" y="1267231"/>
+            <a:ext cx="2215671" cy="400110"/>
+          </a:xfrm>
+          <a:prstGeom prst="rect">
+            <a:avLst/>
+          </a:prstGeom>
+        </p:spPr>
+        <p:txBody>
+          <a:bodyPr wrap="none">
+            <a:spAutoFit/>
+          </a:bodyPr>
+          <a:lstStyle/>
+          <a:p>
+            <a:r>
+              <a:rPr lang="en-US" altLang="zh-TW" sz="2000" dirty="0" smtClean="0">
+                <a:solidFill>
+                  <a:schemeClr val="tx1">
+                    <a:lumMod val="95000"/>
+                    <a:lumOff val="5000"/>
+                  </a:schemeClr>
+                </a:solidFill>
+                <a:latin typeface="Adobe 繁黑體 Std B" panose="020B0700000000000000" pitchFamily="34" charset="-120"/>
+                <a:ea typeface="Adobe 繁黑體 Std B" panose="020B0700000000000000" pitchFamily="34" charset="-120"/>
+              </a:rPr>
+              <a:t># </a:t>
+            </a:r>
+            <a:r>
+              <a:rPr lang="en-US" altLang="zh-TW" sz="2000" dirty="0" err="1" smtClean="0">
+                <a:latin typeface="Adobe 繁黑體 Std B" panose="020B0700000000000000" pitchFamily="34" charset="-120"/>
+                <a:ea typeface="Adobe 繁黑體 Std B" panose="020B0700000000000000" pitchFamily="34" charset="-120"/>
+              </a:rPr>
+              <a:t>lodash</a:t>
+            </a:r>
+            <a:r>
+              <a:rPr lang="en-US" altLang="zh-TW" sz="2000" dirty="0" smtClean="0">
+                <a:latin typeface="Adobe 繁黑體 Std B" panose="020B0700000000000000" pitchFamily="34" charset="-120"/>
+                <a:ea typeface="Adobe 繁黑體 Std B" panose="020B0700000000000000" pitchFamily="34" charset="-120"/>
+              </a:rPr>
+              <a:t> &amp; </a:t>
+            </a:r>
+            <a:r>
+              <a:rPr lang="zh-TW" altLang="en-US" sz="2000" dirty="0" smtClean="0">
+                <a:latin typeface="Adobe 繁黑體 Std B" panose="020B0700000000000000" pitchFamily="34" charset="-120"/>
+                <a:ea typeface="Adobe 繁黑體 Std B" panose="020B0700000000000000" pitchFamily="34" charset="-120"/>
+              </a:rPr>
+              <a:t>深拷貝</a:t>
+            </a:r>
+            <a:endParaRPr lang="en-US" altLang="zh-TW" sz="2000" dirty="0">
+              <a:latin typeface="Adobe 繁黑體 Std B" panose="020B0700000000000000" pitchFamily="34" charset="-120"/>
+              <a:ea typeface="Adobe 繁黑體 Std B" panose="020B0700000000000000" pitchFamily="34" charset="-120"/>
+            </a:endParaRPr>
+          </a:p>
+        </p:txBody>
+      </p:sp>
+      <p:sp>
+        <p:nvSpPr>
+          <p:cNvPr id="6" name="矩形 5"/>
+          <p:cNvSpPr/>
+          <p:nvPr/>
+        </p:nvSpPr>
+        <p:spPr>
+          <a:xfrm>
+            <a:off x="1501719" y="3804010"/>
+            <a:ext cx="5452134" cy="461665"/>
+          </a:xfrm>
+          <a:prstGeom prst="rect">
+            <a:avLst/>
+          </a:prstGeom>
+        </p:spPr>
+        <p:txBody>
+          <a:bodyPr wrap="none">
+            <a:spAutoFit/>
+          </a:bodyPr>
+          <a:lstStyle/>
+          <a:p>
+            <a:r>
+              <a:rPr lang="en-US" altLang="zh-TW" sz="2400" i="1" dirty="0" err="1">
+                <a:solidFill>
+                  <a:srgbClr val="66D9EF"/>
+                </a:solidFill>
+                <a:latin typeface="Consolas" panose="020B0609020204030204" pitchFamily="49" charset="0"/>
+              </a:rPr>
+              <a:t>const</a:t>
+            </a:r>
+            <a:r>
+              <a:rPr lang="en-US" altLang="zh-TW" sz="2400" dirty="0">
+                <a:solidFill>
+                  <a:srgbClr val="F8F8F2"/>
+                </a:solidFill>
+                <a:latin typeface="Consolas" panose="020B0609020204030204" pitchFamily="49" charset="0"/>
+              </a:rPr>
+              <a:t> obj2 </a:t>
+            </a:r>
+            <a:r>
+              <a:rPr lang="en-US" altLang="zh-TW" sz="2400" dirty="0">
+                <a:solidFill>
+                  <a:srgbClr val="F92672"/>
+                </a:solidFill>
+                <a:latin typeface="Consolas" panose="020B0609020204030204" pitchFamily="49" charset="0"/>
+              </a:rPr>
+              <a:t>=</a:t>
+            </a:r>
+            <a:r>
+              <a:rPr lang="en-US" altLang="zh-TW" sz="2400" dirty="0">
+                <a:solidFill>
+                  <a:srgbClr val="F8F8F2"/>
+                </a:solidFill>
+                <a:latin typeface="Consolas" panose="020B0609020204030204" pitchFamily="49" charset="0"/>
+              </a:rPr>
+              <a:t> _.</a:t>
+            </a:r>
+            <a:r>
+              <a:rPr lang="en-US" altLang="zh-TW" sz="2400" dirty="0" err="1">
+                <a:solidFill>
+                  <a:srgbClr val="A6E22E"/>
+                </a:solidFill>
+                <a:latin typeface="Consolas" panose="020B0609020204030204" pitchFamily="49" charset="0"/>
+              </a:rPr>
+              <a:t>cloneDeep</a:t>
+            </a:r>
+            <a:r>
+              <a:rPr lang="en-US" altLang="zh-TW" sz="2400" dirty="0">
+                <a:solidFill>
+                  <a:srgbClr val="F8F8F2"/>
+                </a:solidFill>
+                <a:latin typeface="Consolas" panose="020B0609020204030204" pitchFamily="49" charset="0"/>
+              </a:rPr>
+              <a:t>(obj1);</a:t>
+            </a:r>
+            <a:endParaRPr lang="en-US" altLang="zh-TW" sz="2400" b="0" dirty="0">
+              <a:solidFill>
+                <a:srgbClr val="F8F8F2"/>
+              </a:solidFill>
+              <a:effectLst/>
+              <a:latin typeface="Consolas" panose="020B0609020204030204" pitchFamily="49" charset="0"/>
+            </a:endParaRPr>
+          </a:p>
+        </p:txBody>
+      </p:sp>
+    </p:spTree>
+    <p:extLst>
+      <p:ext uri="{BB962C8B-B14F-4D97-AF65-F5344CB8AC3E}">
+        <p14:creationId xmlns:p14="http://schemas.microsoft.com/office/powerpoint/2010/main" val="2416410924"/>
+      </p:ext>
+    </p:extLst>
+  </p:cSld>
+  <p:clrMapOvr>
+    <a:masterClrMapping/>
+  </p:clrMapOvr>
+</p:sld>
+</file>
+
+<file path=ppt/slides/slide61.xml><?xml version="1.0" encoding="utf-8"?>
+<p:sld xmlns:a="http://schemas.openxmlformats.org/drawingml/2006/main" xmlns:r="http://schemas.openxmlformats.org/officeDocument/2006/relationships" xmlns:p="http://schemas.openxmlformats.org/presentationml/2006/main">
+  <p:cSld>
+    <p:spTree>
+      <p:nvGrpSpPr>
+        <p:cNvPr id="1" name=""/>
+        <p:cNvGrpSpPr/>
+        <p:nvPr/>
+      </p:nvGrpSpPr>
+      <p:grpSpPr>
+        <a:xfrm>
+          <a:off x="0" y="0"/>
+          <a:ext cx="0" cy="0"/>
+          <a:chOff x="0" y="0"/>
+          <a:chExt cx="0" cy="0"/>
+        </a:xfrm>
+      </p:grpSpPr>
+      <p:pic>
+        <p:nvPicPr>
+          <p:cNvPr id="7" name="圖片 6"/>
+          <p:cNvPicPr>
+            <a:picLocks noChangeAspect="1"/>
+          </p:cNvPicPr>
+          <p:nvPr/>
+        </p:nvPicPr>
+        <p:blipFill>
+          <a:blip r:embed="rId2">
+            <a:extLst>
+              <a:ext uri="{28A0092B-C50C-407E-A947-70E740481C1C}">
+                <a14:useLocalDpi xmlns:a14="http://schemas.microsoft.com/office/drawing/2010/main" val="0"/>
+              </a:ext>
+            </a:extLst>
+          </a:blip>
+          <a:stretch>
+            <a:fillRect/>
+          </a:stretch>
+        </p:blipFill>
+        <p:spPr>
+          <a:xfrm>
+            <a:off x="2986903" y="705089"/>
+            <a:ext cx="5411366" cy="4219336"/>
+          </a:xfrm>
+          <a:prstGeom prst="rect">
+            <a:avLst/>
+          </a:prstGeom>
+        </p:spPr>
+      </p:pic>
+      <p:sp>
+        <p:nvSpPr>
+          <p:cNvPr id="8" name="矩形 7"/>
+          <p:cNvSpPr/>
+          <p:nvPr/>
+        </p:nvSpPr>
+        <p:spPr>
+          <a:xfrm>
+            <a:off x="2781300" y="5201400"/>
+            <a:ext cx="6096000" cy="923330"/>
+          </a:xfrm>
+          <a:prstGeom prst="rect">
+            <a:avLst/>
+          </a:prstGeom>
+        </p:spPr>
+        <p:txBody>
+          <a:bodyPr>
+            <a:spAutoFit/>
+          </a:bodyPr>
+          <a:lstStyle/>
+          <a:p>
+            <a:r>
+              <a:rPr lang="en-US" altLang="zh-TW" dirty="0">
+                <a:hlinkClick r:id="rId3"/>
+              </a:rPr>
+              <a:t>https://medium.com/@Mike_Cheng1208/%E5%9C%A8%E9%96%8B%E5%A7%8B%E5%AF%ABcode%E5%89%8D%E7%9A%84%E9%81%B8%E6%93%87-662b3a2debe8</a:t>
+            </a:r>
+            <a:endParaRPr lang="zh-TW" altLang="en-US" dirty="0"/>
+          </a:p>
+        </p:txBody>
+      </p:sp>
+    </p:spTree>
+    <p:extLst>
+      <p:ext uri="{BB962C8B-B14F-4D97-AF65-F5344CB8AC3E}">
+        <p14:creationId xmlns:p14="http://schemas.microsoft.com/office/powerpoint/2010/main" val="501368710"/>
       </p:ext>
     </p:extLst>
   </p:cSld>
